--- a/slides/14-LinkedLists.pptx
+++ b/slides/14-LinkedLists.pptx
@@ -251,7 +251,7 @@
           <a:p>
             <a:fld id="{0D8D7A85-C680-4D97-8E7A-1E039B1638C1}" type="datetimeFigureOut">
               <a:rPr lang="en-US" smtClean="0"/>
-              <a:t>7/25/2023</a:t>
+              <a:t>10/25/2023</a:t>
             </a:fld>
             <a:endParaRPr lang="en-US"/>
           </a:p>
@@ -421,7 +421,7 @@
           <a:p>
             <a:fld id="{0D8D7A85-C680-4D97-8E7A-1E039B1638C1}" type="datetimeFigureOut">
               <a:rPr lang="en-US" smtClean="0"/>
-              <a:t>7/25/2023</a:t>
+              <a:t>10/25/2023</a:t>
             </a:fld>
             <a:endParaRPr lang="en-US"/>
           </a:p>
@@ -601,7 +601,7 @@
           <a:p>
             <a:fld id="{0D8D7A85-C680-4D97-8E7A-1E039B1638C1}" type="datetimeFigureOut">
               <a:rPr lang="en-US" smtClean="0"/>
-              <a:t>7/25/2023</a:t>
+              <a:t>10/25/2023</a:t>
             </a:fld>
             <a:endParaRPr lang="en-US"/>
           </a:p>
@@ -771,7 +771,7 @@
           <a:p>
             <a:fld id="{0D8D7A85-C680-4D97-8E7A-1E039B1638C1}" type="datetimeFigureOut">
               <a:rPr lang="en-US" smtClean="0"/>
-              <a:t>7/25/2023</a:t>
+              <a:t>10/25/2023</a:t>
             </a:fld>
             <a:endParaRPr lang="en-US"/>
           </a:p>
@@ -1017,7 +1017,7 @@
           <a:p>
             <a:fld id="{0D8D7A85-C680-4D97-8E7A-1E039B1638C1}" type="datetimeFigureOut">
               <a:rPr lang="en-US" smtClean="0"/>
-              <a:t>7/25/2023</a:t>
+              <a:t>10/25/2023</a:t>
             </a:fld>
             <a:endParaRPr lang="en-US"/>
           </a:p>
@@ -1249,7 +1249,7 @@
           <a:p>
             <a:fld id="{0D8D7A85-C680-4D97-8E7A-1E039B1638C1}" type="datetimeFigureOut">
               <a:rPr lang="en-US" smtClean="0"/>
-              <a:t>7/25/2023</a:t>
+              <a:t>10/25/2023</a:t>
             </a:fld>
             <a:endParaRPr lang="en-US"/>
           </a:p>
@@ -1616,7 +1616,7 @@
           <a:p>
             <a:fld id="{0D8D7A85-C680-4D97-8E7A-1E039B1638C1}" type="datetimeFigureOut">
               <a:rPr lang="en-US" smtClean="0"/>
-              <a:t>7/25/2023</a:t>
+              <a:t>10/25/2023</a:t>
             </a:fld>
             <a:endParaRPr lang="en-US"/>
           </a:p>
@@ -1734,7 +1734,7 @@
           <a:p>
             <a:fld id="{0D8D7A85-C680-4D97-8E7A-1E039B1638C1}" type="datetimeFigureOut">
               <a:rPr lang="en-US" smtClean="0"/>
-              <a:t>7/25/2023</a:t>
+              <a:t>10/25/2023</a:t>
             </a:fld>
             <a:endParaRPr lang="en-US"/>
           </a:p>
@@ -1829,7 +1829,7 @@
           <a:p>
             <a:fld id="{0D8D7A85-C680-4D97-8E7A-1E039B1638C1}" type="datetimeFigureOut">
               <a:rPr lang="en-US" smtClean="0"/>
-              <a:t>7/25/2023</a:t>
+              <a:t>10/25/2023</a:t>
             </a:fld>
             <a:endParaRPr lang="en-US"/>
           </a:p>
@@ -2106,7 +2106,7 @@
           <a:p>
             <a:fld id="{0D8D7A85-C680-4D97-8E7A-1E039B1638C1}" type="datetimeFigureOut">
               <a:rPr lang="en-US" smtClean="0"/>
-              <a:t>7/25/2023</a:t>
+              <a:t>10/25/2023</a:t>
             </a:fld>
             <a:endParaRPr lang="en-US"/>
           </a:p>
@@ -2359,7 +2359,7 @@
           <a:p>
             <a:fld id="{0D8D7A85-C680-4D97-8E7A-1E039B1638C1}" type="datetimeFigureOut">
               <a:rPr lang="en-US" smtClean="0"/>
-              <a:t>7/25/2023</a:t>
+              <a:t>10/25/2023</a:t>
             </a:fld>
             <a:endParaRPr lang="en-US"/>
           </a:p>
@@ -2572,7 +2572,7 @@
           <a:p>
             <a:fld id="{0D8D7A85-C680-4D97-8E7A-1E039B1638C1}" type="datetimeFigureOut">
               <a:rPr lang="en-US" smtClean="0"/>
-              <a:t>7/25/2023</a:t>
+              <a:t>10/25/2023</a:t>
             </a:fld>
             <a:endParaRPr lang="en-US"/>
           </a:p>
@@ -5802,6 +5802,188 @@
               <a:latin typeface="Courier New" panose="02070309020205020404" pitchFamily="49" charset="0"/>
               <a:cs typeface="Courier New" panose="02070309020205020404" pitchFamily="49" charset="0"/>
             </a:endParaRPr>
+          </a:p>
+        </p:txBody>
+      </p:sp>
+      <p:sp>
+        <p:nvSpPr>
+          <p:cNvPr id="3" name="TextBox 2"/>
+          <p:cNvSpPr txBox="1"/>
+          <p:nvPr/>
+        </p:nvSpPr>
+        <p:spPr>
+          <a:xfrm>
+            <a:off x="6203852" y="6330466"/>
+            <a:ext cx="4487594" cy="461665"/>
+          </a:xfrm>
+          <a:prstGeom prst="rect">
+            <a:avLst/>
+          </a:prstGeom>
+          <a:noFill/>
+        </p:spPr>
+        <p:txBody>
+          <a:bodyPr wrap="square" rtlCol="0">
+            <a:spAutoFit/>
+          </a:bodyPr>
+          <a:lstStyle/>
+          <a:p>
+            <a:r>
+              <a:rPr lang="en-US" sz="2400" dirty="0" smtClean="0"/>
+              <a:t>This is called a </a:t>
+            </a:r>
+            <a:r>
+              <a:rPr lang="en-US" sz="2400" b="1" dirty="0" smtClean="0"/>
+              <a:t>linked list</a:t>
+            </a:r>
+            <a:endParaRPr lang="en-US" sz="2400" dirty="0"/>
+          </a:p>
+        </p:txBody>
+      </p:sp>
+      <p:sp>
+        <p:nvSpPr>
+          <p:cNvPr id="50" name="TextBox 49"/>
+          <p:cNvSpPr txBox="1"/>
+          <p:nvPr/>
+        </p:nvSpPr>
+        <p:spPr>
+          <a:xfrm>
+            <a:off x="405616" y="6398460"/>
+            <a:ext cx="4487594" cy="461665"/>
+          </a:xfrm>
+          <a:prstGeom prst="rect">
+            <a:avLst/>
+          </a:prstGeom>
+          <a:noFill/>
+        </p:spPr>
+        <p:txBody>
+          <a:bodyPr wrap="square" rtlCol="0">
+            <a:spAutoFit/>
+          </a:bodyPr>
+          <a:lstStyle/>
+          <a:p>
+            <a:r>
+              <a:rPr lang="en-US" sz="2400" dirty="0" smtClean="0"/>
+              <a:t>This is called a circular linked list</a:t>
+            </a:r>
+            <a:endParaRPr lang="en-US" sz="2400" dirty="0"/>
+          </a:p>
+        </p:txBody>
+      </p:sp>
+      <p:sp>
+        <p:nvSpPr>
+          <p:cNvPr id="9" name="Freeform 8"/>
+          <p:cNvSpPr/>
+          <p:nvPr/>
+        </p:nvSpPr>
+        <p:spPr>
+          <a:xfrm>
+            <a:off x="6322979" y="2023353"/>
+            <a:ext cx="2276272" cy="536323"/>
+          </a:xfrm>
+          <a:custGeom>
+            <a:avLst/>
+            <a:gdLst>
+              <a:gd name="connsiteX0" fmla="*/ 0 w 2276272"/>
+              <a:gd name="connsiteY0" fmla="*/ 525294 h 536323"/>
+              <a:gd name="connsiteX1" fmla="*/ 1322961 w 2276272"/>
+              <a:gd name="connsiteY1" fmla="*/ 466928 h 536323"/>
+              <a:gd name="connsiteX2" fmla="*/ 2276272 w 2276272"/>
+              <a:gd name="connsiteY2" fmla="*/ 0 h 536323"/>
+            </a:gdLst>
+            <a:ahLst/>
+            <a:cxnLst>
+              <a:cxn ang="0">
+                <a:pos x="connsiteX0" y="connsiteY0"/>
+              </a:cxn>
+              <a:cxn ang="0">
+                <a:pos x="connsiteX1" y="connsiteY1"/>
+              </a:cxn>
+              <a:cxn ang="0">
+                <a:pos x="connsiteX2" y="connsiteY2"/>
+              </a:cxn>
+            </a:cxnLst>
+            <a:rect l="l" t="t" r="r" b="b"/>
+            <a:pathLst>
+              <a:path w="2276272" h="536323">
+                <a:moveTo>
+                  <a:pt x="0" y="525294"/>
+                </a:moveTo>
+                <a:cubicBezTo>
+                  <a:pt x="471791" y="539885"/>
+                  <a:pt x="943582" y="554477"/>
+                  <a:pt x="1322961" y="466928"/>
+                </a:cubicBezTo>
+                <a:cubicBezTo>
+                  <a:pt x="1702340" y="379379"/>
+                  <a:pt x="1989306" y="189689"/>
+                  <a:pt x="2276272" y="0"/>
+                </a:cubicBezTo>
+              </a:path>
+            </a:pathLst>
+          </a:custGeom>
+          <a:noFill/>
+          <a:ln>
+            <a:prstDash val="lgDash"/>
+            <a:headEnd type="arrow" w="med" len="med"/>
+            <a:tailEnd type="none" w="med" len="med"/>
+          </a:ln>
+        </p:spPr>
+        <p:style>
+          <a:lnRef idx="2">
+            <a:schemeClr val="accent1">
+              <a:shade val="50000"/>
+            </a:schemeClr>
+          </a:lnRef>
+          <a:fillRef idx="1">
+            <a:schemeClr val="accent1"/>
+          </a:fillRef>
+          <a:effectRef idx="0">
+            <a:schemeClr val="accent1"/>
+          </a:effectRef>
+          <a:fontRef idx="minor">
+            <a:schemeClr val="lt1"/>
+          </a:fontRef>
+        </p:style>
+        <p:txBody>
+          <a:bodyPr rtlCol="0" anchor="ctr"/>
+          <a:lstStyle/>
+          <a:p>
+            <a:pPr algn="ctr"/>
+            <a:endParaRPr lang="en-US"/>
+          </a:p>
+        </p:txBody>
+      </p:sp>
+      <p:sp>
+        <p:nvSpPr>
+          <p:cNvPr id="25" name="TextBox 24"/>
+          <p:cNvSpPr txBox="1"/>
+          <p:nvPr/>
+        </p:nvSpPr>
+        <p:spPr>
+          <a:xfrm flipH="1">
+            <a:off x="8567152" y="1731524"/>
+            <a:ext cx="3352477" cy="369332"/>
+          </a:xfrm>
+          <a:prstGeom prst="rect">
+            <a:avLst/>
+          </a:prstGeom>
+          <a:noFill/>
+        </p:spPr>
+        <p:txBody>
+          <a:bodyPr wrap="square" rtlCol="0">
+            <a:spAutoFit/>
+          </a:bodyPr>
+          <a:lstStyle/>
+          <a:p>
+            <a:r>
+              <a:rPr lang="en-US" dirty="0" err="1" smtClean="0"/>
+              <a:t>Tyically</a:t>
+            </a:r>
+            <a:r>
+              <a:rPr lang="en-US" dirty="0" smtClean="0"/>
+              <a:t> we have more data fields</a:t>
+            </a:r>
+            <a:endParaRPr lang="en-US" dirty="0"/>
           </a:p>
         </p:txBody>
       </p:sp>
@@ -6424,6 +6606,96 @@
                       </p:childTnLst>
                     </p:cTn>
                   </p:par>
+                  <p:par>
+                    <p:cTn id="56" fill="hold">
+                      <p:stCondLst>
+                        <p:cond delay="indefinite"/>
+                      </p:stCondLst>
+                      <p:childTnLst>
+                        <p:par>
+                          <p:cTn id="57" fill="hold">
+                            <p:stCondLst>
+                              <p:cond delay="0"/>
+                            </p:stCondLst>
+                            <p:childTnLst>
+                              <p:par>
+                                <p:cTn id="58" presetID="1" presetClass="entr" presetSubtype="0" fill="hold" grpId="0" nodeType="clickEffect">
+                                  <p:stCondLst>
+                                    <p:cond delay="0"/>
+                                  </p:stCondLst>
+                                  <p:childTnLst>
+                                    <p:set>
+                                      <p:cBhvr>
+                                        <p:cTn id="59" dur="1" fill="hold">
+                                          <p:stCondLst>
+                                            <p:cond delay="0"/>
+                                          </p:stCondLst>
+                                        </p:cTn>
+                                        <p:tgtEl>
+                                          <p:spTgt spid="3"/>
+                                        </p:tgtEl>
+                                        <p:attrNameLst>
+                                          <p:attrName>style.visibility</p:attrName>
+                                        </p:attrNameLst>
+                                      </p:cBhvr>
+                                      <p:to>
+                                        <p:strVal val="visible"/>
+                                      </p:to>
+                                    </p:set>
+                                  </p:childTnLst>
+                                </p:cTn>
+                              </p:par>
+                            </p:childTnLst>
+                          </p:cTn>
+                        </p:par>
+                      </p:childTnLst>
+                    </p:cTn>
+                  </p:par>
+                  <p:par>
+                    <p:cTn id="60" fill="hold">
+                      <p:stCondLst>
+                        <p:cond delay="indefinite"/>
+                      </p:stCondLst>
+                      <p:childTnLst>
+                        <p:par>
+                          <p:cTn id="61" fill="hold">
+                            <p:stCondLst>
+                              <p:cond delay="0"/>
+                            </p:stCondLst>
+                            <p:childTnLst>
+                              <p:par>
+                                <p:cTn id="62" presetID="1" presetClass="entr" presetSubtype="0" fill="hold" grpId="0" nodeType="clickEffect">
+                                  <p:stCondLst>
+                                    <p:cond delay="0"/>
+                                  </p:stCondLst>
+                                  <p:childTnLst>
+                                    <p:set>
+                                      <p:cBhvr>
+                                        <p:cTn id="63" dur="1" fill="hold">
+                                          <p:stCondLst>
+                                            <p:cond delay="0"/>
+                                          </p:stCondLst>
+                                        </p:cTn>
+                                        <p:tgtEl>
+                                          <p:spTgt spid="50"/>
+                                        </p:tgtEl>
+                                        <p:attrNameLst>
+                                          <p:attrName>style.visibility</p:attrName>
+                                        </p:attrNameLst>
+                                      </p:cBhvr>
+                                      <p:to>
+                                        <p:strVal val="visible"/>
+                                      </p:to>
+                                    </p:set>
+                                  </p:childTnLst>
+                                </p:cTn>
+                              </p:par>
+                            </p:childTnLst>
+                          </p:cTn>
+                        </p:par>
+                      </p:childTnLst>
+                    </p:cTn>
+                  </p:par>
                 </p:childTnLst>
               </p:cTn>
               <p:prevCondLst>
@@ -6454,6 +6726,8 @@
       <p:bldP spid="47" grpId="0"/>
       <p:bldP spid="48" grpId="0"/>
       <p:bldP spid="61" grpId="0" animBg="1"/>
+      <p:bldP spid="3" grpId="0"/>
+      <p:bldP spid="50" grpId="0"/>
     </p:bldLst>
   </p:timing>
 </p:sld>
@@ -7222,129 +7496,114 @@
           </a:fontRef>
         </p:style>
       </p:cxnSp>
-      <p:grpSp>
-        <p:nvGrpSpPr>
-          <p:cNvPr id="45" name="Group 44"/>
-          <p:cNvGrpSpPr/>
+      <p:cxnSp>
+        <p:nvCxnSpPr>
+          <p:cNvPr id="41" name="Curved Connector 40"/>
+          <p:cNvCxnSpPr/>
           <p:nvPr/>
-        </p:nvGrpSpPr>
-        <p:grpSpPr>
+        </p:nvCxnSpPr>
+        <p:spPr>
+          <a:xfrm flipV="1">
+            <a:off x="6618514" y="3619418"/>
+            <a:ext cx="2026557" cy="417872"/>
+          </a:xfrm>
+          <a:prstGeom prst="curvedConnector3">
+            <a:avLst/>
+          </a:prstGeom>
+          <a:ln w="38100">
+            <a:solidFill>
+              <a:schemeClr val="tx1">
+                <a:lumMod val="85000"/>
+                <a:lumOff val="15000"/>
+              </a:schemeClr>
+            </a:solidFill>
+            <a:tailEnd type="triangle"/>
+          </a:ln>
+        </p:spPr>
+        <p:style>
+          <a:lnRef idx="1">
+            <a:schemeClr val="accent1"/>
+          </a:lnRef>
+          <a:fillRef idx="0">
+            <a:schemeClr val="accent1"/>
+          </a:fillRef>
+          <a:effectRef idx="0">
+            <a:schemeClr val="accent1"/>
+          </a:effectRef>
+          <a:fontRef idx="minor">
+            <a:schemeClr val="tx1"/>
+          </a:fontRef>
+        </p:style>
+      </p:cxnSp>
+      <p:cxnSp>
+        <p:nvCxnSpPr>
+          <p:cNvPr id="43" name="Curved Connector 42"/>
+          <p:cNvCxnSpPr/>
+          <p:nvPr/>
+        </p:nvCxnSpPr>
+        <p:spPr>
           <a:xfrm>
-            <a:off x="6618514" y="3619418"/>
-            <a:ext cx="5256266" cy="773698"/>
-            <a:chOff x="6618514" y="3619418"/>
-            <a:chExt cx="5256266" cy="773698"/>
+            <a:off x="9666514" y="4103417"/>
+            <a:ext cx="1378857" cy="12700"/>
           </a:xfrm>
-        </p:grpSpPr>
-        <p:cxnSp>
-          <p:nvCxnSpPr>
-            <p:cNvPr id="41" name="Curved Connector 40"/>
-            <p:cNvCxnSpPr/>
-            <p:nvPr/>
-          </p:nvCxnSpPr>
-          <p:spPr>
-            <a:xfrm flipV="1">
-              <a:off x="6618514" y="3619418"/>
-              <a:ext cx="2026557" cy="417872"/>
-            </a:xfrm>
-            <a:prstGeom prst="curvedConnector3">
-              <a:avLst/>
-            </a:prstGeom>
-            <a:ln w="38100">
-              <a:solidFill>
-                <a:schemeClr val="tx1">
-                  <a:lumMod val="85000"/>
-                  <a:lumOff val="15000"/>
-                </a:schemeClr>
-              </a:solidFill>
-              <a:tailEnd type="triangle"/>
-            </a:ln>
-          </p:spPr>
-          <p:style>
-            <a:lnRef idx="1">
-              <a:schemeClr val="accent1"/>
-            </a:lnRef>
-            <a:fillRef idx="0">
-              <a:schemeClr val="accent1"/>
-            </a:fillRef>
-            <a:effectRef idx="0">
-              <a:schemeClr val="accent1"/>
-            </a:effectRef>
-            <a:fontRef idx="minor">
-              <a:schemeClr val="tx1"/>
-            </a:fontRef>
-          </p:style>
-        </p:cxnSp>
-        <p:cxnSp>
-          <p:nvCxnSpPr>
-            <p:cNvPr id="43" name="Curved Connector 42"/>
-            <p:cNvCxnSpPr/>
-            <p:nvPr/>
-          </p:nvCxnSpPr>
-          <p:spPr>
-            <a:xfrm>
-              <a:off x="9666514" y="4103417"/>
-              <a:ext cx="1378857" cy="12700"/>
-            </a:xfrm>
-            <a:prstGeom prst="curvedConnector3">
-              <a:avLst/>
-            </a:prstGeom>
-            <a:ln w="38100">
-              <a:solidFill>
-                <a:schemeClr val="tx1">
-                  <a:lumMod val="85000"/>
-                  <a:lumOff val="15000"/>
-                </a:schemeClr>
-              </a:solidFill>
-              <a:tailEnd type="triangle"/>
-            </a:ln>
-          </p:spPr>
-          <p:style>
-            <a:lnRef idx="1">
-              <a:schemeClr val="accent1"/>
-            </a:lnRef>
-            <a:fillRef idx="0">
-              <a:schemeClr val="accent1"/>
-            </a:fillRef>
-            <a:effectRef idx="0">
-              <a:schemeClr val="accent1"/>
-            </a:effectRef>
-            <a:fontRef idx="minor">
-              <a:schemeClr val="tx1"/>
-            </a:fontRef>
-          </p:style>
-        </p:cxnSp>
-        <p:sp>
-          <p:nvSpPr>
-            <p:cNvPr id="44" name="TextBox 43"/>
-            <p:cNvSpPr txBox="1"/>
-            <p:nvPr/>
-          </p:nvSpPr>
-          <p:spPr>
-            <a:xfrm>
-              <a:off x="11034485" y="3931451"/>
-              <a:ext cx="840295" cy="461665"/>
-            </a:xfrm>
-            <a:prstGeom prst="rect">
-              <a:avLst/>
-            </a:prstGeom>
-            <a:noFill/>
-          </p:spPr>
-          <p:txBody>
-            <a:bodyPr wrap="none" rtlCol="0">
-              <a:spAutoFit/>
-            </a:bodyPr>
-            <a:lstStyle/>
-            <a:p>
-              <a:r>
-                <a:rPr lang="en-US" sz="2400" dirty="0" smtClean="0"/>
-                <a:t>NULL</a:t>
-              </a:r>
-              <a:endParaRPr lang="en-US" sz="2400" dirty="0"/>
-            </a:p>
-          </p:txBody>
-        </p:sp>
-      </p:grpSp>
+          <a:prstGeom prst="curvedConnector3">
+            <a:avLst/>
+          </a:prstGeom>
+          <a:ln w="38100">
+            <a:solidFill>
+              <a:schemeClr val="tx1">
+                <a:lumMod val="85000"/>
+                <a:lumOff val="15000"/>
+              </a:schemeClr>
+            </a:solidFill>
+            <a:tailEnd type="triangle"/>
+          </a:ln>
+        </p:spPr>
+        <p:style>
+          <a:lnRef idx="1">
+            <a:schemeClr val="accent1"/>
+          </a:lnRef>
+          <a:fillRef idx="0">
+            <a:schemeClr val="accent1"/>
+          </a:fillRef>
+          <a:effectRef idx="0">
+            <a:schemeClr val="accent1"/>
+          </a:effectRef>
+          <a:fontRef idx="minor">
+            <a:schemeClr val="tx1"/>
+          </a:fontRef>
+        </p:style>
+      </p:cxnSp>
+      <p:sp>
+        <p:nvSpPr>
+          <p:cNvPr id="44" name="TextBox 43"/>
+          <p:cNvSpPr txBox="1"/>
+          <p:nvPr/>
+        </p:nvSpPr>
+        <p:spPr>
+          <a:xfrm>
+            <a:off x="11034485" y="3931451"/>
+            <a:ext cx="840295" cy="461665"/>
+          </a:xfrm>
+          <a:prstGeom prst="rect">
+            <a:avLst/>
+          </a:prstGeom>
+          <a:noFill/>
+        </p:spPr>
+        <p:txBody>
+          <a:bodyPr wrap="none" rtlCol="0">
+            <a:spAutoFit/>
+          </a:bodyPr>
+          <a:lstStyle/>
+          <a:p>
+            <a:r>
+              <a:rPr lang="en-US" sz="2400" dirty="0" smtClean="0"/>
+              <a:t>NULL</a:t>
+            </a:r>
+            <a:endParaRPr lang="en-US" sz="2400" dirty="0"/>
+          </a:p>
+        </p:txBody>
+      </p:sp>
     </p:spTree>
     <p:extLst>
       <p:ext uri="{BB962C8B-B14F-4D97-AF65-F5344CB8AC3E}">
@@ -7848,7 +8107,79 @@
                                           </p:stCondLst>
                                         </p:cTn>
                                         <p:tgtEl>
-                                          <p:spTgt spid="45"/>
+                                          <p:spTgt spid="41"/>
+                                        </p:tgtEl>
+                                        <p:attrNameLst>
+                                          <p:attrName>style.visibility</p:attrName>
+                                        </p:attrNameLst>
+                                      </p:cBhvr>
+                                      <p:to>
+                                        <p:strVal val="visible"/>
+                                      </p:to>
+                                    </p:set>
+                                  </p:childTnLst>
+                                </p:cTn>
+                              </p:par>
+                            </p:childTnLst>
+                          </p:cTn>
+                        </p:par>
+                      </p:childTnLst>
+                    </p:cTn>
+                  </p:par>
+                  <p:par>
+                    <p:cTn id="45" fill="hold">
+                      <p:stCondLst>
+                        <p:cond delay="indefinite"/>
+                      </p:stCondLst>
+                      <p:childTnLst>
+                        <p:par>
+                          <p:cTn id="46" fill="hold">
+                            <p:stCondLst>
+                              <p:cond delay="0"/>
+                            </p:stCondLst>
+                            <p:childTnLst>
+                              <p:par>
+                                <p:cTn id="47" presetID="1" presetClass="entr" presetSubtype="0" fill="hold" nodeType="clickEffect">
+                                  <p:stCondLst>
+                                    <p:cond delay="0"/>
+                                  </p:stCondLst>
+                                  <p:childTnLst>
+                                    <p:set>
+                                      <p:cBhvr>
+                                        <p:cTn id="48" dur="1" fill="hold">
+                                          <p:stCondLst>
+                                            <p:cond delay="0"/>
+                                          </p:stCondLst>
+                                        </p:cTn>
+                                        <p:tgtEl>
+                                          <p:spTgt spid="43"/>
+                                        </p:tgtEl>
+                                        <p:attrNameLst>
+                                          <p:attrName>style.visibility</p:attrName>
+                                        </p:attrNameLst>
+                                      </p:cBhvr>
+                                      <p:to>
+                                        <p:strVal val="visible"/>
+                                      </p:to>
+                                    </p:set>
+                                  </p:childTnLst>
+                                </p:cTn>
+                              </p:par>
+                              <p:par>
+                                <p:cTn id="49" presetID="1" presetClass="entr" presetSubtype="0" fill="hold" grpId="0" nodeType="withEffect">
+                                  <p:stCondLst>
+                                    <p:cond delay="0"/>
+                                  </p:stCondLst>
+                                  <p:childTnLst>
+                                    <p:set>
+                                      <p:cBhvr>
+                                        <p:cTn id="50" dur="1" fill="hold">
+                                          <p:stCondLst>
+                                            <p:cond delay="0"/>
+                                          </p:stCondLst>
+                                        </p:cTn>
+                                        <p:tgtEl>
+                                          <p:spTgt spid="44"/>
                                         </p:tgtEl>
                                         <p:attrNameLst>
                                           <p:attrName>style.visibility</p:attrName>
@@ -7898,6 +8229,7 @@
       <p:bldP spid="22" grpId="0"/>
       <p:bldP spid="23" grpId="0" animBg="1"/>
       <p:bldP spid="24" grpId="0"/>
+      <p:bldP spid="44" grpId="0"/>
     </p:bldLst>
   </p:timing>
 </p:sld>
@@ -7928,13 +8260,24 @@
         </p:nvSpPr>
         <p:spPr>
           <a:xfrm>
-            <a:off x="381827" y="1460699"/>
-            <a:ext cx="4843502" cy="3416320"/>
+            <a:off x="51091" y="2297278"/>
+            <a:ext cx="4843502" cy="3970318"/>
           </a:xfrm>
           <a:prstGeom prst="rect">
             <a:avLst/>
           </a:prstGeom>
-          <a:noFill/>
+          <a:gradFill flip="none" rotWithShape="1">
+            <a:gsLst>
+              <a:gs pos="0">
+                <a:srgbClr val="FFFF00"/>
+              </a:gs>
+              <a:gs pos="55000">
+                <a:schemeClr val="bg1"/>
+              </a:gs>
+            </a:gsLst>
+            <a:lin ang="5400000" scaled="1"/>
+            <a:tileRect/>
+          </a:gradFill>
         </p:spPr>
         <p:txBody>
           <a:bodyPr wrap="square" rtlCol="0">
@@ -7943,152 +8286,270 @@
           <a:lstStyle/>
           <a:p>
             <a:r>
-              <a:rPr lang="en-US" dirty="0" err="1" smtClean="0"/>
+              <a:rPr lang="en-US" dirty="0" err="1" smtClean="0">
+                <a:latin typeface="Courier New" panose="02070309020205020404" pitchFamily="49" charset="0"/>
+                <a:cs typeface="Courier New" panose="02070309020205020404" pitchFamily="49" charset="0"/>
+              </a:rPr>
               <a:t>struct</a:t>
             </a:r>
             <a:r>
-              <a:rPr lang="en-US" dirty="0" smtClean="0"/>
+              <a:rPr lang="en-US" dirty="0" smtClean="0">
+                <a:latin typeface="Courier New" panose="02070309020205020404" pitchFamily="49" charset="0"/>
+                <a:cs typeface="Courier New" panose="02070309020205020404" pitchFamily="49" charset="0"/>
+              </a:rPr>
               <a:t> node *p1;</a:t>
             </a:r>
           </a:p>
           <a:p>
-            <a:endParaRPr lang="en-US" dirty="0" smtClean="0"/>
-          </a:p>
-          <a:p>
-            <a:r>
-              <a:rPr lang="en-US" dirty="0" smtClean="0"/>
+            <a:endParaRPr lang="en-US" dirty="0" smtClean="0">
+              <a:latin typeface="Courier New" panose="02070309020205020404" pitchFamily="49" charset="0"/>
+              <a:cs typeface="Courier New" panose="02070309020205020404" pitchFamily="49" charset="0"/>
+            </a:endParaRPr>
+          </a:p>
+          <a:p>
+            <a:r>
+              <a:rPr lang="en-US" dirty="0" smtClean="0">
+                <a:latin typeface="Courier New" panose="02070309020205020404" pitchFamily="49" charset="0"/>
+                <a:cs typeface="Courier New" panose="02070309020205020404" pitchFamily="49" charset="0"/>
+              </a:rPr>
               <a:t>p1=</a:t>
             </a:r>
             <a:r>
-              <a:rPr lang="en-US" dirty="0" err="1" smtClean="0"/>
+              <a:rPr lang="en-US" dirty="0" err="1" smtClean="0">
+                <a:latin typeface="Courier New" panose="02070309020205020404" pitchFamily="49" charset="0"/>
+                <a:cs typeface="Courier New" panose="02070309020205020404" pitchFamily="49" charset="0"/>
+              </a:rPr>
               <a:t>malloc</a:t>
             </a:r>
             <a:r>
-              <a:rPr lang="en-US" dirty="0" smtClean="0"/>
+              <a:rPr lang="en-US" dirty="0" smtClean="0">
+                <a:latin typeface="Courier New" panose="02070309020205020404" pitchFamily="49" charset="0"/>
+                <a:cs typeface="Courier New" panose="02070309020205020404" pitchFamily="49" charset="0"/>
+              </a:rPr>
               <a:t>(</a:t>
             </a:r>
             <a:r>
-              <a:rPr lang="en-US" dirty="0" err="1" smtClean="0"/>
+              <a:rPr lang="en-US" dirty="0" err="1" smtClean="0">
+                <a:latin typeface="Courier New" panose="02070309020205020404" pitchFamily="49" charset="0"/>
+                <a:cs typeface="Courier New" panose="02070309020205020404" pitchFamily="49" charset="0"/>
+              </a:rPr>
               <a:t>sizof</a:t>
             </a:r>
             <a:r>
-              <a:rPr lang="en-US" dirty="0" smtClean="0"/>
+              <a:rPr lang="en-US" dirty="0" smtClean="0">
+                <a:latin typeface="Courier New" panose="02070309020205020404" pitchFamily="49" charset="0"/>
+                <a:cs typeface="Courier New" panose="02070309020205020404" pitchFamily="49" charset="0"/>
+              </a:rPr>
               <a:t>(</a:t>
             </a:r>
             <a:r>
-              <a:rPr lang="en-US" dirty="0" err="1" smtClean="0"/>
+              <a:rPr lang="en-US" dirty="0" err="1" smtClean="0">
+                <a:latin typeface="Courier New" panose="02070309020205020404" pitchFamily="49" charset="0"/>
+                <a:cs typeface="Courier New" panose="02070309020205020404" pitchFamily="49" charset="0"/>
+              </a:rPr>
               <a:t>struct</a:t>
             </a:r>
             <a:r>
-              <a:rPr lang="en-US" dirty="0" smtClean="0"/>
+              <a:rPr lang="en-US" dirty="0" smtClean="0">
+                <a:latin typeface="Courier New" panose="02070309020205020404" pitchFamily="49" charset="0"/>
+                <a:cs typeface="Courier New" panose="02070309020205020404" pitchFamily="49" charset="0"/>
+              </a:rPr>
               <a:t> node));</a:t>
             </a:r>
           </a:p>
           <a:p>
             <a:r>
-              <a:rPr lang="en-US" dirty="0" smtClean="0"/>
+              <a:rPr lang="en-US" dirty="0" smtClean="0">
+                <a:latin typeface="Courier New" panose="02070309020205020404" pitchFamily="49" charset="0"/>
+                <a:cs typeface="Courier New" panose="02070309020205020404" pitchFamily="49" charset="0"/>
+              </a:rPr>
               <a:t>p1-&gt;v=0;</a:t>
             </a:r>
           </a:p>
           <a:p>
-            <a:endParaRPr lang="en-US" dirty="0" smtClean="0"/>
-          </a:p>
-          <a:p>
-            <a:r>
-              <a:rPr lang="en-US" dirty="0" smtClean="0"/>
+            <a:r>
+              <a:rPr lang="en-US" dirty="0" smtClean="0">
+                <a:latin typeface="Courier New" panose="02070309020205020404" pitchFamily="49" charset="0"/>
+                <a:cs typeface="Courier New" panose="02070309020205020404" pitchFamily="49" charset="0"/>
+              </a:rPr>
+              <a:t/>
+            </a:r>
+            <a:br>
+              <a:rPr lang="en-US" dirty="0" smtClean="0">
+                <a:latin typeface="Courier New" panose="02070309020205020404" pitchFamily="49" charset="0"/>
+                <a:cs typeface="Courier New" panose="02070309020205020404" pitchFamily="49" charset="0"/>
+              </a:rPr>
+            </a:br>
+            <a:endParaRPr lang="en-US" dirty="0" smtClean="0">
+              <a:latin typeface="Courier New" panose="02070309020205020404" pitchFamily="49" charset="0"/>
+              <a:cs typeface="Courier New" panose="02070309020205020404" pitchFamily="49" charset="0"/>
+            </a:endParaRPr>
+          </a:p>
+          <a:p>
+            <a:r>
+              <a:rPr lang="en-US" dirty="0" smtClean="0">
+                <a:latin typeface="Courier New" panose="02070309020205020404" pitchFamily="49" charset="0"/>
+                <a:cs typeface="Courier New" panose="02070309020205020404" pitchFamily="49" charset="0"/>
+              </a:rPr>
               <a:t>for(</a:t>
             </a:r>
             <a:r>
-              <a:rPr lang="en-US" dirty="0" err="1" smtClean="0"/>
+              <a:rPr lang="en-US" dirty="0" err="1" smtClean="0">
+                <a:latin typeface="Courier New" panose="02070309020205020404" pitchFamily="49" charset="0"/>
+                <a:cs typeface="Courier New" panose="02070309020205020404" pitchFamily="49" charset="0"/>
+              </a:rPr>
               <a:t>int</a:t>
             </a:r>
             <a:r>
-              <a:rPr lang="en-US" dirty="0" smtClean="0"/>
+              <a:rPr lang="en-US" dirty="0" smtClean="0">
+                <a:latin typeface="Courier New" panose="02070309020205020404" pitchFamily="49" charset="0"/>
+                <a:cs typeface="Courier New" panose="02070309020205020404" pitchFamily="49" charset="0"/>
+              </a:rPr>
               <a:t> </a:t>
             </a:r>
             <a:r>
-              <a:rPr lang="en-US" dirty="0" err="1" smtClean="0"/>
+              <a:rPr lang="en-US" dirty="0" err="1" smtClean="0">
+                <a:latin typeface="Courier New" panose="02070309020205020404" pitchFamily="49" charset="0"/>
+                <a:cs typeface="Courier New" panose="02070309020205020404" pitchFamily="49" charset="0"/>
+              </a:rPr>
               <a:t>i</a:t>
             </a:r>
             <a:r>
-              <a:rPr lang="en-US" dirty="0" smtClean="0"/>
+              <a:rPr lang="en-US" dirty="0" smtClean="0">
+                <a:latin typeface="Courier New" panose="02070309020205020404" pitchFamily="49" charset="0"/>
+                <a:cs typeface="Courier New" panose="02070309020205020404" pitchFamily="49" charset="0"/>
+              </a:rPr>
               <a:t>=1;i&lt;5;i++)</a:t>
             </a:r>
           </a:p>
           <a:p>
             <a:r>
-              <a:rPr lang="en-US" dirty="0"/>
+              <a:rPr lang="en-US" dirty="0">
+                <a:latin typeface="Courier New" panose="02070309020205020404" pitchFamily="49" charset="0"/>
+                <a:cs typeface="Courier New" panose="02070309020205020404" pitchFamily="49" charset="0"/>
+              </a:rPr>
               <a:t> </a:t>
             </a:r>
             <a:r>
-              <a:rPr lang="en-US" dirty="0" smtClean="0"/>
+              <a:rPr lang="en-US" dirty="0" smtClean="0">
+                <a:latin typeface="Courier New" panose="02070309020205020404" pitchFamily="49" charset="0"/>
+                <a:cs typeface="Courier New" panose="02070309020205020404" pitchFamily="49" charset="0"/>
+              </a:rPr>
               <a:t>     p1-&gt;next=</a:t>
             </a:r>
             <a:r>
-              <a:rPr lang="en-US" dirty="0" err="1" smtClean="0"/>
+              <a:rPr lang="en-US" dirty="0" err="1" smtClean="0">
+                <a:latin typeface="Courier New" panose="02070309020205020404" pitchFamily="49" charset="0"/>
+                <a:cs typeface="Courier New" panose="02070309020205020404" pitchFamily="49" charset="0"/>
+              </a:rPr>
               <a:t>malloc</a:t>
             </a:r>
             <a:r>
-              <a:rPr lang="en-US" dirty="0" smtClean="0"/>
+              <a:rPr lang="en-US" dirty="0" smtClean="0">
+                <a:latin typeface="Courier New" panose="02070309020205020404" pitchFamily="49" charset="0"/>
+                <a:cs typeface="Courier New" panose="02070309020205020404" pitchFamily="49" charset="0"/>
+              </a:rPr>
               <a:t>(</a:t>
             </a:r>
             <a:r>
-              <a:rPr lang="en-US" dirty="0" err="1" smtClean="0"/>
+              <a:rPr lang="en-US" dirty="0" err="1" smtClean="0">
+                <a:latin typeface="Courier New" panose="02070309020205020404" pitchFamily="49" charset="0"/>
+                <a:cs typeface="Courier New" panose="02070309020205020404" pitchFamily="49" charset="0"/>
+              </a:rPr>
               <a:t>sizeof</a:t>
             </a:r>
             <a:r>
-              <a:rPr lang="en-US" dirty="0" smtClean="0"/>
+              <a:rPr lang="en-US" dirty="0" smtClean="0">
+                <a:latin typeface="Courier New" panose="02070309020205020404" pitchFamily="49" charset="0"/>
+                <a:cs typeface="Courier New" panose="02070309020205020404" pitchFamily="49" charset="0"/>
+              </a:rPr>
               <a:t>(</a:t>
             </a:r>
             <a:r>
-              <a:rPr lang="en-US" dirty="0" err="1" smtClean="0"/>
+              <a:rPr lang="en-US" dirty="0" err="1" smtClean="0">
+                <a:latin typeface="Courier New" panose="02070309020205020404" pitchFamily="49" charset="0"/>
+                <a:cs typeface="Courier New" panose="02070309020205020404" pitchFamily="49" charset="0"/>
+              </a:rPr>
               <a:t>struct</a:t>
             </a:r>
             <a:r>
-              <a:rPr lang="en-US" dirty="0" smtClean="0"/>
+              <a:rPr lang="en-US" dirty="0" smtClean="0">
+                <a:latin typeface="Courier New" panose="02070309020205020404" pitchFamily="49" charset="0"/>
+                <a:cs typeface="Courier New" panose="02070309020205020404" pitchFamily="49" charset="0"/>
+              </a:rPr>
               <a:t> node));</a:t>
             </a:r>
           </a:p>
           <a:p>
             <a:r>
-              <a:rPr lang="en-US" dirty="0"/>
+              <a:rPr lang="en-US" dirty="0">
+                <a:latin typeface="Courier New" panose="02070309020205020404" pitchFamily="49" charset="0"/>
+                <a:cs typeface="Courier New" panose="02070309020205020404" pitchFamily="49" charset="0"/>
+              </a:rPr>
               <a:t> </a:t>
             </a:r>
             <a:r>
-              <a:rPr lang="en-US" dirty="0" smtClean="0"/>
+              <a:rPr lang="en-US" dirty="0" smtClean="0">
+                <a:latin typeface="Courier New" panose="02070309020205020404" pitchFamily="49" charset="0"/>
+                <a:cs typeface="Courier New" panose="02070309020205020404" pitchFamily="49" charset="0"/>
+              </a:rPr>
               <a:t>     p1-&gt;next-&gt;v=</a:t>
             </a:r>
             <a:r>
-              <a:rPr lang="en-US" dirty="0" err="1" smtClean="0"/>
+              <a:rPr lang="en-US" dirty="0" err="1" smtClean="0">
+                <a:latin typeface="Courier New" panose="02070309020205020404" pitchFamily="49" charset="0"/>
+                <a:cs typeface="Courier New" panose="02070309020205020404" pitchFamily="49" charset="0"/>
+              </a:rPr>
               <a:t>i</a:t>
             </a:r>
             <a:r>
-              <a:rPr lang="en-US" dirty="0" smtClean="0"/>
+              <a:rPr lang="en-US" dirty="0" smtClean="0">
+                <a:latin typeface="Courier New" panose="02070309020205020404" pitchFamily="49" charset="0"/>
+                <a:cs typeface="Courier New" panose="02070309020205020404" pitchFamily="49" charset="0"/>
+              </a:rPr>
               <a:t>;</a:t>
             </a:r>
           </a:p>
           <a:p>
-            <a:endParaRPr lang="en-US" dirty="0"/>
-          </a:p>
-          <a:p>
-            <a:r>
-              <a:rPr lang="en-US" dirty="0" smtClean="0"/>
+            <a:endParaRPr lang="en-US" dirty="0">
+              <a:latin typeface="Courier New" panose="02070309020205020404" pitchFamily="49" charset="0"/>
+              <a:cs typeface="Courier New" panose="02070309020205020404" pitchFamily="49" charset="0"/>
+            </a:endParaRPr>
+          </a:p>
+          <a:p>
+            <a:r>
+              <a:rPr lang="en-US" dirty="0" smtClean="0">
+                <a:latin typeface="Courier New" panose="02070309020205020404" pitchFamily="49" charset="0"/>
+                <a:cs typeface="Courier New" panose="02070309020205020404" pitchFamily="49" charset="0"/>
+              </a:rPr>
               <a:t>       p1=p1-&gt;next;</a:t>
             </a:r>
           </a:p>
           <a:p>
             <a:r>
-              <a:rPr lang="en-US" dirty="0" smtClean="0"/>
+              <a:rPr lang="en-US" dirty="0" smtClean="0">
+                <a:latin typeface="Courier New" panose="02070309020205020404" pitchFamily="49" charset="0"/>
+                <a:cs typeface="Courier New" panose="02070309020205020404" pitchFamily="49" charset="0"/>
+              </a:rPr>
               <a:t>}</a:t>
             </a:r>
             <a:br>
-              <a:rPr lang="en-US" dirty="0" smtClean="0"/>
+              <a:rPr lang="en-US" dirty="0" smtClean="0">
+                <a:latin typeface="Courier New" panose="02070309020205020404" pitchFamily="49" charset="0"/>
+                <a:cs typeface="Courier New" panose="02070309020205020404" pitchFamily="49" charset="0"/>
+              </a:rPr>
             </a:br>
             <a:r>
-              <a:rPr lang="en-US" dirty="0" smtClean="0"/>
+              <a:rPr lang="en-US" dirty="0" smtClean="0">
+                <a:latin typeface="Courier New" panose="02070309020205020404" pitchFamily="49" charset="0"/>
+                <a:cs typeface="Courier New" panose="02070309020205020404" pitchFamily="49" charset="0"/>
+              </a:rPr>
               <a:t>p1-&gt;next=NULL;</a:t>
             </a:r>
-            <a:endParaRPr lang="en-US" dirty="0"/>
+            <a:endParaRPr lang="en-US" dirty="0">
+              <a:latin typeface="Courier New" panose="02070309020205020404" pitchFamily="49" charset="0"/>
+              <a:cs typeface="Courier New" panose="02070309020205020404" pitchFamily="49" charset="0"/>
+            </a:endParaRPr>
           </a:p>
         </p:txBody>
       </p:sp>
@@ -8214,208 +8675,83 @@
       </p:sp>
       <p:grpSp>
         <p:nvGrpSpPr>
-          <p:cNvPr id="68" name="Group 67"/>
+          <p:cNvPr id="6" name="Group 5"/>
           <p:cNvGrpSpPr/>
           <p:nvPr/>
         </p:nvGrpSpPr>
         <p:grpSpPr>
           <a:xfrm>
-            <a:off x="4535157" y="2265037"/>
-            <a:ext cx="1448972" cy="1955720"/>
-            <a:chOff x="4535157" y="2265037"/>
-            <a:chExt cx="1448972" cy="1955720"/>
+            <a:off x="4535157" y="3362627"/>
+            <a:ext cx="1434905" cy="858130"/>
+            <a:chOff x="1631852" y="2222695"/>
+            <a:chExt cx="2096086" cy="1547447"/>
           </a:xfrm>
         </p:grpSpPr>
-        <p:grpSp>
-          <p:nvGrpSpPr>
-            <p:cNvPr id="6" name="Group 5"/>
-            <p:cNvGrpSpPr/>
-            <p:nvPr/>
-          </p:nvGrpSpPr>
-          <p:grpSpPr>
-            <a:xfrm>
-              <a:off x="4535157" y="3362627"/>
-              <a:ext cx="1434905" cy="858130"/>
-              <a:chOff x="1631852" y="2222695"/>
-              <a:chExt cx="2096086" cy="1547447"/>
-            </a:xfrm>
-          </p:grpSpPr>
-          <p:sp>
-            <p:nvSpPr>
-              <p:cNvPr id="9" name="Rectangle 8"/>
-              <p:cNvSpPr/>
-              <p:nvPr/>
-            </p:nvSpPr>
-            <p:spPr>
-              <a:xfrm>
-                <a:off x="1631852" y="2222695"/>
-                <a:ext cx="2096086" cy="1547447"/>
-              </a:xfrm>
-              <a:prstGeom prst="rect">
-                <a:avLst/>
-              </a:prstGeom>
-              <a:noFill/>
-            </p:spPr>
-            <p:style>
-              <a:lnRef idx="2">
-                <a:schemeClr val="accent1">
-                  <a:shade val="50000"/>
-                </a:schemeClr>
-              </a:lnRef>
-              <a:fillRef idx="1">
-                <a:schemeClr val="accent1"/>
-              </a:fillRef>
-              <a:effectRef idx="0">
-                <a:schemeClr val="accent1"/>
-              </a:effectRef>
-              <a:fontRef idx="minor">
-                <a:schemeClr val="lt1"/>
-              </a:fontRef>
-            </p:style>
-            <p:txBody>
-              <a:bodyPr rtlCol="0" anchor="ctr"/>
-              <a:lstStyle/>
-              <a:p>
-                <a:pPr algn="ctr"/>
-                <a:endParaRPr lang="en-US" dirty="0"/>
-              </a:p>
-            </p:txBody>
-          </p:sp>
-          <p:cxnSp>
-            <p:nvCxnSpPr>
-              <p:cNvPr id="10" name="Straight Connector 9"/>
-              <p:cNvCxnSpPr>
-                <a:stCxn id="9" idx="1"/>
-                <a:endCxn id="9" idx="3"/>
-              </p:cNvCxnSpPr>
-              <p:nvPr/>
-            </p:nvCxnSpPr>
-            <p:spPr>
-              <a:xfrm>
-                <a:off x="1631852" y="2996419"/>
-                <a:ext cx="2096086" cy="0"/>
-              </a:xfrm>
-              <a:prstGeom prst="line">
-                <a:avLst/>
-              </a:prstGeom>
-              <a:ln>
-                <a:solidFill>
-                  <a:schemeClr val="tx1">
-                    <a:lumMod val="85000"/>
-                    <a:lumOff val="15000"/>
-                  </a:schemeClr>
-                </a:solidFill>
-              </a:ln>
-            </p:spPr>
-            <p:style>
-              <a:lnRef idx="1">
-                <a:schemeClr val="accent1"/>
-              </a:lnRef>
-              <a:fillRef idx="0">
-                <a:schemeClr val="accent1"/>
-              </a:fillRef>
-              <a:effectRef idx="0">
-                <a:schemeClr val="accent1"/>
-              </a:effectRef>
-              <a:fontRef idx="minor">
-                <a:schemeClr val="tx1"/>
-              </a:fontRef>
-            </p:style>
-          </p:cxnSp>
-        </p:grpSp>
         <p:sp>
           <p:nvSpPr>
-            <p:cNvPr id="7" name="TextBox 6"/>
-            <p:cNvSpPr txBox="1"/>
+            <p:cNvPr id="9" name="Rectangle 8"/>
+            <p:cNvSpPr/>
             <p:nvPr/>
           </p:nvSpPr>
           <p:spPr>
             <a:xfrm>
-              <a:off x="5146867" y="3400394"/>
-              <a:ext cx="301686" cy="369332"/>
+              <a:off x="1631852" y="2222695"/>
+              <a:ext cx="2096086" cy="1547447"/>
             </a:xfrm>
             <a:prstGeom prst="rect">
               <a:avLst/>
             </a:prstGeom>
-            <a:solidFill>
-              <a:schemeClr val="accent6">
-                <a:lumMod val="20000"/>
-                <a:lumOff val="80000"/>
+            <a:noFill/>
+          </p:spPr>
+          <p:style>
+            <a:lnRef idx="2">
+              <a:schemeClr val="accent1">
+                <a:shade val="50000"/>
               </a:schemeClr>
-            </a:solidFill>
-          </p:spPr>
+            </a:lnRef>
+            <a:fillRef idx="1">
+              <a:schemeClr val="accent1"/>
+            </a:fillRef>
+            <a:effectRef idx="0">
+              <a:schemeClr val="accent1"/>
+            </a:effectRef>
+            <a:fontRef idx="minor">
+              <a:schemeClr val="lt1"/>
+            </a:fontRef>
+          </p:style>
           <p:txBody>
-            <a:bodyPr wrap="none" rtlCol="0">
-              <a:spAutoFit/>
-            </a:bodyPr>
+            <a:bodyPr rtlCol="0" anchor="ctr"/>
             <a:lstStyle/>
             <a:p>
-              <a:r>
-                <a:rPr lang="en-US" dirty="0"/>
-                <a:t>0</a:t>
-              </a:r>
-            </a:p>
-          </p:txBody>
-        </p:sp>
-        <p:sp>
-          <p:nvSpPr>
-            <p:cNvPr id="8" name="TextBox 7"/>
-            <p:cNvSpPr txBox="1"/>
-            <p:nvPr/>
-          </p:nvSpPr>
-          <p:spPr>
-            <a:xfrm>
-              <a:off x="4549224" y="3835626"/>
-              <a:ext cx="1434905" cy="369332"/>
-            </a:xfrm>
-            <a:prstGeom prst="rect">
-              <a:avLst/>
-            </a:prstGeom>
-            <a:solidFill>
-              <a:schemeClr val="accent4">
-                <a:lumMod val="20000"/>
-                <a:lumOff val="80000"/>
-              </a:schemeClr>
-            </a:solidFill>
-          </p:spPr>
-          <p:txBody>
-            <a:bodyPr wrap="square" rtlCol="0">
-              <a:spAutoFit/>
-            </a:bodyPr>
-            <a:lstStyle/>
-            <a:p>
-              <a:endParaRPr lang="en-US" b="1" dirty="0">
-                <a:latin typeface="Courier New" panose="02070309020205020404" pitchFamily="49" charset="0"/>
-                <a:cs typeface="Courier New" panose="02070309020205020404" pitchFamily="49" charset="0"/>
-              </a:endParaRPr>
+              <a:pPr algn="ctr"/>
+              <a:endParaRPr lang="en-US" dirty="0"/>
             </a:p>
           </p:txBody>
         </p:sp>
         <p:cxnSp>
           <p:nvCxnSpPr>
-            <p:cNvPr id="28" name="Curved Connector 27"/>
-            <p:cNvCxnSpPr/>
+            <p:cNvPr id="10" name="Straight Connector 9"/>
+            <p:cNvCxnSpPr>
+              <a:stCxn id="9" idx="1"/>
+              <a:endCxn id="9" idx="3"/>
+            </p:cNvCxnSpPr>
             <p:nvPr/>
           </p:nvCxnSpPr>
           <p:spPr>
-            <a:xfrm rot="10800000" flipV="1">
-              <a:off x="4579562" y="2265037"/>
-              <a:ext cx="1321404" cy="1081791"/>
+            <a:xfrm>
+              <a:off x="1631852" y="2996419"/>
+              <a:ext cx="2096086" cy="0"/>
             </a:xfrm>
-            <a:prstGeom prst="curvedConnector3">
-              <a:avLst>
-                <a:gd name="adj1" fmla="val 50000"/>
-              </a:avLst>
+            <a:prstGeom prst="line">
+              <a:avLst/>
             </a:prstGeom>
-            <a:ln w="19050">
+            <a:ln>
               <a:solidFill>
                 <a:schemeClr val="tx1">
                   <a:lumMod val="85000"/>
                   <a:lumOff val="15000"/>
                 </a:schemeClr>
               </a:solidFill>
-              <a:prstDash val="dash"/>
-              <a:tailEnd type="triangle"/>
             </a:ln>
           </p:spPr>
           <p:style>
@@ -8434,6 +8770,116 @@
           </p:style>
         </p:cxnSp>
       </p:grpSp>
+      <p:sp>
+        <p:nvSpPr>
+          <p:cNvPr id="7" name="TextBox 6"/>
+          <p:cNvSpPr txBox="1"/>
+          <p:nvPr/>
+        </p:nvSpPr>
+        <p:spPr>
+          <a:xfrm>
+            <a:off x="5146867" y="3400394"/>
+            <a:ext cx="301686" cy="369332"/>
+          </a:xfrm>
+          <a:prstGeom prst="rect">
+            <a:avLst/>
+          </a:prstGeom>
+          <a:solidFill>
+            <a:schemeClr val="accent6">
+              <a:lumMod val="20000"/>
+              <a:lumOff val="80000"/>
+            </a:schemeClr>
+          </a:solidFill>
+        </p:spPr>
+        <p:txBody>
+          <a:bodyPr wrap="none" rtlCol="0">
+            <a:spAutoFit/>
+          </a:bodyPr>
+          <a:lstStyle/>
+          <a:p>
+            <a:r>
+              <a:rPr lang="en-US" dirty="0"/>
+              <a:t>0</a:t>
+            </a:r>
+          </a:p>
+        </p:txBody>
+      </p:sp>
+      <p:sp>
+        <p:nvSpPr>
+          <p:cNvPr id="8" name="TextBox 7"/>
+          <p:cNvSpPr txBox="1"/>
+          <p:nvPr/>
+        </p:nvSpPr>
+        <p:spPr>
+          <a:xfrm>
+            <a:off x="4549224" y="3835626"/>
+            <a:ext cx="1434905" cy="369332"/>
+          </a:xfrm>
+          <a:prstGeom prst="rect">
+            <a:avLst/>
+          </a:prstGeom>
+          <a:solidFill>
+            <a:schemeClr val="accent4">
+              <a:lumMod val="20000"/>
+              <a:lumOff val="80000"/>
+            </a:schemeClr>
+          </a:solidFill>
+        </p:spPr>
+        <p:txBody>
+          <a:bodyPr wrap="square" rtlCol="0">
+            <a:spAutoFit/>
+          </a:bodyPr>
+          <a:lstStyle/>
+          <a:p>
+            <a:endParaRPr lang="en-US" b="1" dirty="0">
+              <a:latin typeface="Courier New" panose="02070309020205020404" pitchFamily="49" charset="0"/>
+              <a:cs typeface="Courier New" panose="02070309020205020404" pitchFamily="49" charset="0"/>
+            </a:endParaRPr>
+          </a:p>
+        </p:txBody>
+      </p:sp>
+      <p:cxnSp>
+        <p:nvCxnSpPr>
+          <p:cNvPr id="28" name="Curved Connector 27"/>
+          <p:cNvCxnSpPr/>
+          <p:nvPr/>
+        </p:nvCxnSpPr>
+        <p:spPr>
+          <a:xfrm rot="10800000" flipV="1">
+            <a:off x="4579562" y="2265037"/>
+            <a:ext cx="1321404" cy="1081791"/>
+          </a:xfrm>
+          <a:prstGeom prst="curvedConnector3">
+            <a:avLst>
+              <a:gd name="adj1" fmla="val 50000"/>
+            </a:avLst>
+          </a:prstGeom>
+          <a:ln w="19050">
+            <a:solidFill>
+              <a:schemeClr val="tx1">
+                <a:lumMod val="85000"/>
+                <a:lumOff val="15000"/>
+              </a:schemeClr>
+            </a:solidFill>
+            <a:prstDash val="dash"/>
+            <a:tailEnd type="triangle"/>
+          </a:ln>
+        </p:spPr>
+        <p:style>
+          <a:lnRef idx="1">
+            <a:schemeClr val="accent1"/>
+          </a:lnRef>
+          <a:fillRef idx="0">
+            <a:schemeClr val="accent1"/>
+          </a:fillRef>
+          <a:effectRef idx="0">
+            <a:schemeClr val="accent1"/>
+          </a:effectRef>
+          <a:fontRef idx="minor">
+            <a:schemeClr val="tx1"/>
+          </a:fontRef>
+        </p:style>
+      </p:cxnSp>
       <p:grpSp>
         <p:nvGrpSpPr>
           <p:cNvPr id="18" name="Group 17"/>
@@ -9701,7 +10147,7 @@
                                           </p:stCondLst>
                                         </p:cTn>
                                         <p:tgtEl>
-                                          <p:spTgt spid="68"/>
+                                          <p:spTgt spid="6"/>
                                         </p:tgtEl>
                                         <p:attrNameLst>
                                           <p:attrName>style.visibility</p:attrName>
@@ -9714,6 +10160,103 @@
                                   </p:childTnLst>
                                 </p:cTn>
                               </p:par>
+                              <p:par>
+                                <p:cTn id="7" presetID="1" presetClass="entr" presetSubtype="0" fill="hold" grpId="0" nodeType="withEffect">
+                                  <p:stCondLst>
+                                    <p:cond delay="0"/>
+                                  </p:stCondLst>
+                                  <p:childTnLst>
+                                    <p:set>
+                                      <p:cBhvr>
+                                        <p:cTn id="8" dur="1" fill="hold">
+                                          <p:stCondLst>
+                                            <p:cond delay="0"/>
+                                          </p:stCondLst>
+                                        </p:cTn>
+                                        <p:tgtEl>
+                                          <p:spTgt spid="7"/>
+                                        </p:tgtEl>
+                                        <p:attrNameLst>
+                                          <p:attrName>style.visibility</p:attrName>
+                                        </p:attrNameLst>
+                                      </p:cBhvr>
+                                      <p:to>
+                                        <p:strVal val="visible"/>
+                                      </p:to>
+                                    </p:set>
+                                  </p:childTnLst>
+                                </p:cTn>
+                              </p:par>
+                              <p:par>
+                                <p:cTn id="9" presetID="1" presetClass="entr" presetSubtype="0" fill="hold" grpId="0" nodeType="withEffect">
+                                  <p:stCondLst>
+                                    <p:cond delay="0"/>
+                                  </p:stCondLst>
+                                  <p:childTnLst>
+                                    <p:set>
+                                      <p:cBhvr>
+                                        <p:cTn id="10" dur="1" fill="hold">
+                                          <p:stCondLst>
+                                            <p:cond delay="0"/>
+                                          </p:stCondLst>
+                                        </p:cTn>
+                                        <p:tgtEl>
+                                          <p:spTgt spid="8"/>
+                                        </p:tgtEl>
+                                        <p:attrNameLst>
+                                          <p:attrName>style.visibility</p:attrName>
+                                        </p:attrNameLst>
+                                      </p:cBhvr>
+                                      <p:to>
+                                        <p:strVal val="visible"/>
+                                      </p:to>
+                                    </p:set>
+                                  </p:childTnLst>
+                                </p:cTn>
+                              </p:par>
+                              <p:par>
+                                <p:cTn id="11" presetID="1" presetClass="entr" presetSubtype="0" fill="hold" nodeType="withEffect">
+                                  <p:stCondLst>
+                                    <p:cond delay="0"/>
+                                  </p:stCondLst>
+                                  <p:childTnLst>
+                                    <p:set>
+                                      <p:cBhvr>
+                                        <p:cTn id="12" dur="1" fill="hold">
+                                          <p:stCondLst>
+                                            <p:cond delay="0"/>
+                                          </p:stCondLst>
+                                        </p:cTn>
+                                        <p:tgtEl>
+                                          <p:spTgt spid="28"/>
+                                        </p:tgtEl>
+                                        <p:attrNameLst>
+                                          <p:attrName>style.visibility</p:attrName>
+                                        </p:attrNameLst>
+                                      </p:cBhvr>
+                                      <p:to>
+                                        <p:strVal val="visible"/>
+                                      </p:to>
+                                    </p:set>
+                                  </p:childTnLst>
+                                  <p:subTnLst>
+                                    <p:animClr clrSpc="rgb" dir="cw">
+                                      <p:cBhvr override="childStyle">
+                                        <p:cTn dur="1" fill="hold" display="0" masterRel="nextClick" afterEffect="1"/>
+                                        <p:tgtEl>
+                                          <p:spTgt spid="28"/>
+                                        </p:tgtEl>
+                                        <p:attrNameLst>
+                                          <p:attrName>ppt_c</p:attrName>
+                                        </p:attrNameLst>
+                                      </p:cBhvr>
+                                      <p:to>
+                                        <a:schemeClr val="bg2"/>
+                                      </p:to>
+                                    </p:animClr>
+                                  </p:subTnLst>
+                                </p:cTn>
+                              </p:par>
                             </p:childTnLst>
                           </p:cTn>
                         </p:par>
@@ -9721,26 +10264,26 @@
                     </p:cTn>
                   </p:par>
                   <p:par>
-                    <p:cTn id="7" fill="hold">
+                    <p:cTn id="13" fill="hold">
                       <p:stCondLst>
                         <p:cond delay="indefinite"/>
                       </p:stCondLst>
                       <p:childTnLst>
                         <p:par>
-                          <p:cTn id="8" fill="hold">
+                          <p:cTn id="14" fill="hold">
                             <p:stCondLst>
                               <p:cond delay="0"/>
                             </p:stCondLst>
                             <p:childTnLst>
                               <p:par>
-                                <p:cTn id="9" presetID="1" presetClass="entr" presetSubtype="0" fill="hold" nodeType="clickEffect">
+                                <p:cTn id="15" presetID="1" presetClass="entr" presetSubtype="0" fill="hold" nodeType="clickEffect">
                                   <p:stCondLst>
                                     <p:cond delay="0"/>
                                   </p:stCondLst>
                                   <p:childTnLst>
                                     <p:set>
                                       <p:cBhvr>
-                                        <p:cTn id="10" dur="1" fill="hold">
+                                        <p:cTn id="16" dur="1" fill="hold">
                                           <p:stCondLst>
                                             <p:cond delay="0"/>
                                           </p:stCondLst>
@@ -9766,26 +10309,26 @@
                     </p:cTn>
                   </p:par>
                   <p:par>
-                    <p:cTn id="11" fill="hold">
+                    <p:cTn id="17" fill="hold">
                       <p:stCondLst>
                         <p:cond delay="indefinite"/>
                       </p:stCondLst>
                       <p:childTnLst>
                         <p:par>
-                          <p:cTn id="12" fill="hold">
+                          <p:cTn id="18" fill="hold">
                             <p:stCondLst>
                               <p:cond delay="0"/>
                             </p:stCondLst>
                             <p:childTnLst>
                               <p:par>
-                                <p:cTn id="13" presetID="1" presetClass="entr" presetSubtype="0" fill="hold" nodeType="clickEffect">
+                                <p:cTn id="19" presetID="1" presetClass="entr" presetSubtype="0" fill="hold" nodeType="clickEffect">
                                   <p:stCondLst>
                                     <p:cond delay="0"/>
                                   </p:stCondLst>
                                   <p:childTnLst>
                                     <p:set>
                                       <p:cBhvr>
-                                        <p:cTn id="14" dur="1" fill="hold">
+                                        <p:cTn id="20" dur="1" fill="hold">
                                           <p:stCondLst>
                                             <p:cond delay="0"/>
                                           </p:stCondLst>
@@ -9802,6 +10345,22 @@
                                       </p:to>
                                     </p:set>
                                   </p:childTnLst>
+                                  <p:subTnLst>
+                                    <p:animClr clrSpc="rgb" dir="cw">
+                                      <p:cBhvr override="childStyle">
+                                        <p:cTn dur="1" fill="hold" display="0" masterRel="nextClick" afterEffect="1"/>
+                                        <p:tgtEl>
+                                          <p:spTgt spid="20"/>
+                                        </p:tgtEl>
+                                        <p:attrNameLst>
+                                          <p:attrName>ppt_c</p:attrName>
+                                        </p:attrNameLst>
+                                      </p:cBhvr>
+                                      <p:to>
+                                        <a:schemeClr val="bg2"/>
+                                      </p:to>
+                                    </p:animClr>
+                                  </p:subTnLst>
                                 </p:cTn>
                               </p:par>
                             </p:childTnLst>
@@ -9811,26 +10370,26 @@
                     </p:cTn>
                   </p:par>
                   <p:par>
-                    <p:cTn id="15" fill="hold">
+                    <p:cTn id="21" fill="hold">
                       <p:stCondLst>
                         <p:cond delay="indefinite"/>
                       </p:stCondLst>
                       <p:childTnLst>
                         <p:par>
-                          <p:cTn id="16" fill="hold">
+                          <p:cTn id="22" fill="hold">
                             <p:stCondLst>
                               <p:cond delay="0"/>
                             </p:stCondLst>
                             <p:childTnLst>
                               <p:par>
-                                <p:cTn id="17" presetID="1" presetClass="entr" presetSubtype="0" fill="hold" nodeType="clickEffect">
+                                <p:cTn id="23" presetID="1" presetClass="entr" presetSubtype="0" fill="hold" nodeType="clickEffect">
                                   <p:stCondLst>
                                     <p:cond delay="0"/>
                                   </p:stCondLst>
                                   <p:childTnLst>
                                     <p:set>
                                       <p:cBhvr>
-                                        <p:cTn id="18" dur="1" fill="hold">
+                                        <p:cTn id="24" dur="1" fill="hold">
                                           <p:stCondLst>
                                             <p:cond delay="0"/>
                                           </p:stCondLst>
@@ -9856,26 +10415,26 @@
                     </p:cTn>
                   </p:par>
                   <p:par>
-                    <p:cTn id="19" fill="hold">
+                    <p:cTn id="25" fill="hold">
                       <p:stCondLst>
                         <p:cond delay="indefinite"/>
                       </p:stCondLst>
                       <p:childTnLst>
                         <p:par>
-                          <p:cTn id="20" fill="hold">
+                          <p:cTn id="26" fill="hold">
                             <p:stCondLst>
                               <p:cond delay="0"/>
                             </p:stCondLst>
                             <p:childTnLst>
                               <p:par>
-                                <p:cTn id="21" presetID="1" presetClass="entr" presetSubtype="0" fill="hold" nodeType="clickEffect">
+                                <p:cTn id="27" presetID="1" presetClass="entr" presetSubtype="0" fill="hold" nodeType="clickEffect">
                                   <p:stCondLst>
                                     <p:cond delay="0"/>
                                   </p:stCondLst>
                                   <p:childTnLst>
                                     <p:set>
                                       <p:cBhvr>
-                                        <p:cTn id="22" dur="1" fill="hold">
+                                        <p:cTn id="28" dur="1" fill="hold">
                                           <p:stCondLst>
                                             <p:cond delay="0"/>
                                           </p:stCondLst>
@@ -9892,6 +10451,22 @@
                                       </p:to>
                                     </p:set>
                                   </p:childTnLst>
+                                  <p:subTnLst>
+                                    <p:animClr clrSpc="rgb" dir="cw">
+                                      <p:cBhvr override="childStyle">
+                                        <p:cTn dur="1" fill="hold" display="0" masterRel="nextClick" afterEffect="1"/>
+                                        <p:tgtEl>
+                                          <p:spTgt spid="26"/>
+                                        </p:tgtEl>
+                                        <p:attrNameLst>
+                                          <p:attrName>ppt_c</p:attrName>
+                                        </p:attrNameLst>
+                                      </p:cBhvr>
+                                      <p:to>
+                                        <a:schemeClr val="bg2"/>
+                                      </p:to>
+                                    </p:animClr>
+                                  </p:subTnLst>
                                 </p:cTn>
                               </p:par>
                             </p:childTnLst>
@@ -9901,26 +10476,26 @@
                     </p:cTn>
                   </p:par>
                   <p:par>
-                    <p:cTn id="23" fill="hold">
+                    <p:cTn id="29" fill="hold">
                       <p:stCondLst>
                         <p:cond delay="indefinite"/>
                       </p:stCondLst>
                       <p:childTnLst>
                         <p:par>
-                          <p:cTn id="24" fill="hold">
+                          <p:cTn id="30" fill="hold">
                             <p:stCondLst>
                               <p:cond delay="0"/>
                             </p:stCondLst>
                             <p:childTnLst>
                               <p:par>
-                                <p:cTn id="25" presetID="1" presetClass="entr" presetSubtype="0" fill="hold" nodeType="clickEffect">
+                                <p:cTn id="31" presetID="1" presetClass="entr" presetSubtype="0" fill="hold" nodeType="clickEffect">
                                   <p:stCondLst>
                                     <p:cond delay="0"/>
                                   </p:stCondLst>
                                   <p:childTnLst>
                                     <p:set>
                                       <p:cBhvr>
-                                        <p:cTn id="26" dur="1" fill="hold">
+                                        <p:cTn id="32" dur="1" fill="hold">
                                           <p:stCondLst>
                                             <p:cond delay="0"/>
                                           </p:stCondLst>
@@ -9946,26 +10521,26 @@
                     </p:cTn>
                   </p:par>
                   <p:par>
-                    <p:cTn id="27" fill="hold">
+                    <p:cTn id="33" fill="hold">
                       <p:stCondLst>
                         <p:cond delay="indefinite"/>
                       </p:stCondLst>
                       <p:childTnLst>
                         <p:par>
-                          <p:cTn id="28" fill="hold">
+                          <p:cTn id="34" fill="hold">
                             <p:stCondLst>
                               <p:cond delay="0"/>
                             </p:stCondLst>
                             <p:childTnLst>
                               <p:par>
-                                <p:cTn id="29" presetID="1" presetClass="entr" presetSubtype="0" fill="hold" grpId="0" nodeType="clickEffect">
+                                <p:cTn id="35" presetID="1" presetClass="entr" presetSubtype="0" fill="hold" grpId="0" nodeType="clickEffect">
                                   <p:stCondLst>
                                     <p:cond delay="0"/>
                                   </p:stCondLst>
                                   <p:childTnLst>
                                     <p:set>
                                       <p:cBhvr>
-                                        <p:cTn id="30" dur="1" fill="hold">
+                                        <p:cTn id="36" dur="1" fill="hold">
                                           <p:stCondLst>
                                             <p:cond delay="0"/>
                                           </p:stCondLst>
@@ -9982,6 +10557,22 @@
                                       </p:to>
                                     </p:set>
                                   </p:childTnLst>
+                                  <p:subTnLst>
+                                    <p:animClr clrSpc="rgb" dir="cw">
+                                      <p:cBhvr override="childStyle">
+                                        <p:cTn dur="1" fill="hold" display="0" masterRel="nextClick" afterEffect="1"/>
+                                        <p:tgtEl>
+                                          <p:spTgt spid="32"/>
+                                        </p:tgtEl>
+                                        <p:attrNameLst>
+                                          <p:attrName>ppt_c</p:attrName>
+                                        </p:attrNameLst>
+                                      </p:cBhvr>
+                                      <p:to>
+                                        <a:schemeClr val="bg2"/>
+                                      </p:to>
+                                    </p:animClr>
+                                  </p:subTnLst>
                                 </p:cTn>
                               </p:par>
                             </p:childTnLst>
@@ -9991,26 +10582,26 @@
                     </p:cTn>
                   </p:par>
                   <p:par>
-                    <p:cTn id="31" fill="hold">
+                    <p:cTn id="37" fill="hold">
                       <p:stCondLst>
                         <p:cond delay="indefinite"/>
                       </p:stCondLst>
                       <p:childTnLst>
                         <p:par>
-                          <p:cTn id="32" fill="hold">
+                          <p:cTn id="38" fill="hold">
                             <p:stCondLst>
                               <p:cond delay="0"/>
                             </p:stCondLst>
                             <p:childTnLst>
                               <p:par>
-                                <p:cTn id="33" presetID="1" presetClass="entr" presetSubtype="0" fill="hold" nodeType="clickEffect">
+                                <p:cTn id="39" presetID="1" presetClass="entr" presetSubtype="0" fill="hold" nodeType="clickEffect">
                                   <p:stCondLst>
                                     <p:cond delay="0"/>
                                   </p:stCondLst>
                                   <p:childTnLst>
                                     <p:set>
                                       <p:cBhvr>
-                                        <p:cTn id="34" dur="1" fill="hold">
+                                        <p:cTn id="40" dur="1" fill="hold">
                                           <p:stCondLst>
                                             <p:cond delay="0"/>
                                           </p:stCondLst>
@@ -10036,26 +10627,26 @@
                     </p:cTn>
                   </p:par>
                   <p:par>
-                    <p:cTn id="35" fill="hold">
+                    <p:cTn id="41" fill="hold">
                       <p:stCondLst>
                         <p:cond delay="indefinite"/>
                       </p:stCondLst>
                       <p:childTnLst>
                         <p:par>
-                          <p:cTn id="36" fill="hold">
+                          <p:cTn id="42" fill="hold">
                             <p:stCondLst>
                               <p:cond delay="0"/>
                             </p:stCondLst>
                             <p:childTnLst>
                               <p:par>
-                                <p:cTn id="37" presetID="1" presetClass="entr" presetSubtype="0" fill="hold" grpId="0" nodeType="clickEffect">
+                                <p:cTn id="43" presetID="1" presetClass="entr" presetSubtype="0" fill="hold" grpId="0" nodeType="clickEffect">
                                   <p:stCondLst>
                                     <p:cond delay="0"/>
                                   </p:stCondLst>
                                   <p:childTnLst>
                                     <p:set>
                                       <p:cBhvr>
-                                        <p:cTn id="38" dur="1" fill="hold">
+                                        <p:cTn id="44" dur="1" fill="hold">
                                           <p:stCondLst>
                                             <p:cond delay="0"/>
                                           </p:stCondLst>
@@ -10081,26 +10672,26 @@
                     </p:cTn>
                   </p:par>
                   <p:par>
-                    <p:cTn id="39" fill="hold">
+                    <p:cTn id="45" fill="hold">
                       <p:stCondLst>
                         <p:cond delay="indefinite"/>
                       </p:stCondLst>
                       <p:childTnLst>
                         <p:par>
-                          <p:cTn id="40" fill="hold">
+                          <p:cTn id="46" fill="hold">
                             <p:stCondLst>
                               <p:cond delay="0"/>
                             </p:stCondLst>
                             <p:childTnLst>
                               <p:par>
-                                <p:cTn id="41" presetID="1" presetClass="entr" presetSubtype="0" fill="hold" nodeType="clickEffect">
+                                <p:cTn id="47" presetID="1" presetClass="entr" presetSubtype="0" fill="hold" nodeType="clickEffect">
                                   <p:stCondLst>
                                     <p:cond delay="0"/>
                                   </p:stCondLst>
                                   <p:childTnLst>
                                     <p:set>
                                       <p:cBhvr>
-                                        <p:cTn id="42" dur="1" fill="hold">
+                                        <p:cTn id="48" dur="1" fill="hold">
                                           <p:stCondLst>
                                             <p:cond delay="0"/>
                                           </p:stCondLst>
@@ -10120,14 +10711,14 @@
                                 </p:cTn>
                               </p:par>
                               <p:par>
-                                <p:cTn id="43" presetID="1" presetClass="entr" presetSubtype="0" fill="hold" grpId="0" nodeType="withEffect">
+                                <p:cTn id="49" presetID="1" presetClass="entr" presetSubtype="0" fill="hold" grpId="0" nodeType="withEffect">
                                   <p:stCondLst>
                                     <p:cond delay="0"/>
                                   </p:stCondLst>
                                   <p:childTnLst>
                                     <p:set>
                                       <p:cBhvr>
-                                        <p:cTn id="44" dur="1" fill="hold">
+                                        <p:cTn id="50" dur="1" fill="hold">
                                           <p:stCondLst>
                                             <p:cond delay="0"/>
                                           </p:stCondLst>
@@ -10174,6 +10765,8 @@
       </p:par>
     </p:tnLst>
     <p:bldLst>
+      <p:bldP spid="7" grpId="0" animBg="1"/>
+      <p:bldP spid="8" grpId="0" animBg="1"/>
       <p:bldP spid="32" grpId="0" animBg="1"/>
       <p:bldP spid="63" grpId="0" animBg="1"/>
       <p:bldP spid="67" grpId="0"/>
@@ -10207,13 +10800,24 @@
         </p:nvSpPr>
         <p:spPr>
           <a:xfrm>
-            <a:off x="381827" y="1460699"/>
-            <a:ext cx="4843502" cy="3693319"/>
+            <a:off x="381827" y="2433458"/>
+            <a:ext cx="4843502" cy="3970318"/>
           </a:xfrm>
           <a:prstGeom prst="rect">
             <a:avLst/>
           </a:prstGeom>
-          <a:noFill/>
+          <a:gradFill flip="none" rotWithShape="1">
+            <a:gsLst>
+              <a:gs pos="0">
+                <a:srgbClr val="FFFF00"/>
+              </a:gs>
+              <a:gs pos="100000">
+                <a:schemeClr val="bg1"/>
+              </a:gs>
+            </a:gsLst>
+            <a:lin ang="5400000" scaled="1"/>
+            <a:tileRect/>
+          </a:gradFill>
         </p:spPr>
         <p:txBody>
           <a:bodyPr wrap="square" rtlCol="0">
@@ -10222,11 +10826,17 @@
           <a:lstStyle/>
           <a:p>
             <a:r>
-              <a:rPr lang="en-US" dirty="0" err="1" smtClean="0"/>
+              <a:rPr lang="en-US" dirty="0" err="1" smtClean="0">
+                <a:latin typeface="Courier New" panose="02070309020205020404" pitchFamily="49" charset="0"/>
+                <a:cs typeface="Courier New" panose="02070309020205020404" pitchFamily="49" charset="0"/>
+              </a:rPr>
               <a:t>struct</a:t>
             </a:r>
             <a:r>
-              <a:rPr lang="en-US" dirty="0" smtClean="0"/>
+              <a:rPr lang="en-US" dirty="0" smtClean="0">
+                <a:latin typeface="Courier New" panose="02070309020205020404" pitchFamily="49" charset="0"/>
+                <a:cs typeface="Courier New" panose="02070309020205020404" pitchFamily="49" charset="0"/>
+              </a:rPr>
               <a:t> node *p1  </a:t>
             </a:r>
             <a:r>
@@ -10234,55 +10844,90 @@
                 <a:solidFill>
                   <a:srgbClr val="0070C0"/>
                 </a:solidFill>
+                <a:latin typeface="Courier New" panose="02070309020205020404" pitchFamily="49" charset="0"/>
+                <a:cs typeface="Courier New" panose="02070309020205020404" pitchFamily="49" charset="0"/>
               </a:rPr>
               <a:t>*head</a:t>
             </a:r>
             <a:r>
-              <a:rPr lang="en-US" dirty="0" smtClean="0"/>
+              <a:rPr lang="en-US" dirty="0" smtClean="0">
+                <a:latin typeface="Courier New" panose="02070309020205020404" pitchFamily="49" charset="0"/>
+                <a:cs typeface="Courier New" panose="02070309020205020404" pitchFamily="49" charset="0"/>
+              </a:rPr>
               <a:t>;</a:t>
             </a:r>
           </a:p>
           <a:p>
-            <a:endParaRPr lang="en-US" dirty="0" smtClean="0"/>
-          </a:p>
-          <a:p>
-            <a:r>
-              <a:rPr lang="en-US" dirty="0" smtClean="0"/>
+            <a:endParaRPr lang="en-US" dirty="0" smtClean="0">
+              <a:latin typeface="Courier New" panose="02070309020205020404" pitchFamily="49" charset="0"/>
+              <a:cs typeface="Courier New" panose="02070309020205020404" pitchFamily="49" charset="0"/>
+            </a:endParaRPr>
+          </a:p>
+          <a:p>
+            <a:r>
+              <a:rPr lang="en-US" dirty="0" smtClean="0">
+                <a:latin typeface="Courier New" panose="02070309020205020404" pitchFamily="49" charset="0"/>
+                <a:cs typeface="Courier New" panose="02070309020205020404" pitchFamily="49" charset="0"/>
+              </a:rPr>
               <a:t>p1=</a:t>
             </a:r>
             <a:r>
-              <a:rPr lang="en-US" dirty="0" err="1" smtClean="0"/>
+              <a:rPr lang="en-US" dirty="0" err="1" smtClean="0">
+                <a:latin typeface="Courier New" panose="02070309020205020404" pitchFamily="49" charset="0"/>
+                <a:cs typeface="Courier New" panose="02070309020205020404" pitchFamily="49" charset="0"/>
+              </a:rPr>
               <a:t>malloc</a:t>
             </a:r>
             <a:r>
-              <a:rPr lang="en-US" dirty="0" smtClean="0"/>
+              <a:rPr lang="en-US" dirty="0" smtClean="0">
+                <a:latin typeface="Courier New" panose="02070309020205020404" pitchFamily="49" charset="0"/>
+                <a:cs typeface="Courier New" panose="02070309020205020404" pitchFamily="49" charset="0"/>
+              </a:rPr>
               <a:t>(</a:t>
             </a:r>
             <a:r>
-              <a:rPr lang="en-US" dirty="0" err="1" smtClean="0"/>
+              <a:rPr lang="en-US" dirty="0" err="1" smtClean="0">
+                <a:latin typeface="Courier New" panose="02070309020205020404" pitchFamily="49" charset="0"/>
+                <a:cs typeface="Courier New" panose="02070309020205020404" pitchFamily="49" charset="0"/>
+              </a:rPr>
               <a:t>sizof</a:t>
             </a:r>
             <a:r>
-              <a:rPr lang="en-US" dirty="0" smtClean="0"/>
+              <a:rPr lang="en-US" dirty="0" smtClean="0">
+                <a:latin typeface="Courier New" panose="02070309020205020404" pitchFamily="49" charset="0"/>
+                <a:cs typeface="Courier New" panose="02070309020205020404" pitchFamily="49" charset="0"/>
+              </a:rPr>
               <a:t>(</a:t>
             </a:r>
             <a:r>
-              <a:rPr lang="en-US" dirty="0" err="1" smtClean="0"/>
+              <a:rPr lang="en-US" dirty="0" err="1" smtClean="0">
+                <a:latin typeface="Courier New" panose="02070309020205020404" pitchFamily="49" charset="0"/>
+                <a:cs typeface="Courier New" panose="02070309020205020404" pitchFamily="49" charset="0"/>
+              </a:rPr>
               <a:t>struct</a:t>
             </a:r>
             <a:r>
-              <a:rPr lang="en-US" dirty="0" smtClean="0"/>
+              <a:rPr lang="en-US" dirty="0" smtClean="0">
+                <a:latin typeface="Courier New" panose="02070309020205020404" pitchFamily="49" charset="0"/>
+                <a:cs typeface="Courier New" panose="02070309020205020404" pitchFamily="49" charset="0"/>
+              </a:rPr>
               <a:t> node));</a:t>
             </a:r>
           </a:p>
           <a:p>
             <a:r>
-              <a:rPr lang="en-US" dirty="0" smtClean="0"/>
+              <a:rPr lang="en-US" dirty="0" smtClean="0">
+                <a:latin typeface="Courier New" panose="02070309020205020404" pitchFamily="49" charset="0"/>
+                <a:cs typeface="Courier New" panose="02070309020205020404" pitchFamily="49" charset="0"/>
+              </a:rPr>
               <a:t>p1-&gt;v=0;</a:t>
             </a:r>
           </a:p>
           <a:p>
-            <a:endParaRPr lang="en-US" dirty="0" smtClean="0"/>
+            <a:endParaRPr lang="en-US" dirty="0" smtClean="0">
+              <a:latin typeface="Courier New" panose="02070309020205020404" pitchFamily="49" charset="0"/>
+              <a:cs typeface="Courier New" panose="02070309020205020404" pitchFamily="49" charset="0"/>
+            </a:endParaRPr>
           </a:p>
           <a:p>
             <a:r>
@@ -10290,106 +10935,177 @@
                 <a:solidFill>
                   <a:srgbClr val="0070C0"/>
                 </a:solidFill>
+                <a:latin typeface="Courier New" panose="02070309020205020404" pitchFamily="49" charset="0"/>
+                <a:cs typeface="Courier New" panose="02070309020205020404" pitchFamily="49" charset="0"/>
               </a:rPr>
               <a:t>head=p1;</a:t>
             </a:r>
           </a:p>
           <a:p>
             <a:r>
-              <a:rPr lang="en-US" dirty="0" smtClean="0"/>
+              <a:rPr lang="en-US" dirty="0" smtClean="0">
+                <a:latin typeface="Courier New" panose="02070309020205020404" pitchFamily="49" charset="0"/>
+                <a:cs typeface="Courier New" panose="02070309020205020404" pitchFamily="49" charset="0"/>
+              </a:rPr>
               <a:t>for(</a:t>
             </a:r>
             <a:r>
-              <a:rPr lang="en-US" dirty="0" err="1" smtClean="0"/>
+              <a:rPr lang="en-US" dirty="0" err="1" smtClean="0">
+                <a:latin typeface="Courier New" panose="02070309020205020404" pitchFamily="49" charset="0"/>
+                <a:cs typeface="Courier New" panose="02070309020205020404" pitchFamily="49" charset="0"/>
+              </a:rPr>
               <a:t>int</a:t>
             </a:r>
             <a:r>
-              <a:rPr lang="en-US" dirty="0" smtClean="0"/>
+              <a:rPr lang="en-US" dirty="0" smtClean="0">
+                <a:latin typeface="Courier New" panose="02070309020205020404" pitchFamily="49" charset="0"/>
+                <a:cs typeface="Courier New" panose="02070309020205020404" pitchFamily="49" charset="0"/>
+              </a:rPr>
               <a:t> </a:t>
             </a:r>
             <a:r>
-              <a:rPr lang="en-US" dirty="0" err="1" smtClean="0"/>
+              <a:rPr lang="en-US" dirty="0" err="1" smtClean="0">
+                <a:latin typeface="Courier New" panose="02070309020205020404" pitchFamily="49" charset="0"/>
+                <a:cs typeface="Courier New" panose="02070309020205020404" pitchFamily="49" charset="0"/>
+              </a:rPr>
               <a:t>i</a:t>
             </a:r>
             <a:r>
-              <a:rPr lang="en-US" dirty="0" smtClean="0"/>
+              <a:rPr lang="en-US" dirty="0" smtClean="0">
+                <a:latin typeface="Courier New" panose="02070309020205020404" pitchFamily="49" charset="0"/>
+                <a:cs typeface="Courier New" panose="02070309020205020404" pitchFamily="49" charset="0"/>
+              </a:rPr>
               <a:t>=1;i&lt;5;i++)</a:t>
             </a:r>
           </a:p>
           <a:p>
             <a:r>
-              <a:rPr lang="en-US" dirty="0"/>
+              <a:rPr lang="en-US" dirty="0">
+                <a:latin typeface="Courier New" panose="02070309020205020404" pitchFamily="49" charset="0"/>
+                <a:cs typeface="Courier New" panose="02070309020205020404" pitchFamily="49" charset="0"/>
+              </a:rPr>
               <a:t> </a:t>
             </a:r>
             <a:r>
-              <a:rPr lang="en-US" dirty="0" smtClean="0"/>
+              <a:rPr lang="en-US" dirty="0" smtClean="0">
+                <a:latin typeface="Courier New" panose="02070309020205020404" pitchFamily="49" charset="0"/>
+                <a:cs typeface="Courier New" panose="02070309020205020404" pitchFamily="49" charset="0"/>
+              </a:rPr>
               <a:t>     p1-&gt;next=</a:t>
             </a:r>
             <a:r>
-              <a:rPr lang="en-US" dirty="0" err="1" smtClean="0"/>
+              <a:rPr lang="en-US" dirty="0" err="1" smtClean="0">
+                <a:latin typeface="Courier New" panose="02070309020205020404" pitchFamily="49" charset="0"/>
+                <a:cs typeface="Courier New" panose="02070309020205020404" pitchFamily="49" charset="0"/>
+              </a:rPr>
               <a:t>malloc</a:t>
             </a:r>
             <a:r>
-              <a:rPr lang="en-US" dirty="0" smtClean="0"/>
+              <a:rPr lang="en-US" dirty="0" smtClean="0">
+                <a:latin typeface="Courier New" panose="02070309020205020404" pitchFamily="49" charset="0"/>
+                <a:cs typeface="Courier New" panose="02070309020205020404" pitchFamily="49" charset="0"/>
+              </a:rPr>
               <a:t>(</a:t>
             </a:r>
             <a:r>
-              <a:rPr lang="en-US" dirty="0" err="1" smtClean="0"/>
+              <a:rPr lang="en-US" dirty="0" err="1" smtClean="0">
+                <a:latin typeface="Courier New" panose="02070309020205020404" pitchFamily="49" charset="0"/>
+                <a:cs typeface="Courier New" panose="02070309020205020404" pitchFamily="49" charset="0"/>
+              </a:rPr>
               <a:t>sizeof</a:t>
             </a:r>
             <a:r>
-              <a:rPr lang="en-US" dirty="0" smtClean="0"/>
+              <a:rPr lang="en-US" dirty="0" smtClean="0">
+                <a:latin typeface="Courier New" panose="02070309020205020404" pitchFamily="49" charset="0"/>
+                <a:cs typeface="Courier New" panose="02070309020205020404" pitchFamily="49" charset="0"/>
+              </a:rPr>
               <a:t>(</a:t>
             </a:r>
             <a:r>
-              <a:rPr lang="en-US" dirty="0" err="1" smtClean="0"/>
+              <a:rPr lang="en-US" dirty="0" err="1" smtClean="0">
+                <a:latin typeface="Courier New" panose="02070309020205020404" pitchFamily="49" charset="0"/>
+                <a:cs typeface="Courier New" panose="02070309020205020404" pitchFamily="49" charset="0"/>
+              </a:rPr>
               <a:t>struct</a:t>
             </a:r>
             <a:r>
-              <a:rPr lang="en-US" dirty="0" smtClean="0"/>
+              <a:rPr lang="en-US" dirty="0" smtClean="0">
+                <a:latin typeface="Courier New" panose="02070309020205020404" pitchFamily="49" charset="0"/>
+                <a:cs typeface="Courier New" panose="02070309020205020404" pitchFamily="49" charset="0"/>
+              </a:rPr>
               <a:t> node));</a:t>
             </a:r>
           </a:p>
           <a:p>
             <a:r>
-              <a:rPr lang="en-US" dirty="0"/>
+              <a:rPr lang="en-US" dirty="0">
+                <a:latin typeface="Courier New" panose="02070309020205020404" pitchFamily="49" charset="0"/>
+                <a:cs typeface="Courier New" panose="02070309020205020404" pitchFamily="49" charset="0"/>
+              </a:rPr>
               <a:t> </a:t>
             </a:r>
             <a:r>
-              <a:rPr lang="en-US" dirty="0" smtClean="0"/>
+              <a:rPr lang="en-US" dirty="0" smtClean="0">
+                <a:latin typeface="Courier New" panose="02070309020205020404" pitchFamily="49" charset="0"/>
+                <a:cs typeface="Courier New" panose="02070309020205020404" pitchFamily="49" charset="0"/>
+              </a:rPr>
               <a:t>     p1-&gt;next-&gt;v=</a:t>
             </a:r>
             <a:r>
-              <a:rPr lang="en-US" dirty="0" err="1" smtClean="0"/>
+              <a:rPr lang="en-US" dirty="0" err="1" smtClean="0">
+                <a:latin typeface="Courier New" panose="02070309020205020404" pitchFamily="49" charset="0"/>
+                <a:cs typeface="Courier New" panose="02070309020205020404" pitchFamily="49" charset="0"/>
+              </a:rPr>
               <a:t>i</a:t>
             </a:r>
             <a:r>
-              <a:rPr lang="en-US" dirty="0" smtClean="0"/>
+              <a:rPr lang="en-US" dirty="0" smtClean="0">
+                <a:latin typeface="Courier New" panose="02070309020205020404" pitchFamily="49" charset="0"/>
+                <a:cs typeface="Courier New" panose="02070309020205020404" pitchFamily="49" charset="0"/>
+              </a:rPr>
               <a:t>;</a:t>
             </a:r>
           </a:p>
           <a:p>
-            <a:endParaRPr lang="en-US" dirty="0"/>
-          </a:p>
-          <a:p>
-            <a:r>
-              <a:rPr lang="en-US" dirty="0" smtClean="0"/>
+            <a:endParaRPr lang="en-US" dirty="0">
+              <a:latin typeface="Courier New" panose="02070309020205020404" pitchFamily="49" charset="0"/>
+              <a:cs typeface="Courier New" panose="02070309020205020404" pitchFamily="49" charset="0"/>
+            </a:endParaRPr>
+          </a:p>
+          <a:p>
+            <a:r>
+              <a:rPr lang="en-US" dirty="0" smtClean="0">
+                <a:latin typeface="Courier New" panose="02070309020205020404" pitchFamily="49" charset="0"/>
+                <a:cs typeface="Courier New" panose="02070309020205020404" pitchFamily="49" charset="0"/>
+              </a:rPr>
               <a:t>       p1=p1-&gt;next;</a:t>
             </a:r>
           </a:p>
           <a:p>
             <a:r>
-              <a:rPr lang="en-US" dirty="0" smtClean="0"/>
+              <a:rPr lang="en-US" dirty="0" smtClean="0">
+                <a:latin typeface="Courier New" panose="02070309020205020404" pitchFamily="49" charset="0"/>
+                <a:cs typeface="Courier New" panose="02070309020205020404" pitchFamily="49" charset="0"/>
+              </a:rPr>
               <a:t>}</a:t>
             </a:r>
             <a:br>
-              <a:rPr lang="en-US" dirty="0" smtClean="0"/>
+              <a:rPr lang="en-US" dirty="0" smtClean="0">
+                <a:latin typeface="Courier New" panose="02070309020205020404" pitchFamily="49" charset="0"/>
+                <a:cs typeface="Courier New" panose="02070309020205020404" pitchFamily="49" charset="0"/>
+              </a:rPr>
             </a:br>
             <a:r>
-              <a:rPr lang="en-US" dirty="0" smtClean="0"/>
+              <a:rPr lang="en-US" dirty="0" smtClean="0">
+                <a:latin typeface="Courier New" panose="02070309020205020404" pitchFamily="49" charset="0"/>
+                <a:cs typeface="Courier New" panose="02070309020205020404" pitchFamily="49" charset="0"/>
+              </a:rPr>
               <a:t>p1-&gt;next=NULL;</a:t>
             </a:r>
-            <a:endParaRPr lang="en-US" dirty="0"/>
+            <a:endParaRPr lang="en-US" dirty="0">
+              <a:latin typeface="Courier New" panose="02070309020205020404" pitchFamily="49" charset="0"/>
+              <a:cs typeface="Courier New" panose="02070309020205020404" pitchFamily="49" charset="0"/>
+            </a:endParaRPr>
           </a:p>
         </p:txBody>
       </p:sp>
@@ -11751,6 +12467,13 @@
             <a:avLst/>
           </a:prstGeom>
           <a:noFill/>
+          <a:ln w="38100">
+            <a:solidFill>
+              <a:schemeClr val="accent1">
+                <a:lumMod val="75000"/>
+              </a:schemeClr>
+            </a:solidFill>
+          </a:ln>
         </p:spPr>
         <p:style>
           <a:lnRef idx="2">
@@ -11899,6 +12622,47 @@
           </a:p>
         </p:txBody>
       </p:sp>
+      <p:cxnSp>
+        <p:nvCxnSpPr>
+          <p:cNvPr id="62" name="Curved Connector 61"/>
+          <p:cNvCxnSpPr/>
+          <p:nvPr/>
+        </p:nvCxnSpPr>
+        <p:spPr>
+          <a:xfrm rot="10800000" flipV="1">
+            <a:off x="4579562" y="2265037"/>
+            <a:ext cx="1321404" cy="1081791"/>
+          </a:xfrm>
+          <a:prstGeom prst="curvedConnector3">
+            <a:avLst>
+              <a:gd name="adj1" fmla="val 50000"/>
+            </a:avLst>
+          </a:prstGeom>
+          <a:ln w="19050">
+            <a:solidFill>
+              <a:schemeClr val="bg2">
+                <a:lumMod val="90000"/>
+              </a:schemeClr>
+            </a:solidFill>
+            <a:prstDash val="dash"/>
+            <a:tailEnd type="triangle"/>
+          </a:ln>
+        </p:spPr>
+        <p:style>
+          <a:lnRef idx="1">
+            <a:schemeClr val="accent1"/>
+          </a:lnRef>
+          <a:fillRef idx="0">
+            <a:schemeClr val="accent1"/>
+          </a:fillRef>
+          <a:effectRef idx="0">
+            <a:schemeClr val="accent1"/>
+          </a:effectRef>
+          <a:fontRef idx="minor">
+            <a:schemeClr val="tx1"/>
+          </a:fontRef>
+        </p:style>
+      </p:cxnSp>
     </p:spTree>
     <p:extLst>
       <p:ext uri="{BB962C8B-B14F-4D97-AF65-F5344CB8AC3E}">
@@ -11912,9 +12676,133 @@
   <p:timing>
     <p:tnLst>
       <p:par>
-        <p:cTn id="1" dur="indefinite" restart="never" nodeType="tmRoot"/>
+        <p:cTn id="1" dur="indefinite" restart="never" nodeType="tmRoot">
+          <p:childTnLst>
+            <p:seq concurrent="1" nextAc="seek">
+              <p:cTn id="2" dur="indefinite" nodeType="mainSeq">
+                <p:childTnLst>
+                  <p:par>
+                    <p:cTn id="3" fill="hold">
+                      <p:stCondLst>
+                        <p:cond delay="indefinite"/>
+                      </p:stCondLst>
+                      <p:childTnLst>
+                        <p:par>
+                          <p:cTn id="4" fill="hold">
+                            <p:stCondLst>
+                              <p:cond delay="0"/>
+                            </p:stCondLst>
+                            <p:childTnLst>
+                              <p:par>
+                                <p:cTn id="5" presetID="1" presetClass="entr" presetSubtype="0" fill="hold" nodeType="clickEffect">
+                                  <p:stCondLst>
+                                    <p:cond delay="0"/>
+                                  </p:stCondLst>
+                                  <p:childTnLst>
+                                    <p:set>
+                                      <p:cBhvr>
+                                        <p:cTn id="6" dur="1" fill="hold">
+                                          <p:stCondLst>
+                                            <p:cond delay="0"/>
+                                          </p:stCondLst>
+                                        </p:cTn>
+                                        <p:tgtEl>
+                                          <p:spTgt spid="62"/>
+                                        </p:tgtEl>
+                                        <p:attrNameLst>
+                                          <p:attrName>style.visibility</p:attrName>
+                                        </p:attrNameLst>
+                                      </p:cBhvr>
+                                      <p:to>
+                                        <p:strVal val="visible"/>
+                                      </p:to>
+                                    </p:set>
+                                  </p:childTnLst>
+                                </p:cTn>
+                              </p:par>
+                            </p:childTnLst>
+                          </p:cTn>
+                        </p:par>
+                      </p:childTnLst>
+                    </p:cTn>
+                  </p:par>
+                  <p:par>
+                    <p:cTn id="7" fill="hold">
+                      <p:stCondLst>
+                        <p:cond delay="indefinite"/>
+                      </p:stCondLst>
+                      <p:childTnLst>
+                        <p:par>
+                          <p:cTn id="8" fill="hold">
+                            <p:stCondLst>
+                              <p:cond delay="0"/>
+                            </p:stCondLst>
+                            <p:childTnLst>
+                              <p:par>
+                                <p:cTn id="9" presetID="10" presetClass="entr" presetSubtype="0" fill="hold" grpId="0" nodeType="clickEffect">
+                                  <p:stCondLst>
+                                    <p:cond delay="0"/>
+                                  </p:stCondLst>
+                                  <p:childTnLst>
+                                    <p:set>
+                                      <p:cBhvr>
+                                        <p:cTn id="10" dur="1" fill="hold">
+                                          <p:stCondLst>
+                                            <p:cond delay="0"/>
+                                          </p:stCondLst>
+                                        </p:cTn>
+                                        <p:tgtEl>
+                                          <p:spTgt spid="11"/>
+                                        </p:tgtEl>
+                                        <p:attrNameLst>
+                                          <p:attrName>style.visibility</p:attrName>
+                                        </p:attrNameLst>
+                                      </p:cBhvr>
+                                      <p:to>
+                                        <p:strVal val="visible"/>
+                                      </p:to>
+                                    </p:set>
+                                    <p:animEffect transition="in" filter="fade">
+                                      <p:cBhvr>
+                                        <p:cTn id="11" dur="500"/>
+                                        <p:tgtEl>
+                                          <p:spTgt spid="11"/>
+                                        </p:tgtEl>
+                                      </p:cBhvr>
+                                    </p:animEffect>
+                                  </p:childTnLst>
+                                </p:cTn>
+                              </p:par>
+                            </p:childTnLst>
+                          </p:cTn>
+                        </p:par>
+                      </p:childTnLst>
+                    </p:cTn>
+                  </p:par>
+                </p:childTnLst>
+              </p:cTn>
+              <p:prevCondLst>
+                <p:cond evt="onPrev" delay="0">
+                  <p:tgtEl>
+                    <p:sldTgt/>
+                  </p:tgtEl>
+                </p:cond>
+              </p:prevCondLst>
+              <p:nextCondLst>
+                <p:cond evt="onNext" delay="0">
+                  <p:tgtEl>
+                    <p:sldTgt/>
+                  </p:tgtEl>
+                </p:cond>
+              </p:nextCondLst>
+            </p:seq>
+          </p:childTnLst>
+        </p:cTn>
       </p:par>
     </p:tnLst>
+    <p:bldLst>
+      <p:bldP spid="11" grpId="0" animBg="1"/>
+    </p:bldLst>
   </p:timing>
 </p:sld>
 </file>
@@ -11944,7 +12832,7 @@
         </p:nvSpPr>
         <p:spPr>
           <a:xfrm>
-            <a:off x="381827" y="1460699"/>
+            <a:off x="70541" y="1168870"/>
             <a:ext cx="4843502" cy="2862322"/>
           </a:xfrm>
           <a:prstGeom prst="rect">
@@ -11959,33 +12847,51 @@
           <a:lstStyle/>
           <a:p>
             <a:r>
-              <a:rPr lang="en-US" dirty="0" smtClean="0"/>
+              <a:rPr lang="en-US" dirty="0" smtClean="0">
+                <a:latin typeface="Courier New" panose="02070309020205020404" pitchFamily="49" charset="0"/>
+                <a:cs typeface="Courier New" panose="02070309020205020404" pitchFamily="49" charset="0"/>
+              </a:rPr>
               <a:t>…</a:t>
             </a:r>
           </a:p>
           <a:p>
             <a:r>
-              <a:rPr lang="en-US" dirty="0" smtClean="0"/>
+              <a:rPr lang="en-US" dirty="0" smtClean="0">
+                <a:latin typeface="Courier New" panose="02070309020205020404" pitchFamily="49" charset="0"/>
+                <a:cs typeface="Courier New" panose="02070309020205020404" pitchFamily="49" charset="0"/>
+              </a:rPr>
               <a:t>…</a:t>
             </a:r>
           </a:p>
           <a:p>
             <a:r>
-              <a:rPr lang="en-US" dirty="0" smtClean="0"/>
+              <a:rPr lang="en-US" dirty="0" smtClean="0">
+                <a:latin typeface="Courier New" panose="02070309020205020404" pitchFamily="49" charset="0"/>
+                <a:cs typeface="Courier New" panose="02070309020205020404" pitchFamily="49" charset="0"/>
+              </a:rPr>
               <a:t>…</a:t>
             </a:r>
           </a:p>
           <a:p>
             <a:r>
-              <a:rPr lang="en-US" dirty="0" smtClean="0"/>
+              <a:rPr lang="en-US" dirty="0" smtClean="0">
+                <a:latin typeface="Courier New" panose="02070309020205020404" pitchFamily="49" charset="0"/>
+                <a:cs typeface="Courier New" panose="02070309020205020404" pitchFamily="49" charset="0"/>
+              </a:rPr>
               <a:t>void print(</a:t>
             </a:r>
             <a:r>
-              <a:rPr lang="en-US" dirty="0" err="1" smtClean="0"/>
+              <a:rPr lang="en-US" dirty="0" err="1" smtClean="0">
+                <a:latin typeface="Courier New" panose="02070309020205020404" pitchFamily="49" charset="0"/>
+                <a:cs typeface="Courier New" panose="02070309020205020404" pitchFamily="49" charset="0"/>
+              </a:rPr>
               <a:t>struct</a:t>
             </a:r>
             <a:r>
-              <a:rPr lang="en-US" dirty="0" smtClean="0"/>
+              <a:rPr lang="en-US" dirty="0" smtClean="0">
+                <a:latin typeface="Courier New" panose="02070309020205020404" pitchFamily="49" charset="0"/>
+                <a:cs typeface="Courier New" panose="02070309020205020404" pitchFamily="49" charset="0"/>
+              </a:rPr>
               <a:t> node *head){</a:t>
             </a:r>
           </a:p>
@@ -11995,6 +12901,8 @@
                 <a:solidFill>
                   <a:srgbClr val="0070C0"/>
                 </a:solidFill>
+                <a:latin typeface="Courier New" panose="02070309020205020404" pitchFamily="49" charset="0"/>
+                <a:cs typeface="Courier New" panose="02070309020205020404" pitchFamily="49" charset="0"/>
               </a:rPr>
               <a:t>     </a:t>
             </a:r>
@@ -12003,6 +12911,8 @@
                 <a:solidFill>
                   <a:srgbClr val="0070C0"/>
                 </a:solidFill>
+                <a:latin typeface="Courier New" panose="02070309020205020404" pitchFamily="49" charset="0"/>
+                <a:cs typeface="Courier New" panose="02070309020205020404" pitchFamily="49" charset="0"/>
               </a:rPr>
               <a:t>struct</a:t>
             </a:r>
@@ -12011,6 +12921,8 @@
                 <a:solidFill>
                   <a:srgbClr val="0070C0"/>
                 </a:solidFill>
+                <a:latin typeface="Courier New" panose="02070309020205020404" pitchFamily="49" charset="0"/>
+                <a:cs typeface="Courier New" panose="02070309020205020404" pitchFamily="49" charset="0"/>
               </a:rPr>
               <a:t> node *p;</a:t>
             </a:r>
@@ -12020,65 +12932,109 @@
               <a:solidFill>
                 <a:srgbClr val="0070C0"/>
               </a:solidFill>
+              <a:latin typeface="Courier New" panose="02070309020205020404" pitchFamily="49" charset="0"/>
+              <a:cs typeface="Courier New" panose="02070309020205020404" pitchFamily="49" charset="0"/>
             </a:endParaRPr>
           </a:p>
           <a:p>
             <a:r>
-              <a:rPr lang="en-US" dirty="0" smtClean="0"/>
+              <a:rPr lang="en-US" dirty="0" smtClean="0">
+                <a:latin typeface="Courier New" panose="02070309020205020404" pitchFamily="49" charset="0"/>
+                <a:cs typeface="Courier New" panose="02070309020205020404" pitchFamily="49" charset="0"/>
+              </a:rPr>
               <a:t>     for(p=</a:t>
             </a:r>
             <a:r>
-              <a:rPr lang="en-US" dirty="0" err="1" smtClean="0"/>
+              <a:rPr lang="en-US" dirty="0" err="1" smtClean="0">
+                <a:latin typeface="Courier New" panose="02070309020205020404" pitchFamily="49" charset="0"/>
+                <a:cs typeface="Courier New" panose="02070309020205020404" pitchFamily="49" charset="0"/>
+              </a:rPr>
               <a:t>head;p</a:t>
             </a:r>
             <a:r>
-              <a:rPr lang="en-US" dirty="0" smtClean="0"/>
+              <a:rPr lang="en-US" dirty="0" smtClean="0">
+                <a:latin typeface="Courier New" panose="02070309020205020404" pitchFamily="49" charset="0"/>
+                <a:cs typeface="Courier New" panose="02070309020205020404" pitchFamily="49" charset="0"/>
+              </a:rPr>
               <a:t>!=</a:t>
             </a:r>
             <a:r>
-              <a:rPr lang="en-US" dirty="0" err="1" smtClean="0"/>
+              <a:rPr lang="en-US" dirty="0" err="1" smtClean="0">
+                <a:latin typeface="Courier New" panose="02070309020205020404" pitchFamily="49" charset="0"/>
+                <a:cs typeface="Courier New" panose="02070309020205020404" pitchFamily="49" charset="0"/>
+              </a:rPr>
               <a:t>NULL;p</a:t>
             </a:r>
             <a:r>
-              <a:rPr lang="en-US" dirty="0" smtClean="0"/>
+              <a:rPr lang="en-US" dirty="0" smtClean="0">
+                <a:latin typeface="Courier New" panose="02070309020205020404" pitchFamily="49" charset="0"/>
+                <a:cs typeface="Courier New" panose="02070309020205020404" pitchFamily="49" charset="0"/>
+              </a:rPr>
               <a:t>=p-&gt;next)</a:t>
             </a:r>
           </a:p>
           <a:p>
             <a:r>
-              <a:rPr lang="en-US" dirty="0" smtClean="0"/>
+              <a:rPr lang="en-US" dirty="0" smtClean="0">
+                <a:latin typeface="Courier New" panose="02070309020205020404" pitchFamily="49" charset="0"/>
+                <a:cs typeface="Courier New" panose="02070309020205020404" pitchFamily="49" charset="0"/>
+              </a:rPr>
               <a:t>         </a:t>
             </a:r>
             <a:r>
-              <a:rPr lang="en-US" dirty="0" err="1" smtClean="0"/>
+              <a:rPr lang="en-US" dirty="0" err="1" smtClean="0">
+                <a:latin typeface="Courier New" panose="02070309020205020404" pitchFamily="49" charset="0"/>
+                <a:cs typeface="Courier New" panose="02070309020205020404" pitchFamily="49" charset="0"/>
+              </a:rPr>
               <a:t>printf</a:t>
             </a:r>
             <a:r>
-              <a:rPr lang="en-US" dirty="0" smtClean="0"/>
+              <a:rPr lang="en-US" dirty="0" smtClean="0">
+                <a:latin typeface="Courier New" panose="02070309020205020404" pitchFamily="49" charset="0"/>
+                <a:cs typeface="Courier New" panose="02070309020205020404" pitchFamily="49" charset="0"/>
+              </a:rPr>
               <a:t>(“%d “,p-&gt;</a:t>
             </a:r>
             <a:r>
-              <a:rPr lang="en-US" dirty="0" err="1" smtClean="0"/>
+              <a:rPr lang="en-US" dirty="0" err="1" smtClean="0">
+                <a:latin typeface="Courier New" panose="02070309020205020404" pitchFamily="49" charset="0"/>
+                <a:cs typeface="Courier New" panose="02070309020205020404" pitchFamily="49" charset="0"/>
+              </a:rPr>
               <a:t>val</a:t>
             </a:r>
             <a:r>
-              <a:rPr lang="en-US" dirty="0" smtClean="0"/>
+              <a:rPr lang="en-US" dirty="0" smtClean="0">
+                <a:latin typeface="Courier New" panose="02070309020205020404" pitchFamily="49" charset="0"/>
+                <a:cs typeface="Courier New" panose="02070309020205020404" pitchFamily="49" charset="0"/>
+              </a:rPr>
               <a:t>);</a:t>
             </a:r>
           </a:p>
           <a:p>
             <a:r>
-              <a:rPr lang="en-US" dirty="0" smtClean="0"/>
+              <a:rPr lang="en-US" dirty="0" smtClean="0">
+                <a:latin typeface="Courier New" panose="02070309020205020404" pitchFamily="49" charset="0"/>
+                <a:cs typeface="Courier New" panose="02070309020205020404" pitchFamily="49" charset="0"/>
+              </a:rPr>
               <a:t>    }</a:t>
             </a:r>
             <a:br>
-              <a:rPr lang="en-US" dirty="0" smtClean="0"/>
+              <a:rPr lang="en-US" dirty="0" smtClean="0">
+                <a:latin typeface="Courier New" panose="02070309020205020404" pitchFamily="49" charset="0"/>
+                <a:cs typeface="Courier New" panose="02070309020205020404" pitchFamily="49" charset="0"/>
+              </a:rPr>
             </a:br>
             <a:r>
-              <a:rPr lang="en-US" dirty="0" smtClean="0"/>
+              <a:rPr lang="en-US" dirty="0" smtClean="0">
+                <a:latin typeface="Courier New" panose="02070309020205020404" pitchFamily="49" charset="0"/>
+                <a:cs typeface="Courier New" panose="02070309020205020404" pitchFamily="49" charset="0"/>
+              </a:rPr>
               <a:t>}</a:t>
             </a:r>
-            <a:endParaRPr lang="en-US" dirty="0"/>
+            <a:endParaRPr lang="en-US" dirty="0">
+              <a:latin typeface="Courier New" panose="02070309020205020404" pitchFamily="49" charset="0"/>
+              <a:cs typeface="Courier New" panose="02070309020205020404" pitchFamily="49" charset="0"/>
+            </a:endParaRPr>
           </a:p>
         </p:txBody>
       </p:sp>
@@ -12099,7 +13055,19 @@
           <a:p>
             <a:r>
               <a:rPr lang="en-US" dirty="0" smtClean="0"/>
-              <a:t>Yes, but remember the head in the beginning!</a:t>
+              <a:t>With </a:t>
+            </a:r>
+            <a:r>
+              <a:rPr lang="en-US" b="1" dirty="0" smtClean="0">
+                <a:solidFill>
+                  <a:schemeClr val="accent1"/>
+                </a:solidFill>
+              </a:rPr>
+              <a:t>head</a:t>
+            </a:r>
+            <a:r>
+              <a:rPr lang="en-US" dirty="0" smtClean="0"/>
+              <a:t>, now we can traverse the list</a:t>
             </a:r>
             <a:endParaRPr lang="en-US" dirty="0">
               <a:latin typeface="Courier New" panose="02070309020205020404" pitchFamily="49" charset="0"/>
@@ -13250,6 +14218,7 @@
             <a:avLst/>
           </a:prstGeom>
           <a:noFill/>
+          <a:ln w="38100"/>
         </p:spPr>
         <p:style>
           <a:lnRef idx="2">
@@ -13753,6 +14722,65 @@
               <a:t>NULL</a:t>
             </a:r>
             <a:endParaRPr lang="en-US" sz="2400" dirty="0"/>
+          </a:p>
+        </p:txBody>
+      </p:sp>
+      <p:sp>
+        <p:nvSpPr>
+          <p:cNvPr id="3" name="TextBox 2"/>
+          <p:cNvSpPr txBox="1"/>
+          <p:nvPr/>
+        </p:nvSpPr>
+        <p:spPr>
+          <a:xfrm>
+            <a:off x="116114" y="5453565"/>
+            <a:ext cx="3956178" cy="923330"/>
+          </a:xfrm>
+          <a:prstGeom prst="rect">
+            <a:avLst/>
+          </a:prstGeom>
+          <a:gradFill flip="none" rotWithShape="1">
+            <a:gsLst>
+              <a:gs pos="0">
+                <a:srgbClr val="FFFF00"/>
+              </a:gs>
+              <a:gs pos="100000">
+                <a:schemeClr val="bg1"/>
+              </a:gs>
+            </a:gsLst>
+            <a:lin ang="5400000" scaled="1"/>
+            <a:tileRect/>
+          </a:gradFill>
+        </p:spPr>
+        <p:txBody>
+          <a:bodyPr wrap="square" rtlCol="0">
+            <a:spAutoFit/>
+          </a:bodyPr>
+          <a:lstStyle/>
+          <a:p>
+            <a:r>
+              <a:rPr lang="en-US" dirty="0" smtClean="0"/>
+              <a:t>Exercise:</a:t>
+            </a:r>
+          </a:p>
+          <a:p>
+            <a:pPr marL="342900" indent="-342900">
+              <a:buAutoNum type="arabicPeriod"/>
+            </a:pPr>
+            <a:r>
+              <a:rPr lang="en-US" dirty="0" smtClean="0"/>
+              <a:t>Find a given value and return 0 or 1</a:t>
+            </a:r>
+          </a:p>
+          <a:p>
+            <a:pPr marL="342900" indent="-342900">
+              <a:buAutoNum type="arabicPeriod"/>
+            </a:pPr>
+            <a:r>
+              <a:rPr lang="en-US" dirty="0" smtClean="0"/>
+              <a:t>Find the minimum</a:t>
+            </a:r>
+            <a:endParaRPr lang="en-US" dirty="0"/>
           </a:p>
         </p:txBody>
       </p:sp>
@@ -14241,6 +15269,51 @@
                       </p:childTnLst>
                     </p:cTn>
                   </p:par>
+                  <p:par>
+                    <p:cTn id="37" fill="hold">
+                      <p:stCondLst>
+                        <p:cond delay="indefinite"/>
+                      </p:stCondLst>
+                      <p:childTnLst>
+                        <p:par>
+                          <p:cTn id="38" fill="hold">
+                            <p:stCondLst>
+                              <p:cond delay="0"/>
+                            </p:stCondLst>
+                            <p:childTnLst>
+                              <p:par>
+                                <p:cTn id="39" presetID="1" presetClass="entr" presetSubtype="0" fill="hold" grpId="0" nodeType="clickEffect">
+                                  <p:stCondLst>
+                                    <p:cond delay="0"/>
+                                  </p:stCondLst>
+                                  <p:childTnLst>
+                                    <p:set>
+                                      <p:cBhvr>
+                                        <p:cTn id="40" dur="1" fill="hold">
+                                          <p:stCondLst>
+                                            <p:cond delay="0"/>
+                                          </p:stCondLst>
+                                        </p:cTn>
+                                        <p:tgtEl>
+                                          <p:spTgt spid="3"/>
+                                        </p:tgtEl>
+                                        <p:attrNameLst>
+                                          <p:attrName>style.visibility</p:attrName>
+                                        </p:attrNameLst>
+                                      </p:cBhvr>
+                                      <p:to>
+                                        <p:strVal val="visible"/>
+                                      </p:to>
+                                    </p:set>
+                                  </p:childTnLst>
+                                </p:cTn>
+                              </p:par>
+                            </p:childTnLst>
+                          </p:cTn>
+                        </p:par>
+                      </p:childTnLst>
+                    </p:cTn>
+                  </p:par>
                 </p:childTnLst>
               </p:cTn>
               <p:prevCondLst>
@@ -14265,6 +15338,7 @@
     <p:bldLst>
       <p:bldP spid="4" grpId="0"/>
       <p:bldP spid="75" grpId="0"/>
+      <p:bldP spid="3" grpId="0" animBg="1"/>
     </p:bldLst>
   </p:timing>
 </p:sld>
@@ -14297,7 +15371,12 @@
             <p:ph type="title"/>
           </p:nvPr>
         </p:nvSpPr>
-        <p:spPr/>
+        <p:spPr>
+          <a:xfrm>
+            <a:off x="838200" y="14935"/>
+            <a:ext cx="10515600" cy="1325563"/>
+          </a:xfrm>
+        </p:spPr>
         <p:txBody>
           <a:bodyPr/>
           <a:lstStyle/>
@@ -14322,7 +15401,7 @@
         </p:nvSpPr>
         <p:spPr>
           <a:xfrm>
-            <a:off x="507458" y="1397607"/>
+            <a:off x="507458" y="950142"/>
             <a:ext cx="11684542" cy="5956504"/>
           </a:xfrm>
         </p:spPr>
@@ -14336,59 +15415,101 @@
               <a:buNone/>
             </a:pPr>
             <a:r>
-              <a:rPr lang="en-US" sz="2400" dirty="0" err="1"/>
+              <a:rPr lang="en-US" sz="2200" dirty="0" err="1">
+                <a:latin typeface="Courier New" panose="02070309020205020404" pitchFamily="49" charset="0"/>
+                <a:cs typeface="Courier New" panose="02070309020205020404" pitchFamily="49" charset="0"/>
+              </a:rPr>
               <a:t>struct</a:t>
             </a:r>
             <a:r>
-              <a:rPr lang="en-US" sz="2400" dirty="0"/>
+              <a:rPr lang="en-US" sz="2200" dirty="0">
+                <a:latin typeface="Courier New" panose="02070309020205020404" pitchFamily="49" charset="0"/>
+                <a:cs typeface="Courier New" panose="02070309020205020404" pitchFamily="49" charset="0"/>
+              </a:rPr>
               <a:t> node * </a:t>
             </a:r>
             <a:r>
-              <a:rPr lang="en-US" sz="2400" dirty="0" err="1"/>
+              <a:rPr lang="en-US" sz="2200" dirty="0" err="1">
+                <a:latin typeface="Courier New" panose="02070309020205020404" pitchFamily="49" charset="0"/>
+                <a:cs typeface="Courier New" panose="02070309020205020404" pitchFamily="49" charset="0"/>
+              </a:rPr>
               <a:t>node_insert</a:t>
             </a:r>
             <a:r>
-              <a:rPr lang="en-US" sz="2400" dirty="0"/>
+              <a:rPr lang="en-US" sz="2200" dirty="0">
+                <a:latin typeface="Courier New" panose="02070309020205020404" pitchFamily="49" charset="0"/>
+                <a:cs typeface="Courier New" panose="02070309020205020404" pitchFamily="49" charset="0"/>
+              </a:rPr>
               <a:t>(</a:t>
             </a:r>
             <a:r>
-              <a:rPr lang="en-US" sz="2400" dirty="0" err="1"/>
+              <a:rPr lang="en-US" sz="2200" dirty="0" err="1">
+                <a:latin typeface="Courier New" panose="02070309020205020404" pitchFamily="49" charset="0"/>
+                <a:cs typeface="Courier New" panose="02070309020205020404" pitchFamily="49" charset="0"/>
+              </a:rPr>
               <a:t>struct</a:t>
             </a:r>
             <a:r>
-              <a:rPr lang="en-US" sz="2400" dirty="0"/>
+              <a:rPr lang="en-US" sz="2200" dirty="0">
+                <a:latin typeface="Courier New" panose="02070309020205020404" pitchFamily="49" charset="0"/>
+                <a:cs typeface="Courier New" panose="02070309020205020404" pitchFamily="49" charset="0"/>
+              </a:rPr>
               <a:t> node * head, </a:t>
             </a:r>
             <a:r>
-              <a:rPr lang="en-US" sz="2400" dirty="0" err="1"/>
+              <a:rPr lang="en-US" sz="2200" dirty="0" err="1">
+                <a:latin typeface="Courier New" panose="02070309020205020404" pitchFamily="49" charset="0"/>
+                <a:cs typeface="Courier New" panose="02070309020205020404" pitchFamily="49" charset="0"/>
+              </a:rPr>
               <a:t>int</a:t>
             </a:r>
             <a:r>
-              <a:rPr lang="en-US" sz="2400" dirty="0"/>
+              <a:rPr lang="en-US" sz="2200" dirty="0">
+                <a:latin typeface="Courier New" panose="02070309020205020404" pitchFamily="49" charset="0"/>
+                <a:cs typeface="Courier New" panose="02070309020205020404" pitchFamily="49" charset="0"/>
+              </a:rPr>
               <a:t> </a:t>
             </a:r>
             <a:r>
-              <a:rPr lang="en-US" sz="2400" dirty="0" err="1"/>
+              <a:rPr lang="en-US" sz="2200" dirty="0" err="1">
+                <a:latin typeface="Courier New" panose="02070309020205020404" pitchFamily="49" charset="0"/>
+                <a:cs typeface="Courier New" panose="02070309020205020404" pitchFamily="49" charset="0"/>
+              </a:rPr>
               <a:t>pos</a:t>
             </a:r>
             <a:r>
-              <a:rPr lang="en-US" sz="2400" dirty="0"/>
+              <a:rPr lang="en-US" sz="2200" dirty="0">
+                <a:latin typeface="Courier New" panose="02070309020205020404" pitchFamily="49" charset="0"/>
+                <a:cs typeface="Courier New" panose="02070309020205020404" pitchFamily="49" charset="0"/>
+              </a:rPr>
               <a:t>, </a:t>
             </a:r>
             <a:r>
-              <a:rPr lang="en-US" sz="2400" dirty="0" err="1"/>
+              <a:rPr lang="en-US" sz="2200" dirty="0" err="1">
+                <a:latin typeface="Courier New" panose="02070309020205020404" pitchFamily="49" charset="0"/>
+                <a:cs typeface="Courier New" panose="02070309020205020404" pitchFamily="49" charset="0"/>
+              </a:rPr>
               <a:t>int</a:t>
             </a:r>
             <a:r>
-              <a:rPr lang="en-US" sz="2400" dirty="0"/>
+              <a:rPr lang="en-US" sz="2200" dirty="0">
+                <a:latin typeface="Courier New" panose="02070309020205020404" pitchFamily="49" charset="0"/>
+                <a:cs typeface="Courier New" panose="02070309020205020404" pitchFamily="49" charset="0"/>
+              </a:rPr>
               <a:t> </a:t>
             </a:r>
             <a:r>
-              <a:rPr lang="en-US" sz="2400" dirty="0" err="1"/>
+              <a:rPr lang="en-US" sz="2200" dirty="0" err="1">
+                <a:latin typeface="Courier New" panose="02070309020205020404" pitchFamily="49" charset="0"/>
+                <a:cs typeface="Courier New" panose="02070309020205020404" pitchFamily="49" charset="0"/>
+              </a:rPr>
               <a:t>newval</a:t>
             </a:r>
             <a:r>
-              <a:rPr lang="en-US" sz="2400" dirty="0"/>
+              <a:rPr lang="en-US" sz="2200" dirty="0">
+                <a:latin typeface="Courier New" panose="02070309020205020404" pitchFamily="49" charset="0"/>
+                <a:cs typeface="Courier New" panose="02070309020205020404" pitchFamily="49" charset="0"/>
+              </a:rPr>
               <a:t>){</a:t>
             </a:r>
           </a:p>
@@ -14397,98 +15518,238 @@
               <a:buNone/>
             </a:pPr>
             <a:r>
-              <a:rPr lang="en-US" sz="2400" dirty="0" smtClean="0"/>
+              <a:rPr lang="en-US" sz="2200" dirty="0" smtClean="0">
+                <a:latin typeface="Courier New" panose="02070309020205020404" pitchFamily="49" charset="0"/>
+                <a:cs typeface="Courier New" panose="02070309020205020404" pitchFamily="49" charset="0"/>
+              </a:rPr>
               <a:t>   </a:t>
             </a:r>
             <a:r>
-              <a:rPr lang="en-US" sz="2400" dirty="0" err="1" smtClean="0"/>
+              <a:rPr lang="en-US" sz="2200" dirty="0" err="1" smtClean="0">
+                <a:latin typeface="Courier New" panose="02070309020205020404" pitchFamily="49" charset="0"/>
+                <a:cs typeface="Courier New" panose="02070309020205020404" pitchFamily="49" charset="0"/>
+              </a:rPr>
               <a:t>struct</a:t>
             </a:r>
             <a:r>
-              <a:rPr lang="en-US" sz="2400" dirty="0" smtClean="0"/>
+              <a:rPr lang="en-US" sz="2200" dirty="0" smtClean="0">
+                <a:latin typeface="Courier New" panose="02070309020205020404" pitchFamily="49" charset="0"/>
+                <a:cs typeface="Courier New" panose="02070309020205020404" pitchFamily="49" charset="0"/>
+              </a:rPr>
               <a:t> </a:t>
             </a:r>
             <a:r>
-              <a:rPr lang="en-US" sz="2400" dirty="0"/>
+              <a:rPr lang="en-US" sz="2200" dirty="0">
+                <a:latin typeface="Courier New" panose="02070309020205020404" pitchFamily="49" charset="0"/>
+                <a:cs typeface="Courier New" panose="02070309020205020404" pitchFamily="49" charset="0"/>
+              </a:rPr>
               <a:t>node * l, * p</a:t>
             </a:r>
             <a:r>
-              <a:rPr lang="en-US" sz="2400" dirty="0" smtClean="0"/>
-              <a:t>;    </a:t>
-            </a:r>
-            <a:r>
-              <a:rPr lang="en-US" sz="2400" dirty="0"/>
+              <a:rPr lang="en-US" sz="2200" dirty="0" smtClean="0">
+                <a:latin typeface="Courier New" panose="02070309020205020404" pitchFamily="49" charset="0"/>
+                <a:cs typeface="Courier New" panose="02070309020205020404" pitchFamily="49" charset="0"/>
+              </a:rPr>
+              <a:t>;   </a:t>
+            </a:r>
+            <a:r>
+              <a:rPr lang="en-US" sz="2200" dirty="0" smtClean="0">
+                <a:latin typeface="Bodoni MT" panose="02070603080606020203" pitchFamily="18" charset="0"/>
+                <a:cs typeface="Courier New" panose="02070309020205020404" pitchFamily="49" charset="0"/>
+              </a:rPr>
+              <a:t>// we need two positions to insert between</a:t>
+            </a:r>
+            <a:r>
+              <a:rPr lang="en-US" sz="2200" dirty="0" smtClean="0">
+                <a:latin typeface="Courier New" panose="02070309020205020404" pitchFamily="49" charset="0"/>
+                <a:cs typeface="Courier New" panose="02070309020205020404" pitchFamily="49" charset="0"/>
+              </a:rPr>
+              <a:t> </a:t>
+            </a:r>
+            <a:r>
+              <a:rPr lang="en-US" sz="2200" dirty="0">
+                <a:latin typeface="Courier New" panose="02070309020205020404" pitchFamily="49" charset="0"/>
+                <a:cs typeface="Courier New" panose="02070309020205020404" pitchFamily="49" charset="0"/>
+              </a:rPr>
               <a:t>	</a:t>
             </a:r>
             <a:r>
-              <a:rPr lang="en-US" sz="2400" dirty="0" err="1"/>
+              <a:rPr lang="en-US" sz="2200" dirty="0" smtClean="0">
+                <a:latin typeface="Courier New" panose="02070309020205020404" pitchFamily="49" charset="0"/>
+                <a:cs typeface="Courier New" panose="02070309020205020404" pitchFamily="49" charset="0"/>
+              </a:rPr>
+              <a:t/>
+            </a:r>
+            <a:br>
+              <a:rPr lang="en-US" sz="2200" dirty="0" smtClean="0">
+                <a:latin typeface="Courier New" panose="02070309020205020404" pitchFamily="49" charset="0"/>
+                <a:cs typeface="Courier New" panose="02070309020205020404" pitchFamily="49" charset="0"/>
+              </a:rPr>
+            </a:br>
+            <a:r>
+              <a:rPr lang="en-US" sz="2200" dirty="0" smtClean="0">
+                <a:latin typeface="Courier New" panose="02070309020205020404" pitchFamily="49" charset="0"/>
+                <a:cs typeface="Courier New" panose="02070309020205020404" pitchFamily="49" charset="0"/>
+              </a:rPr>
+              <a:t>   </a:t>
+            </a:r>
+            <a:r>
+              <a:rPr lang="en-US" sz="2200" dirty="0" err="1" smtClean="0">
+                <a:latin typeface="Courier New" panose="02070309020205020404" pitchFamily="49" charset="0"/>
+                <a:cs typeface="Courier New" panose="02070309020205020404" pitchFamily="49" charset="0"/>
+              </a:rPr>
               <a:t>struct</a:t>
             </a:r>
             <a:r>
-              <a:rPr lang="en-US" sz="2400" dirty="0"/>
-              <a:t> node * new = </a:t>
-            </a:r>
-            <a:r>
-              <a:rPr lang="en-US" sz="2400" dirty="0" err="1"/>
+              <a:rPr lang="en-US" sz="2200" dirty="0" smtClean="0">
+                <a:latin typeface="Courier New" panose="02070309020205020404" pitchFamily="49" charset="0"/>
+                <a:cs typeface="Courier New" panose="02070309020205020404" pitchFamily="49" charset="0"/>
+              </a:rPr>
+              <a:t> </a:t>
+            </a:r>
+            <a:r>
+              <a:rPr lang="en-US" sz="2200" dirty="0">
+                <a:latin typeface="Courier New" panose="02070309020205020404" pitchFamily="49" charset="0"/>
+                <a:cs typeface="Courier New" panose="02070309020205020404" pitchFamily="49" charset="0"/>
+              </a:rPr>
+              <a:t>node * new = </a:t>
+            </a:r>
+            <a:r>
+              <a:rPr lang="en-US" sz="2200" dirty="0" err="1">
+                <a:latin typeface="Courier New" panose="02070309020205020404" pitchFamily="49" charset="0"/>
+                <a:cs typeface="Courier New" panose="02070309020205020404" pitchFamily="49" charset="0"/>
+              </a:rPr>
               <a:t>new_node</a:t>
             </a:r>
             <a:r>
-              <a:rPr lang="en-US" sz="2400" dirty="0" smtClean="0"/>
-              <a:t>();      new-</a:t>
-            </a:r>
-            <a:r>
-              <a:rPr lang="en-US" sz="2400" dirty="0"/>
+              <a:rPr lang="en-US" sz="2200" dirty="0" smtClean="0">
+                <a:latin typeface="Courier New" panose="02070309020205020404" pitchFamily="49" charset="0"/>
+                <a:cs typeface="Courier New" panose="02070309020205020404" pitchFamily="49" charset="0"/>
+              </a:rPr>
+              <a:t>();</a:t>
+            </a:r>
+            <a:br>
+              <a:rPr lang="en-US" sz="2200" dirty="0" smtClean="0">
+                <a:latin typeface="Courier New" panose="02070309020205020404" pitchFamily="49" charset="0"/>
+                <a:cs typeface="Courier New" panose="02070309020205020404" pitchFamily="49" charset="0"/>
+              </a:rPr>
+            </a:br>
+            <a:r>
+              <a:rPr lang="en-US" sz="2200" dirty="0" smtClean="0">
+                <a:latin typeface="Courier New" panose="02070309020205020404" pitchFamily="49" charset="0"/>
+                <a:cs typeface="Courier New" panose="02070309020205020404" pitchFamily="49" charset="0"/>
+              </a:rPr>
+              <a:t>   </a:t>
+            </a:r>
+            <a:r>
+              <a:rPr lang="en-US" sz="2200" dirty="0" smtClean="0">
+                <a:latin typeface="Courier New" panose="02070309020205020404" pitchFamily="49" charset="0"/>
+                <a:cs typeface="Courier New" panose="02070309020205020404" pitchFamily="49" charset="0"/>
+              </a:rPr>
+              <a:t>new-</a:t>
+            </a:r>
+            <a:r>
+              <a:rPr lang="en-US" sz="2200" dirty="0">
+                <a:latin typeface="Courier New" panose="02070309020205020404" pitchFamily="49" charset="0"/>
+                <a:cs typeface="Courier New" panose="02070309020205020404" pitchFamily="49" charset="0"/>
+              </a:rPr>
               <a:t>&gt;</a:t>
             </a:r>
             <a:r>
-              <a:rPr lang="en-US" sz="2400" dirty="0" err="1" smtClean="0"/>
+              <a:rPr lang="en-US" sz="2200" dirty="0" err="1" smtClean="0">
+                <a:latin typeface="Courier New" panose="02070309020205020404" pitchFamily="49" charset="0"/>
+                <a:cs typeface="Courier New" panose="02070309020205020404" pitchFamily="49" charset="0"/>
+              </a:rPr>
               <a:t>val</a:t>
             </a:r>
             <a:r>
-              <a:rPr lang="en-US" sz="2400" dirty="0" smtClean="0"/>
+              <a:rPr lang="en-US" sz="2200" dirty="0" smtClean="0">
+                <a:latin typeface="Courier New" panose="02070309020205020404" pitchFamily="49" charset="0"/>
+                <a:cs typeface="Courier New" panose="02070309020205020404" pitchFamily="49" charset="0"/>
+              </a:rPr>
               <a:t>=</a:t>
             </a:r>
             <a:r>
-              <a:rPr lang="en-US" sz="2400" dirty="0" err="1" smtClean="0"/>
+              <a:rPr lang="en-US" sz="2200" dirty="0" err="1" smtClean="0">
+                <a:latin typeface="Courier New" panose="02070309020205020404" pitchFamily="49" charset="0"/>
+                <a:cs typeface="Courier New" panose="02070309020205020404" pitchFamily="49" charset="0"/>
+              </a:rPr>
               <a:t>newval</a:t>
             </a:r>
             <a:r>
-              <a:rPr lang="en-US" sz="2400" dirty="0" smtClean="0"/>
+              <a:rPr lang="en-US" sz="2200" dirty="0" smtClean="0">
+                <a:latin typeface="Courier New" panose="02070309020205020404" pitchFamily="49" charset="0"/>
+                <a:cs typeface="Courier New" panose="02070309020205020404" pitchFamily="49" charset="0"/>
+              </a:rPr>
               <a:t>;</a:t>
             </a:r>
             <a:br>
-              <a:rPr lang="en-US" sz="2400" dirty="0" smtClean="0"/>
+              <a:rPr lang="en-US" sz="2200" dirty="0" smtClean="0">
+                <a:latin typeface="Courier New" panose="02070309020205020404" pitchFamily="49" charset="0"/>
+                <a:cs typeface="Courier New" panose="02070309020205020404" pitchFamily="49" charset="0"/>
+              </a:rPr>
             </a:br>
             <a:r>
-              <a:rPr lang="en-US" sz="2400" dirty="0" smtClean="0"/>
+              <a:rPr lang="en-US" sz="2200" dirty="0" smtClean="0">
+                <a:latin typeface="Courier New" panose="02070309020205020404" pitchFamily="49" charset="0"/>
+                <a:cs typeface="Courier New" panose="02070309020205020404" pitchFamily="49" charset="0"/>
+              </a:rPr>
               <a:t>   </a:t>
             </a:r>
             <a:r>
-              <a:rPr lang="en-US" sz="2400" dirty="0" err="1" smtClean="0"/>
+              <a:rPr lang="en-US" sz="2200" dirty="0" err="1" smtClean="0">
+                <a:latin typeface="Courier New" panose="02070309020205020404" pitchFamily="49" charset="0"/>
+                <a:cs typeface="Courier New" panose="02070309020205020404" pitchFamily="49" charset="0"/>
+              </a:rPr>
               <a:t>int</a:t>
             </a:r>
             <a:r>
-              <a:rPr lang="en-US" sz="2400" dirty="0" smtClean="0"/>
+              <a:rPr lang="en-US" sz="2200" dirty="0" smtClean="0">
+                <a:latin typeface="Courier New" panose="02070309020205020404" pitchFamily="49" charset="0"/>
+                <a:cs typeface="Courier New" panose="02070309020205020404" pitchFamily="49" charset="0"/>
+              </a:rPr>
               <a:t> </a:t>
             </a:r>
             <a:r>
-              <a:rPr lang="en-US" sz="2400" dirty="0" err="1"/>
+              <a:rPr lang="en-US" sz="2200" dirty="0" err="1">
+                <a:latin typeface="Courier New" panose="02070309020205020404" pitchFamily="49" charset="0"/>
+                <a:cs typeface="Courier New" panose="02070309020205020404" pitchFamily="49" charset="0"/>
+              </a:rPr>
               <a:t>i</a:t>
             </a:r>
             <a:r>
-              <a:rPr lang="en-US" sz="2400" dirty="0"/>
+              <a:rPr lang="en-US" sz="2200" dirty="0">
+                <a:latin typeface="Courier New" panose="02070309020205020404" pitchFamily="49" charset="0"/>
+                <a:cs typeface="Courier New" panose="02070309020205020404" pitchFamily="49" charset="0"/>
+              </a:rPr>
               <a:t>; </a:t>
             </a:r>
             <a:r>
-              <a:rPr lang="en-US" sz="2400" dirty="0" smtClean="0"/>
-              <a:t>  // </a:t>
-            </a:r>
-            <a:r>
-              <a:rPr lang="en-US" sz="2400" dirty="0" err="1"/>
+              <a:rPr lang="en-US" sz="2200" dirty="0" smtClean="0">
+                <a:latin typeface="Courier New" panose="02070309020205020404" pitchFamily="49" charset="0"/>
+                <a:cs typeface="Courier New" panose="02070309020205020404" pitchFamily="49" charset="0"/>
+              </a:rPr>
+              <a:t>  </a:t>
+            </a:r>
+            <a:r>
+              <a:rPr lang="en-US" sz="2200" dirty="0" smtClean="0">
+                <a:latin typeface="Bodoni MT" panose="02070603080606020203" pitchFamily="18" charset="0"/>
+                <a:cs typeface="Courier New" panose="02070309020205020404" pitchFamily="49" charset="0"/>
+              </a:rPr>
+              <a:t>// </a:t>
+            </a:r>
+            <a:r>
+              <a:rPr lang="en-US" sz="2200" dirty="0" err="1">
+                <a:latin typeface="Bodoni MT" panose="02070603080606020203" pitchFamily="18" charset="0"/>
+                <a:cs typeface="Courier New" panose="02070309020205020404" pitchFamily="49" charset="0"/>
+              </a:rPr>
               <a:t>i</a:t>
             </a:r>
             <a:r>
-              <a:rPr lang="en-US" sz="2400" dirty="0"/>
+              <a:rPr lang="en-US" sz="2200" dirty="0">
+                <a:latin typeface="Bodoni MT" panose="02070603080606020203" pitchFamily="18" charset="0"/>
+                <a:cs typeface="Courier New" panose="02070309020205020404" pitchFamily="49" charset="0"/>
+              </a:rPr>
               <a:t> is the position of l</a:t>
             </a:r>
           </a:p>
@@ -14497,165 +15758,505 @@
               <a:buNone/>
             </a:pPr>
             <a:r>
-              <a:rPr lang="en-US" sz="2400" dirty="0" smtClean="0"/>
-              <a:t>   // @loop traverse the list looking for position</a:t>
+              <a:rPr lang="en-US" sz="2200" dirty="0" smtClean="0">
+                <a:latin typeface="Courier New" panose="02070309020205020404" pitchFamily="49" charset="0"/>
+                <a:cs typeface="Courier New" panose="02070309020205020404" pitchFamily="49" charset="0"/>
+              </a:rPr>
+              <a:t>   </a:t>
+            </a:r>
+            <a:r>
+              <a:rPr lang="en-US" sz="2200" dirty="0" smtClean="0">
+                <a:latin typeface="Courier New" panose="02070309020205020404" pitchFamily="49" charset="0"/>
+                <a:cs typeface="Courier New" panose="02070309020205020404" pitchFamily="49" charset="0"/>
+              </a:rPr>
+              <a:t>  </a:t>
+            </a:r>
+            <a:r>
+              <a:rPr lang="en-US" sz="2200" dirty="0" smtClean="0">
+                <a:latin typeface="Bodoni MT" panose="02070603080606020203" pitchFamily="18" charset="0"/>
+                <a:cs typeface="Courier New" panose="02070309020205020404" pitchFamily="49" charset="0"/>
+              </a:rPr>
+              <a:t>// </a:t>
+            </a:r>
+            <a:r>
+              <a:rPr lang="en-US" sz="2200" dirty="0" smtClean="0">
+                <a:latin typeface="Bodoni MT" panose="02070603080606020203" pitchFamily="18" charset="0"/>
+                <a:cs typeface="Courier New" panose="02070309020205020404" pitchFamily="49" charset="0"/>
+              </a:rPr>
+              <a:t>@loop traverse the list looking for position</a:t>
+            </a:r>
+            <a:r>
+              <a:rPr lang="en-US" sz="2200" dirty="0" smtClean="0">
+                <a:latin typeface="Courier New" panose="02070309020205020404" pitchFamily="49" charset="0"/>
+                <a:cs typeface="Courier New" panose="02070309020205020404" pitchFamily="49" charset="0"/>
+              </a:rPr>
+              <a:t/>
             </a:r>
             <a:br>
-              <a:rPr lang="en-US" sz="2400" dirty="0" smtClean="0"/>
+              <a:rPr lang="en-US" sz="2200" dirty="0" smtClean="0">
+                <a:latin typeface="Courier New" panose="02070309020205020404" pitchFamily="49" charset="0"/>
+                <a:cs typeface="Courier New" panose="02070309020205020404" pitchFamily="49" charset="0"/>
+              </a:rPr>
             </a:br>
             <a:r>
-              <a:rPr lang="en-US" sz="2400" dirty="0" smtClean="0"/>
+              <a:rPr lang="en-US" sz="2200" dirty="0" smtClean="0">
+                <a:latin typeface="Courier New" panose="02070309020205020404" pitchFamily="49" charset="0"/>
+                <a:cs typeface="Courier New" panose="02070309020205020404" pitchFamily="49" charset="0"/>
+              </a:rPr>
               <a:t>   for(l=head</a:t>
             </a:r>
             <a:r>
-              <a:rPr lang="en-US" sz="2400" dirty="0"/>
+              <a:rPr lang="en-US" sz="2200" dirty="0">
+                <a:latin typeface="Courier New" panose="02070309020205020404" pitchFamily="49" charset="0"/>
+                <a:cs typeface="Courier New" panose="02070309020205020404" pitchFamily="49" charset="0"/>
+              </a:rPr>
               <a:t>, p=NULL, </a:t>
             </a:r>
             <a:r>
-              <a:rPr lang="en-US" sz="2400" dirty="0" err="1"/>
+              <a:rPr lang="en-US" sz="2200" dirty="0" err="1">
+                <a:latin typeface="Courier New" panose="02070309020205020404" pitchFamily="49" charset="0"/>
+                <a:cs typeface="Courier New" panose="02070309020205020404" pitchFamily="49" charset="0"/>
+              </a:rPr>
               <a:t>i</a:t>
             </a:r>
             <a:r>
-              <a:rPr lang="en-US" sz="2400" dirty="0"/>
-              <a:t>=0; l!= NULL &amp;&amp; </a:t>
-            </a:r>
-            <a:r>
-              <a:rPr lang="en-US" sz="2400" dirty="0" err="1"/>
+              <a:rPr lang="en-US" sz="2200" dirty="0">
+                <a:latin typeface="Courier New" panose="02070309020205020404" pitchFamily="49" charset="0"/>
+                <a:cs typeface="Courier New" panose="02070309020205020404" pitchFamily="49" charset="0"/>
+              </a:rPr>
+              <a:t>=0; </a:t>
+            </a:r>
+            <a:r>
+              <a:rPr lang="en-US" sz="2200" b="1" dirty="0">
+                <a:solidFill>
+                  <a:schemeClr val="accent2"/>
+                </a:solidFill>
+                <a:latin typeface="Courier New" panose="02070309020205020404" pitchFamily="49" charset="0"/>
+                <a:cs typeface="Courier New" panose="02070309020205020404" pitchFamily="49" charset="0"/>
+              </a:rPr>
+              <a:t>l!= NULL &amp;&amp; </a:t>
+            </a:r>
+            <a:r>
+              <a:rPr lang="en-US" sz="2200" b="1" dirty="0" err="1">
+                <a:solidFill>
+                  <a:schemeClr val="accent2"/>
+                </a:solidFill>
+                <a:latin typeface="Courier New" panose="02070309020205020404" pitchFamily="49" charset="0"/>
+                <a:cs typeface="Courier New" panose="02070309020205020404" pitchFamily="49" charset="0"/>
+              </a:rPr>
               <a:t>i</a:t>
             </a:r>
             <a:r>
-              <a:rPr lang="en-US" sz="2400" dirty="0"/>
+              <a:rPr lang="en-US" sz="2200" b="1" dirty="0">
+                <a:solidFill>
+                  <a:schemeClr val="accent2"/>
+                </a:solidFill>
+                <a:latin typeface="Courier New" panose="02070309020205020404" pitchFamily="49" charset="0"/>
+                <a:cs typeface="Courier New" panose="02070309020205020404" pitchFamily="49" charset="0"/>
+              </a:rPr>
               <a:t> &lt; </a:t>
             </a:r>
             <a:r>
-              <a:rPr lang="en-US" sz="2400" dirty="0" err="1"/>
+              <a:rPr lang="en-US" sz="2200" b="1" dirty="0" err="1">
+                <a:solidFill>
+                  <a:schemeClr val="accent2"/>
+                </a:solidFill>
+                <a:latin typeface="Courier New" panose="02070309020205020404" pitchFamily="49" charset="0"/>
+                <a:cs typeface="Courier New" panose="02070309020205020404" pitchFamily="49" charset="0"/>
+              </a:rPr>
               <a:t>pos</a:t>
             </a:r>
             <a:r>
-              <a:rPr lang="en-US" sz="2400" dirty="0"/>
-              <a:t> ; l=l-&gt;next, </a:t>
-            </a:r>
-            <a:r>
-              <a:rPr lang="en-US" sz="2400" dirty="0" err="1"/>
+              <a:rPr lang="en-US" sz="2200" b="1" dirty="0">
+                <a:solidFill>
+                  <a:schemeClr val="accent2"/>
+                </a:solidFill>
+                <a:latin typeface="Courier New" panose="02070309020205020404" pitchFamily="49" charset="0"/>
+                <a:cs typeface="Courier New" panose="02070309020205020404" pitchFamily="49" charset="0"/>
+              </a:rPr>
+              <a:t> </a:t>
+            </a:r>
+            <a:r>
+              <a:rPr lang="en-US" sz="2200" dirty="0">
+                <a:latin typeface="Courier New" panose="02070309020205020404" pitchFamily="49" charset="0"/>
+                <a:cs typeface="Courier New" panose="02070309020205020404" pitchFamily="49" charset="0"/>
+              </a:rPr>
+              <a:t>; l=l-&gt;next, </a:t>
+            </a:r>
+            <a:r>
+              <a:rPr lang="en-US" sz="2200" dirty="0" err="1">
+                <a:latin typeface="Courier New" panose="02070309020205020404" pitchFamily="49" charset="0"/>
+                <a:cs typeface="Courier New" panose="02070309020205020404" pitchFamily="49" charset="0"/>
+              </a:rPr>
               <a:t>i</a:t>
             </a:r>
             <a:r>
-              <a:rPr lang="en-US" sz="2400" dirty="0" smtClean="0"/>
+              <a:rPr lang="en-US" sz="2200" dirty="0" smtClean="0">
+                <a:latin typeface="Courier New" panose="02070309020205020404" pitchFamily="49" charset="0"/>
+                <a:cs typeface="Courier New" panose="02070309020205020404" pitchFamily="49" charset="0"/>
+              </a:rPr>
               <a:t>++)</a:t>
             </a:r>
             <a:br>
-              <a:rPr lang="en-US" sz="2400" dirty="0" smtClean="0"/>
+              <a:rPr lang="en-US" sz="2200" dirty="0" smtClean="0">
+                <a:latin typeface="Courier New" panose="02070309020205020404" pitchFamily="49" charset="0"/>
+                <a:cs typeface="Courier New" panose="02070309020205020404" pitchFamily="49" charset="0"/>
+              </a:rPr>
             </a:br>
             <a:r>
-              <a:rPr lang="en-US" sz="2400" dirty="0" smtClean="0"/>
-              <a:t>         p=l;</a:t>
-            </a:r>
-            <a:endParaRPr lang="en-US" sz="2400" dirty="0"/>
+              <a:rPr lang="en-US" sz="2200" dirty="0" smtClean="0">
+                <a:latin typeface="Courier New" panose="02070309020205020404" pitchFamily="49" charset="0"/>
+                <a:cs typeface="Courier New" panose="02070309020205020404" pitchFamily="49" charset="0"/>
+              </a:rPr>
+              <a:t>         p=l</a:t>
+            </a:r>
+            <a:r>
+              <a:rPr lang="en-US" sz="2200" dirty="0" smtClean="0">
+                <a:latin typeface="Courier New" panose="02070309020205020404" pitchFamily="49" charset="0"/>
+                <a:cs typeface="Courier New" panose="02070309020205020404" pitchFamily="49" charset="0"/>
+              </a:rPr>
+              <a:t>;</a:t>
+            </a:r>
           </a:p>
           <a:p>
             <a:pPr marL="0" indent="0">
               <a:buNone/>
             </a:pPr>
             <a:r>
-              <a:rPr lang="en-US" sz="2400" dirty="0" smtClean="0"/>
-              <a:t>         if </a:t>
-            </a:r>
-            <a:r>
-              <a:rPr lang="en-US" sz="2400" dirty="0"/>
-              <a:t>( p == NULL ) </a:t>
-            </a:r>
-            <a:r>
-              <a:rPr lang="en-US" sz="2400" dirty="0" smtClean="0"/>
-              <a:t>{</a:t>
-            </a:r>
-            <a:br>
-              <a:rPr lang="en-US" sz="2400" dirty="0" smtClean="0"/>
-            </a:br>
-            <a:r>
-              <a:rPr lang="en-US" sz="2400" dirty="0" smtClean="0"/>
-              <a:t>              new-</a:t>
-            </a:r>
-            <a:r>
-              <a:rPr lang="en-US" sz="2400" dirty="0"/>
-              <a:t>&gt;next=head</a:t>
-            </a:r>
-            <a:r>
-              <a:rPr lang="en-US" sz="2400" dirty="0" smtClean="0"/>
-              <a:t>;</a:t>
-            </a:r>
-            <a:br>
-              <a:rPr lang="en-US" sz="2400" dirty="0" smtClean="0"/>
-            </a:br>
-            <a:r>
-              <a:rPr lang="en-US" sz="2400" dirty="0" smtClean="0"/>
-              <a:t>              return </a:t>
-            </a:r>
-            <a:r>
-              <a:rPr lang="en-US" sz="2400" dirty="0"/>
-              <a:t>new</a:t>
-            </a:r>
-            <a:r>
-              <a:rPr lang="en-US" sz="2400" dirty="0" smtClean="0"/>
-              <a:t>;</a:t>
-            </a:r>
-            <a:br>
-              <a:rPr lang="en-US" sz="2400" dirty="0" smtClean="0"/>
-            </a:br>
-            <a:r>
-              <a:rPr lang="en-US" sz="2400" dirty="0" smtClean="0"/>
-              <a:t>        }</a:t>
-            </a:r>
-            <a:endParaRPr lang="en-US" sz="2400" dirty="0"/>
+              <a:rPr lang="en-US" sz="2200" dirty="0">
+                <a:latin typeface="Courier New" panose="02070309020205020404" pitchFamily="49" charset="0"/>
+                <a:cs typeface="Courier New" panose="02070309020205020404" pitchFamily="49" charset="0"/>
+              </a:rPr>
+              <a:t> </a:t>
+            </a:r>
+            <a:r>
+              <a:rPr lang="en-US" sz="2200" dirty="0" smtClean="0">
+                <a:latin typeface="Courier New" panose="02070309020205020404" pitchFamily="49" charset="0"/>
+                <a:cs typeface="Courier New" panose="02070309020205020404" pitchFamily="49" charset="0"/>
+              </a:rPr>
+              <a:t>    </a:t>
+            </a:r>
+            <a:r>
+              <a:rPr lang="en-US" sz="2200" dirty="0" smtClean="0">
+                <a:latin typeface="Bodoni MT" panose="02070603080606020203" pitchFamily="18" charset="0"/>
+                <a:cs typeface="Courier New" panose="02070309020205020404" pitchFamily="49" charset="0"/>
+              </a:rPr>
+              <a:t>// Now insert the new</a:t>
+            </a:r>
+            <a:endParaRPr lang="en-US" sz="2200" dirty="0">
+              <a:latin typeface="Bodoni MT" panose="02070603080606020203" pitchFamily="18" charset="0"/>
+              <a:cs typeface="Courier New" panose="02070309020205020404" pitchFamily="49" charset="0"/>
+            </a:endParaRPr>
           </a:p>
           <a:p>
             <a:pPr marL="0" indent="0">
               <a:buNone/>
             </a:pPr>
             <a:r>
-              <a:rPr lang="en-US" sz="2400" dirty="0" smtClean="0"/>
-              <a:t>        new-</a:t>
-            </a:r>
-            <a:r>
-              <a:rPr lang="en-US" sz="2400" dirty="0"/>
-              <a:t>&gt;</a:t>
-            </a:r>
-            <a:r>
-              <a:rPr lang="en-US" sz="2400" dirty="0" smtClean="0"/>
-              <a:t>next=l;</a:t>
+              <a:rPr lang="en-US" sz="2200" dirty="0" smtClean="0">
+                <a:latin typeface="Courier New" panose="02070309020205020404" pitchFamily="49" charset="0"/>
+                <a:cs typeface="Courier New" panose="02070309020205020404" pitchFamily="49" charset="0"/>
+              </a:rPr>
+              <a:t>   </a:t>
+            </a:r>
+            <a:r>
+              <a:rPr lang="en-US" sz="2200" dirty="0" smtClean="0">
+                <a:latin typeface="Courier New" panose="02070309020205020404" pitchFamily="49" charset="0"/>
+                <a:cs typeface="Courier New" panose="02070309020205020404" pitchFamily="49" charset="0"/>
+              </a:rPr>
+              <a:t>if </a:t>
+            </a:r>
+            <a:r>
+              <a:rPr lang="en-US" sz="2200" dirty="0">
+                <a:latin typeface="Courier New" panose="02070309020205020404" pitchFamily="49" charset="0"/>
+                <a:cs typeface="Courier New" panose="02070309020205020404" pitchFamily="49" charset="0"/>
+              </a:rPr>
+              <a:t>( p == NULL ) </a:t>
+            </a:r>
+            <a:r>
+              <a:rPr lang="en-US" sz="2200" dirty="0" smtClean="0">
+                <a:latin typeface="Courier New" panose="02070309020205020404" pitchFamily="49" charset="0"/>
+                <a:cs typeface="Courier New" panose="02070309020205020404" pitchFamily="49" charset="0"/>
+              </a:rPr>
+              <a:t>{     </a:t>
+            </a:r>
+            <a:r>
+              <a:rPr lang="en-US" sz="2200" dirty="0" smtClean="0">
+                <a:latin typeface="Bodoni MT" panose="02070603080606020203" pitchFamily="18" charset="0"/>
+                <a:cs typeface="Courier New" panose="02070309020205020404" pitchFamily="49" charset="0"/>
+              </a:rPr>
+              <a:t>// case of insert at the beginning</a:t>
+            </a:r>
+            <a:r>
+              <a:rPr lang="en-US" sz="2200" dirty="0" smtClean="0">
+                <a:latin typeface="Courier New" panose="02070309020205020404" pitchFamily="49" charset="0"/>
+                <a:cs typeface="Courier New" panose="02070309020205020404" pitchFamily="49" charset="0"/>
+              </a:rPr>
+              <a:t/>
             </a:r>
             <a:br>
-              <a:rPr lang="en-US" sz="2400" dirty="0" smtClean="0"/>
+              <a:rPr lang="en-US" sz="2200" dirty="0" smtClean="0">
+                <a:latin typeface="Courier New" panose="02070309020205020404" pitchFamily="49" charset="0"/>
+                <a:cs typeface="Courier New" panose="02070309020205020404" pitchFamily="49" charset="0"/>
+              </a:rPr>
             </a:br>
             <a:r>
-              <a:rPr lang="en-US" sz="2400" dirty="0" smtClean="0"/>
-              <a:t>        p-</a:t>
-            </a:r>
-            <a:r>
-              <a:rPr lang="en-US" sz="2400" dirty="0"/>
-              <a:t>&gt;next=new</a:t>
-            </a:r>
-            <a:r>
-              <a:rPr lang="en-US" sz="2400" dirty="0" smtClean="0"/>
+              <a:rPr lang="en-US" sz="2200" dirty="0" smtClean="0">
+                <a:latin typeface="Courier New" panose="02070309020205020404" pitchFamily="49" charset="0"/>
+                <a:cs typeface="Courier New" panose="02070309020205020404" pitchFamily="49" charset="0"/>
+              </a:rPr>
+              <a:t>   </a:t>
+            </a:r>
+            <a:r>
+              <a:rPr lang="en-US" sz="2200" dirty="0" smtClean="0">
+                <a:latin typeface="Courier New" panose="02070309020205020404" pitchFamily="49" charset="0"/>
+                <a:cs typeface="Courier New" panose="02070309020205020404" pitchFamily="49" charset="0"/>
+              </a:rPr>
+              <a:t>      </a:t>
+            </a:r>
+            <a:r>
+              <a:rPr lang="en-US" sz="2200" dirty="0" smtClean="0">
+                <a:latin typeface="Courier New" panose="02070309020205020404" pitchFamily="49" charset="0"/>
+                <a:cs typeface="Courier New" panose="02070309020205020404" pitchFamily="49" charset="0"/>
+              </a:rPr>
+              <a:t>new-</a:t>
+            </a:r>
+            <a:r>
+              <a:rPr lang="en-US" sz="2200" dirty="0">
+                <a:latin typeface="Courier New" panose="02070309020205020404" pitchFamily="49" charset="0"/>
+                <a:cs typeface="Courier New" panose="02070309020205020404" pitchFamily="49" charset="0"/>
+              </a:rPr>
+              <a:t>&gt;next=head</a:t>
+            </a:r>
+            <a:r>
+              <a:rPr lang="en-US" sz="2200" dirty="0" smtClean="0">
+                <a:latin typeface="Courier New" panose="02070309020205020404" pitchFamily="49" charset="0"/>
+                <a:cs typeface="Courier New" panose="02070309020205020404" pitchFamily="49" charset="0"/>
+              </a:rPr>
               <a:t>;</a:t>
             </a:r>
             <a:br>
-              <a:rPr lang="en-US" sz="2400" dirty="0" smtClean="0"/>
+              <a:rPr lang="en-US" sz="2200" dirty="0" smtClean="0">
+                <a:latin typeface="Courier New" panose="02070309020205020404" pitchFamily="49" charset="0"/>
+                <a:cs typeface="Courier New" panose="02070309020205020404" pitchFamily="49" charset="0"/>
+              </a:rPr>
             </a:br>
             <a:r>
-              <a:rPr lang="en-US" sz="2400" dirty="0" smtClean="0"/>
-              <a:t>        return </a:t>
-            </a:r>
-            <a:r>
-              <a:rPr lang="en-US" sz="2400" dirty="0"/>
-              <a:t>head;</a:t>
-            </a:r>
+              <a:rPr lang="en-US" sz="2200" dirty="0" smtClean="0">
+                <a:latin typeface="Courier New" panose="02070309020205020404" pitchFamily="49" charset="0"/>
+                <a:cs typeface="Courier New" panose="02070309020205020404" pitchFamily="49" charset="0"/>
+              </a:rPr>
+              <a:t>   </a:t>
+            </a:r>
+            <a:r>
+              <a:rPr lang="en-US" sz="2200" dirty="0" smtClean="0">
+                <a:latin typeface="Courier New" panose="02070309020205020404" pitchFamily="49" charset="0"/>
+                <a:cs typeface="Courier New" panose="02070309020205020404" pitchFamily="49" charset="0"/>
+              </a:rPr>
+              <a:t>      </a:t>
+            </a:r>
+            <a:r>
+              <a:rPr lang="en-US" sz="2200" dirty="0" smtClean="0">
+                <a:latin typeface="Courier New" panose="02070309020205020404" pitchFamily="49" charset="0"/>
+                <a:cs typeface="Courier New" panose="02070309020205020404" pitchFamily="49" charset="0"/>
+              </a:rPr>
+              <a:t>return </a:t>
+            </a:r>
+            <a:r>
+              <a:rPr lang="en-US" sz="2200" dirty="0">
+                <a:latin typeface="Courier New" panose="02070309020205020404" pitchFamily="49" charset="0"/>
+                <a:cs typeface="Courier New" panose="02070309020205020404" pitchFamily="49" charset="0"/>
+              </a:rPr>
+              <a:t>new</a:t>
+            </a:r>
+            <a:r>
+              <a:rPr lang="en-US" sz="2200" dirty="0" smtClean="0">
+                <a:latin typeface="Courier New" panose="02070309020205020404" pitchFamily="49" charset="0"/>
+                <a:cs typeface="Courier New" panose="02070309020205020404" pitchFamily="49" charset="0"/>
+              </a:rPr>
+              <a:t>;           </a:t>
+            </a:r>
+            <a:r>
+              <a:rPr lang="en-US" sz="2200" dirty="0" smtClean="0">
+                <a:latin typeface="Bodoni MT" panose="02070603080606020203" pitchFamily="18" charset="0"/>
+                <a:cs typeface="Courier New" panose="02070309020205020404" pitchFamily="49" charset="0"/>
+              </a:rPr>
+              <a:t>// and return the new bead</a:t>
+            </a:r>
+            <a:r>
+              <a:rPr lang="en-US" sz="2200" dirty="0" smtClean="0">
+                <a:latin typeface="Courier New" panose="02070309020205020404" pitchFamily="49" charset="0"/>
+                <a:cs typeface="Courier New" panose="02070309020205020404" pitchFamily="49" charset="0"/>
+              </a:rPr>
+              <a:t/>
+            </a:r>
+            <a:br>
+              <a:rPr lang="en-US" sz="2200" dirty="0" smtClean="0">
+                <a:latin typeface="Courier New" panose="02070309020205020404" pitchFamily="49" charset="0"/>
+                <a:cs typeface="Courier New" panose="02070309020205020404" pitchFamily="49" charset="0"/>
+              </a:rPr>
+            </a:br>
+            <a:r>
+              <a:rPr lang="en-US" sz="2200" dirty="0" smtClean="0">
+                <a:latin typeface="Courier New" panose="02070309020205020404" pitchFamily="49" charset="0"/>
+                <a:cs typeface="Courier New" panose="02070309020205020404" pitchFamily="49" charset="0"/>
+              </a:rPr>
+              <a:t>   </a:t>
+            </a:r>
+            <a:r>
+              <a:rPr lang="en-US" sz="2200" dirty="0" smtClean="0">
+                <a:latin typeface="Courier New" panose="02070309020205020404" pitchFamily="49" charset="0"/>
+                <a:cs typeface="Courier New" panose="02070309020205020404" pitchFamily="49" charset="0"/>
+              </a:rPr>
+              <a:t>}</a:t>
+            </a:r>
+            <a:endParaRPr lang="en-US" sz="2200" dirty="0">
+              <a:latin typeface="Courier New" panose="02070309020205020404" pitchFamily="49" charset="0"/>
+              <a:cs typeface="Courier New" panose="02070309020205020404" pitchFamily="49" charset="0"/>
+            </a:endParaRPr>
           </a:p>
           <a:p>
             <a:pPr marL="0" indent="0">
               <a:buNone/>
             </a:pPr>
             <a:r>
-              <a:rPr lang="en-US" sz="2400" dirty="0"/>
+              <a:rPr lang="en-US" sz="2200" dirty="0" smtClean="0">
+                <a:latin typeface="Courier New" panose="02070309020205020404" pitchFamily="49" charset="0"/>
+                <a:cs typeface="Courier New" panose="02070309020205020404" pitchFamily="49" charset="0"/>
+              </a:rPr>
+              <a:t>   </a:t>
+            </a:r>
+            <a:r>
+              <a:rPr lang="en-US" sz="2200" dirty="0" smtClean="0">
+                <a:latin typeface="Courier New" panose="02070309020205020404" pitchFamily="49" charset="0"/>
+                <a:cs typeface="Courier New" panose="02070309020205020404" pitchFamily="49" charset="0"/>
+              </a:rPr>
+              <a:t>new-</a:t>
+            </a:r>
+            <a:r>
+              <a:rPr lang="en-US" sz="2200" dirty="0">
+                <a:latin typeface="Courier New" panose="02070309020205020404" pitchFamily="49" charset="0"/>
+                <a:cs typeface="Courier New" panose="02070309020205020404" pitchFamily="49" charset="0"/>
+              </a:rPr>
+              <a:t>&gt;</a:t>
+            </a:r>
+            <a:r>
+              <a:rPr lang="en-US" sz="2200" dirty="0" smtClean="0">
+                <a:latin typeface="Courier New" panose="02070309020205020404" pitchFamily="49" charset="0"/>
+                <a:cs typeface="Courier New" panose="02070309020205020404" pitchFamily="49" charset="0"/>
+              </a:rPr>
+              <a:t>next=l</a:t>
+            </a:r>
+            <a:r>
+              <a:rPr lang="en-US" sz="2200" dirty="0" smtClean="0">
+                <a:latin typeface="Courier New" panose="02070309020205020404" pitchFamily="49" charset="0"/>
+                <a:cs typeface="Courier New" panose="02070309020205020404" pitchFamily="49" charset="0"/>
+              </a:rPr>
+              <a:t>;          </a:t>
+            </a:r>
+            <a:r>
+              <a:rPr lang="en-US" sz="2200" dirty="0" smtClean="0">
+                <a:latin typeface="Bodoni MT" panose="02070603080606020203" pitchFamily="18" charset="0"/>
+                <a:cs typeface="Courier New" panose="02070309020205020404" pitchFamily="49" charset="0"/>
+              </a:rPr>
+              <a:t> // now insert between p and l</a:t>
+            </a:r>
+            <a:r>
+              <a:rPr lang="en-US" sz="2200" dirty="0" smtClean="0">
+                <a:latin typeface="Courier New" panose="02070309020205020404" pitchFamily="49" charset="0"/>
+                <a:cs typeface="Courier New" panose="02070309020205020404" pitchFamily="49" charset="0"/>
+              </a:rPr>
+              <a:t/>
+            </a:r>
+            <a:br>
+              <a:rPr lang="en-US" sz="2200" dirty="0" smtClean="0">
+                <a:latin typeface="Courier New" panose="02070309020205020404" pitchFamily="49" charset="0"/>
+                <a:cs typeface="Courier New" panose="02070309020205020404" pitchFamily="49" charset="0"/>
+              </a:rPr>
+            </a:br>
+            <a:r>
+              <a:rPr lang="en-US" sz="2200" dirty="0" smtClean="0">
+                <a:latin typeface="Courier New" panose="02070309020205020404" pitchFamily="49" charset="0"/>
+                <a:cs typeface="Courier New" panose="02070309020205020404" pitchFamily="49" charset="0"/>
+              </a:rPr>
+              <a:t>   </a:t>
+            </a:r>
+            <a:r>
+              <a:rPr lang="en-US" sz="2200" dirty="0" smtClean="0">
+                <a:latin typeface="Courier New" panose="02070309020205020404" pitchFamily="49" charset="0"/>
+                <a:cs typeface="Courier New" panose="02070309020205020404" pitchFamily="49" charset="0"/>
+              </a:rPr>
+              <a:t>p-</a:t>
+            </a:r>
+            <a:r>
+              <a:rPr lang="en-US" sz="2200" dirty="0">
+                <a:latin typeface="Courier New" panose="02070309020205020404" pitchFamily="49" charset="0"/>
+                <a:cs typeface="Courier New" panose="02070309020205020404" pitchFamily="49" charset="0"/>
+              </a:rPr>
+              <a:t>&gt;next=new</a:t>
+            </a:r>
+            <a:r>
+              <a:rPr lang="en-US" sz="2200" dirty="0" smtClean="0">
+                <a:latin typeface="Courier New" panose="02070309020205020404" pitchFamily="49" charset="0"/>
+                <a:cs typeface="Courier New" panose="02070309020205020404" pitchFamily="49" charset="0"/>
+              </a:rPr>
+              <a:t>;</a:t>
+            </a:r>
+            <a:br>
+              <a:rPr lang="en-US" sz="2200" dirty="0" smtClean="0">
+                <a:latin typeface="Courier New" panose="02070309020205020404" pitchFamily="49" charset="0"/>
+                <a:cs typeface="Courier New" panose="02070309020205020404" pitchFamily="49" charset="0"/>
+              </a:rPr>
+            </a:br>
+            <a:r>
+              <a:rPr lang="en-US" sz="2200" dirty="0" smtClean="0">
+                <a:latin typeface="Courier New" panose="02070309020205020404" pitchFamily="49" charset="0"/>
+                <a:cs typeface="Courier New" panose="02070309020205020404" pitchFamily="49" charset="0"/>
+              </a:rPr>
+              <a:t>   </a:t>
+            </a:r>
+            <a:r>
+              <a:rPr lang="en-US" sz="2200" dirty="0" smtClean="0">
+                <a:latin typeface="Courier New" panose="02070309020205020404" pitchFamily="49" charset="0"/>
+                <a:cs typeface="Courier New" panose="02070309020205020404" pitchFamily="49" charset="0"/>
+              </a:rPr>
+              <a:t>return </a:t>
+            </a:r>
+            <a:r>
+              <a:rPr lang="en-US" sz="2200" dirty="0">
+                <a:latin typeface="Courier New" panose="02070309020205020404" pitchFamily="49" charset="0"/>
+                <a:cs typeface="Courier New" panose="02070309020205020404" pitchFamily="49" charset="0"/>
+              </a:rPr>
+              <a:t>head</a:t>
+            </a:r>
+            <a:r>
+              <a:rPr lang="en-US" sz="2200" dirty="0" smtClean="0">
+                <a:latin typeface="Courier New" panose="02070309020205020404" pitchFamily="49" charset="0"/>
+                <a:cs typeface="Courier New" panose="02070309020205020404" pitchFamily="49" charset="0"/>
+              </a:rPr>
+              <a:t>;                </a:t>
+            </a:r>
+            <a:r>
+              <a:rPr lang="en-US" sz="2200" dirty="0" smtClean="0">
+                <a:latin typeface="Bodoni MT" panose="02070603080606020203" pitchFamily="18" charset="0"/>
+                <a:cs typeface="Courier New" panose="02070309020205020404" pitchFamily="49" charset="0"/>
+              </a:rPr>
+              <a:t>// and return the old head</a:t>
+            </a:r>
+            <a:endParaRPr lang="en-US" sz="2200" dirty="0">
+              <a:latin typeface="Bodoni MT" panose="02070603080606020203" pitchFamily="18" charset="0"/>
+              <a:cs typeface="Courier New" panose="02070309020205020404" pitchFamily="49" charset="0"/>
+            </a:endParaRPr>
+          </a:p>
+          <a:p>
+            <a:pPr marL="0" indent="0">
+              <a:buNone/>
+            </a:pPr>
+            <a:r>
+              <a:rPr lang="en-US" sz="2200" dirty="0">
+                <a:latin typeface="Courier New" panose="02070309020205020404" pitchFamily="49" charset="0"/>
+                <a:cs typeface="Courier New" panose="02070309020205020404" pitchFamily="49" charset="0"/>
+              </a:rPr>
               <a:t>}</a:t>
             </a:r>
           </a:p>
@@ -14875,6 +16476,55 @@
                       </p:childTnLst>
                     </p:cTn>
                   </p:par>
+                  <p:par>
+                    <p:cTn id="19" fill="hold">
+                      <p:stCondLst>
+                        <p:cond delay="indefinite"/>
+                      </p:stCondLst>
+                      <p:childTnLst>
+                        <p:par>
+                          <p:cTn id="20" fill="hold">
+                            <p:stCondLst>
+                              <p:cond delay="0"/>
+                            </p:stCondLst>
+                            <p:childTnLst>
+                              <p:par>
+                                <p:cTn id="21" presetID="1" presetClass="entr" presetSubtype="0" fill="hold" nodeType="clickEffect">
+                                  <p:stCondLst>
+                                    <p:cond delay="0"/>
+                                  </p:stCondLst>
+                                  <p:childTnLst>
+                                    <p:set>
+                                      <p:cBhvr>
+                                        <p:cTn id="22" dur="1" fill="hold">
+                                          <p:stCondLst>
+                                            <p:cond delay="0"/>
+                                          </p:stCondLst>
+                                        </p:cTn>
+                                        <p:tgtEl>
+                                          <p:spTgt spid="3">
+                                            <p:txEl>
+                                              <p:pRg st="5" end="5"/>
+                                            </p:txEl>
+                                          </p:spTgt>
+                                        </p:tgtEl>
+                                        <p:attrNameLst>
+                                          <p:attrName>style.visibility</p:attrName>
+                                        </p:attrNameLst>
+                                      </p:cBhvr>
+                                      <p:to>
+                                        <p:strVal val="visible"/>
+                                      </p:to>
+                                    </p:set>
+                                  </p:childTnLst>
+                                </p:cTn>
+                              </p:par>
+                            </p:childTnLst>
+                          </p:cTn>
+                        </p:par>
+                      </p:childTnLst>
+                    </p:cTn>
+                  </p:par>
                 </p:childTnLst>
               </p:cTn>
               <p:prevCondLst>
@@ -14966,116 +16616,207 @@
               <a:buNone/>
             </a:pPr>
             <a:r>
-              <a:rPr lang="en-US" sz="2400" dirty="0" err="1"/>
+              <a:rPr lang="en-US" sz="2000" dirty="0" err="1">
+                <a:latin typeface="Courier New" panose="02070309020205020404" pitchFamily="49" charset="0"/>
+                <a:cs typeface="Courier New" panose="02070309020205020404" pitchFamily="49" charset="0"/>
+              </a:rPr>
               <a:t>struct</a:t>
             </a:r>
             <a:r>
-              <a:rPr lang="en-US" sz="2400" dirty="0"/>
+              <a:rPr lang="en-US" sz="2000" dirty="0">
+                <a:latin typeface="Courier New" panose="02070309020205020404" pitchFamily="49" charset="0"/>
+                <a:cs typeface="Courier New" panose="02070309020205020404" pitchFamily="49" charset="0"/>
+              </a:rPr>
               <a:t> node * </a:t>
             </a:r>
             <a:r>
-              <a:rPr lang="en-US" sz="2400" dirty="0" err="1" smtClean="0"/>
+              <a:rPr lang="en-US" sz="2000" dirty="0" err="1" smtClean="0">
+                <a:latin typeface="Courier New" panose="02070309020205020404" pitchFamily="49" charset="0"/>
+                <a:cs typeface="Courier New" panose="02070309020205020404" pitchFamily="49" charset="0"/>
+              </a:rPr>
               <a:t>node_delete</a:t>
             </a:r>
             <a:r>
-              <a:rPr lang="en-US" sz="2400" dirty="0" smtClean="0"/>
+              <a:rPr lang="en-US" sz="2000" dirty="0" smtClean="0">
+                <a:latin typeface="Courier New" panose="02070309020205020404" pitchFamily="49" charset="0"/>
+                <a:cs typeface="Courier New" panose="02070309020205020404" pitchFamily="49" charset="0"/>
+              </a:rPr>
               <a:t>(</a:t>
             </a:r>
             <a:r>
-              <a:rPr lang="en-US" sz="2400" dirty="0" err="1" smtClean="0"/>
+              <a:rPr lang="en-US" sz="2000" dirty="0" err="1" smtClean="0">
+                <a:latin typeface="Courier New" panose="02070309020205020404" pitchFamily="49" charset="0"/>
+                <a:cs typeface="Courier New" panose="02070309020205020404" pitchFamily="49" charset="0"/>
+              </a:rPr>
               <a:t>struct</a:t>
             </a:r>
             <a:r>
-              <a:rPr lang="en-US" sz="2400" dirty="0" smtClean="0"/>
+              <a:rPr lang="en-US" sz="2000" dirty="0" smtClean="0">
+                <a:latin typeface="Courier New" panose="02070309020205020404" pitchFamily="49" charset="0"/>
+                <a:cs typeface="Courier New" panose="02070309020205020404" pitchFamily="49" charset="0"/>
+              </a:rPr>
               <a:t> </a:t>
             </a:r>
             <a:r>
-              <a:rPr lang="en-US" sz="2400" dirty="0"/>
+              <a:rPr lang="en-US" sz="2000" dirty="0">
+                <a:latin typeface="Courier New" panose="02070309020205020404" pitchFamily="49" charset="0"/>
+                <a:cs typeface="Courier New" panose="02070309020205020404" pitchFamily="49" charset="0"/>
+              </a:rPr>
               <a:t>node * head, </a:t>
             </a:r>
             <a:r>
-              <a:rPr lang="en-US" sz="2400" dirty="0" err="1"/>
+              <a:rPr lang="en-US" sz="2000" dirty="0" err="1">
+                <a:latin typeface="Courier New" panose="02070309020205020404" pitchFamily="49" charset="0"/>
+                <a:cs typeface="Courier New" panose="02070309020205020404" pitchFamily="49" charset="0"/>
+              </a:rPr>
               <a:t>int</a:t>
             </a:r>
             <a:r>
-              <a:rPr lang="en-US" sz="2400" dirty="0"/>
+              <a:rPr lang="en-US" sz="2000" dirty="0">
+                <a:latin typeface="Courier New" panose="02070309020205020404" pitchFamily="49" charset="0"/>
+                <a:cs typeface="Courier New" panose="02070309020205020404" pitchFamily="49" charset="0"/>
+              </a:rPr>
               <a:t> </a:t>
             </a:r>
             <a:r>
-              <a:rPr lang="en-US" sz="2400" dirty="0" err="1" smtClean="0"/>
+              <a:rPr lang="en-US" sz="2000" dirty="0" err="1" smtClean="0">
+                <a:latin typeface="Courier New" panose="02070309020205020404" pitchFamily="49" charset="0"/>
+                <a:cs typeface="Courier New" panose="02070309020205020404" pitchFamily="49" charset="0"/>
+              </a:rPr>
               <a:t>pos</a:t>
             </a:r>
             <a:r>
-              <a:rPr lang="en-US" sz="2400" dirty="0" smtClean="0"/>
+              <a:rPr lang="en-US" sz="2000" dirty="0" smtClean="0">
+                <a:latin typeface="Courier New" panose="02070309020205020404" pitchFamily="49" charset="0"/>
+                <a:cs typeface="Courier New" panose="02070309020205020404" pitchFamily="49" charset="0"/>
+              </a:rPr>
               <a:t>){</a:t>
             </a:r>
-            <a:endParaRPr lang="en-US" sz="2400" dirty="0"/>
+            <a:endParaRPr lang="en-US" sz="2000" dirty="0">
+              <a:latin typeface="Courier New" panose="02070309020205020404" pitchFamily="49" charset="0"/>
+              <a:cs typeface="Courier New" panose="02070309020205020404" pitchFamily="49" charset="0"/>
+            </a:endParaRPr>
           </a:p>
           <a:p>
             <a:pPr marL="0" indent="0">
               <a:buNone/>
             </a:pPr>
             <a:r>
-              <a:rPr lang="en-US" sz="2400" dirty="0" smtClean="0"/>
+              <a:rPr lang="en-US" sz="2000" dirty="0" smtClean="0">
+                <a:latin typeface="Courier New" panose="02070309020205020404" pitchFamily="49" charset="0"/>
+                <a:cs typeface="Courier New" panose="02070309020205020404" pitchFamily="49" charset="0"/>
+              </a:rPr>
               <a:t>   </a:t>
             </a:r>
             <a:r>
-              <a:rPr lang="en-US" sz="2400" dirty="0" err="1" smtClean="0"/>
+              <a:rPr lang="en-US" sz="2000" dirty="0" err="1" smtClean="0">
+                <a:latin typeface="Courier New" panose="02070309020205020404" pitchFamily="49" charset="0"/>
+                <a:cs typeface="Courier New" panose="02070309020205020404" pitchFamily="49" charset="0"/>
+              </a:rPr>
               <a:t>struct</a:t>
             </a:r>
             <a:r>
-              <a:rPr lang="en-US" sz="2400" dirty="0" smtClean="0"/>
+              <a:rPr lang="en-US" sz="2000" dirty="0" smtClean="0">
+                <a:latin typeface="Courier New" panose="02070309020205020404" pitchFamily="49" charset="0"/>
+                <a:cs typeface="Courier New" panose="02070309020205020404" pitchFamily="49" charset="0"/>
+              </a:rPr>
               <a:t> </a:t>
             </a:r>
             <a:r>
-              <a:rPr lang="en-US" sz="2400" dirty="0"/>
+              <a:rPr lang="en-US" sz="2000" dirty="0">
+                <a:latin typeface="Courier New" panose="02070309020205020404" pitchFamily="49" charset="0"/>
+                <a:cs typeface="Courier New" panose="02070309020205020404" pitchFamily="49" charset="0"/>
+              </a:rPr>
               <a:t>node * l, * p</a:t>
             </a:r>
             <a:r>
-              <a:rPr lang="en-US" sz="2400" dirty="0" smtClean="0"/>
+              <a:rPr lang="en-US" sz="2000" dirty="0" smtClean="0">
+                <a:latin typeface="Courier New" panose="02070309020205020404" pitchFamily="49" charset="0"/>
+                <a:cs typeface="Courier New" panose="02070309020205020404" pitchFamily="49" charset="0"/>
+              </a:rPr>
               <a:t>;    </a:t>
             </a:r>
             <a:r>
-              <a:rPr lang="en-US" sz="2400" dirty="0"/>
+              <a:rPr lang="en-US" sz="2000" dirty="0">
+                <a:latin typeface="Courier New" panose="02070309020205020404" pitchFamily="49" charset="0"/>
+                <a:cs typeface="Courier New" panose="02070309020205020404" pitchFamily="49" charset="0"/>
+              </a:rPr>
               <a:t>	</a:t>
             </a:r>
             <a:r>
-              <a:rPr lang="en-US" sz="2400" dirty="0" smtClean="0"/>
+              <a:rPr lang="en-US" sz="2000" dirty="0" smtClean="0">
+                <a:latin typeface="Courier New" panose="02070309020205020404" pitchFamily="49" charset="0"/>
+                <a:cs typeface="Courier New" panose="02070309020205020404" pitchFamily="49" charset="0"/>
+              </a:rPr>
               <a:t/>
             </a:r>
             <a:br>
-              <a:rPr lang="en-US" sz="2400" dirty="0" smtClean="0"/>
+              <a:rPr lang="en-US" sz="2000" dirty="0" smtClean="0">
+                <a:latin typeface="Courier New" panose="02070309020205020404" pitchFamily="49" charset="0"/>
+                <a:cs typeface="Courier New" panose="02070309020205020404" pitchFamily="49" charset="0"/>
+              </a:rPr>
             </a:br>
             <a:r>
-              <a:rPr lang="en-US" sz="2400" dirty="0" smtClean="0"/>
+              <a:rPr lang="en-US" sz="2000" dirty="0" smtClean="0">
+                <a:latin typeface="Courier New" panose="02070309020205020404" pitchFamily="49" charset="0"/>
+                <a:cs typeface="Courier New" panose="02070309020205020404" pitchFamily="49" charset="0"/>
+              </a:rPr>
               <a:t>   </a:t>
             </a:r>
             <a:r>
-              <a:rPr lang="en-US" sz="2400" dirty="0" err="1" smtClean="0"/>
+              <a:rPr lang="en-US" sz="2000" dirty="0" err="1" smtClean="0">
+                <a:latin typeface="Courier New" panose="02070309020205020404" pitchFamily="49" charset="0"/>
+                <a:cs typeface="Courier New" panose="02070309020205020404" pitchFamily="49" charset="0"/>
+              </a:rPr>
               <a:t>int</a:t>
             </a:r>
             <a:r>
-              <a:rPr lang="en-US" sz="2400" dirty="0" smtClean="0"/>
+              <a:rPr lang="en-US" sz="2000" dirty="0" smtClean="0">
+                <a:latin typeface="Courier New" panose="02070309020205020404" pitchFamily="49" charset="0"/>
+                <a:cs typeface="Courier New" panose="02070309020205020404" pitchFamily="49" charset="0"/>
+              </a:rPr>
               <a:t> </a:t>
             </a:r>
             <a:r>
-              <a:rPr lang="en-US" sz="2400" dirty="0" err="1"/>
+              <a:rPr lang="en-US" sz="2000" dirty="0" err="1">
+                <a:latin typeface="Courier New" panose="02070309020205020404" pitchFamily="49" charset="0"/>
+                <a:cs typeface="Courier New" panose="02070309020205020404" pitchFamily="49" charset="0"/>
+              </a:rPr>
               <a:t>i</a:t>
             </a:r>
             <a:r>
-              <a:rPr lang="en-US" sz="2400" dirty="0"/>
+              <a:rPr lang="en-US" sz="2000" dirty="0">
+                <a:latin typeface="Courier New" panose="02070309020205020404" pitchFamily="49" charset="0"/>
+                <a:cs typeface="Courier New" panose="02070309020205020404" pitchFamily="49" charset="0"/>
+              </a:rPr>
               <a:t>; </a:t>
             </a:r>
             <a:r>
-              <a:rPr lang="en-US" sz="2400" dirty="0" smtClean="0"/>
-              <a:t>  // </a:t>
-            </a:r>
-            <a:r>
-              <a:rPr lang="en-US" sz="2400" dirty="0" err="1"/>
+              <a:rPr lang="en-US" sz="2000" dirty="0" smtClean="0">
+                <a:latin typeface="Courier New" panose="02070309020205020404" pitchFamily="49" charset="0"/>
+                <a:cs typeface="Courier New" panose="02070309020205020404" pitchFamily="49" charset="0"/>
+              </a:rPr>
+              <a:t>  </a:t>
+            </a:r>
+            <a:r>
+              <a:rPr lang="en-US" sz="2000" dirty="0" smtClean="0">
+                <a:latin typeface="Bodoni MT" panose="02070603080606020203" pitchFamily="18" charset="0"/>
+                <a:cs typeface="Courier New" panose="02070309020205020404" pitchFamily="49" charset="0"/>
+              </a:rPr>
+              <a:t>// </a:t>
+            </a:r>
+            <a:r>
+              <a:rPr lang="en-US" sz="2000" dirty="0" err="1">
+                <a:latin typeface="Bodoni MT" panose="02070603080606020203" pitchFamily="18" charset="0"/>
+                <a:cs typeface="Courier New" panose="02070309020205020404" pitchFamily="49" charset="0"/>
+              </a:rPr>
               <a:t>i</a:t>
             </a:r>
             <a:r>
-              <a:rPr lang="en-US" sz="2400" dirty="0"/>
+              <a:rPr lang="en-US" sz="2000" dirty="0">
+                <a:latin typeface="Bodoni MT" panose="02070603080606020203" pitchFamily="18" charset="0"/>
+                <a:cs typeface="Courier New" panose="02070309020205020404" pitchFamily="49" charset="0"/>
+              </a:rPr>
               <a:t> is the position of l</a:t>
             </a:r>
           </a:p>
@@ -15084,152 +16825,510 @@
               <a:buNone/>
             </a:pPr>
             <a:r>
-              <a:rPr lang="en-US" sz="2400" dirty="0" smtClean="0"/>
-              <a:t>   // @loop traverse the list looking for position</a:t>
+              <a:rPr lang="en-US" sz="2000" dirty="0" smtClean="0">
+                <a:latin typeface="Courier New" panose="02070309020205020404" pitchFamily="49" charset="0"/>
+                <a:cs typeface="Courier New" panose="02070309020205020404" pitchFamily="49" charset="0"/>
+              </a:rPr>
+              <a:t>   </a:t>
+            </a:r>
+            <a:r>
+              <a:rPr lang="en-US" sz="2000" dirty="0" smtClean="0">
+                <a:latin typeface="Courier New" panose="02070309020205020404" pitchFamily="49" charset="0"/>
+                <a:cs typeface="Courier New" panose="02070309020205020404" pitchFamily="49" charset="0"/>
+              </a:rPr>
+              <a:t>      </a:t>
+            </a:r>
+            <a:r>
+              <a:rPr lang="en-US" sz="2000" dirty="0" smtClean="0">
+                <a:latin typeface="Bodoni MT" panose="02070603080606020203" pitchFamily="18" charset="0"/>
+                <a:cs typeface="Courier New" panose="02070309020205020404" pitchFamily="49" charset="0"/>
+              </a:rPr>
+              <a:t>// </a:t>
+            </a:r>
+            <a:r>
+              <a:rPr lang="en-US" sz="2000" dirty="0" smtClean="0">
+                <a:latin typeface="Bodoni MT" panose="02070603080606020203" pitchFamily="18" charset="0"/>
+                <a:cs typeface="Courier New" panose="02070309020205020404" pitchFamily="49" charset="0"/>
+              </a:rPr>
+              <a:t>@loop traverse the list looking for position</a:t>
+            </a:r>
+            <a:r>
+              <a:rPr lang="en-US" sz="2000" dirty="0" smtClean="0">
+                <a:latin typeface="Courier New" panose="02070309020205020404" pitchFamily="49" charset="0"/>
+                <a:cs typeface="Courier New" panose="02070309020205020404" pitchFamily="49" charset="0"/>
+              </a:rPr>
+              <a:t/>
             </a:r>
             <a:br>
-              <a:rPr lang="en-US" sz="2400" dirty="0" smtClean="0"/>
+              <a:rPr lang="en-US" sz="2000" dirty="0" smtClean="0">
+                <a:latin typeface="Courier New" panose="02070309020205020404" pitchFamily="49" charset="0"/>
+                <a:cs typeface="Courier New" panose="02070309020205020404" pitchFamily="49" charset="0"/>
+              </a:rPr>
             </a:br>
             <a:r>
-              <a:rPr lang="en-US" sz="2400" dirty="0" smtClean="0"/>
+              <a:rPr lang="en-US" sz="2000" dirty="0" smtClean="0">
+                <a:latin typeface="Courier New" panose="02070309020205020404" pitchFamily="49" charset="0"/>
+                <a:cs typeface="Courier New" panose="02070309020205020404" pitchFamily="49" charset="0"/>
+              </a:rPr>
               <a:t>   for(l=head</a:t>
             </a:r>
             <a:r>
-              <a:rPr lang="en-US" sz="2400" dirty="0"/>
+              <a:rPr lang="en-US" sz="2000" dirty="0">
+                <a:latin typeface="Courier New" panose="02070309020205020404" pitchFamily="49" charset="0"/>
+                <a:cs typeface="Courier New" panose="02070309020205020404" pitchFamily="49" charset="0"/>
+              </a:rPr>
               <a:t>, p=NULL, </a:t>
             </a:r>
             <a:r>
-              <a:rPr lang="en-US" sz="2400" dirty="0" err="1"/>
+              <a:rPr lang="en-US" sz="2000" dirty="0" err="1">
+                <a:latin typeface="Courier New" panose="02070309020205020404" pitchFamily="49" charset="0"/>
+                <a:cs typeface="Courier New" panose="02070309020205020404" pitchFamily="49" charset="0"/>
+              </a:rPr>
               <a:t>i</a:t>
             </a:r>
             <a:r>
-              <a:rPr lang="en-US" sz="2400" dirty="0"/>
+              <a:rPr lang="en-US" sz="2000" dirty="0">
+                <a:latin typeface="Courier New" panose="02070309020205020404" pitchFamily="49" charset="0"/>
+                <a:cs typeface="Courier New" panose="02070309020205020404" pitchFamily="49" charset="0"/>
+              </a:rPr>
               <a:t>=0; l!= NULL &amp;&amp; </a:t>
             </a:r>
             <a:r>
-              <a:rPr lang="en-US" sz="2400" dirty="0" err="1"/>
+              <a:rPr lang="en-US" sz="2000" dirty="0" err="1">
+                <a:latin typeface="Courier New" panose="02070309020205020404" pitchFamily="49" charset="0"/>
+                <a:cs typeface="Courier New" panose="02070309020205020404" pitchFamily="49" charset="0"/>
+              </a:rPr>
               <a:t>i</a:t>
             </a:r>
             <a:r>
-              <a:rPr lang="en-US" sz="2400" dirty="0"/>
+              <a:rPr lang="en-US" sz="2000" dirty="0">
+                <a:latin typeface="Courier New" panose="02070309020205020404" pitchFamily="49" charset="0"/>
+                <a:cs typeface="Courier New" panose="02070309020205020404" pitchFamily="49" charset="0"/>
+              </a:rPr>
               <a:t> &lt; </a:t>
             </a:r>
             <a:r>
-              <a:rPr lang="en-US" sz="2400" dirty="0" err="1"/>
+              <a:rPr lang="en-US" sz="2000" dirty="0" err="1">
+                <a:latin typeface="Courier New" panose="02070309020205020404" pitchFamily="49" charset="0"/>
+                <a:cs typeface="Courier New" panose="02070309020205020404" pitchFamily="49" charset="0"/>
+              </a:rPr>
               <a:t>pos</a:t>
             </a:r>
             <a:r>
-              <a:rPr lang="en-US" sz="2400" dirty="0"/>
+              <a:rPr lang="en-US" sz="2000" dirty="0">
+                <a:latin typeface="Courier New" panose="02070309020205020404" pitchFamily="49" charset="0"/>
+                <a:cs typeface="Courier New" panose="02070309020205020404" pitchFamily="49" charset="0"/>
+              </a:rPr>
               <a:t> ; l=l-&gt;next, </a:t>
             </a:r>
             <a:r>
-              <a:rPr lang="en-US" sz="2400" dirty="0" err="1"/>
+              <a:rPr lang="en-US" sz="2000" dirty="0" err="1">
+                <a:latin typeface="Courier New" panose="02070309020205020404" pitchFamily="49" charset="0"/>
+                <a:cs typeface="Courier New" panose="02070309020205020404" pitchFamily="49" charset="0"/>
+              </a:rPr>
               <a:t>i</a:t>
             </a:r>
             <a:r>
-              <a:rPr lang="en-US" sz="2400" dirty="0" smtClean="0"/>
+              <a:rPr lang="en-US" sz="2000" dirty="0" smtClean="0">
+                <a:latin typeface="Courier New" panose="02070309020205020404" pitchFamily="49" charset="0"/>
+                <a:cs typeface="Courier New" panose="02070309020205020404" pitchFamily="49" charset="0"/>
+              </a:rPr>
               <a:t>++)</a:t>
             </a:r>
             <a:br>
-              <a:rPr lang="en-US" sz="2400" dirty="0" smtClean="0"/>
+              <a:rPr lang="en-US" sz="2000" dirty="0" smtClean="0">
+                <a:latin typeface="Courier New" panose="02070309020205020404" pitchFamily="49" charset="0"/>
+                <a:cs typeface="Courier New" panose="02070309020205020404" pitchFamily="49" charset="0"/>
+              </a:rPr>
             </a:br>
             <a:r>
-              <a:rPr lang="en-US" sz="2400" dirty="0" smtClean="0"/>
+              <a:rPr lang="en-US" sz="2000" dirty="0" smtClean="0">
+                <a:latin typeface="Courier New" panose="02070309020205020404" pitchFamily="49" charset="0"/>
+                <a:cs typeface="Courier New" panose="02070309020205020404" pitchFamily="49" charset="0"/>
+              </a:rPr>
               <a:t>         p=l;</a:t>
             </a:r>
-            <a:endParaRPr lang="en-US" sz="2400" dirty="0"/>
+            <a:endParaRPr lang="en-US" sz="2000" dirty="0">
+              <a:latin typeface="Courier New" panose="02070309020205020404" pitchFamily="49" charset="0"/>
+              <a:cs typeface="Courier New" panose="02070309020205020404" pitchFamily="49" charset="0"/>
+            </a:endParaRPr>
           </a:p>
           <a:p>
             <a:pPr marL="0" indent="0">
               <a:buNone/>
             </a:pPr>
             <a:r>
-              <a:rPr lang="en-US" sz="2400" dirty="0" smtClean="0"/>
-              <a:t>         if </a:t>
-            </a:r>
-            <a:r>
-              <a:rPr lang="en-US" sz="2400" dirty="0"/>
+              <a:rPr lang="en-US" sz="2000" dirty="0" smtClean="0">
+                <a:latin typeface="Courier New" panose="02070309020205020404" pitchFamily="49" charset="0"/>
+                <a:cs typeface="Courier New" panose="02070309020205020404" pitchFamily="49" charset="0"/>
+              </a:rPr>
+              <a:t>   </a:t>
+            </a:r>
+            <a:r>
+              <a:rPr lang="en-US" sz="2000" dirty="0" smtClean="0">
+                <a:latin typeface="Courier New" panose="02070309020205020404" pitchFamily="49" charset="0"/>
+                <a:cs typeface="Courier New" panose="02070309020205020404" pitchFamily="49" charset="0"/>
+              </a:rPr>
+              <a:t>if </a:t>
+            </a:r>
+            <a:r>
+              <a:rPr lang="en-US" sz="2000" dirty="0">
+                <a:latin typeface="Courier New" panose="02070309020205020404" pitchFamily="49" charset="0"/>
+                <a:cs typeface="Courier New" panose="02070309020205020404" pitchFamily="49" charset="0"/>
+              </a:rPr>
               <a:t>( p == NULL ) </a:t>
             </a:r>
             <a:r>
-              <a:rPr lang="en-US" sz="2400" dirty="0" smtClean="0"/>
-              <a:t>{</a:t>
+              <a:rPr lang="en-US" sz="2000" dirty="0" smtClean="0">
+                <a:latin typeface="Courier New" panose="02070309020205020404" pitchFamily="49" charset="0"/>
+                <a:cs typeface="Courier New" panose="02070309020205020404" pitchFamily="49" charset="0"/>
+              </a:rPr>
+              <a:t>{  </a:t>
+            </a:r>
+            <a:r>
+              <a:rPr lang="en-US" sz="2000" dirty="0" smtClean="0">
+                <a:latin typeface="Bodoni MT" panose="02070603080606020203" pitchFamily="18" charset="0"/>
+                <a:cs typeface="Courier New" panose="02070309020205020404" pitchFamily="49" charset="0"/>
+              </a:rPr>
+              <a:t>// delete beginning element if it exists: empty list or just one element case</a:t>
+            </a:r>
+            <a:r>
+              <a:rPr lang="en-US" sz="2000" dirty="0" smtClean="0">
+                <a:latin typeface="Courier New" panose="02070309020205020404" pitchFamily="49" charset="0"/>
+                <a:cs typeface="Courier New" panose="02070309020205020404" pitchFamily="49" charset="0"/>
+              </a:rPr>
+              <a:t/>
             </a:r>
             <a:br>
-              <a:rPr lang="en-US" sz="2400" dirty="0" smtClean="0"/>
+              <a:rPr lang="en-US" sz="2000" dirty="0" smtClean="0">
+                <a:latin typeface="Courier New" panose="02070309020205020404" pitchFamily="49" charset="0"/>
+                <a:cs typeface="Courier New" panose="02070309020205020404" pitchFamily="49" charset="0"/>
+              </a:rPr>
             </a:br>
             <a:r>
-              <a:rPr lang="en-US" sz="2400" dirty="0" smtClean="0"/>
-              <a:t>              head = head ? </a:t>
-            </a:r>
-            <a:r>
-              <a:rPr lang="en-US" sz="2400"/>
-              <a:t>h</a:t>
-            </a:r>
-            <a:r>
-              <a:rPr lang="en-US" sz="2400" smtClean="0"/>
-              <a:t>ead </a:t>
-            </a:r>
-            <a:r>
-              <a:rPr lang="en-US" sz="2400" dirty="0" smtClean="0"/>
-              <a:t>= head-&gt;next;</a:t>
+              <a:rPr lang="en-US" sz="2000" dirty="0" smtClean="0">
+                <a:latin typeface="Courier New" panose="02070309020205020404" pitchFamily="49" charset="0"/>
+                <a:cs typeface="Courier New" panose="02070309020205020404" pitchFamily="49" charset="0"/>
+              </a:rPr>
+              <a:t>   </a:t>
+            </a:r>
+            <a:r>
+              <a:rPr lang="en-US" sz="2000" dirty="0" smtClean="0">
+                <a:latin typeface="Courier New" panose="02070309020205020404" pitchFamily="49" charset="0"/>
+                <a:cs typeface="Courier New" panose="02070309020205020404" pitchFamily="49" charset="0"/>
+              </a:rPr>
+              <a:t>      </a:t>
+            </a:r>
+            <a:r>
+              <a:rPr lang="en-US" sz="2000" dirty="0" smtClean="0">
+                <a:latin typeface="Courier New" panose="02070309020205020404" pitchFamily="49" charset="0"/>
+                <a:cs typeface="Courier New" panose="02070309020205020404" pitchFamily="49" charset="0"/>
+              </a:rPr>
+              <a:t>head = head ? </a:t>
+            </a:r>
+            <a:r>
+              <a:rPr lang="en-US" sz="2000" dirty="0" smtClean="0">
+                <a:latin typeface="Courier New" panose="02070309020205020404" pitchFamily="49" charset="0"/>
+                <a:cs typeface="Courier New" panose="02070309020205020404" pitchFamily="49" charset="0"/>
+              </a:rPr>
+              <a:t>head-</a:t>
+            </a:r>
+            <a:r>
+              <a:rPr lang="en-US" sz="2000" dirty="0" smtClean="0">
+                <a:latin typeface="Courier New" panose="02070309020205020404" pitchFamily="49" charset="0"/>
+                <a:cs typeface="Courier New" panose="02070309020205020404" pitchFamily="49" charset="0"/>
+              </a:rPr>
+              <a:t>&gt;</a:t>
+            </a:r>
+            <a:r>
+              <a:rPr lang="en-US" sz="2000" dirty="0" smtClean="0">
+                <a:latin typeface="Courier New" panose="02070309020205020404" pitchFamily="49" charset="0"/>
+                <a:cs typeface="Courier New" panose="02070309020205020404" pitchFamily="49" charset="0"/>
+              </a:rPr>
+              <a:t>next: NULL;</a:t>
+            </a:r>
+            <a:r>
+              <a:rPr lang="en-US" sz="2000" dirty="0" smtClean="0">
+                <a:latin typeface="Courier New" panose="02070309020205020404" pitchFamily="49" charset="0"/>
+                <a:cs typeface="Courier New" panose="02070309020205020404" pitchFamily="49" charset="0"/>
+              </a:rPr>
+              <a:t/>
             </a:r>
             <a:br>
-              <a:rPr lang="en-US" sz="2400" dirty="0" smtClean="0"/>
+              <a:rPr lang="en-US" sz="2000" dirty="0" smtClean="0">
+                <a:latin typeface="Courier New" panose="02070309020205020404" pitchFamily="49" charset="0"/>
+                <a:cs typeface="Courier New" panose="02070309020205020404" pitchFamily="49" charset="0"/>
+              </a:rPr>
             </a:br>
             <a:r>
-              <a:rPr lang="en-US" sz="2400" dirty="0" smtClean="0"/>
-              <a:t>              if ( l ) free (l); </a:t>
+              <a:rPr lang="en-US" sz="2000" dirty="0" smtClean="0">
+                <a:latin typeface="Courier New" panose="02070309020205020404" pitchFamily="49" charset="0"/>
+                <a:cs typeface="Courier New" panose="02070309020205020404" pitchFamily="49" charset="0"/>
+              </a:rPr>
+              <a:t>   </a:t>
+            </a:r>
+            <a:r>
+              <a:rPr lang="en-US" sz="2000" dirty="0" smtClean="0">
+                <a:latin typeface="Courier New" panose="02070309020205020404" pitchFamily="49" charset="0"/>
+                <a:cs typeface="Courier New" panose="02070309020205020404" pitchFamily="49" charset="0"/>
+              </a:rPr>
+              <a:t>      </a:t>
+            </a:r>
+            <a:r>
+              <a:rPr lang="en-US" sz="2000" dirty="0" smtClean="0">
+                <a:latin typeface="Courier New" panose="02070309020205020404" pitchFamily="49" charset="0"/>
+                <a:cs typeface="Courier New" panose="02070309020205020404" pitchFamily="49" charset="0"/>
+              </a:rPr>
+              <a:t>if ( l ) free (l); </a:t>
             </a:r>
             <a:br>
-              <a:rPr lang="en-US" sz="2400" dirty="0" smtClean="0"/>
+              <a:rPr lang="en-US" sz="2000" dirty="0" smtClean="0">
+                <a:latin typeface="Courier New" panose="02070309020205020404" pitchFamily="49" charset="0"/>
+                <a:cs typeface="Courier New" panose="02070309020205020404" pitchFamily="49" charset="0"/>
+              </a:rPr>
             </a:br>
             <a:r>
-              <a:rPr lang="en-US" sz="2400" dirty="0" smtClean="0"/>
-              <a:t>              return head;</a:t>
+              <a:rPr lang="en-US" sz="2000" dirty="0" smtClean="0">
+                <a:latin typeface="Courier New" panose="02070309020205020404" pitchFamily="49" charset="0"/>
+                <a:cs typeface="Courier New" panose="02070309020205020404" pitchFamily="49" charset="0"/>
+              </a:rPr>
+              <a:t>   </a:t>
+            </a:r>
+            <a:r>
+              <a:rPr lang="en-US" sz="2000" dirty="0" smtClean="0">
+                <a:latin typeface="Courier New" panose="02070309020205020404" pitchFamily="49" charset="0"/>
+                <a:cs typeface="Courier New" panose="02070309020205020404" pitchFamily="49" charset="0"/>
+              </a:rPr>
+              <a:t>      </a:t>
+            </a:r>
+            <a:r>
+              <a:rPr lang="en-US" sz="2000" dirty="0" smtClean="0">
+                <a:latin typeface="Courier New" panose="02070309020205020404" pitchFamily="49" charset="0"/>
+                <a:cs typeface="Courier New" panose="02070309020205020404" pitchFamily="49" charset="0"/>
+              </a:rPr>
+              <a:t>return head</a:t>
+            </a:r>
+            <a:r>
+              <a:rPr lang="en-US" sz="2000" dirty="0" smtClean="0">
+                <a:latin typeface="Courier New" panose="02070309020205020404" pitchFamily="49" charset="0"/>
+                <a:cs typeface="Courier New" panose="02070309020205020404" pitchFamily="49" charset="0"/>
+              </a:rPr>
+              <a:t>;     </a:t>
+            </a:r>
+            <a:r>
+              <a:rPr lang="en-US" sz="2000" dirty="0" smtClean="0">
+                <a:latin typeface="Bodoni MT" panose="02070603080606020203" pitchFamily="18" charset="0"/>
+                <a:cs typeface="Courier New" panose="02070309020205020404" pitchFamily="49" charset="0"/>
+              </a:rPr>
+              <a:t>// we’ll return a new head</a:t>
+            </a:r>
+            <a:r>
+              <a:rPr lang="en-US" sz="2000" dirty="0" smtClean="0">
+                <a:latin typeface="Courier New" panose="02070309020205020404" pitchFamily="49" charset="0"/>
+                <a:cs typeface="Courier New" panose="02070309020205020404" pitchFamily="49" charset="0"/>
+              </a:rPr>
+              <a:t/>
             </a:r>
             <a:br>
-              <a:rPr lang="en-US" sz="2400" dirty="0" smtClean="0"/>
+              <a:rPr lang="en-US" sz="2000" dirty="0" smtClean="0">
+                <a:latin typeface="Courier New" panose="02070309020205020404" pitchFamily="49" charset="0"/>
+                <a:cs typeface="Courier New" panose="02070309020205020404" pitchFamily="49" charset="0"/>
+              </a:rPr>
             </a:br>
             <a:r>
-              <a:rPr lang="en-US" sz="2400" dirty="0" smtClean="0"/>
-              <a:t>        }</a:t>
-            </a:r>
-            <a:endParaRPr lang="en-US" sz="2400" dirty="0"/>
+              <a:rPr lang="en-US" sz="2000" dirty="0" smtClean="0">
+                <a:latin typeface="Courier New" panose="02070309020205020404" pitchFamily="49" charset="0"/>
+                <a:cs typeface="Courier New" panose="02070309020205020404" pitchFamily="49" charset="0"/>
+              </a:rPr>
+              <a:t>   </a:t>
+            </a:r>
+            <a:r>
+              <a:rPr lang="en-US" sz="2000" dirty="0" smtClean="0">
+                <a:latin typeface="Courier New" panose="02070309020205020404" pitchFamily="49" charset="0"/>
+                <a:cs typeface="Courier New" panose="02070309020205020404" pitchFamily="49" charset="0"/>
+              </a:rPr>
+              <a:t>}</a:t>
+            </a:r>
           </a:p>
           <a:p>
             <a:pPr marL="0" indent="0">
               <a:buNone/>
             </a:pPr>
             <a:r>
-              <a:rPr lang="en-US" sz="2400" dirty="0" smtClean="0"/>
-              <a:t>        p-&gt;next= l ? l-&gt;next: NULL;</a:t>
-            </a:r>
-            <a:br>
-              <a:rPr lang="en-US" sz="2400" dirty="0" smtClean="0"/>
-            </a:br>
-            <a:r>
-              <a:rPr lang="en-US" sz="2400" dirty="0" smtClean="0"/>
-              <a:t>        if ( l ) free(l);</a:t>
-            </a:r>
-            <a:br>
-              <a:rPr lang="en-US" sz="2400" dirty="0" smtClean="0"/>
-            </a:br>
-            <a:r>
-              <a:rPr lang="en-US" sz="2400" dirty="0" smtClean="0"/>
-              <a:t>        return </a:t>
-            </a:r>
-            <a:r>
-              <a:rPr lang="en-US" sz="2400" dirty="0"/>
-              <a:t>head;</a:t>
-            </a:r>
+              <a:rPr lang="en-US" sz="2000" dirty="0">
+                <a:latin typeface="Courier New" panose="02070309020205020404" pitchFamily="49" charset="0"/>
+                <a:cs typeface="Courier New" panose="02070309020205020404" pitchFamily="49" charset="0"/>
+              </a:rPr>
+              <a:t> </a:t>
+            </a:r>
+            <a:r>
+              <a:rPr lang="en-US" sz="2000" dirty="0" smtClean="0">
+                <a:latin typeface="Courier New" panose="02070309020205020404" pitchFamily="49" charset="0"/>
+                <a:cs typeface="Courier New" panose="02070309020205020404" pitchFamily="49" charset="0"/>
+              </a:rPr>
+              <a:t>      </a:t>
+            </a:r>
+            <a:r>
+              <a:rPr lang="en-US" sz="2000" dirty="0" smtClean="0">
+                <a:latin typeface="Bodoni MT" panose="02070603080606020203" pitchFamily="18" charset="0"/>
+                <a:cs typeface="Courier New" panose="02070309020205020404" pitchFamily="49" charset="0"/>
+              </a:rPr>
+              <a:t>// Now l  points to the node to delete</a:t>
+            </a:r>
+            <a:endParaRPr lang="en-US" sz="2000" dirty="0">
+              <a:latin typeface="Bodoni MT" panose="02070603080606020203" pitchFamily="18" charset="0"/>
+              <a:cs typeface="Courier New" panose="02070309020205020404" pitchFamily="49" charset="0"/>
+            </a:endParaRPr>
           </a:p>
           <a:p>
             <a:pPr marL="0" indent="0">
               <a:buNone/>
             </a:pPr>
             <a:r>
-              <a:rPr lang="en-US" sz="2400" dirty="0"/>
+              <a:rPr lang="en-US" sz="2000" dirty="0" smtClean="0">
+                <a:latin typeface="Courier New" panose="02070309020205020404" pitchFamily="49" charset="0"/>
+                <a:cs typeface="Courier New" panose="02070309020205020404" pitchFamily="49" charset="0"/>
+              </a:rPr>
+              <a:t>   </a:t>
+            </a:r>
+            <a:r>
+              <a:rPr lang="en-US" sz="2000" dirty="0" smtClean="0">
+                <a:latin typeface="Courier New" panose="02070309020205020404" pitchFamily="49" charset="0"/>
+                <a:cs typeface="Courier New" panose="02070309020205020404" pitchFamily="49" charset="0"/>
+              </a:rPr>
+              <a:t>p-</a:t>
+            </a:r>
+            <a:r>
+              <a:rPr lang="en-US" sz="2000" dirty="0" smtClean="0">
+                <a:latin typeface="Courier New" panose="02070309020205020404" pitchFamily="49" charset="0"/>
+                <a:cs typeface="Courier New" panose="02070309020205020404" pitchFamily="49" charset="0"/>
+              </a:rPr>
+              <a:t>&gt;next= l ? l-&gt;next: NULL</a:t>
+            </a:r>
+            <a:r>
+              <a:rPr lang="en-US" sz="2000" dirty="0" smtClean="0">
+                <a:latin typeface="Courier New" panose="02070309020205020404" pitchFamily="49" charset="0"/>
+                <a:cs typeface="Courier New" panose="02070309020205020404" pitchFamily="49" charset="0"/>
+              </a:rPr>
+              <a:t>;    </a:t>
+            </a:r>
+            <a:r>
+              <a:rPr lang="en-US" sz="2000" dirty="0" smtClean="0">
+                <a:latin typeface="Bodoni MT" panose="02070603080606020203" pitchFamily="18" charset="0"/>
+                <a:cs typeface="Courier New" panose="02070309020205020404" pitchFamily="49" charset="0"/>
+              </a:rPr>
+              <a:t>// check if l is not NULL</a:t>
+            </a:r>
+            <a:r>
+              <a:rPr lang="en-US" sz="2000" dirty="0" smtClean="0">
+                <a:latin typeface="Courier New" panose="02070309020205020404" pitchFamily="49" charset="0"/>
+                <a:cs typeface="Courier New" panose="02070309020205020404" pitchFamily="49" charset="0"/>
+              </a:rPr>
+              <a:t/>
+            </a:r>
+            <a:br>
+              <a:rPr lang="en-US" sz="2000" dirty="0" smtClean="0">
+                <a:latin typeface="Courier New" panose="02070309020205020404" pitchFamily="49" charset="0"/>
+                <a:cs typeface="Courier New" panose="02070309020205020404" pitchFamily="49" charset="0"/>
+              </a:rPr>
+            </a:br>
+            <a:r>
+              <a:rPr lang="en-US" sz="2000" dirty="0" smtClean="0">
+                <a:latin typeface="Courier New" panose="02070309020205020404" pitchFamily="49" charset="0"/>
+                <a:cs typeface="Courier New" panose="02070309020205020404" pitchFamily="49" charset="0"/>
+              </a:rPr>
+              <a:t>   </a:t>
+            </a:r>
+            <a:r>
+              <a:rPr lang="en-US" sz="2000" dirty="0" smtClean="0">
+                <a:latin typeface="Courier New" panose="02070309020205020404" pitchFamily="49" charset="0"/>
+                <a:cs typeface="Courier New" panose="02070309020205020404" pitchFamily="49" charset="0"/>
+              </a:rPr>
+              <a:t>if </a:t>
+            </a:r>
+            <a:r>
+              <a:rPr lang="en-US" sz="2000" dirty="0" smtClean="0">
+                <a:latin typeface="Courier New" panose="02070309020205020404" pitchFamily="49" charset="0"/>
+                <a:cs typeface="Courier New" panose="02070309020205020404" pitchFamily="49" charset="0"/>
+              </a:rPr>
+              <a:t>( l ) free(l</a:t>
+            </a:r>
+            <a:r>
+              <a:rPr lang="en-US" sz="2000" dirty="0" smtClean="0">
+                <a:latin typeface="Courier New" panose="02070309020205020404" pitchFamily="49" charset="0"/>
+                <a:cs typeface="Courier New" panose="02070309020205020404" pitchFamily="49" charset="0"/>
+              </a:rPr>
+              <a:t>); </a:t>
+            </a:r>
+            <a:r>
+              <a:rPr lang="en-US" sz="2000" dirty="0" smtClean="0">
+                <a:latin typeface="Bodoni MT" panose="02070603080606020203" pitchFamily="18" charset="0"/>
+                <a:cs typeface="Courier New" panose="02070309020205020404" pitchFamily="49" charset="0"/>
+              </a:rPr>
+              <a:t>  // since we will no longer use this node in this example</a:t>
+            </a:r>
+            <a:r>
+              <a:rPr lang="en-US" sz="2000" dirty="0" smtClean="0">
+                <a:latin typeface="Courier New" panose="02070309020205020404" pitchFamily="49" charset="0"/>
+                <a:cs typeface="Courier New" panose="02070309020205020404" pitchFamily="49" charset="0"/>
+              </a:rPr>
+              <a:t/>
+            </a:r>
+            <a:br>
+              <a:rPr lang="en-US" sz="2000" dirty="0" smtClean="0">
+                <a:latin typeface="Courier New" panose="02070309020205020404" pitchFamily="49" charset="0"/>
+                <a:cs typeface="Courier New" panose="02070309020205020404" pitchFamily="49" charset="0"/>
+              </a:rPr>
+            </a:br>
+            <a:r>
+              <a:rPr lang="en-US" sz="2000" dirty="0" smtClean="0">
+                <a:latin typeface="Courier New" panose="02070309020205020404" pitchFamily="49" charset="0"/>
+                <a:cs typeface="Courier New" panose="02070309020205020404" pitchFamily="49" charset="0"/>
+              </a:rPr>
+              <a:t>   </a:t>
+            </a:r>
+            <a:r>
+              <a:rPr lang="en-US" sz="2000" dirty="0" smtClean="0">
+                <a:latin typeface="Courier New" panose="02070309020205020404" pitchFamily="49" charset="0"/>
+                <a:cs typeface="Courier New" panose="02070309020205020404" pitchFamily="49" charset="0"/>
+              </a:rPr>
+              <a:t>return </a:t>
+            </a:r>
+            <a:r>
+              <a:rPr lang="en-US" sz="2000" dirty="0">
+                <a:latin typeface="Courier New" panose="02070309020205020404" pitchFamily="49" charset="0"/>
+                <a:cs typeface="Courier New" panose="02070309020205020404" pitchFamily="49" charset="0"/>
+              </a:rPr>
+              <a:t>head</a:t>
+            </a:r>
+            <a:r>
+              <a:rPr lang="en-US" sz="2000" dirty="0" smtClean="0">
+                <a:latin typeface="Courier New" panose="02070309020205020404" pitchFamily="49" charset="0"/>
+                <a:cs typeface="Courier New" panose="02070309020205020404" pitchFamily="49" charset="0"/>
+              </a:rPr>
+              <a:t>;       </a:t>
+            </a:r>
+            <a:r>
+              <a:rPr lang="en-US" sz="2000" dirty="0" smtClean="0">
+                <a:latin typeface="Bodoni MT" panose="02070603080606020203" pitchFamily="18" charset="0"/>
+                <a:cs typeface="Courier New" panose="02070309020205020404" pitchFamily="49" charset="0"/>
+              </a:rPr>
+              <a:t>// …  and return the old head</a:t>
+            </a:r>
+            <a:endParaRPr lang="en-US" sz="2000" dirty="0">
+              <a:latin typeface="Bodoni MT" panose="02070603080606020203" pitchFamily="18" charset="0"/>
+              <a:cs typeface="Courier New" panose="02070309020205020404" pitchFamily="49" charset="0"/>
+            </a:endParaRPr>
+          </a:p>
+          <a:p>
+            <a:pPr marL="0" indent="0">
+              <a:buNone/>
+            </a:pPr>
+            <a:r>
+              <a:rPr lang="en-US" sz="2000" dirty="0">
+                <a:latin typeface="Courier New" panose="02070309020205020404" pitchFamily="49" charset="0"/>
+                <a:cs typeface="Courier New" panose="02070309020205020404" pitchFamily="49" charset="0"/>
+              </a:rPr>
               <a:t>}</a:t>
             </a:r>
           </a:p>
@@ -15429,6 +17528,55 @@
                                           <p:spTgt spid="3">
                                             <p:txEl>
                                               <p:pRg st="4" end="4"/>
+                                            </p:txEl>
+                                          </p:spTgt>
+                                        </p:tgtEl>
+                                        <p:attrNameLst>
+                                          <p:attrName>style.visibility</p:attrName>
+                                        </p:attrNameLst>
+                                      </p:cBhvr>
+                                      <p:to>
+                                        <p:strVal val="visible"/>
+                                      </p:to>
+                                    </p:set>
+                                  </p:childTnLst>
+                                </p:cTn>
+                              </p:par>
+                            </p:childTnLst>
+                          </p:cTn>
+                        </p:par>
+                      </p:childTnLst>
+                    </p:cTn>
+                  </p:par>
+                  <p:par>
+                    <p:cTn id="19" fill="hold">
+                      <p:stCondLst>
+                        <p:cond delay="indefinite"/>
+                      </p:stCondLst>
+                      <p:childTnLst>
+                        <p:par>
+                          <p:cTn id="20" fill="hold">
+                            <p:stCondLst>
+                              <p:cond delay="0"/>
+                            </p:stCondLst>
+                            <p:childTnLst>
+                              <p:par>
+                                <p:cTn id="21" presetID="1" presetClass="entr" presetSubtype="0" fill="hold" nodeType="clickEffect">
+                                  <p:stCondLst>
+                                    <p:cond delay="0"/>
+                                  </p:stCondLst>
+                                  <p:childTnLst>
+                                    <p:set>
+                                      <p:cBhvr>
+                                        <p:cTn id="22" dur="1" fill="hold">
+                                          <p:stCondLst>
+                                            <p:cond delay="0"/>
+                                          </p:stCondLst>
+                                        </p:cTn>
+                                        <p:tgtEl>
+                                          <p:spTgt spid="3">
+                                            <p:txEl>
+                                              <p:pRg st="5" end="5"/>
                                             </p:txEl>
                                           </p:spTgt>
                                         </p:tgtEl>

--- a/slides/14-LinkedLists.pptx
+++ b/slides/14-LinkedLists.pptx
@@ -12,8 +12,10 @@
     <p:sldId id="259" r:id="rId6"/>
     <p:sldId id="260" r:id="rId7"/>
     <p:sldId id="261" r:id="rId8"/>
-    <p:sldId id="263" r:id="rId9"/>
-    <p:sldId id="265" r:id="rId10"/>
+    <p:sldId id="266" r:id="rId9"/>
+    <p:sldId id="263" r:id="rId10"/>
+    <p:sldId id="265" r:id="rId11"/>
+    <p:sldId id="267" r:id="rId12"/>
   </p:sldIdLst>
   <p:sldSz cx="12192000" cy="6858000"/>
   <p:notesSz cx="6858000" cy="9144000"/>
@@ -251,7 +253,7 @@
           <a:p>
             <a:fld id="{0D8D7A85-C680-4D97-8E7A-1E039B1638C1}" type="datetimeFigureOut">
               <a:rPr lang="en-US" smtClean="0"/>
-              <a:t>10/25/2023</a:t>
+              <a:t>10/26/2023</a:t>
             </a:fld>
             <a:endParaRPr lang="en-US"/>
           </a:p>
@@ -421,7 +423,7 @@
           <a:p>
             <a:fld id="{0D8D7A85-C680-4D97-8E7A-1E039B1638C1}" type="datetimeFigureOut">
               <a:rPr lang="en-US" smtClean="0"/>
-              <a:t>10/25/2023</a:t>
+              <a:t>10/26/2023</a:t>
             </a:fld>
             <a:endParaRPr lang="en-US"/>
           </a:p>
@@ -601,7 +603,7 @@
           <a:p>
             <a:fld id="{0D8D7A85-C680-4D97-8E7A-1E039B1638C1}" type="datetimeFigureOut">
               <a:rPr lang="en-US" smtClean="0"/>
-              <a:t>10/25/2023</a:t>
+              <a:t>10/26/2023</a:t>
             </a:fld>
             <a:endParaRPr lang="en-US"/>
           </a:p>
@@ -771,7 +773,7 @@
           <a:p>
             <a:fld id="{0D8D7A85-C680-4D97-8E7A-1E039B1638C1}" type="datetimeFigureOut">
               <a:rPr lang="en-US" smtClean="0"/>
-              <a:t>10/25/2023</a:t>
+              <a:t>10/26/2023</a:t>
             </a:fld>
             <a:endParaRPr lang="en-US"/>
           </a:p>
@@ -1017,7 +1019,7 @@
           <a:p>
             <a:fld id="{0D8D7A85-C680-4D97-8E7A-1E039B1638C1}" type="datetimeFigureOut">
               <a:rPr lang="en-US" smtClean="0"/>
-              <a:t>10/25/2023</a:t>
+              <a:t>10/26/2023</a:t>
             </a:fld>
             <a:endParaRPr lang="en-US"/>
           </a:p>
@@ -1249,7 +1251,7 @@
           <a:p>
             <a:fld id="{0D8D7A85-C680-4D97-8E7A-1E039B1638C1}" type="datetimeFigureOut">
               <a:rPr lang="en-US" smtClean="0"/>
-              <a:t>10/25/2023</a:t>
+              <a:t>10/26/2023</a:t>
             </a:fld>
             <a:endParaRPr lang="en-US"/>
           </a:p>
@@ -1616,7 +1618,7 @@
           <a:p>
             <a:fld id="{0D8D7A85-C680-4D97-8E7A-1E039B1638C1}" type="datetimeFigureOut">
               <a:rPr lang="en-US" smtClean="0"/>
-              <a:t>10/25/2023</a:t>
+              <a:t>10/26/2023</a:t>
             </a:fld>
             <a:endParaRPr lang="en-US"/>
           </a:p>
@@ -1734,7 +1736,7 @@
           <a:p>
             <a:fld id="{0D8D7A85-C680-4D97-8E7A-1E039B1638C1}" type="datetimeFigureOut">
               <a:rPr lang="en-US" smtClean="0"/>
-              <a:t>10/25/2023</a:t>
+              <a:t>10/26/2023</a:t>
             </a:fld>
             <a:endParaRPr lang="en-US"/>
           </a:p>
@@ -1829,7 +1831,7 @@
           <a:p>
             <a:fld id="{0D8D7A85-C680-4D97-8E7A-1E039B1638C1}" type="datetimeFigureOut">
               <a:rPr lang="en-US" smtClean="0"/>
-              <a:t>10/25/2023</a:t>
+              <a:t>10/26/2023</a:t>
             </a:fld>
             <a:endParaRPr lang="en-US"/>
           </a:p>
@@ -2106,7 +2108,7 @@
           <a:p>
             <a:fld id="{0D8D7A85-C680-4D97-8E7A-1E039B1638C1}" type="datetimeFigureOut">
               <a:rPr lang="en-US" smtClean="0"/>
-              <a:t>10/25/2023</a:t>
+              <a:t>10/26/2023</a:t>
             </a:fld>
             <a:endParaRPr lang="en-US"/>
           </a:p>
@@ -2359,7 +2361,7 @@
           <a:p>
             <a:fld id="{0D8D7A85-C680-4D97-8E7A-1E039B1638C1}" type="datetimeFigureOut">
               <a:rPr lang="en-US" smtClean="0"/>
-              <a:t>10/25/2023</a:t>
+              <a:t>10/26/2023</a:t>
             </a:fld>
             <a:endParaRPr lang="en-US"/>
           </a:p>
@@ -2572,7 +2574,7 @@
           <a:p>
             <a:fld id="{0D8D7A85-C680-4D97-8E7A-1E039B1638C1}" type="datetimeFigureOut">
               <a:rPr lang="en-US" smtClean="0"/>
-              <a:t>10/25/2023</a:t>
+              <a:t>10/26/2023</a:t>
             </a:fld>
             <a:endParaRPr lang="en-US"/>
           </a:p>
@@ -3036,6 +3038,1010 @@
       </p:par>
     </p:tnLst>
   </p:timing>
+</p:sld>
+</file>
+
+<file path=ppt/slides/slide10.xml><?xml version="1.0" encoding="utf-8"?>
+<p:sld xmlns:a="http://schemas.openxmlformats.org/drawingml/2006/main" xmlns:r="http://schemas.openxmlformats.org/officeDocument/2006/relationships" xmlns:p="http://schemas.openxmlformats.org/presentationml/2006/main">
+  <p:cSld>
+    <p:spTree>
+      <p:nvGrpSpPr>
+        <p:cNvPr id="1" name=""/>
+        <p:cNvGrpSpPr/>
+        <p:nvPr/>
+      </p:nvGrpSpPr>
+      <p:grpSpPr>
+        <a:xfrm>
+          <a:off x="0" y="0"/>
+          <a:ext cx="0" cy="0"/>
+          <a:chOff x="0" y="0"/>
+          <a:chExt cx="0" cy="0"/>
+        </a:xfrm>
+      </p:grpSpPr>
+      <p:sp>
+        <p:nvSpPr>
+          <p:cNvPr id="2" name="Title 1"/>
+          <p:cNvSpPr>
+            <a:spLocks noGrp="1"/>
+          </p:cNvSpPr>
+          <p:nvPr>
+            <p:ph type="title"/>
+          </p:nvPr>
+        </p:nvSpPr>
+        <p:spPr/>
+        <p:txBody>
+          <a:bodyPr/>
+          <a:lstStyle/>
+          <a:p>
+            <a:r>
+              <a:rPr lang="en-US" dirty="0" smtClean="0"/>
+              <a:t>Deleting from a position in a linked list</a:t>
+            </a:r>
+            <a:endParaRPr lang="en-US" dirty="0"/>
+          </a:p>
+        </p:txBody>
+      </p:sp>
+      <p:sp>
+        <p:nvSpPr>
+          <p:cNvPr id="3" name="Content Placeholder 2"/>
+          <p:cNvSpPr>
+            <a:spLocks noGrp="1"/>
+          </p:cNvSpPr>
+          <p:nvPr>
+            <p:ph idx="1"/>
+          </p:nvPr>
+        </p:nvSpPr>
+        <p:spPr>
+          <a:xfrm>
+            <a:off x="507458" y="1397607"/>
+            <a:ext cx="11684542" cy="5956504"/>
+          </a:xfrm>
+        </p:spPr>
+        <p:txBody>
+          <a:bodyPr>
+            <a:noAutofit/>
+          </a:bodyPr>
+          <a:lstStyle/>
+          <a:p>
+            <a:pPr marL="0" indent="0">
+              <a:buNone/>
+            </a:pPr>
+            <a:r>
+              <a:rPr lang="en-US" sz="2000" dirty="0" err="1">
+                <a:latin typeface="Courier New" panose="02070309020205020404" pitchFamily="49" charset="0"/>
+                <a:cs typeface="Courier New" panose="02070309020205020404" pitchFamily="49" charset="0"/>
+              </a:rPr>
+              <a:t>struct</a:t>
+            </a:r>
+            <a:r>
+              <a:rPr lang="en-US" sz="2000" dirty="0">
+                <a:latin typeface="Courier New" panose="02070309020205020404" pitchFamily="49" charset="0"/>
+                <a:cs typeface="Courier New" panose="02070309020205020404" pitchFamily="49" charset="0"/>
+              </a:rPr>
+              <a:t> node * </a:t>
+            </a:r>
+            <a:r>
+              <a:rPr lang="en-US" sz="2000" dirty="0" err="1" smtClean="0">
+                <a:latin typeface="Courier New" panose="02070309020205020404" pitchFamily="49" charset="0"/>
+                <a:cs typeface="Courier New" panose="02070309020205020404" pitchFamily="49" charset="0"/>
+              </a:rPr>
+              <a:t>node_delete</a:t>
+            </a:r>
+            <a:r>
+              <a:rPr lang="en-US" sz="2000" dirty="0" smtClean="0">
+                <a:latin typeface="Courier New" panose="02070309020205020404" pitchFamily="49" charset="0"/>
+                <a:cs typeface="Courier New" panose="02070309020205020404" pitchFamily="49" charset="0"/>
+              </a:rPr>
+              <a:t>(</a:t>
+            </a:r>
+            <a:r>
+              <a:rPr lang="en-US" sz="2000" dirty="0" err="1" smtClean="0">
+                <a:latin typeface="Courier New" panose="02070309020205020404" pitchFamily="49" charset="0"/>
+                <a:cs typeface="Courier New" panose="02070309020205020404" pitchFamily="49" charset="0"/>
+              </a:rPr>
+              <a:t>struct</a:t>
+            </a:r>
+            <a:r>
+              <a:rPr lang="en-US" sz="2000" dirty="0" smtClean="0">
+                <a:latin typeface="Courier New" panose="02070309020205020404" pitchFamily="49" charset="0"/>
+                <a:cs typeface="Courier New" panose="02070309020205020404" pitchFamily="49" charset="0"/>
+              </a:rPr>
+              <a:t> </a:t>
+            </a:r>
+            <a:r>
+              <a:rPr lang="en-US" sz="2000" dirty="0">
+                <a:latin typeface="Courier New" panose="02070309020205020404" pitchFamily="49" charset="0"/>
+                <a:cs typeface="Courier New" panose="02070309020205020404" pitchFamily="49" charset="0"/>
+              </a:rPr>
+              <a:t>node * head, </a:t>
+            </a:r>
+            <a:r>
+              <a:rPr lang="en-US" sz="2000" dirty="0" err="1">
+                <a:latin typeface="Courier New" panose="02070309020205020404" pitchFamily="49" charset="0"/>
+                <a:cs typeface="Courier New" panose="02070309020205020404" pitchFamily="49" charset="0"/>
+              </a:rPr>
+              <a:t>int</a:t>
+            </a:r>
+            <a:r>
+              <a:rPr lang="en-US" sz="2000" dirty="0">
+                <a:latin typeface="Courier New" panose="02070309020205020404" pitchFamily="49" charset="0"/>
+                <a:cs typeface="Courier New" panose="02070309020205020404" pitchFamily="49" charset="0"/>
+              </a:rPr>
+              <a:t> </a:t>
+            </a:r>
+            <a:r>
+              <a:rPr lang="en-US" sz="2000" dirty="0" err="1" smtClean="0">
+                <a:latin typeface="Courier New" panose="02070309020205020404" pitchFamily="49" charset="0"/>
+                <a:cs typeface="Courier New" panose="02070309020205020404" pitchFamily="49" charset="0"/>
+              </a:rPr>
+              <a:t>pos</a:t>
+            </a:r>
+            <a:r>
+              <a:rPr lang="en-US" sz="2000" dirty="0" smtClean="0">
+                <a:latin typeface="Courier New" panose="02070309020205020404" pitchFamily="49" charset="0"/>
+                <a:cs typeface="Courier New" panose="02070309020205020404" pitchFamily="49" charset="0"/>
+              </a:rPr>
+              <a:t>){</a:t>
+            </a:r>
+            <a:endParaRPr lang="en-US" sz="2000" dirty="0">
+              <a:latin typeface="Courier New" panose="02070309020205020404" pitchFamily="49" charset="0"/>
+              <a:cs typeface="Courier New" panose="02070309020205020404" pitchFamily="49" charset="0"/>
+            </a:endParaRPr>
+          </a:p>
+          <a:p>
+            <a:pPr marL="0" indent="0">
+              <a:buNone/>
+            </a:pPr>
+            <a:r>
+              <a:rPr lang="en-US" sz="2000" dirty="0" smtClean="0">
+                <a:latin typeface="Courier New" panose="02070309020205020404" pitchFamily="49" charset="0"/>
+                <a:cs typeface="Courier New" panose="02070309020205020404" pitchFamily="49" charset="0"/>
+              </a:rPr>
+              <a:t>   </a:t>
+            </a:r>
+            <a:r>
+              <a:rPr lang="en-US" sz="2000" dirty="0" err="1" smtClean="0">
+                <a:latin typeface="Courier New" panose="02070309020205020404" pitchFamily="49" charset="0"/>
+                <a:cs typeface="Courier New" panose="02070309020205020404" pitchFamily="49" charset="0"/>
+              </a:rPr>
+              <a:t>struct</a:t>
+            </a:r>
+            <a:r>
+              <a:rPr lang="en-US" sz="2000" dirty="0" smtClean="0">
+                <a:latin typeface="Courier New" panose="02070309020205020404" pitchFamily="49" charset="0"/>
+                <a:cs typeface="Courier New" panose="02070309020205020404" pitchFamily="49" charset="0"/>
+              </a:rPr>
+              <a:t> </a:t>
+            </a:r>
+            <a:r>
+              <a:rPr lang="en-US" sz="2000" dirty="0">
+                <a:latin typeface="Courier New" panose="02070309020205020404" pitchFamily="49" charset="0"/>
+                <a:cs typeface="Courier New" panose="02070309020205020404" pitchFamily="49" charset="0"/>
+              </a:rPr>
+              <a:t>node * l, * p</a:t>
+            </a:r>
+            <a:r>
+              <a:rPr lang="en-US" sz="2000" dirty="0" smtClean="0">
+                <a:latin typeface="Courier New" panose="02070309020205020404" pitchFamily="49" charset="0"/>
+                <a:cs typeface="Courier New" panose="02070309020205020404" pitchFamily="49" charset="0"/>
+              </a:rPr>
+              <a:t>;    </a:t>
+            </a:r>
+            <a:r>
+              <a:rPr lang="en-US" sz="2000" dirty="0">
+                <a:latin typeface="Courier New" panose="02070309020205020404" pitchFamily="49" charset="0"/>
+                <a:cs typeface="Courier New" panose="02070309020205020404" pitchFamily="49" charset="0"/>
+              </a:rPr>
+              <a:t>	</a:t>
+            </a:r>
+            <a:r>
+              <a:rPr lang="en-US" sz="2000" dirty="0" smtClean="0">
+                <a:latin typeface="Courier New" panose="02070309020205020404" pitchFamily="49" charset="0"/>
+                <a:cs typeface="Courier New" panose="02070309020205020404" pitchFamily="49" charset="0"/>
+              </a:rPr>
+              <a:t/>
+            </a:r>
+            <a:br>
+              <a:rPr lang="en-US" sz="2000" dirty="0" smtClean="0">
+                <a:latin typeface="Courier New" panose="02070309020205020404" pitchFamily="49" charset="0"/>
+                <a:cs typeface="Courier New" panose="02070309020205020404" pitchFamily="49" charset="0"/>
+              </a:rPr>
+            </a:br>
+            <a:r>
+              <a:rPr lang="en-US" sz="2000" dirty="0" smtClean="0">
+                <a:latin typeface="Courier New" panose="02070309020205020404" pitchFamily="49" charset="0"/>
+                <a:cs typeface="Courier New" panose="02070309020205020404" pitchFamily="49" charset="0"/>
+              </a:rPr>
+              <a:t>   </a:t>
+            </a:r>
+            <a:r>
+              <a:rPr lang="en-US" sz="2000" dirty="0" err="1" smtClean="0">
+                <a:latin typeface="Courier New" panose="02070309020205020404" pitchFamily="49" charset="0"/>
+                <a:cs typeface="Courier New" panose="02070309020205020404" pitchFamily="49" charset="0"/>
+              </a:rPr>
+              <a:t>int</a:t>
+            </a:r>
+            <a:r>
+              <a:rPr lang="en-US" sz="2000" dirty="0" smtClean="0">
+                <a:latin typeface="Courier New" panose="02070309020205020404" pitchFamily="49" charset="0"/>
+                <a:cs typeface="Courier New" panose="02070309020205020404" pitchFamily="49" charset="0"/>
+              </a:rPr>
+              <a:t> </a:t>
+            </a:r>
+            <a:r>
+              <a:rPr lang="en-US" sz="2000" dirty="0" err="1">
+                <a:latin typeface="Courier New" panose="02070309020205020404" pitchFamily="49" charset="0"/>
+                <a:cs typeface="Courier New" panose="02070309020205020404" pitchFamily="49" charset="0"/>
+              </a:rPr>
+              <a:t>i</a:t>
+            </a:r>
+            <a:r>
+              <a:rPr lang="en-US" sz="2000" dirty="0">
+                <a:latin typeface="Courier New" panose="02070309020205020404" pitchFamily="49" charset="0"/>
+                <a:cs typeface="Courier New" panose="02070309020205020404" pitchFamily="49" charset="0"/>
+              </a:rPr>
+              <a:t>; </a:t>
+            </a:r>
+            <a:r>
+              <a:rPr lang="en-US" sz="2000" dirty="0" smtClean="0">
+                <a:latin typeface="Courier New" panose="02070309020205020404" pitchFamily="49" charset="0"/>
+                <a:cs typeface="Courier New" panose="02070309020205020404" pitchFamily="49" charset="0"/>
+              </a:rPr>
+              <a:t>  </a:t>
+            </a:r>
+            <a:r>
+              <a:rPr lang="en-US" sz="2000" dirty="0" smtClean="0">
+                <a:latin typeface="Bodoni MT" panose="02070603080606020203" pitchFamily="18" charset="0"/>
+                <a:cs typeface="Courier New" panose="02070309020205020404" pitchFamily="49" charset="0"/>
+              </a:rPr>
+              <a:t>// </a:t>
+            </a:r>
+            <a:r>
+              <a:rPr lang="en-US" sz="2000" dirty="0" err="1">
+                <a:latin typeface="Bodoni MT" panose="02070603080606020203" pitchFamily="18" charset="0"/>
+                <a:cs typeface="Courier New" panose="02070309020205020404" pitchFamily="49" charset="0"/>
+              </a:rPr>
+              <a:t>i</a:t>
+            </a:r>
+            <a:r>
+              <a:rPr lang="en-US" sz="2000" dirty="0">
+                <a:latin typeface="Bodoni MT" panose="02070603080606020203" pitchFamily="18" charset="0"/>
+                <a:cs typeface="Courier New" panose="02070309020205020404" pitchFamily="49" charset="0"/>
+              </a:rPr>
+              <a:t> is the position of l</a:t>
+            </a:r>
+          </a:p>
+          <a:p>
+            <a:pPr marL="0" indent="0">
+              <a:buNone/>
+            </a:pPr>
+            <a:r>
+              <a:rPr lang="en-US" sz="2000" dirty="0" smtClean="0">
+                <a:latin typeface="Courier New" panose="02070309020205020404" pitchFamily="49" charset="0"/>
+                <a:cs typeface="Courier New" panose="02070309020205020404" pitchFamily="49" charset="0"/>
+              </a:rPr>
+              <a:t>         </a:t>
+            </a:r>
+            <a:r>
+              <a:rPr lang="en-US" sz="2000" dirty="0" smtClean="0">
+                <a:latin typeface="Bodoni MT" panose="02070603080606020203" pitchFamily="18" charset="0"/>
+                <a:cs typeface="Courier New" panose="02070309020205020404" pitchFamily="49" charset="0"/>
+              </a:rPr>
+              <a:t>// @loop traverse the list looking for position</a:t>
+            </a:r>
+            <a:r>
+              <a:rPr lang="en-US" sz="2000" dirty="0" smtClean="0">
+                <a:latin typeface="Courier New" panose="02070309020205020404" pitchFamily="49" charset="0"/>
+                <a:cs typeface="Courier New" panose="02070309020205020404" pitchFamily="49" charset="0"/>
+              </a:rPr>
+              <a:t/>
+            </a:r>
+            <a:br>
+              <a:rPr lang="en-US" sz="2000" dirty="0" smtClean="0">
+                <a:latin typeface="Courier New" panose="02070309020205020404" pitchFamily="49" charset="0"/>
+                <a:cs typeface="Courier New" panose="02070309020205020404" pitchFamily="49" charset="0"/>
+              </a:rPr>
+            </a:br>
+            <a:r>
+              <a:rPr lang="en-US" sz="2000" dirty="0" smtClean="0">
+                <a:latin typeface="Courier New" panose="02070309020205020404" pitchFamily="49" charset="0"/>
+                <a:cs typeface="Courier New" panose="02070309020205020404" pitchFamily="49" charset="0"/>
+              </a:rPr>
+              <a:t>   for(l=head</a:t>
+            </a:r>
+            <a:r>
+              <a:rPr lang="en-US" sz="2000" dirty="0">
+                <a:latin typeface="Courier New" panose="02070309020205020404" pitchFamily="49" charset="0"/>
+                <a:cs typeface="Courier New" panose="02070309020205020404" pitchFamily="49" charset="0"/>
+              </a:rPr>
+              <a:t>, p=NULL, </a:t>
+            </a:r>
+            <a:r>
+              <a:rPr lang="en-US" sz="2000" dirty="0" err="1">
+                <a:latin typeface="Courier New" panose="02070309020205020404" pitchFamily="49" charset="0"/>
+                <a:cs typeface="Courier New" panose="02070309020205020404" pitchFamily="49" charset="0"/>
+              </a:rPr>
+              <a:t>i</a:t>
+            </a:r>
+            <a:r>
+              <a:rPr lang="en-US" sz="2000" dirty="0">
+                <a:latin typeface="Courier New" panose="02070309020205020404" pitchFamily="49" charset="0"/>
+                <a:cs typeface="Courier New" panose="02070309020205020404" pitchFamily="49" charset="0"/>
+              </a:rPr>
+              <a:t>=0; l!= NULL &amp;&amp; </a:t>
+            </a:r>
+            <a:r>
+              <a:rPr lang="en-US" sz="2000" dirty="0" err="1">
+                <a:latin typeface="Courier New" panose="02070309020205020404" pitchFamily="49" charset="0"/>
+                <a:cs typeface="Courier New" panose="02070309020205020404" pitchFamily="49" charset="0"/>
+              </a:rPr>
+              <a:t>i</a:t>
+            </a:r>
+            <a:r>
+              <a:rPr lang="en-US" sz="2000" dirty="0">
+                <a:latin typeface="Courier New" panose="02070309020205020404" pitchFamily="49" charset="0"/>
+                <a:cs typeface="Courier New" panose="02070309020205020404" pitchFamily="49" charset="0"/>
+              </a:rPr>
+              <a:t> &lt; </a:t>
+            </a:r>
+            <a:r>
+              <a:rPr lang="en-US" sz="2000" dirty="0" err="1">
+                <a:latin typeface="Courier New" panose="02070309020205020404" pitchFamily="49" charset="0"/>
+                <a:cs typeface="Courier New" panose="02070309020205020404" pitchFamily="49" charset="0"/>
+              </a:rPr>
+              <a:t>pos</a:t>
+            </a:r>
+            <a:r>
+              <a:rPr lang="en-US" sz="2000" dirty="0">
+                <a:latin typeface="Courier New" panose="02070309020205020404" pitchFamily="49" charset="0"/>
+                <a:cs typeface="Courier New" panose="02070309020205020404" pitchFamily="49" charset="0"/>
+              </a:rPr>
+              <a:t> ; l=l-&gt;next, </a:t>
+            </a:r>
+            <a:r>
+              <a:rPr lang="en-US" sz="2000" dirty="0" err="1">
+                <a:latin typeface="Courier New" panose="02070309020205020404" pitchFamily="49" charset="0"/>
+                <a:cs typeface="Courier New" panose="02070309020205020404" pitchFamily="49" charset="0"/>
+              </a:rPr>
+              <a:t>i</a:t>
+            </a:r>
+            <a:r>
+              <a:rPr lang="en-US" sz="2000" dirty="0" smtClean="0">
+                <a:latin typeface="Courier New" panose="02070309020205020404" pitchFamily="49" charset="0"/>
+                <a:cs typeface="Courier New" panose="02070309020205020404" pitchFamily="49" charset="0"/>
+              </a:rPr>
+              <a:t>++)</a:t>
+            </a:r>
+            <a:br>
+              <a:rPr lang="en-US" sz="2000" dirty="0" smtClean="0">
+                <a:latin typeface="Courier New" panose="02070309020205020404" pitchFamily="49" charset="0"/>
+                <a:cs typeface="Courier New" panose="02070309020205020404" pitchFamily="49" charset="0"/>
+              </a:rPr>
+            </a:br>
+            <a:r>
+              <a:rPr lang="en-US" sz="2000" dirty="0" smtClean="0">
+                <a:latin typeface="Courier New" panose="02070309020205020404" pitchFamily="49" charset="0"/>
+                <a:cs typeface="Courier New" panose="02070309020205020404" pitchFamily="49" charset="0"/>
+              </a:rPr>
+              <a:t>         p=l;</a:t>
+            </a:r>
+            <a:endParaRPr lang="en-US" sz="2000" dirty="0">
+              <a:latin typeface="Courier New" panose="02070309020205020404" pitchFamily="49" charset="0"/>
+              <a:cs typeface="Courier New" panose="02070309020205020404" pitchFamily="49" charset="0"/>
+            </a:endParaRPr>
+          </a:p>
+          <a:p>
+            <a:pPr marL="0" indent="0">
+              <a:buNone/>
+            </a:pPr>
+            <a:r>
+              <a:rPr lang="en-US" sz="2000" dirty="0" smtClean="0">
+                <a:latin typeface="Courier New" panose="02070309020205020404" pitchFamily="49" charset="0"/>
+                <a:cs typeface="Courier New" panose="02070309020205020404" pitchFamily="49" charset="0"/>
+              </a:rPr>
+              <a:t>   if </a:t>
+            </a:r>
+            <a:r>
+              <a:rPr lang="en-US" sz="2000" dirty="0">
+                <a:latin typeface="Courier New" panose="02070309020205020404" pitchFamily="49" charset="0"/>
+                <a:cs typeface="Courier New" panose="02070309020205020404" pitchFamily="49" charset="0"/>
+              </a:rPr>
+              <a:t>( p == NULL ) </a:t>
+            </a:r>
+            <a:r>
+              <a:rPr lang="en-US" sz="2000" dirty="0" smtClean="0">
+                <a:latin typeface="Courier New" panose="02070309020205020404" pitchFamily="49" charset="0"/>
+                <a:cs typeface="Courier New" panose="02070309020205020404" pitchFamily="49" charset="0"/>
+              </a:rPr>
+              <a:t>{  </a:t>
+            </a:r>
+            <a:r>
+              <a:rPr lang="en-US" sz="2000" dirty="0" smtClean="0">
+                <a:latin typeface="Bodoni MT" panose="02070603080606020203" pitchFamily="18" charset="0"/>
+                <a:cs typeface="Courier New" panose="02070309020205020404" pitchFamily="49" charset="0"/>
+              </a:rPr>
+              <a:t>// delete beginning element if it exists: empty list or just one element case</a:t>
+            </a:r>
+            <a:r>
+              <a:rPr lang="en-US" sz="2000" dirty="0" smtClean="0">
+                <a:latin typeface="Courier New" panose="02070309020205020404" pitchFamily="49" charset="0"/>
+                <a:cs typeface="Courier New" panose="02070309020205020404" pitchFamily="49" charset="0"/>
+              </a:rPr>
+              <a:t/>
+            </a:r>
+            <a:br>
+              <a:rPr lang="en-US" sz="2000" dirty="0" smtClean="0">
+                <a:latin typeface="Courier New" panose="02070309020205020404" pitchFamily="49" charset="0"/>
+                <a:cs typeface="Courier New" panose="02070309020205020404" pitchFamily="49" charset="0"/>
+              </a:rPr>
+            </a:br>
+            <a:r>
+              <a:rPr lang="en-US" sz="2000" dirty="0" smtClean="0">
+                <a:latin typeface="Courier New" panose="02070309020205020404" pitchFamily="49" charset="0"/>
+                <a:cs typeface="Courier New" panose="02070309020205020404" pitchFamily="49" charset="0"/>
+              </a:rPr>
+              <a:t>         head = head ? head-&gt;next: NULL;</a:t>
+            </a:r>
+            <a:br>
+              <a:rPr lang="en-US" sz="2000" dirty="0" smtClean="0">
+                <a:latin typeface="Courier New" panose="02070309020205020404" pitchFamily="49" charset="0"/>
+                <a:cs typeface="Courier New" panose="02070309020205020404" pitchFamily="49" charset="0"/>
+              </a:rPr>
+            </a:br>
+            <a:r>
+              <a:rPr lang="en-US" sz="2000" dirty="0" smtClean="0">
+                <a:latin typeface="Courier New" panose="02070309020205020404" pitchFamily="49" charset="0"/>
+                <a:cs typeface="Courier New" panose="02070309020205020404" pitchFamily="49" charset="0"/>
+              </a:rPr>
+              <a:t>         if ( l ) free (l); </a:t>
+            </a:r>
+            <a:br>
+              <a:rPr lang="en-US" sz="2000" dirty="0" smtClean="0">
+                <a:latin typeface="Courier New" panose="02070309020205020404" pitchFamily="49" charset="0"/>
+                <a:cs typeface="Courier New" panose="02070309020205020404" pitchFamily="49" charset="0"/>
+              </a:rPr>
+            </a:br>
+            <a:r>
+              <a:rPr lang="en-US" sz="2000" dirty="0" smtClean="0">
+                <a:latin typeface="Courier New" panose="02070309020205020404" pitchFamily="49" charset="0"/>
+                <a:cs typeface="Courier New" panose="02070309020205020404" pitchFamily="49" charset="0"/>
+              </a:rPr>
+              <a:t>         return head;     </a:t>
+            </a:r>
+            <a:r>
+              <a:rPr lang="en-US" sz="2000" dirty="0" smtClean="0">
+                <a:latin typeface="Bodoni MT" panose="02070603080606020203" pitchFamily="18" charset="0"/>
+                <a:cs typeface="Courier New" panose="02070309020205020404" pitchFamily="49" charset="0"/>
+              </a:rPr>
+              <a:t>// we’ll return a new head</a:t>
+            </a:r>
+            <a:r>
+              <a:rPr lang="en-US" sz="2000" dirty="0" smtClean="0">
+                <a:latin typeface="Courier New" panose="02070309020205020404" pitchFamily="49" charset="0"/>
+                <a:cs typeface="Courier New" panose="02070309020205020404" pitchFamily="49" charset="0"/>
+              </a:rPr>
+              <a:t/>
+            </a:r>
+            <a:br>
+              <a:rPr lang="en-US" sz="2000" dirty="0" smtClean="0">
+                <a:latin typeface="Courier New" panose="02070309020205020404" pitchFamily="49" charset="0"/>
+                <a:cs typeface="Courier New" panose="02070309020205020404" pitchFamily="49" charset="0"/>
+              </a:rPr>
+            </a:br>
+            <a:r>
+              <a:rPr lang="en-US" sz="2000" dirty="0" smtClean="0">
+                <a:latin typeface="Courier New" panose="02070309020205020404" pitchFamily="49" charset="0"/>
+                <a:cs typeface="Courier New" panose="02070309020205020404" pitchFamily="49" charset="0"/>
+              </a:rPr>
+              <a:t>   }</a:t>
+            </a:r>
+          </a:p>
+          <a:p>
+            <a:pPr marL="0" indent="0">
+              <a:buNone/>
+            </a:pPr>
+            <a:r>
+              <a:rPr lang="en-US" sz="2000" dirty="0">
+                <a:latin typeface="Courier New" panose="02070309020205020404" pitchFamily="49" charset="0"/>
+                <a:cs typeface="Courier New" panose="02070309020205020404" pitchFamily="49" charset="0"/>
+              </a:rPr>
+              <a:t> </a:t>
+            </a:r>
+            <a:r>
+              <a:rPr lang="en-US" sz="2000" dirty="0" smtClean="0">
+                <a:latin typeface="Courier New" panose="02070309020205020404" pitchFamily="49" charset="0"/>
+                <a:cs typeface="Courier New" panose="02070309020205020404" pitchFamily="49" charset="0"/>
+              </a:rPr>
+              <a:t>      </a:t>
+            </a:r>
+            <a:r>
+              <a:rPr lang="en-US" sz="2000" dirty="0" smtClean="0">
+                <a:latin typeface="Bodoni MT" panose="02070603080606020203" pitchFamily="18" charset="0"/>
+                <a:cs typeface="Courier New" panose="02070309020205020404" pitchFamily="49" charset="0"/>
+              </a:rPr>
+              <a:t>// Now l  points to the node to delete</a:t>
+            </a:r>
+            <a:endParaRPr lang="en-US" sz="2000" dirty="0">
+              <a:latin typeface="Bodoni MT" panose="02070603080606020203" pitchFamily="18" charset="0"/>
+              <a:cs typeface="Courier New" panose="02070309020205020404" pitchFamily="49" charset="0"/>
+            </a:endParaRPr>
+          </a:p>
+          <a:p>
+            <a:pPr marL="0" indent="0">
+              <a:buNone/>
+            </a:pPr>
+            <a:r>
+              <a:rPr lang="en-US" sz="2000" dirty="0" smtClean="0">
+                <a:latin typeface="Courier New" panose="02070309020205020404" pitchFamily="49" charset="0"/>
+                <a:cs typeface="Courier New" panose="02070309020205020404" pitchFamily="49" charset="0"/>
+              </a:rPr>
+              <a:t>   p-&gt;next= l ? l-&gt;next: NULL;    </a:t>
+            </a:r>
+            <a:r>
+              <a:rPr lang="en-US" sz="2000" dirty="0" smtClean="0">
+                <a:latin typeface="Bodoni MT" panose="02070603080606020203" pitchFamily="18" charset="0"/>
+                <a:cs typeface="Courier New" panose="02070309020205020404" pitchFamily="49" charset="0"/>
+              </a:rPr>
+              <a:t>// check if l is not NULL</a:t>
+            </a:r>
+            <a:r>
+              <a:rPr lang="en-US" sz="2000" dirty="0" smtClean="0">
+                <a:latin typeface="Courier New" panose="02070309020205020404" pitchFamily="49" charset="0"/>
+                <a:cs typeface="Courier New" panose="02070309020205020404" pitchFamily="49" charset="0"/>
+              </a:rPr>
+              <a:t/>
+            </a:r>
+            <a:br>
+              <a:rPr lang="en-US" sz="2000" dirty="0" smtClean="0">
+                <a:latin typeface="Courier New" panose="02070309020205020404" pitchFamily="49" charset="0"/>
+                <a:cs typeface="Courier New" panose="02070309020205020404" pitchFamily="49" charset="0"/>
+              </a:rPr>
+            </a:br>
+            <a:r>
+              <a:rPr lang="en-US" sz="2000" dirty="0" smtClean="0">
+                <a:latin typeface="Courier New" panose="02070309020205020404" pitchFamily="49" charset="0"/>
+                <a:cs typeface="Courier New" panose="02070309020205020404" pitchFamily="49" charset="0"/>
+              </a:rPr>
+              <a:t>   if ( l ) free(l); </a:t>
+            </a:r>
+            <a:r>
+              <a:rPr lang="en-US" sz="2000" dirty="0" smtClean="0">
+                <a:latin typeface="Bodoni MT" panose="02070603080606020203" pitchFamily="18" charset="0"/>
+                <a:cs typeface="Courier New" panose="02070309020205020404" pitchFamily="49" charset="0"/>
+              </a:rPr>
+              <a:t>  // since we will no longer use this node in this example</a:t>
+            </a:r>
+            <a:r>
+              <a:rPr lang="en-US" sz="2000" dirty="0" smtClean="0">
+                <a:latin typeface="Courier New" panose="02070309020205020404" pitchFamily="49" charset="0"/>
+                <a:cs typeface="Courier New" panose="02070309020205020404" pitchFamily="49" charset="0"/>
+              </a:rPr>
+              <a:t/>
+            </a:r>
+            <a:br>
+              <a:rPr lang="en-US" sz="2000" dirty="0" smtClean="0">
+                <a:latin typeface="Courier New" panose="02070309020205020404" pitchFamily="49" charset="0"/>
+                <a:cs typeface="Courier New" panose="02070309020205020404" pitchFamily="49" charset="0"/>
+              </a:rPr>
+            </a:br>
+            <a:r>
+              <a:rPr lang="en-US" sz="2000" dirty="0" smtClean="0">
+                <a:latin typeface="Courier New" panose="02070309020205020404" pitchFamily="49" charset="0"/>
+                <a:cs typeface="Courier New" panose="02070309020205020404" pitchFamily="49" charset="0"/>
+              </a:rPr>
+              <a:t>   return </a:t>
+            </a:r>
+            <a:r>
+              <a:rPr lang="en-US" sz="2000" dirty="0">
+                <a:latin typeface="Courier New" panose="02070309020205020404" pitchFamily="49" charset="0"/>
+                <a:cs typeface="Courier New" panose="02070309020205020404" pitchFamily="49" charset="0"/>
+              </a:rPr>
+              <a:t>head</a:t>
+            </a:r>
+            <a:r>
+              <a:rPr lang="en-US" sz="2000" dirty="0" smtClean="0">
+                <a:latin typeface="Courier New" panose="02070309020205020404" pitchFamily="49" charset="0"/>
+                <a:cs typeface="Courier New" panose="02070309020205020404" pitchFamily="49" charset="0"/>
+              </a:rPr>
+              <a:t>;       </a:t>
+            </a:r>
+            <a:r>
+              <a:rPr lang="en-US" sz="2000" dirty="0" smtClean="0">
+                <a:latin typeface="Bodoni MT" panose="02070603080606020203" pitchFamily="18" charset="0"/>
+                <a:cs typeface="Courier New" panose="02070309020205020404" pitchFamily="49" charset="0"/>
+              </a:rPr>
+              <a:t>// …  and return the old head</a:t>
+            </a:r>
+            <a:endParaRPr lang="en-US" sz="2000" dirty="0">
+              <a:latin typeface="Bodoni MT" panose="02070603080606020203" pitchFamily="18" charset="0"/>
+              <a:cs typeface="Courier New" panose="02070309020205020404" pitchFamily="49" charset="0"/>
+            </a:endParaRPr>
+          </a:p>
+          <a:p>
+            <a:pPr marL="0" indent="0">
+              <a:buNone/>
+            </a:pPr>
+            <a:r>
+              <a:rPr lang="en-US" sz="2000" dirty="0">
+                <a:latin typeface="Courier New" panose="02070309020205020404" pitchFamily="49" charset="0"/>
+                <a:cs typeface="Courier New" panose="02070309020205020404" pitchFamily="49" charset="0"/>
+              </a:rPr>
+              <a:t>}</a:t>
+            </a:r>
+          </a:p>
+        </p:txBody>
+      </p:sp>
+    </p:spTree>
+    <p:extLst>
+      <p:ext uri="{BB962C8B-B14F-4D97-AF65-F5344CB8AC3E}">
+        <p14:creationId xmlns:p14="http://schemas.microsoft.com/office/powerpoint/2010/main" val="1599455929"/>
+      </p:ext>
+    </p:extLst>
+  </p:cSld>
+  <p:clrMapOvr>
+    <a:masterClrMapping/>
+  </p:clrMapOvr>
+  <p:timing>
+    <p:tnLst>
+      <p:par>
+        <p:cTn id="1" dur="indefinite" restart="never" nodeType="tmRoot">
+          <p:childTnLst>
+            <p:seq concurrent="1" nextAc="seek">
+              <p:cTn id="2" dur="indefinite" nodeType="mainSeq">
+                <p:childTnLst>
+                  <p:par>
+                    <p:cTn id="3" fill="hold">
+                      <p:stCondLst>
+                        <p:cond delay="indefinite"/>
+                      </p:stCondLst>
+                      <p:childTnLst>
+                        <p:par>
+                          <p:cTn id="4" fill="hold">
+                            <p:stCondLst>
+                              <p:cond delay="0"/>
+                            </p:stCondLst>
+                            <p:childTnLst>
+                              <p:par>
+                                <p:cTn id="5" presetID="1" presetClass="entr" presetSubtype="0" fill="hold" nodeType="clickEffect">
+                                  <p:stCondLst>
+                                    <p:cond delay="0"/>
+                                  </p:stCondLst>
+                                  <p:childTnLst>
+                                    <p:set>
+                                      <p:cBhvr>
+                                        <p:cTn id="6" dur="1" fill="hold">
+                                          <p:stCondLst>
+                                            <p:cond delay="0"/>
+                                          </p:stCondLst>
+                                        </p:cTn>
+                                        <p:tgtEl>
+                                          <p:spTgt spid="3">
+                                            <p:txEl>
+                                              <p:pRg st="1" end="1"/>
+                                            </p:txEl>
+                                          </p:spTgt>
+                                        </p:tgtEl>
+                                        <p:attrNameLst>
+                                          <p:attrName>style.visibility</p:attrName>
+                                        </p:attrNameLst>
+                                      </p:cBhvr>
+                                      <p:to>
+                                        <p:strVal val="visible"/>
+                                      </p:to>
+                                    </p:set>
+                                  </p:childTnLst>
+                                </p:cTn>
+                              </p:par>
+                            </p:childTnLst>
+                          </p:cTn>
+                        </p:par>
+                      </p:childTnLst>
+                    </p:cTn>
+                  </p:par>
+                  <p:par>
+                    <p:cTn id="7" fill="hold">
+                      <p:stCondLst>
+                        <p:cond delay="indefinite"/>
+                      </p:stCondLst>
+                      <p:childTnLst>
+                        <p:par>
+                          <p:cTn id="8" fill="hold">
+                            <p:stCondLst>
+                              <p:cond delay="0"/>
+                            </p:stCondLst>
+                            <p:childTnLst>
+                              <p:par>
+                                <p:cTn id="9" presetID="1" presetClass="entr" presetSubtype="0" fill="hold" nodeType="clickEffect">
+                                  <p:stCondLst>
+                                    <p:cond delay="0"/>
+                                  </p:stCondLst>
+                                  <p:childTnLst>
+                                    <p:set>
+                                      <p:cBhvr>
+                                        <p:cTn id="10" dur="1" fill="hold">
+                                          <p:stCondLst>
+                                            <p:cond delay="0"/>
+                                          </p:stCondLst>
+                                        </p:cTn>
+                                        <p:tgtEl>
+                                          <p:spTgt spid="3">
+                                            <p:txEl>
+                                              <p:pRg st="2" end="2"/>
+                                            </p:txEl>
+                                          </p:spTgt>
+                                        </p:tgtEl>
+                                        <p:attrNameLst>
+                                          <p:attrName>style.visibility</p:attrName>
+                                        </p:attrNameLst>
+                                      </p:cBhvr>
+                                      <p:to>
+                                        <p:strVal val="visible"/>
+                                      </p:to>
+                                    </p:set>
+                                  </p:childTnLst>
+                                </p:cTn>
+                              </p:par>
+                            </p:childTnLst>
+                          </p:cTn>
+                        </p:par>
+                      </p:childTnLst>
+                    </p:cTn>
+                  </p:par>
+                  <p:par>
+                    <p:cTn id="11" fill="hold">
+                      <p:stCondLst>
+                        <p:cond delay="indefinite"/>
+                      </p:stCondLst>
+                      <p:childTnLst>
+                        <p:par>
+                          <p:cTn id="12" fill="hold">
+                            <p:stCondLst>
+                              <p:cond delay="0"/>
+                            </p:stCondLst>
+                            <p:childTnLst>
+                              <p:par>
+                                <p:cTn id="13" presetID="1" presetClass="entr" presetSubtype="0" fill="hold" nodeType="clickEffect">
+                                  <p:stCondLst>
+                                    <p:cond delay="0"/>
+                                  </p:stCondLst>
+                                  <p:childTnLst>
+                                    <p:set>
+                                      <p:cBhvr>
+                                        <p:cTn id="14" dur="1" fill="hold">
+                                          <p:stCondLst>
+                                            <p:cond delay="0"/>
+                                          </p:stCondLst>
+                                        </p:cTn>
+                                        <p:tgtEl>
+                                          <p:spTgt spid="3">
+                                            <p:txEl>
+                                              <p:pRg st="3" end="3"/>
+                                            </p:txEl>
+                                          </p:spTgt>
+                                        </p:tgtEl>
+                                        <p:attrNameLst>
+                                          <p:attrName>style.visibility</p:attrName>
+                                        </p:attrNameLst>
+                                      </p:cBhvr>
+                                      <p:to>
+                                        <p:strVal val="visible"/>
+                                      </p:to>
+                                    </p:set>
+                                  </p:childTnLst>
+                                </p:cTn>
+                              </p:par>
+                            </p:childTnLst>
+                          </p:cTn>
+                        </p:par>
+                      </p:childTnLst>
+                    </p:cTn>
+                  </p:par>
+                  <p:par>
+                    <p:cTn id="15" fill="hold">
+                      <p:stCondLst>
+                        <p:cond delay="indefinite"/>
+                      </p:stCondLst>
+                      <p:childTnLst>
+                        <p:par>
+                          <p:cTn id="16" fill="hold">
+                            <p:stCondLst>
+                              <p:cond delay="0"/>
+                            </p:stCondLst>
+                            <p:childTnLst>
+                              <p:par>
+                                <p:cTn id="17" presetID="1" presetClass="entr" presetSubtype="0" fill="hold" nodeType="clickEffect">
+                                  <p:stCondLst>
+                                    <p:cond delay="0"/>
+                                  </p:stCondLst>
+                                  <p:childTnLst>
+                                    <p:set>
+                                      <p:cBhvr>
+                                        <p:cTn id="18" dur="1" fill="hold">
+                                          <p:stCondLst>
+                                            <p:cond delay="0"/>
+                                          </p:stCondLst>
+                                        </p:cTn>
+                                        <p:tgtEl>
+                                          <p:spTgt spid="3">
+                                            <p:txEl>
+                                              <p:pRg st="4" end="4"/>
+                                            </p:txEl>
+                                          </p:spTgt>
+                                        </p:tgtEl>
+                                        <p:attrNameLst>
+                                          <p:attrName>style.visibility</p:attrName>
+                                        </p:attrNameLst>
+                                      </p:cBhvr>
+                                      <p:to>
+                                        <p:strVal val="visible"/>
+                                      </p:to>
+                                    </p:set>
+                                  </p:childTnLst>
+                                </p:cTn>
+                              </p:par>
+                            </p:childTnLst>
+                          </p:cTn>
+                        </p:par>
+                      </p:childTnLst>
+                    </p:cTn>
+                  </p:par>
+                  <p:par>
+                    <p:cTn id="19" fill="hold">
+                      <p:stCondLst>
+                        <p:cond delay="indefinite"/>
+                      </p:stCondLst>
+                      <p:childTnLst>
+                        <p:par>
+                          <p:cTn id="20" fill="hold">
+                            <p:stCondLst>
+                              <p:cond delay="0"/>
+                            </p:stCondLst>
+                            <p:childTnLst>
+                              <p:par>
+                                <p:cTn id="21" presetID="1" presetClass="entr" presetSubtype="0" fill="hold" nodeType="clickEffect">
+                                  <p:stCondLst>
+                                    <p:cond delay="0"/>
+                                  </p:stCondLst>
+                                  <p:childTnLst>
+                                    <p:set>
+                                      <p:cBhvr>
+                                        <p:cTn id="22" dur="1" fill="hold">
+                                          <p:stCondLst>
+                                            <p:cond delay="0"/>
+                                          </p:stCondLst>
+                                        </p:cTn>
+                                        <p:tgtEl>
+                                          <p:spTgt spid="3">
+                                            <p:txEl>
+                                              <p:pRg st="5" end="5"/>
+                                            </p:txEl>
+                                          </p:spTgt>
+                                        </p:tgtEl>
+                                        <p:attrNameLst>
+                                          <p:attrName>style.visibility</p:attrName>
+                                        </p:attrNameLst>
+                                      </p:cBhvr>
+                                      <p:to>
+                                        <p:strVal val="visible"/>
+                                      </p:to>
+                                    </p:set>
+                                  </p:childTnLst>
+                                </p:cTn>
+                              </p:par>
+                            </p:childTnLst>
+                          </p:cTn>
+                        </p:par>
+                      </p:childTnLst>
+                    </p:cTn>
+                  </p:par>
+                </p:childTnLst>
+              </p:cTn>
+              <p:prevCondLst>
+                <p:cond evt="onPrev" delay="0">
+                  <p:tgtEl>
+                    <p:sldTgt/>
+                  </p:tgtEl>
+                </p:cond>
+              </p:prevCondLst>
+              <p:nextCondLst>
+                <p:cond evt="onNext" delay="0">
+                  <p:tgtEl>
+                    <p:sldTgt/>
+                  </p:tgtEl>
+                </p:cond>
+              </p:nextCondLst>
+            </p:seq>
+          </p:childTnLst>
+        </p:cTn>
+      </p:par>
+    </p:tnLst>
+  </p:timing>
+</p:sld>
+</file>
+
+<file path=ppt/slides/slide11.xml><?xml version="1.0" encoding="utf-8"?>
+<p:sld xmlns:a="http://schemas.openxmlformats.org/drawingml/2006/main" xmlns:r="http://schemas.openxmlformats.org/officeDocument/2006/relationships" xmlns:p="http://schemas.openxmlformats.org/presentationml/2006/main">
+  <p:cSld>
+    <p:spTree>
+      <p:nvGrpSpPr>
+        <p:cNvPr id="1" name=""/>
+        <p:cNvGrpSpPr/>
+        <p:nvPr/>
+      </p:nvGrpSpPr>
+      <p:grpSpPr>
+        <a:xfrm>
+          <a:off x="0" y="0"/>
+          <a:ext cx="0" cy="0"/>
+          <a:chOff x="0" y="0"/>
+          <a:chExt cx="0" cy="0"/>
+        </a:xfrm>
+      </p:grpSpPr>
+      <p:sp>
+        <p:nvSpPr>
+          <p:cNvPr id="2" name="Title 1"/>
+          <p:cNvSpPr>
+            <a:spLocks noGrp="1"/>
+          </p:cNvSpPr>
+          <p:nvPr>
+            <p:ph type="title"/>
+          </p:nvPr>
+        </p:nvSpPr>
+        <p:spPr/>
+        <p:txBody>
+          <a:bodyPr/>
+          <a:lstStyle/>
+          <a:p>
+            <a:r>
+              <a:rPr lang="en-US" dirty="0" smtClean="0"/>
+              <a:t>More linked list exercises</a:t>
+            </a:r>
+            <a:endParaRPr lang="en-US" dirty="0"/>
+          </a:p>
+        </p:txBody>
+      </p:sp>
+      <p:sp>
+        <p:nvSpPr>
+          <p:cNvPr id="3" name="Content Placeholder 2"/>
+          <p:cNvSpPr>
+            <a:spLocks noGrp="1"/>
+          </p:cNvSpPr>
+          <p:nvPr>
+            <p:ph idx="1"/>
+          </p:nvPr>
+        </p:nvSpPr>
+        <p:spPr/>
+        <p:txBody>
+          <a:bodyPr/>
+          <a:lstStyle/>
+          <a:p>
+            <a:r>
+              <a:rPr lang="en-US" dirty="0" smtClean="0"/>
+              <a:t>See </a:t>
+            </a:r>
+            <a:r>
+              <a:rPr lang="en-US" dirty="0" err="1" smtClean="0">
+                <a:latin typeface="Courier New" panose="02070309020205020404" pitchFamily="49" charset="0"/>
+                <a:cs typeface="Courier New" panose="02070309020205020404" pitchFamily="49" charset="0"/>
+              </a:rPr>
+              <a:t>linked_list.c</a:t>
+            </a:r>
+            <a:endParaRPr lang="en-US" dirty="0">
+              <a:latin typeface="Courier New" panose="02070309020205020404" pitchFamily="49" charset="0"/>
+              <a:cs typeface="Courier New" panose="02070309020205020404" pitchFamily="49" charset="0"/>
+            </a:endParaRPr>
+          </a:p>
+        </p:txBody>
+      </p:sp>
+    </p:spTree>
+    <p:extLst>
+      <p:ext uri="{BB962C8B-B14F-4D97-AF65-F5344CB8AC3E}">
+        <p14:creationId xmlns:p14="http://schemas.microsoft.com/office/powerpoint/2010/main" val="102614128"/>
+      </p:ext>
+    </p:extLst>
+  </p:cSld>
+  <p:clrMapOvr>
+    <a:masterClrMapping/>
+  </p:clrMapOvr>
 </p:sld>
 </file>
 
@@ -15371,19 +16377,18 @@
             <p:ph type="title"/>
           </p:nvPr>
         </p:nvSpPr>
-        <p:spPr>
-          <a:xfrm>
-            <a:off x="838200" y="14935"/>
-            <a:ext cx="10515600" cy="1325563"/>
-          </a:xfrm>
-        </p:spPr>
+        <p:spPr/>
         <p:txBody>
           <a:bodyPr/>
           <a:lstStyle/>
           <a:p>
             <a:r>
               <a:rPr lang="en-US" dirty="0" smtClean="0"/>
-              <a:t>Inserting into a position in a linked list</a:t>
+              <a:t>Introductory linked list </a:t>
+            </a:r>
+            <a:r>
+              <a:rPr lang="en-US" dirty="0" err="1" smtClean="0"/>
+              <a:t>exercses</a:t>
             </a:r>
             <a:endParaRPr lang="en-US" dirty="0"/>
           </a:p>
@@ -15399,1154 +16404,39 @@
             <p:ph idx="1"/>
           </p:nvPr>
         </p:nvSpPr>
-        <p:spPr>
-          <a:xfrm>
-            <a:off x="507458" y="950142"/>
-            <a:ext cx="11684542" cy="5956504"/>
-          </a:xfrm>
-        </p:spPr>
+        <p:spPr/>
         <p:txBody>
-          <a:bodyPr>
-            <a:noAutofit/>
-          </a:bodyPr>
+          <a:bodyPr/>
           <a:lstStyle/>
           <a:p>
-            <a:pPr marL="0" indent="0">
-              <a:buNone/>
-            </a:pPr>
-            <a:r>
-              <a:rPr lang="en-US" sz="2200" dirty="0" err="1">
-                <a:latin typeface="Courier New" panose="02070309020205020404" pitchFamily="49" charset="0"/>
-                <a:cs typeface="Courier New" panose="02070309020205020404" pitchFamily="49" charset="0"/>
-              </a:rPr>
-              <a:t>struct</a:t>
-            </a:r>
-            <a:r>
-              <a:rPr lang="en-US" sz="2200" dirty="0">
-                <a:latin typeface="Courier New" panose="02070309020205020404" pitchFamily="49" charset="0"/>
-                <a:cs typeface="Courier New" panose="02070309020205020404" pitchFamily="49" charset="0"/>
-              </a:rPr>
-              <a:t> node * </a:t>
-            </a:r>
-            <a:r>
-              <a:rPr lang="en-US" sz="2200" dirty="0" err="1">
-                <a:latin typeface="Courier New" panose="02070309020205020404" pitchFamily="49" charset="0"/>
-                <a:cs typeface="Courier New" panose="02070309020205020404" pitchFamily="49" charset="0"/>
-              </a:rPr>
-              <a:t>node_insert</a:t>
-            </a:r>
-            <a:r>
-              <a:rPr lang="en-US" sz="2200" dirty="0">
-                <a:latin typeface="Courier New" panose="02070309020205020404" pitchFamily="49" charset="0"/>
-                <a:cs typeface="Courier New" panose="02070309020205020404" pitchFamily="49" charset="0"/>
-              </a:rPr>
-              <a:t>(</a:t>
-            </a:r>
-            <a:r>
-              <a:rPr lang="en-US" sz="2200" dirty="0" err="1">
-                <a:latin typeface="Courier New" panose="02070309020205020404" pitchFamily="49" charset="0"/>
-                <a:cs typeface="Courier New" panose="02070309020205020404" pitchFamily="49" charset="0"/>
-              </a:rPr>
-              <a:t>struct</a:t>
-            </a:r>
-            <a:r>
-              <a:rPr lang="en-US" sz="2200" dirty="0">
-                <a:latin typeface="Courier New" panose="02070309020205020404" pitchFamily="49" charset="0"/>
-                <a:cs typeface="Courier New" panose="02070309020205020404" pitchFamily="49" charset="0"/>
-              </a:rPr>
-              <a:t> node * head, </a:t>
-            </a:r>
-            <a:r>
-              <a:rPr lang="en-US" sz="2200" dirty="0" err="1">
-                <a:latin typeface="Courier New" panose="02070309020205020404" pitchFamily="49" charset="0"/>
-                <a:cs typeface="Courier New" panose="02070309020205020404" pitchFamily="49" charset="0"/>
-              </a:rPr>
-              <a:t>int</a:t>
-            </a:r>
-            <a:r>
-              <a:rPr lang="en-US" sz="2200" dirty="0">
-                <a:latin typeface="Courier New" panose="02070309020205020404" pitchFamily="49" charset="0"/>
-                <a:cs typeface="Courier New" panose="02070309020205020404" pitchFamily="49" charset="0"/>
-              </a:rPr>
-              <a:t> </a:t>
-            </a:r>
-            <a:r>
-              <a:rPr lang="en-US" sz="2200" dirty="0" err="1">
-                <a:latin typeface="Courier New" panose="02070309020205020404" pitchFamily="49" charset="0"/>
-                <a:cs typeface="Courier New" panose="02070309020205020404" pitchFamily="49" charset="0"/>
-              </a:rPr>
-              <a:t>pos</a:t>
-            </a:r>
-            <a:r>
-              <a:rPr lang="en-US" sz="2200" dirty="0">
-                <a:latin typeface="Courier New" panose="02070309020205020404" pitchFamily="49" charset="0"/>
-                <a:cs typeface="Courier New" panose="02070309020205020404" pitchFamily="49" charset="0"/>
-              </a:rPr>
-              <a:t>, </a:t>
-            </a:r>
-            <a:r>
-              <a:rPr lang="en-US" sz="2200" dirty="0" err="1">
-                <a:latin typeface="Courier New" panose="02070309020205020404" pitchFamily="49" charset="0"/>
-                <a:cs typeface="Courier New" panose="02070309020205020404" pitchFamily="49" charset="0"/>
-              </a:rPr>
-              <a:t>int</a:t>
-            </a:r>
-            <a:r>
-              <a:rPr lang="en-US" sz="2200" dirty="0">
-                <a:latin typeface="Courier New" panose="02070309020205020404" pitchFamily="49" charset="0"/>
-                <a:cs typeface="Courier New" panose="02070309020205020404" pitchFamily="49" charset="0"/>
-              </a:rPr>
-              <a:t> </a:t>
-            </a:r>
-            <a:r>
-              <a:rPr lang="en-US" sz="2200" dirty="0" err="1">
-                <a:latin typeface="Courier New" panose="02070309020205020404" pitchFamily="49" charset="0"/>
-                <a:cs typeface="Courier New" panose="02070309020205020404" pitchFamily="49" charset="0"/>
-              </a:rPr>
-              <a:t>newval</a:t>
-            </a:r>
-            <a:r>
-              <a:rPr lang="en-US" sz="2200" dirty="0">
-                <a:latin typeface="Courier New" panose="02070309020205020404" pitchFamily="49" charset="0"/>
-                <a:cs typeface="Courier New" panose="02070309020205020404" pitchFamily="49" charset="0"/>
-              </a:rPr>
-              <a:t>){</a:t>
-            </a:r>
-          </a:p>
-          <a:p>
-            <a:pPr marL="0" indent="0">
-              <a:buNone/>
-            </a:pPr>
-            <a:r>
-              <a:rPr lang="en-US" sz="2200" dirty="0" smtClean="0">
-                <a:latin typeface="Courier New" panose="02070309020205020404" pitchFamily="49" charset="0"/>
-                <a:cs typeface="Courier New" panose="02070309020205020404" pitchFamily="49" charset="0"/>
-              </a:rPr>
-              <a:t>   </a:t>
-            </a:r>
-            <a:r>
-              <a:rPr lang="en-US" sz="2200" dirty="0" err="1" smtClean="0">
-                <a:latin typeface="Courier New" panose="02070309020205020404" pitchFamily="49" charset="0"/>
-                <a:cs typeface="Courier New" panose="02070309020205020404" pitchFamily="49" charset="0"/>
-              </a:rPr>
-              <a:t>struct</a:t>
-            </a:r>
-            <a:r>
-              <a:rPr lang="en-US" sz="2200" dirty="0" smtClean="0">
-                <a:latin typeface="Courier New" panose="02070309020205020404" pitchFamily="49" charset="0"/>
-                <a:cs typeface="Courier New" panose="02070309020205020404" pitchFamily="49" charset="0"/>
-              </a:rPr>
-              <a:t> </a:t>
-            </a:r>
-            <a:r>
-              <a:rPr lang="en-US" sz="2200" dirty="0">
-                <a:latin typeface="Courier New" panose="02070309020205020404" pitchFamily="49" charset="0"/>
-                <a:cs typeface="Courier New" panose="02070309020205020404" pitchFamily="49" charset="0"/>
-              </a:rPr>
-              <a:t>node * l, * p</a:t>
-            </a:r>
-            <a:r>
-              <a:rPr lang="en-US" sz="2200" dirty="0" smtClean="0">
-                <a:latin typeface="Courier New" panose="02070309020205020404" pitchFamily="49" charset="0"/>
-                <a:cs typeface="Courier New" panose="02070309020205020404" pitchFamily="49" charset="0"/>
-              </a:rPr>
-              <a:t>;   </a:t>
-            </a:r>
-            <a:r>
-              <a:rPr lang="en-US" sz="2200" dirty="0" smtClean="0">
-                <a:latin typeface="Bodoni MT" panose="02070603080606020203" pitchFamily="18" charset="0"/>
-                <a:cs typeface="Courier New" panose="02070309020205020404" pitchFamily="49" charset="0"/>
-              </a:rPr>
-              <a:t>// we need two positions to insert between</a:t>
-            </a:r>
-            <a:r>
-              <a:rPr lang="en-US" sz="2200" dirty="0" smtClean="0">
-                <a:latin typeface="Courier New" panose="02070309020205020404" pitchFamily="49" charset="0"/>
-                <a:cs typeface="Courier New" panose="02070309020205020404" pitchFamily="49" charset="0"/>
-              </a:rPr>
-              <a:t> </a:t>
-            </a:r>
-            <a:r>
-              <a:rPr lang="en-US" sz="2200" dirty="0">
-                <a:latin typeface="Courier New" panose="02070309020205020404" pitchFamily="49" charset="0"/>
-                <a:cs typeface="Courier New" panose="02070309020205020404" pitchFamily="49" charset="0"/>
-              </a:rPr>
-              <a:t>	</a:t>
-            </a:r>
-            <a:r>
-              <a:rPr lang="en-US" sz="2200" dirty="0" smtClean="0">
-                <a:latin typeface="Courier New" panose="02070309020205020404" pitchFamily="49" charset="0"/>
-                <a:cs typeface="Courier New" panose="02070309020205020404" pitchFamily="49" charset="0"/>
-              </a:rPr>
-              <a:t/>
-            </a:r>
-            <a:br>
-              <a:rPr lang="en-US" sz="2200" dirty="0" smtClean="0">
-                <a:latin typeface="Courier New" panose="02070309020205020404" pitchFamily="49" charset="0"/>
-                <a:cs typeface="Courier New" panose="02070309020205020404" pitchFamily="49" charset="0"/>
-              </a:rPr>
-            </a:br>
-            <a:r>
-              <a:rPr lang="en-US" sz="2200" dirty="0" smtClean="0">
-                <a:latin typeface="Courier New" panose="02070309020205020404" pitchFamily="49" charset="0"/>
-                <a:cs typeface="Courier New" panose="02070309020205020404" pitchFamily="49" charset="0"/>
-              </a:rPr>
-              <a:t>   </a:t>
-            </a:r>
-            <a:r>
-              <a:rPr lang="en-US" sz="2200" dirty="0" err="1" smtClean="0">
-                <a:latin typeface="Courier New" panose="02070309020205020404" pitchFamily="49" charset="0"/>
-                <a:cs typeface="Courier New" panose="02070309020205020404" pitchFamily="49" charset="0"/>
-              </a:rPr>
-              <a:t>struct</a:t>
-            </a:r>
-            <a:r>
-              <a:rPr lang="en-US" sz="2200" dirty="0" smtClean="0">
-                <a:latin typeface="Courier New" panose="02070309020205020404" pitchFamily="49" charset="0"/>
-                <a:cs typeface="Courier New" panose="02070309020205020404" pitchFamily="49" charset="0"/>
-              </a:rPr>
-              <a:t> </a:t>
-            </a:r>
-            <a:r>
-              <a:rPr lang="en-US" sz="2200" dirty="0">
-                <a:latin typeface="Courier New" panose="02070309020205020404" pitchFamily="49" charset="0"/>
-                <a:cs typeface="Courier New" panose="02070309020205020404" pitchFamily="49" charset="0"/>
-              </a:rPr>
-              <a:t>node * new = </a:t>
-            </a:r>
-            <a:r>
-              <a:rPr lang="en-US" sz="2200" dirty="0" err="1">
-                <a:latin typeface="Courier New" panose="02070309020205020404" pitchFamily="49" charset="0"/>
-                <a:cs typeface="Courier New" panose="02070309020205020404" pitchFamily="49" charset="0"/>
-              </a:rPr>
-              <a:t>new_node</a:t>
-            </a:r>
-            <a:r>
-              <a:rPr lang="en-US" sz="2200" dirty="0" smtClean="0">
-                <a:latin typeface="Courier New" panose="02070309020205020404" pitchFamily="49" charset="0"/>
-                <a:cs typeface="Courier New" panose="02070309020205020404" pitchFamily="49" charset="0"/>
-              </a:rPr>
-              <a:t>();</a:t>
-            </a:r>
-            <a:br>
-              <a:rPr lang="en-US" sz="2200" dirty="0" smtClean="0">
-                <a:latin typeface="Courier New" panose="02070309020205020404" pitchFamily="49" charset="0"/>
-                <a:cs typeface="Courier New" panose="02070309020205020404" pitchFamily="49" charset="0"/>
-              </a:rPr>
-            </a:br>
-            <a:r>
-              <a:rPr lang="en-US" sz="2200" dirty="0" smtClean="0">
-                <a:latin typeface="Courier New" panose="02070309020205020404" pitchFamily="49" charset="0"/>
-                <a:cs typeface="Courier New" panose="02070309020205020404" pitchFamily="49" charset="0"/>
-              </a:rPr>
-              <a:t>   </a:t>
-            </a:r>
-            <a:r>
-              <a:rPr lang="en-US" sz="2200" dirty="0" smtClean="0">
-                <a:latin typeface="Courier New" panose="02070309020205020404" pitchFamily="49" charset="0"/>
-                <a:cs typeface="Courier New" panose="02070309020205020404" pitchFamily="49" charset="0"/>
-              </a:rPr>
-              <a:t>new-</a:t>
-            </a:r>
-            <a:r>
-              <a:rPr lang="en-US" sz="2200" dirty="0">
-                <a:latin typeface="Courier New" panose="02070309020205020404" pitchFamily="49" charset="0"/>
-                <a:cs typeface="Courier New" panose="02070309020205020404" pitchFamily="49" charset="0"/>
-              </a:rPr>
-              <a:t>&gt;</a:t>
-            </a:r>
-            <a:r>
-              <a:rPr lang="en-US" sz="2200" dirty="0" err="1" smtClean="0">
-                <a:latin typeface="Courier New" panose="02070309020205020404" pitchFamily="49" charset="0"/>
-                <a:cs typeface="Courier New" panose="02070309020205020404" pitchFamily="49" charset="0"/>
-              </a:rPr>
-              <a:t>val</a:t>
-            </a:r>
-            <a:r>
-              <a:rPr lang="en-US" sz="2200" dirty="0" smtClean="0">
-                <a:latin typeface="Courier New" panose="02070309020205020404" pitchFamily="49" charset="0"/>
-                <a:cs typeface="Courier New" panose="02070309020205020404" pitchFamily="49" charset="0"/>
-              </a:rPr>
-              <a:t>=</a:t>
-            </a:r>
-            <a:r>
-              <a:rPr lang="en-US" sz="2200" dirty="0" err="1" smtClean="0">
-                <a:latin typeface="Courier New" panose="02070309020205020404" pitchFamily="49" charset="0"/>
-                <a:cs typeface="Courier New" panose="02070309020205020404" pitchFamily="49" charset="0"/>
-              </a:rPr>
-              <a:t>newval</a:t>
-            </a:r>
-            <a:r>
-              <a:rPr lang="en-US" sz="2200" dirty="0" smtClean="0">
-                <a:latin typeface="Courier New" panose="02070309020205020404" pitchFamily="49" charset="0"/>
-                <a:cs typeface="Courier New" panose="02070309020205020404" pitchFamily="49" charset="0"/>
-              </a:rPr>
-              <a:t>;</a:t>
-            </a:r>
-            <a:br>
-              <a:rPr lang="en-US" sz="2200" dirty="0" smtClean="0">
-                <a:latin typeface="Courier New" panose="02070309020205020404" pitchFamily="49" charset="0"/>
-                <a:cs typeface="Courier New" panose="02070309020205020404" pitchFamily="49" charset="0"/>
-              </a:rPr>
-            </a:br>
-            <a:r>
-              <a:rPr lang="en-US" sz="2200" dirty="0" smtClean="0">
-                <a:latin typeface="Courier New" panose="02070309020205020404" pitchFamily="49" charset="0"/>
-                <a:cs typeface="Courier New" panose="02070309020205020404" pitchFamily="49" charset="0"/>
-              </a:rPr>
-              <a:t>   </a:t>
-            </a:r>
-            <a:r>
-              <a:rPr lang="en-US" sz="2200" dirty="0" err="1" smtClean="0">
-                <a:latin typeface="Courier New" panose="02070309020205020404" pitchFamily="49" charset="0"/>
-                <a:cs typeface="Courier New" panose="02070309020205020404" pitchFamily="49" charset="0"/>
-              </a:rPr>
-              <a:t>int</a:t>
-            </a:r>
-            <a:r>
-              <a:rPr lang="en-US" sz="2200" dirty="0" smtClean="0">
-                <a:latin typeface="Courier New" panose="02070309020205020404" pitchFamily="49" charset="0"/>
-                <a:cs typeface="Courier New" panose="02070309020205020404" pitchFamily="49" charset="0"/>
-              </a:rPr>
-              <a:t> </a:t>
-            </a:r>
-            <a:r>
-              <a:rPr lang="en-US" sz="2200" dirty="0" err="1">
-                <a:latin typeface="Courier New" panose="02070309020205020404" pitchFamily="49" charset="0"/>
-                <a:cs typeface="Courier New" panose="02070309020205020404" pitchFamily="49" charset="0"/>
-              </a:rPr>
-              <a:t>i</a:t>
-            </a:r>
-            <a:r>
-              <a:rPr lang="en-US" sz="2200" dirty="0">
-                <a:latin typeface="Courier New" panose="02070309020205020404" pitchFamily="49" charset="0"/>
-                <a:cs typeface="Courier New" panose="02070309020205020404" pitchFamily="49" charset="0"/>
-              </a:rPr>
-              <a:t>; </a:t>
-            </a:r>
-            <a:r>
-              <a:rPr lang="en-US" sz="2200" dirty="0" smtClean="0">
-                <a:latin typeface="Courier New" panose="02070309020205020404" pitchFamily="49" charset="0"/>
-                <a:cs typeface="Courier New" panose="02070309020205020404" pitchFamily="49" charset="0"/>
-              </a:rPr>
-              <a:t>  </a:t>
-            </a:r>
-            <a:r>
-              <a:rPr lang="en-US" sz="2200" dirty="0" smtClean="0">
-                <a:latin typeface="Bodoni MT" panose="02070603080606020203" pitchFamily="18" charset="0"/>
-                <a:cs typeface="Courier New" panose="02070309020205020404" pitchFamily="49" charset="0"/>
-              </a:rPr>
-              <a:t>// </a:t>
-            </a:r>
-            <a:r>
-              <a:rPr lang="en-US" sz="2200" dirty="0" err="1">
-                <a:latin typeface="Bodoni MT" panose="02070603080606020203" pitchFamily="18" charset="0"/>
-                <a:cs typeface="Courier New" panose="02070309020205020404" pitchFamily="49" charset="0"/>
-              </a:rPr>
-              <a:t>i</a:t>
-            </a:r>
-            <a:r>
-              <a:rPr lang="en-US" sz="2200" dirty="0">
-                <a:latin typeface="Bodoni MT" panose="02070603080606020203" pitchFamily="18" charset="0"/>
-                <a:cs typeface="Courier New" panose="02070309020205020404" pitchFamily="49" charset="0"/>
-              </a:rPr>
-              <a:t> is the position of l</a:t>
-            </a:r>
-          </a:p>
-          <a:p>
-            <a:pPr marL="0" indent="0">
-              <a:buNone/>
-            </a:pPr>
-            <a:r>
-              <a:rPr lang="en-US" sz="2200" dirty="0" smtClean="0">
-                <a:latin typeface="Courier New" panose="02070309020205020404" pitchFamily="49" charset="0"/>
-                <a:cs typeface="Courier New" panose="02070309020205020404" pitchFamily="49" charset="0"/>
-              </a:rPr>
-              <a:t>   </a:t>
-            </a:r>
-            <a:r>
-              <a:rPr lang="en-US" sz="2200" dirty="0" smtClean="0">
-                <a:latin typeface="Courier New" panose="02070309020205020404" pitchFamily="49" charset="0"/>
-                <a:cs typeface="Courier New" panose="02070309020205020404" pitchFamily="49" charset="0"/>
-              </a:rPr>
-              <a:t>  </a:t>
-            </a:r>
-            <a:r>
-              <a:rPr lang="en-US" sz="2200" dirty="0" smtClean="0">
-                <a:latin typeface="Bodoni MT" panose="02070603080606020203" pitchFamily="18" charset="0"/>
-                <a:cs typeface="Courier New" panose="02070309020205020404" pitchFamily="49" charset="0"/>
-              </a:rPr>
-              <a:t>// </a:t>
-            </a:r>
-            <a:r>
-              <a:rPr lang="en-US" sz="2200" dirty="0" smtClean="0">
-                <a:latin typeface="Bodoni MT" panose="02070603080606020203" pitchFamily="18" charset="0"/>
-                <a:cs typeface="Courier New" panose="02070309020205020404" pitchFamily="49" charset="0"/>
-              </a:rPr>
-              <a:t>@loop traverse the list looking for position</a:t>
-            </a:r>
-            <a:r>
-              <a:rPr lang="en-US" sz="2200" dirty="0" smtClean="0">
-                <a:latin typeface="Courier New" panose="02070309020205020404" pitchFamily="49" charset="0"/>
-                <a:cs typeface="Courier New" panose="02070309020205020404" pitchFamily="49" charset="0"/>
-              </a:rPr>
-              <a:t/>
-            </a:r>
-            <a:br>
-              <a:rPr lang="en-US" sz="2200" dirty="0" smtClean="0">
-                <a:latin typeface="Courier New" panose="02070309020205020404" pitchFamily="49" charset="0"/>
-                <a:cs typeface="Courier New" panose="02070309020205020404" pitchFamily="49" charset="0"/>
-              </a:rPr>
-            </a:br>
-            <a:r>
-              <a:rPr lang="en-US" sz="2200" dirty="0" smtClean="0">
-                <a:latin typeface="Courier New" panose="02070309020205020404" pitchFamily="49" charset="0"/>
-                <a:cs typeface="Courier New" panose="02070309020205020404" pitchFamily="49" charset="0"/>
-              </a:rPr>
-              <a:t>   for(l=head</a:t>
-            </a:r>
-            <a:r>
-              <a:rPr lang="en-US" sz="2200" dirty="0">
-                <a:latin typeface="Courier New" panose="02070309020205020404" pitchFamily="49" charset="0"/>
-                <a:cs typeface="Courier New" panose="02070309020205020404" pitchFamily="49" charset="0"/>
-              </a:rPr>
-              <a:t>, p=NULL, </a:t>
-            </a:r>
-            <a:r>
-              <a:rPr lang="en-US" sz="2200" dirty="0" err="1">
-                <a:latin typeface="Courier New" panose="02070309020205020404" pitchFamily="49" charset="0"/>
-                <a:cs typeface="Courier New" panose="02070309020205020404" pitchFamily="49" charset="0"/>
-              </a:rPr>
-              <a:t>i</a:t>
-            </a:r>
-            <a:r>
-              <a:rPr lang="en-US" sz="2200" dirty="0">
-                <a:latin typeface="Courier New" panose="02070309020205020404" pitchFamily="49" charset="0"/>
-                <a:cs typeface="Courier New" panose="02070309020205020404" pitchFamily="49" charset="0"/>
-              </a:rPr>
-              <a:t>=0; </a:t>
-            </a:r>
-            <a:r>
-              <a:rPr lang="en-US" sz="2200" b="1" dirty="0">
-                <a:solidFill>
-                  <a:schemeClr val="accent2"/>
-                </a:solidFill>
-                <a:latin typeface="Courier New" panose="02070309020205020404" pitchFamily="49" charset="0"/>
-                <a:cs typeface="Courier New" panose="02070309020205020404" pitchFamily="49" charset="0"/>
-              </a:rPr>
-              <a:t>l!= NULL &amp;&amp; </a:t>
-            </a:r>
-            <a:r>
-              <a:rPr lang="en-US" sz="2200" b="1" dirty="0" err="1">
-                <a:solidFill>
-                  <a:schemeClr val="accent2"/>
-                </a:solidFill>
-                <a:latin typeface="Courier New" panose="02070309020205020404" pitchFamily="49" charset="0"/>
-                <a:cs typeface="Courier New" panose="02070309020205020404" pitchFamily="49" charset="0"/>
-              </a:rPr>
-              <a:t>i</a:t>
-            </a:r>
-            <a:r>
-              <a:rPr lang="en-US" sz="2200" b="1" dirty="0">
-                <a:solidFill>
-                  <a:schemeClr val="accent2"/>
-                </a:solidFill>
-                <a:latin typeface="Courier New" panose="02070309020205020404" pitchFamily="49" charset="0"/>
-                <a:cs typeface="Courier New" panose="02070309020205020404" pitchFamily="49" charset="0"/>
-              </a:rPr>
-              <a:t> &lt; </a:t>
-            </a:r>
-            <a:r>
-              <a:rPr lang="en-US" sz="2200" b="1" dirty="0" err="1">
-                <a:solidFill>
-                  <a:schemeClr val="accent2"/>
-                </a:solidFill>
-                <a:latin typeface="Courier New" panose="02070309020205020404" pitchFamily="49" charset="0"/>
-                <a:cs typeface="Courier New" panose="02070309020205020404" pitchFamily="49" charset="0"/>
-              </a:rPr>
-              <a:t>pos</a:t>
-            </a:r>
-            <a:r>
-              <a:rPr lang="en-US" sz="2200" b="1" dirty="0">
-                <a:solidFill>
-                  <a:schemeClr val="accent2"/>
-                </a:solidFill>
-                <a:latin typeface="Courier New" panose="02070309020205020404" pitchFamily="49" charset="0"/>
-                <a:cs typeface="Courier New" panose="02070309020205020404" pitchFamily="49" charset="0"/>
-              </a:rPr>
-              <a:t> </a:t>
-            </a:r>
-            <a:r>
-              <a:rPr lang="en-US" sz="2200" dirty="0">
-                <a:latin typeface="Courier New" panose="02070309020205020404" pitchFamily="49" charset="0"/>
-                <a:cs typeface="Courier New" panose="02070309020205020404" pitchFamily="49" charset="0"/>
-              </a:rPr>
-              <a:t>; l=l-&gt;next, </a:t>
-            </a:r>
-            <a:r>
-              <a:rPr lang="en-US" sz="2200" dirty="0" err="1">
-                <a:latin typeface="Courier New" panose="02070309020205020404" pitchFamily="49" charset="0"/>
-                <a:cs typeface="Courier New" panose="02070309020205020404" pitchFamily="49" charset="0"/>
-              </a:rPr>
-              <a:t>i</a:t>
-            </a:r>
-            <a:r>
-              <a:rPr lang="en-US" sz="2200" dirty="0" smtClean="0">
-                <a:latin typeface="Courier New" panose="02070309020205020404" pitchFamily="49" charset="0"/>
-                <a:cs typeface="Courier New" panose="02070309020205020404" pitchFamily="49" charset="0"/>
-              </a:rPr>
-              <a:t>++)</a:t>
-            </a:r>
-            <a:br>
-              <a:rPr lang="en-US" sz="2200" dirty="0" smtClean="0">
-                <a:latin typeface="Courier New" panose="02070309020205020404" pitchFamily="49" charset="0"/>
-                <a:cs typeface="Courier New" panose="02070309020205020404" pitchFamily="49" charset="0"/>
-              </a:rPr>
-            </a:br>
-            <a:r>
-              <a:rPr lang="en-US" sz="2200" dirty="0" smtClean="0">
-                <a:latin typeface="Courier New" panose="02070309020205020404" pitchFamily="49" charset="0"/>
-                <a:cs typeface="Courier New" panose="02070309020205020404" pitchFamily="49" charset="0"/>
-              </a:rPr>
-              <a:t>         p=l</a:t>
-            </a:r>
-            <a:r>
-              <a:rPr lang="en-US" sz="2200" dirty="0" smtClean="0">
-                <a:latin typeface="Courier New" panose="02070309020205020404" pitchFamily="49" charset="0"/>
-                <a:cs typeface="Courier New" panose="02070309020205020404" pitchFamily="49" charset="0"/>
-              </a:rPr>
-              <a:t>;</a:t>
-            </a:r>
-          </a:p>
-          <a:p>
-            <a:pPr marL="0" indent="0">
-              <a:buNone/>
-            </a:pPr>
-            <a:r>
-              <a:rPr lang="en-US" sz="2200" dirty="0">
-                <a:latin typeface="Courier New" panose="02070309020205020404" pitchFamily="49" charset="0"/>
-                <a:cs typeface="Courier New" panose="02070309020205020404" pitchFamily="49" charset="0"/>
-              </a:rPr>
-              <a:t> </a:t>
-            </a:r>
-            <a:r>
-              <a:rPr lang="en-US" sz="2200" dirty="0" smtClean="0">
-                <a:latin typeface="Courier New" panose="02070309020205020404" pitchFamily="49" charset="0"/>
-                <a:cs typeface="Courier New" panose="02070309020205020404" pitchFamily="49" charset="0"/>
-              </a:rPr>
-              <a:t>    </a:t>
-            </a:r>
-            <a:r>
-              <a:rPr lang="en-US" sz="2200" dirty="0" smtClean="0">
-                <a:latin typeface="Bodoni MT" panose="02070603080606020203" pitchFamily="18" charset="0"/>
-                <a:cs typeface="Courier New" panose="02070309020205020404" pitchFamily="49" charset="0"/>
-              </a:rPr>
-              <a:t>// Now insert the new</a:t>
-            </a:r>
-            <a:endParaRPr lang="en-US" sz="2200" dirty="0">
-              <a:latin typeface="Bodoni MT" panose="02070603080606020203" pitchFamily="18" charset="0"/>
-              <a:cs typeface="Courier New" panose="02070309020205020404" pitchFamily="49" charset="0"/>
-            </a:endParaRPr>
-          </a:p>
-          <a:p>
-            <a:pPr marL="0" indent="0">
-              <a:buNone/>
-            </a:pPr>
-            <a:r>
-              <a:rPr lang="en-US" sz="2200" dirty="0" smtClean="0">
-                <a:latin typeface="Courier New" panose="02070309020205020404" pitchFamily="49" charset="0"/>
-                <a:cs typeface="Courier New" panose="02070309020205020404" pitchFamily="49" charset="0"/>
-              </a:rPr>
-              <a:t>   </a:t>
-            </a:r>
-            <a:r>
-              <a:rPr lang="en-US" sz="2200" dirty="0" smtClean="0">
-                <a:latin typeface="Courier New" panose="02070309020205020404" pitchFamily="49" charset="0"/>
-                <a:cs typeface="Courier New" panose="02070309020205020404" pitchFamily="49" charset="0"/>
-              </a:rPr>
-              <a:t>if </a:t>
-            </a:r>
-            <a:r>
-              <a:rPr lang="en-US" sz="2200" dirty="0">
-                <a:latin typeface="Courier New" panose="02070309020205020404" pitchFamily="49" charset="0"/>
-                <a:cs typeface="Courier New" panose="02070309020205020404" pitchFamily="49" charset="0"/>
-              </a:rPr>
-              <a:t>( p == NULL ) </a:t>
-            </a:r>
-            <a:r>
-              <a:rPr lang="en-US" sz="2200" dirty="0" smtClean="0">
-                <a:latin typeface="Courier New" panose="02070309020205020404" pitchFamily="49" charset="0"/>
-                <a:cs typeface="Courier New" panose="02070309020205020404" pitchFamily="49" charset="0"/>
-              </a:rPr>
-              <a:t>{     </a:t>
-            </a:r>
-            <a:r>
-              <a:rPr lang="en-US" sz="2200" dirty="0" smtClean="0">
-                <a:latin typeface="Bodoni MT" panose="02070603080606020203" pitchFamily="18" charset="0"/>
-                <a:cs typeface="Courier New" panose="02070309020205020404" pitchFamily="49" charset="0"/>
-              </a:rPr>
-              <a:t>// case of insert at the beginning</a:t>
-            </a:r>
-            <a:r>
-              <a:rPr lang="en-US" sz="2200" dirty="0" smtClean="0">
-                <a:latin typeface="Courier New" panose="02070309020205020404" pitchFamily="49" charset="0"/>
-                <a:cs typeface="Courier New" panose="02070309020205020404" pitchFamily="49" charset="0"/>
-              </a:rPr>
-              <a:t/>
-            </a:r>
-            <a:br>
-              <a:rPr lang="en-US" sz="2200" dirty="0" smtClean="0">
-                <a:latin typeface="Courier New" panose="02070309020205020404" pitchFamily="49" charset="0"/>
-                <a:cs typeface="Courier New" panose="02070309020205020404" pitchFamily="49" charset="0"/>
-              </a:rPr>
-            </a:br>
-            <a:r>
-              <a:rPr lang="en-US" sz="2200" dirty="0" smtClean="0">
-                <a:latin typeface="Courier New" panose="02070309020205020404" pitchFamily="49" charset="0"/>
-                <a:cs typeface="Courier New" panose="02070309020205020404" pitchFamily="49" charset="0"/>
-              </a:rPr>
-              <a:t>   </a:t>
-            </a:r>
-            <a:r>
-              <a:rPr lang="en-US" sz="2200" dirty="0" smtClean="0">
-                <a:latin typeface="Courier New" panose="02070309020205020404" pitchFamily="49" charset="0"/>
-                <a:cs typeface="Courier New" panose="02070309020205020404" pitchFamily="49" charset="0"/>
-              </a:rPr>
-              <a:t>      </a:t>
-            </a:r>
-            <a:r>
-              <a:rPr lang="en-US" sz="2200" dirty="0" smtClean="0">
-                <a:latin typeface="Courier New" panose="02070309020205020404" pitchFamily="49" charset="0"/>
-                <a:cs typeface="Courier New" panose="02070309020205020404" pitchFamily="49" charset="0"/>
-              </a:rPr>
-              <a:t>new-</a:t>
-            </a:r>
-            <a:r>
-              <a:rPr lang="en-US" sz="2200" dirty="0">
-                <a:latin typeface="Courier New" panose="02070309020205020404" pitchFamily="49" charset="0"/>
-                <a:cs typeface="Courier New" panose="02070309020205020404" pitchFamily="49" charset="0"/>
-              </a:rPr>
-              <a:t>&gt;next=head</a:t>
-            </a:r>
-            <a:r>
-              <a:rPr lang="en-US" sz="2200" dirty="0" smtClean="0">
-                <a:latin typeface="Courier New" panose="02070309020205020404" pitchFamily="49" charset="0"/>
-                <a:cs typeface="Courier New" panose="02070309020205020404" pitchFamily="49" charset="0"/>
-              </a:rPr>
-              <a:t>;</a:t>
-            </a:r>
-            <a:br>
-              <a:rPr lang="en-US" sz="2200" dirty="0" smtClean="0">
-                <a:latin typeface="Courier New" panose="02070309020205020404" pitchFamily="49" charset="0"/>
-                <a:cs typeface="Courier New" panose="02070309020205020404" pitchFamily="49" charset="0"/>
-              </a:rPr>
-            </a:br>
-            <a:r>
-              <a:rPr lang="en-US" sz="2200" dirty="0" smtClean="0">
-                <a:latin typeface="Courier New" panose="02070309020205020404" pitchFamily="49" charset="0"/>
-                <a:cs typeface="Courier New" panose="02070309020205020404" pitchFamily="49" charset="0"/>
-              </a:rPr>
-              <a:t>   </a:t>
-            </a:r>
-            <a:r>
-              <a:rPr lang="en-US" sz="2200" dirty="0" smtClean="0">
-                <a:latin typeface="Courier New" panose="02070309020205020404" pitchFamily="49" charset="0"/>
-                <a:cs typeface="Courier New" panose="02070309020205020404" pitchFamily="49" charset="0"/>
-              </a:rPr>
-              <a:t>      </a:t>
-            </a:r>
-            <a:r>
-              <a:rPr lang="en-US" sz="2200" dirty="0" smtClean="0">
-                <a:latin typeface="Courier New" panose="02070309020205020404" pitchFamily="49" charset="0"/>
-                <a:cs typeface="Courier New" panose="02070309020205020404" pitchFamily="49" charset="0"/>
-              </a:rPr>
-              <a:t>return </a:t>
-            </a:r>
-            <a:r>
-              <a:rPr lang="en-US" sz="2200" dirty="0">
-                <a:latin typeface="Courier New" panose="02070309020205020404" pitchFamily="49" charset="0"/>
-                <a:cs typeface="Courier New" panose="02070309020205020404" pitchFamily="49" charset="0"/>
-              </a:rPr>
-              <a:t>new</a:t>
-            </a:r>
-            <a:r>
-              <a:rPr lang="en-US" sz="2200" dirty="0" smtClean="0">
-                <a:latin typeface="Courier New" panose="02070309020205020404" pitchFamily="49" charset="0"/>
-                <a:cs typeface="Courier New" panose="02070309020205020404" pitchFamily="49" charset="0"/>
-              </a:rPr>
-              <a:t>;           </a:t>
-            </a:r>
-            <a:r>
-              <a:rPr lang="en-US" sz="2200" dirty="0" smtClean="0">
-                <a:latin typeface="Bodoni MT" panose="02070603080606020203" pitchFamily="18" charset="0"/>
-                <a:cs typeface="Courier New" panose="02070309020205020404" pitchFamily="49" charset="0"/>
-              </a:rPr>
-              <a:t>// and return the new bead</a:t>
-            </a:r>
-            <a:r>
-              <a:rPr lang="en-US" sz="2200" dirty="0" smtClean="0">
-                <a:latin typeface="Courier New" panose="02070309020205020404" pitchFamily="49" charset="0"/>
-                <a:cs typeface="Courier New" panose="02070309020205020404" pitchFamily="49" charset="0"/>
-              </a:rPr>
-              <a:t/>
-            </a:r>
-            <a:br>
-              <a:rPr lang="en-US" sz="2200" dirty="0" smtClean="0">
-                <a:latin typeface="Courier New" panose="02070309020205020404" pitchFamily="49" charset="0"/>
-                <a:cs typeface="Courier New" panose="02070309020205020404" pitchFamily="49" charset="0"/>
-              </a:rPr>
-            </a:br>
-            <a:r>
-              <a:rPr lang="en-US" sz="2200" dirty="0" smtClean="0">
-                <a:latin typeface="Courier New" panose="02070309020205020404" pitchFamily="49" charset="0"/>
-                <a:cs typeface="Courier New" panose="02070309020205020404" pitchFamily="49" charset="0"/>
-              </a:rPr>
-              <a:t>   </a:t>
-            </a:r>
-            <a:r>
-              <a:rPr lang="en-US" sz="2200" dirty="0" smtClean="0">
-                <a:latin typeface="Courier New" panose="02070309020205020404" pitchFamily="49" charset="0"/>
-                <a:cs typeface="Courier New" panose="02070309020205020404" pitchFamily="49" charset="0"/>
-              </a:rPr>
-              <a:t>}</a:t>
-            </a:r>
-            <a:endParaRPr lang="en-US" sz="2200" dirty="0">
+            <a:r>
+              <a:rPr lang="en-US" dirty="0" smtClean="0"/>
+              <a:t>See </a:t>
+            </a:r>
+            <a:r>
+              <a:rPr lang="en-US" dirty="0" err="1" smtClean="0">
+                <a:latin typeface="Courier New" panose="02070309020205020404" pitchFamily="49" charset="0"/>
+                <a:cs typeface="Courier New" panose="02070309020205020404" pitchFamily="49" charset="0"/>
+              </a:rPr>
+              <a:t>linked_list_intro.c</a:t>
+            </a:r>
+            <a:endParaRPr lang="en-US" dirty="0">
               <a:latin typeface="Courier New" panose="02070309020205020404" pitchFamily="49" charset="0"/>
               <a:cs typeface="Courier New" panose="02070309020205020404" pitchFamily="49" charset="0"/>
             </a:endParaRPr>
-          </a:p>
-          <a:p>
-            <a:pPr marL="0" indent="0">
-              <a:buNone/>
-            </a:pPr>
-            <a:r>
-              <a:rPr lang="en-US" sz="2200" dirty="0" smtClean="0">
-                <a:latin typeface="Courier New" panose="02070309020205020404" pitchFamily="49" charset="0"/>
-                <a:cs typeface="Courier New" panose="02070309020205020404" pitchFamily="49" charset="0"/>
-              </a:rPr>
-              <a:t>   </a:t>
-            </a:r>
-            <a:r>
-              <a:rPr lang="en-US" sz="2200" dirty="0" smtClean="0">
-                <a:latin typeface="Courier New" panose="02070309020205020404" pitchFamily="49" charset="0"/>
-                <a:cs typeface="Courier New" panose="02070309020205020404" pitchFamily="49" charset="0"/>
-              </a:rPr>
-              <a:t>new-</a:t>
-            </a:r>
-            <a:r>
-              <a:rPr lang="en-US" sz="2200" dirty="0">
-                <a:latin typeface="Courier New" panose="02070309020205020404" pitchFamily="49" charset="0"/>
-                <a:cs typeface="Courier New" panose="02070309020205020404" pitchFamily="49" charset="0"/>
-              </a:rPr>
-              <a:t>&gt;</a:t>
-            </a:r>
-            <a:r>
-              <a:rPr lang="en-US" sz="2200" dirty="0" smtClean="0">
-                <a:latin typeface="Courier New" panose="02070309020205020404" pitchFamily="49" charset="0"/>
-                <a:cs typeface="Courier New" panose="02070309020205020404" pitchFamily="49" charset="0"/>
-              </a:rPr>
-              <a:t>next=l</a:t>
-            </a:r>
-            <a:r>
-              <a:rPr lang="en-US" sz="2200" dirty="0" smtClean="0">
-                <a:latin typeface="Courier New" panose="02070309020205020404" pitchFamily="49" charset="0"/>
-                <a:cs typeface="Courier New" panose="02070309020205020404" pitchFamily="49" charset="0"/>
-              </a:rPr>
-              <a:t>;          </a:t>
-            </a:r>
-            <a:r>
-              <a:rPr lang="en-US" sz="2200" dirty="0" smtClean="0">
-                <a:latin typeface="Bodoni MT" panose="02070603080606020203" pitchFamily="18" charset="0"/>
-                <a:cs typeface="Courier New" panose="02070309020205020404" pitchFamily="49" charset="0"/>
-              </a:rPr>
-              <a:t> // now insert between p and l</a:t>
-            </a:r>
-            <a:r>
-              <a:rPr lang="en-US" sz="2200" dirty="0" smtClean="0">
-                <a:latin typeface="Courier New" panose="02070309020205020404" pitchFamily="49" charset="0"/>
-                <a:cs typeface="Courier New" panose="02070309020205020404" pitchFamily="49" charset="0"/>
-              </a:rPr>
-              <a:t/>
-            </a:r>
-            <a:br>
-              <a:rPr lang="en-US" sz="2200" dirty="0" smtClean="0">
-                <a:latin typeface="Courier New" panose="02070309020205020404" pitchFamily="49" charset="0"/>
-                <a:cs typeface="Courier New" panose="02070309020205020404" pitchFamily="49" charset="0"/>
-              </a:rPr>
-            </a:br>
-            <a:r>
-              <a:rPr lang="en-US" sz="2200" dirty="0" smtClean="0">
-                <a:latin typeface="Courier New" panose="02070309020205020404" pitchFamily="49" charset="0"/>
-                <a:cs typeface="Courier New" panose="02070309020205020404" pitchFamily="49" charset="0"/>
-              </a:rPr>
-              <a:t>   </a:t>
-            </a:r>
-            <a:r>
-              <a:rPr lang="en-US" sz="2200" dirty="0" smtClean="0">
-                <a:latin typeface="Courier New" panose="02070309020205020404" pitchFamily="49" charset="0"/>
-                <a:cs typeface="Courier New" panose="02070309020205020404" pitchFamily="49" charset="0"/>
-              </a:rPr>
-              <a:t>p-</a:t>
-            </a:r>
-            <a:r>
-              <a:rPr lang="en-US" sz="2200" dirty="0">
-                <a:latin typeface="Courier New" panose="02070309020205020404" pitchFamily="49" charset="0"/>
-                <a:cs typeface="Courier New" panose="02070309020205020404" pitchFamily="49" charset="0"/>
-              </a:rPr>
-              <a:t>&gt;next=new</a:t>
-            </a:r>
-            <a:r>
-              <a:rPr lang="en-US" sz="2200" dirty="0" smtClean="0">
-                <a:latin typeface="Courier New" panose="02070309020205020404" pitchFamily="49" charset="0"/>
-                <a:cs typeface="Courier New" panose="02070309020205020404" pitchFamily="49" charset="0"/>
-              </a:rPr>
-              <a:t>;</a:t>
-            </a:r>
-            <a:br>
-              <a:rPr lang="en-US" sz="2200" dirty="0" smtClean="0">
-                <a:latin typeface="Courier New" panose="02070309020205020404" pitchFamily="49" charset="0"/>
-                <a:cs typeface="Courier New" panose="02070309020205020404" pitchFamily="49" charset="0"/>
-              </a:rPr>
-            </a:br>
-            <a:r>
-              <a:rPr lang="en-US" sz="2200" dirty="0" smtClean="0">
-                <a:latin typeface="Courier New" panose="02070309020205020404" pitchFamily="49" charset="0"/>
-                <a:cs typeface="Courier New" panose="02070309020205020404" pitchFamily="49" charset="0"/>
-              </a:rPr>
-              <a:t>   </a:t>
-            </a:r>
-            <a:r>
-              <a:rPr lang="en-US" sz="2200" dirty="0" smtClean="0">
-                <a:latin typeface="Courier New" panose="02070309020205020404" pitchFamily="49" charset="0"/>
-                <a:cs typeface="Courier New" panose="02070309020205020404" pitchFamily="49" charset="0"/>
-              </a:rPr>
-              <a:t>return </a:t>
-            </a:r>
-            <a:r>
-              <a:rPr lang="en-US" sz="2200" dirty="0">
-                <a:latin typeface="Courier New" panose="02070309020205020404" pitchFamily="49" charset="0"/>
-                <a:cs typeface="Courier New" panose="02070309020205020404" pitchFamily="49" charset="0"/>
-              </a:rPr>
-              <a:t>head</a:t>
-            </a:r>
-            <a:r>
-              <a:rPr lang="en-US" sz="2200" dirty="0" smtClean="0">
-                <a:latin typeface="Courier New" panose="02070309020205020404" pitchFamily="49" charset="0"/>
-                <a:cs typeface="Courier New" panose="02070309020205020404" pitchFamily="49" charset="0"/>
-              </a:rPr>
-              <a:t>;                </a:t>
-            </a:r>
-            <a:r>
-              <a:rPr lang="en-US" sz="2200" dirty="0" smtClean="0">
-                <a:latin typeface="Bodoni MT" panose="02070603080606020203" pitchFamily="18" charset="0"/>
-                <a:cs typeface="Courier New" panose="02070309020205020404" pitchFamily="49" charset="0"/>
-              </a:rPr>
-              <a:t>// and return the old head</a:t>
-            </a:r>
-            <a:endParaRPr lang="en-US" sz="2200" dirty="0">
-              <a:latin typeface="Bodoni MT" panose="02070603080606020203" pitchFamily="18" charset="0"/>
-              <a:cs typeface="Courier New" panose="02070309020205020404" pitchFamily="49" charset="0"/>
-            </a:endParaRPr>
-          </a:p>
-          <a:p>
-            <a:pPr marL="0" indent="0">
-              <a:buNone/>
-            </a:pPr>
-            <a:r>
-              <a:rPr lang="en-US" sz="2200" dirty="0">
-                <a:latin typeface="Courier New" panose="02070309020205020404" pitchFamily="49" charset="0"/>
-                <a:cs typeface="Courier New" panose="02070309020205020404" pitchFamily="49" charset="0"/>
-              </a:rPr>
-              <a:t>}</a:t>
-            </a:r>
           </a:p>
         </p:txBody>
       </p:sp>
     </p:spTree>
     <p:extLst>
       <p:ext uri="{BB962C8B-B14F-4D97-AF65-F5344CB8AC3E}">
-        <p14:creationId xmlns:p14="http://schemas.microsoft.com/office/powerpoint/2010/main" val="1510937364"/>
+        <p14:creationId xmlns:p14="http://schemas.microsoft.com/office/powerpoint/2010/main" val="3374011401"/>
       </p:ext>
     </p:extLst>
   </p:cSld>
   <p:clrMapOvr>
     <a:masterClrMapping/>
   </p:clrMapOvr>
-  <p:timing>
-    <p:tnLst>
-      <p:par>
-        <p:cTn id="1" dur="indefinite" restart="never" nodeType="tmRoot">
-          <p:childTnLst>
-            <p:seq concurrent="1" nextAc="seek">
-              <p:cTn id="2" dur="indefinite" nodeType="mainSeq">
-                <p:childTnLst>
-                  <p:par>
-                    <p:cTn id="3" fill="hold">
-                      <p:stCondLst>
-                        <p:cond delay="indefinite"/>
-                      </p:stCondLst>
-                      <p:childTnLst>
-                        <p:par>
-                          <p:cTn id="4" fill="hold">
-                            <p:stCondLst>
-                              <p:cond delay="0"/>
-                            </p:stCondLst>
-                            <p:childTnLst>
-                              <p:par>
-                                <p:cTn id="5" presetID="1" presetClass="entr" presetSubtype="0" fill="hold" nodeType="clickEffect">
-                                  <p:stCondLst>
-                                    <p:cond delay="0"/>
-                                  </p:stCondLst>
-                                  <p:childTnLst>
-                                    <p:set>
-                                      <p:cBhvr>
-                                        <p:cTn id="6" dur="1" fill="hold">
-                                          <p:stCondLst>
-                                            <p:cond delay="0"/>
-                                          </p:stCondLst>
-                                        </p:cTn>
-                                        <p:tgtEl>
-                                          <p:spTgt spid="3">
-                                            <p:txEl>
-                                              <p:pRg st="1" end="1"/>
-                                            </p:txEl>
-                                          </p:spTgt>
-                                        </p:tgtEl>
-                                        <p:attrNameLst>
-                                          <p:attrName>style.visibility</p:attrName>
-                                        </p:attrNameLst>
-                                      </p:cBhvr>
-                                      <p:to>
-                                        <p:strVal val="visible"/>
-                                      </p:to>
-                                    </p:set>
-                                  </p:childTnLst>
-                                </p:cTn>
-                              </p:par>
-                            </p:childTnLst>
-                          </p:cTn>
-                        </p:par>
-                      </p:childTnLst>
-                    </p:cTn>
-                  </p:par>
-                  <p:par>
-                    <p:cTn id="7" fill="hold">
-                      <p:stCondLst>
-                        <p:cond delay="indefinite"/>
-                      </p:stCondLst>
-                      <p:childTnLst>
-                        <p:par>
-                          <p:cTn id="8" fill="hold">
-                            <p:stCondLst>
-                              <p:cond delay="0"/>
-                            </p:stCondLst>
-                            <p:childTnLst>
-                              <p:par>
-                                <p:cTn id="9" presetID="1" presetClass="entr" presetSubtype="0" fill="hold" nodeType="clickEffect">
-                                  <p:stCondLst>
-                                    <p:cond delay="0"/>
-                                  </p:stCondLst>
-                                  <p:childTnLst>
-                                    <p:set>
-                                      <p:cBhvr>
-                                        <p:cTn id="10" dur="1" fill="hold">
-                                          <p:stCondLst>
-                                            <p:cond delay="0"/>
-                                          </p:stCondLst>
-                                        </p:cTn>
-                                        <p:tgtEl>
-                                          <p:spTgt spid="3">
-                                            <p:txEl>
-                                              <p:pRg st="2" end="2"/>
-                                            </p:txEl>
-                                          </p:spTgt>
-                                        </p:tgtEl>
-                                        <p:attrNameLst>
-                                          <p:attrName>style.visibility</p:attrName>
-                                        </p:attrNameLst>
-                                      </p:cBhvr>
-                                      <p:to>
-                                        <p:strVal val="visible"/>
-                                      </p:to>
-                                    </p:set>
-                                  </p:childTnLst>
-                                </p:cTn>
-                              </p:par>
-                            </p:childTnLst>
-                          </p:cTn>
-                        </p:par>
-                      </p:childTnLst>
-                    </p:cTn>
-                  </p:par>
-                  <p:par>
-                    <p:cTn id="11" fill="hold">
-                      <p:stCondLst>
-                        <p:cond delay="indefinite"/>
-                      </p:stCondLst>
-                      <p:childTnLst>
-                        <p:par>
-                          <p:cTn id="12" fill="hold">
-                            <p:stCondLst>
-                              <p:cond delay="0"/>
-                            </p:stCondLst>
-                            <p:childTnLst>
-                              <p:par>
-                                <p:cTn id="13" presetID="1" presetClass="entr" presetSubtype="0" fill="hold" nodeType="clickEffect">
-                                  <p:stCondLst>
-                                    <p:cond delay="0"/>
-                                  </p:stCondLst>
-                                  <p:childTnLst>
-                                    <p:set>
-                                      <p:cBhvr>
-                                        <p:cTn id="14" dur="1" fill="hold">
-                                          <p:stCondLst>
-                                            <p:cond delay="0"/>
-                                          </p:stCondLst>
-                                        </p:cTn>
-                                        <p:tgtEl>
-                                          <p:spTgt spid="3">
-                                            <p:txEl>
-                                              <p:pRg st="3" end="3"/>
-                                            </p:txEl>
-                                          </p:spTgt>
-                                        </p:tgtEl>
-                                        <p:attrNameLst>
-                                          <p:attrName>style.visibility</p:attrName>
-                                        </p:attrNameLst>
-                                      </p:cBhvr>
-                                      <p:to>
-                                        <p:strVal val="visible"/>
-                                      </p:to>
-                                    </p:set>
-                                  </p:childTnLst>
-                                </p:cTn>
-                              </p:par>
-                            </p:childTnLst>
-                          </p:cTn>
-                        </p:par>
-                      </p:childTnLst>
-                    </p:cTn>
-                  </p:par>
-                  <p:par>
-                    <p:cTn id="15" fill="hold">
-                      <p:stCondLst>
-                        <p:cond delay="indefinite"/>
-                      </p:stCondLst>
-                      <p:childTnLst>
-                        <p:par>
-                          <p:cTn id="16" fill="hold">
-                            <p:stCondLst>
-                              <p:cond delay="0"/>
-                            </p:stCondLst>
-                            <p:childTnLst>
-                              <p:par>
-                                <p:cTn id="17" presetID="1" presetClass="entr" presetSubtype="0" fill="hold" nodeType="clickEffect">
-                                  <p:stCondLst>
-                                    <p:cond delay="0"/>
-                                  </p:stCondLst>
-                                  <p:childTnLst>
-                                    <p:set>
-                                      <p:cBhvr>
-                                        <p:cTn id="18" dur="1" fill="hold">
-                                          <p:stCondLst>
-                                            <p:cond delay="0"/>
-                                          </p:stCondLst>
-                                        </p:cTn>
-                                        <p:tgtEl>
-                                          <p:spTgt spid="3">
-                                            <p:txEl>
-                                              <p:pRg st="4" end="4"/>
-                                            </p:txEl>
-                                          </p:spTgt>
-                                        </p:tgtEl>
-                                        <p:attrNameLst>
-                                          <p:attrName>style.visibility</p:attrName>
-                                        </p:attrNameLst>
-                                      </p:cBhvr>
-                                      <p:to>
-                                        <p:strVal val="visible"/>
-                                      </p:to>
-                                    </p:set>
-                                  </p:childTnLst>
-                                </p:cTn>
-                              </p:par>
-                            </p:childTnLst>
-                          </p:cTn>
-                        </p:par>
-                      </p:childTnLst>
-                    </p:cTn>
-                  </p:par>
-                  <p:par>
-                    <p:cTn id="19" fill="hold">
-                      <p:stCondLst>
-                        <p:cond delay="indefinite"/>
-                      </p:stCondLst>
-                      <p:childTnLst>
-                        <p:par>
-                          <p:cTn id="20" fill="hold">
-                            <p:stCondLst>
-                              <p:cond delay="0"/>
-                            </p:stCondLst>
-                            <p:childTnLst>
-                              <p:par>
-                                <p:cTn id="21" presetID="1" presetClass="entr" presetSubtype="0" fill="hold" nodeType="clickEffect">
-                                  <p:stCondLst>
-                                    <p:cond delay="0"/>
-                                  </p:stCondLst>
-                                  <p:childTnLst>
-                                    <p:set>
-                                      <p:cBhvr>
-                                        <p:cTn id="22" dur="1" fill="hold">
-                                          <p:stCondLst>
-                                            <p:cond delay="0"/>
-                                          </p:stCondLst>
-                                        </p:cTn>
-                                        <p:tgtEl>
-                                          <p:spTgt spid="3">
-                                            <p:txEl>
-                                              <p:pRg st="5" end="5"/>
-                                            </p:txEl>
-                                          </p:spTgt>
-                                        </p:tgtEl>
-                                        <p:attrNameLst>
-                                          <p:attrName>style.visibility</p:attrName>
-                                        </p:attrNameLst>
-                                      </p:cBhvr>
-                                      <p:to>
-                                        <p:strVal val="visible"/>
-                                      </p:to>
-                                    </p:set>
-                                  </p:childTnLst>
-                                </p:cTn>
-                              </p:par>
-                            </p:childTnLst>
-                          </p:cTn>
-                        </p:par>
-                      </p:childTnLst>
-                    </p:cTn>
-                  </p:par>
-                </p:childTnLst>
-              </p:cTn>
-              <p:prevCondLst>
-                <p:cond evt="onPrev" delay="0">
-                  <p:tgtEl>
-                    <p:sldTgt/>
-                  </p:tgtEl>
-                </p:cond>
-              </p:prevCondLst>
-              <p:nextCondLst>
-                <p:cond evt="onNext" delay="0">
-                  <p:tgtEl>
-                    <p:sldTgt/>
-                  </p:tgtEl>
-                </p:cond>
-              </p:nextCondLst>
-            </p:seq>
-          </p:childTnLst>
-        </p:cTn>
-      </p:par>
-    </p:tnLst>
-  </p:timing>
 </p:sld>
 </file>
 
@@ -16577,14 +16467,19 @@
             <p:ph type="title"/>
           </p:nvPr>
         </p:nvSpPr>
-        <p:spPr/>
+        <p:spPr>
+          <a:xfrm>
+            <a:off x="838200" y="14935"/>
+            <a:ext cx="10515600" cy="1325563"/>
+          </a:xfrm>
+        </p:spPr>
         <p:txBody>
           <a:bodyPr/>
           <a:lstStyle/>
           <a:p>
             <a:r>
               <a:rPr lang="en-US" dirty="0" smtClean="0"/>
-              <a:t>Deleting from a position in a linked list</a:t>
+              <a:t>Inserting into a position in a linked list</a:t>
             </a:r>
             <a:endParaRPr lang="en-US" dirty="0"/>
           </a:p>
@@ -16602,7 +16497,7 @@
         </p:nvSpPr>
         <p:spPr>
           <a:xfrm>
-            <a:off x="507458" y="1397607"/>
+            <a:off x="507458" y="950142"/>
             <a:ext cx="11684542" cy="5956504"/>
           </a:xfrm>
         </p:spPr>
@@ -16616,83 +16511,632 @@
               <a:buNone/>
             </a:pPr>
             <a:r>
-              <a:rPr lang="en-US" sz="2000" dirty="0" err="1">
+              <a:rPr lang="en-US" sz="2200" dirty="0" err="1">
                 <a:latin typeface="Courier New" panose="02070309020205020404" pitchFamily="49" charset="0"/>
                 <a:cs typeface="Courier New" panose="02070309020205020404" pitchFamily="49" charset="0"/>
               </a:rPr>
               <a:t>struct</a:t>
             </a:r>
             <a:r>
-              <a:rPr lang="en-US" sz="2000" dirty="0">
+              <a:rPr lang="en-US" sz="2200" dirty="0">
                 <a:latin typeface="Courier New" panose="02070309020205020404" pitchFamily="49" charset="0"/>
                 <a:cs typeface="Courier New" panose="02070309020205020404" pitchFamily="49" charset="0"/>
               </a:rPr>
               <a:t> node * </a:t>
             </a:r>
             <a:r>
-              <a:rPr lang="en-US" sz="2000" dirty="0" err="1" smtClean="0">
-                <a:latin typeface="Courier New" panose="02070309020205020404" pitchFamily="49" charset="0"/>
-                <a:cs typeface="Courier New" panose="02070309020205020404" pitchFamily="49" charset="0"/>
-              </a:rPr>
-              <a:t>node_delete</a:t>
-            </a:r>
-            <a:r>
-              <a:rPr lang="en-US" sz="2000" dirty="0" smtClean="0">
+              <a:rPr lang="en-US" sz="2200" dirty="0" err="1">
+                <a:latin typeface="Courier New" panose="02070309020205020404" pitchFamily="49" charset="0"/>
+                <a:cs typeface="Courier New" panose="02070309020205020404" pitchFamily="49" charset="0"/>
+              </a:rPr>
+              <a:t>node_insert</a:t>
+            </a:r>
+            <a:r>
+              <a:rPr lang="en-US" sz="2200" dirty="0">
                 <a:latin typeface="Courier New" panose="02070309020205020404" pitchFamily="49" charset="0"/>
                 <a:cs typeface="Courier New" panose="02070309020205020404" pitchFamily="49" charset="0"/>
               </a:rPr>
               <a:t>(</a:t>
             </a:r>
             <a:r>
-              <a:rPr lang="en-US" sz="2000" dirty="0" err="1" smtClean="0">
+              <a:rPr lang="en-US" sz="2200" dirty="0" err="1">
                 <a:latin typeface="Courier New" panose="02070309020205020404" pitchFamily="49" charset="0"/>
                 <a:cs typeface="Courier New" panose="02070309020205020404" pitchFamily="49" charset="0"/>
               </a:rPr>
               <a:t>struct</a:t>
             </a:r>
             <a:r>
-              <a:rPr lang="en-US" sz="2000" dirty="0" smtClean="0">
+              <a:rPr lang="en-US" sz="2200" dirty="0">
+                <a:latin typeface="Courier New" panose="02070309020205020404" pitchFamily="49" charset="0"/>
+                <a:cs typeface="Courier New" panose="02070309020205020404" pitchFamily="49" charset="0"/>
+              </a:rPr>
+              <a:t> node * head, </a:t>
+            </a:r>
+            <a:r>
+              <a:rPr lang="en-US" sz="2200" dirty="0" err="1">
+                <a:latin typeface="Courier New" panose="02070309020205020404" pitchFamily="49" charset="0"/>
+                <a:cs typeface="Courier New" panose="02070309020205020404" pitchFamily="49" charset="0"/>
+              </a:rPr>
+              <a:t>int</a:t>
+            </a:r>
+            <a:r>
+              <a:rPr lang="en-US" sz="2200" dirty="0">
                 <a:latin typeface="Courier New" panose="02070309020205020404" pitchFamily="49" charset="0"/>
                 <a:cs typeface="Courier New" panose="02070309020205020404" pitchFamily="49" charset="0"/>
               </a:rPr>
               <a:t> </a:t>
             </a:r>
             <a:r>
-              <a:rPr lang="en-US" sz="2000" dirty="0">
-                <a:latin typeface="Courier New" panose="02070309020205020404" pitchFamily="49" charset="0"/>
-                <a:cs typeface="Courier New" panose="02070309020205020404" pitchFamily="49" charset="0"/>
-              </a:rPr>
-              <a:t>node * head, </a:t>
-            </a:r>
-            <a:r>
-              <a:rPr lang="en-US" sz="2000" dirty="0" err="1">
+              <a:rPr lang="en-US" sz="2200" dirty="0" err="1">
+                <a:latin typeface="Courier New" panose="02070309020205020404" pitchFamily="49" charset="0"/>
+                <a:cs typeface="Courier New" panose="02070309020205020404" pitchFamily="49" charset="0"/>
+              </a:rPr>
+              <a:t>pos</a:t>
+            </a:r>
+            <a:r>
+              <a:rPr lang="en-US" sz="2200" dirty="0">
+                <a:latin typeface="Courier New" panose="02070309020205020404" pitchFamily="49" charset="0"/>
+                <a:cs typeface="Courier New" panose="02070309020205020404" pitchFamily="49" charset="0"/>
+              </a:rPr>
+              <a:t>, </a:t>
+            </a:r>
+            <a:r>
+              <a:rPr lang="en-US" sz="2200" dirty="0" err="1">
                 <a:latin typeface="Courier New" panose="02070309020205020404" pitchFamily="49" charset="0"/>
                 <a:cs typeface="Courier New" panose="02070309020205020404" pitchFamily="49" charset="0"/>
               </a:rPr>
               <a:t>int</a:t>
             </a:r>
             <a:r>
-              <a:rPr lang="en-US" sz="2000" dirty="0">
+              <a:rPr lang="en-US" sz="2200" dirty="0">
                 <a:latin typeface="Courier New" panose="02070309020205020404" pitchFamily="49" charset="0"/>
                 <a:cs typeface="Courier New" panose="02070309020205020404" pitchFamily="49" charset="0"/>
               </a:rPr>
               <a:t> </a:t>
             </a:r>
             <a:r>
-              <a:rPr lang="en-US" sz="2000" dirty="0" err="1" smtClean="0">
+              <a:rPr lang="en-US" sz="2200" dirty="0" err="1">
+                <a:latin typeface="Courier New" panose="02070309020205020404" pitchFamily="49" charset="0"/>
+                <a:cs typeface="Courier New" panose="02070309020205020404" pitchFamily="49" charset="0"/>
+              </a:rPr>
+              <a:t>newval</a:t>
+            </a:r>
+            <a:r>
+              <a:rPr lang="en-US" sz="2200" dirty="0">
+                <a:latin typeface="Courier New" panose="02070309020205020404" pitchFamily="49" charset="0"/>
+                <a:cs typeface="Courier New" panose="02070309020205020404" pitchFamily="49" charset="0"/>
+              </a:rPr>
+              <a:t>){</a:t>
+            </a:r>
+          </a:p>
+          <a:p>
+            <a:pPr marL="0" indent="0">
+              <a:buNone/>
+            </a:pPr>
+            <a:r>
+              <a:rPr lang="en-US" sz="2200" dirty="0" smtClean="0">
+                <a:latin typeface="Courier New" panose="02070309020205020404" pitchFamily="49" charset="0"/>
+                <a:cs typeface="Courier New" panose="02070309020205020404" pitchFamily="49" charset="0"/>
+              </a:rPr>
+              <a:t>   </a:t>
+            </a:r>
+            <a:r>
+              <a:rPr lang="en-US" sz="2200" dirty="0" err="1" smtClean="0">
+                <a:latin typeface="Courier New" panose="02070309020205020404" pitchFamily="49" charset="0"/>
+                <a:cs typeface="Courier New" panose="02070309020205020404" pitchFamily="49" charset="0"/>
+              </a:rPr>
+              <a:t>struct</a:t>
+            </a:r>
+            <a:r>
+              <a:rPr lang="en-US" sz="2200" dirty="0" smtClean="0">
+                <a:latin typeface="Courier New" panose="02070309020205020404" pitchFamily="49" charset="0"/>
+                <a:cs typeface="Courier New" panose="02070309020205020404" pitchFamily="49" charset="0"/>
+              </a:rPr>
+              <a:t> </a:t>
+            </a:r>
+            <a:r>
+              <a:rPr lang="en-US" sz="2200" dirty="0">
+                <a:latin typeface="Courier New" panose="02070309020205020404" pitchFamily="49" charset="0"/>
+                <a:cs typeface="Courier New" panose="02070309020205020404" pitchFamily="49" charset="0"/>
+              </a:rPr>
+              <a:t>node * l, * p</a:t>
+            </a:r>
+            <a:r>
+              <a:rPr lang="en-US" sz="2200" dirty="0" smtClean="0">
+                <a:latin typeface="Courier New" panose="02070309020205020404" pitchFamily="49" charset="0"/>
+                <a:cs typeface="Courier New" panose="02070309020205020404" pitchFamily="49" charset="0"/>
+              </a:rPr>
+              <a:t>;   </a:t>
+            </a:r>
+            <a:r>
+              <a:rPr lang="en-US" sz="2200" dirty="0" smtClean="0">
+                <a:latin typeface="Bodoni MT" panose="02070603080606020203" pitchFamily="18" charset="0"/>
+                <a:cs typeface="Courier New" panose="02070309020205020404" pitchFamily="49" charset="0"/>
+              </a:rPr>
+              <a:t>// we need two positions to insert between</a:t>
+            </a:r>
+            <a:r>
+              <a:rPr lang="en-US" sz="2200" dirty="0" smtClean="0">
+                <a:latin typeface="Courier New" panose="02070309020205020404" pitchFamily="49" charset="0"/>
+                <a:cs typeface="Courier New" panose="02070309020205020404" pitchFamily="49" charset="0"/>
+              </a:rPr>
+              <a:t> </a:t>
+            </a:r>
+            <a:r>
+              <a:rPr lang="en-US" sz="2200" dirty="0">
+                <a:latin typeface="Courier New" panose="02070309020205020404" pitchFamily="49" charset="0"/>
+                <a:cs typeface="Courier New" panose="02070309020205020404" pitchFamily="49" charset="0"/>
+              </a:rPr>
+              <a:t>	</a:t>
+            </a:r>
+            <a:r>
+              <a:rPr lang="en-US" sz="2200" dirty="0" smtClean="0">
+                <a:latin typeface="Courier New" panose="02070309020205020404" pitchFamily="49" charset="0"/>
+                <a:cs typeface="Courier New" panose="02070309020205020404" pitchFamily="49" charset="0"/>
+              </a:rPr>
+              <a:t/>
+            </a:r>
+            <a:br>
+              <a:rPr lang="en-US" sz="2200" dirty="0" smtClean="0">
+                <a:latin typeface="Courier New" panose="02070309020205020404" pitchFamily="49" charset="0"/>
+                <a:cs typeface="Courier New" panose="02070309020205020404" pitchFamily="49" charset="0"/>
+              </a:rPr>
+            </a:br>
+            <a:r>
+              <a:rPr lang="en-US" sz="2200" dirty="0" smtClean="0">
+                <a:latin typeface="Courier New" panose="02070309020205020404" pitchFamily="49" charset="0"/>
+                <a:cs typeface="Courier New" panose="02070309020205020404" pitchFamily="49" charset="0"/>
+              </a:rPr>
+              <a:t>   </a:t>
+            </a:r>
+            <a:r>
+              <a:rPr lang="en-US" sz="2200" dirty="0" err="1" smtClean="0">
+                <a:latin typeface="Courier New" panose="02070309020205020404" pitchFamily="49" charset="0"/>
+                <a:cs typeface="Courier New" panose="02070309020205020404" pitchFamily="49" charset="0"/>
+              </a:rPr>
+              <a:t>struct</a:t>
+            </a:r>
+            <a:r>
+              <a:rPr lang="en-US" sz="2200" dirty="0" smtClean="0">
+                <a:latin typeface="Courier New" panose="02070309020205020404" pitchFamily="49" charset="0"/>
+                <a:cs typeface="Courier New" panose="02070309020205020404" pitchFamily="49" charset="0"/>
+              </a:rPr>
+              <a:t> </a:t>
+            </a:r>
+            <a:r>
+              <a:rPr lang="en-US" sz="2200" dirty="0">
+                <a:latin typeface="Courier New" panose="02070309020205020404" pitchFamily="49" charset="0"/>
+                <a:cs typeface="Courier New" panose="02070309020205020404" pitchFamily="49" charset="0"/>
+              </a:rPr>
+              <a:t>node * new = </a:t>
+            </a:r>
+            <a:r>
+              <a:rPr lang="en-US" sz="2200" dirty="0" err="1">
+                <a:latin typeface="Courier New" panose="02070309020205020404" pitchFamily="49" charset="0"/>
+                <a:cs typeface="Courier New" panose="02070309020205020404" pitchFamily="49" charset="0"/>
+              </a:rPr>
+              <a:t>new_node</a:t>
+            </a:r>
+            <a:r>
+              <a:rPr lang="en-US" sz="2200" dirty="0" smtClean="0">
+                <a:latin typeface="Courier New" panose="02070309020205020404" pitchFamily="49" charset="0"/>
+                <a:cs typeface="Courier New" panose="02070309020205020404" pitchFamily="49" charset="0"/>
+              </a:rPr>
+              <a:t>();</a:t>
+            </a:r>
+            <a:br>
+              <a:rPr lang="en-US" sz="2200" dirty="0" smtClean="0">
+                <a:latin typeface="Courier New" panose="02070309020205020404" pitchFamily="49" charset="0"/>
+                <a:cs typeface="Courier New" panose="02070309020205020404" pitchFamily="49" charset="0"/>
+              </a:rPr>
+            </a:br>
+            <a:r>
+              <a:rPr lang="en-US" sz="2200" dirty="0" smtClean="0">
+                <a:latin typeface="Courier New" panose="02070309020205020404" pitchFamily="49" charset="0"/>
+                <a:cs typeface="Courier New" panose="02070309020205020404" pitchFamily="49" charset="0"/>
+              </a:rPr>
+              <a:t>   new-</a:t>
+            </a:r>
+            <a:r>
+              <a:rPr lang="en-US" sz="2200" dirty="0">
+                <a:latin typeface="Courier New" panose="02070309020205020404" pitchFamily="49" charset="0"/>
+                <a:cs typeface="Courier New" panose="02070309020205020404" pitchFamily="49" charset="0"/>
+              </a:rPr>
+              <a:t>&gt;</a:t>
+            </a:r>
+            <a:r>
+              <a:rPr lang="en-US" sz="2200" dirty="0" err="1" smtClean="0">
+                <a:latin typeface="Courier New" panose="02070309020205020404" pitchFamily="49" charset="0"/>
+                <a:cs typeface="Courier New" panose="02070309020205020404" pitchFamily="49" charset="0"/>
+              </a:rPr>
+              <a:t>val</a:t>
+            </a:r>
+            <a:r>
+              <a:rPr lang="en-US" sz="2200" dirty="0" smtClean="0">
+                <a:latin typeface="Courier New" panose="02070309020205020404" pitchFamily="49" charset="0"/>
+                <a:cs typeface="Courier New" panose="02070309020205020404" pitchFamily="49" charset="0"/>
+              </a:rPr>
+              <a:t>=</a:t>
+            </a:r>
+            <a:r>
+              <a:rPr lang="en-US" sz="2200" dirty="0" err="1" smtClean="0">
+                <a:latin typeface="Courier New" panose="02070309020205020404" pitchFamily="49" charset="0"/>
+                <a:cs typeface="Courier New" panose="02070309020205020404" pitchFamily="49" charset="0"/>
+              </a:rPr>
+              <a:t>newval</a:t>
+            </a:r>
+            <a:r>
+              <a:rPr lang="en-US" sz="2200" dirty="0" smtClean="0">
+                <a:latin typeface="Courier New" panose="02070309020205020404" pitchFamily="49" charset="0"/>
+                <a:cs typeface="Courier New" panose="02070309020205020404" pitchFamily="49" charset="0"/>
+              </a:rPr>
+              <a:t>;</a:t>
+            </a:r>
+            <a:br>
+              <a:rPr lang="en-US" sz="2200" dirty="0" smtClean="0">
+                <a:latin typeface="Courier New" panose="02070309020205020404" pitchFamily="49" charset="0"/>
+                <a:cs typeface="Courier New" panose="02070309020205020404" pitchFamily="49" charset="0"/>
+              </a:rPr>
+            </a:br>
+            <a:r>
+              <a:rPr lang="en-US" sz="2200" dirty="0" smtClean="0">
+                <a:latin typeface="Courier New" panose="02070309020205020404" pitchFamily="49" charset="0"/>
+                <a:cs typeface="Courier New" panose="02070309020205020404" pitchFamily="49" charset="0"/>
+              </a:rPr>
+              <a:t>   </a:t>
+            </a:r>
+            <a:r>
+              <a:rPr lang="en-US" sz="2200" dirty="0" err="1" smtClean="0">
+                <a:latin typeface="Courier New" panose="02070309020205020404" pitchFamily="49" charset="0"/>
+                <a:cs typeface="Courier New" panose="02070309020205020404" pitchFamily="49" charset="0"/>
+              </a:rPr>
+              <a:t>int</a:t>
+            </a:r>
+            <a:r>
+              <a:rPr lang="en-US" sz="2200" dirty="0" smtClean="0">
+                <a:latin typeface="Courier New" panose="02070309020205020404" pitchFamily="49" charset="0"/>
+                <a:cs typeface="Courier New" panose="02070309020205020404" pitchFamily="49" charset="0"/>
+              </a:rPr>
+              <a:t> </a:t>
+            </a:r>
+            <a:r>
+              <a:rPr lang="en-US" sz="2200" dirty="0" err="1">
+                <a:latin typeface="Courier New" panose="02070309020205020404" pitchFamily="49" charset="0"/>
+                <a:cs typeface="Courier New" panose="02070309020205020404" pitchFamily="49" charset="0"/>
+              </a:rPr>
+              <a:t>i</a:t>
+            </a:r>
+            <a:r>
+              <a:rPr lang="en-US" sz="2200" dirty="0">
+                <a:latin typeface="Courier New" panose="02070309020205020404" pitchFamily="49" charset="0"/>
+                <a:cs typeface="Courier New" panose="02070309020205020404" pitchFamily="49" charset="0"/>
+              </a:rPr>
+              <a:t>; </a:t>
+            </a:r>
+            <a:r>
+              <a:rPr lang="en-US" sz="2200" dirty="0" smtClean="0">
+                <a:latin typeface="Courier New" panose="02070309020205020404" pitchFamily="49" charset="0"/>
+                <a:cs typeface="Courier New" panose="02070309020205020404" pitchFamily="49" charset="0"/>
+              </a:rPr>
+              <a:t>  </a:t>
+            </a:r>
+            <a:r>
+              <a:rPr lang="en-US" sz="2200" dirty="0" smtClean="0">
+                <a:latin typeface="Bodoni MT" panose="02070603080606020203" pitchFamily="18" charset="0"/>
+                <a:cs typeface="Courier New" panose="02070309020205020404" pitchFamily="49" charset="0"/>
+              </a:rPr>
+              <a:t>// </a:t>
+            </a:r>
+            <a:r>
+              <a:rPr lang="en-US" sz="2200" dirty="0" err="1">
+                <a:latin typeface="Bodoni MT" panose="02070603080606020203" pitchFamily="18" charset="0"/>
+                <a:cs typeface="Courier New" panose="02070309020205020404" pitchFamily="49" charset="0"/>
+              </a:rPr>
+              <a:t>i</a:t>
+            </a:r>
+            <a:r>
+              <a:rPr lang="en-US" sz="2200" dirty="0">
+                <a:latin typeface="Bodoni MT" panose="02070603080606020203" pitchFamily="18" charset="0"/>
+                <a:cs typeface="Courier New" panose="02070309020205020404" pitchFamily="49" charset="0"/>
+              </a:rPr>
+              <a:t> is the position of l</a:t>
+            </a:r>
+          </a:p>
+          <a:p>
+            <a:pPr marL="0" indent="0">
+              <a:buNone/>
+            </a:pPr>
+            <a:r>
+              <a:rPr lang="en-US" sz="2200" dirty="0" smtClean="0">
+                <a:latin typeface="Courier New" panose="02070309020205020404" pitchFamily="49" charset="0"/>
+                <a:cs typeface="Courier New" panose="02070309020205020404" pitchFamily="49" charset="0"/>
+              </a:rPr>
+              <a:t>     </a:t>
+            </a:r>
+            <a:r>
+              <a:rPr lang="en-US" sz="2200" dirty="0" smtClean="0">
+                <a:latin typeface="Bodoni MT" panose="02070603080606020203" pitchFamily="18" charset="0"/>
+                <a:cs typeface="Courier New" panose="02070309020205020404" pitchFamily="49" charset="0"/>
+              </a:rPr>
+              <a:t>// @loop traverse the list looking for position</a:t>
+            </a:r>
+            <a:r>
+              <a:rPr lang="en-US" sz="2200" dirty="0" smtClean="0">
+                <a:latin typeface="Courier New" panose="02070309020205020404" pitchFamily="49" charset="0"/>
+                <a:cs typeface="Courier New" panose="02070309020205020404" pitchFamily="49" charset="0"/>
+              </a:rPr>
+              <a:t/>
+            </a:r>
+            <a:br>
+              <a:rPr lang="en-US" sz="2200" dirty="0" smtClean="0">
+                <a:latin typeface="Courier New" panose="02070309020205020404" pitchFamily="49" charset="0"/>
+                <a:cs typeface="Courier New" panose="02070309020205020404" pitchFamily="49" charset="0"/>
+              </a:rPr>
+            </a:br>
+            <a:r>
+              <a:rPr lang="en-US" sz="2200" dirty="0" smtClean="0">
+                <a:latin typeface="Courier New" panose="02070309020205020404" pitchFamily="49" charset="0"/>
+                <a:cs typeface="Courier New" panose="02070309020205020404" pitchFamily="49" charset="0"/>
+              </a:rPr>
+              <a:t>   for(l=head</a:t>
+            </a:r>
+            <a:r>
+              <a:rPr lang="en-US" sz="2200" dirty="0">
+                <a:latin typeface="Courier New" panose="02070309020205020404" pitchFamily="49" charset="0"/>
+                <a:cs typeface="Courier New" panose="02070309020205020404" pitchFamily="49" charset="0"/>
+              </a:rPr>
+              <a:t>, p=NULL, </a:t>
+            </a:r>
+            <a:r>
+              <a:rPr lang="en-US" sz="2200" dirty="0" err="1">
+                <a:latin typeface="Courier New" panose="02070309020205020404" pitchFamily="49" charset="0"/>
+                <a:cs typeface="Courier New" panose="02070309020205020404" pitchFamily="49" charset="0"/>
+              </a:rPr>
+              <a:t>i</a:t>
+            </a:r>
+            <a:r>
+              <a:rPr lang="en-US" sz="2200" dirty="0">
+                <a:latin typeface="Courier New" panose="02070309020205020404" pitchFamily="49" charset="0"/>
+                <a:cs typeface="Courier New" panose="02070309020205020404" pitchFamily="49" charset="0"/>
+              </a:rPr>
+              <a:t>=0; </a:t>
+            </a:r>
+            <a:r>
+              <a:rPr lang="en-US" sz="2200" b="1" dirty="0">
+                <a:solidFill>
+                  <a:schemeClr val="accent2"/>
+                </a:solidFill>
+                <a:latin typeface="Courier New" panose="02070309020205020404" pitchFamily="49" charset="0"/>
+                <a:cs typeface="Courier New" panose="02070309020205020404" pitchFamily="49" charset="0"/>
+              </a:rPr>
+              <a:t>l!= NULL &amp;&amp; </a:t>
+            </a:r>
+            <a:r>
+              <a:rPr lang="en-US" sz="2200" b="1" dirty="0" err="1">
+                <a:solidFill>
+                  <a:schemeClr val="accent2"/>
+                </a:solidFill>
+                <a:latin typeface="Courier New" panose="02070309020205020404" pitchFamily="49" charset="0"/>
+                <a:cs typeface="Courier New" panose="02070309020205020404" pitchFamily="49" charset="0"/>
+              </a:rPr>
+              <a:t>i</a:t>
+            </a:r>
+            <a:r>
+              <a:rPr lang="en-US" sz="2200" b="1" dirty="0">
+                <a:solidFill>
+                  <a:schemeClr val="accent2"/>
+                </a:solidFill>
+                <a:latin typeface="Courier New" panose="02070309020205020404" pitchFamily="49" charset="0"/>
+                <a:cs typeface="Courier New" panose="02070309020205020404" pitchFamily="49" charset="0"/>
+              </a:rPr>
+              <a:t> &lt; </a:t>
+            </a:r>
+            <a:r>
+              <a:rPr lang="en-US" sz="2200" b="1" dirty="0" err="1">
+                <a:solidFill>
+                  <a:schemeClr val="accent2"/>
+                </a:solidFill>
                 <a:latin typeface="Courier New" panose="02070309020205020404" pitchFamily="49" charset="0"/>
                 <a:cs typeface="Courier New" panose="02070309020205020404" pitchFamily="49" charset="0"/>
               </a:rPr>
               <a:t>pos</a:t>
             </a:r>
             <a:r>
-              <a:rPr lang="en-US" sz="2000" dirty="0" smtClean="0">
-                <a:latin typeface="Courier New" panose="02070309020205020404" pitchFamily="49" charset="0"/>
-                <a:cs typeface="Courier New" panose="02070309020205020404" pitchFamily="49" charset="0"/>
-              </a:rPr>
-              <a:t>){</a:t>
-            </a:r>
-            <a:endParaRPr lang="en-US" sz="2000" dirty="0">
+              <a:rPr lang="en-US" sz="2200" b="1" dirty="0">
+                <a:solidFill>
+                  <a:schemeClr val="accent2"/>
+                </a:solidFill>
+                <a:latin typeface="Courier New" panose="02070309020205020404" pitchFamily="49" charset="0"/>
+                <a:cs typeface="Courier New" panose="02070309020205020404" pitchFamily="49" charset="0"/>
+              </a:rPr>
+              <a:t> </a:t>
+            </a:r>
+            <a:r>
+              <a:rPr lang="en-US" sz="2200" dirty="0">
+                <a:latin typeface="Courier New" panose="02070309020205020404" pitchFamily="49" charset="0"/>
+                <a:cs typeface="Courier New" panose="02070309020205020404" pitchFamily="49" charset="0"/>
+              </a:rPr>
+              <a:t>; l=l-&gt;next, </a:t>
+            </a:r>
+            <a:r>
+              <a:rPr lang="en-US" sz="2200" dirty="0" err="1">
+                <a:latin typeface="Courier New" panose="02070309020205020404" pitchFamily="49" charset="0"/>
+                <a:cs typeface="Courier New" panose="02070309020205020404" pitchFamily="49" charset="0"/>
+              </a:rPr>
+              <a:t>i</a:t>
+            </a:r>
+            <a:r>
+              <a:rPr lang="en-US" sz="2200" dirty="0" smtClean="0">
+                <a:latin typeface="Courier New" panose="02070309020205020404" pitchFamily="49" charset="0"/>
+                <a:cs typeface="Courier New" panose="02070309020205020404" pitchFamily="49" charset="0"/>
+              </a:rPr>
+              <a:t>++)</a:t>
+            </a:r>
+            <a:br>
+              <a:rPr lang="en-US" sz="2200" dirty="0" smtClean="0">
+                <a:latin typeface="Courier New" panose="02070309020205020404" pitchFamily="49" charset="0"/>
+                <a:cs typeface="Courier New" panose="02070309020205020404" pitchFamily="49" charset="0"/>
+              </a:rPr>
+            </a:br>
+            <a:r>
+              <a:rPr lang="en-US" sz="2200" dirty="0" smtClean="0">
+                <a:latin typeface="Courier New" panose="02070309020205020404" pitchFamily="49" charset="0"/>
+                <a:cs typeface="Courier New" panose="02070309020205020404" pitchFamily="49" charset="0"/>
+              </a:rPr>
+              <a:t>         p=l;</a:t>
+            </a:r>
+          </a:p>
+          <a:p>
+            <a:pPr marL="0" indent="0">
+              <a:buNone/>
+            </a:pPr>
+            <a:r>
+              <a:rPr lang="en-US" sz="2200" dirty="0">
+                <a:latin typeface="Courier New" panose="02070309020205020404" pitchFamily="49" charset="0"/>
+                <a:cs typeface="Courier New" panose="02070309020205020404" pitchFamily="49" charset="0"/>
+              </a:rPr>
+              <a:t> </a:t>
+            </a:r>
+            <a:r>
+              <a:rPr lang="en-US" sz="2200" dirty="0" smtClean="0">
+                <a:latin typeface="Courier New" panose="02070309020205020404" pitchFamily="49" charset="0"/>
+                <a:cs typeface="Courier New" panose="02070309020205020404" pitchFamily="49" charset="0"/>
+              </a:rPr>
+              <a:t>    </a:t>
+            </a:r>
+            <a:r>
+              <a:rPr lang="en-US" sz="2200" dirty="0" smtClean="0">
+                <a:latin typeface="Bodoni MT" panose="02070603080606020203" pitchFamily="18" charset="0"/>
+                <a:cs typeface="Courier New" panose="02070309020205020404" pitchFamily="49" charset="0"/>
+              </a:rPr>
+              <a:t>// Now insert the new</a:t>
+            </a:r>
+            <a:endParaRPr lang="en-US" sz="2200" dirty="0">
+              <a:latin typeface="Bodoni MT" panose="02070603080606020203" pitchFamily="18" charset="0"/>
+              <a:cs typeface="Courier New" panose="02070309020205020404" pitchFamily="49" charset="0"/>
+            </a:endParaRPr>
+          </a:p>
+          <a:p>
+            <a:pPr marL="0" indent="0">
+              <a:buNone/>
+            </a:pPr>
+            <a:r>
+              <a:rPr lang="en-US" sz="2200" dirty="0" smtClean="0">
+                <a:latin typeface="Courier New" panose="02070309020205020404" pitchFamily="49" charset="0"/>
+                <a:cs typeface="Courier New" panose="02070309020205020404" pitchFamily="49" charset="0"/>
+              </a:rPr>
+              <a:t>   if </a:t>
+            </a:r>
+            <a:r>
+              <a:rPr lang="en-US" sz="2200" dirty="0">
+                <a:latin typeface="Courier New" panose="02070309020205020404" pitchFamily="49" charset="0"/>
+                <a:cs typeface="Courier New" panose="02070309020205020404" pitchFamily="49" charset="0"/>
+              </a:rPr>
+              <a:t>( p == NULL ) </a:t>
+            </a:r>
+            <a:r>
+              <a:rPr lang="en-US" sz="2200" dirty="0" smtClean="0">
+                <a:latin typeface="Courier New" panose="02070309020205020404" pitchFamily="49" charset="0"/>
+                <a:cs typeface="Courier New" panose="02070309020205020404" pitchFamily="49" charset="0"/>
+              </a:rPr>
+              <a:t>{     </a:t>
+            </a:r>
+            <a:r>
+              <a:rPr lang="en-US" sz="2200" dirty="0" smtClean="0">
+                <a:latin typeface="Bodoni MT" panose="02070603080606020203" pitchFamily="18" charset="0"/>
+                <a:cs typeface="Courier New" panose="02070309020205020404" pitchFamily="49" charset="0"/>
+              </a:rPr>
+              <a:t>// case of insert at the beginning</a:t>
+            </a:r>
+            <a:r>
+              <a:rPr lang="en-US" sz="2200" dirty="0" smtClean="0">
+                <a:latin typeface="Courier New" panose="02070309020205020404" pitchFamily="49" charset="0"/>
+                <a:cs typeface="Courier New" panose="02070309020205020404" pitchFamily="49" charset="0"/>
+              </a:rPr>
+              <a:t/>
+            </a:r>
+            <a:br>
+              <a:rPr lang="en-US" sz="2200" dirty="0" smtClean="0">
+                <a:latin typeface="Courier New" panose="02070309020205020404" pitchFamily="49" charset="0"/>
+                <a:cs typeface="Courier New" panose="02070309020205020404" pitchFamily="49" charset="0"/>
+              </a:rPr>
+            </a:br>
+            <a:r>
+              <a:rPr lang="en-US" sz="2200" dirty="0" smtClean="0">
+                <a:latin typeface="Courier New" panose="02070309020205020404" pitchFamily="49" charset="0"/>
+                <a:cs typeface="Courier New" panose="02070309020205020404" pitchFamily="49" charset="0"/>
+              </a:rPr>
+              <a:t>         new-</a:t>
+            </a:r>
+            <a:r>
+              <a:rPr lang="en-US" sz="2200" dirty="0">
+                <a:latin typeface="Courier New" panose="02070309020205020404" pitchFamily="49" charset="0"/>
+                <a:cs typeface="Courier New" panose="02070309020205020404" pitchFamily="49" charset="0"/>
+              </a:rPr>
+              <a:t>&gt;next=head</a:t>
+            </a:r>
+            <a:r>
+              <a:rPr lang="en-US" sz="2200" dirty="0" smtClean="0">
+                <a:latin typeface="Courier New" panose="02070309020205020404" pitchFamily="49" charset="0"/>
+                <a:cs typeface="Courier New" panose="02070309020205020404" pitchFamily="49" charset="0"/>
+              </a:rPr>
+              <a:t>;</a:t>
+            </a:r>
+            <a:br>
+              <a:rPr lang="en-US" sz="2200" dirty="0" smtClean="0">
+                <a:latin typeface="Courier New" panose="02070309020205020404" pitchFamily="49" charset="0"/>
+                <a:cs typeface="Courier New" panose="02070309020205020404" pitchFamily="49" charset="0"/>
+              </a:rPr>
+            </a:br>
+            <a:r>
+              <a:rPr lang="en-US" sz="2200" dirty="0" smtClean="0">
+                <a:latin typeface="Courier New" panose="02070309020205020404" pitchFamily="49" charset="0"/>
+                <a:cs typeface="Courier New" panose="02070309020205020404" pitchFamily="49" charset="0"/>
+              </a:rPr>
+              <a:t>         return </a:t>
+            </a:r>
+            <a:r>
+              <a:rPr lang="en-US" sz="2200" dirty="0">
+                <a:latin typeface="Courier New" panose="02070309020205020404" pitchFamily="49" charset="0"/>
+                <a:cs typeface="Courier New" panose="02070309020205020404" pitchFamily="49" charset="0"/>
+              </a:rPr>
+              <a:t>new</a:t>
+            </a:r>
+            <a:r>
+              <a:rPr lang="en-US" sz="2200" dirty="0" smtClean="0">
+                <a:latin typeface="Courier New" panose="02070309020205020404" pitchFamily="49" charset="0"/>
+                <a:cs typeface="Courier New" panose="02070309020205020404" pitchFamily="49" charset="0"/>
+              </a:rPr>
+              <a:t>;           </a:t>
+            </a:r>
+            <a:r>
+              <a:rPr lang="en-US" sz="2200" dirty="0" smtClean="0">
+                <a:latin typeface="Bodoni MT" panose="02070603080606020203" pitchFamily="18" charset="0"/>
+                <a:cs typeface="Courier New" panose="02070309020205020404" pitchFamily="49" charset="0"/>
+              </a:rPr>
+              <a:t>// and return the new bead</a:t>
+            </a:r>
+            <a:r>
+              <a:rPr lang="en-US" sz="2200" dirty="0" smtClean="0">
+                <a:latin typeface="Courier New" panose="02070309020205020404" pitchFamily="49" charset="0"/>
+                <a:cs typeface="Courier New" panose="02070309020205020404" pitchFamily="49" charset="0"/>
+              </a:rPr>
+              <a:t/>
+            </a:r>
+            <a:br>
+              <a:rPr lang="en-US" sz="2200" dirty="0" smtClean="0">
+                <a:latin typeface="Courier New" panose="02070309020205020404" pitchFamily="49" charset="0"/>
+                <a:cs typeface="Courier New" panose="02070309020205020404" pitchFamily="49" charset="0"/>
+              </a:rPr>
+            </a:br>
+            <a:r>
+              <a:rPr lang="en-US" sz="2200" dirty="0" smtClean="0">
+                <a:latin typeface="Courier New" panose="02070309020205020404" pitchFamily="49" charset="0"/>
+                <a:cs typeface="Courier New" panose="02070309020205020404" pitchFamily="49" charset="0"/>
+              </a:rPr>
+              <a:t>   }</a:t>
+            </a:r>
+            <a:endParaRPr lang="en-US" sz="2200" dirty="0">
               <a:latin typeface="Courier New" panose="02070309020205020404" pitchFamily="49" charset="0"/>
               <a:cs typeface="Courier New" panose="02070309020205020404" pitchFamily="49" charset="0"/>
             </a:endParaRPr>
@@ -16702,630 +17146,112 @@
               <a:buNone/>
             </a:pPr>
             <a:r>
-              <a:rPr lang="en-US" sz="2000" dirty="0" smtClean="0">
-                <a:latin typeface="Courier New" panose="02070309020205020404" pitchFamily="49" charset="0"/>
-                <a:cs typeface="Courier New" panose="02070309020205020404" pitchFamily="49" charset="0"/>
-              </a:rPr>
-              <a:t>   </a:t>
-            </a:r>
-            <a:r>
-              <a:rPr lang="en-US" sz="2000" dirty="0" err="1" smtClean="0">
-                <a:latin typeface="Courier New" panose="02070309020205020404" pitchFamily="49" charset="0"/>
-                <a:cs typeface="Courier New" panose="02070309020205020404" pitchFamily="49" charset="0"/>
-              </a:rPr>
-              <a:t>struct</a:t>
-            </a:r>
-            <a:r>
-              <a:rPr lang="en-US" sz="2000" dirty="0" smtClean="0">
-                <a:latin typeface="Courier New" panose="02070309020205020404" pitchFamily="49" charset="0"/>
-                <a:cs typeface="Courier New" panose="02070309020205020404" pitchFamily="49" charset="0"/>
-              </a:rPr>
-              <a:t> </a:t>
-            </a:r>
-            <a:r>
-              <a:rPr lang="en-US" sz="2000" dirty="0">
-                <a:latin typeface="Courier New" panose="02070309020205020404" pitchFamily="49" charset="0"/>
-                <a:cs typeface="Courier New" panose="02070309020205020404" pitchFamily="49" charset="0"/>
-              </a:rPr>
-              <a:t>node * l, * p</a:t>
-            </a:r>
-            <a:r>
-              <a:rPr lang="en-US" sz="2000" dirty="0" smtClean="0">
-                <a:latin typeface="Courier New" panose="02070309020205020404" pitchFamily="49" charset="0"/>
-                <a:cs typeface="Courier New" panose="02070309020205020404" pitchFamily="49" charset="0"/>
-              </a:rPr>
-              <a:t>;    </a:t>
-            </a:r>
-            <a:r>
-              <a:rPr lang="en-US" sz="2000" dirty="0">
-                <a:latin typeface="Courier New" panose="02070309020205020404" pitchFamily="49" charset="0"/>
-                <a:cs typeface="Courier New" panose="02070309020205020404" pitchFamily="49" charset="0"/>
-              </a:rPr>
-              <a:t>	</a:t>
-            </a:r>
-            <a:r>
-              <a:rPr lang="en-US" sz="2000" dirty="0" smtClean="0">
+              <a:rPr lang="en-US" sz="2200" dirty="0" smtClean="0">
+                <a:latin typeface="Courier New" panose="02070309020205020404" pitchFamily="49" charset="0"/>
+                <a:cs typeface="Courier New" panose="02070309020205020404" pitchFamily="49" charset="0"/>
+              </a:rPr>
+              <a:t>   new-</a:t>
+            </a:r>
+            <a:r>
+              <a:rPr lang="en-US" sz="2200" dirty="0">
+                <a:latin typeface="Courier New" panose="02070309020205020404" pitchFamily="49" charset="0"/>
+                <a:cs typeface="Courier New" panose="02070309020205020404" pitchFamily="49" charset="0"/>
+              </a:rPr>
+              <a:t>&gt;</a:t>
+            </a:r>
+            <a:r>
+              <a:rPr lang="en-US" sz="2200" dirty="0" smtClean="0">
+                <a:latin typeface="Courier New" panose="02070309020205020404" pitchFamily="49" charset="0"/>
+                <a:cs typeface="Courier New" panose="02070309020205020404" pitchFamily="49" charset="0"/>
+              </a:rPr>
+              <a:t>next=l;          </a:t>
+            </a:r>
+            <a:r>
+              <a:rPr lang="en-US" sz="2200" dirty="0" smtClean="0">
+                <a:latin typeface="Bodoni MT" panose="02070603080606020203" pitchFamily="18" charset="0"/>
+                <a:cs typeface="Courier New" panose="02070309020205020404" pitchFamily="49" charset="0"/>
+              </a:rPr>
+              <a:t> // now insert between p and l</a:t>
+            </a:r>
+            <a:r>
+              <a:rPr lang="en-US" sz="2200" dirty="0" smtClean="0">
                 <a:latin typeface="Courier New" panose="02070309020205020404" pitchFamily="49" charset="0"/>
                 <a:cs typeface="Courier New" panose="02070309020205020404" pitchFamily="49" charset="0"/>
               </a:rPr>
               <a:t/>
             </a:r>
             <a:br>
-              <a:rPr lang="en-US" sz="2000" dirty="0" smtClean="0">
+              <a:rPr lang="en-US" sz="2200" dirty="0" smtClean="0">
                 <a:latin typeface="Courier New" panose="02070309020205020404" pitchFamily="49" charset="0"/>
                 <a:cs typeface="Courier New" panose="02070309020205020404" pitchFamily="49" charset="0"/>
               </a:rPr>
             </a:br>
             <a:r>
-              <a:rPr lang="en-US" sz="2000" dirty="0" smtClean="0">
-                <a:latin typeface="Courier New" panose="02070309020205020404" pitchFamily="49" charset="0"/>
-                <a:cs typeface="Courier New" panose="02070309020205020404" pitchFamily="49" charset="0"/>
-              </a:rPr>
-              <a:t>   </a:t>
-            </a:r>
-            <a:r>
-              <a:rPr lang="en-US" sz="2000" dirty="0" err="1" smtClean="0">
-                <a:latin typeface="Courier New" panose="02070309020205020404" pitchFamily="49" charset="0"/>
-                <a:cs typeface="Courier New" panose="02070309020205020404" pitchFamily="49" charset="0"/>
-              </a:rPr>
-              <a:t>int</a:t>
-            </a:r>
-            <a:r>
-              <a:rPr lang="en-US" sz="2000" dirty="0" smtClean="0">
-                <a:latin typeface="Courier New" panose="02070309020205020404" pitchFamily="49" charset="0"/>
-                <a:cs typeface="Courier New" panose="02070309020205020404" pitchFamily="49" charset="0"/>
-              </a:rPr>
-              <a:t> </a:t>
-            </a:r>
-            <a:r>
-              <a:rPr lang="en-US" sz="2000" dirty="0" err="1">
-                <a:latin typeface="Courier New" panose="02070309020205020404" pitchFamily="49" charset="0"/>
-                <a:cs typeface="Courier New" panose="02070309020205020404" pitchFamily="49" charset="0"/>
-              </a:rPr>
-              <a:t>i</a:t>
-            </a:r>
-            <a:r>
-              <a:rPr lang="en-US" sz="2000" dirty="0">
-                <a:latin typeface="Courier New" panose="02070309020205020404" pitchFamily="49" charset="0"/>
-                <a:cs typeface="Courier New" panose="02070309020205020404" pitchFamily="49" charset="0"/>
-              </a:rPr>
-              <a:t>; </a:t>
-            </a:r>
-            <a:r>
-              <a:rPr lang="en-US" sz="2000" dirty="0" smtClean="0">
-                <a:latin typeface="Courier New" panose="02070309020205020404" pitchFamily="49" charset="0"/>
-                <a:cs typeface="Courier New" panose="02070309020205020404" pitchFamily="49" charset="0"/>
-              </a:rPr>
-              <a:t>  </a:t>
-            </a:r>
-            <a:r>
-              <a:rPr lang="en-US" sz="2000" dirty="0" smtClean="0">
+              <a:rPr lang="en-US" sz="2200" dirty="0" smtClean="0">
+                <a:latin typeface="Courier New" panose="02070309020205020404" pitchFamily="49" charset="0"/>
+                <a:cs typeface="Courier New" panose="02070309020205020404" pitchFamily="49" charset="0"/>
+              </a:rPr>
+              <a:t>   p-</a:t>
+            </a:r>
+            <a:r>
+              <a:rPr lang="en-US" sz="2200" dirty="0">
+                <a:latin typeface="Courier New" panose="02070309020205020404" pitchFamily="49" charset="0"/>
+                <a:cs typeface="Courier New" panose="02070309020205020404" pitchFamily="49" charset="0"/>
+              </a:rPr>
+              <a:t>&gt;next=new</a:t>
+            </a:r>
+            <a:r>
+              <a:rPr lang="en-US" sz="2200" dirty="0" smtClean="0">
+                <a:latin typeface="Courier New" panose="02070309020205020404" pitchFamily="49" charset="0"/>
+                <a:cs typeface="Courier New" panose="02070309020205020404" pitchFamily="49" charset="0"/>
+              </a:rPr>
+              <a:t>;</a:t>
+            </a:r>
+            <a:br>
+              <a:rPr lang="en-US" sz="2200" dirty="0" smtClean="0">
+                <a:latin typeface="Courier New" panose="02070309020205020404" pitchFamily="49" charset="0"/>
+                <a:cs typeface="Courier New" panose="02070309020205020404" pitchFamily="49" charset="0"/>
+              </a:rPr>
+            </a:br>
+            <a:r>
+              <a:rPr lang="en-US" sz="2200" dirty="0" smtClean="0">
+                <a:latin typeface="Courier New" panose="02070309020205020404" pitchFamily="49" charset="0"/>
+                <a:cs typeface="Courier New" panose="02070309020205020404" pitchFamily="49" charset="0"/>
+              </a:rPr>
+              <a:t>   return </a:t>
+            </a:r>
+            <a:r>
+              <a:rPr lang="en-US" sz="2200" dirty="0">
+                <a:latin typeface="Courier New" panose="02070309020205020404" pitchFamily="49" charset="0"/>
+                <a:cs typeface="Courier New" panose="02070309020205020404" pitchFamily="49" charset="0"/>
+              </a:rPr>
+              <a:t>head</a:t>
+            </a:r>
+            <a:r>
+              <a:rPr lang="en-US" sz="2200" dirty="0" smtClean="0">
+                <a:latin typeface="Courier New" panose="02070309020205020404" pitchFamily="49" charset="0"/>
+                <a:cs typeface="Courier New" panose="02070309020205020404" pitchFamily="49" charset="0"/>
+              </a:rPr>
+              <a:t>;                </a:t>
+            </a:r>
+            <a:r>
+              <a:rPr lang="en-US" sz="2200" dirty="0" smtClean="0">
                 <a:latin typeface="Bodoni MT" panose="02070603080606020203" pitchFamily="18" charset="0"/>
                 <a:cs typeface="Courier New" panose="02070309020205020404" pitchFamily="49" charset="0"/>
               </a:rPr>
-              <a:t>// </a:t>
-            </a:r>
-            <a:r>
-              <a:rPr lang="en-US" sz="2000" dirty="0" err="1">
-                <a:latin typeface="Bodoni MT" panose="02070603080606020203" pitchFamily="18" charset="0"/>
-                <a:cs typeface="Courier New" panose="02070309020205020404" pitchFamily="49" charset="0"/>
-              </a:rPr>
-              <a:t>i</a:t>
-            </a:r>
-            <a:r>
-              <a:rPr lang="en-US" sz="2000" dirty="0">
-                <a:latin typeface="Bodoni MT" panose="02070603080606020203" pitchFamily="18" charset="0"/>
-                <a:cs typeface="Courier New" panose="02070309020205020404" pitchFamily="49" charset="0"/>
-              </a:rPr>
-              <a:t> is the position of l</a:t>
-            </a:r>
+              <a:t>// and return the old head</a:t>
+            </a:r>
+            <a:endParaRPr lang="en-US" sz="2200" dirty="0">
+              <a:latin typeface="Bodoni MT" panose="02070603080606020203" pitchFamily="18" charset="0"/>
+              <a:cs typeface="Courier New" panose="02070309020205020404" pitchFamily="49" charset="0"/>
+            </a:endParaRPr>
           </a:p>
           <a:p>
             <a:pPr marL="0" indent="0">
               <a:buNone/>
             </a:pPr>
             <a:r>
-              <a:rPr lang="en-US" sz="2000" dirty="0" smtClean="0">
-                <a:latin typeface="Courier New" panose="02070309020205020404" pitchFamily="49" charset="0"/>
-                <a:cs typeface="Courier New" panose="02070309020205020404" pitchFamily="49" charset="0"/>
-              </a:rPr>
-              <a:t>   </a:t>
-            </a:r>
-            <a:r>
-              <a:rPr lang="en-US" sz="2000" dirty="0" smtClean="0">
-                <a:latin typeface="Courier New" panose="02070309020205020404" pitchFamily="49" charset="0"/>
-                <a:cs typeface="Courier New" panose="02070309020205020404" pitchFamily="49" charset="0"/>
-              </a:rPr>
-              <a:t>      </a:t>
-            </a:r>
-            <a:r>
-              <a:rPr lang="en-US" sz="2000" dirty="0" smtClean="0">
-                <a:latin typeface="Bodoni MT" panose="02070603080606020203" pitchFamily="18" charset="0"/>
-                <a:cs typeface="Courier New" panose="02070309020205020404" pitchFamily="49" charset="0"/>
-              </a:rPr>
-              <a:t>// </a:t>
-            </a:r>
-            <a:r>
-              <a:rPr lang="en-US" sz="2000" dirty="0" smtClean="0">
-                <a:latin typeface="Bodoni MT" panose="02070603080606020203" pitchFamily="18" charset="0"/>
-                <a:cs typeface="Courier New" panose="02070309020205020404" pitchFamily="49" charset="0"/>
-              </a:rPr>
-              <a:t>@loop traverse the list looking for position</a:t>
-            </a:r>
-            <a:r>
-              <a:rPr lang="en-US" sz="2000" dirty="0" smtClean="0">
-                <a:latin typeface="Courier New" panose="02070309020205020404" pitchFamily="49" charset="0"/>
-                <a:cs typeface="Courier New" panose="02070309020205020404" pitchFamily="49" charset="0"/>
-              </a:rPr>
-              <a:t/>
-            </a:r>
-            <a:br>
-              <a:rPr lang="en-US" sz="2000" dirty="0" smtClean="0">
-                <a:latin typeface="Courier New" panose="02070309020205020404" pitchFamily="49" charset="0"/>
-                <a:cs typeface="Courier New" panose="02070309020205020404" pitchFamily="49" charset="0"/>
-              </a:rPr>
-            </a:br>
-            <a:r>
-              <a:rPr lang="en-US" sz="2000" dirty="0" smtClean="0">
-                <a:latin typeface="Courier New" panose="02070309020205020404" pitchFamily="49" charset="0"/>
-                <a:cs typeface="Courier New" panose="02070309020205020404" pitchFamily="49" charset="0"/>
-              </a:rPr>
-              <a:t>   for(l=head</a:t>
-            </a:r>
-            <a:r>
-              <a:rPr lang="en-US" sz="2000" dirty="0">
-                <a:latin typeface="Courier New" panose="02070309020205020404" pitchFamily="49" charset="0"/>
-                <a:cs typeface="Courier New" panose="02070309020205020404" pitchFamily="49" charset="0"/>
-              </a:rPr>
-              <a:t>, p=NULL, </a:t>
-            </a:r>
-            <a:r>
-              <a:rPr lang="en-US" sz="2000" dirty="0" err="1">
-                <a:latin typeface="Courier New" panose="02070309020205020404" pitchFamily="49" charset="0"/>
-                <a:cs typeface="Courier New" panose="02070309020205020404" pitchFamily="49" charset="0"/>
-              </a:rPr>
-              <a:t>i</a:t>
-            </a:r>
-            <a:r>
-              <a:rPr lang="en-US" sz="2000" dirty="0">
-                <a:latin typeface="Courier New" panose="02070309020205020404" pitchFamily="49" charset="0"/>
-                <a:cs typeface="Courier New" panose="02070309020205020404" pitchFamily="49" charset="0"/>
-              </a:rPr>
-              <a:t>=0; l!= NULL &amp;&amp; </a:t>
-            </a:r>
-            <a:r>
-              <a:rPr lang="en-US" sz="2000" dirty="0" err="1">
-                <a:latin typeface="Courier New" panose="02070309020205020404" pitchFamily="49" charset="0"/>
-                <a:cs typeface="Courier New" panose="02070309020205020404" pitchFamily="49" charset="0"/>
-              </a:rPr>
-              <a:t>i</a:t>
-            </a:r>
-            <a:r>
-              <a:rPr lang="en-US" sz="2000" dirty="0">
-                <a:latin typeface="Courier New" panose="02070309020205020404" pitchFamily="49" charset="0"/>
-                <a:cs typeface="Courier New" panose="02070309020205020404" pitchFamily="49" charset="0"/>
-              </a:rPr>
-              <a:t> &lt; </a:t>
-            </a:r>
-            <a:r>
-              <a:rPr lang="en-US" sz="2000" dirty="0" err="1">
-                <a:latin typeface="Courier New" panose="02070309020205020404" pitchFamily="49" charset="0"/>
-                <a:cs typeface="Courier New" panose="02070309020205020404" pitchFamily="49" charset="0"/>
-              </a:rPr>
-              <a:t>pos</a:t>
-            </a:r>
-            <a:r>
-              <a:rPr lang="en-US" sz="2000" dirty="0">
-                <a:latin typeface="Courier New" panose="02070309020205020404" pitchFamily="49" charset="0"/>
-                <a:cs typeface="Courier New" panose="02070309020205020404" pitchFamily="49" charset="0"/>
-              </a:rPr>
-              <a:t> ; l=l-&gt;next, </a:t>
-            </a:r>
-            <a:r>
-              <a:rPr lang="en-US" sz="2000" dirty="0" err="1">
-                <a:latin typeface="Courier New" panose="02070309020205020404" pitchFamily="49" charset="0"/>
-                <a:cs typeface="Courier New" panose="02070309020205020404" pitchFamily="49" charset="0"/>
-              </a:rPr>
-              <a:t>i</a:t>
-            </a:r>
-            <a:r>
-              <a:rPr lang="en-US" sz="2000" dirty="0" smtClean="0">
-                <a:latin typeface="Courier New" panose="02070309020205020404" pitchFamily="49" charset="0"/>
-                <a:cs typeface="Courier New" panose="02070309020205020404" pitchFamily="49" charset="0"/>
-              </a:rPr>
-              <a:t>++)</a:t>
-            </a:r>
-            <a:br>
-              <a:rPr lang="en-US" sz="2000" dirty="0" smtClean="0">
-                <a:latin typeface="Courier New" panose="02070309020205020404" pitchFamily="49" charset="0"/>
-                <a:cs typeface="Courier New" panose="02070309020205020404" pitchFamily="49" charset="0"/>
-              </a:rPr>
-            </a:br>
-            <a:r>
-              <a:rPr lang="en-US" sz="2000" dirty="0" smtClean="0">
-                <a:latin typeface="Courier New" panose="02070309020205020404" pitchFamily="49" charset="0"/>
-                <a:cs typeface="Courier New" panose="02070309020205020404" pitchFamily="49" charset="0"/>
-              </a:rPr>
-              <a:t>         p=l;</a:t>
-            </a:r>
-            <a:endParaRPr lang="en-US" sz="2000" dirty="0">
-              <a:latin typeface="Courier New" panose="02070309020205020404" pitchFamily="49" charset="0"/>
-              <a:cs typeface="Courier New" panose="02070309020205020404" pitchFamily="49" charset="0"/>
-            </a:endParaRPr>
-          </a:p>
-          <a:p>
-            <a:pPr marL="0" indent="0">
-              <a:buNone/>
-            </a:pPr>
-            <a:r>
-              <a:rPr lang="en-US" sz="2000" dirty="0" smtClean="0">
-                <a:latin typeface="Courier New" panose="02070309020205020404" pitchFamily="49" charset="0"/>
-                <a:cs typeface="Courier New" panose="02070309020205020404" pitchFamily="49" charset="0"/>
-              </a:rPr>
-              <a:t>   </a:t>
-            </a:r>
-            <a:r>
-              <a:rPr lang="en-US" sz="2000" dirty="0" smtClean="0">
-                <a:latin typeface="Courier New" panose="02070309020205020404" pitchFamily="49" charset="0"/>
-                <a:cs typeface="Courier New" panose="02070309020205020404" pitchFamily="49" charset="0"/>
-              </a:rPr>
-              <a:t>if </a:t>
-            </a:r>
-            <a:r>
-              <a:rPr lang="en-US" sz="2000" dirty="0">
-                <a:latin typeface="Courier New" panose="02070309020205020404" pitchFamily="49" charset="0"/>
-                <a:cs typeface="Courier New" panose="02070309020205020404" pitchFamily="49" charset="0"/>
-              </a:rPr>
-              <a:t>( p == NULL ) </a:t>
-            </a:r>
-            <a:r>
-              <a:rPr lang="en-US" sz="2000" dirty="0" smtClean="0">
-                <a:latin typeface="Courier New" panose="02070309020205020404" pitchFamily="49" charset="0"/>
-                <a:cs typeface="Courier New" panose="02070309020205020404" pitchFamily="49" charset="0"/>
-              </a:rPr>
-              <a:t>{  </a:t>
-            </a:r>
-            <a:r>
-              <a:rPr lang="en-US" sz="2000" dirty="0" smtClean="0">
-                <a:latin typeface="Bodoni MT" panose="02070603080606020203" pitchFamily="18" charset="0"/>
-                <a:cs typeface="Courier New" panose="02070309020205020404" pitchFamily="49" charset="0"/>
-              </a:rPr>
-              <a:t>// delete beginning element if it exists: empty list or just one element case</a:t>
-            </a:r>
-            <a:r>
-              <a:rPr lang="en-US" sz="2000" dirty="0" smtClean="0">
-                <a:latin typeface="Courier New" panose="02070309020205020404" pitchFamily="49" charset="0"/>
-                <a:cs typeface="Courier New" panose="02070309020205020404" pitchFamily="49" charset="0"/>
-              </a:rPr>
-              <a:t/>
-            </a:r>
-            <a:br>
-              <a:rPr lang="en-US" sz="2000" dirty="0" smtClean="0">
-                <a:latin typeface="Courier New" panose="02070309020205020404" pitchFamily="49" charset="0"/>
-                <a:cs typeface="Courier New" panose="02070309020205020404" pitchFamily="49" charset="0"/>
-              </a:rPr>
-            </a:br>
-            <a:r>
-              <a:rPr lang="en-US" sz="2000" dirty="0" smtClean="0">
-                <a:latin typeface="Courier New" panose="02070309020205020404" pitchFamily="49" charset="0"/>
-                <a:cs typeface="Courier New" panose="02070309020205020404" pitchFamily="49" charset="0"/>
-              </a:rPr>
-              <a:t>   </a:t>
-            </a:r>
-            <a:r>
-              <a:rPr lang="en-US" sz="2000" dirty="0" smtClean="0">
-                <a:latin typeface="Courier New" panose="02070309020205020404" pitchFamily="49" charset="0"/>
-                <a:cs typeface="Courier New" panose="02070309020205020404" pitchFamily="49" charset="0"/>
-              </a:rPr>
-              <a:t>      </a:t>
-            </a:r>
-            <a:r>
-              <a:rPr lang="en-US" sz="2000" dirty="0" smtClean="0">
-                <a:latin typeface="Courier New" panose="02070309020205020404" pitchFamily="49" charset="0"/>
-                <a:cs typeface="Courier New" panose="02070309020205020404" pitchFamily="49" charset="0"/>
-              </a:rPr>
-              <a:t>head = head ? </a:t>
-            </a:r>
-            <a:r>
-              <a:rPr lang="en-US" sz="2000" dirty="0" smtClean="0">
-                <a:latin typeface="Courier New" panose="02070309020205020404" pitchFamily="49" charset="0"/>
-                <a:cs typeface="Courier New" panose="02070309020205020404" pitchFamily="49" charset="0"/>
-              </a:rPr>
-              <a:t>head-</a:t>
-            </a:r>
-            <a:r>
-              <a:rPr lang="en-US" sz="2000" dirty="0" smtClean="0">
-                <a:latin typeface="Courier New" panose="02070309020205020404" pitchFamily="49" charset="0"/>
-                <a:cs typeface="Courier New" panose="02070309020205020404" pitchFamily="49" charset="0"/>
-              </a:rPr>
-              <a:t>&gt;</a:t>
-            </a:r>
-            <a:r>
-              <a:rPr lang="en-US" sz="2000" dirty="0" smtClean="0">
-                <a:latin typeface="Courier New" panose="02070309020205020404" pitchFamily="49" charset="0"/>
-                <a:cs typeface="Courier New" panose="02070309020205020404" pitchFamily="49" charset="0"/>
-              </a:rPr>
-              <a:t>next: NULL;</a:t>
-            </a:r>
-            <a:r>
-              <a:rPr lang="en-US" sz="2000" dirty="0" smtClean="0">
-                <a:latin typeface="Courier New" panose="02070309020205020404" pitchFamily="49" charset="0"/>
-                <a:cs typeface="Courier New" panose="02070309020205020404" pitchFamily="49" charset="0"/>
-              </a:rPr>
-              <a:t/>
-            </a:r>
-            <a:br>
-              <a:rPr lang="en-US" sz="2000" dirty="0" smtClean="0">
-                <a:latin typeface="Courier New" panose="02070309020205020404" pitchFamily="49" charset="0"/>
-                <a:cs typeface="Courier New" panose="02070309020205020404" pitchFamily="49" charset="0"/>
-              </a:rPr>
-            </a:br>
-            <a:r>
-              <a:rPr lang="en-US" sz="2000" dirty="0" smtClean="0">
-                <a:latin typeface="Courier New" panose="02070309020205020404" pitchFamily="49" charset="0"/>
-                <a:cs typeface="Courier New" panose="02070309020205020404" pitchFamily="49" charset="0"/>
-              </a:rPr>
-              <a:t>   </a:t>
-            </a:r>
-            <a:r>
-              <a:rPr lang="en-US" sz="2000" dirty="0" smtClean="0">
-                <a:latin typeface="Courier New" panose="02070309020205020404" pitchFamily="49" charset="0"/>
-                <a:cs typeface="Courier New" panose="02070309020205020404" pitchFamily="49" charset="0"/>
-              </a:rPr>
-              <a:t>      </a:t>
-            </a:r>
-            <a:r>
-              <a:rPr lang="en-US" sz="2000" dirty="0" smtClean="0">
-                <a:latin typeface="Courier New" panose="02070309020205020404" pitchFamily="49" charset="0"/>
-                <a:cs typeface="Courier New" panose="02070309020205020404" pitchFamily="49" charset="0"/>
-              </a:rPr>
-              <a:t>if ( l ) free (l); </a:t>
-            </a:r>
-            <a:br>
-              <a:rPr lang="en-US" sz="2000" dirty="0" smtClean="0">
-                <a:latin typeface="Courier New" panose="02070309020205020404" pitchFamily="49" charset="0"/>
-                <a:cs typeface="Courier New" panose="02070309020205020404" pitchFamily="49" charset="0"/>
-              </a:rPr>
-            </a:br>
-            <a:r>
-              <a:rPr lang="en-US" sz="2000" dirty="0" smtClean="0">
-                <a:latin typeface="Courier New" panose="02070309020205020404" pitchFamily="49" charset="0"/>
-                <a:cs typeface="Courier New" panose="02070309020205020404" pitchFamily="49" charset="0"/>
-              </a:rPr>
-              <a:t>   </a:t>
-            </a:r>
-            <a:r>
-              <a:rPr lang="en-US" sz="2000" dirty="0" smtClean="0">
-                <a:latin typeface="Courier New" panose="02070309020205020404" pitchFamily="49" charset="0"/>
-                <a:cs typeface="Courier New" panose="02070309020205020404" pitchFamily="49" charset="0"/>
-              </a:rPr>
-              <a:t>      </a:t>
-            </a:r>
-            <a:r>
-              <a:rPr lang="en-US" sz="2000" dirty="0" smtClean="0">
-                <a:latin typeface="Courier New" panose="02070309020205020404" pitchFamily="49" charset="0"/>
-                <a:cs typeface="Courier New" panose="02070309020205020404" pitchFamily="49" charset="0"/>
-              </a:rPr>
-              <a:t>return head</a:t>
-            </a:r>
-            <a:r>
-              <a:rPr lang="en-US" sz="2000" dirty="0" smtClean="0">
-                <a:latin typeface="Courier New" panose="02070309020205020404" pitchFamily="49" charset="0"/>
-                <a:cs typeface="Courier New" panose="02070309020205020404" pitchFamily="49" charset="0"/>
-              </a:rPr>
-              <a:t>;     </a:t>
-            </a:r>
-            <a:r>
-              <a:rPr lang="en-US" sz="2000" dirty="0" smtClean="0">
-                <a:latin typeface="Bodoni MT" panose="02070603080606020203" pitchFamily="18" charset="0"/>
-                <a:cs typeface="Courier New" panose="02070309020205020404" pitchFamily="49" charset="0"/>
-              </a:rPr>
-              <a:t>// we’ll return a new head</a:t>
-            </a:r>
-            <a:r>
-              <a:rPr lang="en-US" sz="2000" dirty="0" smtClean="0">
-                <a:latin typeface="Courier New" panose="02070309020205020404" pitchFamily="49" charset="0"/>
-                <a:cs typeface="Courier New" panose="02070309020205020404" pitchFamily="49" charset="0"/>
-              </a:rPr>
-              <a:t/>
-            </a:r>
-            <a:br>
-              <a:rPr lang="en-US" sz="2000" dirty="0" smtClean="0">
-                <a:latin typeface="Courier New" panose="02070309020205020404" pitchFamily="49" charset="0"/>
-                <a:cs typeface="Courier New" panose="02070309020205020404" pitchFamily="49" charset="0"/>
-              </a:rPr>
-            </a:br>
-            <a:r>
-              <a:rPr lang="en-US" sz="2000" dirty="0" smtClean="0">
-                <a:latin typeface="Courier New" panose="02070309020205020404" pitchFamily="49" charset="0"/>
-                <a:cs typeface="Courier New" panose="02070309020205020404" pitchFamily="49" charset="0"/>
-              </a:rPr>
-              <a:t>   </a:t>
-            </a:r>
-            <a:r>
-              <a:rPr lang="en-US" sz="2000" dirty="0" smtClean="0">
-                <a:latin typeface="Courier New" panose="02070309020205020404" pitchFamily="49" charset="0"/>
-                <a:cs typeface="Courier New" panose="02070309020205020404" pitchFamily="49" charset="0"/>
-              </a:rPr>
-              <a:t>}</a:t>
-            </a:r>
-          </a:p>
-          <a:p>
-            <a:pPr marL="0" indent="0">
-              <a:buNone/>
-            </a:pPr>
-            <a:r>
-              <a:rPr lang="en-US" sz="2000" dirty="0">
-                <a:latin typeface="Courier New" panose="02070309020205020404" pitchFamily="49" charset="0"/>
-                <a:cs typeface="Courier New" panose="02070309020205020404" pitchFamily="49" charset="0"/>
-              </a:rPr>
-              <a:t> </a:t>
-            </a:r>
-            <a:r>
-              <a:rPr lang="en-US" sz="2000" dirty="0" smtClean="0">
-                <a:latin typeface="Courier New" panose="02070309020205020404" pitchFamily="49" charset="0"/>
-                <a:cs typeface="Courier New" panose="02070309020205020404" pitchFamily="49" charset="0"/>
-              </a:rPr>
-              <a:t>      </a:t>
-            </a:r>
-            <a:r>
-              <a:rPr lang="en-US" sz="2000" dirty="0" smtClean="0">
-                <a:latin typeface="Bodoni MT" panose="02070603080606020203" pitchFamily="18" charset="0"/>
-                <a:cs typeface="Courier New" panose="02070309020205020404" pitchFamily="49" charset="0"/>
-              </a:rPr>
-              <a:t>// Now l  points to the node to delete</a:t>
-            </a:r>
-            <a:endParaRPr lang="en-US" sz="2000" dirty="0">
-              <a:latin typeface="Bodoni MT" panose="02070603080606020203" pitchFamily="18" charset="0"/>
-              <a:cs typeface="Courier New" panose="02070309020205020404" pitchFamily="49" charset="0"/>
-            </a:endParaRPr>
-          </a:p>
-          <a:p>
-            <a:pPr marL="0" indent="0">
-              <a:buNone/>
-            </a:pPr>
-            <a:r>
-              <a:rPr lang="en-US" sz="2000" dirty="0" smtClean="0">
-                <a:latin typeface="Courier New" panose="02070309020205020404" pitchFamily="49" charset="0"/>
-                <a:cs typeface="Courier New" panose="02070309020205020404" pitchFamily="49" charset="0"/>
-              </a:rPr>
-              <a:t>   </a:t>
-            </a:r>
-            <a:r>
-              <a:rPr lang="en-US" sz="2000" dirty="0" smtClean="0">
-                <a:latin typeface="Courier New" panose="02070309020205020404" pitchFamily="49" charset="0"/>
-                <a:cs typeface="Courier New" panose="02070309020205020404" pitchFamily="49" charset="0"/>
-              </a:rPr>
-              <a:t>p-</a:t>
-            </a:r>
-            <a:r>
-              <a:rPr lang="en-US" sz="2000" dirty="0" smtClean="0">
-                <a:latin typeface="Courier New" panose="02070309020205020404" pitchFamily="49" charset="0"/>
-                <a:cs typeface="Courier New" panose="02070309020205020404" pitchFamily="49" charset="0"/>
-              </a:rPr>
-              <a:t>&gt;next= l ? l-&gt;next: NULL</a:t>
-            </a:r>
-            <a:r>
-              <a:rPr lang="en-US" sz="2000" dirty="0" smtClean="0">
-                <a:latin typeface="Courier New" panose="02070309020205020404" pitchFamily="49" charset="0"/>
-                <a:cs typeface="Courier New" panose="02070309020205020404" pitchFamily="49" charset="0"/>
-              </a:rPr>
-              <a:t>;    </a:t>
-            </a:r>
-            <a:r>
-              <a:rPr lang="en-US" sz="2000" dirty="0" smtClean="0">
-                <a:latin typeface="Bodoni MT" panose="02070603080606020203" pitchFamily="18" charset="0"/>
-                <a:cs typeface="Courier New" panose="02070309020205020404" pitchFamily="49" charset="0"/>
-              </a:rPr>
-              <a:t>// check if l is not NULL</a:t>
-            </a:r>
-            <a:r>
-              <a:rPr lang="en-US" sz="2000" dirty="0" smtClean="0">
-                <a:latin typeface="Courier New" panose="02070309020205020404" pitchFamily="49" charset="0"/>
-                <a:cs typeface="Courier New" panose="02070309020205020404" pitchFamily="49" charset="0"/>
-              </a:rPr>
-              <a:t/>
-            </a:r>
-            <a:br>
-              <a:rPr lang="en-US" sz="2000" dirty="0" smtClean="0">
-                <a:latin typeface="Courier New" panose="02070309020205020404" pitchFamily="49" charset="0"/>
-                <a:cs typeface="Courier New" panose="02070309020205020404" pitchFamily="49" charset="0"/>
-              </a:rPr>
-            </a:br>
-            <a:r>
-              <a:rPr lang="en-US" sz="2000" dirty="0" smtClean="0">
-                <a:latin typeface="Courier New" panose="02070309020205020404" pitchFamily="49" charset="0"/>
-                <a:cs typeface="Courier New" panose="02070309020205020404" pitchFamily="49" charset="0"/>
-              </a:rPr>
-              <a:t>   </a:t>
-            </a:r>
-            <a:r>
-              <a:rPr lang="en-US" sz="2000" dirty="0" smtClean="0">
-                <a:latin typeface="Courier New" panose="02070309020205020404" pitchFamily="49" charset="0"/>
-                <a:cs typeface="Courier New" panose="02070309020205020404" pitchFamily="49" charset="0"/>
-              </a:rPr>
-              <a:t>if </a:t>
-            </a:r>
-            <a:r>
-              <a:rPr lang="en-US" sz="2000" dirty="0" smtClean="0">
-                <a:latin typeface="Courier New" panose="02070309020205020404" pitchFamily="49" charset="0"/>
-                <a:cs typeface="Courier New" panose="02070309020205020404" pitchFamily="49" charset="0"/>
-              </a:rPr>
-              <a:t>( l ) free(l</a:t>
-            </a:r>
-            <a:r>
-              <a:rPr lang="en-US" sz="2000" dirty="0" smtClean="0">
-                <a:latin typeface="Courier New" panose="02070309020205020404" pitchFamily="49" charset="0"/>
-                <a:cs typeface="Courier New" panose="02070309020205020404" pitchFamily="49" charset="0"/>
-              </a:rPr>
-              <a:t>); </a:t>
-            </a:r>
-            <a:r>
-              <a:rPr lang="en-US" sz="2000" dirty="0" smtClean="0">
-                <a:latin typeface="Bodoni MT" panose="02070603080606020203" pitchFamily="18" charset="0"/>
-                <a:cs typeface="Courier New" panose="02070309020205020404" pitchFamily="49" charset="0"/>
-              </a:rPr>
-              <a:t>  // since we will no longer use this node in this example</a:t>
-            </a:r>
-            <a:r>
-              <a:rPr lang="en-US" sz="2000" dirty="0" smtClean="0">
-                <a:latin typeface="Courier New" panose="02070309020205020404" pitchFamily="49" charset="0"/>
-                <a:cs typeface="Courier New" panose="02070309020205020404" pitchFamily="49" charset="0"/>
-              </a:rPr>
-              <a:t/>
-            </a:r>
-            <a:br>
-              <a:rPr lang="en-US" sz="2000" dirty="0" smtClean="0">
-                <a:latin typeface="Courier New" panose="02070309020205020404" pitchFamily="49" charset="0"/>
-                <a:cs typeface="Courier New" panose="02070309020205020404" pitchFamily="49" charset="0"/>
-              </a:rPr>
-            </a:br>
-            <a:r>
-              <a:rPr lang="en-US" sz="2000" dirty="0" smtClean="0">
-                <a:latin typeface="Courier New" panose="02070309020205020404" pitchFamily="49" charset="0"/>
-                <a:cs typeface="Courier New" panose="02070309020205020404" pitchFamily="49" charset="0"/>
-              </a:rPr>
-              <a:t>   </a:t>
-            </a:r>
-            <a:r>
-              <a:rPr lang="en-US" sz="2000" dirty="0" smtClean="0">
-                <a:latin typeface="Courier New" panose="02070309020205020404" pitchFamily="49" charset="0"/>
-                <a:cs typeface="Courier New" panose="02070309020205020404" pitchFamily="49" charset="0"/>
-              </a:rPr>
-              <a:t>return </a:t>
-            </a:r>
-            <a:r>
-              <a:rPr lang="en-US" sz="2000" dirty="0">
-                <a:latin typeface="Courier New" panose="02070309020205020404" pitchFamily="49" charset="0"/>
-                <a:cs typeface="Courier New" panose="02070309020205020404" pitchFamily="49" charset="0"/>
-              </a:rPr>
-              <a:t>head</a:t>
-            </a:r>
-            <a:r>
-              <a:rPr lang="en-US" sz="2000" dirty="0" smtClean="0">
-                <a:latin typeface="Courier New" panose="02070309020205020404" pitchFamily="49" charset="0"/>
-                <a:cs typeface="Courier New" panose="02070309020205020404" pitchFamily="49" charset="0"/>
-              </a:rPr>
-              <a:t>;       </a:t>
-            </a:r>
-            <a:r>
-              <a:rPr lang="en-US" sz="2000" dirty="0" smtClean="0">
-                <a:latin typeface="Bodoni MT" panose="02070603080606020203" pitchFamily="18" charset="0"/>
-                <a:cs typeface="Courier New" panose="02070309020205020404" pitchFamily="49" charset="0"/>
-              </a:rPr>
-              <a:t>// …  and return the old head</a:t>
-            </a:r>
-            <a:endParaRPr lang="en-US" sz="2000" dirty="0">
-              <a:latin typeface="Bodoni MT" panose="02070603080606020203" pitchFamily="18" charset="0"/>
-              <a:cs typeface="Courier New" panose="02070309020205020404" pitchFamily="49" charset="0"/>
-            </a:endParaRPr>
-          </a:p>
-          <a:p>
-            <a:pPr marL="0" indent="0">
-              <a:buNone/>
-            </a:pPr>
-            <a:r>
-              <a:rPr lang="en-US" sz="2000" dirty="0">
+              <a:rPr lang="en-US" sz="2200" dirty="0">
                 <a:latin typeface="Courier New" panose="02070309020205020404" pitchFamily="49" charset="0"/>
                 <a:cs typeface="Courier New" panose="02070309020205020404" pitchFamily="49" charset="0"/>
               </a:rPr>
@@ -17337,7 +17263,7 @@
     </p:spTree>
     <p:extLst>
       <p:ext uri="{BB962C8B-B14F-4D97-AF65-F5344CB8AC3E}">
-        <p14:creationId xmlns:p14="http://schemas.microsoft.com/office/powerpoint/2010/main" val="1599455929"/>
+        <p14:creationId xmlns:p14="http://schemas.microsoft.com/office/powerpoint/2010/main" val="1510937364"/>
       </p:ext>
     </p:extLst>
   </p:cSld>

--- a/slides/14-LinkedLists.pptx
+++ b/slides/14-LinkedLists.pptx
@@ -3068,9 +3068,16 @@
             <p:ph type="title"/>
           </p:nvPr>
         </p:nvSpPr>
-        <p:spPr/>
+        <p:spPr>
+          <a:xfrm>
+            <a:off x="838200" y="-28770"/>
+            <a:ext cx="10515600" cy="1325563"/>
+          </a:xfrm>
+        </p:spPr>
         <p:txBody>
-          <a:bodyPr/>
+          <a:bodyPr>
+            <a:normAutofit/>
+          </a:bodyPr>
           <a:lstStyle/>
           <a:p>
             <a:r>
@@ -3093,7 +3100,7 @@
         </p:nvSpPr>
         <p:spPr>
           <a:xfrm>
-            <a:off x="507458" y="1397607"/>
+            <a:off x="507458" y="947440"/>
             <a:ext cx="11684542" cy="5956504"/>
           </a:xfrm>
         </p:spPr>
@@ -3107,83 +3114,83 @@
               <a:buNone/>
             </a:pPr>
             <a:r>
-              <a:rPr lang="en-US" sz="2000" dirty="0" err="1">
+              <a:rPr lang="en-US" sz="2200" dirty="0" err="1">
                 <a:latin typeface="Courier New" panose="02070309020205020404" pitchFamily="49" charset="0"/>
                 <a:cs typeface="Courier New" panose="02070309020205020404" pitchFamily="49" charset="0"/>
               </a:rPr>
               <a:t>struct</a:t>
             </a:r>
             <a:r>
-              <a:rPr lang="en-US" sz="2000" dirty="0">
+              <a:rPr lang="en-US" sz="2200" dirty="0">
                 <a:latin typeface="Courier New" panose="02070309020205020404" pitchFamily="49" charset="0"/>
                 <a:cs typeface="Courier New" panose="02070309020205020404" pitchFamily="49" charset="0"/>
               </a:rPr>
               <a:t> node * </a:t>
             </a:r>
             <a:r>
-              <a:rPr lang="en-US" sz="2000" dirty="0" err="1" smtClean="0">
+              <a:rPr lang="en-US" sz="2200" dirty="0" err="1" smtClean="0">
                 <a:latin typeface="Courier New" panose="02070309020205020404" pitchFamily="49" charset="0"/>
                 <a:cs typeface="Courier New" panose="02070309020205020404" pitchFamily="49" charset="0"/>
               </a:rPr>
               <a:t>node_delete</a:t>
             </a:r>
             <a:r>
-              <a:rPr lang="en-US" sz="2000" dirty="0" smtClean="0">
+              <a:rPr lang="en-US" sz="2200" dirty="0" smtClean="0">
                 <a:latin typeface="Courier New" panose="02070309020205020404" pitchFamily="49" charset="0"/>
                 <a:cs typeface="Courier New" panose="02070309020205020404" pitchFamily="49" charset="0"/>
               </a:rPr>
               <a:t>(</a:t>
             </a:r>
             <a:r>
-              <a:rPr lang="en-US" sz="2000" dirty="0" err="1" smtClean="0">
+              <a:rPr lang="en-US" sz="2200" dirty="0" err="1" smtClean="0">
                 <a:latin typeface="Courier New" panose="02070309020205020404" pitchFamily="49" charset="0"/>
                 <a:cs typeface="Courier New" panose="02070309020205020404" pitchFamily="49" charset="0"/>
               </a:rPr>
               <a:t>struct</a:t>
             </a:r>
             <a:r>
-              <a:rPr lang="en-US" sz="2000" dirty="0" smtClean="0">
+              <a:rPr lang="en-US" sz="2200" dirty="0" smtClean="0">
                 <a:latin typeface="Courier New" panose="02070309020205020404" pitchFamily="49" charset="0"/>
                 <a:cs typeface="Courier New" panose="02070309020205020404" pitchFamily="49" charset="0"/>
               </a:rPr>
               <a:t> </a:t>
             </a:r>
             <a:r>
-              <a:rPr lang="en-US" sz="2000" dirty="0">
+              <a:rPr lang="en-US" sz="2200" dirty="0">
                 <a:latin typeface="Courier New" panose="02070309020205020404" pitchFamily="49" charset="0"/>
                 <a:cs typeface="Courier New" panose="02070309020205020404" pitchFamily="49" charset="0"/>
               </a:rPr>
               <a:t>node * head, </a:t>
             </a:r>
             <a:r>
-              <a:rPr lang="en-US" sz="2000" dirty="0" err="1">
+              <a:rPr lang="en-US" sz="2200" dirty="0" err="1">
                 <a:latin typeface="Courier New" panose="02070309020205020404" pitchFamily="49" charset="0"/>
                 <a:cs typeface="Courier New" panose="02070309020205020404" pitchFamily="49" charset="0"/>
               </a:rPr>
               <a:t>int</a:t>
             </a:r>
             <a:r>
-              <a:rPr lang="en-US" sz="2000" dirty="0">
+              <a:rPr lang="en-US" sz="2200" dirty="0">
                 <a:latin typeface="Courier New" panose="02070309020205020404" pitchFamily="49" charset="0"/>
                 <a:cs typeface="Courier New" panose="02070309020205020404" pitchFamily="49" charset="0"/>
               </a:rPr>
               <a:t> </a:t>
             </a:r>
             <a:r>
-              <a:rPr lang="en-US" sz="2000" dirty="0" err="1" smtClean="0">
+              <a:rPr lang="en-US" sz="2200" dirty="0" err="1" smtClean="0">
                 <a:latin typeface="Courier New" panose="02070309020205020404" pitchFamily="49" charset="0"/>
                 <a:cs typeface="Courier New" panose="02070309020205020404" pitchFamily="49" charset="0"/>
               </a:rPr>
               <a:t>pos</a:t>
             </a:r>
             <a:r>
-              <a:rPr lang="en-US" sz="2000" dirty="0" smtClean="0">
+              <a:rPr lang="en-US" sz="2200" dirty="0" smtClean="0">
                 <a:latin typeface="Courier New" panose="02070309020205020404" pitchFamily="49" charset="0"/>
                 <a:cs typeface="Courier New" panose="02070309020205020404" pitchFamily="49" charset="0"/>
               </a:rPr>
               <a:t>){</a:t>
             </a:r>
-            <a:endParaRPr lang="en-US" sz="2000" dirty="0">
+            <a:endParaRPr lang="en-US" sz="2200" dirty="0">
               <a:latin typeface="Courier New" panose="02070309020205020404" pitchFamily="49" charset="0"/>
               <a:cs typeface="Courier New" panose="02070309020205020404" pitchFamily="49" charset="0"/>
             </a:endParaRPr>
@@ -3193,118 +3200,125 @@
               <a:buNone/>
             </a:pPr>
             <a:r>
-              <a:rPr lang="en-US" sz="2000" dirty="0" smtClean="0">
+              <a:rPr lang="en-US" sz="2200" dirty="0" smtClean="0">
                 <a:latin typeface="Courier New" panose="02070309020205020404" pitchFamily="49" charset="0"/>
                 <a:cs typeface="Courier New" panose="02070309020205020404" pitchFamily="49" charset="0"/>
               </a:rPr>
               <a:t>   </a:t>
             </a:r>
             <a:r>
-              <a:rPr lang="en-US" sz="2000" dirty="0" err="1" smtClean="0">
+              <a:rPr lang="en-US" sz="2200" dirty="0" err="1" smtClean="0">
                 <a:latin typeface="Courier New" panose="02070309020205020404" pitchFamily="49" charset="0"/>
                 <a:cs typeface="Courier New" panose="02070309020205020404" pitchFamily="49" charset="0"/>
               </a:rPr>
               <a:t>struct</a:t>
             </a:r>
             <a:r>
-              <a:rPr lang="en-US" sz="2000" dirty="0" smtClean="0">
+              <a:rPr lang="en-US" sz="2200" dirty="0" smtClean="0">
                 <a:latin typeface="Courier New" panose="02070309020205020404" pitchFamily="49" charset="0"/>
                 <a:cs typeface="Courier New" panose="02070309020205020404" pitchFamily="49" charset="0"/>
               </a:rPr>
               <a:t> </a:t>
             </a:r>
             <a:r>
-              <a:rPr lang="en-US" sz="2000" dirty="0">
+              <a:rPr lang="en-US" sz="2200" dirty="0">
                 <a:latin typeface="Courier New" panose="02070309020205020404" pitchFamily="49" charset="0"/>
                 <a:cs typeface="Courier New" panose="02070309020205020404" pitchFamily="49" charset="0"/>
               </a:rPr>
               <a:t>node * l, * p</a:t>
             </a:r>
             <a:r>
-              <a:rPr lang="en-US" sz="2000" dirty="0" smtClean="0">
-                <a:latin typeface="Courier New" panose="02070309020205020404" pitchFamily="49" charset="0"/>
-                <a:cs typeface="Courier New" panose="02070309020205020404" pitchFamily="49" charset="0"/>
-              </a:rPr>
-              <a:t>;    </a:t>
-            </a:r>
-            <a:r>
-              <a:rPr lang="en-US" sz="2000" dirty="0">
-                <a:latin typeface="Courier New" panose="02070309020205020404" pitchFamily="49" charset="0"/>
-                <a:cs typeface="Courier New" panose="02070309020205020404" pitchFamily="49" charset="0"/>
-              </a:rPr>
-              <a:t>	</a:t>
-            </a:r>
-            <a:r>
-              <a:rPr lang="en-US" sz="2000" dirty="0" smtClean="0">
+              <a:rPr lang="en-US" sz="2200" dirty="0" smtClean="0">
+                <a:latin typeface="Courier New" panose="02070309020205020404" pitchFamily="49" charset="0"/>
+                <a:cs typeface="Courier New" panose="02070309020205020404" pitchFamily="49" charset="0"/>
+              </a:rPr>
+              <a:t>; </a:t>
+            </a:r>
+            <a:r>
+              <a:rPr lang="en-US" sz="2200" dirty="0">
+                <a:latin typeface="Bodoni MT" panose="02070603080606020203" pitchFamily="18" charset="0"/>
+                <a:cs typeface="Courier New" panose="02070309020205020404" pitchFamily="49" charset="0"/>
+              </a:rPr>
+              <a:t>// </a:t>
+            </a:r>
+            <a:r>
+              <a:rPr lang="en-US" sz="2200" dirty="0" smtClean="0">
+                <a:latin typeface="Bodoni MT" panose="02070603080606020203" pitchFamily="18" charset="0"/>
+                <a:cs typeface="Courier New" panose="02070309020205020404" pitchFamily="49" charset="0"/>
+              </a:rPr>
+              <a:t>we need two pointers: will delete l, and adjust its previous p</a:t>
+            </a:r>
+            <a:r>
+              <a:rPr lang="en-US" sz="2200" dirty="0" smtClean="0">
                 <a:latin typeface="Courier New" panose="02070309020205020404" pitchFamily="49" charset="0"/>
                 <a:cs typeface="Courier New" panose="02070309020205020404" pitchFamily="49" charset="0"/>
               </a:rPr>
               <a:t/>
             </a:r>
             <a:br>
-              <a:rPr lang="en-US" sz="2000" dirty="0" smtClean="0">
+              <a:rPr lang="en-US" sz="2200" dirty="0" smtClean="0">
                 <a:latin typeface="Courier New" panose="02070309020205020404" pitchFamily="49" charset="0"/>
                 <a:cs typeface="Courier New" panose="02070309020205020404" pitchFamily="49" charset="0"/>
               </a:rPr>
             </a:br>
             <a:r>
-              <a:rPr lang="en-US" sz="2000" dirty="0" smtClean="0">
+              <a:rPr lang="en-US" sz="2200" dirty="0" smtClean="0">
                 <a:latin typeface="Courier New" panose="02070309020205020404" pitchFamily="49" charset="0"/>
                 <a:cs typeface="Courier New" panose="02070309020205020404" pitchFamily="49" charset="0"/>
               </a:rPr>
               <a:t>   </a:t>
             </a:r>
             <a:r>
-              <a:rPr lang="en-US" sz="2000" dirty="0" err="1" smtClean="0">
+              <a:rPr lang="en-US" sz="2200" dirty="0" err="1" smtClean="0">
                 <a:latin typeface="Courier New" panose="02070309020205020404" pitchFamily="49" charset="0"/>
                 <a:cs typeface="Courier New" panose="02070309020205020404" pitchFamily="49" charset="0"/>
               </a:rPr>
               <a:t>int</a:t>
             </a:r>
             <a:r>
-              <a:rPr lang="en-US" sz="2000" dirty="0" smtClean="0">
+              <a:rPr lang="en-US" sz="2200" dirty="0" smtClean="0">
                 <a:latin typeface="Courier New" panose="02070309020205020404" pitchFamily="49" charset="0"/>
                 <a:cs typeface="Courier New" panose="02070309020205020404" pitchFamily="49" charset="0"/>
               </a:rPr>
               <a:t> </a:t>
             </a:r>
             <a:r>
-              <a:rPr lang="en-US" sz="2000" dirty="0" err="1">
+              <a:rPr lang="en-US" sz="2200" dirty="0" err="1">
                 <a:latin typeface="Courier New" panose="02070309020205020404" pitchFamily="49" charset="0"/>
                 <a:cs typeface="Courier New" panose="02070309020205020404" pitchFamily="49" charset="0"/>
               </a:rPr>
               <a:t>i</a:t>
             </a:r>
             <a:r>
-              <a:rPr lang="en-US" sz="2000" dirty="0">
+              <a:rPr lang="en-US" sz="2200" dirty="0">
                 <a:latin typeface="Courier New" panose="02070309020205020404" pitchFamily="49" charset="0"/>
                 <a:cs typeface="Courier New" panose="02070309020205020404" pitchFamily="49" charset="0"/>
               </a:rPr>
               <a:t>; </a:t>
             </a:r>
             <a:r>
-              <a:rPr lang="en-US" sz="2000" dirty="0" smtClean="0">
+              <a:rPr lang="en-US" sz="2200" dirty="0" smtClean="0">
                 <a:latin typeface="Courier New" panose="02070309020205020404" pitchFamily="49" charset="0"/>
                 <a:cs typeface="Courier New" panose="02070309020205020404" pitchFamily="49" charset="0"/>
               </a:rPr>
               <a:t>  </a:t>
             </a:r>
             <a:r>
-              <a:rPr lang="en-US" sz="2000" dirty="0" smtClean="0">
+              <a:rPr lang="en-US" sz="2200" dirty="0" smtClean="0">
                 <a:latin typeface="Bodoni MT" panose="02070603080606020203" pitchFamily="18" charset="0"/>
                 <a:cs typeface="Courier New" panose="02070309020205020404" pitchFamily="49" charset="0"/>
               </a:rPr>
               <a:t>// </a:t>
             </a:r>
             <a:r>
-              <a:rPr lang="en-US" sz="2000" dirty="0" err="1">
+              <a:rPr lang="en-US" sz="2200" dirty="0" err="1">
                 <a:latin typeface="Bodoni MT" panose="02070603080606020203" pitchFamily="18" charset="0"/>
                 <a:cs typeface="Courier New" panose="02070309020205020404" pitchFamily="49" charset="0"/>
               </a:rPr>
               <a:t>i</a:t>
             </a:r>
             <a:r>
-              <a:rPr lang="en-US" sz="2000" dirty="0">
+              <a:rPr lang="en-US" sz="2200" dirty="0">
                 <a:latin typeface="Bodoni MT" panose="02070603080606020203" pitchFamily="18" charset="0"/>
                 <a:cs typeface="Courier New" panose="02070309020205020404" pitchFamily="49" charset="0"/>
               </a:rPr>
@@ -3316,116 +3330,210 @@
               <a:buNone/>
             </a:pPr>
             <a:r>
-              <a:rPr lang="en-US" sz="2000" dirty="0" smtClean="0">
+              <a:rPr lang="en-US" sz="2200" dirty="0" smtClean="0">
                 <a:latin typeface="Courier New" panose="02070309020205020404" pitchFamily="49" charset="0"/>
                 <a:cs typeface="Courier New" panose="02070309020205020404" pitchFamily="49" charset="0"/>
               </a:rPr>
               <a:t>         </a:t>
             </a:r>
             <a:r>
-              <a:rPr lang="en-US" sz="2000" dirty="0" smtClean="0">
+              <a:rPr lang="en-US" sz="2200" dirty="0" smtClean="0">
+                <a:solidFill>
+                  <a:schemeClr val="accent1">
+                    <a:lumMod val="75000"/>
+                  </a:schemeClr>
+                </a:solidFill>
                 <a:latin typeface="Bodoni MT" panose="02070603080606020203" pitchFamily="18" charset="0"/>
                 <a:cs typeface="Courier New" panose="02070309020205020404" pitchFamily="49" charset="0"/>
               </a:rPr>
               <a:t>// @loop traverse the list looking for position</a:t>
             </a:r>
             <a:r>
-              <a:rPr lang="en-US" sz="2000" dirty="0" smtClean="0">
+              <a:rPr lang="en-US" sz="2200" dirty="0" smtClean="0">
+                <a:solidFill>
+                  <a:schemeClr val="accent1">
+                    <a:lumMod val="75000"/>
+                  </a:schemeClr>
+                </a:solidFill>
                 <a:latin typeface="Courier New" panose="02070309020205020404" pitchFamily="49" charset="0"/>
                 <a:cs typeface="Courier New" panose="02070309020205020404" pitchFamily="49" charset="0"/>
               </a:rPr>
               <a:t/>
             </a:r>
             <a:br>
-              <a:rPr lang="en-US" sz="2000" dirty="0" smtClean="0">
+              <a:rPr lang="en-US" sz="2200" dirty="0" smtClean="0">
+                <a:solidFill>
+                  <a:schemeClr val="accent1">
+                    <a:lumMod val="75000"/>
+                  </a:schemeClr>
+                </a:solidFill>
                 <a:latin typeface="Courier New" panose="02070309020205020404" pitchFamily="49" charset="0"/>
                 <a:cs typeface="Courier New" panose="02070309020205020404" pitchFamily="49" charset="0"/>
               </a:rPr>
             </a:br>
             <a:r>
-              <a:rPr lang="en-US" sz="2000" dirty="0" smtClean="0">
+              <a:rPr lang="en-US" sz="2200" dirty="0" smtClean="0">
+                <a:solidFill>
+                  <a:schemeClr val="accent1">
+                    <a:lumMod val="75000"/>
+                  </a:schemeClr>
+                </a:solidFill>
                 <a:latin typeface="Courier New" panose="02070309020205020404" pitchFamily="49" charset="0"/>
                 <a:cs typeface="Courier New" panose="02070309020205020404" pitchFamily="49" charset="0"/>
               </a:rPr>
               <a:t>   for(l=head</a:t>
             </a:r>
             <a:r>
-              <a:rPr lang="en-US" sz="2000" dirty="0">
+              <a:rPr lang="en-US" sz="2200" dirty="0">
+                <a:solidFill>
+                  <a:schemeClr val="accent1">
+                    <a:lumMod val="75000"/>
+                  </a:schemeClr>
+                </a:solidFill>
                 <a:latin typeface="Courier New" panose="02070309020205020404" pitchFamily="49" charset="0"/>
                 <a:cs typeface="Courier New" panose="02070309020205020404" pitchFamily="49" charset="0"/>
               </a:rPr>
               <a:t>, p=NULL, </a:t>
             </a:r>
             <a:r>
-              <a:rPr lang="en-US" sz="2000" dirty="0" err="1">
+              <a:rPr lang="en-US" sz="2200" dirty="0" err="1">
+                <a:solidFill>
+                  <a:schemeClr val="accent1">
+                    <a:lumMod val="75000"/>
+                  </a:schemeClr>
+                </a:solidFill>
                 <a:latin typeface="Courier New" panose="02070309020205020404" pitchFamily="49" charset="0"/>
                 <a:cs typeface="Courier New" panose="02070309020205020404" pitchFamily="49" charset="0"/>
               </a:rPr>
               <a:t>i</a:t>
             </a:r>
             <a:r>
-              <a:rPr lang="en-US" sz="2000" dirty="0">
-                <a:latin typeface="Courier New" panose="02070309020205020404" pitchFamily="49" charset="0"/>
-                <a:cs typeface="Courier New" panose="02070309020205020404" pitchFamily="49" charset="0"/>
-              </a:rPr>
-              <a:t>=0; l!= NULL &amp;&amp; </a:t>
-            </a:r>
-            <a:r>
-              <a:rPr lang="en-US" sz="2000" dirty="0" err="1">
+              <a:rPr lang="en-US" sz="2200" dirty="0">
+                <a:solidFill>
+                  <a:schemeClr val="accent1">
+                    <a:lumMod val="75000"/>
+                  </a:schemeClr>
+                </a:solidFill>
+                <a:latin typeface="Courier New" panose="02070309020205020404" pitchFamily="49" charset="0"/>
+                <a:cs typeface="Courier New" panose="02070309020205020404" pitchFamily="49" charset="0"/>
+              </a:rPr>
+              <a:t>=0;</a:t>
+            </a:r>
+            <a:r>
+              <a:rPr lang="en-US" sz="2200" b="1" dirty="0">
+                <a:solidFill>
+                  <a:schemeClr val="accent2"/>
+                </a:solidFill>
+                <a:latin typeface="Courier New" panose="02070309020205020404" pitchFamily="49" charset="0"/>
+                <a:cs typeface="Courier New" panose="02070309020205020404" pitchFamily="49" charset="0"/>
+              </a:rPr>
+              <a:t> l!= NULL &amp;&amp; </a:t>
+            </a:r>
+            <a:r>
+              <a:rPr lang="en-US" sz="2200" b="1" dirty="0" err="1">
+                <a:solidFill>
+                  <a:schemeClr val="accent2"/>
+                </a:solidFill>
                 <a:latin typeface="Courier New" panose="02070309020205020404" pitchFamily="49" charset="0"/>
                 <a:cs typeface="Courier New" panose="02070309020205020404" pitchFamily="49" charset="0"/>
               </a:rPr>
               <a:t>i</a:t>
             </a:r>
             <a:r>
-              <a:rPr lang="en-US" sz="2000" dirty="0">
+              <a:rPr lang="en-US" sz="2200" b="1" dirty="0">
+                <a:solidFill>
+                  <a:schemeClr val="accent2"/>
+                </a:solidFill>
                 <a:latin typeface="Courier New" panose="02070309020205020404" pitchFamily="49" charset="0"/>
                 <a:cs typeface="Courier New" panose="02070309020205020404" pitchFamily="49" charset="0"/>
               </a:rPr>
               <a:t> &lt; </a:t>
             </a:r>
             <a:r>
-              <a:rPr lang="en-US" sz="2000" dirty="0" err="1">
+              <a:rPr lang="en-US" sz="2200" b="1" dirty="0" err="1">
+                <a:solidFill>
+                  <a:schemeClr val="accent2"/>
+                </a:solidFill>
                 <a:latin typeface="Courier New" panose="02070309020205020404" pitchFamily="49" charset="0"/>
                 <a:cs typeface="Courier New" panose="02070309020205020404" pitchFamily="49" charset="0"/>
               </a:rPr>
               <a:t>pos</a:t>
             </a:r>
             <a:r>
-              <a:rPr lang="en-US" sz="2000" dirty="0">
-                <a:latin typeface="Courier New" panose="02070309020205020404" pitchFamily="49" charset="0"/>
-                <a:cs typeface="Courier New" panose="02070309020205020404" pitchFamily="49" charset="0"/>
-              </a:rPr>
-              <a:t> ; l=l-&gt;next, </a:t>
-            </a:r>
-            <a:r>
-              <a:rPr lang="en-US" sz="2000" dirty="0" err="1">
+              <a:rPr lang="en-US" sz="2200" b="1" dirty="0">
+                <a:solidFill>
+                  <a:schemeClr val="accent2"/>
+                </a:solidFill>
+                <a:latin typeface="Courier New" panose="02070309020205020404" pitchFamily="49" charset="0"/>
+                <a:cs typeface="Courier New" panose="02070309020205020404" pitchFamily="49" charset="0"/>
+              </a:rPr>
+              <a:t> </a:t>
+            </a:r>
+            <a:r>
+              <a:rPr lang="en-US" sz="2200" dirty="0">
+                <a:solidFill>
+                  <a:schemeClr val="accent1">
+                    <a:lumMod val="75000"/>
+                  </a:schemeClr>
+                </a:solidFill>
+                <a:latin typeface="Courier New" panose="02070309020205020404" pitchFamily="49" charset="0"/>
+                <a:cs typeface="Courier New" panose="02070309020205020404" pitchFamily="49" charset="0"/>
+              </a:rPr>
+              <a:t>; l=l-&gt;next, </a:t>
+            </a:r>
+            <a:r>
+              <a:rPr lang="en-US" sz="2200" dirty="0" err="1">
+                <a:solidFill>
+                  <a:schemeClr val="accent1">
+                    <a:lumMod val="75000"/>
+                  </a:schemeClr>
+                </a:solidFill>
                 <a:latin typeface="Courier New" panose="02070309020205020404" pitchFamily="49" charset="0"/>
                 <a:cs typeface="Courier New" panose="02070309020205020404" pitchFamily="49" charset="0"/>
               </a:rPr>
               <a:t>i</a:t>
             </a:r>
             <a:r>
-              <a:rPr lang="en-US" sz="2000" dirty="0" smtClean="0">
+              <a:rPr lang="en-US" sz="2200" dirty="0" smtClean="0">
+                <a:solidFill>
+                  <a:schemeClr val="accent1">
+                    <a:lumMod val="75000"/>
+                  </a:schemeClr>
+                </a:solidFill>
                 <a:latin typeface="Courier New" panose="02070309020205020404" pitchFamily="49" charset="0"/>
                 <a:cs typeface="Courier New" panose="02070309020205020404" pitchFamily="49" charset="0"/>
               </a:rPr>
               <a:t>++)</a:t>
             </a:r>
             <a:br>
-              <a:rPr lang="en-US" sz="2000" dirty="0" smtClean="0">
+              <a:rPr lang="en-US" sz="2200" dirty="0" smtClean="0">
+                <a:solidFill>
+                  <a:schemeClr val="accent1">
+                    <a:lumMod val="75000"/>
+                  </a:schemeClr>
+                </a:solidFill>
                 <a:latin typeface="Courier New" panose="02070309020205020404" pitchFamily="49" charset="0"/>
                 <a:cs typeface="Courier New" panose="02070309020205020404" pitchFamily="49" charset="0"/>
               </a:rPr>
             </a:br>
             <a:r>
-              <a:rPr lang="en-US" sz="2000" dirty="0" smtClean="0">
+              <a:rPr lang="en-US" sz="2200" dirty="0" smtClean="0">
+                <a:solidFill>
+                  <a:schemeClr val="accent1">
+                    <a:lumMod val="75000"/>
+                  </a:schemeClr>
+                </a:solidFill>
                 <a:latin typeface="Courier New" panose="02070309020205020404" pitchFamily="49" charset="0"/>
                 <a:cs typeface="Courier New" panose="02070309020205020404" pitchFamily="49" charset="0"/>
               </a:rPr>
               <a:t>         p=l;</a:t>
             </a:r>
-            <a:endParaRPr lang="en-US" sz="2000" dirty="0">
+            <a:endParaRPr lang="en-US" sz="2200" dirty="0">
+              <a:solidFill>
+                <a:schemeClr val="accent1">
+                  <a:lumMod val="75000"/>
+                </a:schemeClr>
+              </a:solidFill>
               <a:latin typeface="Courier New" panose="02070309020205020404" pitchFamily="49" charset="0"/>
               <a:cs typeface="Courier New" panose="02070309020205020404" pitchFamily="49" charset="0"/>
             </a:endParaRPr>
@@ -3435,101 +3543,101 @@
               <a:buNone/>
             </a:pPr>
             <a:r>
-              <a:rPr lang="en-US" sz="2000" dirty="0" smtClean="0">
+              <a:rPr lang="en-US" sz="2200" dirty="0" smtClean="0">
                 <a:latin typeface="Courier New" panose="02070309020205020404" pitchFamily="49" charset="0"/>
                 <a:cs typeface="Courier New" panose="02070309020205020404" pitchFamily="49" charset="0"/>
               </a:rPr>
               <a:t>   if </a:t>
             </a:r>
             <a:r>
-              <a:rPr lang="en-US" sz="2000" dirty="0">
+              <a:rPr lang="en-US" sz="2200" dirty="0">
                 <a:latin typeface="Courier New" panose="02070309020205020404" pitchFamily="49" charset="0"/>
                 <a:cs typeface="Courier New" panose="02070309020205020404" pitchFamily="49" charset="0"/>
               </a:rPr>
               <a:t>( p == NULL ) </a:t>
             </a:r>
             <a:r>
-              <a:rPr lang="en-US" sz="2000" dirty="0" smtClean="0">
+              <a:rPr lang="en-US" sz="2200" dirty="0" smtClean="0">
                 <a:latin typeface="Courier New" panose="02070309020205020404" pitchFamily="49" charset="0"/>
                 <a:cs typeface="Courier New" panose="02070309020205020404" pitchFamily="49" charset="0"/>
               </a:rPr>
               <a:t>{  </a:t>
             </a:r>
             <a:r>
-              <a:rPr lang="en-US" sz="2000" dirty="0" smtClean="0">
+              <a:rPr lang="en-US" sz="2200" dirty="0" smtClean="0">
                 <a:latin typeface="Bodoni MT" panose="02070603080606020203" pitchFamily="18" charset="0"/>
                 <a:cs typeface="Courier New" panose="02070309020205020404" pitchFamily="49" charset="0"/>
               </a:rPr>
               <a:t>// delete beginning element if it exists: empty list or just one element case</a:t>
             </a:r>
             <a:r>
-              <a:rPr lang="en-US" sz="2000" dirty="0" smtClean="0">
+              <a:rPr lang="en-US" sz="2200" dirty="0" smtClean="0">
                 <a:latin typeface="Courier New" panose="02070309020205020404" pitchFamily="49" charset="0"/>
                 <a:cs typeface="Courier New" panose="02070309020205020404" pitchFamily="49" charset="0"/>
               </a:rPr>
               <a:t/>
             </a:r>
             <a:br>
-              <a:rPr lang="en-US" sz="2000" dirty="0" smtClean="0">
+              <a:rPr lang="en-US" sz="2200" dirty="0" smtClean="0">
                 <a:latin typeface="Courier New" panose="02070309020205020404" pitchFamily="49" charset="0"/>
                 <a:cs typeface="Courier New" panose="02070309020205020404" pitchFamily="49" charset="0"/>
               </a:rPr>
             </a:br>
             <a:r>
-              <a:rPr lang="en-US" sz="2000" dirty="0" smtClean="0">
+              <a:rPr lang="en-US" sz="2200" dirty="0" smtClean="0">
                 <a:latin typeface="Courier New" panose="02070309020205020404" pitchFamily="49" charset="0"/>
                 <a:cs typeface="Courier New" panose="02070309020205020404" pitchFamily="49" charset="0"/>
               </a:rPr>
               <a:t>         head = head ? head-&gt;next: NULL;</a:t>
             </a:r>
             <a:br>
-              <a:rPr lang="en-US" sz="2000" dirty="0" smtClean="0">
+              <a:rPr lang="en-US" sz="2200" dirty="0" smtClean="0">
                 <a:latin typeface="Courier New" panose="02070309020205020404" pitchFamily="49" charset="0"/>
                 <a:cs typeface="Courier New" panose="02070309020205020404" pitchFamily="49" charset="0"/>
               </a:rPr>
             </a:br>
             <a:r>
-              <a:rPr lang="en-US" sz="2000" dirty="0" smtClean="0">
+              <a:rPr lang="en-US" sz="2200" dirty="0" smtClean="0">
                 <a:latin typeface="Courier New" panose="02070309020205020404" pitchFamily="49" charset="0"/>
                 <a:cs typeface="Courier New" panose="02070309020205020404" pitchFamily="49" charset="0"/>
               </a:rPr>
               <a:t>         if ( l ) free (l); </a:t>
             </a:r>
             <a:br>
-              <a:rPr lang="en-US" sz="2000" dirty="0" smtClean="0">
+              <a:rPr lang="en-US" sz="2200" dirty="0" smtClean="0">
                 <a:latin typeface="Courier New" panose="02070309020205020404" pitchFamily="49" charset="0"/>
                 <a:cs typeface="Courier New" panose="02070309020205020404" pitchFamily="49" charset="0"/>
               </a:rPr>
             </a:br>
             <a:r>
-              <a:rPr lang="en-US" sz="2000" dirty="0" smtClean="0">
+              <a:rPr lang="en-US" sz="2200" dirty="0" smtClean="0">
                 <a:latin typeface="Courier New" panose="02070309020205020404" pitchFamily="49" charset="0"/>
                 <a:cs typeface="Courier New" panose="02070309020205020404" pitchFamily="49" charset="0"/>
               </a:rPr>
               <a:t>         return head;     </a:t>
             </a:r>
             <a:r>
-              <a:rPr lang="en-US" sz="2000" dirty="0" smtClean="0">
+              <a:rPr lang="en-US" sz="2200" dirty="0" smtClean="0">
                 <a:latin typeface="Bodoni MT" panose="02070603080606020203" pitchFamily="18" charset="0"/>
                 <a:cs typeface="Courier New" panose="02070309020205020404" pitchFamily="49" charset="0"/>
               </a:rPr>
               <a:t>// we’ll return a new head</a:t>
             </a:r>
             <a:r>
-              <a:rPr lang="en-US" sz="2000" dirty="0" smtClean="0">
+              <a:rPr lang="en-US" sz="2200" dirty="0" smtClean="0">
                 <a:latin typeface="Courier New" panose="02070309020205020404" pitchFamily="49" charset="0"/>
                 <a:cs typeface="Courier New" panose="02070309020205020404" pitchFamily="49" charset="0"/>
               </a:rPr>
               <a:t/>
             </a:r>
             <a:br>
-              <a:rPr lang="en-US" sz="2000" dirty="0" smtClean="0">
+              <a:rPr lang="en-US" sz="2200" dirty="0" smtClean="0">
                 <a:latin typeface="Courier New" panose="02070309020205020404" pitchFamily="49" charset="0"/>
                 <a:cs typeface="Courier New" panose="02070309020205020404" pitchFamily="49" charset="0"/>
               </a:rPr>
             </a:br>
             <a:r>
-              <a:rPr lang="en-US" sz="2000" dirty="0" smtClean="0">
+              <a:rPr lang="en-US" sz="2200" dirty="0" smtClean="0">
                 <a:latin typeface="Courier New" panose="02070309020205020404" pitchFamily="49" charset="0"/>
                 <a:cs typeface="Courier New" panose="02070309020205020404" pitchFamily="49" charset="0"/>
               </a:rPr>
@@ -3541,27 +3649,27 @@
               <a:buNone/>
             </a:pPr>
             <a:r>
-              <a:rPr lang="en-US" sz="2000" dirty="0">
+              <a:rPr lang="en-US" sz="2200" dirty="0">
                 <a:latin typeface="Courier New" panose="02070309020205020404" pitchFamily="49" charset="0"/>
                 <a:cs typeface="Courier New" panose="02070309020205020404" pitchFamily="49" charset="0"/>
               </a:rPr>
               <a:t> </a:t>
             </a:r>
             <a:r>
-              <a:rPr lang="en-US" sz="2000" dirty="0" smtClean="0">
+              <a:rPr lang="en-US" sz="2200" dirty="0" smtClean="0">
                 <a:latin typeface="Courier New" panose="02070309020205020404" pitchFamily="49" charset="0"/>
                 <a:cs typeface="Courier New" panose="02070309020205020404" pitchFamily="49" charset="0"/>
               </a:rPr>
               <a:t>      </a:t>
             </a:r>
             <a:r>
-              <a:rPr lang="en-US" sz="2000" dirty="0" smtClean="0">
+              <a:rPr lang="en-US" sz="2200" dirty="0" smtClean="0">
                 <a:latin typeface="Bodoni MT" panose="02070603080606020203" pitchFamily="18" charset="0"/>
                 <a:cs typeface="Courier New" panose="02070309020205020404" pitchFamily="49" charset="0"/>
               </a:rPr>
               <a:t>// Now l  points to the node to delete</a:t>
             </a:r>
-            <a:endParaRPr lang="en-US" sz="2000" dirty="0">
+            <a:endParaRPr lang="en-US" sz="2200" dirty="0">
               <a:latin typeface="Bodoni MT" panose="02070603080606020203" pitchFamily="18" charset="0"/>
               <a:cs typeface="Courier New" panose="02070309020205020404" pitchFamily="49" charset="0"/>
             </a:endParaRPr>
@@ -3571,88 +3679,88 @@
               <a:buNone/>
             </a:pPr>
             <a:r>
-              <a:rPr lang="en-US" sz="2000" dirty="0" smtClean="0">
+              <a:rPr lang="en-US" sz="2200" dirty="0" smtClean="0">
                 <a:latin typeface="Courier New" panose="02070309020205020404" pitchFamily="49" charset="0"/>
                 <a:cs typeface="Courier New" panose="02070309020205020404" pitchFamily="49" charset="0"/>
               </a:rPr>
               <a:t>   p-&gt;next= l ? l-&gt;next: NULL;    </a:t>
             </a:r>
             <a:r>
-              <a:rPr lang="en-US" sz="2000" dirty="0" smtClean="0">
+              <a:rPr lang="en-US" sz="2200" dirty="0" smtClean="0">
                 <a:latin typeface="Bodoni MT" panose="02070603080606020203" pitchFamily="18" charset="0"/>
                 <a:cs typeface="Courier New" panose="02070309020205020404" pitchFamily="49" charset="0"/>
               </a:rPr>
               <a:t>// check if l is not NULL</a:t>
             </a:r>
             <a:r>
-              <a:rPr lang="en-US" sz="2000" dirty="0" smtClean="0">
+              <a:rPr lang="en-US" sz="2200" dirty="0" smtClean="0">
                 <a:latin typeface="Courier New" panose="02070309020205020404" pitchFamily="49" charset="0"/>
                 <a:cs typeface="Courier New" panose="02070309020205020404" pitchFamily="49" charset="0"/>
               </a:rPr>
               <a:t/>
             </a:r>
             <a:br>
-              <a:rPr lang="en-US" sz="2000" dirty="0" smtClean="0">
+              <a:rPr lang="en-US" sz="2200" dirty="0" smtClean="0">
                 <a:latin typeface="Courier New" panose="02070309020205020404" pitchFamily="49" charset="0"/>
                 <a:cs typeface="Courier New" panose="02070309020205020404" pitchFamily="49" charset="0"/>
               </a:rPr>
             </a:br>
             <a:r>
-              <a:rPr lang="en-US" sz="2000" dirty="0" smtClean="0">
+              <a:rPr lang="en-US" sz="2200" dirty="0" smtClean="0">
                 <a:latin typeface="Courier New" panose="02070309020205020404" pitchFamily="49" charset="0"/>
                 <a:cs typeface="Courier New" panose="02070309020205020404" pitchFamily="49" charset="0"/>
               </a:rPr>
               <a:t>   if ( l ) free(l); </a:t>
             </a:r>
             <a:r>
-              <a:rPr lang="en-US" sz="2000" dirty="0" smtClean="0">
+              <a:rPr lang="en-US" sz="2200" dirty="0" smtClean="0">
                 <a:latin typeface="Bodoni MT" panose="02070603080606020203" pitchFamily="18" charset="0"/>
                 <a:cs typeface="Courier New" panose="02070309020205020404" pitchFamily="49" charset="0"/>
               </a:rPr>
               <a:t>  // since we will no longer use this node in this example</a:t>
             </a:r>
             <a:r>
-              <a:rPr lang="en-US" sz="2000" dirty="0" smtClean="0">
+              <a:rPr lang="en-US" sz="2200" dirty="0" smtClean="0">
                 <a:latin typeface="Courier New" panose="02070309020205020404" pitchFamily="49" charset="0"/>
                 <a:cs typeface="Courier New" panose="02070309020205020404" pitchFamily="49" charset="0"/>
               </a:rPr>
               <a:t/>
             </a:r>
             <a:br>
-              <a:rPr lang="en-US" sz="2000" dirty="0" smtClean="0">
+              <a:rPr lang="en-US" sz="2200" dirty="0" smtClean="0">
                 <a:latin typeface="Courier New" panose="02070309020205020404" pitchFamily="49" charset="0"/>
                 <a:cs typeface="Courier New" panose="02070309020205020404" pitchFamily="49" charset="0"/>
               </a:rPr>
             </a:br>
             <a:r>
-              <a:rPr lang="en-US" sz="2000" dirty="0" smtClean="0">
+              <a:rPr lang="en-US" sz="2200" dirty="0" smtClean="0">
                 <a:latin typeface="Courier New" panose="02070309020205020404" pitchFamily="49" charset="0"/>
                 <a:cs typeface="Courier New" panose="02070309020205020404" pitchFamily="49" charset="0"/>
               </a:rPr>
               <a:t>   return </a:t>
             </a:r>
             <a:r>
-              <a:rPr lang="en-US" sz="2000" dirty="0">
+              <a:rPr lang="en-US" sz="2200" dirty="0">
                 <a:latin typeface="Courier New" panose="02070309020205020404" pitchFamily="49" charset="0"/>
                 <a:cs typeface="Courier New" panose="02070309020205020404" pitchFamily="49" charset="0"/>
               </a:rPr>
               <a:t>head</a:t>
             </a:r>
             <a:r>
-              <a:rPr lang="en-US" sz="2000" dirty="0" smtClean="0">
+              <a:rPr lang="en-US" sz="2200" dirty="0" smtClean="0">
                 <a:latin typeface="Courier New" panose="02070309020205020404" pitchFamily="49" charset="0"/>
                 <a:cs typeface="Courier New" panose="02070309020205020404" pitchFamily="49" charset="0"/>
               </a:rPr>
               <a:t>;       </a:t>
             </a:r>
             <a:r>
-              <a:rPr lang="en-US" sz="2000" dirty="0" smtClean="0">
+              <a:rPr lang="en-US" sz="2200" dirty="0" smtClean="0">
                 <a:latin typeface="Bodoni MT" panose="02070603080606020203" pitchFamily="18" charset="0"/>
                 <a:cs typeface="Courier New" panose="02070309020205020404" pitchFamily="49" charset="0"/>
               </a:rPr>
               <a:t>// …  and return the old head</a:t>
             </a:r>
-            <a:endParaRPr lang="en-US" sz="2000" dirty="0">
+            <a:endParaRPr lang="en-US" sz="2200" dirty="0">
               <a:latin typeface="Bodoni MT" panose="02070603080606020203" pitchFamily="18" charset="0"/>
               <a:cs typeface="Courier New" panose="02070309020205020404" pitchFamily="49" charset="0"/>
             </a:endParaRPr>
@@ -3662,12 +3770,97 @@
               <a:buNone/>
             </a:pPr>
             <a:r>
-              <a:rPr lang="en-US" sz="2000" dirty="0">
+              <a:rPr lang="en-US" sz="2200" dirty="0">
                 <a:latin typeface="Courier New" panose="02070309020205020404" pitchFamily="49" charset="0"/>
                 <a:cs typeface="Courier New" panose="02070309020205020404" pitchFamily="49" charset="0"/>
               </a:rPr>
               <a:t>}</a:t>
             </a:r>
+          </a:p>
+        </p:txBody>
+      </p:sp>
+      <p:sp>
+        <p:nvSpPr>
+          <p:cNvPr id="4" name="TextBox 3"/>
+          <p:cNvSpPr txBox="1"/>
+          <p:nvPr/>
+        </p:nvSpPr>
+        <p:spPr>
+          <a:xfrm>
+            <a:off x="10030267" y="4783012"/>
+            <a:ext cx="2161733" cy="369332"/>
+          </a:xfrm>
+          <a:prstGeom prst="rect">
+            <a:avLst/>
+          </a:prstGeom>
+          <a:gradFill flip="none" rotWithShape="1">
+            <a:gsLst>
+              <a:gs pos="0">
+                <a:srgbClr val="FFFF00"/>
+              </a:gs>
+              <a:gs pos="100000">
+                <a:schemeClr val="bg1"/>
+              </a:gs>
+            </a:gsLst>
+            <a:lin ang="5400000" scaled="1"/>
+            <a:tileRect/>
+          </a:gradFill>
+        </p:spPr>
+        <p:txBody>
+          <a:bodyPr wrap="square" rtlCol="0">
+            <a:spAutoFit/>
+          </a:bodyPr>
+          <a:lstStyle/>
+          <a:p>
+            <a:endParaRPr lang="en-US" dirty="0"/>
+          </a:p>
+        </p:txBody>
+      </p:sp>
+      <p:sp>
+        <p:nvSpPr>
+          <p:cNvPr id="5" name="TextBox 4"/>
+          <p:cNvSpPr txBox="1"/>
+          <p:nvPr/>
+        </p:nvSpPr>
+        <p:spPr>
+          <a:xfrm>
+            <a:off x="10027029" y="4833814"/>
+            <a:ext cx="2129365" cy="646331"/>
+          </a:xfrm>
+          <a:prstGeom prst="rect">
+            <a:avLst/>
+          </a:prstGeom>
+          <a:gradFill flip="none" rotWithShape="1">
+            <a:gsLst>
+              <a:gs pos="0">
+                <a:srgbClr val="FFFF00"/>
+              </a:gs>
+              <a:gs pos="100000">
+                <a:schemeClr val="bg1"/>
+              </a:gs>
+            </a:gsLst>
+            <a:lin ang="5400000" scaled="1"/>
+            <a:tileRect/>
+          </a:gradFill>
+        </p:spPr>
+        <p:txBody>
+          <a:bodyPr wrap="none" rtlCol="0">
+            <a:spAutoFit/>
+          </a:bodyPr>
+          <a:lstStyle/>
+          <a:p>
+            <a:r>
+              <a:rPr lang="en-US" dirty="0" smtClean="0"/>
+              <a:t>Exercise:</a:t>
+            </a:r>
+            <a:br>
+              <a:rPr lang="en-US" dirty="0" smtClean="0"/>
+            </a:br>
+            <a:r>
+              <a:rPr lang="en-US" dirty="0" smtClean="0"/>
+              <a:t>Delete a given value.</a:t>
+            </a:r>
+            <a:endParaRPr lang="en-US" dirty="0"/>
           </a:p>
         </p:txBody>
       </p:sp>
@@ -3934,6 +4127,51 @@
                       </p:childTnLst>
                     </p:cTn>
                   </p:par>
+                  <p:par>
+                    <p:cTn id="23" fill="hold">
+                      <p:stCondLst>
+                        <p:cond delay="indefinite"/>
+                      </p:stCondLst>
+                      <p:childTnLst>
+                        <p:par>
+                          <p:cTn id="24" fill="hold">
+                            <p:stCondLst>
+                              <p:cond delay="0"/>
+                            </p:stCondLst>
+                            <p:childTnLst>
+                              <p:par>
+                                <p:cTn id="25" presetID="1" presetClass="entr" presetSubtype="0" fill="hold" grpId="0" nodeType="clickEffect">
+                                  <p:stCondLst>
+                                    <p:cond delay="0"/>
+                                  </p:stCondLst>
+                                  <p:childTnLst>
+                                    <p:set>
+                                      <p:cBhvr>
+                                        <p:cTn id="26" dur="1" fill="hold">
+                                          <p:stCondLst>
+                                            <p:cond delay="0"/>
+                                          </p:stCondLst>
+                                        </p:cTn>
+                                        <p:tgtEl>
+                                          <p:spTgt spid="5"/>
+                                        </p:tgtEl>
+                                        <p:attrNameLst>
+                                          <p:attrName>style.visibility</p:attrName>
+                                        </p:attrNameLst>
+                                      </p:cBhvr>
+                                      <p:to>
+                                        <p:strVal val="visible"/>
+                                      </p:to>
+                                    </p:set>
+                                  </p:childTnLst>
+                                </p:cTn>
+                              </p:par>
+                            </p:childTnLst>
+                          </p:cTn>
+                        </p:par>
+                      </p:childTnLst>
+                    </p:cTn>
+                  </p:par>
                 </p:childTnLst>
               </p:cTn>
               <p:prevCondLst>
@@ -3955,6 +4193,9 @@
         </p:cTn>
       </p:par>
     </p:tnLst>
+    <p:bldLst>
+      <p:bldP spid="5" grpId="0" animBg="1"/>
+    </p:bldLst>
   </p:timing>
 </p:sld>
 </file>
@@ -3993,7 +4234,11 @@
           <a:p>
             <a:r>
               <a:rPr lang="en-US" dirty="0" smtClean="0"/>
-              <a:t>More linked list exercises</a:t>
+              <a:t>More linked list </a:t>
+            </a:r>
+            <a:r>
+              <a:rPr lang="en-US" dirty="0" smtClean="0"/>
+              <a:t>exercises on linked lists</a:t>
             </a:r>
             <a:endParaRPr lang="en-US" dirty="0"/>
           </a:p>
@@ -4011,8 +4256,132 @@
         </p:nvSpPr>
         <p:spPr/>
         <p:txBody>
-          <a:bodyPr/>
+          <a:bodyPr>
+            <a:normAutofit lnSpcReduction="10000"/>
+          </a:bodyPr>
           <a:lstStyle/>
+          <a:p>
+            <a:r>
+              <a:rPr lang="en-US" dirty="0" smtClean="0"/>
+              <a:t>Some more examples to try out. Write functions for each of these:	</a:t>
+            </a:r>
+          </a:p>
+          <a:p>
+            <a:pPr lvl="1"/>
+            <a:r>
+              <a:rPr lang="en-US" dirty="0" smtClean="0"/>
+              <a:t>Return the length of a given linked list</a:t>
+            </a:r>
+          </a:p>
+          <a:p>
+            <a:pPr lvl="1"/>
+            <a:r>
+              <a:rPr lang="en-US" dirty="0" smtClean="0"/>
+              <a:t>Increment the value field of every node by 1</a:t>
+            </a:r>
+          </a:p>
+          <a:p>
+            <a:pPr lvl="1"/>
+            <a:r>
+              <a:rPr lang="en-US" dirty="0" smtClean="0"/>
+              <a:t>Increment the </a:t>
+            </a:r>
+            <a:r>
+              <a:rPr lang="en-US" i="1" dirty="0" err="1" smtClean="0">
+                <a:latin typeface="Bodoni MT" panose="02070603080606020203" pitchFamily="18" charset="0"/>
+              </a:rPr>
+              <a:t>i</a:t>
+            </a:r>
+            <a:r>
+              <a:rPr lang="en-US" dirty="0" err="1" smtClean="0"/>
+              <a:t>-th</a:t>
+            </a:r>
+            <a:r>
+              <a:rPr lang="en-US" dirty="0" smtClean="0"/>
+              <a:t> position nodes value field by </a:t>
+            </a:r>
+            <a:r>
+              <a:rPr lang="en-US" i="1" dirty="0" err="1" smtClean="0">
+                <a:latin typeface="Bodoni MT" panose="02070603080606020203" pitchFamily="18" charset="0"/>
+              </a:rPr>
+              <a:t>i</a:t>
+            </a:r>
+            <a:endParaRPr lang="en-US" i="1" dirty="0" smtClean="0">
+              <a:latin typeface="Bodoni MT" panose="02070603080606020203" pitchFamily="18" charset="0"/>
+            </a:endParaRPr>
+          </a:p>
+          <a:p>
+            <a:pPr lvl="1"/>
+            <a:r>
+              <a:rPr lang="en-US" dirty="0" smtClean="0"/>
+              <a:t>Return and copy a given linked list</a:t>
+            </a:r>
+          </a:p>
+          <a:p>
+            <a:pPr lvl="1"/>
+            <a:r>
+              <a:rPr lang="en-US" dirty="0" smtClean="0"/>
+              <a:t>Join one linked list at the end of the other and return the head</a:t>
+            </a:r>
+          </a:p>
+          <a:p>
+            <a:pPr lvl="1"/>
+            <a:r>
+              <a:rPr lang="en-US" dirty="0" smtClean="0"/>
+              <a:t>Reverse a linked list and return the head</a:t>
+            </a:r>
+          </a:p>
+          <a:p>
+            <a:pPr lvl="1"/>
+            <a:r>
+              <a:rPr lang="en-US" dirty="0" smtClean="0"/>
+              <a:t>Remove/delete all odd position elements from the linked list</a:t>
+            </a:r>
+          </a:p>
+          <a:p>
+            <a:pPr lvl="1"/>
+            <a:r>
+              <a:rPr lang="en-US" dirty="0" smtClean="0"/>
+              <a:t>Interchange nodes (not swap values) at position </a:t>
+            </a:r>
+            <a:r>
+              <a:rPr lang="en-US" i="1" dirty="0" err="1">
+                <a:latin typeface="Bodoni MT" panose="02070603080606020203" pitchFamily="18" charset="0"/>
+              </a:rPr>
+              <a:t>i</a:t>
+            </a:r>
+            <a:r>
+              <a:rPr lang="en-US" dirty="0" smtClean="0"/>
+              <a:t> with position </a:t>
+            </a:r>
+            <a:r>
+              <a:rPr lang="en-US" i="1" dirty="0" err="1">
+                <a:latin typeface="Bodoni MT" panose="02070603080606020203" pitchFamily="18" charset="0"/>
+              </a:rPr>
+              <a:t>i</a:t>
+            </a:r>
+            <a:r>
+              <a:rPr lang="en-US" i="1" dirty="0">
+                <a:latin typeface="Bodoni MT" panose="02070603080606020203" pitchFamily="18" charset="0"/>
+              </a:rPr>
+              <a:t> </a:t>
+            </a:r>
+            <a:r>
+              <a:rPr lang="en-US" dirty="0" smtClean="0"/>
+              <a:t>+1 for some given value of </a:t>
+            </a:r>
+            <a:r>
+              <a:rPr lang="en-US" i="1" dirty="0" err="1">
+                <a:latin typeface="Bodoni MT" panose="02070603080606020203" pitchFamily="18" charset="0"/>
+              </a:rPr>
+              <a:t>i</a:t>
+            </a:r>
+            <a:r>
+              <a:rPr lang="en-US" dirty="0" smtClean="0"/>
+              <a:t> and return the head of the linked list</a:t>
+            </a:r>
+            <a:endParaRPr lang="en-US" dirty="0" smtClean="0"/>
+          </a:p>
           <a:p>
             <a:r>
               <a:rPr lang="en-US" dirty="0" smtClean="0"/>
@@ -4025,7 +4394,7 @@
               </a:rPr>
               <a:t>linked_list.c</a:t>
             </a:r>
-            <a:endParaRPr lang="en-US" dirty="0">
+            <a:endParaRPr lang="en-US" dirty="0" smtClean="0">
               <a:latin typeface="Courier New" panose="02070309020205020404" pitchFamily="49" charset="0"/>
               <a:cs typeface="Courier New" panose="02070309020205020404" pitchFamily="49" charset="0"/>
             </a:endParaRPr>
@@ -4042,6 +4411,13 @@
   <p:clrMapOvr>
     <a:masterClrMapping/>
   </p:clrMapOvr>
+  <p:timing>
+    <p:tnLst>
+      <p:par>
+        <p:cTn id="1" dur="indefinite" restart="never" nodeType="tmRoot"/>
+      </p:par>
+    </p:tnLst>
+  </p:timing>
 </p:sld>
 </file>
 
@@ -14022,7 +14398,7 @@
                 <a:latin typeface="Courier New" panose="02070309020205020404" pitchFamily="49" charset="0"/>
                 <a:cs typeface="Courier New" panose="02070309020205020404" pitchFamily="49" charset="0"/>
               </a:rPr>
-              <a:t>    }</a:t>
+              <a:t>    </a:t>
             </a:r>
             <a:br>
               <a:rPr lang="en-US" dirty="0" smtClean="0">
@@ -16437,6 +16813,13 @@
   <p:clrMapOvr>
     <a:masterClrMapping/>
   </p:clrMapOvr>
+  <p:timing>
+    <p:tnLst>
+      <p:par>
+        <p:cTn id="1" dur="indefinite" restart="never" nodeType="tmRoot"/>
+      </p:par>
+    </p:tnLst>
+  </p:timing>
 </p:sld>
 </file>
 
@@ -16653,21 +17036,14 @@
                 <a:latin typeface="Bodoni MT" panose="02070603080606020203" pitchFamily="18" charset="0"/>
                 <a:cs typeface="Courier New" panose="02070309020205020404" pitchFamily="49" charset="0"/>
               </a:rPr>
-              <a:t>// we need two positions to insert between</a:t>
+              <a:t>// we need two positions to insert </a:t>
             </a:r>
             <a:r>
               <a:rPr lang="en-US" sz="2200" dirty="0" smtClean="0">
-                <a:latin typeface="Courier New" panose="02070309020205020404" pitchFamily="49" charset="0"/>
-                <a:cs typeface="Courier New" panose="02070309020205020404" pitchFamily="49" charset="0"/>
-              </a:rPr>
-              <a:t> </a:t>
-            </a:r>
-            <a:r>
-              <a:rPr lang="en-US" sz="2200" dirty="0">
-                <a:latin typeface="Courier New" panose="02070309020205020404" pitchFamily="49" charset="0"/>
-                <a:cs typeface="Courier New" panose="02070309020205020404" pitchFamily="49" charset="0"/>
-              </a:rPr>
-              <a:t>	</a:t>
+                <a:latin typeface="Bodoni MT" panose="02070603080606020203" pitchFamily="18" charset="0"/>
+                <a:cs typeface="Courier New" panose="02070309020205020404" pitchFamily="49" charset="0"/>
+              </a:rPr>
+              <a:t>between (after p, before l)</a:t>
             </a:r>
             <a:r>
               <a:rPr lang="en-US" sz="2200" dirty="0" smtClean="0">
@@ -16851,10 +17227,27 @@
                 <a:latin typeface="Courier New" panose="02070309020205020404" pitchFamily="49" charset="0"/>
                 <a:cs typeface="Courier New" panose="02070309020205020404" pitchFamily="49" charset="0"/>
               </a:rPr>
-              <a:t>     </a:t>
+              <a:t>   </a:t>
             </a:r>
             <a:r>
               <a:rPr lang="en-US" sz="2200" dirty="0" smtClean="0">
+                <a:solidFill>
+                  <a:schemeClr val="accent1">
+                    <a:lumMod val="75000"/>
+                  </a:schemeClr>
+                </a:solidFill>
+                <a:latin typeface="Courier New" panose="02070309020205020404" pitchFamily="49" charset="0"/>
+                <a:cs typeface="Courier New" panose="02070309020205020404" pitchFamily="49" charset="0"/>
+              </a:rPr>
+              <a:t>  </a:t>
+            </a:r>
+            <a:r>
+              <a:rPr lang="en-US" sz="2200" dirty="0" smtClean="0">
+                <a:solidFill>
+                  <a:schemeClr val="accent1">
+                    <a:lumMod val="75000"/>
+                  </a:schemeClr>
+                </a:solidFill>
                 <a:latin typeface="Bodoni MT" panose="02070603080606020203" pitchFamily="18" charset="0"/>
                 <a:cs typeface="Courier New" panose="02070309020205020404" pitchFamily="49" charset="0"/>
               </a:rPr>
@@ -16862,6 +17255,11 @@
             </a:r>
             <a:r>
               <a:rPr lang="en-US" sz="2200" dirty="0" smtClean="0">
+                <a:solidFill>
+                  <a:schemeClr val="accent1">
+                    <a:lumMod val="75000"/>
+                  </a:schemeClr>
+                </a:solidFill>
                 <a:latin typeface="Courier New" panose="02070309020205020404" pitchFamily="49" charset="0"/>
                 <a:cs typeface="Courier New" panose="02070309020205020404" pitchFamily="49" charset="0"/>
               </a:rPr>
@@ -16869,12 +17267,22 @@
             </a:r>
             <a:br>
               <a:rPr lang="en-US" sz="2200" dirty="0" smtClean="0">
+                <a:solidFill>
+                  <a:schemeClr val="accent1">
+                    <a:lumMod val="75000"/>
+                  </a:schemeClr>
+                </a:solidFill>
                 <a:latin typeface="Courier New" panose="02070309020205020404" pitchFamily="49" charset="0"/>
                 <a:cs typeface="Courier New" panose="02070309020205020404" pitchFamily="49" charset="0"/>
               </a:rPr>
             </a:br>
             <a:r>
               <a:rPr lang="en-US" sz="2200" dirty="0" smtClean="0">
+                <a:solidFill>
+                  <a:schemeClr val="accent1">
+                    <a:lumMod val="75000"/>
+                  </a:schemeClr>
+                </a:solidFill>
                 <a:latin typeface="Courier New" panose="02070309020205020404" pitchFamily="49" charset="0"/>
                 <a:cs typeface="Courier New" panose="02070309020205020404" pitchFamily="49" charset="0"/>
               </a:rPr>
@@ -16882,6 +17290,11 @@
             </a:r>
             <a:r>
               <a:rPr lang="en-US" sz="2200" dirty="0">
+                <a:solidFill>
+                  <a:schemeClr val="accent1">
+                    <a:lumMod val="75000"/>
+                  </a:schemeClr>
+                </a:solidFill>
                 <a:latin typeface="Courier New" panose="02070309020205020404" pitchFamily="49" charset="0"/>
                 <a:cs typeface="Courier New" panose="02070309020205020404" pitchFamily="49" charset="0"/>
               </a:rPr>
@@ -16889,6 +17302,11 @@
             </a:r>
             <a:r>
               <a:rPr lang="en-US" sz="2200" dirty="0" err="1">
+                <a:solidFill>
+                  <a:schemeClr val="accent1">
+                    <a:lumMod val="75000"/>
+                  </a:schemeClr>
+                </a:solidFill>
                 <a:latin typeface="Courier New" panose="02070309020205020404" pitchFamily="49" charset="0"/>
                 <a:cs typeface="Courier New" panose="02070309020205020404" pitchFamily="49" charset="0"/>
               </a:rPr>
@@ -16896,6 +17314,11 @@
             </a:r>
             <a:r>
               <a:rPr lang="en-US" sz="2200" dirty="0">
+                <a:solidFill>
+                  <a:schemeClr val="accent1">
+                    <a:lumMod val="75000"/>
+                  </a:schemeClr>
+                </a:solidFill>
                 <a:latin typeface="Courier New" panose="02070309020205020404" pitchFamily="49" charset="0"/>
                 <a:cs typeface="Courier New" panose="02070309020205020404" pitchFamily="49" charset="0"/>
               </a:rPr>
@@ -16944,7 +17367,9 @@
             <a:r>
               <a:rPr lang="en-US" sz="2200" b="1" dirty="0">
                 <a:solidFill>
-                  <a:schemeClr val="accent2"/>
+                  <a:schemeClr val="accent1">
+                    <a:lumMod val="75000"/>
+                  </a:schemeClr>
                 </a:solidFill>
                 <a:latin typeface="Courier New" panose="02070309020205020404" pitchFamily="49" charset="0"/>
                 <a:cs typeface="Courier New" panose="02070309020205020404" pitchFamily="49" charset="0"/>
@@ -16953,6 +17378,11 @@
             </a:r>
             <a:r>
               <a:rPr lang="en-US" sz="2200" dirty="0">
+                <a:solidFill>
+                  <a:schemeClr val="accent1">
+                    <a:lumMod val="75000"/>
+                  </a:schemeClr>
+                </a:solidFill>
                 <a:latin typeface="Courier New" panose="02070309020205020404" pitchFamily="49" charset="0"/>
                 <a:cs typeface="Courier New" panose="02070309020205020404" pitchFamily="49" charset="0"/>
               </a:rPr>
@@ -16960,6 +17390,11 @@
             </a:r>
             <a:r>
               <a:rPr lang="en-US" sz="2200" dirty="0" err="1">
+                <a:solidFill>
+                  <a:schemeClr val="accent1">
+                    <a:lumMod val="75000"/>
+                  </a:schemeClr>
+                </a:solidFill>
                 <a:latin typeface="Courier New" panose="02070309020205020404" pitchFamily="49" charset="0"/>
                 <a:cs typeface="Courier New" panose="02070309020205020404" pitchFamily="49" charset="0"/>
               </a:rPr>
@@ -16967,6 +17402,11 @@
             </a:r>
             <a:r>
               <a:rPr lang="en-US" sz="2200" dirty="0" smtClean="0">
+                <a:solidFill>
+                  <a:schemeClr val="accent1">
+                    <a:lumMod val="75000"/>
+                  </a:schemeClr>
+                </a:solidFill>
                 <a:latin typeface="Courier New" panose="02070309020205020404" pitchFamily="49" charset="0"/>
                 <a:cs typeface="Courier New" panose="02070309020205020404" pitchFamily="49" charset="0"/>
               </a:rPr>
@@ -16974,12 +17414,22 @@
             </a:r>
             <a:br>
               <a:rPr lang="en-US" sz="2200" dirty="0" smtClean="0">
+                <a:solidFill>
+                  <a:schemeClr val="accent1">
+                    <a:lumMod val="75000"/>
+                  </a:schemeClr>
+                </a:solidFill>
                 <a:latin typeface="Courier New" panose="02070309020205020404" pitchFamily="49" charset="0"/>
                 <a:cs typeface="Courier New" panose="02070309020205020404" pitchFamily="49" charset="0"/>
               </a:rPr>
             </a:br>
             <a:r>
               <a:rPr lang="en-US" sz="2200" dirty="0" smtClean="0">
+                <a:solidFill>
+                  <a:schemeClr val="accent1">
+                    <a:lumMod val="75000"/>
+                  </a:schemeClr>
+                </a:solidFill>
                 <a:latin typeface="Courier New" panose="02070309020205020404" pitchFamily="49" charset="0"/>
                 <a:cs typeface="Courier New" panose="02070309020205020404" pitchFamily="49" charset="0"/>
               </a:rPr>
@@ -17114,7 +17564,14 @@
                 <a:latin typeface="Bodoni MT" panose="02070603080606020203" pitchFamily="18" charset="0"/>
                 <a:cs typeface="Courier New" panose="02070309020205020404" pitchFamily="49" charset="0"/>
               </a:rPr>
-              <a:t>// and return the new bead</a:t>
+              <a:t>// and return the new </a:t>
+            </a:r>
+            <a:r>
+              <a:rPr lang="en-US" sz="2200" dirty="0" smtClean="0">
+                <a:latin typeface="Bodoni MT" panose="02070603080606020203" pitchFamily="18" charset="0"/>
+                <a:cs typeface="Courier New" panose="02070309020205020404" pitchFamily="49" charset="0"/>
+              </a:rPr>
+              <a:t>head</a:t>
             </a:r>
             <a:r>
               <a:rPr lang="en-US" sz="2200" dirty="0" smtClean="0">
@@ -17257,6 +17714,91 @@
               </a:rPr>
               <a:t>}</a:t>
             </a:r>
+          </a:p>
+        </p:txBody>
+      </p:sp>
+      <p:sp>
+        <p:nvSpPr>
+          <p:cNvPr id="5" name="TextBox 4"/>
+          <p:cNvSpPr txBox="1"/>
+          <p:nvPr/>
+        </p:nvSpPr>
+        <p:spPr>
+          <a:xfrm>
+            <a:off x="9059595" y="4991687"/>
+            <a:ext cx="3117648" cy="369332"/>
+          </a:xfrm>
+          <a:prstGeom prst="rect">
+            <a:avLst/>
+          </a:prstGeom>
+          <a:gradFill flip="none" rotWithShape="1">
+            <a:gsLst>
+              <a:gs pos="0">
+                <a:srgbClr val="FFFF00"/>
+              </a:gs>
+              <a:gs pos="100000">
+                <a:schemeClr val="bg1"/>
+              </a:gs>
+            </a:gsLst>
+            <a:lin ang="5400000" scaled="1"/>
+            <a:tileRect/>
+          </a:gradFill>
+        </p:spPr>
+        <p:txBody>
+          <a:bodyPr wrap="square" rtlCol="0">
+            <a:spAutoFit/>
+          </a:bodyPr>
+          <a:lstStyle/>
+          <a:p>
+            <a:endParaRPr lang="en-US" dirty="0"/>
+          </a:p>
+        </p:txBody>
+      </p:sp>
+      <p:sp>
+        <p:nvSpPr>
+          <p:cNvPr id="4" name="TextBox 3"/>
+          <p:cNvSpPr txBox="1"/>
+          <p:nvPr/>
+        </p:nvSpPr>
+        <p:spPr>
+          <a:xfrm>
+            <a:off x="9059595" y="5022165"/>
+            <a:ext cx="3117648" cy="646331"/>
+          </a:xfrm>
+          <a:prstGeom prst="rect">
+            <a:avLst/>
+          </a:prstGeom>
+          <a:gradFill flip="none" rotWithShape="1">
+            <a:gsLst>
+              <a:gs pos="0">
+                <a:srgbClr val="FFFF00"/>
+              </a:gs>
+              <a:gs pos="100000">
+                <a:schemeClr val="bg1"/>
+              </a:gs>
+            </a:gsLst>
+            <a:lin ang="5400000" scaled="1"/>
+            <a:tileRect/>
+          </a:gradFill>
+        </p:spPr>
+        <p:txBody>
+          <a:bodyPr wrap="none" rtlCol="0">
+            <a:spAutoFit/>
+          </a:bodyPr>
+          <a:lstStyle/>
+          <a:p>
+            <a:r>
+              <a:rPr lang="en-US" dirty="0" smtClean="0"/>
+              <a:t>Exercise:</a:t>
+            </a:r>
+            <a:br>
+              <a:rPr lang="en-US" dirty="0" smtClean="0"/>
+            </a:br>
+            <a:r>
+              <a:rPr lang="en-US" dirty="0" smtClean="0"/>
+              <a:t>Insert just before a given value.</a:t>
+            </a:r>
+            <a:endParaRPr lang="en-US" dirty="0"/>
           </a:p>
         </p:txBody>
       </p:sp>
@@ -17523,6 +18065,51 @@
                       </p:childTnLst>
                     </p:cTn>
                   </p:par>
+                  <p:par>
+                    <p:cTn id="23" fill="hold">
+                      <p:stCondLst>
+                        <p:cond delay="indefinite"/>
+                      </p:stCondLst>
+                      <p:childTnLst>
+                        <p:par>
+                          <p:cTn id="24" fill="hold">
+                            <p:stCondLst>
+                              <p:cond delay="0"/>
+                            </p:stCondLst>
+                            <p:childTnLst>
+                              <p:par>
+                                <p:cTn id="25" presetID="1" presetClass="entr" presetSubtype="0" fill="hold" grpId="0" nodeType="clickEffect">
+                                  <p:stCondLst>
+                                    <p:cond delay="0"/>
+                                  </p:stCondLst>
+                                  <p:childTnLst>
+                                    <p:set>
+                                      <p:cBhvr>
+                                        <p:cTn id="26" dur="1" fill="hold">
+                                          <p:stCondLst>
+                                            <p:cond delay="0"/>
+                                          </p:stCondLst>
+                                        </p:cTn>
+                                        <p:tgtEl>
+                                          <p:spTgt spid="4"/>
+                                        </p:tgtEl>
+                                        <p:attrNameLst>
+                                          <p:attrName>style.visibility</p:attrName>
+                                        </p:attrNameLst>
+                                      </p:cBhvr>
+                                      <p:to>
+                                        <p:strVal val="visible"/>
+                                      </p:to>
+                                    </p:set>
+                                  </p:childTnLst>
+                                </p:cTn>
+                              </p:par>
+                            </p:childTnLst>
+                          </p:cTn>
+                        </p:par>
+                      </p:childTnLst>
+                    </p:cTn>
+                  </p:par>
                 </p:childTnLst>
               </p:cTn>
               <p:prevCondLst>
@@ -17544,6 +18131,9 @@
         </p:cTn>
       </p:par>
     </p:tnLst>
+    <p:bldLst>
+      <p:bldP spid="4" grpId="0" animBg="1"/>
+    </p:bldLst>
   </p:timing>
 </p:sld>
 </file>

--- a/slides/14-LinkedLists.pptx
+++ b/slides/14-LinkedLists.pptx
@@ -8,14 +8,18 @@
     <p:sldId id="256" r:id="rId2"/>
     <p:sldId id="262" r:id="rId3"/>
     <p:sldId id="257" r:id="rId4"/>
-    <p:sldId id="258" r:id="rId5"/>
-    <p:sldId id="259" r:id="rId6"/>
-    <p:sldId id="260" r:id="rId7"/>
-    <p:sldId id="261" r:id="rId8"/>
-    <p:sldId id="266" r:id="rId9"/>
-    <p:sldId id="263" r:id="rId10"/>
-    <p:sldId id="265" r:id="rId11"/>
-    <p:sldId id="267" r:id="rId12"/>
+    <p:sldId id="270" r:id="rId5"/>
+    <p:sldId id="271" r:id="rId6"/>
+    <p:sldId id="258" r:id="rId7"/>
+    <p:sldId id="259" r:id="rId8"/>
+    <p:sldId id="260" r:id="rId9"/>
+    <p:sldId id="261" r:id="rId10"/>
+    <p:sldId id="268" r:id="rId11"/>
+    <p:sldId id="269" r:id="rId12"/>
+    <p:sldId id="266" r:id="rId13"/>
+    <p:sldId id="263" r:id="rId14"/>
+    <p:sldId id="265" r:id="rId15"/>
+    <p:sldId id="267" r:id="rId16"/>
   </p:sldIdLst>
   <p:sldSz cx="12192000" cy="6858000"/>
   <p:notesSz cx="6858000" cy="9144000"/>
@@ -253,7 +257,7 @@
           <a:p>
             <a:fld id="{0D8D7A85-C680-4D97-8E7A-1E039B1638C1}" type="datetimeFigureOut">
               <a:rPr lang="en-US" smtClean="0"/>
-              <a:t>10/26/2023</a:t>
+              <a:t>11/20/2023</a:t>
             </a:fld>
             <a:endParaRPr lang="en-US"/>
           </a:p>
@@ -423,7 +427,7 @@
           <a:p>
             <a:fld id="{0D8D7A85-C680-4D97-8E7A-1E039B1638C1}" type="datetimeFigureOut">
               <a:rPr lang="en-US" smtClean="0"/>
-              <a:t>10/26/2023</a:t>
+              <a:t>11/20/2023</a:t>
             </a:fld>
             <a:endParaRPr lang="en-US"/>
           </a:p>
@@ -603,7 +607,7 @@
           <a:p>
             <a:fld id="{0D8D7A85-C680-4D97-8E7A-1E039B1638C1}" type="datetimeFigureOut">
               <a:rPr lang="en-US" smtClean="0"/>
-              <a:t>10/26/2023</a:t>
+              <a:t>11/20/2023</a:t>
             </a:fld>
             <a:endParaRPr lang="en-US"/>
           </a:p>
@@ -773,7 +777,7 @@
           <a:p>
             <a:fld id="{0D8D7A85-C680-4D97-8E7A-1E039B1638C1}" type="datetimeFigureOut">
               <a:rPr lang="en-US" smtClean="0"/>
-              <a:t>10/26/2023</a:t>
+              <a:t>11/20/2023</a:t>
             </a:fld>
             <a:endParaRPr lang="en-US"/>
           </a:p>
@@ -1019,7 +1023,7 @@
           <a:p>
             <a:fld id="{0D8D7A85-C680-4D97-8E7A-1E039B1638C1}" type="datetimeFigureOut">
               <a:rPr lang="en-US" smtClean="0"/>
-              <a:t>10/26/2023</a:t>
+              <a:t>11/20/2023</a:t>
             </a:fld>
             <a:endParaRPr lang="en-US"/>
           </a:p>
@@ -1251,7 +1255,7 @@
           <a:p>
             <a:fld id="{0D8D7A85-C680-4D97-8E7A-1E039B1638C1}" type="datetimeFigureOut">
               <a:rPr lang="en-US" smtClean="0"/>
-              <a:t>10/26/2023</a:t>
+              <a:t>11/20/2023</a:t>
             </a:fld>
             <a:endParaRPr lang="en-US"/>
           </a:p>
@@ -1618,7 +1622,7 @@
           <a:p>
             <a:fld id="{0D8D7A85-C680-4D97-8E7A-1E039B1638C1}" type="datetimeFigureOut">
               <a:rPr lang="en-US" smtClean="0"/>
-              <a:t>10/26/2023</a:t>
+              <a:t>11/20/2023</a:t>
             </a:fld>
             <a:endParaRPr lang="en-US"/>
           </a:p>
@@ -1736,7 +1740,7 @@
           <a:p>
             <a:fld id="{0D8D7A85-C680-4D97-8E7A-1E039B1638C1}" type="datetimeFigureOut">
               <a:rPr lang="en-US" smtClean="0"/>
-              <a:t>10/26/2023</a:t>
+              <a:t>11/20/2023</a:t>
             </a:fld>
             <a:endParaRPr lang="en-US"/>
           </a:p>
@@ -1831,7 +1835,7 @@
           <a:p>
             <a:fld id="{0D8D7A85-C680-4D97-8E7A-1E039B1638C1}" type="datetimeFigureOut">
               <a:rPr lang="en-US" smtClean="0"/>
-              <a:t>10/26/2023</a:t>
+              <a:t>11/20/2023</a:t>
             </a:fld>
             <a:endParaRPr lang="en-US"/>
           </a:p>
@@ -2108,7 +2112,7 @@
           <a:p>
             <a:fld id="{0D8D7A85-C680-4D97-8E7A-1E039B1638C1}" type="datetimeFigureOut">
               <a:rPr lang="en-US" smtClean="0"/>
-              <a:t>10/26/2023</a:t>
+              <a:t>11/20/2023</a:t>
             </a:fld>
             <a:endParaRPr lang="en-US"/>
           </a:p>
@@ -2361,7 +2365,7 @@
           <a:p>
             <a:fld id="{0D8D7A85-C680-4D97-8E7A-1E039B1638C1}" type="datetimeFigureOut">
               <a:rPr lang="en-US" smtClean="0"/>
-              <a:t>10/26/2023</a:t>
+              <a:t>11/20/2023</a:t>
             </a:fld>
             <a:endParaRPr lang="en-US"/>
           </a:p>
@@ -2574,7 +2578,7 @@
           <a:p>
             <a:fld id="{0D8D7A85-C680-4D97-8E7A-1E039B1638C1}" type="datetimeFigureOut">
               <a:rPr lang="en-US" smtClean="0"/>
-              <a:t>10/26/2023</a:t>
+              <a:t>11/20/2023</a:t>
             </a:fld>
             <a:endParaRPr lang="en-US"/>
           </a:p>
@@ -3042,6 +3046,3470 @@
 </file>
 
 <file path=ppt/slides/slide10.xml><?xml version="1.0" encoding="utf-8"?>
+<p:sld xmlns:a="http://schemas.openxmlformats.org/drawingml/2006/main" xmlns:r="http://schemas.openxmlformats.org/officeDocument/2006/relationships" xmlns:p="http://schemas.openxmlformats.org/presentationml/2006/main">
+  <p:cSld>
+    <p:spTree>
+      <p:nvGrpSpPr>
+        <p:cNvPr id="1" name=""/>
+        <p:cNvGrpSpPr/>
+        <p:nvPr/>
+      </p:nvGrpSpPr>
+      <p:grpSpPr>
+        <a:xfrm>
+          <a:off x="0" y="0"/>
+          <a:ext cx="0" cy="0"/>
+          <a:chOff x="0" y="0"/>
+          <a:chExt cx="0" cy="0"/>
+        </a:xfrm>
+      </p:grpSpPr>
+      <p:sp>
+        <p:nvSpPr>
+          <p:cNvPr id="2" name="Title 1"/>
+          <p:cNvSpPr>
+            <a:spLocks noGrp="1"/>
+          </p:cNvSpPr>
+          <p:nvPr>
+            <p:ph type="title"/>
+          </p:nvPr>
+        </p:nvSpPr>
+        <p:spPr/>
+        <p:txBody>
+          <a:bodyPr/>
+          <a:lstStyle/>
+          <a:p>
+            <a:r>
+              <a:rPr lang="en-US" dirty="0" smtClean="0"/>
+              <a:t>Some conventions</a:t>
+            </a:r>
+            <a:endParaRPr lang="en-US" dirty="0"/>
+          </a:p>
+        </p:txBody>
+      </p:sp>
+      <p:sp>
+        <p:nvSpPr>
+          <p:cNvPr id="3" name="Content Placeholder 2"/>
+          <p:cNvSpPr>
+            <a:spLocks noGrp="1"/>
+          </p:cNvSpPr>
+          <p:nvPr>
+            <p:ph idx="1"/>
+          </p:nvPr>
+        </p:nvSpPr>
+        <p:spPr/>
+        <p:txBody>
+          <a:bodyPr>
+            <a:normAutofit fontScale="92500" lnSpcReduction="20000"/>
+          </a:bodyPr>
+          <a:lstStyle/>
+          <a:p>
+            <a:r>
+              <a:rPr lang="en-US" dirty="0" smtClean="0"/>
+              <a:t>We use the word </a:t>
+            </a:r>
+            <a:r>
+              <a:rPr lang="en-US" b="1" dirty="0" smtClean="0"/>
+              <a:t>node</a:t>
+            </a:r>
+            <a:r>
+              <a:rPr lang="en-US" dirty="0" smtClean="0"/>
+              <a:t> to mean a structure in the linked list.</a:t>
+            </a:r>
+          </a:p>
+          <a:p>
+            <a:r>
+              <a:rPr lang="en-US" dirty="0" smtClean="0"/>
+              <a:t>We will use the field name </a:t>
+            </a:r>
+            <a:r>
+              <a:rPr lang="en-US" dirty="0" smtClean="0">
+                <a:latin typeface="Courier New" panose="02070309020205020404" pitchFamily="49" charset="0"/>
+                <a:cs typeface="Courier New" panose="02070309020205020404" pitchFamily="49" charset="0"/>
+              </a:rPr>
+              <a:t> next  </a:t>
+            </a:r>
+            <a:r>
+              <a:rPr lang="en-US" dirty="0" smtClean="0"/>
+              <a:t>to indicate the pointer to the next node in the linked list.</a:t>
+            </a:r>
+          </a:p>
+          <a:p>
+            <a:r>
+              <a:rPr lang="en-US" dirty="0" smtClean="0"/>
+              <a:t>We will use the term </a:t>
+            </a:r>
+            <a:r>
+              <a:rPr lang="en-US" b="1" dirty="0" smtClean="0"/>
+              <a:t>head of the linked list </a:t>
+            </a:r>
+            <a:r>
+              <a:rPr lang="en-US" dirty="0" smtClean="0"/>
+              <a:t> or </a:t>
+            </a:r>
+            <a:r>
+              <a:rPr lang="en-US" b="1" dirty="0" smtClean="0"/>
+              <a:t>head node</a:t>
+            </a:r>
+            <a:r>
+              <a:rPr lang="en-US" dirty="0" smtClean="0"/>
+              <a:t> to mean the first node of the linked list.</a:t>
+            </a:r>
+          </a:p>
+          <a:p>
+            <a:r>
+              <a:rPr lang="en-US" dirty="0" smtClean="0"/>
+              <a:t>We will use the term </a:t>
+            </a:r>
+            <a:r>
+              <a:rPr lang="en-US" b="1" dirty="0" smtClean="0"/>
+              <a:t>tail of the linked list</a:t>
+            </a:r>
+            <a:r>
+              <a:rPr lang="en-US" dirty="0" smtClean="0"/>
+              <a:t> or just </a:t>
+            </a:r>
+            <a:r>
+              <a:rPr lang="en-US" b="1" dirty="0" smtClean="0"/>
+              <a:t>tail node</a:t>
+            </a:r>
+            <a:r>
+              <a:rPr lang="en-US" dirty="0" smtClean="0"/>
+              <a:t> to mean the last node of the linked list.</a:t>
+            </a:r>
+          </a:p>
+          <a:p>
+            <a:pPr lvl="1"/>
+            <a:r>
+              <a:rPr lang="en-US" dirty="0" smtClean="0"/>
+              <a:t>For an empty list we have no head node and no tail node.</a:t>
+            </a:r>
+          </a:p>
+          <a:p>
+            <a:pPr lvl="1"/>
+            <a:r>
+              <a:rPr lang="en-US" dirty="0" smtClean="0"/>
+              <a:t>For a list with one element the head node and tail node are the same.</a:t>
+            </a:r>
+          </a:p>
+          <a:p>
+            <a:r>
+              <a:rPr lang="en-US" dirty="0" smtClean="0"/>
+              <a:t>We will use the  </a:t>
+            </a:r>
+            <a:r>
+              <a:rPr lang="en-US" i="1" dirty="0" smtClean="0">
+                <a:latin typeface="Garamond" panose="02020404030301010803" pitchFamily="18" charset="0"/>
+              </a:rPr>
+              <a:t>variable </a:t>
+            </a:r>
+            <a:r>
+              <a:rPr lang="en-US" dirty="0" smtClean="0"/>
+              <a:t>named</a:t>
+            </a:r>
+            <a:r>
+              <a:rPr lang="en-US" dirty="0" smtClean="0">
+                <a:latin typeface="Courier New" panose="02070309020205020404" pitchFamily="49" charset="0"/>
+                <a:cs typeface="Courier New" panose="02070309020205020404" pitchFamily="49" charset="0"/>
+              </a:rPr>
+              <a:t> head </a:t>
+            </a:r>
+            <a:r>
+              <a:rPr lang="en-US" dirty="0" smtClean="0"/>
+              <a:t>to be a pointer to the head node of the list. </a:t>
+            </a:r>
+            <a:r>
+              <a:rPr lang="en-US" i="1" dirty="0" smtClean="0">
+                <a:latin typeface="Garamond" panose="02020404030301010803" pitchFamily="18" charset="0"/>
+              </a:rPr>
+              <a:t>Note that the variable head is itself not a node, but a </a:t>
+            </a:r>
+            <a:r>
+              <a:rPr lang="en-US" b="1" i="1" dirty="0" smtClean="0">
+                <a:latin typeface="Garamond" panose="02020404030301010803" pitchFamily="18" charset="0"/>
+              </a:rPr>
+              <a:t>pointer</a:t>
+            </a:r>
+            <a:r>
+              <a:rPr lang="en-US" i="1" dirty="0" smtClean="0">
+                <a:latin typeface="Garamond" panose="02020404030301010803" pitchFamily="18" charset="0"/>
+              </a:rPr>
+              <a:t> to the </a:t>
+            </a:r>
+            <a:r>
+              <a:rPr lang="en-US" b="1" i="1" dirty="0" smtClean="0">
+                <a:latin typeface="Garamond" panose="02020404030301010803" pitchFamily="18" charset="0"/>
+              </a:rPr>
+              <a:t>head</a:t>
+            </a:r>
+            <a:r>
+              <a:rPr lang="en-US" i="1" dirty="0" smtClean="0">
+                <a:latin typeface="Garamond" panose="02020404030301010803" pitchFamily="18" charset="0"/>
+              </a:rPr>
+              <a:t> node</a:t>
+            </a:r>
+            <a:r>
+              <a:rPr lang="en-US" dirty="0" smtClean="0"/>
+              <a:t>.</a:t>
+            </a:r>
+            <a:endParaRPr lang="en-US" dirty="0"/>
+          </a:p>
+        </p:txBody>
+      </p:sp>
+    </p:spTree>
+    <p:extLst>
+      <p:ext uri="{BB962C8B-B14F-4D97-AF65-F5344CB8AC3E}">
+        <p14:creationId xmlns:p14="http://schemas.microsoft.com/office/powerpoint/2010/main" val="2683250945"/>
+      </p:ext>
+    </p:extLst>
+  </p:cSld>
+  <p:clrMapOvr>
+    <a:masterClrMapping/>
+  </p:clrMapOvr>
+  <p:timing>
+    <p:tnLst>
+      <p:par>
+        <p:cTn id="1" dur="indefinite" restart="never" nodeType="tmRoot"/>
+      </p:par>
+    </p:tnLst>
+  </p:timing>
+</p:sld>
+</file>
+
+<file path=ppt/slides/slide11.xml><?xml version="1.0" encoding="utf-8"?>
+<p:sld xmlns:a="http://schemas.openxmlformats.org/drawingml/2006/main" xmlns:r="http://schemas.openxmlformats.org/officeDocument/2006/relationships" xmlns:p="http://schemas.openxmlformats.org/presentationml/2006/main">
+  <p:cSld>
+    <p:spTree>
+      <p:nvGrpSpPr>
+        <p:cNvPr id="1" name=""/>
+        <p:cNvGrpSpPr/>
+        <p:nvPr/>
+      </p:nvGrpSpPr>
+      <p:grpSpPr>
+        <a:xfrm>
+          <a:off x="0" y="0"/>
+          <a:ext cx="0" cy="0"/>
+          <a:chOff x="0" y="0"/>
+          <a:chExt cx="0" cy="0"/>
+        </a:xfrm>
+      </p:grpSpPr>
+      <p:sp>
+        <p:nvSpPr>
+          <p:cNvPr id="4" name="Title 3"/>
+          <p:cNvSpPr>
+            <a:spLocks noGrp="1"/>
+          </p:cNvSpPr>
+          <p:nvPr>
+            <p:ph type="title"/>
+          </p:nvPr>
+        </p:nvSpPr>
+        <p:spPr/>
+        <p:txBody>
+          <a:bodyPr/>
+          <a:lstStyle/>
+          <a:p>
+            <a:r>
+              <a:rPr lang="en-US" dirty="0" smtClean="0"/>
+              <a:t>Example</a:t>
+            </a:r>
+            <a:endParaRPr lang="en-US" dirty="0"/>
+          </a:p>
+        </p:txBody>
+      </p:sp>
+      <p:sp>
+        <p:nvSpPr>
+          <p:cNvPr id="6" name="TextBox 5"/>
+          <p:cNvSpPr txBox="1"/>
+          <p:nvPr/>
+        </p:nvSpPr>
+        <p:spPr>
+          <a:xfrm>
+            <a:off x="139559" y="1689462"/>
+            <a:ext cx="3643532" cy="3416320"/>
+          </a:xfrm>
+          <a:prstGeom prst="rect">
+            <a:avLst/>
+          </a:prstGeom>
+          <a:noFill/>
+        </p:spPr>
+        <p:txBody>
+          <a:bodyPr wrap="square" rtlCol="0">
+            <a:spAutoFit/>
+          </a:bodyPr>
+          <a:lstStyle/>
+          <a:p>
+            <a:r>
+              <a:rPr lang="en-US" dirty="0" err="1" smtClean="0">
+                <a:latin typeface="Courier New" panose="02070309020205020404" pitchFamily="49" charset="0"/>
+                <a:cs typeface="Courier New" panose="02070309020205020404" pitchFamily="49" charset="0"/>
+              </a:rPr>
+              <a:t>struct</a:t>
+            </a:r>
+            <a:r>
+              <a:rPr lang="en-US" dirty="0" smtClean="0">
+                <a:latin typeface="Courier New" panose="02070309020205020404" pitchFamily="49" charset="0"/>
+                <a:cs typeface="Courier New" panose="02070309020205020404" pitchFamily="49" charset="0"/>
+              </a:rPr>
+              <a:t> node {</a:t>
+            </a:r>
+            <a:br>
+              <a:rPr lang="en-US" dirty="0" smtClean="0">
+                <a:latin typeface="Courier New" panose="02070309020205020404" pitchFamily="49" charset="0"/>
+                <a:cs typeface="Courier New" panose="02070309020205020404" pitchFamily="49" charset="0"/>
+              </a:rPr>
+            </a:br>
+            <a:r>
+              <a:rPr lang="en-US" dirty="0" smtClean="0">
+                <a:latin typeface="Courier New" panose="02070309020205020404" pitchFamily="49" charset="0"/>
+                <a:cs typeface="Courier New" panose="02070309020205020404" pitchFamily="49" charset="0"/>
+              </a:rPr>
+              <a:t>      </a:t>
+            </a:r>
+            <a:r>
+              <a:rPr lang="en-US" dirty="0" err="1" smtClean="0">
+                <a:latin typeface="Courier New" panose="02070309020205020404" pitchFamily="49" charset="0"/>
+                <a:cs typeface="Courier New" panose="02070309020205020404" pitchFamily="49" charset="0"/>
+              </a:rPr>
+              <a:t>int</a:t>
+            </a:r>
+            <a:r>
+              <a:rPr lang="en-US" dirty="0" smtClean="0">
+                <a:latin typeface="Courier New" panose="02070309020205020404" pitchFamily="49" charset="0"/>
+                <a:cs typeface="Courier New" panose="02070309020205020404" pitchFamily="49" charset="0"/>
+              </a:rPr>
+              <a:t> </a:t>
+            </a:r>
+            <a:r>
+              <a:rPr lang="en-US" dirty="0" err="1" smtClean="0">
+                <a:latin typeface="Courier New" panose="02070309020205020404" pitchFamily="49" charset="0"/>
+                <a:cs typeface="Courier New" panose="02070309020205020404" pitchFamily="49" charset="0"/>
+              </a:rPr>
+              <a:t>val</a:t>
+            </a:r>
+            <a:r>
+              <a:rPr lang="en-US" dirty="0" smtClean="0">
+                <a:latin typeface="Courier New" panose="02070309020205020404" pitchFamily="49" charset="0"/>
+                <a:cs typeface="Courier New" panose="02070309020205020404" pitchFamily="49" charset="0"/>
+              </a:rPr>
+              <a:t>;</a:t>
+            </a:r>
+          </a:p>
+          <a:p>
+            <a:r>
+              <a:rPr lang="en-US" dirty="0">
+                <a:latin typeface="Courier New" panose="02070309020205020404" pitchFamily="49" charset="0"/>
+                <a:cs typeface="Courier New" panose="02070309020205020404" pitchFamily="49" charset="0"/>
+              </a:rPr>
+              <a:t> </a:t>
+            </a:r>
+            <a:r>
+              <a:rPr lang="en-US" dirty="0" smtClean="0">
+                <a:latin typeface="Courier New" panose="02070309020205020404" pitchFamily="49" charset="0"/>
+                <a:cs typeface="Courier New" panose="02070309020205020404" pitchFamily="49" charset="0"/>
+              </a:rPr>
+              <a:t>     </a:t>
+            </a:r>
+            <a:r>
+              <a:rPr lang="en-US" dirty="0" err="1" smtClean="0">
+                <a:latin typeface="Courier New" panose="02070309020205020404" pitchFamily="49" charset="0"/>
+                <a:cs typeface="Courier New" panose="02070309020205020404" pitchFamily="49" charset="0"/>
+              </a:rPr>
+              <a:t>struct</a:t>
+            </a:r>
+            <a:r>
+              <a:rPr lang="en-US" dirty="0" smtClean="0">
+                <a:latin typeface="Courier New" panose="02070309020205020404" pitchFamily="49" charset="0"/>
+                <a:cs typeface="Courier New" panose="02070309020205020404" pitchFamily="49" charset="0"/>
+              </a:rPr>
+              <a:t> node * next;</a:t>
+            </a:r>
+          </a:p>
+          <a:p>
+            <a:r>
+              <a:rPr lang="en-US" dirty="0" smtClean="0">
+                <a:latin typeface="Courier New" panose="02070309020205020404" pitchFamily="49" charset="0"/>
+                <a:cs typeface="Courier New" panose="02070309020205020404" pitchFamily="49" charset="0"/>
+              </a:rPr>
+              <a:t>};</a:t>
+            </a:r>
+          </a:p>
+          <a:p>
+            <a:endParaRPr lang="en-US" dirty="0" smtClean="0">
+              <a:latin typeface="Courier New" panose="02070309020205020404" pitchFamily="49" charset="0"/>
+              <a:cs typeface="Courier New" panose="02070309020205020404" pitchFamily="49" charset="0"/>
+            </a:endParaRPr>
+          </a:p>
+          <a:p>
+            <a:r>
+              <a:rPr lang="en-US" dirty="0" err="1" smtClean="0">
+                <a:latin typeface="Courier New" panose="02070309020205020404" pitchFamily="49" charset="0"/>
+                <a:cs typeface="Courier New" panose="02070309020205020404" pitchFamily="49" charset="0"/>
+              </a:rPr>
+              <a:t>typedef</a:t>
+            </a:r>
+            <a:r>
+              <a:rPr lang="en-US" dirty="0" smtClean="0">
+                <a:latin typeface="Courier New" panose="02070309020205020404" pitchFamily="49" charset="0"/>
+                <a:cs typeface="Courier New" panose="02070309020205020404" pitchFamily="49" charset="0"/>
+              </a:rPr>
+              <a:t> </a:t>
+            </a:r>
+            <a:r>
+              <a:rPr lang="en-US" dirty="0" err="1" smtClean="0">
+                <a:latin typeface="Courier New" panose="02070309020205020404" pitchFamily="49" charset="0"/>
+                <a:cs typeface="Courier New" panose="02070309020205020404" pitchFamily="49" charset="0"/>
+              </a:rPr>
+              <a:t>struct</a:t>
+            </a:r>
+            <a:r>
+              <a:rPr lang="en-US" dirty="0" smtClean="0">
+                <a:latin typeface="Courier New" panose="02070309020205020404" pitchFamily="49" charset="0"/>
+                <a:cs typeface="Courier New" panose="02070309020205020404" pitchFamily="49" charset="0"/>
+              </a:rPr>
+              <a:t> node * Node;</a:t>
+            </a:r>
+          </a:p>
+          <a:p>
+            <a:endParaRPr lang="en-US" dirty="0" smtClean="0">
+              <a:latin typeface="Courier New" panose="02070309020205020404" pitchFamily="49" charset="0"/>
+              <a:cs typeface="Courier New" panose="02070309020205020404" pitchFamily="49" charset="0"/>
+            </a:endParaRPr>
+          </a:p>
+          <a:p>
+            <a:endParaRPr lang="en-US" dirty="0">
+              <a:latin typeface="Courier New" panose="02070309020205020404" pitchFamily="49" charset="0"/>
+              <a:cs typeface="Courier New" panose="02070309020205020404" pitchFamily="49" charset="0"/>
+            </a:endParaRPr>
+          </a:p>
+          <a:p>
+            <a:r>
+              <a:rPr lang="en-US" dirty="0" smtClean="0">
+                <a:latin typeface="Courier New" panose="02070309020205020404" pitchFamily="49" charset="0"/>
+                <a:cs typeface="Courier New" panose="02070309020205020404" pitchFamily="49" charset="0"/>
+              </a:rPr>
+              <a:t>Node * head;</a:t>
+            </a:r>
+          </a:p>
+          <a:p>
+            <a:r>
+              <a:rPr lang="en-US" dirty="0" smtClean="0">
+                <a:latin typeface="Courier New" panose="02070309020205020404" pitchFamily="49" charset="0"/>
+                <a:cs typeface="Courier New" panose="02070309020205020404" pitchFamily="49" charset="0"/>
+              </a:rPr>
+              <a:t>Node * l;</a:t>
+            </a:r>
+          </a:p>
+          <a:p>
+            <a:endParaRPr lang="en-US" dirty="0">
+              <a:latin typeface="Courier New" panose="02070309020205020404" pitchFamily="49" charset="0"/>
+              <a:cs typeface="Courier New" panose="02070309020205020404" pitchFamily="49" charset="0"/>
+            </a:endParaRPr>
+          </a:p>
+        </p:txBody>
+      </p:sp>
+      <p:grpSp>
+        <p:nvGrpSpPr>
+          <p:cNvPr id="8" name="Group 7"/>
+          <p:cNvGrpSpPr/>
+          <p:nvPr/>
+        </p:nvGrpSpPr>
+        <p:grpSpPr>
+          <a:xfrm>
+            <a:off x="4535157" y="3362627"/>
+            <a:ext cx="1448972" cy="858130"/>
+            <a:chOff x="4535157" y="3362627"/>
+            <a:chExt cx="1448972" cy="858130"/>
+          </a:xfrm>
+        </p:grpSpPr>
+        <p:grpSp>
+          <p:nvGrpSpPr>
+            <p:cNvPr id="9" name="Group 8"/>
+            <p:cNvGrpSpPr/>
+            <p:nvPr/>
+          </p:nvGrpSpPr>
+          <p:grpSpPr>
+            <a:xfrm>
+              <a:off x="4535157" y="3362627"/>
+              <a:ext cx="1434905" cy="858130"/>
+              <a:chOff x="1631852" y="2222695"/>
+              <a:chExt cx="2096086" cy="1547447"/>
+            </a:xfrm>
+          </p:grpSpPr>
+          <p:sp>
+            <p:nvSpPr>
+              <p:cNvPr id="12" name="Rectangle 11"/>
+              <p:cNvSpPr/>
+              <p:nvPr/>
+            </p:nvSpPr>
+            <p:spPr>
+              <a:xfrm>
+                <a:off x="1631852" y="2222695"/>
+                <a:ext cx="2096086" cy="1547447"/>
+              </a:xfrm>
+              <a:prstGeom prst="rect">
+                <a:avLst/>
+              </a:prstGeom>
+              <a:noFill/>
+            </p:spPr>
+            <p:style>
+              <a:lnRef idx="2">
+                <a:schemeClr val="accent1">
+                  <a:shade val="50000"/>
+                </a:schemeClr>
+              </a:lnRef>
+              <a:fillRef idx="1">
+                <a:schemeClr val="accent1"/>
+              </a:fillRef>
+              <a:effectRef idx="0">
+                <a:schemeClr val="accent1"/>
+              </a:effectRef>
+              <a:fontRef idx="minor">
+                <a:schemeClr val="lt1"/>
+              </a:fontRef>
+            </p:style>
+            <p:txBody>
+              <a:bodyPr rtlCol="0" anchor="ctr"/>
+              <a:lstStyle/>
+              <a:p>
+                <a:pPr algn="ctr"/>
+                <a:endParaRPr lang="en-US" dirty="0"/>
+              </a:p>
+            </p:txBody>
+          </p:sp>
+          <p:cxnSp>
+            <p:nvCxnSpPr>
+              <p:cNvPr id="13" name="Straight Connector 12"/>
+              <p:cNvCxnSpPr>
+                <a:stCxn id="12" idx="1"/>
+                <a:endCxn id="12" idx="3"/>
+              </p:cNvCxnSpPr>
+              <p:nvPr/>
+            </p:nvCxnSpPr>
+            <p:spPr>
+              <a:xfrm>
+                <a:off x="1631852" y="2996419"/>
+                <a:ext cx="2096086" cy="0"/>
+              </a:xfrm>
+              <a:prstGeom prst="line">
+                <a:avLst/>
+              </a:prstGeom>
+              <a:ln>
+                <a:solidFill>
+                  <a:schemeClr val="tx1">
+                    <a:lumMod val="85000"/>
+                    <a:lumOff val="15000"/>
+                  </a:schemeClr>
+                </a:solidFill>
+              </a:ln>
+            </p:spPr>
+            <p:style>
+              <a:lnRef idx="1">
+                <a:schemeClr val="accent1"/>
+              </a:lnRef>
+              <a:fillRef idx="0">
+                <a:schemeClr val="accent1"/>
+              </a:fillRef>
+              <a:effectRef idx="0">
+                <a:schemeClr val="accent1"/>
+              </a:effectRef>
+              <a:fontRef idx="minor">
+                <a:schemeClr val="tx1"/>
+              </a:fontRef>
+            </p:style>
+          </p:cxnSp>
+        </p:grpSp>
+        <p:sp>
+          <p:nvSpPr>
+            <p:cNvPr id="10" name="TextBox 9"/>
+            <p:cNvSpPr txBox="1"/>
+            <p:nvPr/>
+          </p:nvSpPr>
+          <p:spPr>
+            <a:xfrm>
+              <a:off x="5146867" y="3400394"/>
+              <a:ext cx="301686" cy="369332"/>
+            </a:xfrm>
+            <a:prstGeom prst="rect">
+              <a:avLst/>
+            </a:prstGeom>
+            <a:solidFill>
+              <a:schemeClr val="accent6">
+                <a:lumMod val="20000"/>
+                <a:lumOff val="80000"/>
+              </a:schemeClr>
+            </a:solidFill>
+          </p:spPr>
+          <p:txBody>
+            <a:bodyPr wrap="none" rtlCol="0">
+              <a:spAutoFit/>
+            </a:bodyPr>
+            <a:lstStyle/>
+            <a:p>
+              <a:r>
+                <a:rPr lang="en-US" dirty="0"/>
+                <a:t>0</a:t>
+              </a:r>
+            </a:p>
+          </p:txBody>
+        </p:sp>
+        <p:sp>
+          <p:nvSpPr>
+            <p:cNvPr id="11" name="TextBox 10"/>
+            <p:cNvSpPr txBox="1"/>
+            <p:nvPr/>
+          </p:nvSpPr>
+          <p:spPr>
+            <a:xfrm>
+              <a:off x="4549224" y="3835626"/>
+              <a:ext cx="1434905" cy="369332"/>
+            </a:xfrm>
+            <a:prstGeom prst="rect">
+              <a:avLst/>
+            </a:prstGeom>
+            <a:solidFill>
+              <a:schemeClr val="accent4">
+                <a:lumMod val="20000"/>
+                <a:lumOff val="80000"/>
+              </a:schemeClr>
+            </a:solidFill>
+          </p:spPr>
+          <p:txBody>
+            <a:bodyPr wrap="square" rtlCol="0">
+              <a:spAutoFit/>
+            </a:bodyPr>
+            <a:lstStyle/>
+            <a:p>
+              <a:endParaRPr lang="en-US" b="1" dirty="0">
+                <a:latin typeface="Courier New" panose="02070309020205020404" pitchFamily="49" charset="0"/>
+                <a:cs typeface="Courier New" panose="02070309020205020404" pitchFamily="49" charset="0"/>
+              </a:endParaRPr>
+            </a:p>
+          </p:txBody>
+        </p:sp>
+      </p:grpSp>
+      <p:grpSp>
+        <p:nvGrpSpPr>
+          <p:cNvPr id="14" name="Group 13"/>
+          <p:cNvGrpSpPr/>
+          <p:nvPr/>
+        </p:nvGrpSpPr>
+        <p:grpSpPr>
+          <a:xfrm>
+            <a:off x="5633218" y="3425238"/>
+            <a:ext cx="2383459" cy="858130"/>
+            <a:chOff x="5633218" y="3425238"/>
+            <a:chExt cx="2383459" cy="858130"/>
+          </a:xfrm>
+        </p:grpSpPr>
+        <p:grpSp>
+          <p:nvGrpSpPr>
+            <p:cNvPr id="15" name="Group 14"/>
+            <p:cNvGrpSpPr/>
+            <p:nvPr/>
+          </p:nvGrpSpPr>
+          <p:grpSpPr>
+            <a:xfrm>
+              <a:off x="6567705" y="3425238"/>
+              <a:ext cx="1434905" cy="858130"/>
+              <a:chOff x="1631852" y="2222695"/>
+              <a:chExt cx="2096086" cy="1547447"/>
+            </a:xfrm>
+          </p:grpSpPr>
+          <p:sp>
+            <p:nvSpPr>
+              <p:cNvPr id="19" name="Rectangle 18"/>
+              <p:cNvSpPr/>
+              <p:nvPr/>
+            </p:nvSpPr>
+            <p:spPr>
+              <a:xfrm>
+                <a:off x="1631852" y="2222695"/>
+                <a:ext cx="2096086" cy="1547447"/>
+              </a:xfrm>
+              <a:prstGeom prst="rect">
+                <a:avLst/>
+              </a:prstGeom>
+              <a:noFill/>
+            </p:spPr>
+            <p:style>
+              <a:lnRef idx="2">
+                <a:schemeClr val="accent1">
+                  <a:shade val="50000"/>
+                </a:schemeClr>
+              </a:lnRef>
+              <a:fillRef idx="1">
+                <a:schemeClr val="accent1"/>
+              </a:fillRef>
+              <a:effectRef idx="0">
+                <a:schemeClr val="accent1"/>
+              </a:effectRef>
+              <a:fontRef idx="minor">
+                <a:schemeClr val="lt1"/>
+              </a:fontRef>
+            </p:style>
+            <p:txBody>
+              <a:bodyPr rtlCol="0" anchor="ctr"/>
+              <a:lstStyle/>
+              <a:p>
+                <a:pPr algn="ctr"/>
+                <a:endParaRPr lang="en-US" dirty="0"/>
+              </a:p>
+            </p:txBody>
+          </p:sp>
+          <p:cxnSp>
+            <p:nvCxnSpPr>
+              <p:cNvPr id="20" name="Straight Connector 19"/>
+              <p:cNvCxnSpPr>
+                <a:stCxn id="19" idx="1"/>
+                <a:endCxn id="19" idx="3"/>
+              </p:cNvCxnSpPr>
+              <p:nvPr/>
+            </p:nvCxnSpPr>
+            <p:spPr>
+              <a:xfrm>
+                <a:off x="1631852" y="2996419"/>
+                <a:ext cx="2096086" cy="0"/>
+              </a:xfrm>
+              <a:prstGeom prst="line">
+                <a:avLst/>
+              </a:prstGeom>
+              <a:ln>
+                <a:solidFill>
+                  <a:schemeClr val="tx1">
+                    <a:lumMod val="85000"/>
+                    <a:lumOff val="15000"/>
+                  </a:schemeClr>
+                </a:solidFill>
+              </a:ln>
+            </p:spPr>
+            <p:style>
+              <a:lnRef idx="1">
+                <a:schemeClr val="accent1"/>
+              </a:lnRef>
+              <a:fillRef idx="0">
+                <a:schemeClr val="accent1"/>
+              </a:fillRef>
+              <a:effectRef idx="0">
+                <a:schemeClr val="accent1"/>
+              </a:effectRef>
+              <a:fontRef idx="minor">
+                <a:schemeClr val="tx1"/>
+              </a:fontRef>
+            </p:style>
+          </p:cxnSp>
+        </p:grpSp>
+        <p:sp>
+          <p:nvSpPr>
+            <p:cNvPr id="16" name="TextBox 15"/>
+            <p:cNvSpPr txBox="1"/>
+            <p:nvPr/>
+          </p:nvSpPr>
+          <p:spPr>
+            <a:xfrm>
+              <a:off x="7148381" y="3455105"/>
+              <a:ext cx="301686" cy="369332"/>
+            </a:xfrm>
+            <a:prstGeom prst="rect">
+              <a:avLst/>
+            </a:prstGeom>
+            <a:solidFill>
+              <a:schemeClr val="accent6">
+                <a:lumMod val="20000"/>
+                <a:lumOff val="80000"/>
+              </a:schemeClr>
+            </a:solidFill>
+          </p:spPr>
+          <p:txBody>
+            <a:bodyPr wrap="none" rtlCol="0">
+              <a:spAutoFit/>
+            </a:bodyPr>
+            <a:lstStyle/>
+            <a:p>
+              <a:r>
+                <a:rPr lang="en-US" dirty="0" smtClean="0"/>
+                <a:t>1</a:t>
+              </a:r>
+              <a:endParaRPr lang="en-US" dirty="0"/>
+            </a:p>
+          </p:txBody>
+        </p:sp>
+        <p:sp>
+          <p:nvSpPr>
+            <p:cNvPr id="17" name="TextBox 16"/>
+            <p:cNvSpPr txBox="1"/>
+            <p:nvPr/>
+          </p:nvSpPr>
+          <p:spPr>
+            <a:xfrm>
+              <a:off x="6581772" y="3898237"/>
+              <a:ext cx="1434905" cy="369332"/>
+            </a:xfrm>
+            <a:prstGeom prst="rect">
+              <a:avLst/>
+            </a:prstGeom>
+            <a:solidFill>
+              <a:schemeClr val="accent4">
+                <a:lumMod val="20000"/>
+                <a:lumOff val="80000"/>
+              </a:schemeClr>
+            </a:solidFill>
+          </p:spPr>
+          <p:txBody>
+            <a:bodyPr wrap="square" rtlCol="0">
+              <a:spAutoFit/>
+            </a:bodyPr>
+            <a:lstStyle/>
+            <a:p>
+              <a:endParaRPr lang="en-US" b="1" dirty="0">
+                <a:latin typeface="Courier New" panose="02070309020205020404" pitchFamily="49" charset="0"/>
+                <a:cs typeface="Courier New" panose="02070309020205020404" pitchFamily="49" charset="0"/>
+              </a:endParaRPr>
+            </a:p>
+          </p:txBody>
+        </p:sp>
+        <p:cxnSp>
+          <p:nvCxnSpPr>
+            <p:cNvPr id="18" name="Straight Arrow Connector 17"/>
+            <p:cNvCxnSpPr/>
+            <p:nvPr/>
+          </p:nvCxnSpPr>
+          <p:spPr>
+            <a:xfrm flipV="1">
+              <a:off x="5633218" y="4064226"/>
+              <a:ext cx="724039" cy="4218"/>
+            </a:xfrm>
+            <a:prstGeom prst="straightConnector1">
+              <a:avLst/>
+            </a:prstGeom>
+            <a:ln w="38100">
+              <a:solidFill>
+                <a:schemeClr val="tx1">
+                  <a:lumMod val="85000"/>
+                  <a:lumOff val="15000"/>
+                </a:schemeClr>
+              </a:solidFill>
+              <a:tailEnd type="triangle"/>
+            </a:ln>
+          </p:spPr>
+          <p:style>
+            <a:lnRef idx="1">
+              <a:schemeClr val="accent1"/>
+            </a:lnRef>
+            <a:fillRef idx="0">
+              <a:schemeClr val="accent1"/>
+            </a:fillRef>
+            <a:effectRef idx="0">
+              <a:schemeClr val="accent1"/>
+            </a:effectRef>
+            <a:fontRef idx="minor">
+              <a:schemeClr val="tx1"/>
+            </a:fontRef>
+          </p:style>
+        </p:cxnSp>
+      </p:grpSp>
+      <p:grpSp>
+        <p:nvGrpSpPr>
+          <p:cNvPr id="21" name="Group 20"/>
+          <p:cNvGrpSpPr/>
+          <p:nvPr/>
+        </p:nvGrpSpPr>
+        <p:grpSpPr>
+          <a:xfrm>
+            <a:off x="7729057" y="3376066"/>
+            <a:ext cx="2383459" cy="858130"/>
+            <a:chOff x="5633218" y="3425238"/>
+            <a:chExt cx="2383459" cy="858130"/>
+          </a:xfrm>
+        </p:grpSpPr>
+        <p:grpSp>
+          <p:nvGrpSpPr>
+            <p:cNvPr id="22" name="Group 21"/>
+            <p:cNvGrpSpPr/>
+            <p:nvPr/>
+          </p:nvGrpSpPr>
+          <p:grpSpPr>
+            <a:xfrm>
+              <a:off x="6567705" y="3425238"/>
+              <a:ext cx="1434905" cy="858130"/>
+              <a:chOff x="1631852" y="2222695"/>
+              <a:chExt cx="2096086" cy="1547447"/>
+            </a:xfrm>
+          </p:grpSpPr>
+          <p:sp>
+            <p:nvSpPr>
+              <p:cNvPr id="26" name="Rectangle 25"/>
+              <p:cNvSpPr/>
+              <p:nvPr/>
+            </p:nvSpPr>
+            <p:spPr>
+              <a:xfrm>
+                <a:off x="1631852" y="2222695"/>
+                <a:ext cx="2096086" cy="1547447"/>
+              </a:xfrm>
+              <a:prstGeom prst="rect">
+                <a:avLst/>
+              </a:prstGeom>
+              <a:noFill/>
+            </p:spPr>
+            <p:style>
+              <a:lnRef idx="2">
+                <a:schemeClr val="accent1">
+                  <a:shade val="50000"/>
+                </a:schemeClr>
+              </a:lnRef>
+              <a:fillRef idx="1">
+                <a:schemeClr val="accent1"/>
+              </a:fillRef>
+              <a:effectRef idx="0">
+                <a:schemeClr val="accent1"/>
+              </a:effectRef>
+              <a:fontRef idx="minor">
+                <a:schemeClr val="lt1"/>
+              </a:fontRef>
+            </p:style>
+            <p:txBody>
+              <a:bodyPr rtlCol="0" anchor="ctr"/>
+              <a:lstStyle/>
+              <a:p>
+                <a:pPr algn="ctr"/>
+                <a:endParaRPr lang="en-US" dirty="0"/>
+              </a:p>
+            </p:txBody>
+          </p:sp>
+          <p:cxnSp>
+            <p:nvCxnSpPr>
+              <p:cNvPr id="27" name="Straight Connector 26"/>
+              <p:cNvCxnSpPr>
+                <a:stCxn id="26" idx="1"/>
+                <a:endCxn id="26" idx="3"/>
+              </p:cNvCxnSpPr>
+              <p:nvPr/>
+            </p:nvCxnSpPr>
+            <p:spPr>
+              <a:xfrm>
+                <a:off x="1631852" y="2996419"/>
+                <a:ext cx="2096086" cy="0"/>
+              </a:xfrm>
+              <a:prstGeom prst="line">
+                <a:avLst/>
+              </a:prstGeom>
+              <a:ln>
+                <a:solidFill>
+                  <a:schemeClr val="tx1">
+                    <a:lumMod val="85000"/>
+                    <a:lumOff val="15000"/>
+                  </a:schemeClr>
+                </a:solidFill>
+              </a:ln>
+            </p:spPr>
+            <p:style>
+              <a:lnRef idx="1">
+                <a:schemeClr val="accent1"/>
+              </a:lnRef>
+              <a:fillRef idx="0">
+                <a:schemeClr val="accent1"/>
+              </a:fillRef>
+              <a:effectRef idx="0">
+                <a:schemeClr val="accent1"/>
+              </a:effectRef>
+              <a:fontRef idx="minor">
+                <a:schemeClr val="tx1"/>
+              </a:fontRef>
+            </p:style>
+          </p:cxnSp>
+        </p:grpSp>
+        <p:sp>
+          <p:nvSpPr>
+            <p:cNvPr id="23" name="TextBox 22"/>
+            <p:cNvSpPr txBox="1"/>
+            <p:nvPr/>
+          </p:nvSpPr>
+          <p:spPr>
+            <a:xfrm>
+              <a:off x="7148381" y="3455105"/>
+              <a:ext cx="301686" cy="369332"/>
+            </a:xfrm>
+            <a:prstGeom prst="rect">
+              <a:avLst/>
+            </a:prstGeom>
+            <a:solidFill>
+              <a:schemeClr val="accent6">
+                <a:lumMod val="20000"/>
+                <a:lumOff val="80000"/>
+              </a:schemeClr>
+            </a:solidFill>
+          </p:spPr>
+          <p:txBody>
+            <a:bodyPr wrap="none" rtlCol="0">
+              <a:spAutoFit/>
+            </a:bodyPr>
+            <a:lstStyle/>
+            <a:p>
+              <a:r>
+                <a:rPr lang="en-US" dirty="0"/>
+                <a:t>2</a:t>
+              </a:r>
+            </a:p>
+          </p:txBody>
+        </p:sp>
+        <p:sp>
+          <p:nvSpPr>
+            <p:cNvPr id="24" name="TextBox 23"/>
+            <p:cNvSpPr txBox="1"/>
+            <p:nvPr/>
+          </p:nvSpPr>
+          <p:spPr>
+            <a:xfrm>
+              <a:off x="6581772" y="3898237"/>
+              <a:ext cx="1434905" cy="369332"/>
+            </a:xfrm>
+            <a:prstGeom prst="rect">
+              <a:avLst/>
+            </a:prstGeom>
+            <a:solidFill>
+              <a:schemeClr val="accent4">
+                <a:lumMod val="20000"/>
+                <a:lumOff val="80000"/>
+              </a:schemeClr>
+            </a:solidFill>
+          </p:spPr>
+          <p:txBody>
+            <a:bodyPr wrap="square" rtlCol="0">
+              <a:spAutoFit/>
+            </a:bodyPr>
+            <a:lstStyle/>
+            <a:p>
+              <a:endParaRPr lang="en-US" b="1" dirty="0">
+                <a:latin typeface="Courier New" panose="02070309020205020404" pitchFamily="49" charset="0"/>
+                <a:cs typeface="Courier New" panose="02070309020205020404" pitchFamily="49" charset="0"/>
+              </a:endParaRPr>
+            </a:p>
+          </p:txBody>
+        </p:sp>
+        <p:cxnSp>
+          <p:nvCxnSpPr>
+            <p:cNvPr id="25" name="Straight Arrow Connector 24"/>
+            <p:cNvCxnSpPr/>
+            <p:nvPr/>
+          </p:nvCxnSpPr>
+          <p:spPr>
+            <a:xfrm flipV="1">
+              <a:off x="5633218" y="4064226"/>
+              <a:ext cx="724039" cy="4218"/>
+            </a:xfrm>
+            <a:prstGeom prst="straightConnector1">
+              <a:avLst/>
+            </a:prstGeom>
+            <a:ln w="38100">
+              <a:solidFill>
+                <a:schemeClr val="tx1">
+                  <a:lumMod val="85000"/>
+                  <a:lumOff val="15000"/>
+                </a:schemeClr>
+              </a:solidFill>
+              <a:tailEnd type="triangle"/>
+            </a:ln>
+          </p:spPr>
+          <p:style>
+            <a:lnRef idx="1">
+              <a:schemeClr val="accent1"/>
+            </a:lnRef>
+            <a:fillRef idx="0">
+              <a:schemeClr val="accent1"/>
+            </a:fillRef>
+            <a:effectRef idx="0">
+              <a:schemeClr val="accent1"/>
+            </a:effectRef>
+            <a:fontRef idx="minor">
+              <a:schemeClr val="tx1"/>
+            </a:fontRef>
+          </p:style>
+        </p:cxnSp>
+      </p:grpSp>
+      <p:grpSp>
+        <p:nvGrpSpPr>
+          <p:cNvPr id="28" name="Group 27"/>
+          <p:cNvGrpSpPr/>
+          <p:nvPr/>
+        </p:nvGrpSpPr>
+        <p:grpSpPr>
+          <a:xfrm>
+            <a:off x="8689079" y="3937656"/>
+            <a:ext cx="1448972" cy="1411886"/>
+            <a:chOff x="6567705" y="2871482"/>
+            <a:chExt cx="1448972" cy="1411886"/>
+          </a:xfrm>
+        </p:grpSpPr>
+        <p:grpSp>
+          <p:nvGrpSpPr>
+            <p:cNvPr id="29" name="Group 28"/>
+            <p:cNvGrpSpPr/>
+            <p:nvPr/>
+          </p:nvGrpSpPr>
+          <p:grpSpPr>
+            <a:xfrm>
+              <a:off x="6567705" y="3425238"/>
+              <a:ext cx="1434905" cy="858130"/>
+              <a:chOff x="1631852" y="2222695"/>
+              <a:chExt cx="2096086" cy="1547447"/>
+            </a:xfrm>
+          </p:grpSpPr>
+          <p:sp>
+            <p:nvSpPr>
+              <p:cNvPr id="33" name="Rectangle 32"/>
+              <p:cNvSpPr/>
+              <p:nvPr/>
+            </p:nvSpPr>
+            <p:spPr>
+              <a:xfrm>
+                <a:off x="1631852" y="2222695"/>
+                <a:ext cx="2096086" cy="1547447"/>
+              </a:xfrm>
+              <a:prstGeom prst="rect">
+                <a:avLst/>
+              </a:prstGeom>
+              <a:noFill/>
+            </p:spPr>
+            <p:style>
+              <a:lnRef idx="2">
+                <a:schemeClr val="accent1">
+                  <a:shade val="50000"/>
+                </a:schemeClr>
+              </a:lnRef>
+              <a:fillRef idx="1">
+                <a:schemeClr val="accent1"/>
+              </a:fillRef>
+              <a:effectRef idx="0">
+                <a:schemeClr val="accent1"/>
+              </a:effectRef>
+              <a:fontRef idx="minor">
+                <a:schemeClr val="lt1"/>
+              </a:fontRef>
+            </p:style>
+            <p:txBody>
+              <a:bodyPr rtlCol="0" anchor="ctr"/>
+              <a:lstStyle/>
+              <a:p>
+                <a:pPr algn="ctr"/>
+                <a:endParaRPr lang="en-US" dirty="0"/>
+              </a:p>
+            </p:txBody>
+          </p:sp>
+          <p:cxnSp>
+            <p:nvCxnSpPr>
+              <p:cNvPr id="34" name="Straight Connector 33"/>
+              <p:cNvCxnSpPr>
+                <a:stCxn id="33" idx="1"/>
+                <a:endCxn id="33" idx="3"/>
+              </p:cNvCxnSpPr>
+              <p:nvPr/>
+            </p:nvCxnSpPr>
+            <p:spPr>
+              <a:xfrm>
+                <a:off x="1631852" y="2996419"/>
+                <a:ext cx="2096086" cy="0"/>
+              </a:xfrm>
+              <a:prstGeom prst="line">
+                <a:avLst/>
+              </a:prstGeom>
+              <a:ln>
+                <a:solidFill>
+                  <a:schemeClr val="tx1">
+                    <a:lumMod val="85000"/>
+                    <a:lumOff val="15000"/>
+                  </a:schemeClr>
+                </a:solidFill>
+              </a:ln>
+            </p:spPr>
+            <p:style>
+              <a:lnRef idx="1">
+                <a:schemeClr val="accent1"/>
+              </a:lnRef>
+              <a:fillRef idx="0">
+                <a:schemeClr val="accent1"/>
+              </a:fillRef>
+              <a:effectRef idx="0">
+                <a:schemeClr val="accent1"/>
+              </a:effectRef>
+              <a:fontRef idx="minor">
+                <a:schemeClr val="tx1"/>
+              </a:fontRef>
+            </p:style>
+          </p:cxnSp>
+        </p:grpSp>
+        <p:sp>
+          <p:nvSpPr>
+            <p:cNvPr id="30" name="TextBox 29"/>
+            <p:cNvSpPr txBox="1"/>
+            <p:nvPr/>
+          </p:nvSpPr>
+          <p:spPr>
+            <a:xfrm>
+              <a:off x="7148381" y="3455105"/>
+              <a:ext cx="301686" cy="369332"/>
+            </a:xfrm>
+            <a:prstGeom prst="rect">
+              <a:avLst/>
+            </a:prstGeom>
+            <a:solidFill>
+              <a:schemeClr val="accent6">
+                <a:lumMod val="20000"/>
+                <a:lumOff val="80000"/>
+              </a:schemeClr>
+            </a:solidFill>
+          </p:spPr>
+          <p:txBody>
+            <a:bodyPr wrap="none" rtlCol="0">
+              <a:spAutoFit/>
+            </a:bodyPr>
+            <a:lstStyle/>
+            <a:p>
+              <a:r>
+                <a:rPr lang="en-US" dirty="0" smtClean="0"/>
+                <a:t>3</a:t>
+              </a:r>
+              <a:endParaRPr lang="en-US" dirty="0"/>
+            </a:p>
+          </p:txBody>
+        </p:sp>
+        <p:sp>
+          <p:nvSpPr>
+            <p:cNvPr id="31" name="TextBox 30"/>
+            <p:cNvSpPr txBox="1"/>
+            <p:nvPr/>
+          </p:nvSpPr>
+          <p:spPr>
+            <a:xfrm>
+              <a:off x="6581772" y="3898237"/>
+              <a:ext cx="1434905" cy="369332"/>
+            </a:xfrm>
+            <a:prstGeom prst="rect">
+              <a:avLst/>
+            </a:prstGeom>
+            <a:solidFill>
+              <a:schemeClr val="accent4">
+                <a:lumMod val="20000"/>
+                <a:lumOff val="80000"/>
+              </a:schemeClr>
+            </a:solidFill>
+          </p:spPr>
+          <p:txBody>
+            <a:bodyPr wrap="square" rtlCol="0">
+              <a:spAutoFit/>
+            </a:bodyPr>
+            <a:lstStyle/>
+            <a:p>
+              <a:endParaRPr lang="en-US" b="1" dirty="0">
+                <a:latin typeface="Courier New" panose="02070309020205020404" pitchFamily="49" charset="0"/>
+                <a:cs typeface="Courier New" panose="02070309020205020404" pitchFamily="49" charset="0"/>
+              </a:endParaRPr>
+            </a:p>
+          </p:txBody>
+        </p:sp>
+        <p:cxnSp>
+          <p:nvCxnSpPr>
+            <p:cNvPr id="32" name="Straight Arrow Connector 31"/>
+            <p:cNvCxnSpPr/>
+            <p:nvPr/>
+          </p:nvCxnSpPr>
+          <p:spPr>
+            <a:xfrm flipH="1">
+              <a:off x="6728400" y="2871482"/>
+              <a:ext cx="393424" cy="582650"/>
+            </a:xfrm>
+            <a:prstGeom prst="straightConnector1">
+              <a:avLst/>
+            </a:prstGeom>
+            <a:ln w="38100">
+              <a:solidFill>
+                <a:schemeClr val="tx1">
+                  <a:lumMod val="85000"/>
+                  <a:lumOff val="15000"/>
+                </a:schemeClr>
+              </a:solidFill>
+              <a:tailEnd type="triangle"/>
+            </a:ln>
+          </p:spPr>
+          <p:style>
+            <a:lnRef idx="1">
+              <a:schemeClr val="accent1"/>
+            </a:lnRef>
+            <a:fillRef idx="0">
+              <a:schemeClr val="accent1"/>
+            </a:fillRef>
+            <a:effectRef idx="0">
+              <a:schemeClr val="accent1"/>
+            </a:effectRef>
+            <a:fontRef idx="minor">
+              <a:schemeClr val="tx1"/>
+            </a:fontRef>
+          </p:style>
+        </p:cxnSp>
+      </p:grpSp>
+      <p:grpSp>
+        <p:nvGrpSpPr>
+          <p:cNvPr id="35" name="Group 34"/>
+          <p:cNvGrpSpPr/>
+          <p:nvPr/>
+        </p:nvGrpSpPr>
+        <p:grpSpPr>
+          <a:xfrm>
+            <a:off x="8677611" y="5161121"/>
+            <a:ext cx="1448972" cy="1321944"/>
+            <a:chOff x="6567705" y="2961424"/>
+            <a:chExt cx="1448972" cy="1321944"/>
+          </a:xfrm>
+        </p:grpSpPr>
+        <p:grpSp>
+          <p:nvGrpSpPr>
+            <p:cNvPr id="36" name="Group 35"/>
+            <p:cNvGrpSpPr/>
+            <p:nvPr/>
+          </p:nvGrpSpPr>
+          <p:grpSpPr>
+            <a:xfrm>
+              <a:off x="6567705" y="3425238"/>
+              <a:ext cx="1434905" cy="858130"/>
+              <a:chOff x="1631852" y="2222695"/>
+              <a:chExt cx="2096086" cy="1547447"/>
+            </a:xfrm>
+          </p:grpSpPr>
+          <p:sp>
+            <p:nvSpPr>
+              <p:cNvPr id="40" name="Rectangle 39"/>
+              <p:cNvSpPr/>
+              <p:nvPr/>
+            </p:nvSpPr>
+            <p:spPr>
+              <a:xfrm>
+                <a:off x="1631852" y="2222695"/>
+                <a:ext cx="2096086" cy="1547447"/>
+              </a:xfrm>
+              <a:prstGeom prst="rect">
+                <a:avLst/>
+              </a:prstGeom>
+              <a:noFill/>
+            </p:spPr>
+            <p:style>
+              <a:lnRef idx="2">
+                <a:schemeClr val="accent1">
+                  <a:shade val="50000"/>
+                </a:schemeClr>
+              </a:lnRef>
+              <a:fillRef idx="1">
+                <a:schemeClr val="accent1"/>
+              </a:fillRef>
+              <a:effectRef idx="0">
+                <a:schemeClr val="accent1"/>
+              </a:effectRef>
+              <a:fontRef idx="minor">
+                <a:schemeClr val="lt1"/>
+              </a:fontRef>
+            </p:style>
+            <p:txBody>
+              <a:bodyPr rtlCol="0" anchor="ctr"/>
+              <a:lstStyle/>
+              <a:p>
+                <a:pPr algn="ctr"/>
+                <a:endParaRPr lang="en-US" dirty="0"/>
+              </a:p>
+            </p:txBody>
+          </p:sp>
+          <p:cxnSp>
+            <p:nvCxnSpPr>
+              <p:cNvPr id="41" name="Straight Connector 40"/>
+              <p:cNvCxnSpPr>
+                <a:stCxn id="40" idx="1"/>
+                <a:endCxn id="40" idx="3"/>
+              </p:cNvCxnSpPr>
+              <p:nvPr/>
+            </p:nvCxnSpPr>
+            <p:spPr>
+              <a:xfrm>
+                <a:off x="1631852" y="2996419"/>
+                <a:ext cx="2096086" cy="0"/>
+              </a:xfrm>
+              <a:prstGeom prst="line">
+                <a:avLst/>
+              </a:prstGeom>
+              <a:ln>
+                <a:solidFill>
+                  <a:schemeClr val="tx1">
+                    <a:lumMod val="85000"/>
+                    <a:lumOff val="15000"/>
+                  </a:schemeClr>
+                </a:solidFill>
+              </a:ln>
+            </p:spPr>
+            <p:style>
+              <a:lnRef idx="1">
+                <a:schemeClr val="accent1"/>
+              </a:lnRef>
+              <a:fillRef idx="0">
+                <a:schemeClr val="accent1"/>
+              </a:fillRef>
+              <a:effectRef idx="0">
+                <a:schemeClr val="accent1"/>
+              </a:effectRef>
+              <a:fontRef idx="minor">
+                <a:schemeClr val="tx1"/>
+              </a:fontRef>
+            </p:style>
+          </p:cxnSp>
+        </p:grpSp>
+        <p:sp>
+          <p:nvSpPr>
+            <p:cNvPr id="37" name="TextBox 36"/>
+            <p:cNvSpPr txBox="1"/>
+            <p:nvPr/>
+          </p:nvSpPr>
+          <p:spPr>
+            <a:xfrm>
+              <a:off x="7148381" y="3455105"/>
+              <a:ext cx="301686" cy="369332"/>
+            </a:xfrm>
+            <a:prstGeom prst="rect">
+              <a:avLst/>
+            </a:prstGeom>
+            <a:solidFill>
+              <a:schemeClr val="accent6">
+                <a:lumMod val="20000"/>
+                <a:lumOff val="80000"/>
+              </a:schemeClr>
+            </a:solidFill>
+          </p:spPr>
+          <p:txBody>
+            <a:bodyPr wrap="none" rtlCol="0">
+              <a:spAutoFit/>
+            </a:bodyPr>
+            <a:lstStyle/>
+            <a:p>
+              <a:r>
+                <a:rPr lang="en-US" dirty="0"/>
+                <a:t>4</a:t>
+              </a:r>
+            </a:p>
+          </p:txBody>
+        </p:sp>
+        <p:sp>
+          <p:nvSpPr>
+            <p:cNvPr id="38" name="TextBox 37"/>
+            <p:cNvSpPr txBox="1"/>
+            <p:nvPr/>
+          </p:nvSpPr>
+          <p:spPr>
+            <a:xfrm>
+              <a:off x="6581772" y="3898237"/>
+              <a:ext cx="1434905" cy="369332"/>
+            </a:xfrm>
+            <a:prstGeom prst="rect">
+              <a:avLst/>
+            </a:prstGeom>
+            <a:solidFill>
+              <a:schemeClr val="accent4">
+                <a:lumMod val="20000"/>
+                <a:lumOff val="80000"/>
+              </a:schemeClr>
+            </a:solidFill>
+          </p:spPr>
+          <p:txBody>
+            <a:bodyPr wrap="square" rtlCol="0">
+              <a:spAutoFit/>
+            </a:bodyPr>
+            <a:lstStyle/>
+            <a:p>
+              <a:endParaRPr lang="en-US" b="1" dirty="0">
+                <a:latin typeface="Courier New" panose="02070309020205020404" pitchFamily="49" charset="0"/>
+                <a:cs typeface="Courier New" panose="02070309020205020404" pitchFamily="49" charset="0"/>
+              </a:endParaRPr>
+            </a:p>
+          </p:txBody>
+        </p:sp>
+        <p:cxnSp>
+          <p:nvCxnSpPr>
+            <p:cNvPr id="39" name="Straight Arrow Connector 38"/>
+            <p:cNvCxnSpPr/>
+            <p:nvPr/>
+          </p:nvCxnSpPr>
+          <p:spPr>
+            <a:xfrm flipH="1">
+              <a:off x="6728400" y="2961424"/>
+              <a:ext cx="306513" cy="492708"/>
+            </a:xfrm>
+            <a:prstGeom prst="straightConnector1">
+              <a:avLst/>
+            </a:prstGeom>
+            <a:ln w="38100">
+              <a:solidFill>
+                <a:schemeClr val="tx1">
+                  <a:lumMod val="85000"/>
+                  <a:lumOff val="15000"/>
+                </a:schemeClr>
+              </a:solidFill>
+              <a:tailEnd type="triangle"/>
+            </a:ln>
+          </p:spPr>
+          <p:style>
+            <a:lnRef idx="1">
+              <a:schemeClr val="accent1"/>
+            </a:lnRef>
+            <a:fillRef idx="0">
+              <a:schemeClr val="accent1"/>
+            </a:fillRef>
+            <a:effectRef idx="0">
+              <a:schemeClr val="accent1"/>
+            </a:effectRef>
+            <a:fontRef idx="minor">
+              <a:schemeClr val="tx1"/>
+            </a:fontRef>
+          </p:style>
+        </p:cxnSp>
+      </p:grpSp>
+      <p:cxnSp>
+        <p:nvCxnSpPr>
+          <p:cNvPr id="42" name="Curved Connector 41"/>
+          <p:cNvCxnSpPr/>
+          <p:nvPr/>
+        </p:nvCxnSpPr>
+        <p:spPr>
+          <a:xfrm>
+            <a:off x="9545906" y="6309258"/>
+            <a:ext cx="1378857" cy="12700"/>
+          </a:xfrm>
+          <a:prstGeom prst="curvedConnector3">
+            <a:avLst/>
+          </a:prstGeom>
+          <a:ln w="38100">
+            <a:solidFill>
+              <a:schemeClr val="tx1">
+                <a:lumMod val="85000"/>
+                <a:lumOff val="15000"/>
+              </a:schemeClr>
+            </a:solidFill>
+            <a:tailEnd type="triangle"/>
+          </a:ln>
+        </p:spPr>
+        <p:style>
+          <a:lnRef idx="1">
+            <a:schemeClr val="accent1"/>
+          </a:lnRef>
+          <a:fillRef idx="0">
+            <a:schemeClr val="accent1"/>
+          </a:fillRef>
+          <a:effectRef idx="0">
+            <a:schemeClr val="accent1"/>
+          </a:effectRef>
+          <a:fontRef idx="minor">
+            <a:schemeClr val="tx1"/>
+          </a:fontRef>
+        </p:style>
+      </p:cxnSp>
+      <p:sp>
+        <p:nvSpPr>
+          <p:cNvPr id="43" name="TextBox 42"/>
+          <p:cNvSpPr txBox="1"/>
+          <p:nvPr/>
+        </p:nvSpPr>
+        <p:spPr>
+          <a:xfrm>
+            <a:off x="10913877" y="6137292"/>
+            <a:ext cx="840295" cy="461665"/>
+          </a:xfrm>
+          <a:prstGeom prst="rect">
+            <a:avLst/>
+          </a:prstGeom>
+          <a:noFill/>
+        </p:spPr>
+        <p:txBody>
+          <a:bodyPr wrap="none" rtlCol="0">
+            <a:spAutoFit/>
+          </a:bodyPr>
+          <a:lstStyle/>
+          <a:p>
+            <a:r>
+              <a:rPr lang="en-US" sz="2400" dirty="0" smtClean="0"/>
+              <a:t>NULL</a:t>
+            </a:r>
+            <a:endParaRPr lang="en-US" sz="2400" dirty="0"/>
+          </a:p>
+        </p:txBody>
+      </p:sp>
+      <p:sp>
+        <p:nvSpPr>
+          <p:cNvPr id="44" name="Rectangle 43"/>
+          <p:cNvSpPr/>
+          <p:nvPr/>
+        </p:nvSpPr>
+        <p:spPr>
+          <a:xfrm>
+            <a:off x="7712001" y="2026720"/>
+            <a:ext cx="1480457" cy="362858"/>
+          </a:xfrm>
+          <a:prstGeom prst="rect">
+            <a:avLst/>
+          </a:prstGeom>
+          <a:noFill/>
+          <a:ln w="38100"/>
+        </p:spPr>
+        <p:style>
+          <a:lnRef idx="2">
+            <a:schemeClr val="accent1">
+              <a:shade val="50000"/>
+            </a:schemeClr>
+          </a:lnRef>
+          <a:fillRef idx="1">
+            <a:schemeClr val="accent1"/>
+          </a:fillRef>
+          <a:effectRef idx="0">
+            <a:schemeClr val="accent1"/>
+          </a:effectRef>
+          <a:fontRef idx="minor">
+            <a:schemeClr val="lt1"/>
+          </a:fontRef>
+        </p:style>
+        <p:txBody>
+          <a:bodyPr rtlCol="0" anchor="ctr"/>
+          <a:lstStyle/>
+          <a:p>
+            <a:endParaRPr lang="en-US" b="1" dirty="0">
+              <a:solidFill>
+                <a:schemeClr val="tx1"/>
+              </a:solidFill>
+              <a:latin typeface="Courier New" panose="02070309020205020404" pitchFamily="49" charset="0"/>
+              <a:cs typeface="Courier New" panose="02070309020205020404" pitchFamily="49" charset="0"/>
+            </a:endParaRPr>
+          </a:p>
+        </p:txBody>
+      </p:sp>
+      <p:sp>
+        <p:nvSpPr>
+          <p:cNvPr id="45" name="TextBox 44"/>
+          <p:cNvSpPr txBox="1"/>
+          <p:nvPr/>
+        </p:nvSpPr>
+        <p:spPr>
+          <a:xfrm>
+            <a:off x="7091789" y="1926638"/>
+            <a:ext cx="1552838" cy="369332"/>
+          </a:xfrm>
+          <a:prstGeom prst="rect">
+            <a:avLst/>
+          </a:prstGeom>
+          <a:noFill/>
+        </p:spPr>
+        <p:txBody>
+          <a:bodyPr wrap="square" rtlCol="0">
+            <a:spAutoFit/>
+          </a:bodyPr>
+          <a:lstStyle/>
+          <a:p>
+            <a:r>
+              <a:rPr lang="en-US" dirty="0" smtClean="0">
+                <a:latin typeface="Bodoni MT" panose="02070603080606020203" pitchFamily="18" charset="0"/>
+              </a:rPr>
+              <a:t>head</a:t>
+            </a:r>
+            <a:endParaRPr lang="en-US" dirty="0">
+              <a:latin typeface="Bodoni MT" panose="02070603080606020203" pitchFamily="18" charset="0"/>
+            </a:endParaRPr>
+          </a:p>
+        </p:txBody>
+      </p:sp>
+      <p:sp>
+        <p:nvSpPr>
+          <p:cNvPr id="46" name="Freeform 45"/>
+          <p:cNvSpPr/>
+          <p:nvPr/>
+        </p:nvSpPr>
+        <p:spPr>
+          <a:xfrm>
+            <a:off x="4311771" y="2278743"/>
+            <a:ext cx="3525943" cy="1059543"/>
+          </a:xfrm>
+          <a:custGeom>
+            <a:avLst/>
+            <a:gdLst>
+              <a:gd name="connsiteX0" fmla="*/ 3525943 w 3525943"/>
+              <a:gd name="connsiteY0" fmla="*/ 0 h 1059543"/>
+              <a:gd name="connsiteX1" fmla="*/ 318286 w 3525943"/>
+              <a:gd name="connsiteY1" fmla="*/ 711200 h 1059543"/>
+              <a:gd name="connsiteX2" fmla="*/ 289258 w 3525943"/>
+              <a:gd name="connsiteY2" fmla="*/ 1059543 h 1059543"/>
+            </a:gdLst>
+            <a:ahLst/>
+            <a:cxnLst>
+              <a:cxn ang="0">
+                <a:pos x="connsiteX0" y="connsiteY0"/>
+              </a:cxn>
+              <a:cxn ang="0">
+                <a:pos x="connsiteX1" y="connsiteY1"/>
+              </a:cxn>
+              <a:cxn ang="0">
+                <a:pos x="connsiteX2" y="connsiteY2"/>
+              </a:cxn>
+            </a:cxnLst>
+            <a:rect l="l" t="t" r="r" b="b"/>
+            <a:pathLst>
+              <a:path w="3525943" h="1059543">
+                <a:moveTo>
+                  <a:pt x="3525943" y="0"/>
+                </a:moveTo>
+                <a:cubicBezTo>
+                  <a:pt x="2191838" y="267305"/>
+                  <a:pt x="857733" y="534610"/>
+                  <a:pt x="318286" y="711200"/>
+                </a:cubicBezTo>
+                <a:cubicBezTo>
+                  <a:pt x="-221161" y="887790"/>
+                  <a:pt x="34048" y="973666"/>
+                  <a:pt x="289258" y="1059543"/>
+                </a:cubicBezTo>
+              </a:path>
+            </a:pathLst>
+          </a:custGeom>
+          <a:noFill/>
+          <a:ln w="28575">
+            <a:headEnd type="none" w="med" len="med"/>
+            <a:tailEnd type="triangle" w="med" len="med"/>
+          </a:ln>
+        </p:spPr>
+        <p:style>
+          <a:lnRef idx="2">
+            <a:schemeClr val="accent1">
+              <a:shade val="50000"/>
+            </a:schemeClr>
+          </a:lnRef>
+          <a:fillRef idx="1">
+            <a:schemeClr val="accent1"/>
+          </a:fillRef>
+          <a:effectRef idx="0">
+            <a:schemeClr val="accent1"/>
+          </a:effectRef>
+          <a:fontRef idx="minor">
+            <a:schemeClr val="lt1"/>
+          </a:fontRef>
+        </p:style>
+        <p:txBody>
+          <a:bodyPr rtlCol="0" anchor="ctr"/>
+          <a:lstStyle/>
+          <a:p>
+            <a:pPr algn="ctr"/>
+            <a:endParaRPr lang="en-US"/>
+          </a:p>
+        </p:txBody>
+      </p:sp>
+      <p:grpSp>
+        <p:nvGrpSpPr>
+          <p:cNvPr id="47" name="Group 46"/>
+          <p:cNvGrpSpPr/>
+          <p:nvPr/>
+        </p:nvGrpSpPr>
+        <p:grpSpPr>
+          <a:xfrm>
+            <a:off x="4409102" y="5315234"/>
+            <a:ext cx="1964344" cy="434313"/>
+            <a:chOff x="4409102" y="5315234"/>
+            <a:chExt cx="1964344" cy="434313"/>
+          </a:xfrm>
+        </p:grpSpPr>
+        <p:sp>
+          <p:nvSpPr>
+            <p:cNvPr id="48" name="Rectangle 47"/>
+            <p:cNvSpPr/>
+            <p:nvPr/>
+          </p:nvSpPr>
+          <p:spPr>
+            <a:xfrm>
+              <a:off x="4892989" y="5386689"/>
+              <a:ext cx="1480457" cy="362858"/>
+            </a:xfrm>
+            <a:prstGeom prst="rect">
+              <a:avLst/>
+            </a:prstGeom>
+            <a:noFill/>
+          </p:spPr>
+          <p:style>
+            <a:lnRef idx="2">
+              <a:schemeClr val="accent1">
+                <a:shade val="50000"/>
+              </a:schemeClr>
+            </a:lnRef>
+            <a:fillRef idx="1">
+              <a:schemeClr val="accent1"/>
+            </a:fillRef>
+            <a:effectRef idx="0">
+              <a:schemeClr val="accent1"/>
+            </a:effectRef>
+            <a:fontRef idx="minor">
+              <a:schemeClr val="lt1"/>
+            </a:fontRef>
+          </p:style>
+          <p:txBody>
+            <a:bodyPr rtlCol="0" anchor="ctr"/>
+            <a:lstStyle/>
+            <a:p>
+              <a:endParaRPr lang="en-US" b="1" dirty="0">
+                <a:solidFill>
+                  <a:schemeClr val="tx1"/>
+                </a:solidFill>
+                <a:latin typeface="Courier New" panose="02070309020205020404" pitchFamily="49" charset="0"/>
+                <a:cs typeface="Courier New" panose="02070309020205020404" pitchFamily="49" charset="0"/>
+              </a:endParaRPr>
+            </a:p>
+          </p:txBody>
+        </p:sp>
+        <p:sp>
+          <p:nvSpPr>
+            <p:cNvPr id="49" name="TextBox 48"/>
+            <p:cNvSpPr txBox="1"/>
+            <p:nvPr/>
+          </p:nvSpPr>
+          <p:spPr>
+            <a:xfrm>
+              <a:off x="4409102" y="5315234"/>
+              <a:ext cx="512912" cy="369332"/>
+            </a:xfrm>
+            <a:prstGeom prst="rect">
+              <a:avLst/>
+            </a:prstGeom>
+            <a:noFill/>
+          </p:spPr>
+          <p:txBody>
+            <a:bodyPr wrap="square" rtlCol="0">
+              <a:spAutoFit/>
+            </a:bodyPr>
+            <a:lstStyle/>
+            <a:p>
+              <a:r>
+                <a:rPr lang="en-US" b="1" i="1" dirty="0">
+                  <a:latin typeface="Courier New" panose="02070309020205020404" pitchFamily="49" charset="0"/>
+                  <a:cs typeface="Courier New" panose="02070309020205020404" pitchFamily="49" charset="0"/>
+                </a:rPr>
+                <a:t>l</a:t>
+              </a:r>
+            </a:p>
+          </p:txBody>
+        </p:sp>
+      </p:grpSp>
+      <p:cxnSp>
+        <p:nvCxnSpPr>
+          <p:cNvPr id="52" name="Straight Arrow Connector 51"/>
+          <p:cNvCxnSpPr/>
+          <p:nvPr/>
+        </p:nvCxnSpPr>
+        <p:spPr>
+          <a:xfrm flipV="1">
+            <a:off x="5694170" y="4306556"/>
+            <a:ext cx="2943584" cy="1215720"/>
+          </a:xfrm>
+          <a:prstGeom prst="straightConnector1">
+            <a:avLst/>
+          </a:prstGeom>
+          <a:ln w="28575">
+            <a:solidFill>
+              <a:schemeClr val="tx1">
+                <a:lumMod val="85000"/>
+                <a:lumOff val="15000"/>
+              </a:schemeClr>
+            </a:solidFill>
+            <a:tailEnd type="triangle"/>
+          </a:ln>
+        </p:spPr>
+        <p:style>
+          <a:lnRef idx="1">
+            <a:schemeClr val="accent1"/>
+          </a:lnRef>
+          <a:fillRef idx="0">
+            <a:schemeClr val="accent1"/>
+          </a:fillRef>
+          <a:effectRef idx="0">
+            <a:schemeClr val="accent1"/>
+          </a:effectRef>
+          <a:fontRef idx="minor">
+            <a:schemeClr val="tx1"/>
+          </a:fontRef>
+        </p:style>
+      </p:cxnSp>
+      <p:sp>
+        <p:nvSpPr>
+          <p:cNvPr id="57" name="TextBox 56"/>
+          <p:cNvSpPr txBox="1"/>
+          <p:nvPr/>
+        </p:nvSpPr>
+        <p:spPr>
+          <a:xfrm>
+            <a:off x="7130957" y="1641768"/>
+            <a:ext cx="2067159" cy="369332"/>
+          </a:xfrm>
+          <a:prstGeom prst="rect">
+            <a:avLst/>
+          </a:prstGeom>
+          <a:noFill/>
+        </p:spPr>
+        <p:txBody>
+          <a:bodyPr wrap="square" rtlCol="0">
+            <a:spAutoFit/>
+          </a:bodyPr>
+          <a:lstStyle/>
+          <a:p>
+            <a:r>
+              <a:rPr lang="en-US" dirty="0" smtClean="0"/>
+              <a:t>type: </a:t>
+            </a:r>
+            <a:r>
+              <a:rPr lang="en-US" dirty="0" err="1" smtClean="0"/>
+              <a:t>struct</a:t>
+            </a:r>
+            <a:r>
+              <a:rPr lang="en-US" dirty="0" smtClean="0"/>
+              <a:t> node *</a:t>
+            </a:r>
+            <a:endParaRPr lang="en-US" dirty="0"/>
+          </a:p>
+        </p:txBody>
+      </p:sp>
+      <p:sp>
+        <p:nvSpPr>
+          <p:cNvPr id="107" name="TextBox 106"/>
+          <p:cNvSpPr txBox="1"/>
+          <p:nvPr/>
+        </p:nvSpPr>
+        <p:spPr>
+          <a:xfrm>
+            <a:off x="3878975" y="5733123"/>
+            <a:ext cx="2067159" cy="369332"/>
+          </a:xfrm>
+          <a:prstGeom prst="rect">
+            <a:avLst/>
+          </a:prstGeom>
+          <a:noFill/>
+        </p:spPr>
+        <p:txBody>
+          <a:bodyPr wrap="square" rtlCol="0">
+            <a:spAutoFit/>
+          </a:bodyPr>
+          <a:lstStyle/>
+          <a:p>
+            <a:r>
+              <a:rPr lang="en-US" dirty="0" smtClean="0"/>
+              <a:t>type: </a:t>
+            </a:r>
+            <a:r>
+              <a:rPr lang="en-US" dirty="0" err="1" smtClean="0"/>
+              <a:t>struct</a:t>
+            </a:r>
+            <a:r>
+              <a:rPr lang="en-US" dirty="0" smtClean="0"/>
+              <a:t> node *</a:t>
+            </a:r>
+            <a:endParaRPr lang="en-US" dirty="0"/>
+          </a:p>
+        </p:txBody>
+      </p:sp>
+      <p:sp>
+        <p:nvSpPr>
+          <p:cNvPr id="108" name="TextBox 107"/>
+          <p:cNvSpPr txBox="1"/>
+          <p:nvPr/>
+        </p:nvSpPr>
+        <p:spPr>
+          <a:xfrm>
+            <a:off x="4554674" y="2998855"/>
+            <a:ext cx="2067159" cy="369332"/>
+          </a:xfrm>
+          <a:prstGeom prst="rect">
+            <a:avLst/>
+          </a:prstGeom>
+          <a:noFill/>
+        </p:spPr>
+        <p:txBody>
+          <a:bodyPr wrap="square" rtlCol="0">
+            <a:spAutoFit/>
+          </a:bodyPr>
+          <a:lstStyle/>
+          <a:p>
+            <a:r>
+              <a:rPr lang="en-US" dirty="0" smtClean="0"/>
+              <a:t>type: </a:t>
+            </a:r>
+            <a:r>
+              <a:rPr lang="en-US" dirty="0" err="1" smtClean="0"/>
+              <a:t>struct</a:t>
+            </a:r>
+            <a:r>
+              <a:rPr lang="en-US" dirty="0" smtClean="0"/>
+              <a:t> node</a:t>
+            </a:r>
+            <a:endParaRPr lang="en-US" dirty="0"/>
+          </a:p>
+        </p:txBody>
+      </p:sp>
+      <p:sp>
+        <p:nvSpPr>
+          <p:cNvPr id="109" name="TextBox 108"/>
+          <p:cNvSpPr txBox="1"/>
+          <p:nvPr/>
+        </p:nvSpPr>
+        <p:spPr>
+          <a:xfrm>
+            <a:off x="4036566" y="3439982"/>
+            <a:ext cx="1076370" cy="646331"/>
+          </a:xfrm>
+          <a:prstGeom prst="rect">
+            <a:avLst/>
+          </a:prstGeom>
+          <a:noFill/>
+        </p:spPr>
+        <p:txBody>
+          <a:bodyPr wrap="square" rtlCol="0">
+            <a:spAutoFit/>
+          </a:bodyPr>
+          <a:lstStyle/>
+          <a:p>
+            <a:r>
+              <a:rPr lang="en-US" dirty="0"/>
+              <a:t>f</a:t>
+            </a:r>
+            <a:r>
+              <a:rPr lang="en-US" dirty="0" smtClean="0"/>
+              <a:t>ield: </a:t>
+            </a:r>
+            <a:r>
+              <a:rPr lang="en-US" dirty="0" err="1" smtClean="0"/>
+              <a:t>val</a:t>
+            </a:r>
+            <a:r>
+              <a:rPr lang="en-US" dirty="0" smtClean="0"/>
+              <a:t/>
+            </a:r>
+            <a:br>
+              <a:rPr lang="en-US" dirty="0" smtClean="0"/>
+            </a:br>
+            <a:r>
+              <a:rPr lang="en-US" dirty="0" err="1" smtClean="0"/>
+              <a:t>field:next</a:t>
+            </a:r>
+            <a:endParaRPr lang="en-US" dirty="0"/>
+          </a:p>
+        </p:txBody>
+      </p:sp>
+    </p:spTree>
+    <p:extLst>
+      <p:ext uri="{BB962C8B-B14F-4D97-AF65-F5344CB8AC3E}">
+        <p14:creationId xmlns:p14="http://schemas.microsoft.com/office/powerpoint/2010/main" val="2320328358"/>
+      </p:ext>
+    </p:extLst>
+  </p:cSld>
+  <p:clrMapOvr>
+    <a:masterClrMapping/>
+  </p:clrMapOvr>
+  <p:timing>
+    <p:tnLst>
+      <p:par>
+        <p:cTn id="1" dur="indefinite" restart="never" nodeType="tmRoot"/>
+      </p:par>
+    </p:tnLst>
+  </p:timing>
+</p:sld>
+</file>
+
+<file path=ppt/slides/slide12.xml><?xml version="1.0" encoding="utf-8"?>
+<p:sld xmlns:a="http://schemas.openxmlformats.org/drawingml/2006/main" xmlns:r="http://schemas.openxmlformats.org/officeDocument/2006/relationships" xmlns:p="http://schemas.openxmlformats.org/presentationml/2006/main">
+  <p:cSld>
+    <p:spTree>
+      <p:nvGrpSpPr>
+        <p:cNvPr id="1" name=""/>
+        <p:cNvGrpSpPr/>
+        <p:nvPr/>
+      </p:nvGrpSpPr>
+      <p:grpSpPr>
+        <a:xfrm>
+          <a:off x="0" y="0"/>
+          <a:ext cx="0" cy="0"/>
+          <a:chOff x="0" y="0"/>
+          <a:chExt cx="0" cy="0"/>
+        </a:xfrm>
+      </p:grpSpPr>
+      <p:sp>
+        <p:nvSpPr>
+          <p:cNvPr id="2" name="Title 1"/>
+          <p:cNvSpPr>
+            <a:spLocks noGrp="1"/>
+          </p:cNvSpPr>
+          <p:nvPr>
+            <p:ph type="title"/>
+          </p:nvPr>
+        </p:nvSpPr>
+        <p:spPr/>
+        <p:txBody>
+          <a:bodyPr/>
+          <a:lstStyle/>
+          <a:p>
+            <a:r>
+              <a:rPr lang="en-US" dirty="0" smtClean="0"/>
+              <a:t>Introductory linked list </a:t>
+            </a:r>
+            <a:r>
+              <a:rPr lang="en-US" dirty="0" err="1" smtClean="0"/>
+              <a:t>exercses</a:t>
+            </a:r>
+            <a:endParaRPr lang="en-US" dirty="0"/>
+          </a:p>
+        </p:txBody>
+      </p:sp>
+      <p:sp>
+        <p:nvSpPr>
+          <p:cNvPr id="3" name="Content Placeholder 2"/>
+          <p:cNvSpPr>
+            <a:spLocks noGrp="1"/>
+          </p:cNvSpPr>
+          <p:nvPr>
+            <p:ph idx="1"/>
+          </p:nvPr>
+        </p:nvSpPr>
+        <p:spPr/>
+        <p:txBody>
+          <a:bodyPr/>
+          <a:lstStyle/>
+          <a:p>
+            <a:r>
+              <a:rPr lang="en-US" dirty="0" smtClean="0"/>
+              <a:t>See </a:t>
+            </a:r>
+            <a:r>
+              <a:rPr lang="en-US" dirty="0" err="1" smtClean="0">
+                <a:latin typeface="Courier New" panose="02070309020205020404" pitchFamily="49" charset="0"/>
+                <a:cs typeface="Courier New" panose="02070309020205020404" pitchFamily="49" charset="0"/>
+              </a:rPr>
+              <a:t>linked_list_intro.c</a:t>
+            </a:r>
+            <a:endParaRPr lang="en-US" dirty="0">
+              <a:latin typeface="Courier New" panose="02070309020205020404" pitchFamily="49" charset="0"/>
+              <a:cs typeface="Courier New" panose="02070309020205020404" pitchFamily="49" charset="0"/>
+            </a:endParaRPr>
+          </a:p>
+        </p:txBody>
+      </p:sp>
+    </p:spTree>
+    <p:extLst>
+      <p:ext uri="{BB962C8B-B14F-4D97-AF65-F5344CB8AC3E}">
+        <p14:creationId xmlns:p14="http://schemas.microsoft.com/office/powerpoint/2010/main" val="3374011401"/>
+      </p:ext>
+    </p:extLst>
+  </p:cSld>
+  <p:clrMapOvr>
+    <a:masterClrMapping/>
+  </p:clrMapOvr>
+  <p:timing>
+    <p:tnLst>
+      <p:par>
+        <p:cTn id="1" dur="indefinite" restart="never" nodeType="tmRoot"/>
+      </p:par>
+    </p:tnLst>
+  </p:timing>
+</p:sld>
+</file>
+
+<file path=ppt/slides/slide13.xml><?xml version="1.0" encoding="utf-8"?>
+<p:sld xmlns:a="http://schemas.openxmlformats.org/drawingml/2006/main" xmlns:r="http://schemas.openxmlformats.org/officeDocument/2006/relationships" xmlns:p="http://schemas.openxmlformats.org/presentationml/2006/main">
+  <p:cSld>
+    <p:spTree>
+      <p:nvGrpSpPr>
+        <p:cNvPr id="1" name=""/>
+        <p:cNvGrpSpPr/>
+        <p:nvPr/>
+      </p:nvGrpSpPr>
+      <p:grpSpPr>
+        <a:xfrm>
+          <a:off x="0" y="0"/>
+          <a:ext cx="0" cy="0"/>
+          <a:chOff x="0" y="0"/>
+          <a:chExt cx="0" cy="0"/>
+        </a:xfrm>
+      </p:grpSpPr>
+      <p:sp>
+        <p:nvSpPr>
+          <p:cNvPr id="2" name="Title 1"/>
+          <p:cNvSpPr>
+            <a:spLocks noGrp="1"/>
+          </p:cNvSpPr>
+          <p:nvPr>
+            <p:ph type="title"/>
+          </p:nvPr>
+        </p:nvSpPr>
+        <p:spPr>
+          <a:xfrm>
+            <a:off x="838200" y="14935"/>
+            <a:ext cx="10515600" cy="1325563"/>
+          </a:xfrm>
+        </p:spPr>
+        <p:txBody>
+          <a:bodyPr/>
+          <a:lstStyle/>
+          <a:p>
+            <a:r>
+              <a:rPr lang="en-US" dirty="0" smtClean="0"/>
+              <a:t>Inserting into a position in a linked list</a:t>
+            </a:r>
+            <a:endParaRPr lang="en-US" dirty="0"/>
+          </a:p>
+        </p:txBody>
+      </p:sp>
+      <p:sp>
+        <p:nvSpPr>
+          <p:cNvPr id="3" name="Content Placeholder 2"/>
+          <p:cNvSpPr>
+            <a:spLocks noGrp="1"/>
+          </p:cNvSpPr>
+          <p:nvPr>
+            <p:ph idx="1"/>
+          </p:nvPr>
+        </p:nvSpPr>
+        <p:spPr>
+          <a:xfrm>
+            <a:off x="507458" y="950142"/>
+            <a:ext cx="11684542" cy="5956504"/>
+          </a:xfrm>
+        </p:spPr>
+        <p:txBody>
+          <a:bodyPr>
+            <a:noAutofit/>
+          </a:bodyPr>
+          <a:lstStyle/>
+          <a:p>
+            <a:pPr marL="0" indent="0">
+              <a:buNone/>
+            </a:pPr>
+            <a:r>
+              <a:rPr lang="en-US" sz="2200" dirty="0" err="1">
+                <a:latin typeface="Courier New" panose="02070309020205020404" pitchFamily="49" charset="0"/>
+                <a:cs typeface="Courier New" panose="02070309020205020404" pitchFamily="49" charset="0"/>
+              </a:rPr>
+              <a:t>struct</a:t>
+            </a:r>
+            <a:r>
+              <a:rPr lang="en-US" sz="2200" dirty="0">
+                <a:latin typeface="Courier New" panose="02070309020205020404" pitchFamily="49" charset="0"/>
+                <a:cs typeface="Courier New" panose="02070309020205020404" pitchFamily="49" charset="0"/>
+              </a:rPr>
+              <a:t> node * </a:t>
+            </a:r>
+            <a:r>
+              <a:rPr lang="en-US" sz="2200" dirty="0" err="1">
+                <a:latin typeface="Courier New" panose="02070309020205020404" pitchFamily="49" charset="0"/>
+                <a:cs typeface="Courier New" panose="02070309020205020404" pitchFamily="49" charset="0"/>
+              </a:rPr>
+              <a:t>node_insert</a:t>
+            </a:r>
+            <a:r>
+              <a:rPr lang="en-US" sz="2200" dirty="0">
+                <a:latin typeface="Courier New" panose="02070309020205020404" pitchFamily="49" charset="0"/>
+                <a:cs typeface="Courier New" panose="02070309020205020404" pitchFamily="49" charset="0"/>
+              </a:rPr>
+              <a:t>(</a:t>
+            </a:r>
+            <a:r>
+              <a:rPr lang="en-US" sz="2200" dirty="0" err="1">
+                <a:latin typeface="Courier New" panose="02070309020205020404" pitchFamily="49" charset="0"/>
+                <a:cs typeface="Courier New" panose="02070309020205020404" pitchFamily="49" charset="0"/>
+              </a:rPr>
+              <a:t>struct</a:t>
+            </a:r>
+            <a:r>
+              <a:rPr lang="en-US" sz="2200" dirty="0">
+                <a:latin typeface="Courier New" panose="02070309020205020404" pitchFamily="49" charset="0"/>
+                <a:cs typeface="Courier New" panose="02070309020205020404" pitchFamily="49" charset="0"/>
+              </a:rPr>
+              <a:t> node * head, </a:t>
+            </a:r>
+            <a:r>
+              <a:rPr lang="en-US" sz="2200" dirty="0" err="1">
+                <a:latin typeface="Courier New" panose="02070309020205020404" pitchFamily="49" charset="0"/>
+                <a:cs typeface="Courier New" panose="02070309020205020404" pitchFamily="49" charset="0"/>
+              </a:rPr>
+              <a:t>int</a:t>
+            </a:r>
+            <a:r>
+              <a:rPr lang="en-US" sz="2200" dirty="0">
+                <a:latin typeface="Courier New" panose="02070309020205020404" pitchFamily="49" charset="0"/>
+                <a:cs typeface="Courier New" panose="02070309020205020404" pitchFamily="49" charset="0"/>
+              </a:rPr>
+              <a:t> </a:t>
+            </a:r>
+            <a:r>
+              <a:rPr lang="en-US" sz="2200" dirty="0" err="1">
+                <a:latin typeface="Courier New" panose="02070309020205020404" pitchFamily="49" charset="0"/>
+                <a:cs typeface="Courier New" panose="02070309020205020404" pitchFamily="49" charset="0"/>
+              </a:rPr>
+              <a:t>pos</a:t>
+            </a:r>
+            <a:r>
+              <a:rPr lang="en-US" sz="2200" dirty="0">
+                <a:latin typeface="Courier New" panose="02070309020205020404" pitchFamily="49" charset="0"/>
+                <a:cs typeface="Courier New" panose="02070309020205020404" pitchFamily="49" charset="0"/>
+              </a:rPr>
+              <a:t>, </a:t>
+            </a:r>
+            <a:r>
+              <a:rPr lang="en-US" sz="2200" dirty="0" err="1">
+                <a:latin typeface="Courier New" panose="02070309020205020404" pitchFamily="49" charset="0"/>
+                <a:cs typeface="Courier New" panose="02070309020205020404" pitchFamily="49" charset="0"/>
+              </a:rPr>
+              <a:t>int</a:t>
+            </a:r>
+            <a:r>
+              <a:rPr lang="en-US" sz="2200" dirty="0">
+                <a:latin typeface="Courier New" panose="02070309020205020404" pitchFamily="49" charset="0"/>
+                <a:cs typeface="Courier New" panose="02070309020205020404" pitchFamily="49" charset="0"/>
+              </a:rPr>
+              <a:t> </a:t>
+            </a:r>
+            <a:r>
+              <a:rPr lang="en-US" sz="2200" dirty="0" err="1">
+                <a:latin typeface="Courier New" panose="02070309020205020404" pitchFamily="49" charset="0"/>
+                <a:cs typeface="Courier New" panose="02070309020205020404" pitchFamily="49" charset="0"/>
+              </a:rPr>
+              <a:t>newval</a:t>
+            </a:r>
+            <a:r>
+              <a:rPr lang="en-US" sz="2200" dirty="0">
+                <a:latin typeface="Courier New" panose="02070309020205020404" pitchFamily="49" charset="0"/>
+                <a:cs typeface="Courier New" panose="02070309020205020404" pitchFamily="49" charset="0"/>
+              </a:rPr>
+              <a:t>){</a:t>
+            </a:r>
+          </a:p>
+          <a:p>
+            <a:pPr marL="0" indent="0">
+              <a:buNone/>
+            </a:pPr>
+            <a:r>
+              <a:rPr lang="en-US" sz="2200" dirty="0" smtClean="0">
+                <a:latin typeface="Courier New" panose="02070309020205020404" pitchFamily="49" charset="0"/>
+                <a:cs typeface="Courier New" panose="02070309020205020404" pitchFamily="49" charset="0"/>
+              </a:rPr>
+              <a:t>   </a:t>
+            </a:r>
+            <a:r>
+              <a:rPr lang="en-US" sz="2200" dirty="0" err="1" smtClean="0">
+                <a:latin typeface="Courier New" panose="02070309020205020404" pitchFamily="49" charset="0"/>
+                <a:cs typeface="Courier New" panose="02070309020205020404" pitchFamily="49" charset="0"/>
+              </a:rPr>
+              <a:t>struct</a:t>
+            </a:r>
+            <a:r>
+              <a:rPr lang="en-US" sz="2200" dirty="0" smtClean="0">
+                <a:latin typeface="Courier New" panose="02070309020205020404" pitchFamily="49" charset="0"/>
+                <a:cs typeface="Courier New" panose="02070309020205020404" pitchFamily="49" charset="0"/>
+              </a:rPr>
+              <a:t> </a:t>
+            </a:r>
+            <a:r>
+              <a:rPr lang="en-US" sz="2200" dirty="0">
+                <a:latin typeface="Courier New" panose="02070309020205020404" pitchFamily="49" charset="0"/>
+                <a:cs typeface="Courier New" panose="02070309020205020404" pitchFamily="49" charset="0"/>
+              </a:rPr>
+              <a:t>node * l, * p</a:t>
+            </a:r>
+            <a:r>
+              <a:rPr lang="en-US" sz="2200" dirty="0" smtClean="0">
+                <a:latin typeface="Courier New" panose="02070309020205020404" pitchFamily="49" charset="0"/>
+                <a:cs typeface="Courier New" panose="02070309020205020404" pitchFamily="49" charset="0"/>
+              </a:rPr>
+              <a:t>;   </a:t>
+            </a:r>
+            <a:r>
+              <a:rPr lang="en-US" sz="2200" dirty="0" smtClean="0">
+                <a:latin typeface="Bodoni MT" panose="02070603080606020203" pitchFamily="18" charset="0"/>
+                <a:cs typeface="Courier New" panose="02070309020205020404" pitchFamily="49" charset="0"/>
+              </a:rPr>
+              <a:t>// we need two positions to insert between (after p, before l)</a:t>
+            </a:r>
+            <a:r>
+              <a:rPr lang="en-US" sz="2200" dirty="0" smtClean="0">
+                <a:latin typeface="Courier New" panose="02070309020205020404" pitchFamily="49" charset="0"/>
+                <a:cs typeface="Courier New" panose="02070309020205020404" pitchFamily="49" charset="0"/>
+              </a:rPr>
+              <a:t/>
+            </a:r>
+            <a:br>
+              <a:rPr lang="en-US" sz="2200" dirty="0" smtClean="0">
+                <a:latin typeface="Courier New" panose="02070309020205020404" pitchFamily="49" charset="0"/>
+                <a:cs typeface="Courier New" panose="02070309020205020404" pitchFamily="49" charset="0"/>
+              </a:rPr>
+            </a:br>
+            <a:r>
+              <a:rPr lang="en-US" sz="2200" dirty="0" smtClean="0">
+                <a:latin typeface="Courier New" panose="02070309020205020404" pitchFamily="49" charset="0"/>
+                <a:cs typeface="Courier New" panose="02070309020205020404" pitchFamily="49" charset="0"/>
+              </a:rPr>
+              <a:t>   </a:t>
+            </a:r>
+            <a:r>
+              <a:rPr lang="en-US" sz="2200" dirty="0" err="1" smtClean="0">
+                <a:latin typeface="Courier New" panose="02070309020205020404" pitchFamily="49" charset="0"/>
+                <a:cs typeface="Courier New" panose="02070309020205020404" pitchFamily="49" charset="0"/>
+              </a:rPr>
+              <a:t>struct</a:t>
+            </a:r>
+            <a:r>
+              <a:rPr lang="en-US" sz="2200" dirty="0" smtClean="0">
+                <a:latin typeface="Courier New" panose="02070309020205020404" pitchFamily="49" charset="0"/>
+                <a:cs typeface="Courier New" panose="02070309020205020404" pitchFamily="49" charset="0"/>
+              </a:rPr>
+              <a:t> </a:t>
+            </a:r>
+            <a:r>
+              <a:rPr lang="en-US" sz="2200" dirty="0">
+                <a:latin typeface="Courier New" panose="02070309020205020404" pitchFamily="49" charset="0"/>
+                <a:cs typeface="Courier New" panose="02070309020205020404" pitchFamily="49" charset="0"/>
+              </a:rPr>
+              <a:t>node * new = </a:t>
+            </a:r>
+            <a:r>
+              <a:rPr lang="en-US" sz="2200" dirty="0" err="1">
+                <a:latin typeface="Courier New" panose="02070309020205020404" pitchFamily="49" charset="0"/>
+                <a:cs typeface="Courier New" panose="02070309020205020404" pitchFamily="49" charset="0"/>
+              </a:rPr>
+              <a:t>new_node</a:t>
+            </a:r>
+            <a:r>
+              <a:rPr lang="en-US" sz="2200" dirty="0" smtClean="0">
+                <a:latin typeface="Courier New" panose="02070309020205020404" pitchFamily="49" charset="0"/>
+                <a:cs typeface="Courier New" panose="02070309020205020404" pitchFamily="49" charset="0"/>
+              </a:rPr>
+              <a:t>();</a:t>
+            </a:r>
+            <a:br>
+              <a:rPr lang="en-US" sz="2200" dirty="0" smtClean="0">
+                <a:latin typeface="Courier New" panose="02070309020205020404" pitchFamily="49" charset="0"/>
+                <a:cs typeface="Courier New" panose="02070309020205020404" pitchFamily="49" charset="0"/>
+              </a:rPr>
+            </a:br>
+            <a:r>
+              <a:rPr lang="en-US" sz="2200" dirty="0" smtClean="0">
+                <a:latin typeface="Courier New" panose="02070309020205020404" pitchFamily="49" charset="0"/>
+                <a:cs typeface="Courier New" panose="02070309020205020404" pitchFamily="49" charset="0"/>
+              </a:rPr>
+              <a:t>   new-</a:t>
+            </a:r>
+            <a:r>
+              <a:rPr lang="en-US" sz="2200" dirty="0">
+                <a:latin typeface="Courier New" panose="02070309020205020404" pitchFamily="49" charset="0"/>
+                <a:cs typeface="Courier New" panose="02070309020205020404" pitchFamily="49" charset="0"/>
+              </a:rPr>
+              <a:t>&gt;</a:t>
+            </a:r>
+            <a:r>
+              <a:rPr lang="en-US" sz="2200" dirty="0" err="1" smtClean="0">
+                <a:latin typeface="Courier New" panose="02070309020205020404" pitchFamily="49" charset="0"/>
+                <a:cs typeface="Courier New" panose="02070309020205020404" pitchFamily="49" charset="0"/>
+              </a:rPr>
+              <a:t>val</a:t>
+            </a:r>
+            <a:r>
+              <a:rPr lang="en-US" sz="2200" dirty="0" smtClean="0">
+                <a:latin typeface="Courier New" panose="02070309020205020404" pitchFamily="49" charset="0"/>
+                <a:cs typeface="Courier New" panose="02070309020205020404" pitchFamily="49" charset="0"/>
+              </a:rPr>
+              <a:t>=</a:t>
+            </a:r>
+            <a:r>
+              <a:rPr lang="en-US" sz="2200" dirty="0" err="1" smtClean="0">
+                <a:latin typeface="Courier New" panose="02070309020205020404" pitchFamily="49" charset="0"/>
+                <a:cs typeface="Courier New" panose="02070309020205020404" pitchFamily="49" charset="0"/>
+              </a:rPr>
+              <a:t>newval</a:t>
+            </a:r>
+            <a:r>
+              <a:rPr lang="en-US" sz="2200" dirty="0" smtClean="0">
+                <a:latin typeface="Courier New" panose="02070309020205020404" pitchFamily="49" charset="0"/>
+                <a:cs typeface="Courier New" panose="02070309020205020404" pitchFamily="49" charset="0"/>
+              </a:rPr>
+              <a:t>;</a:t>
+            </a:r>
+            <a:br>
+              <a:rPr lang="en-US" sz="2200" dirty="0" smtClean="0">
+                <a:latin typeface="Courier New" panose="02070309020205020404" pitchFamily="49" charset="0"/>
+                <a:cs typeface="Courier New" panose="02070309020205020404" pitchFamily="49" charset="0"/>
+              </a:rPr>
+            </a:br>
+            <a:r>
+              <a:rPr lang="en-US" sz="2200" dirty="0" smtClean="0">
+                <a:latin typeface="Courier New" panose="02070309020205020404" pitchFamily="49" charset="0"/>
+                <a:cs typeface="Courier New" panose="02070309020205020404" pitchFamily="49" charset="0"/>
+              </a:rPr>
+              <a:t>   </a:t>
+            </a:r>
+            <a:r>
+              <a:rPr lang="en-US" sz="2200" dirty="0" err="1" smtClean="0">
+                <a:latin typeface="Courier New" panose="02070309020205020404" pitchFamily="49" charset="0"/>
+                <a:cs typeface="Courier New" panose="02070309020205020404" pitchFamily="49" charset="0"/>
+              </a:rPr>
+              <a:t>int</a:t>
+            </a:r>
+            <a:r>
+              <a:rPr lang="en-US" sz="2200" dirty="0" smtClean="0">
+                <a:latin typeface="Courier New" panose="02070309020205020404" pitchFamily="49" charset="0"/>
+                <a:cs typeface="Courier New" panose="02070309020205020404" pitchFamily="49" charset="0"/>
+              </a:rPr>
+              <a:t> </a:t>
+            </a:r>
+            <a:r>
+              <a:rPr lang="en-US" sz="2200" dirty="0" err="1">
+                <a:latin typeface="Courier New" panose="02070309020205020404" pitchFamily="49" charset="0"/>
+                <a:cs typeface="Courier New" panose="02070309020205020404" pitchFamily="49" charset="0"/>
+              </a:rPr>
+              <a:t>i</a:t>
+            </a:r>
+            <a:r>
+              <a:rPr lang="en-US" sz="2200" dirty="0">
+                <a:latin typeface="Courier New" panose="02070309020205020404" pitchFamily="49" charset="0"/>
+                <a:cs typeface="Courier New" panose="02070309020205020404" pitchFamily="49" charset="0"/>
+              </a:rPr>
+              <a:t>; </a:t>
+            </a:r>
+            <a:r>
+              <a:rPr lang="en-US" sz="2200" dirty="0" smtClean="0">
+                <a:latin typeface="Courier New" panose="02070309020205020404" pitchFamily="49" charset="0"/>
+                <a:cs typeface="Courier New" panose="02070309020205020404" pitchFamily="49" charset="0"/>
+              </a:rPr>
+              <a:t>  </a:t>
+            </a:r>
+            <a:r>
+              <a:rPr lang="en-US" sz="2200" dirty="0" smtClean="0">
+                <a:latin typeface="Bodoni MT" panose="02070603080606020203" pitchFamily="18" charset="0"/>
+                <a:cs typeface="Courier New" panose="02070309020205020404" pitchFamily="49" charset="0"/>
+              </a:rPr>
+              <a:t>// </a:t>
+            </a:r>
+            <a:r>
+              <a:rPr lang="en-US" sz="2200" dirty="0" err="1">
+                <a:latin typeface="Bodoni MT" panose="02070603080606020203" pitchFamily="18" charset="0"/>
+                <a:cs typeface="Courier New" panose="02070309020205020404" pitchFamily="49" charset="0"/>
+              </a:rPr>
+              <a:t>i</a:t>
+            </a:r>
+            <a:r>
+              <a:rPr lang="en-US" sz="2200" dirty="0">
+                <a:latin typeface="Bodoni MT" panose="02070603080606020203" pitchFamily="18" charset="0"/>
+                <a:cs typeface="Courier New" panose="02070309020205020404" pitchFamily="49" charset="0"/>
+              </a:rPr>
+              <a:t> is the position of l</a:t>
+            </a:r>
+          </a:p>
+          <a:p>
+            <a:pPr marL="0" indent="0">
+              <a:buNone/>
+            </a:pPr>
+            <a:r>
+              <a:rPr lang="en-US" sz="2200" dirty="0" smtClean="0">
+                <a:latin typeface="Courier New" panose="02070309020205020404" pitchFamily="49" charset="0"/>
+                <a:cs typeface="Courier New" panose="02070309020205020404" pitchFamily="49" charset="0"/>
+              </a:rPr>
+              <a:t>   </a:t>
+            </a:r>
+            <a:r>
+              <a:rPr lang="en-US" sz="2200" dirty="0" smtClean="0">
+                <a:solidFill>
+                  <a:schemeClr val="accent1">
+                    <a:lumMod val="75000"/>
+                  </a:schemeClr>
+                </a:solidFill>
+                <a:latin typeface="Courier New" panose="02070309020205020404" pitchFamily="49" charset="0"/>
+                <a:cs typeface="Courier New" panose="02070309020205020404" pitchFamily="49" charset="0"/>
+              </a:rPr>
+              <a:t>  </a:t>
+            </a:r>
+            <a:r>
+              <a:rPr lang="en-US" sz="2200" dirty="0" smtClean="0">
+                <a:solidFill>
+                  <a:schemeClr val="accent1">
+                    <a:lumMod val="75000"/>
+                  </a:schemeClr>
+                </a:solidFill>
+                <a:latin typeface="Bodoni MT" panose="02070603080606020203" pitchFamily="18" charset="0"/>
+                <a:cs typeface="Courier New" panose="02070309020205020404" pitchFamily="49" charset="0"/>
+              </a:rPr>
+              <a:t>// @loop traverse the list looking for position</a:t>
+            </a:r>
+            <a:r>
+              <a:rPr lang="en-US" sz="2200" dirty="0" smtClean="0">
+                <a:solidFill>
+                  <a:schemeClr val="accent1">
+                    <a:lumMod val="75000"/>
+                  </a:schemeClr>
+                </a:solidFill>
+                <a:latin typeface="Courier New" panose="02070309020205020404" pitchFamily="49" charset="0"/>
+                <a:cs typeface="Courier New" panose="02070309020205020404" pitchFamily="49" charset="0"/>
+              </a:rPr>
+              <a:t/>
+            </a:r>
+            <a:br>
+              <a:rPr lang="en-US" sz="2200" dirty="0" smtClean="0">
+                <a:solidFill>
+                  <a:schemeClr val="accent1">
+                    <a:lumMod val="75000"/>
+                  </a:schemeClr>
+                </a:solidFill>
+                <a:latin typeface="Courier New" panose="02070309020205020404" pitchFamily="49" charset="0"/>
+                <a:cs typeface="Courier New" panose="02070309020205020404" pitchFamily="49" charset="0"/>
+              </a:rPr>
+            </a:br>
+            <a:r>
+              <a:rPr lang="en-US" sz="2200" dirty="0" smtClean="0">
+                <a:solidFill>
+                  <a:schemeClr val="accent1">
+                    <a:lumMod val="75000"/>
+                  </a:schemeClr>
+                </a:solidFill>
+                <a:latin typeface="Courier New" panose="02070309020205020404" pitchFamily="49" charset="0"/>
+                <a:cs typeface="Courier New" panose="02070309020205020404" pitchFamily="49" charset="0"/>
+              </a:rPr>
+              <a:t>   for(l=head</a:t>
+            </a:r>
+            <a:r>
+              <a:rPr lang="en-US" sz="2200" dirty="0">
+                <a:solidFill>
+                  <a:schemeClr val="accent1">
+                    <a:lumMod val="75000"/>
+                  </a:schemeClr>
+                </a:solidFill>
+                <a:latin typeface="Courier New" panose="02070309020205020404" pitchFamily="49" charset="0"/>
+                <a:cs typeface="Courier New" panose="02070309020205020404" pitchFamily="49" charset="0"/>
+              </a:rPr>
+              <a:t>, p=NULL, </a:t>
+            </a:r>
+            <a:r>
+              <a:rPr lang="en-US" sz="2200" dirty="0" err="1">
+                <a:solidFill>
+                  <a:schemeClr val="accent1">
+                    <a:lumMod val="75000"/>
+                  </a:schemeClr>
+                </a:solidFill>
+                <a:latin typeface="Courier New" panose="02070309020205020404" pitchFamily="49" charset="0"/>
+                <a:cs typeface="Courier New" panose="02070309020205020404" pitchFamily="49" charset="0"/>
+              </a:rPr>
+              <a:t>i</a:t>
+            </a:r>
+            <a:r>
+              <a:rPr lang="en-US" sz="2200" dirty="0">
+                <a:solidFill>
+                  <a:schemeClr val="accent1">
+                    <a:lumMod val="75000"/>
+                  </a:schemeClr>
+                </a:solidFill>
+                <a:latin typeface="Courier New" panose="02070309020205020404" pitchFamily="49" charset="0"/>
+                <a:cs typeface="Courier New" panose="02070309020205020404" pitchFamily="49" charset="0"/>
+              </a:rPr>
+              <a:t>=0; </a:t>
+            </a:r>
+            <a:r>
+              <a:rPr lang="en-US" sz="2200" b="1" dirty="0">
+                <a:solidFill>
+                  <a:schemeClr val="accent2"/>
+                </a:solidFill>
+                <a:latin typeface="Courier New" panose="02070309020205020404" pitchFamily="49" charset="0"/>
+                <a:cs typeface="Courier New" panose="02070309020205020404" pitchFamily="49" charset="0"/>
+              </a:rPr>
+              <a:t>l!= NULL &amp;&amp; </a:t>
+            </a:r>
+            <a:r>
+              <a:rPr lang="en-US" sz="2200" b="1" dirty="0" err="1">
+                <a:solidFill>
+                  <a:schemeClr val="accent2"/>
+                </a:solidFill>
+                <a:latin typeface="Courier New" panose="02070309020205020404" pitchFamily="49" charset="0"/>
+                <a:cs typeface="Courier New" panose="02070309020205020404" pitchFamily="49" charset="0"/>
+              </a:rPr>
+              <a:t>i</a:t>
+            </a:r>
+            <a:r>
+              <a:rPr lang="en-US" sz="2200" b="1" dirty="0">
+                <a:solidFill>
+                  <a:schemeClr val="accent2"/>
+                </a:solidFill>
+                <a:latin typeface="Courier New" panose="02070309020205020404" pitchFamily="49" charset="0"/>
+                <a:cs typeface="Courier New" panose="02070309020205020404" pitchFamily="49" charset="0"/>
+              </a:rPr>
+              <a:t> &lt; </a:t>
+            </a:r>
+            <a:r>
+              <a:rPr lang="en-US" sz="2200" b="1" dirty="0" err="1">
+                <a:solidFill>
+                  <a:schemeClr val="accent2"/>
+                </a:solidFill>
+                <a:latin typeface="Courier New" panose="02070309020205020404" pitchFamily="49" charset="0"/>
+                <a:cs typeface="Courier New" panose="02070309020205020404" pitchFamily="49" charset="0"/>
+              </a:rPr>
+              <a:t>pos</a:t>
+            </a:r>
+            <a:r>
+              <a:rPr lang="en-US" sz="2200" b="1" dirty="0">
+                <a:solidFill>
+                  <a:schemeClr val="accent1">
+                    <a:lumMod val="75000"/>
+                  </a:schemeClr>
+                </a:solidFill>
+                <a:latin typeface="Courier New" panose="02070309020205020404" pitchFamily="49" charset="0"/>
+                <a:cs typeface="Courier New" panose="02070309020205020404" pitchFamily="49" charset="0"/>
+              </a:rPr>
+              <a:t> </a:t>
+            </a:r>
+            <a:r>
+              <a:rPr lang="en-US" sz="2200" dirty="0">
+                <a:solidFill>
+                  <a:schemeClr val="accent1">
+                    <a:lumMod val="75000"/>
+                  </a:schemeClr>
+                </a:solidFill>
+                <a:latin typeface="Courier New" panose="02070309020205020404" pitchFamily="49" charset="0"/>
+                <a:cs typeface="Courier New" panose="02070309020205020404" pitchFamily="49" charset="0"/>
+              </a:rPr>
+              <a:t>; l=l-&gt;next, </a:t>
+            </a:r>
+            <a:r>
+              <a:rPr lang="en-US" sz="2200" dirty="0" err="1">
+                <a:solidFill>
+                  <a:schemeClr val="accent1">
+                    <a:lumMod val="75000"/>
+                  </a:schemeClr>
+                </a:solidFill>
+                <a:latin typeface="Courier New" panose="02070309020205020404" pitchFamily="49" charset="0"/>
+                <a:cs typeface="Courier New" panose="02070309020205020404" pitchFamily="49" charset="0"/>
+              </a:rPr>
+              <a:t>i</a:t>
+            </a:r>
+            <a:r>
+              <a:rPr lang="en-US" sz="2200" dirty="0" smtClean="0">
+                <a:solidFill>
+                  <a:schemeClr val="accent1">
+                    <a:lumMod val="75000"/>
+                  </a:schemeClr>
+                </a:solidFill>
+                <a:latin typeface="Courier New" panose="02070309020205020404" pitchFamily="49" charset="0"/>
+                <a:cs typeface="Courier New" panose="02070309020205020404" pitchFamily="49" charset="0"/>
+              </a:rPr>
+              <a:t>++)</a:t>
+            </a:r>
+            <a:br>
+              <a:rPr lang="en-US" sz="2200" dirty="0" smtClean="0">
+                <a:solidFill>
+                  <a:schemeClr val="accent1">
+                    <a:lumMod val="75000"/>
+                  </a:schemeClr>
+                </a:solidFill>
+                <a:latin typeface="Courier New" panose="02070309020205020404" pitchFamily="49" charset="0"/>
+                <a:cs typeface="Courier New" panose="02070309020205020404" pitchFamily="49" charset="0"/>
+              </a:rPr>
+            </a:br>
+            <a:r>
+              <a:rPr lang="en-US" sz="2200" dirty="0" smtClean="0">
+                <a:solidFill>
+                  <a:schemeClr val="accent1">
+                    <a:lumMod val="75000"/>
+                  </a:schemeClr>
+                </a:solidFill>
+                <a:latin typeface="Courier New" panose="02070309020205020404" pitchFamily="49" charset="0"/>
+                <a:cs typeface="Courier New" panose="02070309020205020404" pitchFamily="49" charset="0"/>
+              </a:rPr>
+              <a:t>         p=l;</a:t>
+            </a:r>
+          </a:p>
+          <a:p>
+            <a:pPr marL="0" indent="0">
+              <a:buNone/>
+            </a:pPr>
+            <a:r>
+              <a:rPr lang="en-US" sz="2200" dirty="0">
+                <a:latin typeface="Courier New" panose="02070309020205020404" pitchFamily="49" charset="0"/>
+                <a:cs typeface="Courier New" panose="02070309020205020404" pitchFamily="49" charset="0"/>
+              </a:rPr>
+              <a:t> </a:t>
+            </a:r>
+            <a:r>
+              <a:rPr lang="en-US" sz="2200" dirty="0" smtClean="0">
+                <a:latin typeface="Courier New" panose="02070309020205020404" pitchFamily="49" charset="0"/>
+                <a:cs typeface="Courier New" panose="02070309020205020404" pitchFamily="49" charset="0"/>
+              </a:rPr>
+              <a:t>    </a:t>
+            </a:r>
+            <a:r>
+              <a:rPr lang="en-US" sz="2200" dirty="0" smtClean="0">
+                <a:latin typeface="Bodoni MT" panose="02070603080606020203" pitchFamily="18" charset="0"/>
+                <a:cs typeface="Courier New" panose="02070309020205020404" pitchFamily="49" charset="0"/>
+              </a:rPr>
+              <a:t>// Now insert the new</a:t>
+            </a:r>
+            <a:endParaRPr lang="en-US" sz="2200" dirty="0">
+              <a:latin typeface="Bodoni MT" panose="02070603080606020203" pitchFamily="18" charset="0"/>
+              <a:cs typeface="Courier New" panose="02070309020205020404" pitchFamily="49" charset="0"/>
+            </a:endParaRPr>
+          </a:p>
+          <a:p>
+            <a:pPr marL="0" indent="0">
+              <a:buNone/>
+            </a:pPr>
+            <a:r>
+              <a:rPr lang="en-US" sz="2200" dirty="0" smtClean="0">
+                <a:latin typeface="Courier New" panose="02070309020205020404" pitchFamily="49" charset="0"/>
+                <a:cs typeface="Courier New" panose="02070309020205020404" pitchFamily="49" charset="0"/>
+              </a:rPr>
+              <a:t>   if </a:t>
+            </a:r>
+            <a:r>
+              <a:rPr lang="en-US" sz="2200" dirty="0">
+                <a:latin typeface="Courier New" panose="02070309020205020404" pitchFamily="49" charset="0"/>
+                <a:cs typeface="Courier New" panose="02070309020205020404" pitchFamily="49" charset="0"/>
+              </a:rPr>
+              <a:t>( p == NULL ) </a:t>
+            </a:r>
+            <a:r>
+              <a:rPr lang="en-US" sz="2200" dirty="0" smtClean="0">
+                <a:latin typeface="Courier New" panose="02070309020205020404" pitchFamily="49" charset="0"/>
+                <a:cs typeface="Courier New" panose="02070309020205020404" pitchFamily="49" charset="0"/>
+              </a:rPr>
+              <a:t>{     </a:t>
+            </a:r>
+            <a:r>
+              <a:rPr lang="en-US" sz="2200" dirty="0" smtClean="0">
+                <a:latin typeface="Bodoni MT" panose="02070603080606020203" pitchFamily="18" charset="0"/>
+                <a:cs typeface="Courier New" panose="02070309020205020404" pitchFamily="49" charset="0"/>
+              </a:rPr>
+              <a:t>// case of insert at the beginning</a:t>
+            </a:r>
+            <a:r>
+              <a:rPr lang="en-US" sz="2200" dirty="0" smtClean="0">
+                <a:latin typeface="Courier New" panose="02070309020205020404" pitchFamily="49" charset="0"/>
+                <a:cs typeface="Courier New" panose="02070309020205020404" pitchFamily="49" charset="0"/>
+              </a:rPr>
+              <a:t/>
+            </a:r>
+            <a:br>
+              <a:rPr lang="en-US" sz="2200" dirty="0" smtClean="0">
+                <a:latin typeface="Courier New" panose="02070309020205020404" pitchFamily="49" charset="0"/>
+                <a:cs typeface="Courier New" panose="02070309020205020404" pitchFamily="49" charset="0"/>
+              </a:rPr>
+            </a:br>
+            <a:r>
+              <a:rPr lang="en-US" sz="2200" dirty="0" smtClean="0">
+                <a:latin typeface="Courier New" panose="02070309020205020404" pitchFamily="49" charset="0"/>
+                <a:cs typeface="Courier New" panose="02070309020205020404" pitchFamily="49" charset="0"/>
+              </a:rPr>
+              <a:t>         new-</a:t>
+            </a:r>
+            <a:r>
+              <a:rPr lang="en-US" sz="2200" dirty="0">
+                <a:latin typeface="Courier New" panose="02070309020205020404" pitchFamily="49" charset="0"/>
+                <a:cs typeface="Courier New" panose="02070309020205020404" pitchFamily="49" charset="0"/>
+              </a:rPr>
+              <a:t>&gt;next=head</a:t>
+            </a:r>
+            <a:r>
+              <a:rPr lang="en-US" sz="2200" dirty="0" smtClean="0">
+                <a:latin typeface="Courier New" panose="02070309020205020404" pitchFamily="49" charset="0"/>
+                <a:cs typeface="Courier New" panose="02070309020205020404" pitchFamily="49" charset="0"/>
+              </a:rPr>
+              <a:t>;</a:t>
+            </a:r>
+            <a:br>
+              <a:rPr lang="en-US" sz="2200" dirty="0" smtClean="0">
+                <a:latin typeface="Courier New" panose="02070309020205020404" pitchFamily="49" charset="0"/>
+                <a:cs typeface="Courier New" panose="02070309020205020404" pitchFamily="49" charset="0"/>
+              </a:rPr>
+            </a:br>
+            <a:r>
+              <a:rPr lang="en-US" sz="2200" dirty="0" smtClean="0">
+                <a:latin typeface="Courier New" panose="02070309020205020404" pitchFamily="49" charset="0"/>
+                <a:cs typeface="Courier New" panose="02070309020205020404" pitchFamily="49" charset="0"/>
+              </a:rPr>
+              <a:t>         return </a:t>
+            </a:r>
+            <a:r>
+              <a:rPr lang="en-US" sz="2200" dirty="0">
+                <a:latin typeface="Courier New" panose="02070309020205020404" pitchFamily="49" charset="0"/>
+                <a:cs typeface="Courier New" panose="02070309020205020404" pitchFamily="49" charset="0"/>
+              </a:rPr>
+              <a:t>new</a:t>
+            </a:r>
+            <a:r>
+              <a:rPr lang="en-US" sz="2200" dirty="0" smtClean="0">
+                <a:latin typeface="Courier New" panose="02070309020205020404" pitchFamily="49" charset="0"/>
+                <a:cs typeface="Courier New" panose="02070309020205020404" pitchFamily="49" charset="0"/>
+              </a:rPr>
+              <a:t>;           </a:t>
+            </a:r>
+            <a:r>
+              <a:rPr lang="en-US" sz="2200" dirty="0" smtClean="0">
+                <a:latin typeface="Bodoni MT" panose="02070603080606020203" pitchFamily="18" charset="0"/>
+                <a:cs typeface="Courier New" panose="02070309020205020404" pitchFamily="49" charset="0"/>
+              </a:rPr>
+              <a:t>// and return the new head</a:t>
+            </a:r>
+            <a:r>
+              <a:rPr lang="en-US" sz="2200" dirty="0" smtClean="0">
+                <a:latin typeface="Courier New" panose="02070309020205020404" pitchFamily="49" charset="0"/>
+                <a:cs typeface="Courier New" panose="02070309020205020404" pitchFamily="49" charset="0"/>
+              </a:rPr>
+              <a:t/>
+            </a:r>
+            <a:br>
+              <a:rPr lang="en-US" sz="2200" dirty="0" smtClean="0">
+                <a:latin typeface="Courier New" panose="02070309020205020404" pitchFamily="49" charset="0"/>
+                <a:cs typeface="Courier New" panose="02070309020205020404" pitchFamily="49" charset="0"/>
+              </a:rPr>
+            </a:br>
+            <a:r>
+              <a:rPr lang="en-US" sz="2200" dirty="0" smtClean="0">
+                <a:latin typeface="Courier New" panose="02070309020205020404" pitchFamily="49" charset="0"/>
+                <a:cs typeface="Courier New" panose="02070309020205020404" pitchFamily="49" charset="0"/>
+              </a:rPr>
+              <a:t>   }</a:t>
+            </a:r>
+            <a:endParaRPr lang="en-US" sz="2200" dirty="0">
+              <a:latin typeface="Courier New" panose="02070309020205020404" pitchFamily="49" charset="0"/>
+              <a:cs typeface="Courier New" panose="02070309020205020404" pitchFamily="49" charset="0"/>
+            </a:endParaRPr>
+          </a:p>
+          <a:p>
+            <a:pPr marL="0" indent="0">
+              <a:buNone/>
+            </a:pPr>
+            <a:r>
+              <a:rPr lang="en-US" sz="2200" dirty="0" smtClean="0">
+                <a:latin typeface="Courier New" panose="02070309020205020404" pitchFamily="49" charset="0"/>
+                <a:cs typeface="Courier New" panose="02070309020205020404" pitchFamily="49" charset="0"/>
+              </a:rPr>
+              <a:t>   new-</a:t>
+            </a:r>
+            <a:r>
+              <a:rPr lang="en-US" sz="2200" dirty="0">
+                <a:latin typeface="Courier New" panose="02070309020205020404" pitchFamily="49" charset="0"/>
+                <a:cs typeface="Courier New" panose="02070309020205020404" pitchFamily="49" charset="0"/>
+              </a:rPr>
+              <a:t>&gt;</a:t>
+            </a:r>
+            <a:r>
+              <a:rPr lang="en-US" sz="2200" dirty="0" smtClean="0">
+                <a:latin typeface="Courier New" panose="02070309020205020404" pitchFamily="49" charset="0"/>
+                <a:cs typeface="Courier New" panose="02070309020205020404" pitchFamily="49" charset="0"/>
+              </a:rPr>
+              <a:t>next=l;          </a:t>
+            </a:r>
+            <a:r>
+              <a:rPr lang="en-US" sz="2200" dirty="0" smtClean="0">
+                <a:latin typeface="Bodoni MT" panose="02070603080606020203" pitchFamily="18" charset="0"/>
+                <a:cs typeface="Courier New" panose="02070309020205020404" pitchFamily="49" charset="0"/>
+              </a:rPr>
+              <a:t> // now insert between p and l</a:t>
+            </a:r>
+            <a:r>
+              <a:rPr lang="en-US" sz="2200" dirty="0" smtClean="0">
+                <a:latin typeface="Courier New" panose="02070309020205020404" pitchFamily="49" charset="0"/>
+                <a:cs typeface="Courier New" panose="02070309020205020404" pitchFamily="49" charset="0"/>
+              </a:rPr>
+              <a:t/>
+            </a:r>
+            <a:br>
+              <a:rPr lang="en-US" sz="2200" dirty="0" smtClean="0">
+                <a:latin typeface="Courier New" panose="02070309020205020404" pitchFamily="49" charset="0"/>
+                <a:cs typeface="Courier New" panose="02070309020205020404" pitchFamily="49" charset="0"/>
+              </a:rPr>
+            </a:br>
+            <a:r>
+              <a:rPr lang="en-US" sz="2200" dirty="0" smtClean="0">
+                <a:latin typeface="Courier New" panose="02070309020205020404" pitchFamily="49" charset="0"/>
+                <a:cs typeface="Courier New" panose="02070309020205020404" pitchFamily="49" charset="0"/>
+              </a:rPr>
+              <a:t>   p-</a:t>
+            </a:r>
+            <a:r>
+              <a:rPr lang="en-US" sz="2200" dirty="0">
+                <a:latin typeface="Courier New" panose="02070309020205020404" pitchFamily="49" charset="0"/>
+                <a:cs typeface="Courier New" panose="02070309020205020404" pitchFamily="49" charset="0"/>
+              </a:rPr>
+              <a:t>&gt;next=new</a:t>
+            </a:r>
+            <a:r>
+              <a:rPr lang="en-US" sz="2200" dirty="0" smtClean="0">
+                <a:latin typeface="Courier New" panose="02070309020205020404" pitchFamily="49" charset="0"/>
+                <a:cs typeface="Courier New" panose="02070309020205020404" pitchFamily="49" charset="0"/>
+              </a:rPr>
+              <a:t>;</a:t>
+            </a:r>
+            <a:br>
+              <a:rPr lang="en-US" sz="2200" dirty="0" smtClean="0">
+                <a:latin typeface="Courier New" panose="02070309020205020404" pitchFamily="49" charset="0"/>
+                <a:cs typeface="Courier New" panose="02070309020205020404" pitchFamily="49" charset="0"/>
+              </a:rPr>
+            </a:br>
+            <a:r>
+              <a:rPr lang="en-US" sz="2200" dirty="0" smtClean="0">
+                <a:latin typeface="Courier New" panose="02070309020205020404" pitchFamily="49" charset="0"/>
+                <a:cs typeface="Courier New" panose="02070309020205020404" pitchFamily="49" charset="0"/>
+              </a:rPr>
+              <a:t>   return </a:t>
+            </a:r>
+            <a:r>
+              <a:rPr lang="en-US" sz="2200" dirty="0">
+                <a:latin typeface="Courier New" panose="02070309020205020404" pitchFamily="49" charset="0"/>
+                <a:cs typeface="Courier New" panose="02070309020205020404" pitchFamily="49" charset="0"/>
+              </a:rPr>
+              <a:t>head</a:t>
+            </a:r>
+            <a:r>
+              <a:rPr lang="en-US" sz="2200" dirty="0" smtClean="0">
+                <a:latin typeface="Courier New" panose="02070309020205020404" pitchFamily="49" charset="0"/>
+                <a:cs typeface="Courier New" panose="02070309020205020404" pitchFamily="49" charset="0"/>
+              </a:rPr>
+              <a:t>;                </a:t>
+            </a:r>
+            <a:r>
+              <a:rPr lang="en-US" sz="2200" dirty="0" smtClean="0">
+                <a:latin typeface="Bodoni MT" panose="02070603080606020203" pitchFamily="18" charset="0"/>
+                <a:cs typeface="Courier New" panose="02070309020205020404" pitchFamily="49" charset="0"/>
+              </a:rPr>
+              <a:t>// and return the old head</a:t>
+            </a:r>
+            <a:endParaRPr lang="en-US" sz="2200" dirty="0">
+              <a:latin typeface="Bodoni MT" panose="02070603080606020203" pitchFamily="18" charset="0"/>
+              <a:cs typeface="Courier New" panose="02070309020205020404" pitchFamily="49" charset="0"/>
+            </a:endParaRPr>
+          </a:p>
+          <a:p>
+            <a:pPr marL="0" indent="0">
+              <a:buNone/>
+            </a:pPr>
+            <a:r>
+              <a:rPr lang="en-US" sz="2200" dirty="0">
+                <a:latin typeface="Courier New" panose="02070309020205020404" pitchFamily="49" charset="0"/>
+                <a:cs typeface="Courier New" panose="02070309020205020404" pitchFamily="49" charset="0"/>
+              </a:rPr>
+              <a:t>}</a:t>
+            </a:r>
+          </a:p>
+        </p:txBody>
+      </p:sp>
+      <p:sp>
+        <p:nvSpPr>
+          <p:cNvPr id="5" name="TextBox 4"/>
+          <p:cNvSpPr txBox="1"/>
+          <p:nvPr/>
+        </p:nvSpPr>
+        <p:spPr>
+          <a:xfrm>
+            <a:off x="9059595" y="4991687"/>
+            <a:ext cx="3117648" cy="369332"/>
+          </a:xfrm>
+          <a:prstGeom prst="rect">
+            <a:avLst/>
+          </a:prstGeom>
+          <a:gradFill flip="none" rotWithShape="1">
+            <a:gsLst>
+              <a:gs pos="0">
+                <a:srgbClr val="FFFF00"/>
+              </a:gs>
+              <a:gs pos="100000">
+                <a:schemeClr val="bg1"/>
+              </a:gs>
+            </a:gsLst>
+            <a:lin ang="5400000" scaled="1"/>
+            <a:tileRect/>
+          </a:gradFill>
+        </p:spPr>
+        <p:txBody>
+          <a:bodyPr wrap="square" rtlCol="0">
+            <a:spAutoFit/>
+          </a:bodyPr>
+          <a:lstStyle/>
+          <a:p>
+            <a:endParaRPr lang="en-US" dirty="0"/>
+          </a:p>
+        </p:txBody>
+      </p:sp>
+      <p:sp>
+        <p:nvSpPr>
+          <p:cNvPr id="4" name="TextBox 3"/>
+          <p:cNvSpPr txBox="1"/>
+          <p:nvPr/>
+        </p:nvSpPr>
+        <p:spPr>
+          <a:xfrm>
+            <a:off x="9059595" y="5022165"/>
+            <a:ext cx="3117648" cy="646331"/>
+          </a:xfrm>
+          <a:prstGeom prst="rect">
+            <a:avLst/>
+          </a:prstGeom>
+          <a:gradFill flip="none" rotWithShape="1">
+            <a:gsLst>
+              <a:gs pos="0">
+                <a:srgbClr val="FFFF00"/>
+              </a:gs>
+              <a:gs pos="100000">
+                <a:schemeClr val="bg1"/>
+              </a:gs>
+            </a:gsLst>
+            <a:lin ang="5400000" scaled="1"/>
+            <a:tileRect/>
+          </a:gradFill>
+        </p:spPr>
+        <p:txBody>
+          <a:bodyPr wrap="none" rtlCol="0">
+            <a:spAutoFit/>
+          </a:bodyPr>
+          <a:lstStyle/>
+          <a:p>
+            <a:r>
+              <a:rPr lang="en-US" dirty="0" smtClean="0"/>
+              <a:t>Exercise:</a:t>
+            </a:r>
+            <a:br>
+              <a:rPr lang="en-US" dirty="0" smtClean="0"/>
+            </a:br>
+            <a:r>
+              <a:rPr lang="en-US" dirty="0" smtClean="0"/>
+              <a:t>Insert just before a given value.</a:t>
+            </a:r>
+            <a:endParaRPr lang="en-US" dirty="0"/>
+          </a:p>
+        </p:txBody>
+      </p:sp>
+    </p:spTree>
+    <p:extLst>
+      <p:ext uri="{BB962C8B-B14F-4D97-AF65-F5344CB8AC3E}">
+        <p14:creationId xmlns:p14="http://schemas.microsoft.com/office/powerpoint/2010/main" val="1510937364"/>
+      </p:ext>
+    </p:extLst>
+  </p:cSld>
+  <p:clrMapOvr>
+    <a:masterClrMapping/>
+  </p:clrMapOvr>
+  <p:timing>
+    <p:tnLst>
+      <p:par>
+        <p:cTn id="1" dur="indefinite" restart="never" nodeType="tmRoot">
+          <p:childTnLst>
+            <p:seq concurrent="1" nextAc="seek">
+              <p:cTn id="2" dur="indefinite" nodeType="mainSeq">
+                <p:childTnLst>
+                  <p:par>
+                    <p:cTn id="3" fill="hold">
+                      <p:stCondLst>
+                        <p:cond delay="indefinite"/>
+                      </p:stCondLst>
+                      <p:childTnLst>
+                        <p:par>
+                          <p:cTn id="4" fill="hold">
+                            <p:stCondLst>
+                              <p:cond delay="0"/>
+                            </p:stCondLst>
+                            <p:childTnLst>
+                              <p:par>
+                                <p:cTn id="5" presetID="1" presetClass="entr" presetSubtype="0" fill="hold" nodeType="clickEffect">
+                                  <p:stCondLst>
+                                    <p:cond delay="0"/>
+                                  </p:stCondLst>
+                                  <p:childTnLst>
+                                    <p:set>
+                                      <p:cBhvr>
+                                        <p:cTn id="6" dur="1" fill="hold">
+                                          <p:stCondLst>
+                                            <p:cond delay="0"/>
+                                          </p:stCondLst>
+                                        </p:cTn>
+                                        <p:tgtEl>
+                                          <p:spTgt spid="3">
+                                            <p:txEl>
+                                              <p:pRg st="1" end="1"/>
+                                            </p:txEl>
+                                          </p:spTgt>
+                                        </p:tgtEl>
+                                        <p:attrNameLst>
+                                          <p:attrName>style.visibility</p:attrName>
+                                        </p:attrNameLst>
+                                      </p:cBhvr>
+                                      <p:to>
+                                        <p:strVal val="visible"/>
+                                      </p:to>
+                                    </p:set>
+                                  </p:childTnLst>
+                                </p:cTn>
+                              </p:par>
+                            </p:childTnLst>
+                          </p:cTn>
+                        </p:par>
+                      </p:childTnLst>
+                    </p:cTn>
+                  </p:par>
+                  <p:par>
+                    <p:cTn id="7" fill="hold">
+                      <p:stCondLst>
+                        <p:cond delay="indefinite"/>
+                      </p:stCondLst>
+                      <p:childTnLst>
+                        <p:par>
+                          <p:cTn id="8" fill="hold">
+                            <p:stCondLst>
+                              <p:cond delay="0"/>
+                            </p:stCondLst>
+                            <p:childTnLst>
+                              <p:par>
+                                <p:cTn id="9" presetID="1" presetClass="entr" presetSubtype="0" fill="hold" nodeType="clickEffect">
+                                  <p:stCondLst>
+                                    <p:cond delay="0"/>
+                                  </p:stCondLst>
+                                  <p:childTnLst>
+                                    <p:set>
+                                      <p:cBhvr>
+                                        <p:cTn id="10" dur="1" fill="hold">
+                                          <p:stCondLst>
+                                            <p:cond delay="0"/>
+                                          </p:stCondLst>
+                                        </p:cTn>
+                                        <p:tgtEl>
+                                          <p:spTgt spid="3">
+                                            <p:txEl>
+                                              <p:pRg st="2" end="2"/>
+                                            </p:txEl>
+                                          </p:spTgt>
+                                        </p:tgtEl>
+                                        <p:attrNameLst>
+                                          <p:attrName>style.visibility</p:attrName>
+                                        </p:attrNameLst>
+                                      </p:cBhvr>
+                                      <p:to>
+                                        <p:strVal val="visible"/>
+                                      </p:to>
+                                    </p:set>
+                                  </p:childTnLst>
+                                </p:cTn>
+                              </p:par>
+                            </p:childTnLst>
+                          </p:cTn>
+                        </p:par>
+                      </p:childTnLst>
+                    </p:cTn>
+                  </p:par>
+                  <p:par>
+                    <p:cTn id="11" fill="hold">
+                      <p:stCondLst>
+                        <p:cond delay="indefinite"/>
+                      </p:stCondLst>
+                      <p:childTnLst>
+                        <p:par>
+                          <p:cTn id="12" fill="hold">
+                            <p:stCondLst>
+                              <p:cond delay="0"/>
+                            </p:stCondLst>
+                            <p:childTnLst>
+                              <p:par>
+                                <p:cTn id="13" presetID="1" presetClass="entr" presetSubtype="0" fill="hold" nodeType="clickEffect">
+                                  <p:stCondLst>
+                                    <p:cond delay="0"/>
+                                  </p:stCondLst>
+                                  <p:childTnLst>
+                                    <p:set>
+                                      <p:cBhvr>
+                                        <p:cTn id="14" dur="1" fill="hold">
+                                          <p:stCondLst>
+                                            <p:cond delay="0"/>
+                                          </p:stCondLst>
+                                        </p:cTn>
+                                        <p:tgtEl>
+                                          <p:spTgt spid="3">
+                                            <p:txEl>
+                                              <p:pRg st="3" end="3"/>
+                                            </p:txEl>
+                                          </p:spTgt>
+                                        </p:tgtEl>
+                                        <p:attrNameLst>
+                                          <p:attrName>style.visibility</p:attrName>
+                                        </p:attrNameLst>
+                                      </p:cBhvr>
+                                      <p:to>
+                                        <p:strVal val="visible"/>
+                                      </p:to>
+                                    </p:set>
+                                  </p:childTnLst>
+                                </p:cTn>
+                              </p:par>
+                            </p:childTnLst>
+                          </p:cTn>
+                        </p:par>
+                      </p:childTnLst>
+                    </p:cTn>
+                  </p:par>
+                  <p:par>
+                    <p:cTn id="15" fill="hold">
+                      <p:stCondLst>
+                        <p:cond delay="indefinite"/>
+                      </p:stCondLst>
+                      <p:childTnLst>
+                        <p:par>
+                          <p:cTn id="16" fill="hold">
+                            <p:stCondLst>
+                              <p:cond delay="0"/>
+                            </p:stCondLst>
+                            <p:childTnLst>
+                              <p:par>
+                                <p:cTn id="17" presetID="1" presetClass="entr" presetSubtype="0" fill="hold" nodeType="clickEffect">
+                                  <p:stCondLst>
+                                    <p:cond delay="0"/>
+                                  </p:stCondLst>
+                                  <p:childTnLst>
+                                    <p:set>
+                                      <p:cBhvr>
+                                        <p:cTn id="18" dur="1" fill="hold">
+                                          <p:stCondLst>
+                                            <p:cond delay="0"/>
+                                          </p:stCondLst>
+                                        </p:cTn>
+                                        <p:tgtEl>
+                                          <p:spTgt spid="3">
+                                            <p:txEl>
+                                              <p:pRg st="4" end="4"/>
+                                            </p:txEl>
+                                          </p:spTgt>
+                                        </p:tgtEl>
+                                        <p:attrNameLst>
+                                          <p:attrName>style.visibility</p:attrName>
+                                        </p:attrNameLst>
+                                      </p:cBhvr>
+                                      <p:to>
+                                        <p:strVal val="visible"/>
+                                      </p:to>
+                                    </p:set>
+                                  </p:childTnLst>
+                                </p:cTn>
+                              </p:par>
+                            </p:childTnLst>
+                          </p:cTn>
+                        </p:par>
+                      </p:childTnLst>
+                    </p:cTn>
+                  </p:par>
+                  <p:par>
+                    <p:cTn id="19" fill="hold">
+                      <p:stCondLst>
+                        <p:cond delay="indefinite"/>
+                      </p:stCondLst>
+                      <p:childTnLst>
+                        <p:par>
+                          <p:cTn id="20" fill="hold">
+                            <p:stCondLst>
+                              <p:cond delay="0"/>
+                            </p:stCondLst>
+                            <p:childTnLst>
+                              <p:par>
+                                <p:cTn id="21" presetID="1" presetClass="entr" presetSubtype="0" fill="hold" nodeType="clickEffect">
+                                  <p:stCondLst>
+                                    <p:cond delay="0"/>
+                                  </p:stCondLst>
+                                  <p:childTnLst>
+                                    <p:set>
+                                      <p:cBhvr>
+                                        <p:cTn id="22" dur="1" fill="hold">
+                                          <p:stCondLst>
+                                            <p:cond delay="0"/>
+                                          </p:stCondLst>
+                                        </p:cTn>
+                                        <p:tgtEl>
+                                          <p:spTgt spid="3">
+                                            <p:txEl>
+                                              <p:pRg st="5" end="5"/>
+                                            </p:txEl>
+                                          </p:spTgt>
+                                        </p:tgtEl>
+                                        <p:attrNameLst>
+                                          <p:attrName>style.visibility</p:attrName>
+                                        </p:attrNameLst>
+                                      </p:cBhvr>
+                                      <p:to>
+                                        <p:strVal val="visible"/>
+                                      </p:to>
+                                    </p:set>
+                                  </p:childTnLst>
+                                </p:cTn>
+                              </p:par>
+                            </p:childTnLst>
+                          </p:cTn>
+                        </p:par>
+                      </p:childTnLst>
+                    </p:cTn>
+                  </p:par>
+                  <p:par>
+                    <p:cTn id="23" fill="hold">
+                      <p:stCondLst>
+                        <p:cond delay="indefinite"/>
+                      </p:stCondLst>
+                      <p:childTnLst>
+                        <p:par>
+                          <p:cTn id="24" fill="hold">
+                            <p:stCondLst>
+                              <p:cond delay="0"/>
+                            </p:stCondLst>
+                            <p:childTnLst>
+                              <p:par>
+                                <p:cTn id="25" presetID="1" presetClass="entr" presetSubtype="0" fill="hold" grpId="0" nodeType="clickEffect">
+                                  <p:stCondLst>
+                                    <p:cond delay="0"/>
+                                  </p:stCondLst>
+                                  <p:childTnLst>
+                                    <p:set>
+                                      <p:cBhvr>
+                                        <p:cTn id="26" dur="1" fill="hold">
+                                          <p:stCondLst>
+                                            <p:cond delay="0"/>
+                                          </p:stCondLst>
+                                        </p:cTn>
+                                        <p:tgtEl>
+                                          <p:spTgt spid="4"/>
+                                        </p:tgtEl>
+                                        <p:attrNameLst>
+                                          <p:attrName>style.visibility</p:attrName>
+                                        </p:attrNameLst>
+                                      </p:cBhvr>
+                                      <p:to>
+                                        <p:strVal val="visible"/>
+                                      </p:to>
+                                    </p:set>
+                                  </p:childTnLst>
+                                </p:cTn>
+                              </p:par>
+                            </p:childTnLst>
+                          </p:cTn>
+                        </p:par>
+                      </p:childTnLst>
+                    </p:cTn>
+                  </p:par>
+                </p:childTnLst>
+              </p:cTn>
+              <p:prevCondLst>
+                <p:cond evt="onPrev" delay="0">
+                  <p:tgtEl>
+                    <p:sldTgt/>
+                  </p:tgtEl>
+                </p:cond>
+              </p:prevCondLst>
+              <p:nextCondLst>
+                <p:cond evt="onNext" delay="0">
+                  <p:tgtEl>
+                    <p:sldTgt/>
+                  </p:tgtEl>
+                </p:cond>
+              </p:nextCondLst>
+            </p:seq>
+          </p:childTnLst>
+        </p:cTn>
+      </p:par>
+    </p:tnLst>
+    <p:bldLst>
+      <p:bldP spid="4" grpId="0" animBg="1"/>
+    </p:bldLst>
+  </p:timing>
+</p:sld>
+</file>
+
+<file path=ppt/slides/slide14.xml><?xml version="1.0" encoding="utf-8"?>
 <p:sld xmlns:a="http://schemas.openxmlformats.org/drawingml/2006/main" xmlns:r="http://schemas.openxmlformats.org/officeDocument/2006/relationships" xmlns:p="http://schemas.openxmlformats.org/presentationml/2006/main">
   <p:cSld>
     <p:spTree>
@@ -4200,7 +7668,7 @@
 </p:sld>
 </file>
 
-<file path=ppt/slides/slide11.xml><?xml version="1.0" encoding="utf-8"?>
+<file path=ppt/slides/slide15.xml><?xml version="1.0" encoding="utf-8"?>
 <p:sld xmlns:a="http://schemas.openxmlformats.org/drawingml/2006/main" xmlns:r="http://schemas.openxmlformats.org/officeDocument/2006/relationships" xmlns:p="http://schemas.openxmlformats.org/presentationml/2006/main">
   <p:cSld>
     <p:spTree>
@@ -4234,11 +7702,7 @@
           <a:p>
             <a:r>
               <a:rPr lang="en-US" dirty="0" smtClean="0"/>
-              <a:t>More linked list </a:t>
-            </a:r>
-            <a:r>
-              <a:rPr lang="en-US" dirty="0" smtClean="0"/>
-              <a:t>exercises on linked lists</a:t>
+              <a:t>More linked list exercises on linked lists</a:t>
             </a:r>
             <a:endParaRPr lang="en-US" dirty="0"/>
           </a:p>
@@ -4380,7 +7844,6 @@
               <a:rPr lang="en-US" dirty="0" smtClean="0"/>
               <a:t> and return the head of the linked list</a:t>
             </a:r>
-            <a:endParaRPr lang="en-US" dirty="0" smtClean="0"/>
           </a:p>
           <a:p>
             <a:r>
@@ -8134,6 +11597,2243 @@
       </p:grpSpPr>
       <p:sp>
         <p:nvSpPr>
+          <p:cNvPr id="2" name="Title 1"/>
+          <p:cNvSpPr>
+            <a:spLocks noGrp="1"/>
+          </p:cNvSpPr>
+          <p:nvPr>
+            <p:ph type="title"/>
+          </p:nvPr>
+        </p:nvSpPr>
+        <p:spPr/>
+        <p:txBody>
+          <a:bodyPr/>
+          <a:lstStyle/>
+          <a:p>
+            <a:r>
+              <a:rPr lang="en-US" dirty="0" smtClean="0"/>
+              <a:t>Some conventions</a:t>
+            </a:r>
+            <a:endParaRPr lang="en-US" dirty="0"/>
+          </a:p>
+        </p:txBody>
+      </p:sp>
+      <p:sp>
+        <p:nvSpPr>
+          <p:cNvPr id="3" name="Content Placeholder 2"/>
+          <p:cNvSpPr>
+            <a:spLocks noGrp="1"/>
+          </p:cNvSpPr>
+          <p:nvPr>
+            <p:ph idx="1"/>
+          </p:nvPr>
+        </p:nvSpPr>
+        <p:spPr/>
+        <p:txBody>
+          <a:bodyPr>
+            <a:normAutofit fontScale="92500" lnSpcReduction="20000"/>
+          </a:bodyPr>
+          <a:lstStyle/>
+          <a:p>
+            <a:r>
+              <a:rPr lang="en-US" dirty="0" smtClean="0"/>
+              <a:t>We use the word </a:t>
+            </a:r>
+            <a:r>
+              <a:rPr lang="en-US" b="1" dirty="0" smtClean="0"/>
+              <a:t>node</a:t>
+            </a:r>
+            <a:r>
+              <a:rPr lang="en-US" dirty="0" smtClean="0"/>
+              <a:t> to mean a structure in the linked list.</a:t>
+            </a:r>
+          </a:p>
+          <a:p>
+            <a:r>
+              <a:rPr lang="en-US" dirty="0" smtClean="0"/>
+              <a:t>We will use the field name </a:t>
+            </a:r>
+            <a:r>
+              <a:rPr lang="en-US" dirty="0" smtClean="0">
+                <a:latin typeface="Courier New" panose="02070309020205020404" pitchFamily="49" charset="0"/>
+                <a:cs typeface="Courier New" panose="02070309020205020404" pitchFamily="49" charset="0"/>
+              </a:rPr>
+              <a:t> next  </a:t>
+            </a:r>
+            <a:r>
+              <a:rPr lang="en-US" dirty="0" smtClean="0"/>
+              <a:t>to indicate the pointer to the next node in the linked list.</a:t>
+            </a:r>
+          </a:p>
+          <a:p>
+            <a:r>
+              <a:rPr lang="en-US" dirty="0" smtClean="0"/>
+              <a:t>We will use the term </a:t>
+            </a:r>
+            <a:r>
+              <a:rPr lang="en-US" b="1" dirty="0" smtClean="0"/>
+              <a:t>head of the linked list </a:t>
+            </a:r>
+            <a:r>
+              <a:rPr lang="en-US" dirty="0" smtClean="0"/>
+              <a:t> or </a:t>
+            </a:r>
+            <a:r>
+              <a:rPr lang="en-US" b="1" dirty="0" smtClean="0"/>
+              <a:t>head node</a:t>
+            </a:r>
+            <a:r>
+              <a:rPr lang="en-US" dirty="0" smtClean="0"/>
+              <a:t> to mean the first node of the linked list.</a:t>
+            </a:r>
+          </a:p>
+          <a:p>
+            <a:r>
+              <a:rPr lang="en-US" dirty="0" smtClean="0"/>
+              <a:t>We will use the term </a:t>
+            </a:r>
+            <a:r>
+              <a:rPr lang="en-US" b="1" dirty="0" smtClean="0"/>
+              <a:t>tail of the linked list</a:t>
+            </a:r>
+            <a:r>
+              <a:rPr lang="en-US" dirty="0" smtClean="0"/>
+              <a:t> or just </a:t>
+            </a:r>
+            <a:r>
+              <a:rPr lang="en-US" b="1" dirty="0" smtClean="0"/>
+              <a:t>tail node</a:t>
+            </a:r>
+            <a:r>
+              <a:rPr lang="en-US" dirty="0" smtClean="0"/>
+              <a:t> to mean the last node of the linked list.</a:t>
+            </a:r>
+          </a:p>
+          <a:p>
+            <a:pPr lvl="1"/>
+            <a:r>
+              <a:rPr lang="en-US" dirty="0" smtClean="0"/>
+              <a:t>For an empty list we have no head node and no tail node.</a:t>
+            </a:r>
+          </a:p>
+          <a:p>
+            <a:pPr lvl="1"/>
+            <a:r>
+              <a:rPr lang="en-US" dirty="0" smtClean="0"/>
+              <a:t>For a list with one element the head node and tail node are the same.</a:t>
+            </a:r>
+          </a:p>
+          <a:p>
+            <a:r>
+              <a:rPr lang="en-US" dirty="0" smtClean="0"/>
+              <a:t>We will use the  </a:t>
+            </a:r>
+            <a:r>
+              <a:rPr lang="en-US" i="1" dirty="0" smtClean="0">
+                <a:latin typeface="Garamond" panose="02020404030301010803" pitchFamily="18" charset="0"/>
+              </a:rPr>
+              <a:t>variable </a:t>
+            </a:r>
+            <a:r>
+              <a:rPr lang="en-US" dirty="0" smtClean="0"/>
+              <a:t>named</a:t>
+            </a:r>
+            <a:r>
+              <a:rPr lang="en-US" dirty="0" smtClean="0">
+                <a:latin typeface="Courier New" panose="02070309020205020404" pitchFamily="49" charset="0"/>
+                <a:cs typeface="Courier New" panose="02070309020205020404" pitchFamily="49" charset="0"/>
+              </a:rPr>
+              <a:t> head </a:t>
+            </a:r>
+            <a:r>
+              <a:rPr lang="en-US" dirty="0" smtClean="0"/>
+              <a:t>to be a pointer to the head node of the list. </a:t>
+            </a:r>
+            <a:r>
+              <a:rPr lang="en-US" i="1" dirty="0" smtClean="0">
+                <a:latin typeface="Garamond" panose="02020404030301010803" pitchFamily="18" charset="0"/>
+              </a:rPr>
+              <a:t>Note that the variable head is itself not a node, but a </a:t>
+            </a:r>
+            <a:r>
+              <a:rPr lang="en-US" b="1" i="1" dirty="0" smtClean="0">
+                <a:latin typeface="Garamond" panose="02020404030301010803" pitchFamily="18" charset="0"/>
+              </a:rPr>
+              <a:t>pointer</a:t>
+            </a:r>
+            <a:r>
+              <a:rPr lang="en-US" i="1" dirty="0" smtClean="0">
+                <a:latin typeface="Garamond" panose="02020404030301010803" pitchFamily="18" charset="0"/>
+              </a:rPr>
+              <a:t> to the </a:t>
+            </a:r>
+            <a:r>
+              <a:rPr lang="en-US" b="1" i="1" dirty="0" smtClean="0">
+                <a:latin typeface="Garamond" panose="02020404030301010803" pitchFamily="18" charset="0"/>
+              </a:rPr>
+              <a:t>head</a:t>
+            </a:r>
+            <a:r>
+              <a:rPr lang="en-US" i="1" dirty="0" smtClean="0">
+                <a:latin typeface="Garamond" panose="02020404030301010803" pitchFamily="18" charset="0"/>
+              </a:rPr>
+              <a:t> node</a:t>
+            </a:r>
+            <a:r>
+              <a:rPr lang="en-US" dirty="0" smtClean="0"/>
+              <a:t>.</a:t>
+            </a:r>
+            <a:endParaRPr lang="en-US" dirty="0"/>
+          </a:p>
+        </p:txBody>
+      </p:sp>
+    </p:spTree>
+    <p:extLst>
+      <p:ext uri="{BB962C8B-B14F-4D97-AF65-F5344CB8AC3E}">
+        <p14:creationId xmlns:p14="http://schemas.microsoft.com/office/powerpoint/2010/main" val="3920169865"/>
+      </p:ext>
+    </p:extLst>
+  </p:cSld>
+  <p:clrMapOvr>
+    <a:masterClrMapping/>
+  </p:clrMapOvr>
+  <p:timing>
+    <p:tnLst>
+      <p:par>
+        <p:cTn id="1" dur="indefinite" restart="never" nodeType="tmRoot"/>
+      </p:par>
+    </p:tnLst>
+  </p:timing>
+</p:sld>
+</file>
+
+<file path=ppt/slides/slide5.xml><?xml version="1.0" encoding="utf-8"?>
+<p:sld xmlns:a="http://schemas.openxmlformats.org/drawingml/2006/main" xmlns:r="http://schemas.openxmlformats.org/officeDocument/2006/relationships" xmlns:p="http://schemas.openxmlformats.org/presentationml/2006/main">
+  <p:cSld>
+    <p:spTree>
+      <p:nvGrpSpPr>
+        <p:cNvPr id="1" name=""/>
+        <p:cNvGrpSpPr/>
+        <p:nvPr/>
+      </p:nvGrpSpPr>
+      <p:grpSpPr>
+        <a:xfrm>
+          <a:off x="0" y="0"/>
+          <a:ext cx="0" cy="0"/>
+          <a:chOff x="0" y="0"/>
+          <a:chExt cx="0" cy="0"/>
+        </a:xfrm>
+      </p:grpSpPr>
+      <p:sp>
+        <p:nvSpPr>
+          <p:cNvPr id="4" name="Title 3"/>
+          <p:cNvSpPr>
+            <a:spLocks noGrp="1"/>
+          </p:cNvSpPr>
+          <p:nvPr>
+            <p:ph type="title"/>
+          </p:nvPr>
+        </p:nvSpPr>
+        <p:spPr/>
+        <p:txBody>
+          <a:bodyPr/>
+          <a:lstStyle/>
+          <a:p>
+            <a:r>
+              <a:rPr lang="en-US" dirty="0" smtClean="0"/>
+              <a:t>Example</a:t>
+            </a:r>
+            <a:endParaRPr lang="en-US" dirty="0"/>
+          </a:p>
+        </p:txBody>
+      </p:sp>
+      <p:sp>
+        <p:nvSpPr>
+          <p:cNvPr id="6" name="TextBox 5"/>
+          <p:cNvSpPr txBox="1"/>
+          <p:nvPr/>
+        </p:nvSpPr>
+        <p:spPr>
+          <a:xfrm>
+            <a:off x="139559" y="1689462"/>
+            <a:ext cx="4172212" cy="3970318"/>
+          </a:xfrm>
+          <a:prstGeom prst="rect">
+            <a:avLst/>
+          </a:prstGeom>
+          <a:noFill/>
+        </p:spPr>
+        <p:txBody>
+          <a:bodyPr wrap="square" rtlCol="0">
+            <a:spAutoFit/>
+          </a:bodyPr>
+          <a:lstStyle/>
+          <a:p>
+            <a:r>
+              <a:rPr lang="en-US" dirty="0" err="1" smtClean="0">
+                <a:latin typeface="Courier New" panose="02070309020205020404" pitchFamily="49" charset="0"/>
+                <a:cs typeface="Courier New" panose="02070309020205020404" pitchFamily="49" charset="0"/>
+              </a:rPr>
+              <a:t>struct</a:t>
+            </a:r>
+            <a:r>
+              <a:rPr lang="en-US" dirty="0" smtClean="0">
+                <a:latin typeface="Courier New" panose="02070309020205020404" pitchFamily="49" charset="0"/>
+                <a:cs typeface="Courier New" panose="02070309020205020404" pitchFamily="49" charset="0"/>
+              </a:rPr>
+              <a:t> node {</a:t>
+            </a:r>
+            <a:br>
+              <a:rPr lang="en-US" dirty="0" smtClean="0">
+                <a:latin typeface="Courier New" panose="02070309020205020404" pitchFamily="49" charset="0"/>
+                <a:cs typeface="Courier New" panose="02070309020205020404" pitchFamily="49" charset="0"/>
+              </a:rPr>
+            </a:br>
+            <a:r>
+              <a:rPr lang="en-US" dirty="0" smtClean="0">
+                <a:latin typeface="Courier New" panose="02070309020205020404" pitchFamily="49" charset="0"/>
+                <a:cs typeface="Courier New" panose="02070309020205020404" pitchFamily="49" charset="0"/>
+              </a:rPr>
+              <a:t>      </a:t>
+            </a:r>
+            <a:r>
+              <a:rPr lang="en-US" dirty="0" err="1" smtClean="0">
+                <a:latin typeface="Courier New" panose="02070309020205020404" pitchFamily="49" charset="0"/>
+                <a:cs typeface="Courier New" panose="02070309020205020404" pitchFamily="49" charset="0"/>
+              </a:rPr>
+              <a:t>int</a:t>
+            </a:r>
+            <a:r>
+              <a:rPr lang="en-US" dirty="0" smtClean="0">
+                <a:latin typeface="Courier New" panose="02070309020205020404" pitchFamily="49" charset="0"/>
+                <a:cs typeface="Courier New" panose="02070309020205020404" pitchFamily="49" charset="0"/>
+              </a:rPr>
+              <a:t> </a:t>
+            </a:r>
+            <a:r>
+              <a:rPr lang="en-US" dirty="0" err="1" smtClean="0">
+                <a:latin typeface="Courier New" panose="02070309020205020404" pitchFamily="49" charset="0"/>
+                <a:cs typeface="Courier New" panose="02070309020205020404" pitchFamily="49" charset="0"/>
+              </a:rPr>
+              <a:t>val</a:t>
+            </a:r>
+            <a:r>
+              <a:rPr lang="en-US" dirty="0" smtClean="0">
+                <a:latin typeface="Courier New" panose="02070309020205020404" pitchFamily="49" charset="0"/>
+                <a:cs typeface="Courier New" panose="02070309020205020404" pitchFamily="49" charset="0"/>
+              </a:rPr>
+              <a:t>;</a:t>
+            </a:r>
+          </a:p>
+          <a:p>
+            <a:r>
+              <a:rPr lang="en-US" dirty="0">
+                <a:latin typeface="Courier New" panose="02070309020205020404" pitchFamily="49" charset="0"/>
+                <a:cs typeface="Courier New" panose="02070309020205020404" pitchFamily="49" charset="0"/>
+              </a:rPr>
+              <a:t> </a:t>
+            </a:r>
+            <a:r>
+              <a:rPr lang="en-US" dirty="0" smtClean="0">
+                <a:latin typeface="Courier New" panose="02070309020205020404" pitchFamily="49" charset="0"/>
+                <a:cs typeface="Courier New" panose="02070309020205020404" pitchFamily="49" charset="0"/>
+              </a:rPr>
+              <a:t>     </a:t>
+            </a:r>
+            <a:r>
+              <a:rPr lang="en-US" dirty="0" err="1" smtClean="0">
+                <a:latin typeface="Courier New" panose="02070309020205020404" pitchFamily="49" charset="0"/>
+                <a:cs typeface="Courier New" panose="02070309020205020404" pitchFamily="49" charset="0"/>
+              </a:rPr>
+              <a:t>struct</a:t>
+            </a:r>
+            <a:r>
+              <a:rPr lang="en-US" dirty="0" smtClean="0">
+                <a:latin typeface="Courier New" panose="02070309020205020404" pitchFamily="49" charset="0"/>
+                <a:cs typeface="Courier New" panose="02070309020205020404" pitchFamily="49" charset="0"/>
+              </a:rPr>
+              <a:t> node * next;</a:t>
+            </a:r>
+          </a:p>
+          <a:p>
+            <a:r>
+              <a:rPr lang="en-US" dirty="0" smtClean="0">
+                <a:latin typeface="Courier New" panose="02070309020205020404" pitchFamily="49" charset="0"/>
+                <a:cs typeface="Courier New" panose="02070309020205020404" pitchFamily="49" charset="0"/>
+              </a:rPr>
+              <a:t>};</a:t>
+            </a:r>
+          </a:p>
+          <a:p>
+            <a:endParaRPr lang="en-US" dirty="0" smtClean="0">
+              <a:latin typeface="Courier New" panose="02070309020205020404" pitchFamily="49" charset="0"/>
+              <a:cs typeface="Courier New" panose="02070309020205020404" pitchFamily="49" charset="0"/>
+            </a:endParaRPr>
+          </a:p>
+          <a:p>
+            <a:r>
+              <a:rPr lang="en-US" dirty="0" err="1" smtClean="0">
+                <a:latin typeface="Courier New" panose="02070309020205020404" pitchFamily="49" charset="0"/>
+                <a:cs typeface="Courier New" panose="02070309020205020404" pitchFamily="49" charset="0"/>
+              </a:rPr>
+              <a:t>typedef</a:t>
+            </a:r>
+            <a:r>
+              <a:rPr lang="en-US" dirty="0" smtClean="0">
+                <a:latin typeface="Courier New" panose="02070309020205020404" pitchFamily="49" charset="0"/>
+                <a:cs typeface="Courier New" panose="02070309020205020404" pitchFamily="49" charset="0"/>
+              </a:rPr>
+              <a:t> </a:t>
+            </a:r>
+            <a:r>
+              <a:rPr lang="en-US" dirty="0" err="1" smtClean="0">
+                <a:latin typeface="Courier New" panose="02070309020205020404" pitchFamily="49" charset="0"/>
+                <a:cs typeface="Courier New" panose="02070309020205020404" pitchFamily="49" charset="0"/>
+              </a:rPr>
+              <a:t>struct</a:t>
+            </a:r>
+            <a:r>
+              <a:rPr lang="en-US" dirty="0" smtClean="0">
+                <a:latin typeface="Courier New" panose="02070309020205020404" pitchFamily="49" charset="0"/>
+                <a:cs typeface="Courier New" panose="02070309020205020404" pitchFamily="49" charset="0"/>
+              </a:rPr>
+              <a:t> node * Node;</a:t>
+            </a:r>
+          </a:p>
+          <a:p>
+            <a:endParaRPr lang="en-US" dirty="0" smtClean="0">
+              <a:latin typeface="Courier New" panose="02070309020205020404" pitchFamily="49" charset="0"/>
+              <a:cs typeface="Courier New" panose="02070309020205020404" pitchFamily="49" charset="0"/>
+            </a:endParaRPr>
+          </a:p>
+          <a:p>
+            <a:endParaRPr lang="en-US" dirty="0">
+              <a:latin typeface="Courier New" panose="02070309020205020404" pitchFamily="49" charset="0"/>
+              <a:cs typeface="Courier New" panose="02070309020205020404" pitchFamily="49" charset="0"/>
+            </a:endParaRPr>
+          </a:p>
+          <a:p>
+            <a:r>
+              <a:rPr lang="en-US" dirty="0" smtClean="0">
+                <a:latin typeface="Courier New" panose="02070309020205020404" pitchFamily="49" charset="0"/>
+                <a:cs typeface="Courier New" panose="02070309020205020404" pitchFamily="49" charset="0"/>
+              </a:rPr>
+              <a:t>Node * head;</a:t>
+            </a:r>
+          </a:p>
+          <a:p>
+            <a:r>
+              <a:rPr lang="en-US" dirty="0" smtClean="0">
+                <a:latin typeface="Courier New" panose="02070309020205020404" pitchFamily="49" charset="0"/>
+                <a:cs typeface="Courier New" panose="02070309020205020404" pitchFamily="49" charset="0"/>
+              </a:rPr>
+              <a:t>Node * l;</a:t>
+            </a:r>
+          </a:p>
+          <a:p>
+            <a:endParaRPr lang="en-US" dirty="0">
+              <a:latin typeface="Courier New" panose="02070309020205020404" pitchFamily="49" charset="0"/>
+              <a:cs typeface="Courier New" panose="02070309020205020404" pitchFamily="49" charset="0"/>
+            </a:endParaRPr>
+          </a:p>
+          <a:p>
+            <a:r>
+              <a:rPr lang="en-US" dirty="0" smtClean="0">
+                <a:latin typeface="Courier New" panose="02070309020205020404" pitchFamily="49" charset="0"/>
+                <a:cs typeface="Courier New" panose="02070309020205020404" pitchFamily="49" charset="0"/>
+              </a:rPr>
+              <a:t>// at some point in time </a:t>
+            </a:r>
+            <a:br>
+              <a:rPr lang="en-US" dirty="0" smtClean="0">
+                <a:latin typeface="Courier New" panose="02070309020205020404" pitchFamily="49" charset="0"/>
+                <a:cs typeface="Courier New" panose="02070309020205020404" pitchFamily="49" charset="0"/>
+              </a:rPr>
+            </a:br>
+            <a:r>
+              <a:rPr lang="en-US" dirty="0" smtClean="0">
+                <a:latin typeface="Courier New" panose="02070309020205020404" pitchFamily="49" charset="0"/>
+                <a:cs typeface="Courier New" panose="02070309020205020404" pitchFamily="49" charset="0"/>
+              </a:rPr>
+              <a:t>// the drawing on the right // shows how the list</a:t>
+            </a:r>
+          </a:p>
+        </p:txBody>
+      </p:sp>
+      <p:grpSp>
+        <p:nvGrpSpPr>
+          <p:cNvPr id="8" name="Group 7"/>
+          <p:cNvGrpSpPr/>
+          <p:nvPr/>
+        </p:nvGrpSpPr>
+        <p:grpSpPr>
+          <a:xfrm>
+            <a:off x="4535157" y="3362627"/>
+            <a:ext cx="1448972" cy="858130"/>
+            <a:chOff x="4535157" y="3362627"/>
+            <a:chExt cx="1448972" cy="858130"/>
+          </a:xfrm>
+        </p:grpSpPr>
+        <p:grpSp>
+          <p:nvGrpSpPr>
+            <p:cNvPr id="9" name="Group 8"/>
+            <p:cNvGrpSpPr/>
+            <p:nvPr/>
+          </p:nvGrpSpPr>
+          <p:grpSpPr>
+            <a:xfrm>
+              <a:off x="4535157" y="3362627"/>
+              <a:ext cx="1434905" cy="858130"/>
+              <a:chOff x="1631852" y="2222695"/>
+              <a:chExt cx="2096086" cy="1547447"/>
+            </a:xfrm>
+          </p:grpSpPr>
+          <p:sp>
+            <p:nvSpPr>
+              <p:cNvPr id="12" name="Rectangle 11"/>
+              <p:cNvSpPr/>
+              <p:nvPr/>
+            </p:nvSpPr>
+            <p:spPr>
+              <a:xfrm>
+                <a:off x="1631852" y="2222695"/>
+                <a:ext cx="2096086" cy="1547447"/>
+              </a:xfrm>
+              <a:prstGeom prst="rect">
+                <a:avLst/>
+              </a:prstGeom>
+              <a:noFill/>
+            </p:spPr>
+            <p:style>
+              <a:lnRef idx="2">
+                <a:schemeClr val="accent1">
+                  <a:shade val="50000"/>
+                </a:schemeClr>
+              </a:lnRef>
+              <a:fillRef idx="1">
+                <a:schemeClr val="accent1"/>
+              </a:fillRef>
+              <a:effectRef idx="0">
+                <a:schemeClr val="accent1"/>
+              </a:effectRef>
+              <a:fontRef idx="minor">
+                <a:schemeClr val="lt1"/>
+              </a:fontRef>
+            </p:style>
+            <p:txBody>
+              <a:bodyPr rtlCol="0" anchor="ctr"/>
+              <a:lstStyle/>
+              <a:p>
+                <a:pPr algn="ctr"/>
+                <a:endParaRPr lang="en-US" dirty="0"/>
+              </a:p>
+            </p:txBody>
+          </p:sp>
+          <p:cxnSp>
+            <p:nvCxnSpPr>
+              <p:cNvPr id="13" name="Straight Connector 12"/>
+              <p:cNvCxnSpPr>
+                <a:stCxn id="12" idx="1"/>
+                <a:endCxn id="12" idx="3"/>
+              </p:cNvCxnSpPr>
+              <p:nvPr/>
+            </p:nvCxnSpPr>
+            <p:spPr>
+              <a:xfrm>
+                <a:off x="1631852" y="2996419"/>
+                <a:ext cx="2096086" cy="0"/>
+              </a:xfrm>
+              <a:prstGeom prst="line">
+                <a:avLst/>
+              </a:prstGeom>
+              <a:ln>
+                <a:solidFill>
+                  <a:schemeClr val="tx1">
+                    <a:lumMod val="85000"/>
+                    <a:lumOff val="15000"/>
+                  </a:schemeClr>
+                </a:solidFill>
+              </a:ln>
+            </p:spPr>
+            <p:style>
+              <a:lnRef idx="1">
+                <a:schemeClr val="accent1"/>
+              </a:lnRef>
+              <a:fillRef idx="0">
+                <a:schemeClr val="accent1"/>
+              </a:fillRef>
+              <a:effectRef idx="0">
+                <a:schemeClr val="accent1"/>
+              </a:effectRef>
+              <a:fontRef idx="minor">
+                <a:schemeClr val="tx1"/>
+              </a:fontRef>
+            </p:style>
+          </p:cxnSp>
+        </p:grpSp>
+        <p:sp>
+          <p:nvSpPr>
+            <p:cNvPr id="10" name="TextBox 9"/>
+            <p:cNvSpPr txBox="1"/>
+            <p:nvPr/>
+          </p:nvSpPr>
+          <p:spPr>
+            <a:xfrm>
+              <a:off x="5146867" y="3400394"/>
+              <a:ext cx="301686" cy="369332"/>
+            </a:xfrm>
+            <a:prstGeom prst="rect">
+              <a:avLst/>
+            </a:prstGeom>
+            <a:solidFill>
+              <a:schemeClr val="accent6">
+                <a:lumMod val="20000"/>
+                <a:lumOff val="80000"/>
+              </a:schemeClr>
+            </a:solidFill>
+          </p:spPr>
+          <p:txBody>
+            <a:bodyPr wrap="none" rtlCol="0">
+              <a:spAutoFit/>
+            </a:bodyPr>
+            <a:lstStyle/>
+            <a:p>
+              <a:r>
+                <a:rPr lang="en-US" dirty="0"/>
+                <a:t>0</a:t>
+              </a:r>
+            </a:p>
+          </p:txBody>
+        </p:sp>
+        <p:sp>
+          <p:nvSpPr>
+            <p:cNvPr id="11" name="TextBox 10"/>
+            <p:cNvSpPr txBox="1"/>
+            <p:nvPr/>
+          </p:nvSpPr>
+          <p:spPr>
+            <a:xfrm>
+              <a:off x="4549224" y="3835626"/>
+              <a:ext cx="1434905" cy="369332"/>
+            </a:xfrm>
+            <a:prstGeom prst="rect">
+              <a:avLst/>
+            </a:prstGeom>
+            <a:solidFill>
+              <a:schemeClr val="accent4">
+                <a:lumMod val="20000"/>
+                <a:lumOff val="80000"/>
+              </a:schemeClr>
+            </a:solidFill>
+          </p:spPr>
+          <p:txBody>
+            <a:bodyPr wrap="square" rtlCol="0">
+              <a:spAutoFit/>
+            </a:bodyPr>
+            <a:lstStyle/>
+            <a:p>
+              <a:endParaRPr lang="en-US" b="1" dirty="0">
+                <a:latin typeface="Courier New" panose="02070309020205020404" pitchFamily="49" charset="0"/>
+                <a:cs typeface="Courier New" panose="02070309020205020404" pitchFamily="49" charset="0"/>
+              </a:endParaRPr>
+            </a:p>
+          </p:txBody>
+        </p:sp>
+      </p:grpSp>
+      <p:grpSp>
+        <p:nvGrpSpPr>
+          <p:cNvPr id="14" name="Group 13"/>
+          <p:cNvGrpSpPr/>
+          <p:nvPr/>
+        </p:nvGrpSpPr>
+        <p:grpSpPr>
+          <a:xfrm>
+            <a:off x="5633218" y="3425238"/>
+            <a:ext cx="2383459" cy="858130"/>
+            <a:chOff x="5633218" y="3425238"/>
+            <a:chExt cx="2383459" cy="858130"/>
+          </a:xfrm>
+        </p:grpSpPr>
+        <p:grpSp>
+          <p:nvGrpSpPr>
+            <p:cNvPr id="15" name="Group 14"/>
+            <p:cNvGrpSpPr/>
+            <p:nvPr/>
+          </p:nvGrpSpPr>
+          <p:grpSpPr>
+            <a:xfrm>
+              <a:off x="6567705" y="3425238"/>
+              <a:ext cx="1434905" cy="858130"/>
+              <a:chOff x="1631852" y="2222695"/>
+              <a:chExt cx="2096086" cy="1547447"/>
+            </a:xfrm>
+          </p:grpSpPr>
+          <p:sp>
+            <p:nvSpPr>
+              <p:cNvPr id="19" name="Rectangle 18"/>
+              <p:cNvSpPr/>
+              <p:nvPr/>
+            </p:nvSpPr>
+            <p:spPr>
+              <a:xfrm>
+                <a:off x="1631852" y="2222695"/>
+                <a:ext cx="2096086" cy="1547447"/>
+              </a:xfrm>
+              <a:prstGeom prst="rect">
+                <a:avLst/>
+              </a:prstGeom>
+              <a:noFill/>
+            </p:spPr>
+            <p:style>
+              <a:lnRef idx="2">
+                <a:schemeClr val="accent1">
+                  <a:shade val="50000"/>
+                </a:schemeClr>
+              </a:lnRef>
+              <a:fillRef idx="1">
+                <a:schemeClr val="accent1"/>
+              </a:fillRef>
+              <a:effectRef idx="0">
+                <a:schemeClr val="accent1"/>
+              </a:effectRef>
+              <a:fontRef idx="minor">
+                <a:schemeClr val="lt1"/>
+              </a:fontRef>
+            </p:style>
+            <p:txBody>
+              <a:bodyPr rtlCol="0" anchor="ctr"/>
+              <a:lstStyle/>
+              <a:p>
+                <a:pPr algn="ctr"/>
+                <a:endParaRPr lang="en-US" dirty="0"/>
+              </a:p>
+            </p:txBody>
+          </p:sp>
+          <p:cxnSp>
+            <p:nvCxnSpPr>
+              <p:cNvPr id="20" name="Straight Connector 19"/>
+              <p:cNvCxnSpPr>
+                <a:stCxn id="19" idx="1"/>
+                <a:endCxn id="19" idx="3"/>
+              </p:cNvCxnSpPr>
+              <p:nvPr/>
+            </p:nvCxnSpPr>
+            <p:spPr>
+              <a:xfrm>
+                <a:off x="1631852" y="2996419"/>
+                <a:ext cx="2096086" cy="0"/>
+              </a:xfrm>
+              <a:prstGeom prst="line">
+                <a:avLst/>
+              </a:prstGeom>
+              <a:ln>
+                <a:solidFill>
+                  <a:schemeClr val="tx1">
+                    <a:lumMod val="85000"/>
+                    <a:lumOff val="15000"/>
+                  </a:schemeClr>
+                </a:solidFill>
+              </a:ln>
+            </p:spPr>
+            <p:style>
+              <a:lnRef idx="1">
+                <a:schemeClr val="accent1"/>
+              </a:lnRef>
+              <a:fillRef idx="0">
+                <a:schemeClr val="accent1"/>
+              </a:fillRef>
+              <a:effectRef idx="0">
+                <a:schemeClr val="accent1"/>
+              </a:effectRef>
+              <a:fontRef idx="minor">
+                <a:schemeClr val="tx1"/>
+              </a:fontRef>
+            </p:style>
+          </p:cxnSp>
+        </p:grpSp>
+        <p:sp>
+          <p:nvSpPr>
+            <p:cNvPr id="16" name="TextBox 15"/>
+            <p:cNvSpPr txBox="1"/>
+            <p:nvPr/>
+          </p:nvSpPr>
+          <p:spPr>
+            <a:xfrm>
+              <a:off x="7148381" y="3455105"/>
+              <a:ext cx="301686" cy="369332"/>
+            </a:xfrm>
+            <a:prstGeom prst="rect">
+              <a:avLst/>
+            </a:prstGeom>
+            <a:solidFill>
+              <a:schemeClr val="accent6">
+                <a:lumMod val="20000"/>
+                <a:lumOff val="80000"/>
+              </a:schemeClr>
+            </a:solidFill>
+          </p:spPr>
+          <p:txBody>
+            <a:bodyPr wrap="none" rtlCol="0">
+              <a:spAutoFit/>
+            </a:bodyPr>
+            <a:lstStyle/>
+            <a:p>
+              <a:r>
+                <a:rPr lang="en-US" dirty="0" smtClean="0"/>
+                <a:t>1</a:t>
+              </a:r>
+              <a:endParaRPr lang="en-US" dirty="0"/>
+            </a:p>
+          </p:txBody>
+        </p:sp>
+        <p:sp>
+          <p:nvSpPr>
+            <p:cNvPr id="17" name="TextBox 16"/>
+            <p:cNvSpPr txBox="1"/>
+            <p:nvPr/>
+          </p:nvSpPr>
+          <p:spPr>
+            <a:xfrm>
+              <a:off x="6581772" y="3898237"/>
+              <a:ext cx="1434905" cy="369332"/>
+            </a:xfrm>
+            <a:prstGeom prst="rect">
+              <a:avLst/>
+            </a:prstGeom>
+            <a:solidFill>
+              <a:schemeClr val="accent4">
+                <a:lumMod val="20000"/>
+                <a:lumOff val="80000"/>
+              </a:schemeClr>
+            </a:solidFill>
+          </p:spPr>
+          <p:txBody>
+            <a:bodyPr wrap="square" rtlCol="0">
+              <a:spAutoFit/>
+            </a:bodyPr>
+            <a:lstStyle/>
+            <a:p>
+              <a:endParaRPr lang="en-US" b="1" dirty="0">
+                <a:latin typeface="Courier New" panose="02070309020205020404" pitchFamily="49" charset="0"/>
+                <a:cs typeface="Courier New" panose="02070309020205020404" pitchFamily="49" charset="0"/>
+              </a:endParaRPr>
+            </a:p>
+          </p:txBody>
+        </p:sp>
+        <p:cxnSp>
+          <p:nvCxnSpPr>
+            <p:cNvPr id="18" name="Straight Arrow Connector 17"/>
+            <p:cNvCxnSpPr/>
+            <p:nvPr/>
+          </p:nvCxnSpPr>
+          <p:spPr>
+            <a:xfrm flipV="1">
+              <a:off x="5633218" y="4064226"/>
+              <a:ext cx="724039" cy="4218"/>
+            </a:xfrm>
+            <a:prstGeom prst="straightConnector1">
+              <a:avLst/>
+            </a:prstGeom>
+            <a:ln w="38100">
+              <a:solidFill>
+                <a:schemeClr val="tx1">
+                  <a:lumMod val="85000"/>
+                  <a:lumOff val="15000"/>
+                </a:schemeClr>
+              </a:solidFill>
+              <a:tailEnd type="triangle"/>
+            </a:ln>
+          </p:spPr>
+          <p:style>
+            <a:lnRef idx="1">
+              <a:schemeClr val="accent1"/>
+            </a:lnRef>
+            <a:fillRef idx="0">
+              <a:schemeClr val="accent1"/>
+            </a:fillRef>
+            <a:effectRef idx="0">
+              <a:schemeClr val="accent1"/>
+            </a:effectRef>
+            <a:fontRef idx="minor">
+              <a:schemeClr val="tx1"/>
+            </a:fontRef>
+          </p:style>
+        </p:cxnSp>
+      </p:grpSp>
+      <p:grpSp>
+        <p:nvGrpSpPr>
+          <p:cNvPr id="21" name="Group 20"/>
+          <p:cNvGrpSpPr/>
+          <p:nvPr/>
+        </p:nvGrpSpPr>
+        <p:grpSpPr>
+          <a:xfrm>
+            <a:off x="7729057" y="3376066"/>
+            <a:ext cx="2383459" cy="858130"/>
+            <a:chOff x="5633218" y="3425238"/>
+            <a:chExt cx="2383459" cy="858130"/>
+          </a:xfrm>
+        </p:grpSpPr>
+        <p:grpSp>
+          <p:nvGrpSpPr>
+            <p:cNvPr id="22" name="Group 21"/>
+            <p:cNvGrpSpPr/>
+            <p:nvPr/>
+          </p:nvGrpSpPr>
+          <p:grpSpPr>
+            <a:xfrm>
+              <a:off x="6567705" y="3425238"/>
+              <a:ext cx="1434905" cy="858130"/>
+              <a:chOff x="1631852" y="2222695"/>
+              <a:chExt cx="2096086" cy="1547447"/>
+            </a:xfrm>
+          </p:grpSpPr>
+          <p:sp>
+            <p:nvSpPr>
+              <p:cNvPr id="26" name="Rectangle 25"/>
+              <p:cNvSpPr/>
+              <p:nvPr/>
+            </p:nvSpPr>
+            <p:spPr>
+              <a:xfrm>
+                <a:off x="1631852" y="2222695"/>
+                <a:ext cx="2096086" cy="1547447"/>
+              </a:xfrm>
+              <a:prstGeom prst="rect">
+                <a:avLst/>
+              </a:prstGeom>
+              <a:noFill/>
+            </p:spPr>
+            <p:style>
+              <a:lnRef idx="2">
+                <a:schemeClr val="accent1">
+                  <a:shade val="50000"/>
+                </a:schemeClr>
+              </a:lnRef>
+              <a:fillRef idx="1">
+                <a:schemeClr val="accent1"/>
+              </a:fillRef>
+              <a:effectRef idx="0">
+                <a:schemeClr val="accent1"/>
+              </a:effectRef>
+              <a:fontRef idx="minor">
+                <a:schemeClr val="lt1"/>
+              </a:fontRef>
+            </p:style>
+            <p:txBody>
+              <a:bodyPr rtlCol="0" anchor="ctr"/>
+              <a:lstStyle/>
+              <a:p>
+                <a:pPr algn="ctr"/>
+                <a:endParaRPr lang="en-US" dirty="0"/>
+              </a:p>
+            </p:txBody>
+          </p:sp>
+          <p:cxnSp>
+            <p:nvCxnSpPr>
+              <p:cNvPr id="27" name="Straight Connector 26"/>
+              <p:cNvCxnSpPr>
+                <a:stCxn id="26" idx="1"/>
+                <a:endCxn id="26" idx="3"/>
+              </p:cNvCxnSpPr>
+              <p:nvPr/>
+            </p:nvCxnSpPr>
+            <p:spPr>
+              <a:xfrm>
+                <a:off x="1631852" y="2996419"/>
+                <a:ext cx="2096086" cy="0"/>
+              </a:xfrm>
+              <a:prstGeom prst="line">
+                <a:avLst/>
+              </a:prstGeom>
+              <a:ln>
+                <a:solidFill>
+                  <a:schemeClr val="tx1">
+                    <a:lumMod val="85000"/>
+                    <a:lumOff val="15000"/>
+                  </a:schemeClr>
+                </a:solidFill>
+              </a:ln>
+            </p:spPr>
+            <p:style>
+              <a:lnRef idx="1">
+                <a:schemeClr val="accent1"/>
+              </a:lnRef>
+              <a:fillRef idx="0">
+                <a:schemeClr val="accent1"/>
+              </a:fillRef>
+              <a:effectRef idx="0">
+                <a:schemeClr val="accent1"/>
+              </a:effectRef>
+              <a:fontRef idx="minor">
+                <a:schemeClr val="tx1"/>
+              </a:fontRef>
+            </p:style>
+          </p:cxnSp>
+        </p:grpSp>
+        <p:sp>
+          <p:nvSpPr>
+            <p:cNvPr id="23" name="TextBox 22"/>
+            <p:cNvSpPr txBox="1"/>
+            <p:nvPr/>
+          </p:nvSpPr>
+          <p:spPr>
+            <a:xfrm>
+              <a:off x="7148381" y="3455105"/>
+              <a:ext cx="301686" cy="369332"/>
+            </a:xfrm>
+            <a:prstGeom prst="rect">
+              <a:avLst/>
+            </a:prstGeom>
+            <a:solidFill>
+              <a:schemeClr val="accent6">
+                <a:lumMod val="20000"/>
+                <a:lumOff val="80000"/>
+              </a:schemeClr>
+            </a:solidFill>
+          </p:spPr>
+          <p:txBody>
+            <a:bodyPr wrap="none" rtlCol="0">
+              <a:spAutoFit/>
+            </a:bodyPr>
+            <a:lstStyle/>
+            <a:p>
+              <a:r>
+                <a:rPr lang="en-US" dirty="0"/>
+                <a:t>2</a:t>
+              </a:r>
+            </a:p>
+          </p:txBody>
+        </p:sp>
+        <p:sp>
+          <p:nvSpPr>
+            <p:cNvPr id="24" name="TextBox 23"/>
+            <p:cNvSpPr txBox="1"/>
+            <p:nvPr/>
+          </p:nvSpPr>
+          <p:spPr>
+            <a:xfrm>
+              <a:off x="6581772" y="3898237"/>
+              <a:ext cx="1434905" cy="369332"/>
+            </a:xfrm>
+            <a:prstGeom prst="rect">
+              <a:avLst/>
+            </a:prstGeom>
+            <a:solidFill>
+              <a:schemeClr val="accent4">
+                <a:lumMod val="20000"/>
+                <a:lumOff val="80000"/>
+              </a:schemeClr>
+            </a:solidFill>
+          </p:spPr>
+          <p:txBody>
+            <a:bodyPr wrap="square" rtlCol="0">
+              <a:spAutoFit/>
+            </a:bodyPr>
+            <a:lstStyle/>
+            <a:p>
+              <a:endParaRPr lang="en-US" b="1" dirty="0">
+                <a:latin typeface="Courier New" panose="02070309020205020404" pitchFamily="49" charset="0"/>
+                <a:cs typeface="Courier New" panose="02070309020205020404" pitchFamily="49" charset="0"/>
+              </a:endParaRPr>
+            </a:p>
+          </p:txBody>
+        </p:sp>
+        <p:cxnSp>
+          <p:nvCxnSpPr>
+            <p:cNvPr id="25" name="Straight Arrow Connector 24"/>
+            <p:cNvCxnSpPr/>
+            <p:nvPr/>
+          </p:nvCxnSpPr>
+          <p:spPr>
+            <a:xfrm flipV="1">
+              <a:off x="5633218" y="4064226"/>
+              <a:ext cx="724039" cy="4218"/>
+            </a:xfrm>
+            <a:prstGeom prst="straightConnector1">
+              <a:avLst/>
+            </a:prstGeom>
+            <a:ln w="38100">
+              <a:solidFill>
+                <a:schemeClr val="tx1">
+                  <a:lumMod val="85000"/>
+                  <a:lumOff val="15000"/>
+                </a:schemeClr>
+              </a:solidFill>
+              <a:tailEnd type="triangle"/>
+            </a:ln>
+          </p:spPr>
+          <p:style>
+            <a:lnRef idx="1">
+              <a:schemeClr val="accent1"/>
+            </a:lnRef>
+            <a:fillRef idx="0">
+              <a:schemeClr val="accent1"/>
+            </a:fillRef>
+            <a:effectRef idx="0">
+              <a:schemeClr val="accent1"/>
+            </a:effectRef>
+            <a:fontRef idx="minor">
+              <a:schemeClr val="tx1"/>
+            </a:fontRef>
+          </p:style>
+        </p:cxnSp>
+      </p:grpSp>
+      <p:grpSp>
+        <p:nvGrpSpPr>
+          <p:cNvPr id="28" name="Group 27"/>
+          <p:cNvGrpSpPr/>
+          <p:nvPr/>
+        </p:nvGrpSpPr>
+        <p:grpSpPr>
+          <a:xfrm>
+            <a:off x="8689079" y="3937656"/>
+            <a:ext cx="1448972" cy="1411886"/>
+            <a:chOff x="6567705" y="2871482"/>
+            <a:chExt cx="1448972" cy="1411886"/>
+          </a:xfrm>
+        </p:grpSpPr>
+        <p:grpSp>
+          <p:nvGrpSpPr>
+            <p:cNvPr id="29" name="Group 28"/>
+            <p:cNvGrpSpPr/>
+            <p:nvPr/>
+          </p:nvGrpSpPr>
+          <p:grpSpPr>
+            <a:xfrm>
+              <a:off x="6567705" y="3425238"/>
+              <a:ext cx="1434905" cy="858130"/>
+              <a:chOff x="1631852" y="2222695"/>
+              <a:chExt cx="2096086" cy="1547447"/>
+            </a:xfrm>
+          </p:grpSpPr>
+          <p:sp>
+            <p:nvSpPr>
+              <p:cNvPr id="33" name="Rectangle 32"/>
+              <p:cNvSpPr/>
+              <p:nvPr/>
+            </p:nvSpPr>
+            <p:spPr>
+              <a:xfrm>
+                <a:off x="1631852" y="2222695"/>
+                <a:ext cx="2096086" cy="1547447"/>
+              </a:xfrm>
+              <a:prstGeom prst="rect">
+                <a:avLst/>
+              </a:prstGeom>
+              <a:noFill/>
+            </p:spPr>
+            <p:style>
+              <a:lnRef idx="2">
+                <a:schemeClr val="accent1">
+                  <a:shade val="50000"/>
+                </a:schemeClr>
+              </a:lnRef>
+              <a:fillRef idx="1">
+                <a:schemeClr val="accent1"/>
+              </a:fillRef>
+              <a:effectRef idx="0">
+                <a:schemeClr val="accent1"/>
+              </a:effectRef>
+              <a:fontRef idx="minor">
+                <a:schemeClr val="lt1"/>
+              </a:fontRef>
+            </p:style>
+            <p:txBody>
+              <a:bodyPr rtlCol="0" anchor="ctr"/>
+              <a:lstStyle/>
+              <a:p>
+                <a:pPr algn="ctr"/>
+                <a:endParaRPr lang="en-US" dirty="0"/>
+              </a:p>
+            </p:txBody>
+          </p:sp>
+          <p:cxnSp>
+            <p:nvCxnSpPr>
+              <p:cNvPr id="34" name="Straight Connector 33"/>
+              <p:cNvCxnSpPr>
+                <a:stCxn id="33" idx="1"/>
+                <a:endCxn id="33" idx="3"/>
+              </p:cNvCxnSpPr>
+              <p:nvPr/>
+            </p:nvCxnSpPr>
+            <p:spPr>
+              <a:xfrm>
+                <a:off x="1631852" y="2996419"/>
+                <a:ext cx="2096086" cy="0"/>
+              </a:xfrm>
+              <a:prstGeom prst="line">
+                <a:avLst/>
+              </a:prstGeom>
+              <a:ln>
+                <a:solidFill>
+                  <a:schemeClr val="tx1">
+                    <a:lumMod val="85000"/>
+                    <a:lumOff val="15000"/>
+                  </a:schemeClr>
+                </a:solidFill>
+              </a:ln>
+            </p:spPr>
+            <p:style>
+              <a:lnRef idx="1">
+                <a:schemeClr val="accent1"/>
+              </a:lnRef>
+              <a:fillRef idx="0">
+                <a:schemeClr val="accent1"/>
+              </a:fillRef>
+              <a:effectRef idx="0">
+                <a:schemeClr val="accent1"/>
+              </a:effectRef>
+              <a:fontRef idx="minor">
+                <a:schemeClr val="tx1"/>
+              </a:fontRef>
+            </p:style>
+          </p:cxnSp>
+        </p:grpSp>
+        <p:sp>
+          <p:nvSpPr>
+            <p:cNvPr id="30" name="TextBox 29"/>
+            <p:cNvSpPr txBox="1"/>
+            <p:nvPr/>
+          </p:nvSpPr>
+          <p:spPr>
+            <a:xfrm>
+              <a:off x="7148381" y="3455105"/>
+              <a:ext cx="301686" cy="369332"/>
+            </a:xfrm>
+            <a:prstGeom prst="rect">
+              <a:avLst/>
+            </a:prstGeom>
+            <a:solidFill>
+              <a:schemeClr val="accent6">
+                <a:lumMod val="20000"/>
+                <a:lumOff val="80000"/>
+              </a:schemeClr>
+            </a:solidFill>
+          </p:spPr>
+          <p:txBody>
+            <a:bodyPr wrap="none" rtlCol="0">
+              <a:spAutoFit/>
+            </a:bodyPr>
+            <a:lstStyle/>
+            <a:p>
+              <a:r>
+                <a:rPr lang="en-US" dirty="0" smtClean="0"/>
+                <a:t>3</a:t>
+              </a:r>
+              <a:endParaRPr lang="en-US" dirty="0"/>
+            </a:p>
+          </p:txBody>
+        </p:sp>
+        <p:sp>
+          <p:nvSpPr>
+            <p:cNvPr id="31" name="TextBox 30"/>
+            <p:cNvSpPr txBox="1"/>
+            <p:nvPr/>
+          </p:nvSpPr>
+          <p:spPr>
+            <a:xfrm>
+              <a:off x="6581772" y="3898237"/>
+              <a:ext cx="1434905" cy="369332"/>
+            </a:xfrm>
+            <a:prstGeom prst="rect">
+              <a:avLst/>
+            </a:prstGeom>
+            <a:solidFill>
+              <a:schemeClr val="accent4">
+                <a:lumMod val="20000"/>
+                <a:lumOff val="80000"/>
+              </a:schemeClr>
+            </a:solidFill>
+          </p:spPr>
+          <p:txBody>
+            <a:bodyPr wrap="square" rtlCol="0">
+              <a:spAutoFit/>
+            </a:bodyPr>
+            <a:lstStyle/>
+            <a:p>
+              <a:endParaRPr lang="en-US" b="1" dirty="0">
+                <a:latin typeface="Courier New" panose="02070309020205020404" pitchFamily="49" charset="0"/>
+                <a:cs typeface="Courier New" panose="02070309020205020404" pitchFamily="49" charset="0"/>
+              </a:endParaRPr>
+            </a:p>
+          </p:txBody>
+        </p:sp>
+        <p:cxnSp>
+          <p:nvCxnSpPr>
+            <p:cNvPr id="32" name="Straight Arrow Connector 31"/>
+            <p:cNvCxnSpPr/>
+            <p:nvPr/>
+          </p:nvCxnSpPr>
+          <p:spPr>
+            <a:xfrm flipH="1">
+              <a:off x="6728400" y="2871482"/>
+              <a:ext cx="393424" cy="582650"/>
+            </a:xfrm>
+            <a:prstGeom prst="straightConnector1">
+              <a:avLst/>
+            </a:prstGeom>
+            <a:ln w="38100">
+              <a:solidFill>
+                <a:schemeClr val="tx1">
+                  <a:lumMod val="85000"/>
+                  <a:lumOff val="15000"/>
+                </a:schemeClr>
+              </a:solidFill>
+              <a:tailEnd type="triangle"/>
+            </a:ln>
+          </p:spPr>
+          <p:style>
+            <a:lnRef idx="1">
+              <a:schemeClr val="accent1"/>
+            </a:lnRef>
+            <a:fillRef idx="0">
+              <a:schemeClr val="accent1"/>
+            </a:fillRef>
+            <a:effectRef idx="0">
+              <a:schemeClr val="accent1"/>
+            </a:effectRef>
+            <a:fontRef idx="minor">
+              <a:schemeClr val="tx1"/>
+            </a:fontRef>
+          </p:style>
+        </p:cxnSp>
+      </p:grpSp>
+      <p:grpSp>
+        <p:nvGrpSpPr>
+          <p:cNvPr id="35" name="Group 34"/>
+          <p:cNvGrpSpPr/>
+          <p:nvPr/>
+        </p:nvGrpSpPr>
+        <p:grpSpPr>
+          <a:xfrm>
+            <a:off x="8677611" y="5161121"/>
+            <a:ext cx="1448972" cy="1321944"/>
+            <a:chOff x="6567705" y="2961424"/>
+            <a:chExt cx="1448972" cy="1321944"/>
+          </a:xfrm>
+        </p:grpSpPr>
+        <p:grpSp>
+          <p:nvGrpSpPr>
+            <p:cNvPr id="36" name="Group 35"/>
+            <p:cNvGrpSpPr/>
+            <p:nvPr/>
+          </p:nvGrpSpPr>
+          <p:grpSpPr>
+            <a:xfrm>
+              <a:off x="6567705" y="3425238"/>
+              <a:ext cx="1434905" cy="858130"/>
+              <a:chOff x="1631852" y="2222695"/>
+              <a:chExt cx="2096086" cy="1547447"/>
+            </a:xfrm>
+          </p:grpSpPr>
+          <p:sp>
+            <p:nvSpPr>
+              <p:cNvPr id="40" name="Rectangle 39"/>
+              <p:cNvSpPr/>
+              <p:nvPr/>
+            </p:nvSpPr>
+            <p:spPr>
+              <a:xfrm>
+                <a:off x="1631852" y="2222695"/>
+                <a:ext cx="2096086" cy="1547447"/>
+              </a:xfrm>
+              <a:prstGeom prst="rect">
+                <a:avLst/>
+              </a:prstGeom>
+              <a:noFill/>
+            </p:spPr>
+            <p:style>
+              <a:lnRef idx="2">
+                <a:schemeClr val="accent1">
+                  <a:shade val="50000"/>
+                </a:schemeClr>
+              </a:lnRef>
+              <a:fillRef idx="1">
+                <a:schemeClr val="accent1"/>
+              </a:fillRef>
+              <a:effectRef idx="0">
+                <a:schemeClr val="accent1"/>
+              </a:effectRef>
+              <a:fontRef idx="minor">
+                <a:schemeClr val="lt1"/>
+              </a:fontRef>
+            </p:style>
+            <p:txBody>
+              <a:bodyPr rtlCol="0" anchor="ctr"/>
+              <a:lstStyle/>
+              <a:p>
+                <a:pPr algn="ctr"/>
+                <a:endParaRPr lang="en-US" dirty="0"/>
+              </a:p>
+            </p:txBody>
+          </p:sp>
+          <p:cxnSp>
+            <p:nvCxnSpPr>
+              <p:cNvPr id="41" name="Straight Connector 40"/>
+              <p:cNvCxnSpPr>
+                <a:stCxn id="40" idx="1"/>
+                <a:endCxn id="40" idx="3"/>
+              </p:cNvCxnSpPr>
+              <p:nvPr/>
+            </p:nvCxnSpPr>
+            <p:spPr>
+              <a:xfrm>
+                <a:off x="1631852" y="2996419"/>
+                <a:ext cx="2096086" cy="0"/>
+              </a:xfrm>
+              <a:prstGeom prst="line">
+                <a:avLst/>
+              </a:prstGeom>
+              <a:ln>
+                <a:solidFill>
+                  <a:schemeClr val="tx1">
+                    <a:lumMod val="85000"/>
+                    <a:lumOff val="15000"/>
+                  </a:schemeClr>
+                </a:solidFill>
+              </a:ln>
+            </p:spPr>
+            <p:style>
+              <a:lnRef idx="1">
+                <a:schemeClr val="accent1"/>
+              </a:lnRef>
+              <a:fillRef idx="0">
+                <a:schemeClr val="accent1"/>
+              </a:fillRef>
+              <a:effectRef idx="0">
+                <a:schemeClr val="accent1"/>
+              </a:effectRef>
+              <a:fontRef idx="minor">
+                <a:schemeClr val="tx1"/>
+              </a:fontRef>
+            </p:style>
+          </p:cxnSp>
+        </p:grpSp>
+        <p:sp>
+          <p:nvSpPr>
+            <p:cNvPr id="37" name="TextBox 36"/>
+            <p:cNvSpPr txBox="1"/>
+            <p:nvPr/>
+          </p:nvSpPr>
+          <p:spPr>
+            <a:xfrm>
+              <a:off x="7148381" y="3455105"/>
+              <a:ext cx="301686" cy="369332"/>
+            </a:xfrm>
+            <a:prstGeom prst="rect">
+              <a:avLst/>
+            </a:prstGeom>
+            <a:solidFill>
+              <a:schemeClr val="accent6">
+                <a:lumMod val="20000"/>
+                <a:lumOff val="80000"/>
+              </a:schemeClr>
+            </a:solidFill>
+          </p:spPr>
+          <p:txBody>
+            <a:bodyPr wrap="none" rtlCol="0">
+              <a:spAutoFit/>
+            </a:bodyPr>
+            <a:lstStyle/>
+            <a:p>
+              <a:r>
+                <a:rPr lang="en-US" dirty="0"/>
+                <a:t>4</a:t>
+              </a:r>
+            </a:p>
+          </p:txBody>
+        </p:sp>
+        <p:sp>
+          <p:nvSpPr>
+            <p:cNvPr id="38" name="TextBox 37"/>
+            <p:cNvSpPr txBox="1"/>
+            <p:nvPr/>
+          </p:nvSpPr>
+          <p:spPr>
+            <a:xfrm>
+              <a:off x="6581772" y="3898237"/>
+              <a:ext cx="1434905" cy="369332"/>
+            </a:xfrm>
+            <a:prstGeom prst="rect">
+              <a:avLst/>
+            </a:prstGeom>
+            <a:solidFill>
+              <a:schemeClr val="accent4">
+                <a:lumMod val="20000"/>
+                <a:lumOff val="80000"/>
+              </a:schemeClr>
+            </a:solidFill>
+          </p:spPr>
+          <p:txBody>
+            <a:bodyPr wrap="square" rtlCol="0">
+              <a:spAutoFit/>
+            </a:bodyPr>
+            <a:lstStyle/>
+            <a:p>
+              <a:endParaRPr lang="en-US" b="1" dirty="0">
+                <a:latin typeface="Courier New" panose="02070309020205020404" pitchFamily="49" charset="0"/>
+                <a:cs typeface="Courier New" panose="02070309020205020404" pitchFamily="49" charset="0"/>
+              </a:endParaRPr>
+            </a:p>
+          </p:txBody>
+        </p:sp>
+        <p:cxnSp>
+          <p:nvCxnSpPr>
+            <p:cNvPr id="39" name="Straight Arrow Connector 38"/>
+            <p:cNvCxnSpPr/>
+            <p:nvPr/>
+          </p:nvCxnSpPr>
+          <p:spPr>
+            <a:xfrm flipH="1">
+              <a:off x="6728400" y="2961424"/>
+              <a:ext cx="306513" cy="492708"/>
+            </a:xfrm>
+            <a:prstGeom prst="straightConnector1">
+              <a:avLst/>
+            </a:prstGeom>
+            <a:ln w="38100">
+              <a:solidFill>
+                <a:schemeClr val="tx1">
+                  <a:lumMod val="85000"/>
+                  <a:lumOff val="15000"/>
+                </a:schemeClr>
+              </a:solidFill>
+              <a:tailEnd type="triangle"/>
+            </a:ln>
+          </p:spPr>
+          <p:style>
+            <a:lnRef idx="1">
+              <a:schemeClr val="accent1"/>
+            </a:lnRef>
+            <a:fillRef idx="0">
+              <a:schemeClr val="accent1"/>
+            </a:fillRef>
+            <a:effectRef idx="0">
+              <a:schemeClr val="accent1"/>
+            </a:effectRef>
+            <a:fontRef idx="minor">
+              <a:schemeClr val="tx1"/>
+            </a:fontRef>
+          </p:style>
+        </p:cxnSp>
+      </p:grpSp>
+      <p:cxnSp>
+        <p:nvCxnSpPr>
+          <p:cNvPr id="42" name="Curved Connector 41"/>
+          <p:cNvCxnSpPr/>
+          <p:nvPr/>
+        </p:nvCxnSpPr>
+        <p:spPr>
+          <a:xfrm>
+            <a:off x="9545906" y="6309258"/>
+            <a:ext cx="1378857" cy="12700"/>
+          </a:xfrm>
+          <a:prstGeom prst="curvedConnector3">
+            <a:avLst/>
+          </a:prstGeom>
+          <a:ln w="38100">
+            <a:solidFill>
+              <a:schemeClr val="tx1">
+                <a:lumMod val="85000"/>
+                <a:lumOff val="15000"/>
+              </a:schemeClr>
+            </a:solidFill>
+            <a:tailEnd type="triangle"/>
+          </a:ln>
+        </p:spPr>
+        <p:style>
+          <a:lnRef idx="1">
+            <a:schemeClr val="accent1"/>
+          </a:lnRef>
+          <a:fillRef idx="0">
+            <a:schemeClr val="accent1"/>
+          </a:fillRef>
+          <a:effectRef idx="0">
+            <a:schemeClr val="accent1"/>
+          </a:effectRef>
+          <a:fontRef idx="minor">
+            <a:schemeClr val="tx1"/>
+          </a:fontRef>
+        </p:style>
+      </p:cxnSp>
+      <p:sp>
+        <p:nvSpPr>
+          <p:cNvPr id="43" name="TextBox 42"/>
+          <p:cNvSpPr txBox="1"/>
+          <p:nvPr/>
+        </p:nvSpPr>
+        <p:spPr>
+          <a:xfrm>
+            <a:off x="10913877" y="6137292"/>
+            <a:ext cx="840295" cy="461665"/>
+          </a:xfrm>
+          <a:prstGeom prst="rect">
+            <a:avLst/>
+          </a:prstGeom>
+          <a:noFill/>
+        </p:spPr>
+        <p:txBody>
+          <a:bodyPr wrap="none" rtlCol="0">
+            <a:spAutoFit/>
+          </a:bodyPr>
+          <a:lstStyle/>
+          <a:p>
+            <a:r>
+              <a:rPr lang="en-US" sz="2400" dirty="0" smtClean="0"/>
+              <a:t>NULL</a:t>
+            </a:r>
+            <a:endParaRPr lang="en-US" sz="2400" dirty="0"/>
+          </a:p>
+        </p:txBody>
+      </p:sp>
+      <p:sp>
+        <p:nvSpPr>
+          <p:cNvPr id="44" name="Rectangle 43"/>
+          <p:cNvSpPr/>
+          <p:nvPr/>
+        </p:nvSpPr>
+        <p:spPr>
+          <a:xfrm>
+            <a:off x="7712001" y="2026720"/>
+            <a:ext cx="1480457" cy="362858"/>
+          </a:xfrm>
+          <a:prstGeom prst="rect">
+            <a:avLst/>
+          </a:prstGeom>
+          <a:noFill/>
+          <a:ln w="38100"/>
+        </p:spPr>
+        <p:style>
+          <a:lnRef idx="2">
+            <a:schemeClr val="accent1">
+              <a:shade val="50000"/>
+            </a:schemeClr>
+          </a:lnRef>
+          <a:fillRef idx="1">
+            <a:schemeClr val="accent1"/>
+          </a:fillRef>
+          <a:effectRef idx="0">
+            <a:schemeClr val="accent1"/>
+          </a:effectRef>
+          <a:fontRef idx="minor">
+            <a:schemeClr val="lt1"/>
+          </a:fontRef>
+        </p:style>
+        <p:txBody>
+          <a:bodyPr rtlCol="0" anchor="ctr"/>
+          <a:lstStyle/>
+          <a:p>
+            <a:endParaRPr lang="en-US" b="1" dirty="0">
+              <a:solidFill>
+                <a:schemeClr val="tx1"/>
+              </a:solidFill>
+              <a:latin typeface="Courier New" panose="02070309020205020404" pitchFamily="49" charset="0"/>
+              <a:cs typeface="Courier New" panose="02070309020205020404" pitchFamily="49" charset="0"/>
+            </a:endParaRPr>
+          </a:p>
+        </p:txBody>
+      </p:sp>
+      <p:sp>
+        <p:nvSpPr>
+          <p:cNvPr id="45" name="TextBox 44"/>
+          <p:cNvSpPr txBox="1"/>
+          <p:nvPr/>
+        </p:nvSpPr>
+        <p:spPr>
+          <a:xfrm>
+            <a:off x="7091789" y="1926638"/>
+            <a:ext cx="1552838" cy="369332"/>
+          </a:xfrm>
+          <a:prstGeom prst="rect">
+            <a:avLst/>
+          </a:prstGeom>
+          <a:noFill/>
+        </p:spPr>
+        <p:txBody>
+          <a:bodyPr wrap="square" rtlCol="0">
+            <a:spAutoFit/>
+          </a:bodyPr>
+          <a:lstStyle/>
+          <a:p>
+            <a:r>
+              <a:rPr lang="en-US" dirty="0" smtClean="0">
+                <a:latin typeface="Bodoni MT" panose="02070603080606020203" pitchFamily="18" charset="0"/>
+              </a:rPr>
+              <a:t>head</a:t>
+            </a:r>
+            <a:endParaRPr lang="en-US" dirty="0">
+              <a:latin typeface="Bodoni MT" panose="02070603080606020203" pitchFamily="18" charset="0"/>
+            </a:endParaRPr>
+          </a:p>
+        </p:txBody>
+      </p:sp>
+      <p:sp>
+        <p:nvSpPr>
+          <p:cNvPr id="46" name="Freeform 45"/>
+          <p:cNvSpPr/>
+          <p:nvPr/>
+        </p:nvSpPr>
+        <p:spPr>
+          <a:xfrm>
+            <a:off x="4311771" y="2278743"/>
+            <a:ext cx="3525943" cy="1059543"/>
+          </a:xfrm>
+          <a:custGeom>
+            <a:avLst/>
+            <a:gdLst>
+              <a:gd name="connsiteX0" fmla="*/ 3525943 w 3525943"/>
+              <a:gd name="connsiteY0" fmla="*/ 0 h 1059543"/>
+              <a:gd name="connsiteX1" fmla="*/ 318286 w 3525943"/>
+              <a:gd name="connsiteY1" fmla="*/ 711200 h 1059543"/>
+              <a:gd name="connsiteX2" fmla="*/ 289258 w 3525943"/>
+              <a:gd name="connsiteY2" fmla="*/ 1059543 h 1059543"/>
+            </a:gdLst>
+            <a:ahLst/>
+            <a:cxnLst>
+              <a:cxn ang="0">
+                <a:pos x="connsiteX0" y="connsiteY0"/>
+              </a:cxn>
+              <a:cxn ang="0">
+                <a:pos x="connsiteX1" y="connsiteY1"/>
+              </a:cxn>
+              <a:cxn ang="0">
+                <a:pos x="connsiteX2" y="connsiteY2"/>
+              </a:cxn>
+            </a:cxnLst>
+            <a:rect l="l" t="t" r="r" b="b"/>
+            <a:pathLst>
+              <a:path w="3525943" h="1059543">
+                <a:moveTo>
+                  <a:pt x="3525943" y="0"/>
+                </a:moveTo>
+                <a:cubicBezTo>
+                  <a:pt x="2191838" y="267305"/>
+                  <a:pt x="857733" y="534610"/>
+                  <a:pt x="318286" y="711200"/>
+                </a:cubicBezTo>
+                <a:cubicBezTo>
+                  <a:pt x="-221161" y="887790"/>
+                  <a:pt x="34048" y="973666"/>
+                  <a:pt x="289258" y="1059543"/>
+                </a:cubicBezTo>
+              </a:path>
+            </a:pathLst>
+          </a:custGeom>
+          <a:noFill/>
+          <a:ln w="28575">
+            <a:headEnd type="none" w="med" len="med"/>
+            <a:tailEnd type="triangle" w="med" len="med"/>
+          </a:ln>
+        </p:spPr>
+        <p:style>
+          <a:lnRef idx="2">
+            <a:schemeClr val="accent1">
+              <a:shade val="50000"/>
+            </a:schemeClr>
+          </a:lnRef>
+          <a:fillRef idx="1">
+            <a:schemeClr val="accent1"/>
+          </a:fillRef>
+          <a:effectRef idx="0">
+            <a:schemeClr val="accent1"/>
+          </a:effectRef>
+          <a:fontRef idx="minor">
+            <a:schemeClr val="lt1"/>
+          </a:fontRef>
+        </p:style>
+        <p:txBody>
+          <a:bodyPr rtlCol="0" anchor="ctr"/>
+          <a:lstStyle/>
+          <a:p>
+            <a:pPr algn="ctr"/>
+            <a:endParaRPr lang="en-US"/>
+          </a:p>
+        </p:txBody>
+      </p:sp>
+      <p:grpSp>
+        <p:nvGrpSpPr>
+          <p:cNvPr id="47" name="Group 46"/>
+          <p:cNvGrpSpPr/>
+          <p:nvPr/>
+        </p:nvGrpSpPr>
+        <p:grpSpPr>
+          <a:xfrm>
+            <a:off x="4409102" y="5315234"/>
+            <a:ext cx="1964344" cy="434313"/>
+            <a:chOff x="4409102" y="5315234"/>
+            <a:chExt cx="1964344" cy="434313"/>
+          </a:xfrm>
+        </p:grpSpPr>
+        <p:sp>
+          <p:nvSpPr>
+            <p:cNvPr id="48" name="Rectangle 47"/>
+            <p:cNvSpPr/>
+            <p:nvPr/>
+          </p:nvSpPr>
+          <p:spPr>
+            <a:xfrm>
+              <a:off x="4892989" y="5386689"/>
+              <a:ext cx="1480457" cy="362858"/>
+            </a:xfrm>
+            <a:prstGeom prst="rect">
+              <a:avLst/>
+            </a:prstGeom>
+            <a:noFill/>
+          </p:spPr>
+          <p:style>
+            <a:lnRef idx="2">
+              <a:schemeClr val="accent1">
+                <a:shade val="50000"/>
+              </a:schemeClr>
+            </a:lnRef>
+            <a:fillRef idx="1">
+              <a:schemeClr val="accent1"/>
+            </a:fillRef>
+            <a:effectRef idx="0">
+              <a:schemeClr val="accent1"/>
+            </a:effectRef>
+            <a:fontRef idx="minor">
+              <a:schemeClr val="lt1"/>
+            </a:fontRef>
+          </p:style>
+          <p:txBody>
+            <a:bodyPr rtlCol="0" anchor="ctr"/>
+            <a:lstStyle/>
+            <a:p>
+              <a:endParaRPr lang="en-US" b="1" dirty="0">
+                <a:solidFill>
+                  <a:schemeClr val="tx1"/>
+                </a:solidFill>
+                <a:latin typeface="Courier New" panose="02070309020205020404" pitchFamily="49" charset="0"/>
+                <a:cs typeface="Courier New" panose="02070309020205020404" pitchFamily="49" charset="0"/>
+              </a:endParaRPr>
+            </a:p>
+          </p:txBody>
+        </p:sp>
+        <p:sp>
+          <p:nvSpPr>
+            <p:cNvPr id="49" name="TextBox 48"/>
+            <p:cNvSpPr txBox="1"/>
+            <p:nvPr/>
+          </p:nvSpPr>
+          <p:spPr>
+            <a:xfrm>
+              <a:off x="4409102" y="5315234"/>
+              <a:ext cx="512912" cy="369332"/>
+            </a:xfrm>
+            <a:prstGeom prst="rect">
+              <a:avLst/>
+            </a:prstGeom>
+            <a:noFill/>
+          </p:spPr>
+          <p:txBody>
+            <a:bodyPr wrap="square" rtlCol="0">
+              <a:spAutoFit/>
+            </a:bodyPr>
+            <a:lstStyle/>
+            <a:p>
+              <a:r>
+                <a:rPr lang="en-US" b="1" i="1" dirty="0">
+                  <a:latin typeface="Courier New" panose="02070309020205020404" pitchFamily="49" charset="0"/>
+                  <a:cs typeface="Courier New" panose="02070309020205020404" pitchFamily="49" charset="0"/>
+                </a:rPr>
+                <a:t>l</a:t>
+              </a:r>
+            </a:p>
+          </p:txBody>
+        </p:sp>
+      </p:grpSp>
+      <p:cxnSp>
+        <p:nvCxnSpPr>
+          <p:cNvPr id="52" name="Straight Arrow Connector 51"/>
+          <p:cNvCxnSpPr/>
+          <p:nvPr/>
+        </p:nvCxnSpPr>
+        <p:spPr>
+          <a:xfrm flipV="1">
+            <a:off x="5694170" y="4306556"/>
+            <a:ext cx="2943584" cy="1215720"/>
+          </a:xfrm>
+          <a:prstGeom prst="straightConnector1">
+            <a:avLst/>
+          </a:prstGeom>
+          <a:ln w="28575">
+            <a:solidFill>
+              <a:schemeClr val="tx1">
+                <a:lumMod val="85000"/>
+                <a:lumOff val="15000"/>
+              </a:schemeClr>
+            </a:solidFill>
+            <a:tailEnd type="triangle"/>
+          </a:ln>
+        </p:spPr>
+        <p:style>
+          <a:lnRef idx="1">
+            <a:schemeClr val="accent1"/>
+          </a:lnRef>
+          <a:fillRef idx="0">
+            <a:schemeClr val="accent1"/>
+          </a:fillRef>
+          <a:effectRef idx="0">
+            <a:schemeClr val="accent1"/>
+          </a:effectRef>
+          <a:fontRef idx="minor">
+            <a:schemeClr val="tx1"/>
+          </a:fontRef>
+        </p:style>
+      </p:cxnSp>
+      <p:sp>
+        <p:nvSpPr>
+          <p:cNvPr id="57" name="TextBox 56"/>
+          <p:cNvSpPr txBox="1"/>
+          <p:nvPr/>
+        </p:nvSpPr>
+        <p:spPr>
+          <a:xfrm>
+            <a:off x="7130957" y="1641768"/>
+            <a:ext cx="2067159" cy="369332"/>
+          </a:xfrm>
+          <a:prstGeom prst="rect">
+            <a:avLst/>
+          </a:prstGeom>
+          <a:noFill/>
+        </p:spPr>
+        <p:txBody>
+          <a:bodyPr wrap="square" rtlCol="0">
+            <a:spAutoFit/>
+          </a:bodyPr>
+          <a:lstStyle/>
+          <a:p>
+            <a:r>
+              <a:rPr lang="en-US" dirty="0" smtClean="0"/>
+              <a:t>type: </a:t>
+            </a:r>
+            <a:r>
+              <a:rPr lang="en-US" dirty="0" err="1" smtClean="0"/>
+              <a:t>struct</a:t>
+            </a:r>
+            <a:r>
+              <a:rPr lang="en-US" dirty="0" smtClean="0"/>
+              <a:t> node *</a:t>
+            </a:r>
+            <a:endParaRPr lang="en-US" dirty="0"/>
+          </a:p>
+        </p:txBody>
+      </p:sp>
+      <p:sp>
+        <p:nvSpPr>
+          <p:cNvPr id="107" name="TextBox 106"/>
+          <p:cNvSpPr txBox="1"/>
+          <p:nvPr/>
+        </p:nvSpPr>
+        <p:spPr>
+          <a:xfrm>
+            <a:off x="3878975" y="5733123"/>
+            <a:ext cx="2067159" cy="369332"/>
+          </a:xfrm>
+          <a:prstGeom prst="rect">
+            <a:avLst/>
+          </a:prstGeom>
+          <a:noFill/>
+        </p:spPr>
+        <p:txBody>
+          <a:bodyPr wrap="square" rtlCol="0">
+            <a:spAutoFit/>
+          </a:bodyPr>
+          <a:lstStyle/>
+          <a:p>
+            <a:r>
+              <a:rPr lang="en-US" dirty="0" smtClean="0"/>
+              <a:t>type: </a:t>
+            </a:r>
+            <a:r>
+              <a:rPr lang="en-US" dirty="0" err="1" smtClean="0"/>
+              <a:t>struct</a:t>
+            </a:r>
+            <a:r>
+              <a:rPr lang="en-US" dirty="0" smtClean="0"/>
+              <a:t> node *</a:t>
+            </a:r>
+            <a:endParaRPr lang="en-US" dirty="0"/>
+          </a:p>
+        </p:txBody>
+      </p:sp>
+      <p:sp>
+        <p:nvSpPr>
+          <p:cNvPr id="108" name="TextBox 107"/>
+          <p:cNvSpPr txBox="1"/>
+          <p:nvPr/>
+        </p:nvSpPr>
+        <p:spPr>
+          <a:xfrm>
+            <a:off x="4554674" y="2998855"/>
+            <a:ext cx="2067159" cy="369332"/>
+          </a:xfrm>
+          <a:prstGeom prst="rect">
+            <a:avLst/>
+          </a:prstGeom>
+          <a:noFill/>
+        </p:spPr>
+        <p:txBody>
+          <a:bodyPr wrap="square" rtlCol="0">
+            <a:spAutoFit/>
+          </a:bodyPr>
+          <a:lstStyle/>
+          <a:p>
+            <a:r>
+              <a:rPr lang="en-US" dirty="0" smtClean="0"/>
+              <a:t>type: </a:t>
+            </a:r>
+            <a:r>
+              <a:rPr lang="en-US" dirty="0" err="1" smtClean="0"/>
+              <a:t>struct</a:t>
+            </a:r>
+            <a:r>
+              <a:rPr lang="en-US" dirty="0" smtClean="0"/>
+              <a:t> node</a:t>
+            </a:r>
+            <a:endParaRPr lang="en-US" dirty="0"/>
+          </a:p>
+        </p:txBody>
+      </p:sp>
+      <p:sp>
+        <p:nvSpPr>
+          <p:cNvPr id="109" name="TextBox 108"/>
+          <p:cNvSpPr txBox="1"/>
+          <p:nvPr/>
+        </p:nvSpPr>
+        <p:spPr>
+          <a:xfrm>
+            <a:off x="4036566" y="3439982"/>
+            <a:ext cx="1076370" cy="646331"/>
+          </a:xfrm>
+          <a:prstGeom prst="rect">
+            <a:avLst/>
+          </a:prstGeom>
+          <a:noFill/>
+        </p:spPr>
+        <p:txBody>
+          <a:bodyPr wrap="square" rtlCol="0">
+            <a:spAutoFit/>
+          </a:bodyPr>
+          <a:lstStyle/>
+          <a:p>
+            <a:r>
+              <a:rPr lang="en-US" dirty="0"/>
+              <a:t>f</a:t>
+            </a:r>
+            <a:r>
+              <a:rPr lang="en-US" dirty="0" smtClean="0"/>
+              <a:t>ield: </a:t>
+            </a:r>
+            <a:r>
+              <a:rPr lang="en-US" dirty="0" err="1" smtClean="0"/>
+              <a:t>val</a:t>
+            </a:r>
+            <a:r>
+              <a:rPr lang="en-US" dirty="0" smtClean="0"/>
+              <a:t/>
+            </a:r>
+            <a:br>
+              <a:rPr lang="en-US" dirty="0" smtClean="0"/>
+            </a:br>
+            <a:r>
+              <a:rPr lang="en-US" dirty="0" err="1" smtClean="0"/>
+              <a:t>field:next</a:t>
+            </a:r>
+            <a:endParaRPr lang="en-US" dirty="0"/>
+          </a:p>
+        </p:txBody>
+      </p:sp>
+      <p:sp>
+        <p:nvSpPr>
+          <p:cNvPr id="2" name="TextBox 1"/>
+          <p:cNvSpPr txBox="1"/>
+          <p:nvPr/>
+        </p:nvSpPr>
+        <p:spPr>
+          <a:xfrm>
+            <a:off x="130627" y="6118759"/>
+            <a:ext cx="4762361" cy="369332"/>
+          </a:xfrm>
+          <a:prstGeom prst="rect">
+            <a:avLst/>
+          </a:prstGeom>
+          <a:noFill/>
+        </p:spPr>
+        <p:txBody>
+          <a:bodyPr wrap="square" rtlCol="0">
+            <a:spAutoFit/>
+          </a:bodyPr>
+          <a:lstStyle/>
+          <a:p>
+            <a:r>
+              <a:rPr lang="en-US" dirty="0">
+                <a:latin typeface="Courier New" panose="02070309020205020404" pitchFamily="49" charset="0"/>
+                <a:cs typeface="Courier New" panose="02070309020205020404" pitchFamily="49" charset="0"/>
+              </a:rPr>
+              <a:t>l = head-&gt;next-&gt;next -&gt; next;</a:t>
+            </a:r>
+            <a:endParaRPr lang="en-US" dirty="0"/>
+          </a:p>
+        </p:txBody>
+      </p:sp>
+    </p:spTree>
+    <p:extLst>
+      <p:ext uri="{BB962C8B-B14F-4D97-AF65-F5344CB8AC3E}">
+        <p14:creationId xmlns:p14="http://schemas.microsoft.com/office/powerpoint/2010/main" val="4182103271"/>
+      </p:ext>
+    </p:extLst>
+  </p:cSld>
+  <p:clrMapOvr>
+    <a:masterClrMapping/>
+  </p:clrMapOvr>
+  <p:timing>
+    <p:tnLst>
+      <p:par>
+        <p:cTn id="1" dur="indefinite" restart="never" nodeType="tmRoot">
+          <p:childTnLst>
+            <p:seq concurrent="1" nextAc="seek">
+              <p:cTn id="2" dur="indefinite" nodeType="mainSeq">
+                <p:childTnLst>
+                  <p:par>
+                    <p:cTn id="3" fill="hold">
+                      <p:stCondLst>
+                        <p:cond delay="indefinite"/>
+                      </p:stCondLst>
+                      <p:childTnLst>
+                        <p:par>
+                          <p:cTn id="4" fill="hold">
+                            <p:stCondLst>
+                              <p:cond delay="0"/>
+                            </p:stCondLst>
+                            <p:childTnLst>
+                              <p:par>
+                                <p:cTn id="5" presetID="1" presetClass="entr" presetSubtype="0" fill="hold" nodeType="clickEffect">
+                                  <p:stCondLst>
+                                    <p:cond delay="0"/>
+                                  </p:stCondLst>
+                                  <p:childTnLst>
+                                    <p:set>
+                                      <p:cBhvr>
+                                        <p:cTn id="6" dur="1" fill="hold">
+                                          <p:stCondLst>
+                                            <p:cond delay="0"/>
+                                          </p:stCondLst>
+                                        </p:cTn>
+                                        <p:tgtEl>
+                                          <p:spTgt spid="52"/>
+                                        </p:tgtEl>
+                                        <p:attrNameLst>
+                                          <p:attrName>style.visibility</p:attrName>
+                                        </p:attrNameLst>
+                                      </p:cBhvr>
+                                      <p:to>
+                                        <p:strVal val="visible"/>
+                                      </p:to>
+                                    </p:set>
+                                  </p:childTnLst>
+                                </p:cTn>
+                              </p:par>
+                            </p:childTnLst>
+                          </p:cTn>
+                        </p:par>
+                      </p:childTnLst>
+                    </p:cTn>
+                  </p:par>
+                  <p:par>
+                    <p:cTn id="7" fill="hold">
+                      <p:stCondLst>
+                        <p:cond delay="indefinite"/>
+                      </p:stCondLst>
+                      <p:childTnLst>
+                        <p:par>
+                          <p:cTn id="8" fill="hold">
+                            <p:stCondLst>
+                              <p:cond delay="0"/>
+                            </p:stCondLst>
+                            <p:childTnLst>
+                              <p:par>
+                                <p:cTn id="9" presetID="1" presetClass="entr" presetSubtype="0" fill="hold" grpId="0" nodeType="clickEffect">
+                                  <p:stCondLst>
+                                    <p:cond delay="0"/>
+                                  </p:stCondLst>
+                                  <p:childTnLst>
+                                    <p:set>
+                                      <p:cBhvr>
+                                        <p:cTn id="10" dur="1" fill="hold">
+                                          <p:stCondLst>
+                                            <p:cond delay="0"/>
+                                          </p:stCondLst>
+                                        </p:cTn>
+                                        <p:tgtEl>
+                                          <p:spTgt spid="2"/>
+                                        </p:tgtEl>
+                                        <p:attrNameLst>
+                                          <p:attrName>style.visibility</p:attrName>
+                                        </p:attrNameLst>
+                                      </p:cBhvr>
+                                      <p:to>
+                                        <p:strVal val="visible"/>
+                                      </p:to>
+                                    </p:set>
+                                  </p:childTnLst>
+                                </p:cTn>
+                              </p:par>
+                            </p:childTnLst>
+                          </p:cTn>
+                        </p:par>
+                      </p:childTnLst>
+                    </p:cTn>
+                  </p:par>
+                </p:childTnLst>
+              </p:cTn>
+              <p:prevCondLst>
+                <p:cond evt="onPrev" delay="0">
+                  <p:tgtEl>
+                    <p:sldTgt/>
+                  </p:tgtEl>
+                </p:cond>
+              </p:prevCondLst>
+              <p:nextCondLst>
+                <p:cond evt="onNext" delay="0">
+                  <p:tgtEl>
+                    <p:sldTgt/>
+                  </p:tgtEl>
+                </p:cond>
+              </p:nextCondLst>
+            </p:seq>
+          </p:childTnLst>
+        </p:cTn>
+      </p:par>
+    </p:tnLst>
+    <p:bldLst>
+      <p:bldP spid="2" grpId="0"/>
+    </p:bldLst>
+  </p:timing>
+</p:sld>
+</file>
+
+<file path=ppt/slides/slide6.xml><?xml version="1.0" encoding="utf-8"?>
+<p:sld xmlns:a="http://schemas.openxmlformats.org/drawingml/2006/main" xmlns:r="http://schemas.openxmlformats.org/officeDocument/2006/relationships" xmlns:p="http://schemas.openxmlformats.org/presentationml/2006/main">
+  <p:cSld>
+    <p:spTree>
+      <p:nvGrpSpPr>
+        <p:cNvPr id="1" name=""/>
+        <p:cNvGrpSpPr/>
+        <p:nvPr/>
+      </p:nvGrpSpPr>
+      <p:grpSpPr>
+        <a:xfrm>
+          <a:off x="0" y="0"/>
+          <a:ext cx="0" cy="0"/>
+          <a:chOff x="0" y="0"/>
+          <a:chExt cx="0" cy="0"/>
+        </a:xfrm>
+      </p:grpSpPr>
+      <p:sp>
+        <p:nvSpPr>
           <p:cNvPr id="4" name="TextBox 3"/>
           <p:cNvSpPr txBox="1"/>
           <p:nvPr/>
@@ -9617,7 +15317,7 @@
 </p:sld>
 </file>
 
-<file path=ppt/slides/slide5.xml><?xml version="1.0" encoding="utf-8"?>
+<file path=ppt/slides/slide7.xml><?xml version="1.0" encoding="utf-8"?>
 <p:sld xmlns:a="http://schemas.openxmlformats.org/drawingml/2006/main" xmlns:r="http://schemas.openxmlformats.org/officeDocument/2006/relationships" xmlns:p="http://schemas.openxmlformats.org/presentationml/2006/main">
   <p:cSld>
     <p:spTree>
@@ -12157,7 +17857,7 @@
 </p:sld>
 </file>
 
-<file path=ppt/slides/slide6.xml><?xml version="1.0" encoding="utf-8"?>
+<file path=ppt/slides/slide8.xml><?xml version="1.0" encoding="utf-8"?>
 <p:sld xmlns:a="http://schemas.openxmlformats.org/drawingml/2006/main" xmlns:r="http://schemas.openxmlformats.org/officeDocument/2006/relationships" xmlns:p="http://schemas.openxmlformats.org/presentationml/2006/main">
   <p:cSld>
     <p:spTree>
@@ -14189,7 +19889,7 @@
 </p:sld>
 </file>
 
-<file path=ppt/slides/slide7.xml><?xml version="1.0" encoding="utf-8"?>
+<file path=ppt/slides/slide9.xml><?xml version="1.0" encoding="utf-8"?>
 <p:sld xmlns:a="http://schemas.openxmlformats.org/drawingml/2006/main" xmlns:r="http://schemas.openxmlformats.org/officeDocument/2006/relationships" xmlns:p="http://schemas.openxmlformats.org/presentationml/2006/main">
   <p:cSld>
     <p:spTree>
@@ -14306,7 +20006,7 @@
                 <a:latin typeface="Courier New" panose="02070309020205020404" pitchFamily="49" charset="0"/>
                 <a:cs typeface="Courier New" panose="02070309020205020404" pitchFamily="49" charset="0"/>
               </a:rPr>
-              <a:t> node *p;</a:t>
+              <a:t> node *l;</a:t>
             </a:r>
           </a:p>
           <a:p>
@@ -14324,14 +20024,14 @@
                 <a:latin typeface="Courier New" panose="02070309020205020404" pitchFamily="49" charset="0"/>
                 <a:cs typeface="Courier New" panose="02070309020205020404" pitchFamily="49" charset="0"/>
               </a:rPr>
-              <a:t>     for(p=</a:t>
+              <a:t>     for(l=</a:t>
             </a:r>
             <a:r>
               <a:rPr lang="en-US" dirty="0" err="1" smtClean="0">
                 <a:latin typeface="Courier New" panose="02070309020205020404" pitchFamily="49" charset="0"/>
                 <a:cs typeface="Courier New" panose="02070309020205020404" pitchFamily="49" charset="0"/>
               </a:rPr>
-              <a:t>head;p</a:t>
+              <a:t>head;l</a:t>
             </a:r>
             <a:r>
               <a:rPr lang="en-US" dirty="0" smtClean="0">
@@ -14345,14 +20045,14 @@
                 <a:latin typeface="Courier New" panose="02070309020205020404" pitchFamily="49" charset="0"/>
                 <a:cs typeface="Courier New" panose="02070309020205020404" pitchFamily="49" charset="0"/>
               </a:rPr>
-              <a:t>NULL;p</a:t>
+              <a:t>NULL;l</a:t>
             </a:r>
             <a:r>
               <a:rPr lang="en-US" dirty="0" smtClean="0">
                 <a:latin typeface="Courier New" panose="02070309020205020404" pitchFamily="49" charset="0"/>
                 <a:cs typeface="Courier New" panose="02070309020205020404" pitchFamily="49" charset="0"/>
               </a:rPr>
-              <a:t>=p-&gt;next)</a:t>
+              <a:t>=l-&gt;next)</a:t>
             </a:r>
           </a:p>
           <a:p>
@@ -14375,7 +20075,7 @@
                 <a:latin typeface="Courier New" panose="02070309020205020404" pitchFamily="49" charset="0"/>
                 <a:cs typeface="Courier New" panose="02070309020205020404" pitchFamily="49" charset="0"/>
               </a:rPr>
-              <a:t>(“%d “,p-&gt;</a:t>
+              <a:t>(“%d “,l-&gt;</a:t>
             </a:r>
             <a:r>
               <a:rPr lang="en-US" dirty="0" err="1" smtClean="0">
@@ -15832,10 +21532,11 @@
             <a:lstStyle/>
             <a:p>
               <a:r>
-                <a:rPr lang="en-US" i="1" dirty="0">
-                  <a:latin typeface="Bodoni MT" panose="02070603080606020203" pitchFamily="18" charset="0"/>
+                <a:rPr lang="en-US" b="1" i="1" dirty="0">
+                  <a:latin typeface="Courier New" panose="02070309020205020404" pitchFamily="49" charset="0"/>
+                  <a:cs typeface="Courier New" panose="02070309020205020404" pitchFamily="49" charset="0"/>
                 </a:rPr>
-                <a:t>p</a:t>
+                <a:t>l</a:t>
               </a:r>
             </a:p>
           </p:txBody>
@@ -16726,1418 +22427,6 @@
 </p:sld>
 </file>
 
-<file path=ppt/slides/slide8.xml><?xml version="1.0" encoding="utf-8"?>
-<p:sld xmlns:a="http://schemas.openxmlformats.org/drawingml/2006/main" xmlns:r="http://schemas.openxmlformats.org/officeDocument/2006/relationships" xmlns:p="http://schemas.openxmlformats.org/presentationml/2006/main">
-  <p:cSld>
-    <p:spTree>
-      <p:nvGrpSpPr>
-        <p:cNvPr id="1" name=""/>
-        <p:cNvGrpSpPr/>
-        <p:nvPr/>
-      </p:nvGrpSpPr>
-      <p:grpSpPr>
-        <a:xfrm>
-          <a:off x="0" y="0"/>
-          <a:ext cx="0" cy="0"/>
-          <a:chOff x="0" y="0"/>
-          <a:chExt cx="0" cy="0"/>
-        </a:xfrm>
-      </p:grpSpPr>
-      <p:sp>
-        <p:nvSpPr>
-          <p:cNvPr id="2" name="Title 1"/>
-          <p:cNvSpPr>
-            <a:spLocks noGrp="1"/>
-          </p:cNvSpPr>
-          <p:nvPr>
-            <p:ph type="title"/>
-          </p:nvPr>
-        </p:nvSpPr>
-        <p:spPr/>
-        <p:txBody>
-          <a:bodyPr/>
-          <a:lstStyle/>
-          <a:p>
-            <a:r>
-              <a:rPr lang="en-US" dirty="0" smtClean="0"/>
-              <a:t>Introductory linked list </a:t>
-            </a:r>
-            <a:r>
-              <a:rPr lang="en-US" dirty="0" err="1" smtClean="0"/>
-              <a:t>exercses</a:t>
-            </a:r>
-            <a:endParaRPr lang="en-US" dirty="0"/>
-          </a:p>
-        </p:txBody>
-      </p:sp>
-      <p:sp>
-        <p:nvSpPr>
-          <p:cNvPr id="3" name="Content Placeholder 2"/>
-          <p:cNvSpPr>
-            <a:spLocks noGrp="1"/>
-          </p:cNvSpPr>
-          <p:nvPr>
-            <p:ph idx="1"/>
-          </p:nvPr>
-        </p:nvSpPr>
-        <p:spPr/>
-        <p:txBody>
-          <a:bodyPr/>
-          <a:lstStyle/>
-          <a:p>
-            <a:r>
-              <a:rPr lang="en-US" dirty="0" smtClean="0"/>
-              <a:t>See </a:t>
-            </a:r>
-            <a:r>
-              <a:rPr lang="en-US" dirty="0" err="1" smtClean="0">
-                <a:latin typeface="Courier New" panose="02070309020205020404" pitchFamily="49" charset="0"/>
-                <a:cs typeface="Courier New" panose="02070309020205020404" pitchFamily="49" charset="0"/>
-              </a:rPr>
-              <a:t>linked_list_intro.c</a:t>
-            </a:r>
-            <a:endParaRPr lang="en-US" dirty="0">
-              <a:latin typeface="Courier New" panose="02070309020205020404" pitchFamily="49" charset="0"/>
-              <a:cs typeface="Courier New" panose="02070309020205020404" pitchFamily="49" charset="0"/>
-            </a:endParaRPr>
-          </a:p>
-        </p:txBody>
-      </p:sp>
-    </p:spTree>
-    <p:extLst>
-      <p:ext uri="{BB962C8B-B14F-4D97-AF65-F5344CB8AC3E}">
-        <p14:creationId xmlns:p14="http://schemas.microsoft.com/office/powerpoint/2010/main" val="3374011401"/>
-      </p:ext>
-    </p:extLst>
-  </p:cSld>
-  <p:clrMapOvr>
-    <a:masterClrMapping/>
-  </p:clrMapOvr>
-  <p:timing>
-    <p:tnLst>
-      <p:par>
-        <p:cTn id="1" dur="indefinite" restart="never" nodeType="tmRoot"/>
-      </p:par>
-    </p:tnLst>
-  </p:timing>
-</p:sld>
-</file>
-
-<file path=ppt/slides/slide9.xml><?xml version="1.0" encoding="utf-8"?>
-<p:sld xmlns:a="http://schemas.openxmlformats.org/drawingml/2006/main" xmlns:r="http://schemas.openxmlformats.org/officeDocument/2006/relationships" xmlns:p="http://schemas.openxmlformats.org/presentationml/2006/main">
-  <p:cSld>
-    <p:spTree>
-      <p:nvGrpSpPr>
-        <p:cNvPr id="1" name=""/>
-        <p:cNvGrpSpPr/>
-        <p:nvPr/>
-      </p:nvGrpSpPr>
-      <p:grpSpPr>
-        <a:xfrm>
-          <a:off x="0" y="0"/>
-          <a:ext cx="0" cy="0"/>
-          <a:chOff x="0" y="0"/>
-          <a:chExt cx="0" cy="0"/>
-        </a:xfrm>
-      </p:grpSpPr>
-      <p:sp>
-        <p:nvSpPr>
-          <p:cNvPr id="2" name="Title 1"/>
-          <p:cNvSpPr>
-            <a:spLocks noGrp="1"/>
-          </p:cNvSpPr>
-          <p:nvPr>
-            <p:ph type="title"/>
-          </p:nvPr>
-        </p:nvSpPr>
-        <p:spPr>
-          <a:xfrm>
-            <a:off x="838200" y="14935"/>
-            <a:ext cx="10515600" cy="1325563"/>
-          </a:xfrm>
-        </p:spPr>
-        <p:txBody>
-          <a:bodyPr/>
-          <a:lstStyle/>
-          <a:p>
-            <a:r>
-              <a:rPr lang="en-US" dirty="0" smtClean="0"/>
-              <a:t>Inserting into a position in a linked list</a:t>
-            </a:r>
-            <a:endParaRPr lang="en-US" dirty="0"/>
-          </a:p>
-        </p:txBody>
-      </p:sp>
-      <p:sp>
-        <p:nvSpPr>
-          <p:cNvPr id="3" name="Content Placeholder 2"/>
-          <p:cNvSpPr>
-            <a:spLocks noGrp="1"/>
-          </p:cNvSpPr>
-          <p:nvPr>
-            <p:ph idx="1"/>
-          </p:nvPr>
-        </p:nvSpPr>
-        <p:spPr>
-          <a:xfrm>
-            <a:off x="507458" y="950142"/>
-            <a:ext cx="11684542" cy="5956504"/>
-          </a:xfrm>
-        </p:spPr>
-        <p:txBody>
-          <a:bodyPr>
-            <a:noAutofit/>
-          </a:bodyPr>
-          <a:lstStyle/>
-          <a:p>
-            <a:pPr marL="0" indent="0">
-              <a:buNone/>
-            </a:pPr>
-            <a:r>
-              <a:rPr lang="en-US" sz="2200" dirty="0" err="1">
-                <a:latin typeface="Courier New" panose="02070309020205020404" pitchFamily="49" charset="0"/>
-                <a:cs typeface="Courier New" panose="02070309020205020404" pitchFamily="49" charset="0"/>
-              </a:rPr>
-              <a:t>struct</a:t>
-            </a:r>
-            <a:r>
-              <a:rPr lang="en-US" sz="2200" dirty="0">
-                <a:latin typeface="Courier New" panose="02070309020205020404" pitchFamily="49" charset="0"/>
-                <a:cs typeface="Courier New" panose="02070309020205020404" pitchFamily="49" charset="0"/>
-              </a:rPr>
-              <a:t> node * </a:t>
-            </a:r>
-            <a:r>
-              <a:rPr lang="en-US" sz="2200" dirty="0" err="1">
-                <a:latin typeface="Courier New" panose="02070309020205020404" pitchFamily="49" charset="0"/>
-                <a:cs typeface="Courier New" panose="02070309020205020404" pitchFamily="49" charset="0"/>
-              </a:rPr>
-              <a:t>node_insert</a:t>
-            </a:r>
-            <a:r>
-              <a:rPr lang="en-US" sz="2200" dirty="0">
-                <a:latin typeface="Courier New" panose="02070309020205020404" pitchFamily="49" charset="0"/>
-                <a:cs typeface="Courier New" panose="02070309020205020404" pitchFamily="49" charset="0"/>
-              </a:rPr>
-              <a:t>(</a:t>
-            </a:r>
-            <a:r>
-              <a:rPr lang="en-US" sz="2200" dirty="0" err="1">
-                <a:latin typeface="Courier New" panose="02070309020205020404" pitchFamily="49" charset="0"/>
-                <a:cs typeface="Courier New" panose="02070309020205020404" pitchFamily="49" charset="0"/>
-              </a:rPr>
-              <a:t>struct</a:t>
-            </a:r>
-            <a:r>
-              <a:rPr lang="en-US" sz="2200" dirty="0">
-                <a:latin typeface="Courier New" panose="02070309020205020404" pitchFamily="49" charset="0"/>
-                <a:cs typeface="Courier New" panose="02070309020205020404" pitchFamily="49" charset="0"/>
-              </a:rPr>
-              <a:t> node * head, </a:t>
-            </a:r>
-            <a:r>
-              <a:rPr lang="en-US" sz="2200" dirty="0" err="1">
-                <a:latin typeface="Courier New" panose="02070309020205020404" pitchFamily="49" charset="0"/>
-                <a:cs typeface="Courier New" panose="02070309020205020404" pitchFamily="49" charset="0"/>
-              </a:rPr>
-              <a:t>int</a:t>
-            </a:r>
-            <a:r>
-              <a:rPr lang="en-US" sz="2200" dirty="0">
-                <a:latin typeface="Courier New" panose="02070309020205020404" pitchFamily="49" charset="0"/>
-                <a:cs typeface="Courier New" panose="02070309020205020404" pitchFamily="49" charset="0"/>
-              </a:rPr>
-              <a:t> </a:t>
-            </a:r>
-            <a:r>
-              <a:rPr lang="en-US" sz="2200" dirty="0" err="1">
-                <a:latin typeface="Courier New" panose="02070309020205020404" pitchFamily="49" charset="0"/>
-                <a:cs typeface="Courier New" panose="02070309020205020404" pitchFamily="49" charset="0"/>
-              </a:rPr>
-              <a:t>pos</a:t>
-            </a:r>
-            <a:r>
-              <a:rPr lang="en-US" sz="2200" dirty="0">
-                <a:latin typeface="Courier New" panose="02070309020205020404" pitchFamily="49" charset="0"/>
-                <a:cs typeface="Courier New" panose="02070309020205020404" pitchFamily="49" charset="0"/>
-              </a:rPr>
-              <a:t>, </a:t>
-            </a:r>
-            <a:r>
-              <a:rPr lang="en-US" sz="2200" dirty="0" err="1">
-                <a:latin typeface="Courier New" panose="02070309020205020404" pitchFamily="49" charset="0"/>
-                <a:cs typeface="Courier New" panose="02070309020205020404" pitchFamily="49" charset="0"/>
-              </a:rPr>
-              <a:t>int</a:t>
-            </a:r>
-            <a:r>
-              <a:rPr lang="en-US" sz="2200" dirty="0">
-                <a:latin typeface="Courier New" panose="02070309020205020404" pitchFamily="49" charset="0"/>
-                <a:cs typeface="Courier New" panose="02070309020205020404" pitchFamily="49" charset="0"/>
-              </a:rPr>
-              <a:t> </a:t>
-            </a:r>
-            <a:r>
-              <a:rPr lang="en-US" sz="2200" dirty="0" err="1">
-                <a:latin typeface="Courier New" panose="02070309020205020404" pitchFamily="49" charset="0"/>
-                <a:cs typeface="Courier New" panose="02070309020205020404" pitchFamily="49" charset="0"/>
-              </a:rPr>
-              <a:t>newval</a:t>
-            </a:r>
-            <a:r>
-              <a:rPr lang="en-US" sz="2200" dirty="0">
-                <a:latin typeface="Courier New" panose="02070309020205020404" pitchFamily="49" charset="0"/>
-                <a:cs typeface="Courier New" panose="02070309020205020404" pitchFamily="49" charset="0"/>
-              </a:rPr>
-              <a:t>){</a:t>
-            </a:r>
-          </a:p>
-          <a:p>
-            <a:pPr marL="0" indent="0">
-              <a:buNone/>
-            </a:pPr>
-            <a:r>
-              <a:rPr lang="en-US" sz="2200" dirty="0" smtClean="0">
-                <a:latin typeface="Courier New" panose="02070309020205020404" pitchFamily="49" charset="0"/>
-                <a:cs typeface="Courier New" panose="02070309020205020404" pitchFamily="49" charset="0"/>
-              </a:rPr>
-              <a:t>   </a:t>
-            </a:r>
-            <a:r>
-              <a:rPr lang="en-US" sz="2200" dirty="0" err="1" smtClean="0">
-                <a:latin typeface="Courier New" panose="02070309020205020404" pitchFamily="49" charset="0"/>
-                <a:cs typeface="Courier New" panose="02070309020205020404" pitchFamily="49" charset="0"/>
-              </a:rPr>
-              <a:t>struct</a:t>
-            </a:r>
-            <a:r>
-              <a:rPr lang="en-US" sz="2200" dirty="0" smtClean="0">
-                <a:latin typeface="Courier New" panose="02070309020205020404" pitchFamily="49" charset="0"/>
-                <a:cs typeface="Courier New" panose="02070309020205020404" pitchFamily="49" charset="0"/>
-              </a:rPr>
-              <a:t> </a:t>
-            </a:r>
-            <a:r>
-              <a:rPr lang="en-US" sz="2200" dirty="0">
-                <a:latin typeface="Courier New" panose="02070309020205020404" pitchFamily="49" charset="0"/>
-                <a:cs typeface="Courier New" panose="02070309020205020404" pitchFamily="49" charset="0"/>
-              </a:rPr>
-              <a:t>node * l, * p</a:t>
-            </a:r>
-            <a:r>
-              <a:rPr lang="en-US" sz="2200" dirty="0" smtClean="0">
-                <a:latin typeface="Courier New" panose="02070309020205020404" pitchFamily="49" charset="0"/>
-                <a:cs typeface="Courier New" panose="02070309020205020404" pitchFamily="49" charset="0"/>
-              </a:rPr>
-              <a:t>;   </a:t>
-            </a:r>
-            <a:r>
-              <a:rPr lang="en-US" sz="2200" dirty="0" smtClean="0">
-                <a:latin typeface="Bodoni MT" panose="02070603080606020203" pitchFamily="18" charset="0"/>
-                <a:cs typeface="Courier New" panose="02070309020205020404" pitchFamily="49" charset="0"/>
-              </a:rPr>
-              <a:t>// we need two positions to insert </a:t>
-            </a:r>
-            <a:r>
-              <a:rPr lang="en-US" sz="2200" dirty="0" smtClean="0">
-                <a:latin typeface="Bodoni MT" panose="02070603080606020203" pitchFamily="18" charset="0"/>
-                <a:cs typeface="Courier New" panose="02070309020205020404" pitchFamily="49" charset="0"/>
-              </a:rPr>
-              <a:t>between (after p, before l)</a:t>
-            </a:r>
-            <a:r>
-              <a:rPr lang="en-US" sz="2200" dirty="0" smtClean="0">
-                <a:latin typeface="Courier New" panose="02070309020205020404" pitchFamily="49" charset="0"/>
-                <a:cs typeface="Courier New" panose="02070309020205020404" pitchFamily="49" charset="0"/>
-              </a:rPr>
-              <a:t/>
-            </a:r>
-            <a:br>
-              <a:rPr lang="en-US" sz="2200" dirty="0" smtClean="0">
-                <a:latin typeface="Courier New" panose="02070309020205020404" pitchFamily="49" charset="0"/>
-                <a:cs typeface="Courier New" panose="02070309020205020404" pitchFamily="49" charset="0"/>
-              </a:rPr>
-            </a:br>
-            <a:r>
-              <a:rPr lang="en-US" sz="2200" dirty="0" smtClean="0">
-                <a:latin typeface="Courier New" panose="02070309020205020404" pitchFamily="49" charset="0"/>
-                <a:cs typeface="Courier New" panose="02070309020205020404" pitchFamily="49" charset="0"/>
-              </a:rPr>
-              <a:t>   </a:t>
-            </a:r>
-            <a:r>
-              <a:rPr lang="en-US" sz="2200" dirty="0" err="1" smtClean="0">
-                <a:latin typeface="Courier New" panose="02070309020205020404" pitchFamily="49" charset="0"/>
-                <a:cs typeface="Courier New" panose="02070309020205020404" pitchFamily="49" charset="0"/>
-              </a:rPr>
-              <a:t>struct</a:t>
-            </a:r>
-            <a:r>
-              <a:rPr lang="en-US" sz="2200" dirty="0" smtClean="0">
-                <a:latin typeface="Courier New" panose="02070309020205020404" pitchFamily="49" charset="0"/>
-                <a:cs typeface="Courier New" panose="02070309020205020404" pitchFamily="49" charset="0"/>
-              </a:rPr>
-              <a:t> </a:t>
-            </a:r>
-            <a:r>
-              <a:rPr lang="en-US" sz="2200" dirty="0">
-                <a:latin typeface="Courier New" panose="02070309020205020404" pitchFamily="49" charset="0"/>
-                <a:cs typeface="Courier New" panose="02070309020205020404" pitchFamily="49" charset="0"/>
-              </a:rPr>
-              <a:t>node * new = </a:t>
-            </a:r>
-            <a:r>
-              <a:rPr lang="en-US" sz="2200" dirty="0" err="1">
-                <a:latin typeface="Courier New" panose="02070309020205020404" pitchFamily="49" charset="0"/>
-                <a:cs typeface="Courier New" panose="02070309020205020404" pitchFamily="49" charset="0"/>
-              </a:rPr>
-              <a:t>new_node</a:t>
-            </a:r>
-            <a:r>
-              <a:rPr lang="en-US" sz="2200" dirty="0" smtClean="0">
-                <a:latin typeface="Courier New" panose="02070309020205020404" pitchFamily="49" charset="0"/>
-                <a:cs typeface="Courier New" panose="02070309020205020404" pitchFamily="49" charset="0"/>
-              </a:rPr>
-              <a:t>();</a:t>
-            </a:r>
-            <a:br>
-              <a:rPr lang="en-US" sz="2200" dirty="0" smtClean="0">
-                <a:latin typeface="Courier New" panose="02070309020205020404" pitchFamily="49" charset="0"/>
-                <a:cs typeface="Courier New" panose="02070309020205020404" pitchFamily="49" charset="0"/>
-              </a:rPr>
-            </a:br>
-            <a:r>
-              <a:rPr lang="en-US" sz="2200" dirty="0" smtClean="0">
-                <a:latin typeface="Courier New" panose="02070309020205020404" pitchFamily="49" charset="0"/>
-                <a:cs typeface="Courier New" panose="02070309020205020404" pitchFamily="49" charset="0"/>
-              </a:rPr>
-              <a:t>   new-</a:t>
-            </a:r>
-            <a:r>
-              <a:rPr lang="en-US" sz="2200" dirty="0">
-                <a:latin typeface="Courier New" panose="02070309020205020404" pitchFamily="49" charset="0"/>
-                <a:cs typeface="Courier New" panose="02070309020205020404" pitchFamily="49" charset="0"/>
-              </a:rPr>
-              <a:t>&gt;</a:t>
-            </a:r>
-            <a:r>
-              <a:rPr lang="en-US" sz="2200" dirty="0" err="1" smtClean="0">
-                <a:latin typeface="Courier New" panose="02070309020205020404" pitchFamily="49" charset="0"/>
-                <a:cs typeface="Courier New" panose="02070309020205020404" pitchFamily="49" charset="0"/>
-              </a:rPr>
-              <a:t>val</a:t>
-            </a:r>
-            <a:r>
-              <a:rPr lang="en-US" sz="2200" dirty="0" smtClean="0">
-                <a:latin typeface="Courier New" panose="02070309020205020404" pitchFamily="49" charset="0"/>
-                <a:cs typeface="Courier New" panose="02070309020205020404" pitchFamily="49" charset="0"/>
-              </a:rPr>
-              <a:t>=</a:t>
-            </a:r>
-            <a:r>
-              <a:rPr lang="en-US" sz="2200" dirty="0" err="1" smtClean="0">
-                <a:latin typeface="Courier New" panose="02070309020205020404" pitchFamily="49" charset="0"/>
-                <a:cs typeface="Courier New" panose="02070309020205020404" pitchFamily="49" charset="0"/>
-              </a:rPr>
-              <a:t>newval</a:t>
-            </a:r>
-            <a:r>
-              <a:rPr lang="en-US" sz="2200" dirty="0" smtClean="0">
-                <a:latin typeface="Courier New" panose="02070309020205020404" pitchFamily="49" charset="0"/>
-                <a:cs typeface="Courier New" panose="02070309020205020404" pitchFamily="49" charset="0"/>
-              </a:rPr>
-              <a:t>;</a:t>
-            </a:r>
-            <a:br>
-              <a:rPr lang="en-US" sz="2200" dirty="0" smtClean="0">
-                <a:latin typeface="Courier New" panose="02070309020205020404" pitchFamily="49" charset="0"/>
-                <a:cs typeface="Courier New" panose="02070309020205020404" pitchFamily="49" charset="0"/>
-              </a:rPr>
-            </a:br>
-            <a:r>
-              <a:rPr lang="en-US" sz="2200" dirty="0" smtClean="0">
-                <a:latin typeface="Courier New" panose="02070309020205020404" pitchFamily="49" charset="0"/>
-                <a:cs typeface="Courier New" panose="02070309020205020404" pitchFamily="49" charset="0"/>
-              </a:rPr>
-              <a:t>   </a:t>
-            </a:r>
-            <a:r>
-              <a:rPr lang="en-US" sz="2200" dirty="0" err="1" smtClean="0">
-                <a:latin typeface="Courier New" panose="02070309020205020404" pitchFamily="49" charset="0"/>
-                <a:cs typeface="Courier New" panose="02070309020205020404" pitchFamily="49" charset="0"/>
-              </a:rPr>
-              <a:t>int</a:t>
-            </a:r>
-            <a:r>
-              <a:rPr lang="en-US" sz="2200" dirty="0" smtClean="0">
-                <a:latin typeface="Courier New" panose="02070309020205020404" pitchFamily="49" charset="0"/>
-                <a:cs typeface="Courier New" panose="02070309020205020404" pitchFamily="49" charset="0"/>
-              </a:rPr>
-              <a:t> </a:t>
-            </a:r>
-            <a:r>
-              <a:rPr lang="en-US" sz="2200" dirty="0" err="1">
-                <a:latin typeface="Courier New" panose="02070309020205020404" pitchFamily="49" charset="0"/>
-                <a:cs typeface="Courier New" panose="02070309020205020404" pitchFamily="49" charset="0"/>
-              </a:rPr>
-              <a:t>i</a:t>
-            </a:r>
-            <a:r>
-              <a:rPr lang="en-US" sz="2200" dirty="0">
-                <a:latin typeface="Courier New" panose="02070309020205020404" pitchFamily="49" charset="0"/>
-                <a:cs typeface="Courier New" panose="02070309020205020404" pitchFamily="49" charset="0"/>
-              </a:rPr>
-              <a:t>; </a:t>
-            </a:r>
-            <a:r>
-              <a:rPr lang="en-US" sz="2200" dirty="0" smtClean="0">
-                <a:latin typeface="Courier New" panose="02070309020205020404" pitchFamily="49" charset="0"/>
-                <a:cs typeface="Courier New" panose="02070309020205020404" pitchFamily="49" charset="0"/>
-              </a:rPr>
-              <a:t>  </a:t>
-            </a:r>
-            <a:r>
-              <a:rPr lang="en-US" sz="2200" dirty="0" smtClean="0">
-                <a:latin typeface="Bodoni MT" panose="02070603080606020203" pitchFamily="18" charset="0"/>
-                <a:cs typeface="Courier New" panose="02070309020205020404" pitchFamily="49" charset="0"/>
-              </a:rPr>
-              <a:t>// </a:t>
-            </a:r>
-            <a:r>
-              <a:rPr lang="en-US" sz="2200" dirty="0" err="1">
-                <a:latin typeface="Bodoni MT" panose="02070603080606020203" pitchFamily="18" charset="0"/>
-                <a:cs typeface="Courier New" panose="02070309020205020404" pitchFamily="49" charset="0"/>
-              </a:rPr>
-              <a:t>i</a:t>
-            </a:r>
-            <a:r>
-              <a:rPr lang="en-US" sz="2200" dirty="0">
-                <a:latin typeface="Bodoni MT" panose="02070603080606020203" pitchFamily="18" charset="0"/>
-                <a:cs typeface="Courier New" panose="02070309020205020404" pitchFamily="49" charset="0"/>
-              </a:rPr>
-              <a:t> is the position of l</a:t>
-            </a:r>
-          </a:p>
-          <a:p>
-            <a:pPr marL="0" indent="0">
-              <a:buNone/>
-            </a:pPr>
-            <a:r>
-              <a:rPr lang="en-US" sz="2200" dirty="0" smtClean="0">
-                <a:latin typeface="Courier New" panose="02070309020205020404" pitchFamily="49" charset="0"/>
-                <a:cs typeface="Courier New" panose="02070309020205020404" pitchFamily="49" charset="0"/>
-              </a:rPr>
-              <a:t>   </a:t>
-            </a:r>
-            <a:r>
-              <a:rPr lang="en-US" sz="2200" dirty="0" smtClean="0">
-                <a:solidFill>
-                  <a:schemeClr val="accent1">
-                    <a:lumMod val="75000"/>
-                  </a:schemeClr>
-                </a:solidFill>
-                <a:latin typeface="Courier New" panose="02070309020205020404" pitchFamily="49" charset="0"/>
-                <a:cs typeface="Courier New" panose="02070309020205020404" pitchFamily="49" charset="0"/>
-              </a:rPr>
-              <a:t>  </a:t>
-            </a:r>
-            <a:r>
-              <a:rPr lang="en-US" sz="2200" dirty="0" smtClean="0">
-                <a:solidFill>
-                  <a:schemeClr val="accent1">
-                    <a:lumMod val="75000"/>
-                  </a:schemeClr>
-                </a:solidFill>
-                <a:latin typeface="Bodoni MT" panose="02070603080606020203" pitchFamily="18" charset="0"/>
-                <a:cs typeface="Courier New" panose="02070309020205020404" pitchFamily="49" charset="0"/>
-              </a:rPr>
-              <a:t>// @loop traverse the list looking for position</a:t>
-            </a:r>
-            <a:r>
-              <a:rPr lang="en-US" sz="2200" dirty="0" smtClean="0">
-                <a:solidFill>
-                  <a:schemeClr val="accent1">
-                    <a:lumMod val="75000"/>
-                  </a:schemeClr>
-                </a:solidFill>
-                <a:latin typeface="Courier New" panose="02070309020205020404" pitchFamily="49" charset="0"/>
-                <a:cs typeface="Courier New" panose="02070309020205020404" pitchFamily="49" charset="0"/>
-              </a:rPr>
-              <a:t/>
-            </a:r>
-            <a:br>
-              <a:rPr lang="en-US" sz="2200" dirty="0" smtClean="0">
-                <a:solidFill>
-                  <a:schemeClr val="accent1">
-                    <a:lumMod val="75000"/>
-                  </a:schemeClr>
-                </a:solidFill>
-                <a:latin typeface="Courier New" panose="02070309020205020404" pitchFamily="49" charset="0"/>
-                <a:cs typeface="Courier New" panose="02070309020205020404" pitchFamily="49" charset="0"/>
-              </a:rPr>
-            </a:br>
-            <a:r>
-              <a:rPr lang="en-US" sz="2200" dirty="0" smtClean="0">
-                <a:solidFill>
-                  <a:schemeClr val="accent1">
-                    <a:lumMod val="75000"/>
-                  </a:schemeClr>
-                </a:solidFill>
-                <a:latin typeface="Courier New" panose="02070309020205020404" pitchFamily="49" charset="0"/>
-                <a:cs typeface="Courier New" panose="02070309020205020404" pitchFamily="49" charset="0"/>
-              </a:rPr>
-              <a:t>   for(l=head</a:t>
-            </a:r>
-            <a:r>
-              <a:rPr lang="en-US" sz="2200" dirty="0">
-                <a:solidFill>
-                  <a:schemeClr val="accent1">
-                    <a:lumMod val="75000"/>
-                  </a:schemeClr>
-                </a:solidFill>
-                <a:latin typeface="Courier New" panose="02070309020205020404" pitchFamily="49" charset="0"/>
-                <a:cs typeface="Courier New" panose="02070309020205020404" pitchFamily="49" charset="0"/>
-              </a:rPr>
-              <a:t>, p=NULL, </a:t>
-            </a:r>
-            <a:r>
-              <a:rPr lang="en-US" sz="2200" dirty="0" err="1">
-                <a:solidFill>
-                  <a:schemeClr val="accent1">
-                    <a:lumMod val="75000"/>
-                  </a:schemeClr>
-                </a:solidFill>
-                <a:latin typeface="Courier New" panose="02070309020205020404" pitchFamily="49" charset="0"/>
-                <a:cs typeface="Courier New" panose="02070309020205020404" pitchFamily="49" charset="0"/>
-              </a:rPr>
-              <a:t>i</a:t>
-            </a:r>
-            <a:r>
-              <a:rPr lang="en-US" sz="2200" dirty="0">
-                <a:solidFill>
-                  <a:schemeClr val="accent1">
-                    <a:lumMod val="75000"/>
-                  </a:schemeClr>
-                </a:solidFill>
-                <a:latin typeface="Courier New" panose="02070309020205020404" pitchFamily="49" charset="0"/>
-                <a:cs typeface="Courier New" panose="02070309020205020404" pitchFamily="49" charset="0"/>
-              </a:rPr>
-              <a:t>=0; </a:t>
-            </a:r>
-            <a:r>
-              <a:rPr lang="en-US" sz="2200" b="1" dirty="0">
-                <a:solidFill>
-                  <a:schemeClr val="accent2"/>
-                </a:solidFill>
-                <a:latin typeface="Courier New" panose="02070309020205020404" pitchFamily="49" charset="0"/>
-                <a:cs typeface="Courier New" panose="02070309020205020404" pitchFamily="49" charset="0"/>
-              </a:rPr>
-              <a:t>l!= NULL &amp;&amp; </a:t>
-            </a:r>
-            <a:r>
-              <a:rPr lang="en-US" sz="2200" b="1" dirty="0" err="1">
-                <a:solidFill>
-                  <a:schemeClr val="accent2"/>
-                </a:solidFill>
-                <a:latin typeface="Courier New" panose="02070309020205020404" pitchFamily="49" charset="0"/>
-                <a:cs typeface="Courier New" panose="02070309020205020404" pitchFamily="49" charset="0"/>
-              </a:rPr>
-              <a:t>i</a:t>
-            </a:r>
-            <a:r>
-              <a:rPr lang="en-US" sz="2200" b="1" dirty="0">
-                <a:solidFill>
-                  <a:schemeClr val="accent2"/>
-                </a:solidFill>
-                <a:latin typeface="Courier New" panose="02070309020205020404" pitchFamily="49" charset="0"/>
-                <a:cs typeface="Courier New" panose="02070309020205020404" pitchFamily="49" charset="0"/>
-              </a:rPr>
-              <a:t> &lt; </a:t>
-            </a:r>
-            <a:r>
-              <a:rPr lang="en-US" sz="2200" b="1" dirty="0" err="1">
-                <a:solidFill>
-                  <a:schemeClr val="accent2"/>
-                </a:solidFill>
-                <a:latin typeface="Courier New" panose="02070309020205020404" pitchFamily="49" charset="0"/>
-                <a:cs typeface="Courier New" panose="02070309020205020404" pitchFamily="49" charset="0"/>
-              </a:rPr>
-              <a:t>pos</a:t>
-            </a:r>
-            <a:r>
-              <a:rPr lang="en-US" sz="2200" b="1" dirty="0">
-                <a:solidFill>
-                  <a:schemeClr val="accent1">
-                    <a:lumMod val="75000"/>
-                  </a:schemeClr>
-                </a:solidFill>
-                <a:latin typeface="Courier New" panose="02070309020205020404" pitchFamily="49" charset="0"/>
-                <a:cs typeface="Courier New" panose="02070309020205020404" pitchFamily="49" charset="0"/>
-              </a:rPr>
-              <a:t> </a:t>
-            </a:r>
-            <a:r>
-              <a:rPr lang="en-US" sz="2200" dirty="0">
-                <a:solidFill>
-                  <a:schemeClr val="accent1">
-                    <a:lumMod val="75000"/>
-                  </a:schemeClr>
-                </a:solidFill>
-                <a:latin typeface="Courier New" panose="02070309020205020404" pitchFamily="49" charset="0"/>
-                <a:cs typeface="Courier New" panose="02070309020205020404" pitchFamily="49" charset="0"/>
-              </a:rPr>
-              <a:t>; l=l-&gt;next, </a:t>
-            </a:r>
-            <a:r>
-              <a:rPr lang="en-US" sz="2200" dirty="0" err="1">
-                <a:solidFill>
-                  <a:schemeClr val="accent1">
-                    <a:lumMod val="75000"/>
-                  </a:schemeClr>
-                </a:solidFill>
-                <a:latin typeface="Courier New" panose="02070309020205020404" pitchFamily="49" charset="0"/>
-                <a:cs typeface="Courier New" panose="02070309020205020404" pitchFamily="49" charset="0"/>
-              </a:rPr>
-              <a:t>i</a:t>
-            </a:r>
-            <a:r>
-              <a:rPr lang="en-US" sz="2200" dirty="0" smtClean="0">
-                <a:solidFill>
-                  <a:schemeClr val="accent1">
-                    <a:lumMod val="75000"/>
-                  </a:schemeClr>
-                </a:solidFill>
-                <a:latin typeface="Courier New" panose="02070309020205020404" pitchFamily="49" charset="0"/>
-                <a:cs typeface="Courier New" panose="02070309020205020404" pitchFamily="49" charset="0"/>
-              </a:rPr>
-              <a:t>++)</a:t>
-            </a:r>
-            <a:br>
-              <a:rPr lang="en-US" sz="2200" dirty="0" smtClean="0">
-                <a:solidFill>
-                  <a:schemeClr val="accent1">
-                    <a:lumMod val="75000"/>
-                  </a:schemeClr>
-                </a:solidFill>
-                <a:latin typeface="Courier New" panose="02070309020205020404" pitchFamily="49" charset="0"/>
-                <a:cs typeface="Courier New" panose="02070309020205020404" pitchFamily="49" charset="0"/>
-              </a:rPr>
-            </a:br>
-            <a:r>
-              <a:rPr lang="en-US" sz="2200" dirty="0" smtClean="0">
-                <a:solidFill>
-                  <a:schemeClr val="accent1">
-                    <a:lumMod val="75000"/>
-                  </a:schemeClr>
-                </a:solidFill>
-                <a:latin typeface="Courier New" panose="02070309020205020404" pitchFamily="49" charset="0"/>
-                <a:cs typeface="Courier New" panose="02070309020205020404" pitchFamily="49" charset="0"/>
-              </a:rPr>
-              <a:t>         p=l;</a:t>
-            </a:r>
-          </a:p>
-          <a:p>
-            <a:pPr marL="0" indent="0">
-              <a:buNone/>
-            </a:pPr>
-            <a:r>
-              <a:rPr lang="en-US" sz="2200" dirty="0">
-                <a:latin typeface="Courier New" panose="02070309020205020404" pitchFamily="49" charset="0"/>
-                <a:cs typeface="Courier New" panose="02070309020205020404" pitchFamily="49" charset="0"/>
-              </a:rPr>
-              <a:t> </a:t>
-            </a:r>
-            <a:r>
-              <a:rPr lang="en-US" sz="2200" dirty="0" smtClean="0">
-                <a:latin typeface="Courier New" panose="02070309020205020404" pitchFamily="49" charset="0"/>
-                <a:cs typeface="Courier New" panose="02070309020205020404" pitchFamily="49" charset="0"/>
-              </a:rPr>
-              <a:t>    </a:t>
-            </a:r>
-            <a:r>
-              <a:rPr lang="en-US" sz="2200" dirty="0" smtClean="0">
-                <a:latin typeface="Bodoni MT" panose="02070603080606020203" pitchFamily="18" charset="0"/>
-                <a:cs typeface="Courier New" panose="02070309020205020404" pitchFamily="49" charset="0"/>
-              </a:rPr>
-              <a:t>// Now insert the new</a:t>
-            </a:r>
-            <a:endParaRPr lang="en-US" sz="2200" dirty="0">
-              <a:latin typeface="Bodoni MT" panose="02070603080606020203" pitchFamily="18" charset="0"/>
-              <a:cs typeface="Courier New" panose="02070309020205020404" pitchFamily="49" charset="0"/>
-            </a:endParaRPr>
-          </a:p>
-          <a:p>
-            <a:pPr marL="0" indent="0">
-              <a:buNone/>
-            </a:pPr>
-            <a:r>
-              <a:rPr lang="en-US" sz="2200" dirty="0" smtClean="0">
-                <a:latin typeface="Courier New" panose="02070309020205020404" pitchFamily="49" charset="0"/>
-                <a:cs typeface="Courier New" panose="02070309020205020404" pitchFamily="49" charset="0"/>
-              </a:rPr>
-              <a:t>   if </a:t>
-            </a:r>
-            <a:r>
-              <a:rPr lang="en-US" sz="2200" dirty="0">
-                <a:latin typeface="Courier New" panose="02070309020205020404" pitchFamily="49" charset="0"/>
-                <a:cs typeface="Courier New" panose="02070309020205020404" pitchFamily="49" charset="0"/>
-              </a:rPr>
-              <a:t>( p == NULL ) </a:t>
-            </a:r>
-            <a:r>
-              <a:rPr lang="en-US" sz="2200" dirty="0" smtClean="0">
-                <a:latin typeface="Courier New" panose="02070309020205020404" pitchFamily="49" charset="0"/>
-                <a:cs typeface="Courier New" panose="02070309020205020404" pitchFamily="49" charset="0"/>
-              </a:rPr>
-              <a:t>{     </a:t>
-            </a:r>
-            <a:r>
-              <a:rPr lang="en-US" sz="2200" dirty="0" smtClean="0">
-                <a:latin typeface="Bodoni MT" panose="02070603080606020203" pitchFamily="18" charset="0"/>
-                <a:cs typeface="Courier New" panose="02070309020205020404" pitchFamily="49" charset="0"/>
-              </a:rPr>
-              <a:t>// case of insert at the beginning</a:t>
-            </a:r>
-            <a:r>
-              <a:rPr lang="en-US" sz="2200" dirty="0" smtClean="0">
-                <a:latin typeface="Courier New" panose="02070309020205020404" pitchFamily="49" charset="0"/>
-                <a:cs typeface="Courier New" panose="02070309020205020404" pitchFamily="49" charset="0"/>
-              </a:rPr>
-              <a:t/>
-            </a:r>
-            <a:br>
-              <a:rPr lang="en-US" sz="2200" dirty="0" smtClean="0">
-                <a:latin typeface="Courier New" panose="02070309020205020404" pitchFamily="49" charset="0"/>
-                <a:cs typeface="Courier New" panose="02070309020205020404" pitchFamily="49" charset="0"/>
-              </a:rPr>
-            </a:br>
-            <a:r>
-              <a:rPr lang="en-US" sz="2200" dirty="0" smtClean="0">
-                <a:latin typeface="Courier New" panose="02070309020205020404" pitchFamily="49" charset="0"/>
-                <a:cs typeface="Courier New" panose="02070309020205020404" pitchFamily="49" charset="0"/>
-              </a:rPr>
-              <a:t>         new-</a:t>
-            </a:r>
-            <a:r>
-              <a:rPr lang="en-US" sz="2200" dirty="0">
-                <a:latin typeface="Courier New" panose="02070309020205020404" pitchFamily="49" charset="0"/>
-                <a:cs typeface="Courier New" panose="02070309020205020404" pitchFamily="49" charset="0"/>
-              </a:rPr>
-              <a:t>&gt;next=head</a:t>
-            </a:r>
-            <a:r>
-              <a:rPr lang="en-US" sz="2200" dirty="0" smtClean="0">
-                <a:latin typeface="Courier New" panose="02070309020205020404" pitchFamily="49" charset="0"/>
-                <a:cs typeface="Courier New" panose="02070309020205020404" pitchFamily="49" charset="0"/>
-              </a:rPr>
-              <a:t>;</a:t>
-            </a:r>
-            <a:br>
-              <a:rPr lang="en-US" sz="2200" dirty="0" smtClean="0">
-                <a:latin typeface="Courier New" panose="02070309020205020404" pitchFamily="49" charset="0"/>
-                <a:cs typeface="Courier New" panose="02070309020205020404" pitchFamily="49" charset="0"/>
-              </a:rPr>
-            </a:br>
-            <a:r>
-              <a:rPr lang="en-US" sz="2200" dirty="0" smtClean="0">
-                <a:latin typeface="Courier New" panose="02070309020205020404" pitchFamily="49" charset="0"/>
-                <a:cs typeface="Courier New" panose="02070309020205020404" pitchFamily="49" charset="0"/>
-              </a:rPr>
-              <a:t>         return </a:t>
-            </a:r>
-            <a:r>
-              <a:rPr lang="en-US" sz="2200" dirty="0">
-                <a:latin typeface="Courier New" panose="02070309020205020404" pitchFamily="49" charset="0"/>
-                <a:cs typeface="Courier New" panose="02070309020205020404" pitchFamily="49" charset="0"/>
-              </a:rPr>
-              <a:t>new</a:t>
-            </a:r>
-            <a:r>
-              <a:rPr lang="en-US" sz="2200" dirty="0" smtClean="0">
-                <a:latin typeface="Courier New" panose="02070309020205020404" pitchFamily="49" charset="0"/>
-                <a:cs typeface="Courier New" panose="02070309020205020404" pitchFamily="49" charset="0"/>
-              </a:rPr>
-              <a:t>;           </a:t>
-            </a:r>
-            <a:r>
-              <a:rPr lang="en-US" sz="2200" dirty="0" smtClean="0">
-                <a:latin typeface="Bodoni MT" panose="02070603080606020203" pitchFamily="18" charset="0"/>
-                <a:cs typeface="Courier New" panose="02070309020205020404" pitchFamily="49" charset="0"/>
-              </a:rPr>
-              <a:t>// and return the new </a:t>
-            </a:r>
-            <a:r>
-              <a:rPr lang="en-US" sz="2200" dirty="0" smtClean="0">
-                <a:latin typeface="Bodoni MT" panose="02070603080606020203" pitchFamily="18" charset="0"/>
-                <a:cs typeface="Courier New" panose="02070309020205020404" pitchFamily="49" charset="0"/>
-              </a:rPr>
-              <a:t>head</a:t>
-            </a:r>
-            <a:r>
-              <a:rPr lang="en-US" sz="2200" dirty="0" smtClean="0">
-                <a:latin typeface="Courier New" panose="02070309020205020404" pitchFamily="49" charset="0"/>
-                <a:cs typeface="Courier New" panose="02070309020205020404" pitchFamily="49" charset="0"/>
-              </a:rPr>
-              <a:t/>
-            </a:r>
-            <a:br>
-              <a:rPr lang="en-US" sz="2200" dirty="0" smtClean="0">
-                <a:latin typeface="Courier New" panose="02070309020205020404" pitchFamily="49" charset="0"/>
-                <a:cs typeface="Courier New" panose="02070309020205020404" pitchFamily="49" charset="0"/>
-              </a:rPr>
-            </a:br>
-            <a:r>
-              <a:rPr lang="en-US" sz="2200" dirty="0" smtClean="0">
-                <a:latin typeface="Courier New" panose="02070309020205020404" pitchFamily="49" charset="0"/>
-                <a:cs typeface="Courier New" panose="02070309020205020404" pitchFamily="49" charset="0"/>
-              </a:rPr>
-              <a:t>   }</a:t>
-            </a:r>
-            <a:endParaRPr lang="en-US" sz="2200" dirty="0">
-              <a:latin typeface="Courier New" panose="02070309020205020404" pitchFamily="49" charset="0"/>
-              <a:cs typeface="Courier New" panose="02070309020205020404" pitchFamily="49" charset="0"/>
-            </a:endParaRPr>
-          </a:p>
-          <a:p>
-            <a:pPr marL="0" indent="0">
-              <a:buNone/>
-            </a:pPr>
-            <a:r>
-              <a:rPr lang="en-US" sz="2200" dirty="0" smtClean="0">
-                <a:latin typeface="Courier New" panose="02070309020205020404" pitchFamily="49" charset="0"/>
-                <a:cs typeface="Courier New" panose="02070309020205020404" pitchFamily="49" charset="0"/>
-              </a:rPr>
-              <a:t>   new-</a:t>
-            </a:r>
-            <a:r>
-              <a:rPr lang="en-US" sz="2200" dirty="0">
-                <a:latin typeface="Courier New" panose="02070309020205020404" pitchFamily="49" charset="0"/>
-                <a:cs typeface="Courier New" panose="02070309020205020404" pitchFamily="49" charset="0"/>
-              </a:rPr>
-              <a:t>&gt;</a:t>
-            </a:r>
-            <a:r>
-              <a:rPr lang="en-US" sz="2200" dirty="0" smtClean="0">
-                <a:latin typeface="Courier New" panose="02070309020205020404" pitchFamily="49" charset="0"/>
-                <a:cs typeface="Courier New" panose="02070309020205020404" pitchFamily="49" charset="0"/>
-              </a:rPr>
-              <a:t>next=l;          </a:t>
-            </a:r>
-            <a:r>
-              <a:rPr lang="en-US" sz="2200" dirty="0" smtClean="0">
-                <a:latin typeface="Bodoni MT" panose="02070603080606020203" pitchFamily="18" charset="0"/>
-                <a:cs typeface="Courier New" panose="02070309020205020404" pitchFamily="49" charset="0"/>
-              </a:rPr>
-              <a:t> // now insert between p and l</a:t>
-            </a:r>
-            <a:r>
-              <a:rPr lang="en-US" sz="2200" dirty="0" smtClean="0">
-                <a:latin typeface="Courier New" panose="02070309020205020404" pitchFamily="49" charset="0"/>
-                <a:cs typeface="Courier New" panose="02070309020205020404" pitchFamily="49" charset="0"/>
-              </a:rPr>
-              <a:t/>
-            </a:r>
-            <a:br>
-              <a:rPr lang="en-US" sz="2200" dirty="0" smtClean="0">
-                <a:latin typeface="Courier New" panose="02070309020205020404" pitchFamily="49" charset="0"/>
-                <a:cs typeface="Courier New" panose="02070309020205020404" pitchFamily="49" charset="0"/>
-              </a:rPr>
-            </a:br>
-            <a:r>
-              <a:rPr lang="en-US" sz="2200" dirty="0" smtClean="0">
-                <a:latin typeface="Courier New" panose="02070309020205020404" pitchFamily="49" charset="0"/>
-                <a:cs typeface="Courier New" panose="02070309020205020404" pitchFamily="49" charset="0"/>
-              </a:rPr>
-              <a:t>   p-</a:t>
-            </a:r>
-            <a:r>
-              <a:rPr lang="en-US" sz="2200" dirty="0">
-                <a:latin typeface="Courier New" panose="02070309020205020404" pitchFamily="49" charset="0"/>
-                <a:cs typeface="Courier New" panose="02070309020205020404" pitchFamily="49" charset="0"/>
-              </a:rPr>
-              <a:t>&gt;next=new</a:t>
-            </a:r>
-            <a:r>
-              <a:rPr lang="en-US" sz="2200" dirty="0" smtClean="0">
-                <a:latin typeface="Courier New" panose="02070309020205020404" pitchFamily="49" charset="0"/>
-                <a:cs typeface="Courier New" panose="02070309020205020404" pitchFamily="49" charset="0"/>
-              </a:rPr>
-              <a:t>;</a:t>
-            </a:r>
-            <a:br>
-              <a:rPr lang="en-US" sz="2200" dirty="0" smtClean="0">
-                <a:latin typeface="Courier New" panose="02070309020205020404" pitchFamily="49" charset="0"/>
-                <a:cs typeface="Courier New" panose="02070309020205020404" pitchFamily="49" charset="0"/>
-              </a:rPr>
-            </a:br>
-            <a:r>
-              <a:rPr lang="en-US" sz="2200" dirty="0" smtClean="0">
-                <a:latin typeface="Courier New" panose="02070309020205020404" pitchFamily="49" charset="0"/>
-                <a:cs typeface="Courier New" panose="02070309020205020404" pitchFamily="49" charset="0"/>
-              </a:rPr>
-              <a:t>   return </a:t>
-            </a:r>
-            <a:r>
-              <a:rPr lang="en-US" sz="2200" dirty="0">
-                <a:latin typeface="Courier New" panose="02070309020205020404" pitchFamily="49" charset="0"/>
-                <a:cs typeface="Courier New" panose="02070309020205020404" pitchFamily="49" charset="0"/>
-              </a:rPr>
-              <a:t>head</a:t>
-            </a:r>
-            <a:r>
-              <a:rPr lang="en-US" sz="2200" dirty="0" smtClean="0">
-                <a:latin typeface="Courier New" panose="02070309020205020404" pitchFamily="49" charset="0"/>
-                <a:cs typeface="Courier New" panose="02070309020205020404" pitchFamily="49" charset="0"/>
-              </a:rPr>
-              <a:t>;                </a:t>
-            </a:r>
-            <a:r>
-              <a:rPr lang="en-US" sz="2200" dirty="0" smtClean="0">
-                <a:latin typeface="Bodoni MT" panose="02070603080606020203" pitchFamily="18" charset="0"/>
-                <a:cs typeface="Courier New" panose="02070309020205020404" pitchFamily="49" charset="0"/>
-              </a:rPr>
-              <a:t>// and return the old head</a:t>
-            </a:r>
-            <a:endParaRPr lang="en-US" sz="2200" dirty="0">
-              <a:latin typeface="Bodoni MT" panose="02070603080606020203" pitchFamily="18" charset="0"/>
-              <a:cs typeface="Courier New" panose="02070309020205020404" pitchFamily="49" charset="0"/>
-            </a:endParaRPr>
-          </a:p>
-          <a:p>
-            <a:pPr marL="0" indent="0">
-              <a:buNone/>
-            </a:pPr>
-            <a:r>
-              <a:rPr lang="en-US" sz="2200" dirty="0">
-                <a:latin typeface="Courier New" panose="02070309020205020404" pitchFamily="49" charset="0"/>
-                <a:cs typeface="Courier New" panose="02070309020205020404" pitchFamily="49" charset="0"/>
-              </a:rPr>
-              <a:t>}</a:t>
-            </a:r>
-          </a:p>
-        </p:txBody>
-      </p:sp>
-      <p:sp>
-        <p:nvSpPr>
-          <p:cNvPr id="5" name="TextBox 4"/>
-          <p:cNvSpPr txBox="1"/>
-          <p:nvPr/>
-        </p:nvSpPr>
-        <p:spPr>
-          <a:xfrm>
-            <a:off x="9059595" y="4991687"/>
-            <a:ext cx="3117648" cy="369332"/>
-          </a:xfrm>
-          <a:prstGeom prst="rect">
-            <a:avLst/>
-          </a:prstGeom>
-          <a:gradFill flip="none" rotWithShape="1">
-            <a:gsLst>
-              <a:gs pos="0">
-                <a:srgbClr val="FFFF00"/>
-              </a:gs>
-              <a:gs pos="100000">
-                <a:schemeClr val="bg1"/>
-              </a:gs>
-            </a:gsLst>
-            <a:lin ang="5400000" scaled="1"/>
-            <a:tileRect/>
-          </a:gradFill>
-        </p:spPr>
-        <p:txBody>
-          <a:bodyPr wrap="square" rtlCol="0">
-            <a:spAutoFit/>
-          </a:bodyPr>
-          <a:lstStyle/>
-          <a:p>
-            <a:endParaRPr lang="en-US" dirty="0"/>
-          </a:p>
-        </p:txBody>
-      </p:sp>
-      <p:sp>
-        <p:nvSpPr>
-          <p:cNvPr id="4" name="TextBox 3"/>
-          <p:cNvSpPr txBox="1"/>
-          <p:nvPr/>
-        </p:nvSpPr>
-        <p:spPr>
-          <a:xfrm>
-            <a:off x="9059595" y="5022165"/>
-            <a:ext cx="3117648" cy="646331"/>
-          </a:xfrm>
-          <a:prstGeom prst="rect">
-            <a:avLst/>
-          </a:prstGeom>
-          <a:gradFill flip="none" rotWithShape="1">
-            <a:gsLst>
-              <a:gs pos="0">
-                <a:srgbClr val="FFFF00"/>
-              </a:gs>
-              <a:gs pos="100000">
-                <a:schemeClr val="bg1"/>
-              </a:gs>
-            </a:gsLst>
-            <a:lin ang="5400000" scaled="1"/>
-            <a:tileRect/>
-          </a:gradFill>
-        </p:spPr>
-        <p:txBody>
-          <a:bodyPr wrap="none" rtlCol="0">
-            <a:spAutoFit/>
-          </a:bodyPr>
-          <a:lstStyle/>
-          <a:p>
-            <a:r>
-              <a:rPr lang="en-US" dirty="0" smtClean="0"/>
-              <a:t>Exercise:</a:t>
-            </a:r>
-            <a:br>
-              <a:rPr lang="en-US" dirty="0" smtClean="0"/>
-            </a:br>
-            <a:r>
-              <a:rPr lang="en-US" dirty="0" smtClean="0"/>
-              <a:t>Insert just before a given value.</a:t>
-            </a:r>
-            <a:endParaRPr lang="en-US" dirty="0"/>
-          </a:p>
-        </p:txBody>
-      </p:sp>
-    </p:spTree>
-    <p:extLst>
-      <p:ext uri="{BB962C8B-B14F-4D97-AF65-F5344CB8AC3E}">
-        <p14:creationId xmlns:p14="http://schemas.microsoft.com/office/powerpoint/2010/main" val="1510937364"/>
-      </p:ext>
-    </p:extLst>
-  </p:cSld>
-  <p:clrMapOvr>
-    <a:masterClrMapping/>
-  </p:clrMapOvr>
-  <p:timing>
-    <p:tnLst>
-      <p:par>
-        <p:cTn id="1" dur="indefinite" restart="never" nodeType="tmRoot">
-          <p:childTnLst>
-            <p:seq concurrent="1" nextAc="seek">
-              <p:cTn id="2" dur="indefinite" nodeType="mainSeq">
-                <p:childTnLst>
-                  <p:par>
-                    <p:cTn id="3" fill="hold">
-                      <p:stCondLst>
-                        <p:cond delay="indefinite"/>
-                      </p:stCondLst>
-                      <p:childTnLst>
-                        <p:par>
-                          <p:cTn id="4" fill="hold">
-                            <p:stCondLst>
-                              <p:cond delay="0"/>
-                            </p:stCondLst>
-                            <p:childTnLst>
-                              <p:par>
-                                <p:cTn id="5" presetID="1" presetClass="entr" presetSubtype="0" fill="hold" nodeType="clickEffect">
-                                  <p:stCondLst>
-                                    <p:cond delay="0"/>
-                                  </p:stCondLst>
-                                  <p:childTnLst>
-                                    <p:set>
-                                      <p:cBhvr>
-                                        <p:cTn id="6" dur="1" fill="hold">
-                                          <p:stCondLst>
-                                            <p:cond delay="0"/>
-                                          </p:stCondLst>
-                                        </p:cTn>
-                                        <p:tgtEl>
-                                          <p:spTgt spid="3">
-                                            <p:txEl>
-                                              <p:pRg st="1" end="1"/>
-                                            </p:txEl>
-                                          </p:spTgt>
-                                        </p:tgtEl>
-                                        <p:attrNameLst>
-                                          <p:attrName>style.visibility</p:attrName>
-                                        </p:attrNameLst>
-                                      </p:cBhvr>
-                                      <p:to>
-                                        <p:strVal val="visible"/>
-                                      </p:to>
-                                    </p:set>
-                                  </p:childTnLst>
-                                </p:cTn>
-                              </p:par>
-                            </p:childTnLst>
-                          </p:cTn>
-                        </p:par>
-                      </p:childTnLst>
-                    </p:cTn>
-                  </p:par>
-                  <p:par>
-                    <p:cTn id="7" fill="hold">
-                      <p:stCondLst>
-                        <p:cond delay="indefinite"/>
-                      </p:stCondLst>
-                      <p:childTnLst>
-                        <p:par>
-                          <p:cTn id="8" fill="hold">
-                            <p:stCondLst>
-                              <p:cond delay="0"/>
-                            </p:stCondLst>
-                            <p:childTnLst>
-                              <p:par>
-                                <p:cTn id="9" presetID="1" presetClass="entr" presetSubtype="0" fill="hold" nodeType="clickEffect">
-                                  <p:stCondLst>
-                                    <p:cond delay="0"/>
-                                  </p:stCondLst>
-                                  <p:childTnLst>
-                                    <p:set>
-                                      <p:cBhvr>
-                                        <p:cTn id="10" dur="1" fill="hold">
-                                          <p:stCondLst>
-                                            <p:cond delay="0"/>
-                                          </p:stCondLst>
-                                        </p:cTn>
-                                        <p:tgtEl>
-                                          <p:spTgt spid="3">
-                                            <p:txEl>
-                                              <p:pRg st="2" end="2"/>
-                                            </p:txEl>
-                                          </p:spTgt>
-                                        </p:tgtEl>
-                                        <p:attrNameLst>
-                                          <p:attrName>style.visibility</p:attrName>
-                                        </p:attrNameLst>
-                                      </p:cBhvr>
-                                      <p:to>
-                                        <p:strVal val="visible"/>
-                                      </p:to>
-                                    </p:set>
-                                  </p:childTnLst>
-                                </p:cTn>
-                              </p:par>
-                            </p:childTnLst>
-                          </p:cTn>
-                        </p:par>
-                      </p:childTnLst>
-                    </p:cTn>
-                  </p:par>
-                  <p:par>
-                    <p:cTn id="11" fill="hold">
-                      <p:stCondLst>
-                        <p:cond delay="indefinite"/>
-                      </p:stCondLst>
-                      <p:childTnLst>
-                        <p:par>
-                          <p:cTn id="12" fill="hold">
-                            <p:stCondLst>
-                              <p:cond delay="0"/>
-                            </p:stCondLst>
-                            <p:childTnLst>
-                              <p:par>
-                                <p:cTn id="13" presetID="1" presetClass="entr" presetSubtype="0" fill="hold" nodeType="clickEffect">
-                                  <p:stCondLst>
-                                    <p:cond delay="0"/>
-                                  </p:stCondLst>
-                                  <p:childTnLst>
-                                    <p:set>
-                                      <p:cBhvr>
-                                        <p:cTn id="14" dur="1" fill="hold">
-                                          <p:stCondLst>
-                                            <p:cond delay="0"/>
-                                          </p:stCondLst>
-                                        </p:cTn>
-                                        <p:tgtEl>
-                                          <p:spTgt spid="3">
-                                            <p:txEl>
-                                              <p:pRg st="3" end="3"/>
-                                            </p:txEl>
-                                          </p:spTgt>
-                                        </p:tgtEl>
-                                        <p:attrNameLst>
-                                          <p:attrName>style.visibility</p:attrName>
-                                        </p:attrNameLst>
-                                      </p:cBhvr>
-                                      <p:to>
-                                        <p:strVal val="visible"/>
-                                      </p:to>
-                                    </p:set>
-                                  </p:childTnLst>
-                                </p:cTn>
-                              </p:par>
-                            </p:childTnLst>
-                          </p:cTn>
-                        </p:par>
-                      </p:childTnLst>
-                    </p:cTn>
-                  </p:par>
-                  <p:par>
-                    <p:cTn id="15" fill="hold">
-                      <p:stCondLst>
-                        <p:cond delay="indefinite"/>
-                      </p:stCondLst>
-                      <p:childTnLst>
-                        <p:par>
-                          <p:cTn id="16" fill="hold">
-                            <p:stCondLst>
-                              <p:cond delay="0"/>
-                            </p:stCondLst>
-                            <p:childTnLst>
-                              <p:par>
-                                <p:cTn id="17" presetID="1" presetClass="entr" presetSubtype="0" fill="hold" nodeType="clickEffect">
-                                  <p:stCondLst>
-                                    <p:cond delay="0"/>
-                                  </p:stCondLst>
-                                  <p:childTnLst>
-                                    <p:set>
-                                      <p:cBhvr>
-                                        <p:cTn id="18" dur="1" fill="hold">
-                                          <p:stCondLst>
-                                            <p:cond delay="0"/>
-                                          </p:stCondLst>
-                                        </p:cTn>
-                                        <p:tgtEl>
-                                          <p:spTgt spid="3">
-                                            <p:txEl>
-                                              <p:pRg st="4" end="4"/>
-                                            </p:txEl>
-                                          </p:spTgt>
-                                        </p:tgtEl>
-                                        <p:attrNameLst>
-                                          <p:attrName>style.visibility</p:attrName>
-                                        </p:attrNameLst>
-                                      </p:cBhvr>
-                                      <p:to>
-                                        <p:strVal val="visible"/>
-                                      </p:to>
-                                    </p:set>
-                                  </p:childTnLst>
-                                </p:cTn>
-                              </p:par>
-                            </p:childTnLst>
-                          </p:cTn>
-                        </p:par>
-                      </p:childTnLst>
-                    </p:cTn>
-                  </p:par>
-                  <p:par>
-                    <p:cTn id="19" fill="hold">
-                      <p:stCondLst>
-                        <p:cond delay="indefinite"/>
-                      </p:stCondLst>
-                      <p:childTnLst>
-                        <p:par>
-                          <p:cTn id="20" fill="hold">
-                            <p:stCondLst>
-                              <p:cond delay="0"/>
-                            </p:stCondLst>
-                            <p:childTnLst>
-                              <p:par>
-                                <p:cTn id="21" presetID="1" presetClass="entr" presetSubtype="0" fill="hold" nodeType="clickEffect">
-                                  <p:stCondLst>
-                                    <p:cond delay="0"/>
-                                  </p:stCondLst>
-                                  <p:childTnLst>
-                                    <p:set>
-                                      <p:cBhvr>
-                                        <p:cTn id="22" dur="1" fill="hold">
-                                          <p:stCondLst>
-                                            <p:cond delay="0"/>
-                                          </p:stCondLst>
-                                        </p:cTn>
-                                        <p:tgtEl>
-                                          <p:spTgt spid="3">
-                                            <p:txEl>
-                                              <p:pRg st="5" end="5"/>
-                                            </p:txEl>
-                                          </p:spTgt>
-                                        </p:tgtEl>
-                                        <p:attrNameLst>
-                                          <p:attrName>style.visibility</p:attrName>
-                                        </p:attrNameLst>
-                                      </p:cBhvr>
-                                      <p:to>
-                                        <p:strVal val="visible"/>
-                                      </p:to>
-                                    </p:set>
-                                  </p:childTnLst>
-                                </p:cTn>
-                              </p:par>
-                            </p:childTnLst>
-                          </p:cTn>
-                        </p:par>
-                      </p:childTnLst>
-                    </p:cTn>
-                  </p:par>
-                  <p:par>
-                    <p:cTn id="23" fill="hold">
-                      <p:stCondLst>
-                        <p:cond delay="indefinite"/>
-                      </p:stCondLst>
-                      <p:childTnLst>
-                        <p:par>
-                          <p:cTn id="24" fill="hold">
-                            <p:stCondLst>
-                              <p:cond delay="0"/>
-                            </p:stCondLst>
-                            <p:childTnLst>
-                              <p:par>
-                                <p:cTn id="25" presetID="1" presetClass="entr" presetSubtype="0" fill="hold" grpId="0" nodeType="clickEffect">
-                                  <p:stCondLst>
-                                    <p:cond delay="0"/>
-                                  </p:stCondLst>
-                                  <p:childTnLst>
-                                    <p:set>
-                                      <p:cBhvr>
-                                        <p:cTn id="26" dur="1" fill="hold">
-                                          <p:stCondLst>
-                                            <p:cond delay="0"/>
-                                          </p:stCondLst>
-                                        </p:cTn>
-                                        <p:tgtEl>
-                                          <p:spTgt spid="4"/>
-                                        </p:tgtEl>
-                                        <p:attrNameLst>
-                                          <p:attrName>style.visibility</p:attrName>
-                                        </p:attrNameLst>
-                                      </p:cBhvr>
-                                      <p:to>
-                                        <p:strVal val="visible"/>
-                                      </p:to>
-                                    </p:set>
-                                  </p:childTnLst>
-                                </p:cTn>
-                              </p:par>
-                            </p:childTnLst>
-                          </p:cTn>
-                        </p:par>
-                      </p:childTnLst>
-                    </p:cTn>
-                  </p:par>
-                </p:childTnLst>
-              </p:cTn>
-              <p:prevCondLst>
-                <p:cond evt="onPrev" delay="0">
-                  <p:tgtEl>
-                    <p:sldTgt/>
-                  </p:tgtEl>
-                </p:cond>
-              </p:prevCondLst>
-              <p:nextCondLst>
-                <p:cond evt="onNext" delay="0">
-                  <p:tgtEl>
-                    <p:sldTgt/>
-                  </p:tgtEl>
-                </p:cond>
-              </p:nextCondLst>
-            </p:seq>
-          </p:childTnLst>
-        </p:cTn>
-      </p:par>
-    </p:tnLst>
-    <p:bldLst>
-      <p:bldP spid="4" grpId="0" animBg="1"/>
-    </p:bldLst>
-  </p:timing>
-</p:sld>
-</file>
-
 <file path=ppt/theme/theme1.xml><?xml version="1.0" encoding="utf-8"?>
 <a:theme xmlns:a="http://schemas.openxmlformats.org/drawingml/2006/main" name="Office Theme">
   <a:themeElements>

--- a/slides/14-LinkedLists.pptx
+++ b/slides/14-LinkedLists.pptx
@@ -257,7 +257,7 @@
           <a:p>
             <a:fld id="{0D8D7A85-C680-4D97-8E7A-1E039B1638C1}" type="datetimeFigureOut">
               <a:rPr lang="en-US" smtClean="0"/>
-              <a:t>11/20/2023</a:t>
+              <a:t>11/21/2023</a:t>
             </a:fld>
             <a:endParaRPr lang="en-US"/>
           </a:p>
@@ -427,7 +427,7 @@
           <a:p>
             <a:fld id="{0D8D7A85-C680-4D97-8E7A-1E039B1638C1}" type="datetimeFigureOut">
               <a:rPr lang="en-US" smtClean="0"/>
-              <a:t>11/20/2023</a:t>
+              <a:t>11/21/2023</a:t>
             </a:fld>
             <a:endParaRPr lang="en-US"/>
           </a:p>
@@ -607,7 +607,7 @@
           <a:p>
             <a:fld id="{0D8D7A85-C680-4D97-8E7A-1E039B1638C1}" type="datetimeFigureOut">
               <a:rPr lang="en-US" smtClean="0"/>
-              <a:t>11/20/2023</a:t>
+              <a:t>11/21/2023</a:t>
             </a:fld>
             <a:endParaRPr lang="en-US"/>
           </a:p>
@@ -777,7 +777,7 @@
           <a:p>
             <a:fld id="{0D8D7A85-C680-4D97-8E7A-1E039B1638C1}" type="datetimeFigureOut">
               <a:rPr lang="en-US" smtClean="0"/>
-              <a:t>11/20/2023</a:t>
+              <a:t>11/21/2023</a:t>
             </a:fld>
             <a:endParaRPr lang="en-US"/>
           </a:p>
@@ -1023,7 +1023,7 @@
           <a:p>
             <a:fld id="{0D8D7A85-C680-4D97-8E7A-1E039B1638C1}" type="datetimeFigureOut">
               <a:rPr lang="en-US" smtClean="0"/>
-              <a:t>11/20/2023</a:t>
+              <a:t>11/21/2023</a:t>
             </a:fld>
             <a:endParaRPr lang="en-US"/>
           </a:p>
@@ -1255,7 +1255,7 @@
           <a:p>
             <a:fld id="{0D8D7A85-C680-4D97-8E7A-1E039B1638C1}" type="datetimeFigureOut">
               <a:rPr lang="en-US" smtClean="0"/>
-              <a:t>11/20/2023</a:t>
+              <a:t>11/21/2023</a:t>
             </a:fld>
             <a:endParaRPr lang="en-US"/>
           </a:p>
@@ -1622,7 +1622,7 @@
           <a:p>
             <a:fld id="{0D8D7A85-C680-4D97-8E7A-1E039B1638C1}" type="datetimeFigureOut">
               <a:rPr lang="en-US" smtClean="0"/>
-              <a:t>11/20/2023</a:t>
+              <a:t>11/21/2023</a:t>
             </a:fld>
             <a:endParaRPr lang="en-US"/>
           </a:p>
@@ -1740,7 +1740,7 @@
           <a:p>
             <a:fld id="{0D8D7A85-C680-4D97-8E7A-1E039B1638C1}" type="datetimeFigureOut">
               <a:rPr lang="en-US" smtClean="0"/>
-              <a:t>11/20/2023</a:t>
+              <a:t>11/21/2023</a:t>
             </a:fld>
             <a:endParaRPr lang="en-US"/>
           </a:p>
@@ -1835,7 +1835,7 @@
           <a:p>
             <a:fld id="{0D8D7A85-C680-4D97-8E7A-1E039B1638C1}" type="datetimeFigureOut">
               <a:rPr lang="en-US" smtClean="0"/>
-              <a:t>11/20/2023</a:t>
+              <a:t>11/21/2023</a:t>
             </a:fld>
             <a:endParaRPr lang="en-US"/>
           </a:p>
@@ -2112,7 +2112,7 @@
           <a:p>
             <a:fld id="{0D8D7A85-C680-4D97-8E7A-1E039B1638C1}" type="datetimeFigureOut">
               <a:rPr lang="en-US" smtClean="0"/>
-              <a:t>11/20/2023</a:t>
+              <a:t>11/21/2023</a:t>
             </a:fld>
             <a:endParaRPr lang="en-US"/>
           </a:p>
@@ -2365,7 +2365,7 @@
           <a:p>
             <a:fld id="{0D8D7A85-C680-4D97-8E7A-1E039B1638C1}" type="datetimeFigureOut">
               <a:rPr lang="en-US" smtClean="0"/>
-              <a:t>11/20/2023</a:t>
+              <a:t>11/21/2023</a:t>
             </a:fld>
             <a:endParaRPr lang="en-US"/>
           </a:p>
@@ -2578,7 +2578,7 @@
           <a:p>
             <a:fld id="{0D8D7A85-C680-4D97-8E7A-1E039B1638C1}" type="datetimeFigureOut">
               <a:rPr lang="en-US" smtClean="0"/>
-              <a:t>11/20/2023</a:t>
+              <a:t>11/21/2023</a:t>
             </a:fld>
             <a:endParaRPr lang="en-US"/>
           </a:p>
@@ -11729,55 +11729,112 @@
               <a:t>We will use the  </a:t>
             </a:r>
             <a:r>
+              <a:rPr lang="en-US" i="1" smtClean="0">
+                <a:latin typeface="Garamond" panose="02020404030301010803" pitchFamily="18" charset="0"/>
+              </a:rPr>
+              <a:t>variable </a:t>
+            </a:r>
+            <a:r>
+              <a:rPr lang="en-US" i="1" smtClean="0">
+                <a:latin typeface="Garamond" panose="02020404030301010803" pitchFamily="18" charset="0"/>
+              </a:rPr>
+              <a:t> </a:t>
+            </a:r>
+            <a:r>
+              <a:rPr lang="en-US" smtClean="0"/>
+              <a:t>named</a:t>
+            </a:r>
+            <a:r>
+              <a:rPr lang="en-US" smtClean="0">
+                <a:latin typeface="Courier New" panose="02070309020205020404" pitchFamily="49" charset="0"/>
+                <a:cs typeface="Courier New" panose="02070309020205020404" pitchFamily="49" charset="0"/>
+              </a:rPr>
+              <a:t>  head  </a:t>
+            </a:r>
+            <a:r>
+              <a:rPr lang="en-US" smtClean="0"/>
+              <a:t>to </a:t>
+            </a:r>
+            <a:r>
+              <a:rPr lang="en-US" dirty="0" smtClean="0"/>
+              <a:t>be a pointer to the </a:t>
+            </a:r>
+            <a:r>
+              <a:rPr lang="en-US" b="1" dirty="0" smtClean="0"/>
+              <a:t>head node</a:t>
+            </a:r>
+            <a:r>
+              <a:rPr lang="en-US" dirty="0" smtClean="0"/>
+              <a:t> of the list. </a:t>
+            </a:r>
+            <a:endParaRPr lang="en-US" dirty="0" smtClean="0"/>
+          </a:p>
+          <a:p>
+            <a:r>
               <a:rPr lang="en-US" i="1" dirty="0" smtClean="0">
                 <a:latin typeface="Garamond" panose="02020404030301010803" pitchFamily="18" charset="0"/>
               </a:rPr>
-              <a:t>variable </a:t>
-            </a:r>
-            <a:r>
-              <a:rPr lang="en-US" dirty="0" smtClean="0"/>
-              <a:t>named</a:t>
-            </a:r>
-            <a:r>
-              <a:rPr lang="en-US" dirty="0" smtClean="0">
-                <a:latin typeface="Courier New" panose="02070309020205020404" pitchFamily="49" charset="0"/>
-                <a:cs typeface="Courier New" panose="02070309020205020404" pitchFamily="49" charset="0"/>
-              </a:rPr>
-              <a:t> head </a:t>
-            </a:r>
-            <a:r>
-              <a:rPr lang="en-US" dirty="0" smtClean="0"/>
-              <a:t>to be a pointer to the head node of the list. </a:t>
+              <a:t>Note: the </a:t>
             </a:r>
             <a:r>
               <a:rPr lang="en-US" i="1" dirty="0" smtClean="0">
                 <a:latin typeface="Garamond" panose="02020404030301010803" pitchFamily="18" charset="0"/>
               </a:rPr>
-              <a:t>Note that the variable head is itself not a node, but a </a:t>
+              <a:t>variable</a:t>
+            </a:r>
+            <a:r>
+              <a:rPr lang="en-US" dirty="0" smtClean="0">
+                <a:latin typeface="Courier New" panose="02070309020205020404" pitchFamily="49" charset="0"/>
+                <a:cs typeface="Courier New" panose="02070309020205020404" pitchFamily="49" charset="0"/>
+              </a:rPr>
+              <a:t> </a:t>
+            </a:r>
+            <a:r>
+              <a:rPr lang="en-US" dirty="0" smtClean="0">
+                <a:latin typeface="Courier New" panose="02070309020205020404" pitchFamily="49" charset="0"/>
+                <a:cs typeface="Courier New" panose="02070309020205020404" pitchFamily="49" charset="0"/>
+              </a:rPr>
+              <a:t> head  </a:t>
+            </a:r>
+            <a:r>
+              <a:rPr lang="en-US" i="1" dirty="0" smtClean="0">
+                <a:latin typeface="Garamond" panose="02020404030301010803" pitchFamily="18" charset="0"/>
+              </a:rPr>
+              <a:t>is </a:t>
+            </a:r>
+            <a:r>
+              <a:rPr lang="en-US" i="1" dirty="0" smtClean="0">
+                <a:latin typeface="Garamond" panose="02020404030301010803" pitchFamily="18" charset="0"/>
+              </a:rPr>
+              <a:t>itself </a:t>
             </a:r>
             <a:r>
               <a:rPr lang="en-US" b="1" i="1" dirty="0" smtClean="0">
                 <a:latin typeface="Garamond" panose="02020404030301010803" pitchFamily="18" charset="0"/>
               </a:rPr>
-              <a:t>pointer</a:t>
+              <a:t>not a node</a:t>
             </a:r>
             <a:r>
               <a:rPr lang="en-US" i="1" dirty="0" smtClean="0">
                 <a:latin typeface="Garamond" panose="02020404030301010803" pitchFamily="18" charset="0"/>
               </a:rPr>
-              <a:t> to the </a:t>
+              <a:t>, but a </a:t>
             </a:r>
             <a:r>
               <a:rPr lang="en-US" b="1" i="1" dirty="0" smtClean="0">
                 <a:latin typeface="Garamond" panose="02020404030301010803" pitchFamily="18" charset="0"/>
               </a:rPr>
-              <a:t>head</a:t>
+              <a:t>pointer</a:t>
             </a:r>
             <a:r>
               <a:rPr lang="en-US" i="1" dirty="0" smtClean="0">
                 <a:latin typeface="Garamond" panose="02020404030301010803" pitchFamily="18" charset="0"/>
               </a:rPr>
-              <a:t> node</a:t>
+              <a:t> to the </a:t>
+            </a:r>
+            <a:r>
+              <a:rPr lang="en-US" b="1" dirty="0" smtClean="0"/>
+              <a:t>head node</a:t>
             </a:r>
             <a:r>
               <a:rPr lang="en-US" dirty="0" smtClean="0"/>
@@ -12068,7 +12125,7 @@
         </p:nvGrpSpPr>
         <p:grpSpPr>
           <a:xfrm>
-            <a:off x="4535157" y="3362627"/>
+            <a:off x="5308881" y="1688572"/>
             <a:ext cx="1448972" cy="858130"/>
             <a:chOff x="4535157" y="3362627"/>
             <a:chExt cx="1448972" cy="858130"/>
@@ -12248,7 +12305,7 @@
         </p:nvGrpSpPr>
         <p:grpSpPr>
           <a:xfrm>
-            <a:off x="5633218" y="3425238"/>
+            <a:off x="6406942" y="1751183"/>
             <a:ext cx="2383459" cy="858130"/>
             <a:chOff x="5633218" y="3425238"/>
             <a:chExt cx="2383459" cy="858130"/>
@@ -12468,7 +12525,7 @@
         </p:nvGrpSpPr>
         <p:grpSpPr>
           <a:xfrm>
-            <a:off x="7729057" y="3376066"/>
+            <a:off x="8502781" y="1702011"/>
             <a:ext cx="2383459" cy="858130"/>
             <a:chOff x="5633218" y="3425238"/>
             <a:chExt cx="2383459" cy="858130"/>
@@ -12687,7 +12744,7 @@
         </p:nvGrpSpPr>
         <p:grpSpPr>
           <a:xfrm>
-            <a:off x="8689079" y="3937656"/>
+            <a:off x="9462803" y="2263601"/>
             <a:ext cx="1448972" cy="1411886"/>
             <a:chOff x="6567705" y="2871482"/>
             <a:chExt cx="1448972" cy="1411886"/>
@@ -12907,7 +12964,7 @@
         </p:nvGrpSpPr>
         <p:grpSpPr>
           <a:xfrm>
-            <a:off x="8677611" y="5161121"/>
+            <a:off x="9451335" y="3487066"/>
             <a:ext cx="1448972" cy="1321944"/>
             <a:chOff x="6567705" y="2961424"/>
             <a:chExt cx="1448972" cy="1321944"/>
@@ -13125,19 +13182,16 @@
           <p:nvPr/>
         </p:nvCxnSpPr>
         <p:spPr>
-          <a:xfrm>
-            <a:off x="9545906" y="6309258"/>
-            <a:ext cx="1378857" cy="12700"/>
+          <a:xfrm flipV="1">
+            <a:off x="10322811" y="4607295"/>
+            <a:ext cx="765712" cy="27908"/>
           </a:xfrm>
           <a:prstGeom prst="curvedConnector3">
             <a:avLst/>
           </a:prstGeom>
           <a:ln w="38100">
             <a:solidFill>
-              <a:schemeClr val="tx1">
-                <a:lumMod val="85000"/>
-                <a:lumOff val="15000"/>
-              </a:schemeClr>
+              <a:schemeClr val="accent1"/>
             </a:solidFill>
             <a:tailEnd type="triangle"/>
           </a:ln>
@@ -13165,13 +13219,18 @@
         </p:nvSpPr>
         <p:spPr>
           <a:xfrm>
-            <a:off x="10913877" y="6137292"/>
-            <a:ext cx="840295" cy="461665"/>
+            <a:off x="11140758" y="4423879"/>
+            <a:ext cx="922047" cy="461665"/>
           </a:xfrm>
           <a:prstGeom prst="rect">
             <a:avLst/>
           </a:prstGeom>
           <a:noFill/>
+          <a:ln>
+            <a:solidFill>
+              <a:schemeClr val="accent1"/>
+            </a:solidFill>
+          </a:ln>
         </p:spPr>
         <p:txBody>
           <a:bodyPr wrap="none" rtlCol="0">
@@ -13180,10 +13239,38 @@
           <a:lstStyle/>
           <a:p>
             <a:r>
-              <a:rPr lang="en-US" sz="2400" dirty="0" smtClean="0"/>
+              <a:rPr lang="en-US" sz="2400" dirty="0" smtClean="0">
+                <a:ln w="0"/>
+                <a:solidFill>
+                  <a:schemeClr val="accent1"/>
+                </a:solidFill>
+                <a:effectLst>
+                  <a:outerShdw blurRad="38100" dist="25400" dir="5400000" algn="ctr" rotWithShape="0">
+                    <a:srgbClr val="6E747A">
+                      <a:alpha val="43000"/>
+                    </a:srgbClr>
+                  </a:outerShdw>
+                </a:effectLst>
+                <a:latin typeface="Courier New" panose="02070309020205020404" pitchFamily="49" charset="0"/>
+                <a:cs typeface="Courier New" panose="02070309020205020404" pitchFamily="49" charset="0"/>
+              </a:rPr>
               <a:t>NULL</a:t>
             </a:r>
-            <a:endParaRPr lang="en-US" sz="2400" dirty="0"/>
+            <a:endParaRPr lang="en-US" sz="2400" dirty="0">
+              <a:ln w="0"/>
+              <a:solidFill>
+                <a:schemeClr val="accent1"/>
+              </a:solidFill>
+              <a:effectLst>
+                <a:outerShdw blurRad="38100" dist="25400" dir="5400000" algn="ctr" rotWithShape="0">
+                  <a:srgbClr val="6E747A">
+                    <a:alpha val="43000"/>
+                  </a:srgbClr>
+                </a:outerShdw>
+              </a:effectLst>
+              <a:latin typeface="Courier New" panose="02070309020205020404" pitchFamily="49" charset="0"/>
+              <a:cs typeface="Courier New" panose="02070309020205020404" pitchFamily="49" charset="0"/>
+            </a:endParaRPr>
           </a:p>
         </p:txBody>
       </p:sp>
@@ -13195,7 +13282,7 @@
         </p:nvSpPr>
         <p:spPr>
           <a:xfrm>
-            <a:off x="7712001" y="2026720"/>
+            <a:off x="8485725" y="352665"/>
             <a:ext cx="1480457" cy="362858"/>
           </a:xfrm>
           <a:prstGeom prst="rect">
@@ -13242,7 +13329,7 @@
         </p:nvSpPr>
         <p:spPr>
           <a:xfrm>
-            <a:off x="7091789" y="1926638"/>
+            <a:off x="7865513" y="252583"/>
             <a:ext cx="1552838" cy="369332"/>
           </a:xfrm>
           <a:prstGeom prst="rect">
@@ -13276,7 +13363,7 @@
         </p:nvSpPr>
         <p:spPr>
           <a:xfrm>
-            <a:off x="4311771" y="2278743"/>
+            <a:off x="5085495" y="604688"/>
             <a:ext cx="3525943" cy="1059543"/>
           </a:xfrm>
           <a:custGeom>
@@ -13359,7 +13446,7 @@
         </p:nvGrpSpPr>
         <p:grpSpPr>
           <a:xfrm>
-            <a:off x="4409102" y="5315234"/>
+            <a:off x="5182826" y="3641179"/>
             <a:ext cx="1964344" cy="434313"/>
             <a:chOff x="4409102" y="5315234"/>
             <a:chExt cx="1964344" cy="434313"/>
@@ -13452,7 +13539,7 @@
         </p:nvCxnSpPr>
         <p:spPr>
           <a:xfrm flipV="1">
-            <a:off x="5694170" y="4306556"/>
+            <a:off x="6467894" y="2632501"/>
             <a:ext cx="2943584" cy="1215720"/>
           </a:xfrm>
           <a:prstGeom prst="straightConnector1">
@@ -13491,8 +13578,8 @@
         </p:nvSpPr>
         <p:spPr>
           <a:xfrm>
-            <a:off x="7130957" y="1641768"/>
-            <a:ext cx="2067159" cy="369332"/>
+            <a:off x="7904681" y="-32287"/>
+            <a:ext cx="2638200" cy="369332"/>
           </a:xfrm>
           <a:prstGeom prst="rect">
             <a:avLst/>
@@ -13510,14 +13597,23 @@
               <a:t>type: </a:t>
             </a:r>
             <a:r>
-              <a:rPr lang="en-US" dirty="0" err="1" smtClean="0"/>
+              <a:rPr lang="en-US" dirty="0" err="1" smtClean="0">
+                <a:latin typeface="Courier New" panose="02070309020205020404" pitchFamily="49" charset="0"/>
+                <a:cs typeface="Courier New" panose="02070309020205020404" pitchFamily="49" charset="0"/>
+              </a:rPr>
               <a:t>struct</a:t>
             </a:r>
             <a:r>
-              <a:rPr lang="en-US" dirty="0" smtClean="0"/>
+              <a:rPr lang="en-US" dirty="0" smtClean="0">
+                <a:latin typeface="Courier New" panose="02070309020205020404" pitchFamily="49" charset="0"/>
+                <a:cs typeface="Courier New" panose="02070309020205020404" pitchFamily="49" charset="0"/>
+              </a:rPr>
               <a:t> node *</a:t>
             </a:r>
-            <a:endParaRPr lang="en-US" dirty="0"/>
+            <a:endParaRPr lang="en-US" dirty="0">
+              <a:latin typeface="Courier New" panose="02070309020205020404" pitchFamily="49" charset="0"/>
+              <a:cs typeface="Courier New" panose="02070309020205020404" pitchFamily="49" charset="0"/>
+            </a:endParaRPr>
           </a:p>
         </p:txBody>
       </p:sp>
@@ -13529,8 +13625,8 @@
         </p:nvSpPr>
         <p:spPr>
           <a:xfrm>
-            <a:off x="3878975" y="5733123"/>
-            <a:ext cx="2067159" cy="369332"/>
+            <a:off x="4652699" y="4059068"/>
+            <a:ext cx="2494471" cy="369332"/>
           </a:xfrm>
           <a:prstGeom prst="rect">
             <a:avLst/>
@@ -13548,14 +13644,23 @@
               <a:t>type: </a:t>
             </a:r>
             <a:r>
-              <a:rPr lang="en-US" dirty="0" err="1" smtClean="0"/>
+              <a:rPr lang="en-US" dirty="0" err="1" smtClean="0">
+                <a:latin typeface="Courier New" panose="02070309020205020404" pitchFamily="49" charset="0"/>
+                <a:cs typeface="Courier New" panose="02070309020205020404" pitchFamily="49" charset="0"/>
+              </a:rPr>
               <a:t>struct</a:t>
             </a:r>
             <a:r>
-              <a:rPr lang="en-US" dirty="0" smtClean="0"/>
+              <a:rPr lang="en-US" dirty="0" smtClean="0">
+                <a:latin typeface="Courier New" panose="02070309020205020404" pitchFamily="49" charset="0"/>
+                <a:cs typeface="Courier New" panose="02070309020205020404" pitchFamily="49" charset="0"/>
+              </a:rPr>
               <a:t> node *</a:t>
             </a:r>
-            <a:endParaRPr lang="en-US" dirty="0"/>
+            <a:endParaRPr lang="en-US" dirty="0">
+              <a:latin typeface="Courier New" panose="02070309020205020404" pitchFamily="49" charset="0"/>
+              <a:cs typeface="Courier New" panose="02070309020205020404" pitchFamily="49" charset="0"/>
+            </a:endParaRPr>
           </a:p>
         </p:txBody>
       </p:sp>
@@ -13567,8 +13672,8 @@
         </p:nvSpPr>
         <p:spPr>
           <a:xfrm>
-            <a:off x="4554674" y="2998855"/>
-            <a:ext cx="2067159" cy="369332"/>
+            <a:off x="5328398" y="1324800"/>
+            <a:ext cx="2537115" cy="369332"/>
           </a:xfrm>
           <a:prstGeom prst="rect">
             <a:avLst/>
@@ -13583,17 +13688,33 @@
           <a:p>
             <a:r>
               <a:rPr lang="en-US" dirty="0" smtClean="0"/>
-              <a:t>type: </a:t>
-            </a:r>
-            <a:r>
-              <a:rPr lang="en-US" dirty="0" err="1" smtClean="0"/>
+              <a:t>type</a:t>
+            </a:r>
+            <a:r>
+              <a:rPr lang="en-US" dirty="0" smtClean="0">
+                <a:latin typeface="Courier New" panose="02070309020205020404" pitchFamily="49" charset="0"/>
+                <a:cs typeface="Courier New" panose="02070309020205020404" pitchFamily="49" charset="0"/>
+              </a:rPr>
+              <a:t>: </a:t>
+            </a:r>
+            <a:r>
+              <a:rPr lang="en-US" dirty="0" err="1" smtClean="0">
+                <a:latin typeface="Courier New" panose="02070309020205020404" pitchFamily="49" charset="0"/>
+                <a:cs typeface="Courier New" panose="02070309020205020404" pitchFamily="49" charset="0"/>
+              </a:rPr>
               <a:t>struct</a:t>
             </a:r>
             <a:r>
-              <a:rPr lang="en-US" dirty="0" smtClean="0"/>
+              <a:rPr lang="en-US" dirty="0" smtClean="0">
+                <a:latin typeface="Courier New" panose="02070309020205020404" pitchFamily="49" charset="0"/>
+                <a:cs typeface="Courier New" panose="02070309020205020404" pitchFamily="49" charset="0"/>
+              </a:rPr>
               <a:t> node</a:t>
             </a:r>
-            <a:endParaRPr lang="en-US" dirty="0"/>
+            <a:endParaRPr lang="en-US" dirty="0">
+              <a:latin typeface="Courier New" panose="02070309020205020404" pitchFamily="49" charset="0"/>
+              <a:cs typeface="Courier New" panose="02070309020205020404" pitchFamily="49" charset="0"/>
+            </a:endParaRPr>
           </a:p>
         </p:txBody>
       </p:sp>
@@ -13605,8 +13726,8 @@
         </p:nvSpPr>
         <p:spPr>
           <a:xfrm>
-            <a:off x="4036566" y="3439982"/>
-            <a:ext cx="1076370" cy="646331"/>
+            <a:off x="4766747" y="1780441"/>
+            <a:ext cx="1570095" cy="646331"/>
           </a:xfrm>
           <a:prstGeom prst="rect">
             <a:avLst/>
@@ -13620,15 +13741,14 @@
           <a:lstStyle/>
           <a:p>
             <a:r>
-              <a:rPr lang="en-US" dirty="0"/>
-              <a:t>f</a:t>
-            </a:r>
-            <a:r>
               <a:rPr lang="en-US" dirty="0" smtClean="0"/>
-              <a:t>ield: </a:t>
-            </a:r>
-            <a:r>
-              <a:rPr lang="en-US" dirty="0" err="1" smtClean="0"/>
+              <a:t>field: </a:t>
+            </a:r>
+            <a:r>
+              <a:rPr lang="en-US" dirty="0" err="1" smtClean="0">
+                <a:latin typeface="Courier New" panose="02070309020205020404" pitchFamily="49" charset="0"/>
+                <a:cs typeface="Courier New" panose="02070309020205020404" pitchFamily="49" charset="0"/>
+              </a:rPr>
               <a:t>val</a:t>
             </a:r>
             <a:r>
@@ -13639,10 +13759,24 @@
               <a:rPr lang="en-US" dirty="0" smtClean="0"/>
             </a:br>
             <a:r>
-              <a:rPr lang="en-US" dirty="0" err="1" smtClean="0"/>
-              <a:t>field:next</a:t>
-            </a:r>
-            <a:endParaRPr lang="en-US" dirty="0"/>
+              <a:rPr lang="en-US" dirty="0" smtClean="0"/>
+              <a:t>field</a:t>
+            </a:r>
+            <a:r>
+              <a:rPr lang="en-US" dirty="0" smtClean="0"/>
+              <a:t>: </a:t>
+            </a:r>
+            <a:r>
+              <a:rPr lang="en-US" dirty="0" smtClean="0">
+                <a:latin typeface="Courier New" panose="02070309020205020404" pitchFamily="49" charset="0"/>
+                <a:cs typeface="Courier New" panose="02070309020205020404" pitchFamily="49" charset="0"/>
+              </a:rPr>
+              <a:t>next</a:t>
+            </a:r>
+            <a:endParaRPr lang="en-US" dirty="0">
+              <a:latin typeface="Courier New" panose="02070309020205020404" pitchFamily="49" charset="0"/>
+              <a:cs typeface="Courier New" panose="02070309020205020404" pitchFamily="49" charset="0"/>
+            </a:endParaRPr>
           </a:p>
         </p:txBody>
       </p:sp>
@@ -13673,9 +13807,500 @@
                 <a:latin typeface="Courier New" panose="02070309020205020404" pitchFamily="49" charset="0"/>
                 <a:cs typeface="Courier New" panose="02070309020205020404" pitchFamily="49" charset="0"/>
               </a:rPr>
-              <a:t>l = head-&gt;next-&gt;next -&gt; next;</a:t>
+              <a:t>l = head-&gt;next-&gt;</a:t>
+            </a:r>
+            <a:r>
+              <a:rPr lang="en-US" dirty="0" smtClean="0">
+                <a:latin typeface="Courier New" panose="02070309020205020404" pitchFamily="49" charset="0"/>
+                <a:cs typeface="Courier New" panose="02070309020205020404" pitchFamily="49" charset="0"/>
+              </a:rPr>
+              <a:t>next;</a:t>
             </a:r>
             <a:endParaRPr lang="en-US" dirty="0"/>
+          </a:p>
+        </p:txBody>
+      </p:sp>
+      <p:grpSp>
+        <p:nvGrpSpPr>
+          <p:cNvPr id="54" name="Group 53"/>
+          <p:cNvGrpSpPr/>
+          <p:nvPr/>
+        </p:nvGrpSpPr>
+        <p:grpSpPr>
+          <a:xfrm>
+            <a:off x="5308881" y="5753672"/>
+            <a:ext cx="5958638" cy="796535"/>
+            <a:chOff x="5295516" y="5749610"/>
+            <a:chExt cx="5958638" cy="796535"/>
+          </a:xfrm>
+        </p:grpSpPr>
+        <p:sp>
+          <p:nvSpPr>
+            <p:cNvPr id="5" name="TextBox 4"/>
+            <p:cNvSpPr txBox="1"/>
+            <p:nvPr/>
+          </p:nvSpPr>
+          <p:spPr>
+            <a:xfrm>
+              <a:off x="5295516" y="5749610"/>
+              <a:ext cx="945048" cy="369332"/>
+            </a:xfrm>
+            <a:prstGeom prst="rect">
+              <a:avLst/>
+            </a:prstGeom>
+            <a:noFill/>
+          </p:spPr>
+          <p:txBody>
+            <a:bodyPr wrap="square" rtlCol="0">
+              <a:spAutoFit/>
+            </a:bodyPr>
+            <a:lstStyle/>
+            <a:p>
+              <a:r>
+                <a:rPr lang="en-US" b="1" dirty="0" smtClean="0">
+                  <a:latin typeface="Courier New" panose="02070309020205020404" pitchFamily="49" charset="0"/>
+                  <a:cs typeface="Courier New" panose="02070309020205020404" pitchFamily="49" charset="0"/>
+                </a:rPr>
+                <a:t>head</a:t>
+              </a:r>
+              <a:endParaRPr lang="en-US" b="1" dirty="0">
+                <a:latin typeface="Courier New" panose="02070309020205020404" pitchFamily="49" charset="0"/>
+                <a:cs typeface="Courier New" panose="02070309020205020404" pitchFamily="49" charset="0"/>
+              </a:endParaRPr>
+            </a:p>
+          </p:txBody>
+        </p:sp>
+        <p:sp>
+          <p:nvSpPr>
+            <p:cNvPr id="51" name="TextBox 50"/>
+            <p:cNvSpPr txBox="1"/>
+            <p:nvPr/>
+          </p:nvSpPr>
+          <p:spPr>
+            <a:xfrm>
+              <a:off x="6467894" y="6176813"/>
+              <a:ext cx="4786260" cy="369332"/>
+            </a:xfrm>
+            <a:prstGeom prst="rect">
+              <a:avLst/>
+            </a:prstGeom>
+            <a:noFill/>
+          </p:spPr>
+          <p:txBody>
+            <a:bodyPr wrap="square" rtlCol="0">
+              <a:spAutoFit/>
+            </a:bodyPr>
+            <a:lstStyle/>
+            <a:p>
+              <a:r>
+                <a:rPr lang="en-US" dirty="0" smtClean="0"/>
+                <a:t>0              1             2              3             4            </a:t>
+              </a:r>
+              <a:r>
+                <a:rPr lang="en-US" dirty="0" smtClean="0">
+                  <a:ln w="0"/>
+                  <a:solidFill>
+                    <a:schemeClr val="accent1"/>
+                  </a:solidFill>
+                  <a:effectLst>
+                    <a:outerShdw blurRad="38100" dist="25400" dir="5400000" algn="ctr" rotWithShape="0">
+                      <a:srgbClr val="6E747A">
+                        <a:alpha val="43000"/>
+                      </a:srgbClr>
+                    </a:outerShdw>
+                  </a:effectLst>
+                  <a:latin typeface="Courier New" panose="02070309020205020404" pitchFamily="49" charset="0"/>
+                  <a:cs typeface="Courier New" panose="02070309020205020404" pitchFamily="49" charset="0"/>
+                </a:rPr>
+                <a:t>NULL</a:t>
+              </a:r>
+              <a:r>
+                <a:rPr lang="en-US" dirty="0" smtClean="0"/>
+                <a:t>  </a:t>
+              </a:r>
+              <a:endParaRPr lang="en-US" dirty="0"/>
+            </a:p>
+          </p:txBody>
+        </p:sp>
+        <p:cxnSp>
+          <p:nvCxnSpPr>
+            <p:cNvPr id="58" name="Straight Arrow Connector 57"/>
+            <p:cNvCxnSpPr/>
+            <p:nvPr/>
+          </p:nvCxnSpPr>
+          <p:spPr>
+            <a:xfrm>
+              <a:off x="6026333" y="6075210"/>
+              <a:ext cx="380608" cy="284487"/>
+            </a:xfrm>
+            <a:prstGeom prst="straightConnector1">
+              <a:avLst/>
+            </a:prstGeom>
+            <a:ln w="38100">
+              <a:solidFill>
+                <a:schemeClr val="tx1">
+                  <a:lumMod val="85000"/>
+                  <a:lumOff val="15000"/>
+                </a:schemeClr>
+              </a:solidFill>
+              <a:tailEnd type="triangle"/>
+            </a:ln>
+          </p:spPr>
+          <p:style>
+            <a:lnRef idx="1">
+              <a:schemeClr val="accent1"/>
+            </a:lnRef>
+            <a:fillRef idx="0">
+              <a:schemeClr val="accent1"/>
+            </a:fillRef>
+            <a:effectRef idx="0">
+              <a:schemeClr val="accent1"/>
+            </a:effectRef>
+            <a:fontRef idx="minor">
+              <a:schemeClr val="tx1"/>
+            </a:fontRef>
+          </p:style>
+        </p:cxnSp>
+        <p:cxnSp>
+          <p:nvCxnSpPr>
+            <p:cNvPr id="59" name="Straight Arrow Connector 58"/>
+            <p:cNvCxnSpPr/>
+            <p:nvPr/>
+          </p:nvCxnSpPr>
+          <p:spPr>
+            <a:xfrm>
+              <a:off x="8433836" y="6344501"/>
+              <a:ext cx="494962" cy="7532"/>
+            </a:xfrm>
+            <a:prstGeom prst="straightConnector1">
+              <a:avLst/>
+            </a:prstGeom>
+            <a:ln w="38100">
+              <a:solidFill>
+                <a:schemeClr val="tx1">
+                  <a:lumMod val="85000"/>
+                  <a:lumOff val="15000"/>
+                </a:schemeClr>
+              </a:solidFill>
+              <a:tailEnd type="triangle"/>
+            </a:ln>
+          </p:spPr>
+          <p:style>
+            <a:lnRef idx="1">
+              <a:schemeClr val="accent1"/>
+            </a:lnRef>
+            <a:fillRef idx="0">
+              <a:schemeClr val="accent1"/>
+            </a:fillRef>
+            <a:effectRef idx="0">
+              <a:schemeClr val="accent1"/>
+            </a:effectRef>
+            <a:fontRef idx="minor">
+              <a:schemeClr val="tx1"/>
+            </a:fontRef>
+          </p:style>
+        </p:cxnSp>
+        <p:cxnSp>
+          <p:nvCxnSpPr>
+            <p:cNvPr id="60" name="Straight Arrow Connector 59"/>
+            <p:cNvCxnSpPr/>
+            <p:nvPr/>
+          </p:nvCxnSpPr>
+          <p:spPr>
+            <a:xfrm>
+              <a:off x="7626794" y="6344501"/>
+              <a:ext cx="494962" cy="7532"/>
+            </a:xfrm>
+            <a:prstGeom prst="straightConnector1">
+              <a:avLst/>
+            </a:prstGeom>
+            <a:ln w="38100">
+              <a:solidFill>
+                <a:schemeClr val="tx1">
+                  <a:lumMod val="85000"/>
+                  <a:lumOff val="15000"/>
+                </a:schemeClr>
+              </a:solidFill>
+              <a:tailEnd type="triangle"/>
+            </a:ln>
+          </p:spPr>
+          <p:style>
+            <a:lnRef idx="1">
+              <a:schemeClr val="accent1"/>
+            </a:lnRef>
+            <a:fillRef idx="0">
+              <a:schemeClr val="accent1"/>
+            </a:fillRef>
+            <a:effectRef idx="0">
+              <a:schemeClr val="accent1"/>
+            </a:effectRef>
+            <a:fontRef idx="minor">
+              <a:schemeClr val="tx1"/>
+            </a:fontRef>
+          </p:style>
+        </p:cxnSp>
+        <p:cxnSp>
+          <p:nvCxnSpPr>
+            <p:cNvPr id="61" name="Straight Arrow Connector 60"/>
+            <p:cNvCxnSpPr/>
+            <p:nvPr/>
+          </p:nvCxnSpPr>
+          <p:spPr>
+            <a:xfrm>
+              <a:off x="6819752" y="6344501"/>
+              <a:ext cx="494962" cy="7532"/>
+            </a:xfrm>
+            <a:prstGeom prst="straightConnector1">
+              <a:avLst/>
+            </a:prstGeom>
+            <a:ln w="38100">
+              <a:solidFill>
+                <a:schemeClr val="tx1">
+                  <a:lumMod val="85000"/>
+                  <a:lumOff val="15000"/>
+                </a:schemeClr>
+              </a:solidFill>
+              <a:tailEnd type="triangle"/>
+            </a:ln>
+          </p:spPr>
+          <p:style>
+            <a:lnRef idx="1">
+              <a:schemeClr val="accent1"/>
+            </a:lnRef>
+            <a:fillRef idx="0">
+              <a:schemeClr val="accent1"/>
+            </a:fillRef>
+            <a:effectRef idx="0">
+              <a:schemeClr val="accent1"/>
+            </a:effectRef>
+            <a:fontRef idx="minor">
+              <a:schemeClr val="tx1"/>
+            </a:fontRef>
+          </p:style>
+        </p:cxnSp>
+        <p:cxnSp>
+          <p:nvCxnSpPr>
+            <p:cNvPr id="62" name="Straight Arrow Connector 61"/>
+            <p:cNvCxnSpPr/>
+            <p:nvPr/>
+          </p:nvCxnSpPr>
+          <p:spPr>
+            <a:xfrm>
+              <a:off x="9240878" y="6344501"/>
+              <a:ext cx="494962" cy="7532"/>
+            </a:xfrm>
+            <a:prstGeom prst="straightConnector1">
+              <a:avLst/>
+            </a:prstGeom>
+            <a:ln w="38100">
+              <a:solidFill>
+                <a:schemeClr val="tx1">
+                  <a:lumMod val="85000"/>
+                  <a:lumOff val="15000"/>
+                </a:schemeClr>
+              </a:solidFill>
+              <a:tailEnd type="triangle"/>
+            </a:ln>
+          </p:spPr>
+          <p:style>
+            <a:lnRef idx="1">
+              <a:schemeClr val="accent1"/>
+            </a:lnRef>
+            <a:fillRef idx="0">
+              <a:schemeClr val="accent1"/>
+            </a:fillRef>
+            <a:effectRef idx="0">
+              <a:schemeClr val="accent1"/>
+            </a:effectRef>
+            <a:fontRef idx="minor">
+              <a:schemeClr val="tx1"/>
+            </a:fontRef>
+          </p:style>
+        </p:cxnSp>
+        <p:cxnSp>
+          <p:nvCxnSpPr>
+            <p:cNvPr id="63" name="Straight Arrow Connector 62"/>
+            <p:cNvCxnSpPr/>
+            <p:nvPr/>
+          </p:nvCxnSpPr>
+          <p:spPr>
+            <a:xfrm>
+              <a:off x="10047919" y="6344501"/>
+              <a:ext cx="494962" cy="7532"/>
+            </a:xfrm>
+            <a:prstGeom prst="straightConnector1">
+              <a:avLst/>
+            </a:prstGeom>
+            <a:ln w="38100">
+              <a:solidFill>
+                <a:schemeClr val="accent1"/>
+              </a:solidFill>
+              <a:tailEnd type="triangle"/>
+            </a:ln>
+          </p:spPr>
+          <p:style>
+            <a:lnRef idx="1">
+              <a:schemeClr val="accent1"/>
+            </a:lnRef>
+            <a:fillRef idx="0">
+              <a:schemeClr val="accent1"/>
+            </a:fillRef>
+            <a:effectRef idx="0">
+              <a:schemeClr val="accent1"/>
+            </a:effectRef>
+            <a:fontRef idx="minor">
+              <a:schemeClr val="tx1"/>
+            </a:fontRef>
+          </p:style>
+        </p:cxnSp>
+      </p:grpSp>
+      <p:grpSp>
+        <p:nvGrpSpPr>
+          <p:cNvPr id="64" name="Group 63"/>
+          <p:cNvGrpSpPr/>
+          <p:nvPr/>
+        </p:nvGrpSpPr>
+        <p:grpSpPr>
+          <a:xfrm>
+            <a:off x="7085262" y="5268686"/>
+            <a:ext cx="1109606" cy="1002406"/>
+            <a:chOff x="7085262" y="5268686"/>
+            <a:chExt cx="1109606" cy="1002406"/>
+          </a:xfrm>
+        </p:grpSpPr>
+        <p:sp>
+          <p:nvSpPr>
+            <p:cNvPr id="55" name="TextBox 54"/>
+            <p:cNvSpPr txBox="1"/>
+            <p:nvPr/>
+          </p:nvSpPr>
+          <p:spPr>
+            <a:xfrm>
+              <a:off x="7085262" y="5268686"/>
+              <a:ext cx="541532" cy="369332"/>
+            </a:xfrm>
+            <a:prstGeom prst="rect">
+              <a:avLst/>
+            </a:prstGeom>
+            <a:noFill/>
+          </p:spPr>
+          <p:txBody>
+            <a:bodyPr wrap="square" rtlCol="0">
+              <a:spAutoFit/>
+            </a:bodyPr>
+            <a:lstStyle/>
+            <a:p>
+              <a:r>
+                <a:rPr lang="en-US" b="1" dirty="0" smtClean="0">
+                  <a:latin typeface="Courier New" panose="02070309020205020404" pitchFamily="49" charset="0"/>
+                  <a:cs typeface="Courier New" panose="02070309020205020404" pitchFamily="49" charset="0"/>
+                </a:rPr>
+                <a:t>l</a:t>
+              </a:r>
+              <a:endParaRPr lang="en-US" b="1" dirty="0">
+                <a:latin typeface="Courier New" panose="02070309020205020404" pitchFamily="49" charset="0"/>
+                <a:cs typeface="Courier New" panose="02070309020205020404" pitchFamily="49" charset="0"/>
+              </a:endParaRPr>
+            </a:p>
+          </p:txBody>
+        </p:sp>
+        <p:cxnSp>
+          <p:nvCxnSpPr>
+            <p:cNvPr id="66" name="Straight Arrow Connector 65"/>
+            <p:cNvCxnSpPr/>
+            <p:nvPr/>
+          </p:nvCxnSpPr>
+          <p:spPr>
+            <a:xfrm>
+              <a:off x="7395557" y="5394561"/>
+              <a:ext cx="799311" cy="876531"/>
+            </a:xfrm>
+            <a:prstGeom prst="straightConnector1">
+              <a:avLst/>
+            </a:prstGeom>
+            <a:ln w="28575">
+              <a:solidFill>
+                <a:schemeClr val="tx1">
+                  <a:lumMod val="85000"/>
+                  <a:lumOff val="15000"/>
+                </a:schemeClr>
+              </a:solidFill>
+              <a:tailEnd type="triangle"/>
+            </a:ln>
+          </p:spPr>
+          <p:style>
+            <a:lnRef idx="1">
+              <a:schemeClr val="accent1"/>
+            </a:lnRef>
+            <a:fillRef idx="0">
+              <a:schemeClr val="accent1"/>
+            </a:fillRef>
+            <a:effectRef idx="0">
+              <a:schemeClr val="accent1"/>
+            </a:effectRef>
+            <a:fontRef idx="minor">
+              <a:schemeClr val="tx1"/>
+            </a:fontRef>
+          </p:style>
+        </p:cxnSp>
+      </p:grpSp>
+      <p:sp>
+        <p:nvSpPr>
+          <p:cNvPr id="67" name="TextBox 66"/>
+          <p:cNvSpPr txBox="1"/>
+          <p:nvPr/>
+        </p:nvSpPr>
+        <p:spPr>
+          <a:xfrm>
+            <a:off x="5300744" y="2535410"/>
+            <a:ext cx="1188146" cy="369332"/>
+          </a:xfrm>
+          <a:prstGeom prst="rect">
+            <a:avLst/>
+          </a:prstGeom>
+          <a:noFill/>
+        </p:spPr>
+        <p:txBody>
+          <a:bodyPr wrap="none" rtlCol="0">
+            <a:spAutoFit/>
+          </a:bodyPr>
+          <a:lstStyle/>
+          <a:p>
+            <a:r>
+              <a:rPr lang="en-US" b="1" dirty="0" smtClean="0"/>
+              <a:t>head node</a:t>
+            </a:r>
+            <a:endParaRPr lang="en-US" b="1" dirty="0"/>
+          </a:p>
+        </p:txBody>
+      </p:sp>
+      <p:sp>
+        <p:nvSpPr>
+          <p:cNvPr id="71" name="TextBox 70"/>
+          <p:cNvSpPr txBox="1"/>
+          <p:nvPr/>
+        </p:nvSpPr>
+        <p:spPr>
+          <a:xfrm>
+            <a:off x="9560647" y="4822598"/>
+            <a:ext cx="1027204" cy="369332"/>
+          </a:xfrm>
+          <a:prstGeom prst="rect">
+            <a:avLst/>
+          </a:prstGeom>
+          <a:noFill/>
+        </p:spPr>
+        <p:txBody>
+          <a:bodyPr wrap="none" rtlCol="0">
+            <a:spAutoFit/>
+          </a:bodyPr>
+          <a:lstStyle/>
+          <a:p>
+            <a:r>
+              <a:rPr lang="en-US" b="1" dirty="0" smtClean="0"/>
+              <a:t>tail node</a:t>
+            </a:r>
+            <a:endParaRPr lang="en-US" b="1" dirty="0"/>
           </a:p>
         </p:txBody>
       </p:sp>
@@ -13778,6 +14403,112 @@
                                         <p:strVal val="visible"/>
                                       </p:to>
                                     </p:set>
+                                  </p:childTnLst>
+                                </p:cTn>
+                              </p:par>
+                            </p:childTnLst>
+                          </p:cTn>
+                        </p:par>
+                      </p:childTnLst>
+                    </p:cTn>
+                  </p:par>
+                  <p:par>
+                    <p:cTn id="11" fill="hold">
+                      <p:stCondLst>
+                        <p:cond delay="indefinite"/>
+                      </p:stCondLst>
+                      <p:childTnLst>
+                        <p:par>
+                          <p:cTn id="12" fill="hold">
+                            <p:stCondLst>
+                              <p:cond delay="0"/>
+                            </p:stCondLst>
+                            <p:childTnLst>
+                              <p:par>
+                                <p:cTn id="13" presetID="22" presetClass="entr" presetSubtype="8" fill="hold" nodeType="clickEffect">
+                                  <p:stCondLst>
+                                    <p:cond delay="0"/>
+                                  </p:stCondLst>
+                                  <p:childTnLst>
+                                    <p:set>
+                                      <p:cBhvr>
+                                        <p:cTn id="14" dur="1" fill="hold">
+                                          <p:stCondLst>
+                                            <p:cond delay="0"/>
+                                          </p:stCondLst>
+                                        </p:cTn>
+                                        <p:tgtEl>
+                                          <p:spTgt spid="54"/>
+                                        </p:tgtEl>
+                                        <p:attrNameLst>
+                                          <p:attrName>style.visibility</p:attrName>
+                                        </p:attrNameLst>
+                                      </p:cBhvr>
+                                      <p:to>
+                                        <p:strVal val="visible"/>
+                                      </p:to>
+                                    </p:set>
+                                    <p:animEffect transition="in" filter="wipe(left)">
+                                      <p:cBhvr>
+                                        <p:cTn id="15" dur="5000"/>
+                                        <p:tgtEl>
+                                          <p:spTgt spid="54"/>
+                                        </p:tgtEl>
+                                      </p:cBhvr>
+                                    </p:animEffect>
+                                  </p:childTnLst>
+                                </p:cTn>
+                              </p:par>
+                            </p:childTnLst>
+                          </p:cTn>
+                        </p:par>
+                      </p:childTnLst>
+                    </p:cTn>
+                  </p:par>
+                  <p:par>
+                    <p:cTn id="16" fill="hold">
+                      <p:stCondLst>
+                        <p:cond delay="indefinite"/>
+                      </p:stCondLst>
+                      <p:childTnLst>
+                        <p:par>
+                          <p:cTn id="17" fill="hold">
+                            <p:stCondLst>
+                              <p:cond delay="0"/>
+                            </p:stCondLst>
+                            <p:childTnLst>
+                              <p:par>
+                                <p:cTn id="18" presetID="22" presetClass="entr" presetSubtype="1" fill="hold" nodeType="clickEffect">
+                                  <p:stCondLst>
+                                    <p:cond delay="0"/>
+                                  </p:stCondLst>
+                                  <p:childTnLst>
+                                    <p:set>
+                                      <p:cBhvr>
+                                        <p:cTn id="19" dur="1" fill="hold">
+                                          <p:stCondLst>
+                                            <p:cond delay="0"/>
+                                          </p:stCondLst>
+                                        </p:cTn>
+                                        <p:tgtEl>
+                                          <p:spTgt spid="64"/>
+                                        </p:tgtEl>
+                                        <p:attrNameLst>
+                                          <p:attrName>style.visibility</p:attrName>
+                                        </p:attrNameLst>
+                                      </p:cBhvr>
+                                      <p:to>
+                                        <p:strVal val="visible"/>
+                                      </p:to>
+                                    </p:set>
+                                    <p:animEffect transition="in" filter="wipe(up)">
+                                      <p:cBhvr>
+                                        <p:cTn id="20" dur="500"/>
+                                        <p:tgtEl>
+                                          <p:spTgt spid="64"/>
+                                        </p:tgtEl>
+                                      </p:cBhvr>
+                                    </p:animEffect>
                                   </p:childTnLst>
                                 </p:cTn>
                               </p:par>

--- a/slides/14-LinkedLists.pptx
+++ b/slides/14-LinkedLists.pptx
@@ -8,18 +8,16 @@
     <p:sldId id="256" r:id="rId2"/>
     <p:sldId id="262" r:id="rId3"/>
     <p:sldId id="257" r:id="rId4"/>
-    <p:sldId id="270" r:id="rId5"/>
-    <p:sldId id="271" r:id="rId6"/>
-    <p:sldId id="258" r:id="rId7"/>
+    <p:sldId id="258" r:id="rId5"/>
+    <p:sldId id="270" r:id="rId6"/>
+    <p:sldId id="271" r:id="rId7"/>
     <p:sldId id="259" r:id="rId8"/>
     <p:sldId id="260" r:id="rId9"/>
     <p:sldId id="261" r:id="rId10"/>
-    <p:sldId id="268" r:id="rId11"/>
-    <p:sldId id="269" r:id="rId12"/>
-    <p:sldId id="266" r:id="rId13"/>
-    <p:sldId id="263" r:id="rId14"/>
-    <p:sldId id="265" r:id="rId15"/>
-    <p:sldId id="267" r:id="rId16"/>
+    <p:sldId id="266" r:id="rId11"/>
+    <p:sldId id="263" r:id="rId12"/>
+    <p:sldId id="265" r:id="rId13"/>
+    <p:sldId id="267" r:id="rId14"/>
   </p:sldIdLst>
   <p:sldSz cx="12192000" cy="6858000"/>
   <p:notesSz cx="6858000" cy="9144000"/>
@@ -3079,2072 +3077,6 @@
           <a:p>
             <a:r>
               <a:rPr lang="en-US" dirty="0" smtClean="0"/>
-              <a:t>Some conventions</a:t>
-            </a:r>
-            <a:endParaRPr lang="en-US" dirty="0"/>
-          </a:p>
-        </p:txBody>
-      </p:sp>
-      <p:sp>
-        <p:nvSpPr>
-          <p:cNvPr id="3" name="Content Placeholder 2"/>
-          <p:cNvSpPr>
-            <a:spLocks noGrp="1"/>
-          </p:cNvSpPr>
-          <p:nvPr>
-            <p:ph idx="1"/>
-          </p:nvPr>
-        </p:nvSpPr>
-        <p:spPr/>
-        <p:txBody>
-          <a:bodyPr>
-            <a:normAutofit fontScale="92500" lnSpcReduction="20000"/>
-          </a:bodyPr>
-          <a:lstStyle/>
-          <a:p>
-            <a:r>
-              <a:rPr lang="en-US" dirty="0" smtClean="0"/>
-              <a:t>We use the word </a:t>
-            </a:r>
-            <a:r>
-              <a:rPr lang="en-US" b="1" dirty="0" smtClean="0"/>
-              <a:t>node</a:t>
-            </a:r>
-            <a:r>
-              <a:rPr lang="en-US" dirty="0" smtClean="0"/>
-              <a:t> to mean a structure in the linked list.</a:t>
-            </a:r>
-          </a:p>
-          <a:p>
-            <a:r>
-              <a:rPr lang="en-US" dirty="0" smtClean="0"/>
-              <a:t>We will use the field name </a:t>
-            </a:r>
-            <a:r>
-              <a:rPr lang="en-US" dirty="0" smtClean="0">
-                <a:latin typeface="Courier New" panose="02070309020205020404" pitchFamily="49" charset="0"/>
-                <a:cs typeface="Courier New" panose="02070309020205020404" pitchFamily="49" charset="0"/>
-              </a:rPr>
-              <a:t> next  </a:t>
-            </a:r>
-            <a:r>
-              <a:rPr lang="en-US" dirty="0" smtClean="0"/>
-              <a:t>to indicate the pointer to the next node in the linked list.</a:t>
-            </a:r>
-          </a:p>
-          <a:p>
-            <a:r>
-              <a:rPr lang="en-US" dirty="0" smtClean="0"/>
-              <a:t>We will use the term </a:t>
-            </a:r>
-            <a:r>
-              <a:rPr lang="en-US" b="1" dirty="0" smtClean="0"/>
-              <a:t>head of the linked list </a:t>
-            </a:r>
-            <a:r>
-              <a:rPr lang="en-US" dirty="0" smtClean="0"/>
-              <a:t> or </a:t>
-            </a:r>
-            <a:r>
-              <a:rPr lang="en-US" b="1" dirty="0" smtClean="0"/>
-              <a:t>head node</a:t>
-            </a:r>
-            <a:r>
-              <a:rPr lang="en-US" dirty="0" smtClean="0"/>
-              <a:t> to mean the first node of the linked list.</a:t>
-            </a:r>
-          </a:p>
-          <a:p>
-            <a:r>
-              <a:rPr lang="en-US" dirty="0" smtClean="0"/>
-              <a:t>We will use the term </a:t>
-            </a:r>
-            <a:r>
-              <a:rPr lang="en-US" b="1" dirty="0" smtClean="0"/>
-              <a:t>tail of the linked list</a:t>
-            </a:r>
-            <a:r>
-              <a:rPr lang="en-US" dirty="0" smtClean="0"/>
-              <a:t> or just </a:t>
-            </a:r>
-            <a:r>
-              <a:rPr lang="en-US" b="1" dirty="0" smtClean="0"/>
-              <a:t>tail node</a:t>
-            </a:r>
-            <a:r>
-              <a:rPr lang="en-US" dirty="0" smtClean="0"/>
-              <a:t> to mean the last node of the linked list.</a:t>
-            </a:r>
-          </a:p>
-          <a:p>
-            <a:pPr lvl="1"/>
-            <a:r>
-              <a:rPr lang="en-US" dirty="0" smtClean="0"/>
-              <a:t>For an empty list we have no head node and no tail node.</a:t>
-            </a:r>
-          </a:p>
-          <a:p>
-            <a:pPr lvl="1"/>
-            <a:r>
-              <a:rPr lang="en-US" dirty="0" smtClean="0"/>
-              <a:t>For a list with one element the head node and tail node are the same.</a:t>
-            </a:r>
-          </a:p>
-          <a:p>
-            <a:r>
-              <a:rPr lang="en-US" dirty="0" smtClean="0"/>
-              <a:t>We will use the  </a:t>
-            </a:r>
-            <a:r>
-              <a:rPr lang="en-US" i="1" dirty="0" smtClean="0">
-                <a:latin typeface="Garamond" panose="02020404030301010803" pitchFamily="18" charset="0"/>
-              </a:rPr>
-              <a:t>variable </a:t>
-            </a:r>
-            <a:r>
-              <a:rPr lang="en-US" dirty="0" smtClean="0"/>
-              <a:t>named</a:t>
-            </a:r>
-            <a:r>
-              <a:rPr lang="en-US" dirty="0" smtClean="0">
-                <a:latin typeface="Courier New" panose="02070309020205020404" pitchFamily="49" charset="0"/>
-                <a:cs typeface="Courier New" panose="02070309020205020404" pitchFamily="49" charset="0"/>
-              </a:rPr>
-              <a:t> head </a:t>
-            </a:r>
-            <a:r>
-              <a:rPr lang="en-US" dirty="0" smtClean="0"/>
-              <a:t>to be a pointer to the head node of the list. </a:t>
-            </a:r>
-            <a:r>
-              <a:rPr lang="en-US" i="1" dirty="0" smtClean="0">
-                <a:latin typeface="Garamond" panose="02020404030301010803" pitchFamily="18" charset="0"/>
-              </a:rPr>
-              <a:t>Note that the variable head is itself not a node, but a </a:t>
-            </a:r>
-            <a:r>
-              <a:rPr lang="en-US" b="1" i="1" dirty="0" smtClean="0">
-                <a:latin typeface="Garamond" panose="02020404030301010803" pitchFamily="18" charset="0"/>
-              </a:rPr>
-              <a:t>pointer</a:t>
-            </a:r>
-            <a:r>
-              <a:rPr lang="en-US" i="1" dirty="0" smtClean="0">
-                <a:latin typeface="Garamond" panose="02020404030301010803" pitchFamily="18" charset="0"/>
-              </a:rPr>
-              <a:t> to the </a:t>
-            </a:r>
-            <a:r>
-              <a:rPr lang="en-US" b="1" i="1" dirty="0" smtClean="0">
-                <a:latin typeface="Garamond" panose="02020404030301010803" pitchFamily="18" charset="0"/>
-              </a:rPr>
-              <a:t>head</a:t>
-            </a:r>
-            <a:r>
-              <a:rPr lang="en-US" i="1" dirty="0" smtClean="0">
-                <a:latin typeface="Garamond" panose="02020404030301010803" pitchFamily="18" charset="0"/>
-              </a:rPr>
-              <a:t> node</a:t>
-            </a:r>
-            <a:r>
-              <a:rPr lang="en-US" dirty="0" smtClean="0"/>
-              <a:t>.</a:t>
-            </a:r>
-            <a:endParaRPr lang="en-US" dirty="0"/>
-          </a:p>
-        </p:txBody>
-      </p:sp>
-    </p:spTree>
-    <p:extLst>
-      <p:ext uri="{BB962C8B-B14F-4D97-AF65-F5344CB8AC3E}">
-        <p14:creationId xmlns:p14="http://schemas.microsoft.com/office/powerpoint/2010/main" val="2683250945"/>
-      </p:ext>
-    </p:extLst>
-  </p:cSld>
-  <p:clrMapOvr>
-    <a:masterClrMapping/>
-  </p:clrMapOvr>
-  <p:timing>
-    <p:tnLst>
-      <p:par>
-        <p:cTn id="1" dur="indefinite" restart="never" nodeType="tmRoot"/>
-      </p:par>
-    </p:tnLst>
-  </p:timing>
-</p:sld>
-</file>
-
-<file path=ppt/slides/slide11.xml><?xml version="1.0" encoding="utf-8"?>
-<p:sld xmlns:a="http://schemas.openxmlformats.org/drawingml/2006/main" xmlns:r="http://schemas.openxmlformats.org/officeDocument/2006/relationships" xmlns:p="http://schemas.openxmlformats.org/presentationml/2006/main">
-  <p:cSld>
-    <p:spTree>
-      <p:nvGrpSpPr>
-        <p:cNvPr id="1" name=""/>
-        <p:cNvGrpSpPr/>
-        <p:nvPr/>
-      </p:nvGrpSpPr>
-      <p:grpSpPr>
-        <a:xfrm>
-          <a:off x="0" y="0"/>
-          <a:ext cx="0" cy="0"/>
-          <a:chOff x="0" y="0"/>
-          <a:chExt cx="0" cy="0"/>
-        </a:xfrm>
-      </p:grpSpPr>
-      <p:sp>
-        <p:nvSpPr>
-          <p:cNvPr id="4" name="Title 3"/>
-          <p:cNvSpPr>
-            <a:spLocks noGrp="1"/>
-          </p:cNvSpPr>
-          <p:nvPr>
-            <p:ph type="title"/>
-          </p:nvPr>
-        </p:nvSpPr>
-        <p:spPr/>
-        <p:txBody>
-          <a:bodyPr/>
-          <a:lstStyle/>
-          <a:p>
-            <a:r>
-              <a:rPr lang="en-US" dirty="0" smtClean="0"/>
-              <a:t>Example</a:t>
-            </a:r>
-            <a:endParaRPr lang="en-US" dirty="0"/>
-          </a:p>
-        </p:txBody>
-      </p:sp>
-      <p:sp>
-        <p:nvSpPr>
-          <p:cNvPr id="6" name="TextBox 5"/>
-          <p:cNvSpPr txBox="1"/>
-          <p:nvPr/>
-        </p:nvSpPr>
-        <p:spPr>
-          <a:xfrm>
-            <a:off x="139559" y="1689462"/>
-            <a:ext cx="3643532" cy="3416320"/>
-          </a:xfrm>
-          <a:prstGeom prst="rect">
-            <a:avLst/>
-          </a:prstGeom>
-          <a:noFill/>
-        </p:spPr>
-        <p:txBody>
-          <a:bodyPr wrap="square" rtlCol="0">
-            <a:spAutoFit/>
-          </a:bodyPr>
-          <a:lstStyle/>
-          <a:p>
-            <a:r>
-              <a:rPr lang="en-US" dirty="0" err="1" smtClean="0">
-                <a:latin typeface="Courier New" panose="02070309020205020404" pitchFamily="49" charset="0"/>
-                <a:cs typeface="Courier New" panose="02070309020205020404" pitchFamily="49" charset="0"/>
-              </a:rPr>
-              <a:t>struct</a:t>
-            </a:r>
-            <a:r>
-              <a:rPr lang="en-US" dirty="0" smtClean="0">
-                <a:latin typeface="Courier New" panose="02070309020205020404" pitchFamily="49" charset="0"/>
-                <a:cs typeface="Courier New" panose="02070309020205020404" pitchFamily="49" charset="0"/>
-              </a:rPr>
-              <a:t> node {</a:t>
-            </a:r>
-            <a:br>
-              <a:rPr lang="en-US" dirty="0" smtClean="0">
-                <a:latin typeface="Courier New" panose="02070309020205020404" pitchFamily="49" charset="0"/>
-                <a:cs typeface="Courier New" panose="02070309020205020404" pitchFamily="49" charset="0"/>
-              </a:rPr>
-            </a:br>
-            <a:r>
-              <a:rPr lang="en-US" dirty="0" smtClean="0">
-                <a:latin typeface="Courier New" panose="02070309020205020404" pitchFamily="49" charset="0"/>
-                <a:cs typeface="Courier New" panose="02070309020205020404" pitchFamily="49" charset="0"/>
-              </a:rPr>
-              <a:t>      </a:t>
-            </a:r>
-            <a:r>
-              <a:rPr lang="en-US" dirty="0" err="1" smtClean="0">
-                <a:latin typeface="Courier New" panose="02070309020205020404" pitchFamily="49" charset="0"/>
-                <a:cs typeface="Courier New" panose="02070309020205020404" pitchFamily="49" charset="0"/>
-              </a:rPr>
-              <a:t>int</a:t>
-            </a:r>
-            <a:r>
-              <a:rPr lang="en-US" dirty="0" smtClean="0">
-                <a:latin typeface="Courier New" panose="02070309020205020404" pitchFamily="49" charset="0"/>
-                <a:cs typeface="Courier New" panose="02070309020205020404" pitchFamily="49" charset="0"/>
-              </a:rPr>
-              <a:t> </a:t>
-            </a:r>
-            <a:r>
-              <a:rPr lang="en-US" dirty="0" err="1" smtClean="0">
-                <a:latin typeface="Courier New" panose="02070309020205020404" pitchFamily="49" charset="0"/>
-                <a:cs typeface="Courier New" panose="02070309020205020404" pitchFamily="49" charset="0"/>
-              </a:rPr>
-              <a:t>val</a:t>
-            </a:r>
-            <a:r>
-              <a:rPr lang="en-US" dirty="0" smtClean="0">
-                <a:latin typeface="Courier New" panose="02070309020205020404" pitchFamily="49" charset="0"/>
-                <a:cs typeface="Courier New" panose="02070309020205020404" pitchFamily="49" charset="0"/>
-              </a:rPr>
-              <a:t>;</a:t>
-            </a:r>
-          </a:p>
-          <a:p>
-            <a:r>
-              <a:rPr lang="en-US" dirty="0">
-                <a:latin typeface="Courier New" panose="02070309020205020404" pitchFamily="49" charset="0"/>
-                <a:cs typeface="Courier New" panose="02070309020205020404" pitchFamily="49" charset="0"/>
-              </a:rPr>
-              <a:t> </a:t>
-            </a:r>
-            <a:r>
-              <a:rPr lang="en-US" dirty="0" smtClean="0">
-                <a:latin typeface="Courier New" panose="02070309020205020404" pitchFamily="49" charset="0"/>
-                <a:cs typeface="Courier New" panose="02070309020205020404" pitchFamily="49" charset="0"/>
-              </a:rPr>
-              <a:t>     </a:t>
-            </a:r>
-            <a:r>
-              <a:rPr lang="en-US" dirty="0" err="1" smtClean="0">
-                <a:latin typeface="Courier New" panose="02070309020205020404" pitchFamily="49" charset="0"/>
-                <a:cs typeface="Courier New" panose="02070309020205020404" pitchFamily="49" charset="0"/>
-              </a:rPr>
-              <a:t>struct</a:t>
-            </a:r>
-            <a:r>
-              <a:rPr lang="en-US" dirty="0" smtClean="0">
-                <a:latin typeface="Courier New" panose="02070309020205020404" pitchFamily="49" charset="0"/>
-                <a:cs typeface="Courier New" panose="02070309020205020404" pitchFamily="49" charset="0"/>
-              </a:rPr>
-              <a:t> node * next;</a:t>
-            </a:r>
-          </a:p>
-          <a:p>
-            <a:r>
-              <a:rPr lang="en-US" dirty="0" smtClean="0">
-                <a:latin typeface="Courier New" panose="02070309020205020404" pitchFamily="49" charset="0"/>
-                <a:cs typeface="Courier New" panose="02070309020205020404" pitchFamily="49" charset="0"/>
-              </a:rPr>
-              <a:t>};</a:t>
-            </a:r>
-          </a:p>
-          <a:p>
-            <a:endParaRPr lang="en-US" dirty="0" smtClean="0">
-              <a:latin typeface="Courier New" panose="02070309020205020404" pitchFamily="49" charset="0"/>
-              <a:cs typeface="Courier New" panose="02070309020205020404" pitchFamily="49" charset="0"/>
-            </a:endParaRPr>
-          </a:p>
-          <a:p>
-            <a:r>
-              <a:rPr lang="en-US" dirty="0" err="1" smtClean="0">
-                <a:latin typeface="Courier New" panose="02070309020205020404" pitchFamily="49" charset="0"/>
-                <a:cs typeface="Courier New" panose="02070309020205020404" pitchFamily="49" charset="0"/>
-              </a:rPr>
-              <a:t>typedef</a:t>
-            </a:r>
-            <a:r>
-              <a:rPr lang="en-US" dirty="0" smtClean="0">
-                <a:latin typeface="Courier New" panose="02070309020205020404" pitchFamily="49" charset="0"/>
-                <a:cs typeface="Courier New" panose="02070309020205020404" pitchFamily="49" charset="0"/>
-              </a:rPr>
-              <a:t> </a:t>
-            </a:r>
-            <a:r>
-              <a:rPr lang="en-US" dirty="0" err="1" smtClean="0">
-                <a:latin typeface="Courier New" panose="02070309020205020404" pitchFamily="49" charset="0"/>
-                <a:cs typeface="Courier New" panose="02070309020205020404" pitchFamily="49" charset="0"/>
-              </a:rPr>
-              <a:t>struct</a:t>
-            </a:r>
-            <a:r>
-              <a:rPr lang="en-US" dirty="0" smtClean="0">
-                <a:latin typeface="Courier New" panose="02070309020205020404" pitchFamily="49" charset="0"/>
-                <a:cs typeface="Courier New" panose="02070309020205020404" pitchFamily="49" charset="0"/>
-              </a:rPr>
-              <a:t> node * Node;</a:t>
-            </a:r>
-          </a:p>
-          <a:p>
-            <a:endParaRPr lang="en-US" dirty="0" smtClean="0">
-              <a:latin typeface="Courier New" panose="02070309020205020404" pitchFamily="49" charset="0"/>
-              <a:cs typeface="Courier New" panose="02070309020205020404" pitchFamily="49" charset="0"/>
-            </a:endParaRPr>
-          </a:p>
-          <a:p>
-            <a:endParaRPr lang="en-US" dirty="0">
-              <a:latin typeface="Courier New" panose="02070309020205020404" pitchFamily="49" charset="0"/>
-              <a:cs typeface="Courier New" panose="02070309020205020404" pitchFamily="49" charset="0"/>
-            </a:endParaRPr>
-          </a:p>
-          <a:p>
-            <a:r>
-              <a:rPr lang="en-US" dirty="0" smtClean="0">
-                <a:latin typeface="Courier New" panose="02070309020205020404" pitchFamily="49" charset="0"/>
-                <a:cs typeface="Courier New" panose="02070309020205020404" pitchFamily="49" charset="0"/>
-              </a:rPr>
-              <a:t>Node * head;</a:t>
-            </a:r>
-          </a:p>
-          <a:p>
-            <a:r>
-              <a:rPr lang="en-US" dirty="0" smtClean="0">
-                <a:latin typeface="Courier New" panose="02070309020205020404" pitchFamily="49" charset="0"/>
-                <a:cs typeface="Courier New" panose="02070309020205020404" pitchFamily="49" charset="0"/>
-              </a:rPr>
-              <a:t>Node * l;</a:t>
-            </a:r>
-          </a:p>
-          <a:p>
-            <a:endParaRPr lang="en-US" dirty="0">
-              <a:latin typeface="Courier New" panose="02070309020205020404" pitchFamily="49" charset="0"/>
-              <a:cs typeface="Courier New" panose="02070309020205020404" pitchFamily="49" charset="0"/>
-            </a:endParaRPr>
-          </a:p>
-        </p:txBody>
-      </p:sp>
-      <p:grpSp>
-        <p:nvGrpSpPr>
-          <p:cNvPr id="8" name="Group 7"/>
-          <p:cNvGrpSpPr/>
-          <p:nvPr/>
-        </p:nvGrpSpPr>
-        <p:grpSpPr>
-          <a:xfrm>
-            <a:off x="4535157" y="3362627"/>
-            <a:ext cx="1448972" cy="858130"/>
-            <a:chOff x="4535157" y="3362627"/>
-            <a:chExt cx="1448972" cy="858130"/>
-          </a:xfrm>
-        </p:grpSpPr>
-        <p:grpSp>
-          <p:nvGrpSpPr>
-            <p:cNvPr id="9" name="Group 8"/>
-            <p:cNvGrpSpPr/>
-            <p:nvPr/>
-          </p:nvGrpSpPr>
-          <p:grpSpPr>
-            <a:xfrm>
-              <a:off x="4535157" y="3362627"/>
-              <a:ext cx="1434905" cy="858130"/>
-              <a:chOff x="1631852" y="2222695"/>
-              <a:chExt cx="2096086" cy="1547447"/>
-            </a:xfrm>
-          </p:grpSpPr>
-          <p:sp>
-            <p:nvSpPr>
-              <p:cNvPr id="12" name="Rectangle 11"/>
-              <p:cNvSpPr/>
-              <p:nvPr/>
-            </p:nvSpPr>
-            <p:spPr>
-              <a:xfrm>
-                <a:off x="1631852" y="2222695"/>
-                <a:ext cx="2096086" cy="1547447"/>
-              </a:xfrm>
-              <a:prstGeom prst="rect">
-                <a:avLst/>
-              </a:prstGeom>
-              <a:noFill/>
-            </p:spPr>
-            <p:style>
-              <a:lnRef idx="2">
-                <a:schemeClr val="accent1">
-                  <a:shade val="50000"/>
-                </a:schemeClr>
-              </a:lnRef>
-              <a:fillRef idx="1">
-                <a:schemeClr val="accent1"/>
-              </a:fillRef>
-              <a:effectRef idx="0">
-                <a:schemeClr val="accent1"/>
-              </a:effectRef>
-              <a:fontRef idx="minor">
-                <a:schemeClr val="lt1"/>
-              </a:fontRef>
-            </p:style>
-            <p:txBody>
-              <a:bodyPr rtlCol="0" anchor="ctr"/>
-              <a:lstStyle/>
-              <a:p>
-                <a:pPr algn="ctr"/>
-                <a:endParaRPr lang="en-US" dirty="0"/>
-              </a:p>
-            </p:txBody>
-          </p:sp>
-          <p:cxnSp>
-            <p:nvCxnSpPr>
-              <p:cNvPr id="13" name="Straight Connector 12"/>
-              <p:cNvCxnSpPr>
-                <a:stCxn id="12" idx="1"/>
-                <a:endCxn id="12" idx="3"/>
-              </p:cNvCxnSpPr>
-              <p:nvPr/>
-            </p:nvCxnSpPr>
-            <p:spPr>
-              <a:xfrm>
-                <a:off x="1631852" y="2996419"/>
-                <a:ext cx="2096086" cy="0"/>
-              </a:xfrm>
-              <a:prstGeom prst="line">
-                <a:avLst/>
-              </a:prstGeom>
-              <a:ln>
-                <a:solidFill>
-                  <a:schemeClr val="tx1">
-                    <a:lumMod val="85000"/>
-                    <a:lumOff val="15000"/>
-                  </a:schemeClr>
-                </a:solidFill>
-              </a:ln>
-            </p:spPr>
-            <p:style>
-              <a:lnRef idx="1">
-                <a:schemeClr val="accent1"/>
-              </a:lnRef>
-              <a:fillRef idx="0">
-                <a:schemeClr val="accent1"/>
-              </a:fillRef>
-              <a:effectRef idx="0">
-                <a:schemeClr val="accent1"/>
-              </a:effectRef>
-              <a:fontRef idx="minor">
-                <a:schemeClr val="tx1"/>
-              </a:fontRef>
-            </p:style>
-          </p:cxnSp>
-        </p:grpSp>
-        <p:sp>
-          <p:nvSpPr>
-            <p:cNvPr id="10" name="TextBox 9"/>
-            <p:cNvSpPr txBox="1"/>
-            <p:nvPr/>
-          </p:nvSpPr>
-          <p:spPr>
-            <a:xfrm>
-              <a:off x="5146867" y="3400394"/>
-              <a:ext cx="301686" cy="369332"/>
-            </a:xfrm>
-            <a:prstGeom prst="rect">
-              <a:avLst/>
-            </a:prstGeom>
-            <a:solidFill>
-              <a:schemeClr val="accent6">
-                <a:lumMod val="20000"/>
-                <a:lumOff val="80000"/>
-              </a:schemeClr>
-            </a:solidFill>
-          </p:spPr>
-          <p:txBody>
-            <a:bodyPr wrap="none" rtlCol="0">
-              <a:spAutoFit/>
-            </a:bodyPr>
-            <a:lstStyle/>
-            <a:p>
-              <a:r>
-                <a:rPr lang="en-US" dirty="0"/>
-                <a:t>0</a:t>
-              </a:r>
-            </a:p>
-          </p:txBody>
-        </p:sp>
-        <p:sp>
-          <p:nvSpPr>
-            <p:cNvPr id="11" name="TextBox 10"/>
-            <p:cNvSpPr txBox="1"/>
-            <p:nvPr/>
-          </p:nvSpPr>
-          <p:spPr>
-            <a:xfrm>
-              <a:off x="4549224" y="3835626"/>
-              <a:ext cx="1434905" cy="369332"/>
-            </a:xfrm>
-            <a:prstGeom prst="rect">
-              <a:avLst/>
-            </a:prstGeom>
-            <a:solidFill>
-              <a:schemeClr val="accent4">
-                <a:lumMod val="20000"/>
-                <a:lumOff val="80000"/>
-              </a:schemeClr>
-            </a:solidFill>
-          </p:spPr>
-          <p:txBody>
-            <a:bodyPr wrap="square" rtlCol="0">
-              <a:spAutoFit/>
-            </a:bodyPr>
-            <a:lstStyle/>
-            <a:p>
-              <a:endParaRPr lang="en-US" b="1" dirty="0">
-                <a:latin typeface="Courier New" panose="02070309020205020404" pitchFamily="49" charset="0"/>
-                <a:cs typeface="Courier New" panose="02070309020205020404" pitchFamily="49" charset="0"/>
-              </a:endParaRPr>
-            </a:p>
-          </p:txBody>
-        </p:sp>
-      </p:grpSp>
-      <p:grpSp>
-        <p:nvGrpSpPr>
-          <p:cNvPr id="14" name="Group 13"/>
-          <p:cNvGrpSpPr/>
-          <p:nvPr/>
-        </p:nvGrpSpPr>
-        <p:grpSpPr>
-          <a:xfrm>
-            <a:off x="5633218" y="3425238"/>
-            <a:ext cx="2383459" cy="858130"/>
-            <a:chOff x="5633218" y="3425238"/>
-            <a:chExt cx="2383459" cy="858130"/>
-          </a:xfrm>
-        </p:grpSpPr>
-        <p:grpSp>
-          <p:nvGrpSpPr>
-            <p:cNvPr id="15" name="Group 14"/>
-            <p:cNvGrpSpPr/>
-            <p:nvPr/>
-          </p:nvGrpSpPr>
-          <p:grpSpPr>
-            <a:xfrm>
-              <a:off x="6567705" y="3425238"/>
-              <a:ext cx="1434905" cy="858130"/>
-              <a:chOff x="1631852" y="2222695"/>
-              <a:chExt cx="2096086" cy="1547447"/>
-            </a:xfrm>
-          </p:grpSpPr>
-          <p:sp>
-            <p:nvSpPr>
-              <p:cNvPr id="19" name="Rectangle 18"/>
-              <p:cNvSpPr/>
-              <p:nvPr/>
-            </p:nvSpPr>
-            <p:spPr>
-              <a:xfrm>
-                <a:off x="1631852" y="2222695"/>
-                <a:ext cx="2096086" cy="1547447"/>
-              </a:xfrm>
-              <a:prstGeom prst="rect">
-                <a:avLst/>
-              </a:prstGeom>
-              <a:noFill/>
-            </p:spPr>
-            <p:style>
-              <a:lnRef idx="2">
-                <a:schemeClr val="accent1">
-                  <a:shade val="50000"/>
-                </a:schemeClr>
-              </a:lnRef>
-              <a:fillRef idx="1">
-                <a:schemeClr val="accent1"/>
-              </a:fillRef>
-              <a:effectRef idx="0">
-                <a:schemeClr val="accent1"/>
-              </a:effectRef>
-              <a:fontRef idx="minor">
-                <a:schemeClr val="lt1"/>
-              </a:fontRef>
-            </p:style>
-            <p:txBody>
-              <a:bodyPr rtlCol="0" anchor="ctr"/>
-              <a:lstStyle/>
-              <a:p>
-                <a:pPr algn="ctr"/>
-                <a:endParaRPr lang="en-US" dirty="0"/>
-              </a:p>
-            </p:txBody>
-          </p:sp>
-          <p:cxnSp>
-            <p:nvCxnSpPr>
-              <p:cNvPr id="20" name="Straight Connector 19"/>
-              <p:cNvCxnSpPr>
-                <a:stCxn id="19" idx="1"/>
-                <a:endCxn id="19" idx="3"/>
-              </p:cNvCxnSpPr>
-              <p:nvPr/>
-            </p:nvCxnSpPr>
-            <p:spPr>
-              <a:xfrm>
-                <a:off x="1631852" y="2996419"/>
-                <a:ext cx="2096086" cy="0"/>
-              </a:xfrm>
-              <a:prstGeom prst="line">
-                <a:avLst/>
-              </a:prstGeom>
-              <a:ln>
-                <a:solidFill>
-                  <a:schemeClr val="tx1">
-                    <a:lumMod val="85000"/>
-                    <a:lumOff val="15000"/>
-                  </a:schemeClr>
-                </a:solidFill>
-              </a:ln>
-            </p:spPr>
-            <p:style>
-              <a:lnRef idx="1">
-                <a:schemeClr val="accent1"/>
-              </a:lnRef>
-              <a:fillRef idx="0">
-                <a:schemeClr val="accent1"/>
-              </a:fillRef>
-              <a:effectRef idx="0">
-                <a:schemeClr val="accent1"/>
-              </a:effectRef>
-              <a:fontRef idx="minor">
-                <a:schemeClr val="tx1"/>
-              </a:fontRef>
-            </p:style>
-          </p:cxnSp>
-        </p:grpSp>
-        <p:sp>
-          <p:nvSpPr>
-            <p:cNvPr id="16" name="TextBox 15"/>
-            <p:cNvSpPr txBox="1"/>
-            <p:nvPr/>
-          </p:nvSpPr>
-          <p:spPr>
-            <a:xfrm>
-              <a:off x="7148381" y="3455105"/>
-              <a:ext cx="301686" cy="369332"/>
-            </a:xfrm>
-            <a:prstGeom prst="rect">
-              <a:avLst/>
-            </a:prstGeom>
-            <a:solidFill>
-              <a:schemeClr val="accent6">
-                <a:lumMod val="20000"/>
-                <a:lumOff val="80000"/>
-              </a:schemeClr>
-            </a:solidFill>
-          </p:spPr>
-          <p:txBody>
-            <a:bodyPr wrap="none" rtlCol="0">
-              <a:spAutoFit/>
-            </a:bodyPr>
-            <a:lstStyle/>
-            <a:p>
-              <a:r>
-                <a:rPr lang="en-US" dirty="0" smtClean="0"/>
-                <a:t>1</a:t>
-              </a:r>
-              <a:endParaRPr lang="en-US" dirty="0"/>
-            </a:p>
-          </p:txBody>
-        </p:sp>
-        <p:sp>
-          <p:nvSpPr>
-            <p:cNvPr id="17" name="TextBox 16"/>
-            <p:cNvSpPr txBox="1"/>
-            <p:nvPr/>
-          </p:nvSpPr>
-          <p:spPr>
-            <a:xfrm>
-              <a:off x="6581772" y="3898237"/>
-              <a:ext cx="1434905" cy="369332"/>
-            </a:xfrm>
-            <a:prstGeom prst="rect">
-              <a:avLst/>
-            </a:prstGeom>
-            <a:solidFill>
-              <a:schemeClr val="accent4">
-                <a:lumMod val="20000"/>
-                <a:lumOff val="80000"/>
-              </a:schemeClr>
-            </a:solidFill>
-          </p:spPr>
-          <p:txBody>
-            <a:bodyPr wrap="square" rtlCol="0">
-              <a:spAutoFit/>
-            </a:bodyPr>
-            <a:lstStyle/>
-            <a:p>
-              <a:endParaRPr lang="en-US" b="1" dirty="0">
-                <a:latin typeface="Courier New" panose="02070309020205020404" pitchFamily="49" charset="0"/>
-                <a:cs typeface="Courier New" panose="02070309020205020404" pitchFamily="49" charset="0"/>
-              </a:endParaRPr>
-            </a:p>
-          </p:txBody>
-        </p:sp>
-        <p:cxnSp>
-          <p:nvCxnSpPr>
-            <p:cNvPr id="18" name="Straight Arrow Connector 17"/>
-            <p:cNvCxnSpPr/>
-            <p:nvPr/>
-          </p:nvCxnSpPr>
-          <p:spPr>
-            <a:xfrm flipV="1">
-              <a:off x="5633218" y="4064226"/>
-              <a:ext cx="724039" cy="4218"/>
-            </a:xfrm>
-            <a:prstGeom prst="straightConnector1">
-              <a:avLst/>
-            </a:prstGeom>
-            <a:ln w="38100">
-              <a:solidFill>
-                <a:schemeClr val="tx1">
-                  <a:lumMod val="85000"/>
-                  <a:lumOff val="15000"/>
-                </a:schemeClr>
-              </a:solidFill>
-              <a:tailEnd type="triangle"/>
-            </a:ln>
-          </p:spPr>
-          <p:style>
-            <a:lnRef idx="1">
-              <a:schemeClr val="accent1"/>
-            </a:lnRef>
-            <a:fillRef idx="0">
-              <a:schemeClr val="accent1"/>
-            </a:fillRef>
-            <a:effectRef idx="0">
-              <a:schemeClr val="accent1"/>
-            </a:effectRef>
-            <a:fontRef idx="minor">
-              <a:schemeClr val="tx1"/>
-            </a:fontRef>
-          </p:style>
-        </p:cxnSp>
-      </p:grpSp>
-      <p:grpSp>
-        <p:nvGrpSpPr>
-          <p:cNvPr id="21" name="Group 20"/>
-          <p:cNvGrpSpPr/>
-          <p:nvPr/>
-        </p:nvGrpSpPr>
-        <p:grpSpPr>
-          <a:xfrm>
-            <a:off x="7729057" y="3376066"/>
-            <a:ext cx="2383459" cy="858130"/>
-            <a:chOff x="5633218" y="3425238"/>
-            <a:chExt cx="2383459" cy="858130"/>
-          </a:xfrm>
-        </p:grpSpPr>
-        <p:grpSp>
-          <p:nvGrpSpPr>
-            <p:cNvPr id="22" name="Group 21"/>
-            <p:cNvGrpSpPr/>
-            <p:nvPr/>
-          </p:nvGrpSpPr>
-          <p:grpSpPr>
-            <a:xfrm>
-              <a:off x="6567705" y="3425238"/>
-              <a:ext cx="1434905" cy="858130"/>
-              <a:chOff x="1631852" y="2222695"/>
-              <a:chExt cx="2096086" cy="1547447"/>
-            </a:xfrm>
-          </p:grpSpPr>
-          <p:sp>
-            <p:nvSpPr>
-              <p:cNvPr id="26" name="Rectangle 25"/>
-              <p:cNvSpPr/>
-              <p:nvPr/>
-            </p:nvSpPr>
-            <p:spPr>
-              <a:xfrm>
-                <a:off x="1631852" y="2222695"/>
-                <a:ext cx="2096086" cy="1547447"/>
-              </a:xfrm>
-              <a:prstGeom prst="rect">
-                <a:avLst/>
-              </a:prstGeom>
-              <a:noFill/>
-            </p:spPr>
-            <p:style>
-              <a:lnRef idx="2">
-                <a:schemeClr val="accent1">
-                  <a:shade val="50000"/>
-                </a:schemeClr>
-              </a:lnRef>
-              <a:fillRef idx="1">
-                <a:schemeClr val="accent1"/>
-              </a:fillRef>
-              <a:effectRef idx="0">
-                <a:schemeClr val="accent1"/>
-              </a:effectRef>
-              <a:fontRef idx="minor">
-                <a:schemeClr val="lt1"/>
-              </a:fontRef>
-            </p:style>
-            <p:txBody>
-              <a:bodyPr rtlCol="0" anchor="ctr"/>
-              <a:lstStyle/>
-              <a:p>
-                <a:pPr algn="ctr"/>
-                <a:endParaRPr lang="en-US" dirty="0"/>
-              </a:p>
-            </p:txBody>
-          </p:sp>
-          <p:cxnSp>
-            <p:nvCxnSpPr>
-              <p:cNvPr id="27" name="Straight Connector 26"/>
-              <p:cNvCxnSpPr>
-                <a:stCxn id="26" idx="1"/>
-                <a:endCxn id="26" idx="3"/>
-              </p:cNvCxnSpPr>
-              <p:nvPr/>
-            </p:nvCxnSpPr>
-            <p:spPr>
-              <a:xfrm>
-                <a:off x="1631852" y="2996419"/>
-                <a:ext cx="2096086" cy="0"/>
-              </a:xfrm>
-              <a:prstGeom prst="line">
-                <a:avLst/>
-              </a:prstGeom>
-              <a:ln>
-                <a:solidFill>
-                  <a:schemeClr val="tx1">
-                    <a:lumMod val="85000"/>
-                    <a:lumOff val="15000"/>
-                  </a:schemeClr>
-                </a:solidFill>
-              </a:ln>
-            </p:spPr>
-            <p:style>
-              <a:lnRef idx="1">
-                <a:schemeClr val="accent1"/>
-              </a:lnRef>
-              <a:fillRef idx="0">
-                <a:schemeClr val="accent1"/>
-              </a:fillRef>
-              <a:effectRef idx="0">
-                <a:schemeClr val="accent1"/>
-              </a:effectRef>
-              <a:fontRef idx="minor">
-                <a:schemeClr val="tx1"/>
-              </a:fontRef>
-            </p:style>
-          </p:cxnSp>
-        </p:grpSp>
-        <p:sp>
-          <p:nvSpPr>
-            <p:cNvPr id="23" name="TextBox 22"/>
-            <p:cNvSpPr txBox="1"/>
-            <p:nvPr/>
-          </p:nvSpPr>
-          <p:spPr>
-            <a:xfrm>
-              <a:off x="7148381" y="3455105"/>
-              <a:ext cx="301686" cy="369332"/>
-            </a:xfrm>
-            <a:prstGeom prst="rect">
-              <a:avLst/>
-            </a:prstGeom>
-            <a:solidFill>
-              <a:schemeClr val="accent6">
-                <a:lumMod val="20000"/>
-                <a:lumOff val="80000"/>
-              </a:schemeClr>
-            </a:solidFill>
-          </p:spPr>
-          <p:txBody>
-            <a:bodyPr wrap="none" rtlCol="0">
-              <a:spAutoFit/>
-            </a:bodyPr>
-            <a:lstStyle/>
-            <a:p>
-              <a:r>
-                <a:rPr lang="en-US" dirty="0"/>
-                <a:t>2</a:t>
-              </a:r>
-            </a:p>
-          </p:txBody>
-        </p:sp>
-        <p:sp>
-          <p:nvSpPr>
-            <p:cNvPr id="24" name="TextBox 23"/>
-            <p:cNvSpPr txBox="1"/>
-            <p:nvPr/>
-          </p:nvSpPr>
-          <p:spPr>
-            <a:xfrm>
-              <a:off x="6581772" y="3898237"/>
-              <a:ext cx="1434905" cy="369332"/>
-            </a:xfrm>
-            <a:prstGeom prst="rect">
-              <a:avLst/>
-            </a:prstGeom>
-            <a:solidFill>
-              <a:schemeClr val="accent4">
-                <a:lumMod val="20000"/>
-                <a:lumOff val="80000"/>
-              </a:schemeClr>
-            </a:solidFill>
-          </p:spPr>
-          <p:txBody>
-            <a:bodyPr wrap="square" rtlCol="0">
-              <a:spAutoFit/>
-            </a:bodyPr>
-            <a:lstStyle/>
-            <a:p>
-              <a:endParaRPr lang="en-US" b="1" dirty="0">
-                <a:latin typeface="Courier New" panose="02070309020205020404" pitchFamily="49" charset="0"/>
-                <a:cs typeface="Courier New" panose="02070309020205020404" pitchFamily="49" charset="0"/>
-              </a:endParaRPr>
-            </a:p>
-          </p:txBody>
-        </p:sp>
-        <p:cxnSp>
-          <p:nvCxnSpPr>
-            <p:cNvPr id="25" name="Straight Arrow Connector 24"/>
-            <p:cNvCxnSpPr/>
-            <p:nvPr/>
-          </p:nvCxnSpPr>
-          <p:spPr>
-            <a:xfrm flipV="1">
-              <a:off x="5633218" y="4064226"/>
-              <a:ext cx="724039" cy="4218"/>
-            </a:xfrm>
-            <a:prstGeom prst="straightConnector1">
-              <a:avLst/>
-            </a:prstGeom>
-            <a:ln w="38100">
-              <a:solidFill>
-                <a:schemeClr val="tx1">
-                  <a:lumMod val="85000"/>
-                  <a:lumOff val="15000"/>
-                </a:schemeClr>
-              </a:solidFill>
-              <a:tailEnd type="triangle"/>
-            </a:ln>
-          </p:spPr>
-          <p:style>
-            <a:lnRef idx="1">
-              <a:schemeClr val="accent1"/>
-            </a:lnRef>
-            <a:fillRef idx="0">
-              <a:schemeClr val="accent1"/>
-            </a:fillRef>
-            <a:effectRef idx="0">
-              <a:schemeClr val="accent1"/>
-            </a:effectRef>
-            <a:fontRef idx="minor">
-              <a:schemeClr val="tx1"/>
-            </a:fontRef>
-          </p:style>
-        </p:cxnSp>
-      </p:grpSp>
-      <p:grpSp>
-        <p:nvGrpSpPr>
-          <p:cNvPr id="28" name="Group 27"/>
-          <p:cNvGrpSpPr/>
-          <p:nvPr/>
-        </p:nvGrpSpPr>
-        <p:grpSpPr>
-          <a:xfrm>
-            <a:off x="8689079" y="3937656"/>
-            <a:ext cx="1448972" cy="1411886"/>
-            <a:chOff x="6567705" y="2871482"/>
-            <a:chExt cx="1448972" cy="1411886"/>
-          </a:xfrm>
-        </p:grpSpPr>
-        <p:grpSp>
-          <p:nvGrpSpPr>
-            <p:cNvPr id="29" name="Group 28"/>
-            <p:cNvGrpSpPr/>
-            <p:nvPr/>
-          </p:nvGrpSpPr>
-          <p:grpSpPr>
-            <a:xfrm>
-              <a:off x="6567705" y="3425238"/>
-              <a:ext cx="1434905" cy="858130"/>
-              <a:chOff x="1631852" y="2222695"/>
-              <a:chExt cx="2096086" cy="1547447"/>
-            </a:xfrm>
-          </p:grpSpPr>
-          <p:sp>
-            <p:nvSpPr>
-              <p:cNvPr id="33" name="Rectangle 32"/>
-              <p:cNvSpPr/>
-              <p:nvPr/>
-            </p:nvSpPr>
-            <p:spPr>
-              <a:xfrm>
-                <a:off x="1631852" y="2222695"/>
-                <a:ext cx="2096086" cy="1547447"/>
-              </a:xfrm>
-              <a:prstGeom prst="rect">
-                <a:avLst/>
-              </a:prstGeom>
-              <a:noFill/>
-            </p:spPr>
-            <p:style>
-              <a:lnRef idx="2">
-                <a:schemeClr val="accent1">
-                  <a:shade val="50000"/>
-                </a:schemeClr>
-              </a:lnRef>
-              <a:fillRef idx="1">
-                <a:schemeClr val="accent1"/>
-              </a:fillRef>
-              <a:effectRef idx="0">
-                <a:schemeClr val="accent1"/>
-              </a:effectRef>
-              <a:fontRef idx="minor">
-                <a:schemeClr val="lt1"/>
-              </a:fontRef>
-            </p:style>
-            <p:txBody>
-              <a:bodyPr rtlCol="0" anchor="ctr"/>
-              <a:lstStyle/>
-              <a:p>
-                <a:pPr algn="ctr"/>
-                <a:endParaRPr lang="en-US" dirty="0"/>
-              </a:p>
-            </p:txBody>
-          </p:sp>
-          <p:cxnSp>
-            <p:nvCxnSpPr>
-              <p:cNvPr id="34" name="Straight Connector 33"/>
-              <p:cNvCxnSpPr>
-                <a:stCxn id="33" idx="1"/>
-                <a:endCxn id="33" idx="3"/>
-              </p:cNvCxnSpPr>
-              <p:nvPr/>
-            </p:nvCxnSpPr>
-            <p:spPr>
-              <a:xfrm>
-                <a:off x="1631852" y="2996419"/>
-                <a:ext cx="2096086" cy="0"/>
-              </a:xfrm>
-              <a:prstGeom prst="line">
-                <a:avLst/>
-              </a:prstGeom>
-              <a:ln>
-                <a:solidFill>
-                  <a:schemeClr val="tx1">
-                    <a:lumMod val="85000"/>
-                    <a:lumOff val="15000"/>
-                  </a:schemeClr>
-                </a:solidFill>
-              </a:ln>
-            </p:spPr>
-            <p:style>
-              <a:lnRef idx="1">
-                <a:schemeClr val="accent1"/>
-              </a:lnRef>
-              <a:fillRef idx="0">
-                <a:schemeClr val="accent1"/>
-              </a:fillRef>
-              <a:effectRef idx="0">
-                <a:schemeClr val="accent1"/>
-              </a:effectRef>
-              <a:fontRef idx="minor">
-                <a:schemeClr val="tx1"/>
-              </a:fontRef>
-            </p:style>
-          </p:cxnSp>
-        </p:grpSp>
-        <p:sp>
-          <p:nvSpPr>
-            <p:cNvPr id="30" name="TextBox 29"/>
-            <p:cNvSpPr txBox="1"/>
-            <p:nvPr/>
-          </p:nvSpPr>
-          <p:spPr>
-            <a:xfrm>
-              <a:off x="7148381" y="3455105"/>
-              <a:ext cx="301686" cy="369332"/>
-            </a:xfrm>
-            <a:prstGeom prst="rect">
-              <a:avLst/>
-            </a:prstGeom>
-            <a:solidFill>
-              <a:schemeClr val="accent6">
-                <a:lumMod val="20000"/>
-                <a:lumOff val="80000"/>
-              </a:schemeClr>
-            </a:solidFill>
-          </p:spPr>
-          <p:txBody>
-            <a:bodyPr wrap="none" rtlCol="0">
-              <a:spAutoFit/>
-            </a:bodyPr>
-            <a:lstStyle/>
-            <a:p>
-              <a:r>
-                <a:rPr lang="en-US" dirty="0" smtClean="0"/>
-                <a:t>3</a:t>
-              </a:r>
-              <a:endParaRPr lang="en-US" dirty="0"/>
-            </a:p>
-          </p:txBody>
-        </p:sp>
-        <p:sp>
-          <p:nvSpPr>
-            <p:cNvPr id="31" name="TextBox 30"/>
-            <p:cNvSpPr txBox="1"/>
-            <p:nvPr/>
-          </p:nvSpPr>
-          <p:spPr>
-            <a:xfrm>
-              <a:off x="6581772" y="3898237"/>
-              <a:ext cx="1434905" cy="369332"/>
-            </a:xfrm>
-            <a:prstGeom prst="rect">
-              <a:avLst/>
-            </a:prstGeom>
-            <a:solidFill>
-              <a:schemeClr val="accent4">
-                <a:lumMod val="20000"/>
-                <a:lumOff val="80000"/>
-              </a:schemeClr>
-            </a:solidFill>
-          </p:spPr>
-          <p:txBody>
-            <a:bodyPr wrap="square" rtlCol="0">
-              <a:spAutoFit/>
-            </a:bodyPr>
-            <a:lstStyle/>
-            <a:p>
-              <a:endParaRPr lang="en-US" b="1" dirty="0">
-                <a:latin typeface="Courier New" panose="02070309020205020404" pitchFamily="49" charset="0"/>
-                <a:cs typeface="Courier New" panose="02070309020205020404" pitchFamily="49" charset="0"/>
-              </a:endParaRPr>
-            </a:p>
-          </p:txBody>
-        </p:sp>
-        <p:cxnSp>
-          <p:nvCxnSpPr>
-            <p:cNvPr id="32" name="Straight Arrow Connector 31"/>
-            <p:cNvCxnSpPr/>
-            <p:nvPr/>
-          </p:nvCxnSpPr>
-          <p:spPr>
-            <a:xfrm flipH="1">
-              <a:off x="6728400" y="2871482"/>
-              <a:ext cx="393424" cy="582650"/>
-            </a:xfrm>
-            <a:prstGeom prst="straightConnector1">
-              <a:avLst/>
-            </a:prstGeom>
-            <a:ln w="38100">
-              <a:solidFill>
-                <a:schemeClr val="tx1">
-                  <a:lumMod val="85000"/>
-                  <a:lumOff val="15000"/>
-                </a:schemeClr>
-              </a:solidFill>
-              <a:tailEnd type="triangle"/>
-            </a:ln>
-          </p:spPr>
-          <p:style>
-            <a:lnRef idx="1">
-              <a:schemeClr val="accent1"/>
-            </a:lnRef>
-            <a:fillRef idx="0">
-              <a:schemeClr val="accent1"/>
-            </a:fillRef>
-            <a:effectRef idx="0">
-              <a:schemeClr val="accent1"/>
-            </a:effectRef>
-            <a:fontRef idx="minor">
-              <a:schemeClr val="tx1"/>
-            </a:fontRef>
-          </p:style>
-        </p:cxnSp>
-      </p:grpSp>
-      <p:grpSp>
-        <p:nvGrpSpPr>
-          <p:cNvPr id="35" name="Group 34"/>
-          <p:cNvGrpSpPr/>
-          <p:nvPr/>
-        </p:nvGrpSpPr>
-        <p:grpSpPr>
-          <a:xfrm>
-            <a:off x="8677611" y="5161121"/>
-            <a:ext cx="1448972" cy="1321944"/>
-            <a:chOff x="6567705" y="2961424"/>
-            <a:chExt cx="1448972" cy="1321944"/>
-          </a:xfrm>
-        </p:grpSpPr>
-        <p:grpSp>
-          <p:nvGrpSpPr>
-            <p:cNvPr id="36" name="Group 35"/>
-            <p:cNvGrpSpPr/>
-            <p:nvPr/>
-          </p:nvGrpSpPr>
-          <p:grpSpPr>
-            <a:xfrm>
-              <a:off x="6567705" y="3425238"/>
-              <a:ext cx="1434905" cy="858130"/>
-              <a:chOff x="1631852" y="2222695"/>
-              <a:chExt cx="2096086" cy="1547447"/>
-            </a:xfrm>
-          </p:grpSpPr>
-          <p:sp>
-            <p:nvSpPr>
-              <p:cNvPr id="40" name="Rectangle 39"/>
-              <p:cNvSpPr/>
-              <p:nvPr/>
-            </p:nvSpPr>
-            <p:spPr>
-              <a:xfrm>
-                <a:off x="1631852" y="2222695"/>
-                <a:ext cx="2096086" cy="1547447"/>
-              </a:xfrm>
-              <a:prstGeom prst="rect">
-                <a:avLst/>
-              </a:prstGeom>
-              <a:noFill/>
-            </p:spPr>
-            <p:style>
-              <a:lnRef idx="2">
-                <a:schemeClr val="accent1">
-                  <a:shade val="50000"/>
-                </a:schemeClr>
-              </a:lnRef>
-              <a:fillRef idx="1">
-                <a:schemeClr val="accent1"/>
-              </a:fillRef>
-              <a:effectRef idx="0">
-                <a:schemeClr val="accent1"/>
-              </a:effectRef>
-              <a:fontRef idx="minor">
-                <a:schemeClr val="lt1"/>
-              </a:fontRef>
-            </p:style>
-            <p:txBody>
-              <a:bodyPr rtlCol="0" anchor="ctr"/>
-              <a:lstStyle/>
-              <a:p>
-                <a:pPr algn="ctr"/>
-                <a:endParaRPr lang="en-US" dirty="0"/>
-              </a:p>
-            </p:txBody>
-          </p:sp>
-          <p:cxnSp>
-            <p:nvCxnSpPr>
-              <p:cNvPr id="41" name="Straight Connector 40"/>
-              <p:cNvCxnSpPr>
-                <a:stCxn id="40" idx="1"/>
-                <a:endCxn id="40" idx="3"/>
-              </p:cNvCxnSpPr>
-              <p:nvPr/>
-            </p:nvCxnSpPr>
-            <p:spPr>
-              <a:xfrm>
-                <a:off x="1631852" y="2996419"/>
-                <a:ext cx="2096086" cy="0"/>
-              </a:xfrm>
-              <a:prstGeom prst="line">
-                <a:avLst/>
-              </a:prstGeom>
-              <a:ln>
-                <a:solidFill>
-                  <a:schemeClr val="tx1">
-                    <a:lumMod val="85000"/>
-                    <a:lumOff val="15000"/>
-                  </a:schemeClr>
-                </a:solidFill>
-              </a:ln>
-            </p:spPr>
-            <p:style>
-              <a:lnRef idx="1">
-                <a:schemeClr val="accent1"/>
-              </a:lnRef>
-              <a:fillRef idx="0">
-                <a:schemeClr val="accent1"/>
-              </a:fillRef>
-              <a:effectRef idx="0">
-                <a:schemeClr val="accent1"/>
-              </a:effectRef>
-              <a:fontRef idx="minor">
-                <a:schemeClr val="tx1"/>
-              </a:fontRef>
-            </p:style>
-          </p:cxnSp>
-        </p:grpSp>
-        <p:sp>
-          <p:nvSpPr>
-            <p:cNvPr id="37" name="TextBox 36"/>
-            <p:cNvSpPr txBox="1"/>
-            <p:nvPr/>
-          </p:nvSpPr>
-          <p:spPr>
-            <a:xfrm>
-              <a:off x="7148381" y="3455105"/>
-              <a:ext cx="301686" cy="369332"/>
-            </a:xfrm>
-            <a:prstGeom prst="rect">
-              <a:avLst/>
-            </a:prstGeom>
-            <a:solidFill>
-              <a:schemeClr val="accent6">
-                <a:lumMod val="20000"/>
-                <a:lumOff val="80000"/>
-              </a:schemeClr>
-            </a:solidFill>
-          </p:spPr>
-          <p:txBody>
-            <a:bodyPr wrap="none" rtlCol="0">
-              <a:spAutoFit/>
-            </a:bodyPr>
-            <a:lstStyle/>
-            <a:p>
-              <a:r>
-                <a:rPr lang="en-US" dirty="0"/>
-                <a:t>4</a:t>
-              </a:r>
-            </a:p>
-          </p:txBody>
-        </p:sp>
-        <p:sp>
-          <p:nvSpPr>
-            <p:cNvPr id="38" name="TextBox 37"/>
-            <p:cNvSpPr txBox="1"/>
-            <p:nvPr/>
-          </p:nvSpPr>
-          <p:spPr>
-            <a:xfrm>
-              <a:off x="6581772" y="3898237"/>
-              <a:ext cx="1434905" cy="369332"/>
-            </a:xfrm>
-            <a:prstGeom prst="rect">
-              <a:avLst/>
-            </a:prstGeom>
-            <a:solidFill>
-              <a:schemeClr val="accent4">
-                <a:lumMod val="20000"/>
-                <a:lumOff val="80000"/>
-              </a:schemeClr>
-            </a:solidFill>
-          </p:spPr>
-          <p:txBody>
-            <a:bodyPr wrap="square" rtlCol="0">
-              <a:spAutoFit/>
-            </a:bodyPr>
-            <a:lstStyle/>
-            <a:p>
-              <a:endParaRPr lang="en-US" b="1" dirty="0">
-                <a:latin typeface="Courier New" panose="02070309020205020404" pitchFamily="49" charset="0"/>
-                <a:cs typeface="Courier New" panose="02070309020205020404" pitchFamily="49" charset="0"/>
-              </a:endParaRPr>
-            </a:p>
-          </p:txBody>
-        </p:sp>
-        <p:cxnSp>
-          <p:nvCxnSpPr>
-            <p:cNvPr id="39" name="Straight Arrow Connector 38"/>
-            <p:cNvCxnSpPr/>
-            <p:nvPr/>
-          </p:nvCxnSpPr>
-          <p:spPr>
-            <a:xfrm flipH="1">
-              <a:off x="6728400" y="2961424"/>
-              <a:ext cx="306513" cy="492708"/>
-            </a:xfrm>
-            <a:prstGeom prst="straightConnector1">
-              <a:avLst/>
-            </a:prstGeom>
-            <a:ln w="38100">
-              <a:solidFill>
-                <a:schemeClr val="tx1">
-                  <a:lumMod val="85000"/>
-                  <a:lumOff val="15000"/>
-                </a:schemeClr>
-              </a:solidFill>
-              <a:tailEnd type="triangle"/>
-            </a:ln>
-          </p:spPr>
-          <p:style>
-            <a:lnRef idx="1">
-              <a:schemeClr val="accent1"/>
-            </a:lnRef>
-            <a:fillRef idx="0">
-              <a:schemeClr val="accent1"/>
-            </a:fillRef>
-            <a:effectRef idx="0">
-              <a:schemeClr val="accent1"/>
-            </a:effectRef>
-            <a:fontRef idx="minor">
-              <a:schemeClr val="tx1"/>
-            </a:fontRef>
-          </p:style>
-        </p:cxnSp>
-      </p:grpSp>
-      <p:cxnSp>
-        <p:nvCxnSpPr>
-          <p:cNvPr id="42" name="Curved Connector 41"/>
-          <p:cNvCxnSpPr/>
-          <p:nvPr/>
-        </p:nvCxnSpPr>
-        <p:spPr>
-          <a:xfrm>
-            <a:off x="9545906" y="6309258"/>
-            <a:ext cx="1378857" cy="12700"/>
-          </a:xfrm>
-          <a:prstGeom prst="curvedConnector3">
-            <a:avLst/>
-          </a:prstGeom>
-          <a:ln w="38100">
-            <a:solidFill>
-              <a:schemeClr val="tx1">
-                <a:lumMod val="85000"/>
-                <a:lumOff val="15000"/>
-              </a:schemeClr>
-            </a:solidFill>
-            <a:tailEnd type="triangle"/>
-          </a:ln>
-        </p:spPr>
-        <p:style>
-          <a:lnRef idx="1">
-            <a:schemeClr val="accent1"/>
-          </a:lnRef>
-          <a:fillRef idx="0">
-            <a:schemeClr val="accent1"/>
-          </a:fillRef>
-          <a:effectRef idx="0">
-            <a:schemeClr val="accent1"/>
-          </a:effectRef>
-          <a:fontRef idx="minor">
-            <a:schemeClr val="tx1"/>
-          </a:fontRef>
-        </p:style>
-      </p:cxnSp>
-      <p:sp>
-        <p:nvSpPr>
-          <p:cNvPr id="43" name="TextBox 42"/>
-          <p:cNvSpPr txBox="1"/>
-          <p:nvPr/>
-        </p:nvSpPr>
-        <p:spPr>
-          <a:xfrm>
-            <a:off x="10913877" y="6137292"/>
-            <a:ext cx="840295" cy="461665"/>
-          </a:xfrm>
-          <a:prstGeom prst="rect">
-            <a:avLst/>
-          </a:prstGeom>
-          <a:noFill/>
-        </p:spPr>
-        <p:txBody>
-          <a:bodyPr wrap="none" rtlCol="0">
-            <a:spAutoFit/>
-          </a:bodyPr>
-          <a:lstStyle/>
-          <a:p>
-            <a:r>
-              <a:rPr lang="en-US" sz="2400" dirty="0" smtClean="0"/>
-              <a:t>NULL</a:t>
-            </a:r>
-            <a:endParaRPr lang="en-US" sz="2400" dirty="0"/>
-          </a:p>
-        </p:txBody>
-      </p:sp>
-      <p:sp>
-        <p:nvSpPr>
-          <p:cNvPr id="44" name="Rectangle 43"/>
-          <p:cNvSpPr/>
-          <p:nvPr/>
-        </p:nvSpPr>
-        <p:spPr>
-          <a:xfrm>
-            <a:off x="7712001" y="2026720"/>
-            <a:ext cx="1480457" cy="362858"/>
-          </a:xfrm>
-          <a:prstGeom prst="rect">
-            <a:avLst/>
-          </a:prstGeom>
-          <a:noFill/>
-          <a:ln w="38100"/>
-        </p:spPr>
-        <p:style>
-          <a:lnRef idx="2">
-            <a:schemeClr val="accent1">
-              <a:shade val="50000"/>
-            </a:schemeClr>
-          </a:lnRef>
-          <a:fillRef idx="1">
-            <a:schemeClr val="accent1"/>
-          </a:fillRef>
-          <a:effectRef idx="0">
-            <a:schemeClr val="accent1"/>
-          </a:effectRef>
-          <a:fontRef idx="minor">
-            <a:schemeClr val="lt1"/>
-          </a:fontRef>
-        </p:style>
-        <p:txBody>
-          <a:bodyPr rtlCol="0" anchor="ctr"/>
-          <a:lstStyle/>
-          <a:p>
-            <a:endParaRPr lang="en-US" b="1" dirty="0">
-              <a:solidFill>
-                <a:schemeClr val="tx1"/>
-              </a:solidFill>
-              <a:latin typeface="Courier New" panose="02070309020205020404" pitchFamily="49" charset="0"/>
-              <a:cs typeface="Courier New" panose="02070309020205020404" pitchFamily="49" charset="0"/>
-            </a:endParaRPr>
-          </a:p>
-        </p:txBody>
-      </p:sp>
-      <p:sp>
-        <p:nvSpPr>
-          <p:cNvPr id="45" name="TextBox 44"/>
-          <p:cNvSpPr txBox="1"/>
-          <p:nvPr/>
-        </p:nvSpPr>
-        <p:spPr>
-          <a:xfrm>
-            <a:off x="7091789" y="1926638"/>
-            <a:ext cx="1552838" cy="369332"/>
-          </a:xfrm>
-          <a:prstGeom prst="rect">
-            <a:avLst/>
-          </a:prstGeom>
-          <a:noFill/>
-        </p:spPr>
-        <p:txBody>
-          <a:bodyPr wrap="square" rtlCol="0">
-            <a:spAutoFit/>
-          </a:bodyPr>
-          <a:lstStyle/>
-          <a:p>
-            <a:r>
-              <a:rPr lang="en-US" dirty="0" smtClean="0">
-                <a:latin typeface="Bodoni MT" panose="02070603080606020203" pitchFamily="18" charset="0"/>
-              </a:rPr>
-              <a:t>head</a:t>
-            </a:r>
-            <a:endParaRPr lang="en-US" dirty="0">
-              <a:latin typeface="Bodoni MT" panose="02070603080606020203" pitchFamily="18" charset="0"/>
-            </a:endParaRPr>
-          </a:p>
-        </p:txBody>
-      </p:sp>
-      <p:sp>
-        <p:nvSpPr>
-          <p:cNvPr id="46" name="Freeform 45"/>
-          <p:cNvSpPr/>
-          <p:nvPr/>
-        </p:nvSpPr>
-        <p:spPr>
-          <a:xfrm>
-            <a:off x="4311771" y="2278743"/>
-            <a:ext cx="3525943" cy="1059543"/>
-          </a:xfrm>
-          <a:custGeom>
-            <a:avLst/>
-            <a:gdLst>
-              <a:gd name="connsiteX0" fmla="*/ 3525943 w 3525943"/>
-              <a:gd name="connsiteY0" fmla="*/ 0 h 1059543"/>
-              <a:gd name="connsiteX1" fmla="*/ 318286 w 3525943"/>
-              <a:gd name="connsiteY1" fmla="*/ 711200 h 1059543"/>
-              <a:gd name="connsiteX2" fmla="*/ 289258 w 3525943"/>
-              <a:gd name="connsiteY2" fmla="*/ 1059543 h 1059543"/>
-            </a:gdLst>
-            <a:ahLst/>
-            <a:cxnLst>
-              <a:cxn ang="0">
-                <a:pos x="connsiteX0" y="connsiteY0"/>
-              </a:cxn>
-              <a:cxn ang="0">
-                <a:pos x="connsiteX1" y="connsiteY1"/>
-              </a:cxn>
-              <a:cxn ang="0">
-                <a:pos x="connsiteX2" y="connsiteY2"/>
-              </a:cxn>
-            </a:cxnLst>
-            <a:rect l="l" t="t" r="r" b="b"/>
-            <a:pathLst>
-              <a:path w="3525943" h="1059543">
-                <a:moveTo>
-                  <a:pt x="3525943" y="0"/>
-                </a:moveTo>
-                <a:cubicBezTo>
-                  <a:pt x="2191838" y="267305"/>
-                  <a:pt x="857733" y="534610"/>
-                  <a:pt x="318286" y="711200"/>
-                </a:cubicBezTo>
-                <a:cubicBezTo>
-                  <a:pt x="-221161" y="887790"/>
-                  <a:pt x="34048" y="973666"/>
-                  <a:pt x="289258" y="1059543"/>
-                </a:cubicBezTo>
-              </a:path>
-            </a:pathLst>
-          </a:custGeom>
-          <a:noFill/>
-          <a:ln w="28575">
-            <a:headEnd type="none" w="med" len="med"/>
-            <a:tailEnd type="triangle" w="med" len="med"/>
-          </a:ln>
-        </p:spPr>
-        <p:style>
-          <a:lnRef idx="2">
-            <a:schemeClr val="accent1">
-              <a:shade val="50000"/>
-            </a:schemeClr>
-          </a:lnRef>
-          <a:fillRef idx="1">
-            <a:schemeClr val="accent1"/>
-          </a:fillRef>
-          <a:effectRef idx="0">
-            <a:schemeClr val="accent1"/>
-          </a:effectRef>
-          <a:fontRef idx="minor">
-            <a:schemeClr val="lt1"/>
-          </a:fontRef>
-        </p:style>
-        <p:txBody>
-          <a:bodyPr rtlCol="0" anchor="ctr"/>
-          <a:lstStyle/>
-          <a:p>
-            <a:pPr algn="ctr"/>
-            <a:endParaRPr lang="en-US"/>
-          </a:p>
-        </p:txBody>
-      </p:sp>
-      <p:grpSp>
-        <p:nvGrpSpPr>
-          <p:cNvPr id="47" name="Group 46"/>
-          <p:cNvGrpSpPr/>
-          <p:nvPr/>
-        </p:nvGrpSpPr>
-        <p:grpSpPr>
-          <a:xfrm>
-            <a:off x="4409102" y="5315234"/>
-            <a:ext cx="1964344" cy="434313"/>
-            <a:chOff x="4409102" y="5315234"/>
-            <a:chExt cx="1964344" cy="434313"/>
-          </a:xfrm>
-        </p:grpSpPr>
-        <p:sp>
-          <p:nvSpPr>
-            <p:cNvPr id="48" name="Rectangle 47"/>
-            <p:cNvSpPr/>
-            <p:nvPr/>
-          </p:nvSpPr>
-          <p:spPr>
-            <a:xfrm>
-              <a:off x="4892989" y="5386689"/>
-              <a:ext cx="1480457" cy="362858"/>
-            </a:xfrm>
-            <a:prstGeom prst="rect">
-              <a:avLst/>
-            </a:prstGeom>
-            <a:noFill/>
-          </p:spPr>
-          <p:style>
-            <a:lnRef idx="2">
-              <a:schemeClr val="accent1">
-                <a:shade val="50000"/>
-              </a:schemeClr>
-            </a:lnRef>
-            <a:fillRef idx="1">
-              <a:schemeClr val="accent1"/>
-            </a:fillRef>
-            <a:effectRef idx="0">
-              <a:schemeClr val="accent1"/>
-            </a:effectRef>
-            <a:fontRef idx="minor">
-              <a:schemeClr val="lt1"/>
-            </a:fontRef>
-          </p:style>
-          <p:txBody>
-            <a:bodyPr rtlCol="0" anchor="ctr"/>
-            <a:lstStyle/>
-            <a:p>
-              <a:endParaRPr lang="en-US" b="1" dirty="0">
-                <a:solidFill>
-                  <a:schemeClr val="tx1"/>
-                </a:solidFill>
-                <a:latin typeface="Courier New" panose="02070309020205020404" pitchFamily="49" charset="0"/>
-                <a:cs typeface="Courier New" panose="02070309020205020404" pitchFamily="49" charset="0"/>
-              </a:endParaRPr>
-            </a:p>
-          </p:txBody>
-        </p:sp>
-        <p:sp>
-          <p:nvSpPr>
-            <p:cNvPr id="49" name="TextBox 48"/>
-            <p:cNvSpPr txBox="1"/>
-            <p:nvPr/>
-          </p:nvSpPr>
-          <p:spPr>
-            <a:xfrm>
-              <a:off x="4409102" y="5315234"/>
-              <a:ext cx="512912" cy="369332"/>
-            </a:xfrm>
-            <a:prstGeom prst="rect">
-              <a:avLst/>
-            </a:prstGeom>
-            <a:noFill/>
-          </p:spPr>
-          <p:txBody>
-            <a:bodyPr wrap="square" rtlCol="0">
-              <a:spAutoFit/>
-            </a:bodyPr>
-            <a:lstStyle/>
-            <a:p>
-              <a:r>
-                <a:rPr lang="en-US" b="1" i="1" dirty="0">
-                  <a:latin typeface="Courier New" panose="02070309020205020404" pitchFamily="49" charset="0"/>
-                  <a:cs typeface="Courier New" panose="02070309020205020404" pitchFamily="49" charset="0"/>
-                </a:rPr>
-                <a:t>l</a:t>
-              </a:r>
-            </a:p>
-          </p:txBody>
-        </p:sp>
-      </p:grpSp>
-      <p:cxnSp>
-        <p:nvCxnSpPr>
-          <p:cNvPr id="52" name="Straight Arrow Connector 51"/>
-          <p:cNvCxnSpPr/>
-          <p:nvPr/>
-        </p:nvCxnSpPr>
-        <p:spPr>
-          <a:xfrm flipV="1">
-            <a:off x="5694170" y="4306556"/>
-            <a:ext cx="2943584" cy="1215720"/>
-          </a:xfrm>
-          <a:prstGeom prst="straightConnector1">
-            <a:avLst/>
-          </a:prstGeom>
-          <a:ln w="28575">
-            <a:solidFill>
-              <a:schemeClr val="tx1">
-                <a:lumMod val="85000"/>
-                <a:lumOff val="15000"/>
-              </a:schemeClr>
-            </a:solidFill>
-            <a:tailEnd type="triangle"/>
-          </a:ln>
-        </p:spPr>
-        <p:style>
-          <a:lnRef idx="1">
-            <a:schemeClr val="accent1"/>
-          </a:lnRef>
-          <a:fillRef idx="0">
-            <a:schemeClr val="accent1"/>
-          </a:fillRef>
-          <a:effectRef idx="0">
-            <a:schemeClr val="accent1"/>
-          </a:effectRef>
-          <a:fontRef idx="minor">
-            <a:schemeClr val="tx1"/>
-          </a:fontRef>
-        </p:style>
-      </p:cxnSp>
-      <p:sp>
-        <p:nvSpPr>
-          <p:cNvPr id="57" name="TextBox 56"/>
-          <p:cNvSpPr txBox="1"/>
-          <p:nvPr/>
-        </p:nvSpPr>
-        <p:spPr>
-          <a:xfrm>
-            <a:off x="7130957" y="1641768"/>
-            <a:ext cx="2067159" cy="369332"/>
-          </a:xfrm>
-          <a:prstGeom prst="rect">
-            <a:avLst/>
-          </a:prstGeom>
-          <a:noFill/>
-        </p:spPr>
-        <p:txBody>
-          <a:bodyPr wrap="square" rtlCol="0">
-            <a:spAutoFit/>
-          </a:bodyPr>
-          <a:lstStyle/>
-          <a:p>
-            <a:r>
-              <a:rPr lang="en-US" dirty="0" smtClean="0"/>
-              <a:t>type: </a:t>
-            </a:r>
-            <a:r>
-              <a:rPr lang="en-US" dirty="0" err="1" smtClean="0"/>
-              <a:t>struct</a:t>
-            </a:r>
-            <a:r>
-              <a:rPr lang="en-US" dirty="0" smtClean="0"/>
-              <a:t> node *</a:t>
-            </a:r>
-            <a:endParaRPr lang="en-US" dirty="0"/>
-          </a:p>
-        </p:txBody>
-      </p:sp>
-      <p:sp>
-        <p:nvSpPr>
-          <p:cNvPr id="107" name="TextBox 106"/>
-          <p:cNvSpPr txBox="1"/>
-          <p:nvPr/>
-        </p:nvSpPr>
-        <p:spPr>
-          <a:xfrm>
-            <a:off x="3878975" y="5733123"/>
-            <a:ext cx="2067159" cy="369332"/>
-          </a:xfrm>
-          <a:prstGeom prst="rect">
-            <a:avLst/>
-          </a:prstGeom>
-          <a:noFill/>
-        </p:spPr>
-        <p:txBody>
-          <a:bodyPr wrap="square" rtlCol="0">
-            <a:spAutoFit/>
-          </a:bodyPr>
-          <a:lstStyle/>
-          <a:p>
-            <a:r>
-              <a:rPr lang="en-US" dirty="0" smtClean="0"/>
-              <a:t>type: </a:t>
-            </a:r>
-            <a:r>
-              <a:rPr lang="en-US" dirty="0" err="1" smtClean="0"/>
-              <a:t>struct</a:t>
-            </a:r>
-            <a:r>
-              <a:rPr lang="en-US" dirty="0" smtClean="0"/>
-              <a:t> node *</a:t>
-            </a:r>
-            <a:endParaRPr lang="en-US" dirty="0"/>
-          </a:p>
-        </p:txBody>
-      </p:sp>
-      <p:sp>
-        <p:nvSpPr>
-          <p:cNvPr id="108" name="TextBox 107"/>
-          <p:cNvSpPr txBox="1"/>
-          <p:nvPr/>
-        </p:nvSpPr>
-        <p:spPr>
-          <a:xfrm>
-            <a:off x="4554674" y="2998855"/>
-            <a:ext cx="2067159" cy="369332"/>
-          </a:xfrm>
-          <a:prstGeom prst="rect">
-            <a:avLst/>
-          </a:prstGeom>
-          <a:noFill/>
-        </p:spPr>
-        <p:txBody>
-          <a:bodyPr wrap="square" rtlCol="0">
-            <a:spAutoFit/>
-          </a:bodyPr>
-          <a:lstStyle/>
-          <a:p>
-            <a:r>
-              <a:rPr lang="en-US" dirty="0" smtClean="0"/>
-              <a:t>type: </a:t>
-            </a:r>
-            <a:r>
-              <a:rPr lang="en-US" dirty="0" err="1" smtClean="0"/>
-              <a:t>struct</a:t>
-            </a:r>
-            <a:r>
-              <a:rPr lang="en-US" dirty="0" smtClean="0"/>
-              <a:t> node</a:t>
-            </a:r>
-            <a:endParaRPr lang="en-US" dirty="0"/>
-          </a:p>
-        </p:txBody>
-      </p:sp>
-      <p:sp>
-        <p:nvSpPr>
-          <p:cNvPr id="109" name="TextBox 108"/>
-          <p:cNvSpPr txBox="1"/>
-          <p:nvPr/>
-        </p:nvSpPr>
-        <p:spPr>
-          <a:xfrm>
-            <a:off x="4036566" y="3439982"/>
-            <a:ext cx="1076370" cy="646331"/>
-          </a:xfrm>
-          <a:prstGeom prst="rect">
-            <a:avLst/>
-          </a:prstGeom>
-          <a:noFill/>
-        </p:spPr>
-        <p:txBody>
-          <a:bodyPr wrap="square" rtlCol="0">
-            <a:spAutoFit/>
-          </a:bodyPr>
-          <a:lstStyle/>
-          <a:p>
-            <a:r>
-              <a:rPr lang="en-US" dirty="0"/>
-              <a:t>f</a:t>
-            </a:r>
-            <a:r>
-              <a:rPr lang="en-US" dirty="0" smtClean="0"/>
-              <a:t>ield: </a:t>
-            </a:r>
-            <a:r>
-              <a:rPr lang="en-US" dirty="0" err="1" smtClean="0"/>
-              <a:t>val</a:t>
-            </a:r>
-            <a:r>
-              <a:rPr lang="en-US" dirty="0" smtClean="0"/>
-              <a:t/>
-            </a:r>
-            <a:br>
-              <a:rPr lang="en-US" dirty="0" smtClean="0"/>
-            </a:br>
-            <a:r>
-              <a:rPr lang="en-US" dirty="0" err="1" smtClean="0"/>
-              <a:t>field:next</a:t>
-            </a:r>
-            <a:endParaRPr lang="en-US" dirty="0"/>
-          </a:p>
-        </p:txBody>
-      </p:sp>
-    </p:spTree>
-    <p:extLst>
-      <p:ext uri="{BB962C8B-B14F-4D97-AF65-F5344CB8AC3E}">
-        <p14:creationId xmlns:p14="http://schemas.microsoft.com/office/powerpoint/2010/main" val="2320328358"/>
-      </p:ext>
-    </p:extLst>
-  </p:cSld>
-  <p:clrMapOvr>
-    <a:masterClrMapping/>
-  </p:clrMapOvr>
-  <p:timing>
-    <p:tnLst>
-      <p:par>
-        <p:cTn id="1" dur="indefinite" restart="never" nodeType="tmRoot"/>
-      </p:par>
-    </p:tnLst>
-  </p:timing>
-</p:sld>
-</file>
-
-<file path=ppt/slides/slide12.xml><?xml version="1.0" encoding="utf-8"?>
-<p:sld xmlns:a="http://schemas.openxmlformats.org/drawingml/2006/main" xmlns:r="http://schemas.openxmlformats.org/officeDocument/2006/relationships" xmlns:p="http://schemas.openxmlformats.org/presentationml/2006/main">
-  <p:cSld>
-    <p:spTree>
-      <p:nvGrpSpPr>
-        <p:cNvPr id="1" name=""/>
-        <p:cNvGrpSpPr/>
-        <p:nvPr/>
-      </p:nvGrpSpPr>
-      <p:grpSpPr>
-        <a:xfrm>
-          <a:off x="0" y="0"/>
-          <a:ext cx="0" cy="0"/>
-          <a:chOff x="0" y="0"/>
-          <a:chExt cx="0" cy="0"/>
-        </a:xfrm>
-      </p:grpSpPr>
-      <p:sp>
-        <p:nvSpPr>
-          <p:cNvPr id="2" name="Title 1"/>
-          <p:cNvSpPr>
-            <a:spLocks noGrp="1"/>
-          </p:cNvSpPr>
-          <p:nvPr>
-            <p:ph type="title"/>
-          </p:nvPr>
-        </p:nvSpPr>
-        <p:spPr/>
-        <p:txBody>
-          <a:bodyPr/>
-          <a:lstStyle/>
-          <a:p>
-            <a:r>
-              <a:rPr lang="en-US" dirty="0" smtClean="0"/>
               <a:t>Introductory linked list </a:t>
             </a:r>
             <a:r>
@@ -5208,7 +3140,7 @@
 </p:sld>
 </file>
 
-<file path=ppt/slides/slide13.xml><?xml version="1.0" encoding="utf-8"?>
+<file path=ppt/slides/slide11.xml><?xml version="1.0" encoding="utf-8"?>
 <p:sld xmlns:a="http://schemas.openxmlformats.org/drawingml/2006/main" xmlns:r="http://schemas.openxmlformats.org/officeDocument/2006/relationships" xmlns:p="http://schemas.openxmlformats.org/presentationml/2006/main">
   <p:cSld>
     <p:spTree>
@@ -6509,7 +4441,7 @@
 </p:sld>
 </file>
 
-<file path=ppt/slides/slide14.xml><?xml version="1.0" encoding="utf-8"?>
+<file path=ppt/slides/slide12.xml><?xml version="1.0" encoding="utf-8"?>
 <p:sld xmlns:a="http://schemas.openxmlformats.org/drawingml/2006/main" xmlns:r="http://schemas.openxmlformats.org/officeDocument/2006/relationships" xmlns:p="http://schemas.openxmlformats.org/presentationml/2006/main">
   <p:cSld>
     <p:spTree>
@@ -7668,7 +5600,7 @@
 </p:sld>
 </file>
 
-<file path=ppt/slides/slide15.xml><?xml version="1.0" encoding="utf-8"?>
+<file path=ppt/slides/slide13.xml><?xml version="1.0" encoding="utf-8"?>
 <p:sld xmlns:a="http://schemas.openxmlformats.org/drawingml/2006/main" xmlns:r="http://schemas.openxmlformats.org/officeDocument/2006/relationships" xmlns:p="http://schemas.openxmlformats.org/presentationml/2006/main">
   <p:cSld>
     <p:spTree>
@@ -11597,2974 +9529,6 @@
       </p:grpSpPr>
       <p:sp>
         <p:nvSpPr>
-          <p:cNvPr id="2" name="Title 1"/>
-          <p:cNvSpPr>
-            <a:spLocks noGrp="1"/>
-          </p:cNvSpPr>
-          <p:nvPr>
-            <p:ph type="title"/>
-          </p:nvPr>
-        </p:nvSpPr>
-        <p:spPr/>
-        <p:txBody>
-          <a:bodyPr/>
-          <a:lstStyle/>
-          <a:p>
-            <a:r>
-              <a:rPr lang="en-US" dirty="0" smtClean="0"/>
-              <a:t>Some conventions</a:t>
-            </a:r>
-            <a:endParaRPr lang="en-US" dirty="0"/>
-          </a:p>
-        </p:txBody>
-      </p:sp>
-      <p:sp>
-        <p:nvSpPr>
-          <p:cNvPr id="3" name="Content Placeholder 2"/>
-          <p:cNvSpPr>
-            <a:spLocks noGrp="1"/>
-          </p:cNvSpPr>
-          <p:nvPr>
-            <p:ph idx="1"/>
-          </p:nvPr>
-        </p:nvSpPr>
-        <p:spPr/>
-        <p:txBody>
-          <a:bodyPr>
-            <a:normAutofit fontScale="92500" lnSpcReduction="20000"/>
-          </a:bodyPr>
-          <a:lstStyle/>
-          <a:p>
-            <a:r>
-              <a:rPr lang="en-US" dirty="0" smtClean="0"/>
-              <a:t>We use the word </a:t>
-            </a:r>
-            <a:r>
-              <a:rPr lang="en-US" b="1" dirty="0" smtClean="0"/>
-              <a:t>node</a:t>
-            </a:r>
-            <a:r>
-              <a:rPr lang="en-US" dirty="0" smtClean="0"/>
-              <a:t> to mean a structure in the linked list.</a:t>
-            </a:r>
-          </a:p>
-          <a:p>
-            <a:r>
-              <a:rPr lang="en-US" dirty="0" smtClean="0"/>
-              <a:t>We will use the field name </a:t>
-            </a:r>
-            <a:r>
-              <a:rPr lang="en-US" dirty="0" smtClean="0">
-                <a:latin typeface="Courier New" panose="02070309020205020404" pitchFamily="49" charset="0"/>
-                <a:cs typeface="Courier New" panose="02070309020205020404" pitchFamily="49" charset="0"/>
-              </a:rPr>
-              <a:t> next  </a:t>
-            </a:r>
-            <a:r>
-              <a:rPr lang="en-US" dirty="0" smtClean="0"/>
-              <a:t>to indicate the pointer to the next node in the linked list.</a:t>
-            </a:r>
-          </a:p>
-          <a:p>
-            <a:r>
-              <a:rPr lang="en-US" dirty="0" smtClean="0"/>
-              <a:t>We will use the term </a:t>
-            </a:r>
-            <a:r>
-              <a:rPr lang="en-US" b="1" dirty="0" smtClean="0"/>
-              <a:t>head of the linked list </a:t>
-            </a:r>
-            <a:r>
-              <a:rPr lang="en-US" dirty="0" smtClean="0"/>
-              <a:t> or </a:t>
-            </a:r>
-            <a:r>
-              <a:rPr lang="en-US" b="1" dirty="0" smtClean="0"/>
-              <a:t>head node</a:t>
-            </a:r>
-            <a:r>
-              <a:rPr lang="en-US" dirty="0" smtClean="0"/>
-              <a:t> to mean the first node of the linked list.</a:t>
-            </a:r>
-          </a:p>
-          <a:p>
-            <a:r>
-              <a:rPr lang="en-US" dirty="0" smtClean="0"/>
-              <a:t>We will use the term </a:t>
-            </a:r>
-            <a:r>
-              <a:rPr lang="en-US" b="1" dirty="0" smtClean="0"/>
-              <a:t>tail of the linked list</a:t>
-            </a:r>
-            <a:r>
-              <a:rPr lang="en-US" dirty="0" smtClean="0"/>
-              <a:t> or just </a:t>
-            </a:r>
-            <a:r>
-              <a:rPr lang="en-US" b="1" dirty="0" smtClean="0"/>
-              <a:t>tail node</a:t>
-            </a:r>
-            <a:r>
-              <a:rPr lang="en-US" dirty="0" smtClean="0"/>
-              <a:t> to mean the last node of the linked list.</a:t>
-            </a:r>
-          </a:p>
-          <a:p>
-            <a:pPr lvl="1"/>
-            <a:r>
-              <a:rPr lang="en-US" dirty="0" smtClean="0"/>
-              <a:t>For an empty list we have no head node and no tail node.</a:t>
-            </a:r>
-          </a:p>
-          <a:p>
-            <a:pPr lvl="1"/>
-            <a:r>
-              <a:rPr lang="en-US" dirty="0" smtClean="0"/>
-              <a:t>For a list with one element the head node and tail node are the same.</a:t>
-            </a:r>
-          </a:p>
-          <a:p>
-            <a:r>
-              <a:rPr lang="en-US" dirty="0" smtClean="0"/>
-              <a:t>We will use the  </a:t>
-            </a:r>
-            <a:r>
-              <a:rPr lang="en-US" i="1" smtClean="0">
-                <a:latin typeface="Garamond" panose="02020404030301010803" pitchFamily="18" charset="0"/>
-              </a:rPr>
-              <a:t>variable </a:t>
-            </a:r>
-            <a:r>
-              <a:rPr lang="en-US" i="1" smtClean="0">
-                <a:latin typeface="Garamond" panose="02020404030301010803" pitchFamily="18" charset="0"/>
-              </a:rPr>
-              <a:t> </a:t>
-            </a:r>
-            <a:r>
-              <a:rPr lang="en-US" smtClean="0"/>
-              <a:t>named</a:t>
-            </a:r>
-            <a:r>
-              <a:rPr lang="en-US" smtClean="0">
-                <a:latin typeface="Courier New" panose="02070309020205020404" pitchFamily="49" charset="0"/>
-                <a:cs typeface="Courier New" panose="02070309020205020404" pitchFamily="49" charset="0"/>
-              </a:rPr>
-              <a:t>  head  </a:t>
-            </a:r>
-            <a:r>
-              <a:rPr lang="en-US" smtClean="0"/>
-              <a:t>to </a:t>
-            </a:r>
-            <a:r>
-              <a:rPr lang="en-US" dirty="0" smtClean="0"/>
-              <a:t>be a pointer to the </a:t>
-            </a:r>
-            <a:r>
-              <a:rPr lang="en-US" b="1" dirty="0" smtClean="0"/>
-              <a:t>head node</a:t>
-            </a:r>
-            <a:r>
-              <a:rPr lang="en-US" dirty="0" smtClean="0"/>
-              <a:t> of the list. </a:t>
-            </a:r>
-            <a:endParaRPr lang="en-US" dirty="0" smtClean="0"/>
-          </a:p>
-          <a:p>
-            <a:r>
-              <a:rPr lang="en-US" i="1" dirty="0" smtClean="0">
-                <a:latin typeface="Garamond" panose="02020404030301010803" pitchFamily="18" charset="0"/>
-              </a:rPr>
-              <a:t>Note: the </a:t>
-            </a:r>
-            <a:r>
-              <a:rPr lang="en-US" i="1" dirty="0" smtClean="0">
-                <a:latin typeface="Garamond" panose="02020404030301010803" pitchFamily="18" charset="0"/>
-              </a:rPr>
-              <a:t>variable</a:t>
-            </a:r>
-            <a:r>
-              <a:rPr lang="en-US" dirty="0" smtClean="0">
-                <a:latin typeface="Courier New" panose="02070309020205020404" pitchFamily="49" charset="0"/>
-                <a:cs typeface="Courier New" panose="02070309020205020404" pitchFamily="49" charset="0"/>
-              </a:rPr>
-              <a:t> </a:t>
-            </a:r>
-            <a:r>
-              <a:rPr lang="en-US" dirty="0" smtClean="0">
-                <a:latin typeface="Courier New" panose="02070309020205020404" pitchFamily="49" charset="0"/>
-                <a:cs typeface="Courier New" panose="02070309020205020404" pitchFamily="49" charset="0"/>
-              </a:rPr>
-              <a:t> head  </a:t>
-            </a:r>
-            <a:r>
-              <a:rPr lang="en-US" i="1" dirty="0" smtClean="0">
-                <a:latin typeface="Garamond" panose="02020404030301010803" pitchFamily="18" charset="0"/>
-              </a:rPr>
-              <a:t>is </a:t>
-            </a:r>
-            <a:r>
-              <a:rPr lang="en-US" i="1" dirty="0" smtClean="0">
-                <a:latin typeface="Garamond" panose="02020404030301010803" pitchFamily="18" charset="0"/>
-              </a:rPr>
-              <a:t>itself </a:t>
-            </a:r>
-            <a:r>
-              <a:rPr lang="en-US" b="1" i="1" dirty="0" smtClean="0">
-                <a:latin typeface="Garamond" panose="02020404030301010803" pitchFamily="18" charset="0"/>
-              </a:rPr>
-              <a:t>not a node</a:t>
-            </a:r>
-            <a:r>
-              <a:rPr lang="en-US" i="1" dirty="0" smtClean="0">
-                <a:latin typeface="Garamond" panose="02020404030301010803" pitchFamily="18" charset="0"/>
-              </a:rPr>
-              <a:t>, but a </a:t>
-            </a:r>
-            <a:r>
-              <a:rPr lang="en-US" b="1" i="1" dirty="0" smtClean="0">
-                <a:latin typeface="Garamond" panose="02020404030301010803" pitchFamily="18" charset="0"/>
-              </a:rPr>
-              <a:t>pointer</a:t>
-            </a:r>
-            <a:r>
-              <a:rPr lang="en-US" i="1" dirty="0" smtClean="0">
-                <a:latin typeface="Garamond" panose="02020404030301010803" pitchFamily="18" charset="0"/>
-              </a:rPr>
-              <a:t> to the </a:t>
-            </a:r>
-            <a:r>
-              <a:rPr lang="en-US" b="1" dirty="0" smtClean="0"/>
-              <a:t>head node</a:t>
-            </a:r>
-            <a:r>
-              <a:rPr lang="en-US" dirty="0" smtClean="0"/>
-              <a:t>.</a:t>
-            </a:r>
-            <a:endParaRPr lang="en-US" dirty="0"/>
-          </a:p>
-        </p:txBody>
-      </p:sp>
-    </p:spTree>
-    <p:extLst>
-      <p:ext uri="{BB962C8B-B14F-4D97-AF65-F5344CB8AC3E}">
-        <p14:creationId xmlns:p14="http://schemas.microsoft.com/office/powerpoint/2010/main" val="3920169865"/>
-      </p:ext>
-    </p:extLst>
-  </p:cSld>
-  <p:clrMapOvr>
-    <a:masterClrMapping/>
-  </p:clrMapOvr>
-  <p:timing>
-    <p:tnLst>
-      <p:par>
-        <p:cTn id="1" dur="indefinite" restart="never" nodeType="tmRoot"/>
-      </p:par>
-    </p:tnLst>
-  </p:timing>
-</p:sld>
-</file>
-
-<file path=ppt/slides/slide5.xml><?xml version="1.0" encoding="utf-8"?>
-<p:sld xmlns:a="http://schemas.openxmlformats.org/drawingml/2006/main" xmlns:r="http://schemas.openxmlformats.org/officeDocument/2006/relationships" xmlns:p="http://schemas.openxmlformats.org/presentationml/2006/main">
-  <p:cSld>
-    <p:spTree>
-      <p:nvGrpSpPr>
-        <p:cNvPr id="1" name=""/>
-        <p:cNvGrpSpPr/>
-        <p:nvPr/>
-      </p:nvGrpSpPr>
-      <p:grpSpPr>
-        <a:xfrm>
-          <a:off x="0" y="0"/>
-          <a:ext cx="0" cy="0"/>
-          <a:chOff x="0" y="0"/>
-          <a:chExt cx="0" cy="0"/>
-        </a:xfrm>
-      </p:grpSpPr>
-      <p:sp>
-        <p:nvSpPr>
-          <p:cNvPr id="4" name="Title 3"/>
-          <p:cNvSpPr>
-            <a:spLocks noGrp="1"/>
-          </p:cNvSpPr>
-          <p:nvPr>
-            <p:ph type="title"/>
-          </p:nvPr>
-        </p:nvSpPr>
-        <p:spPr/>
-        <p:txBody>
-          <a:bodyPr/>
-          <a:lstStyle/>
-          <a:p>
-            <a:r>
-              <a:rPr lang="en-US" dirty="0" smtClean="0"/>
-              <a:t>Example</a:t>
-            </a:r>
-            <a:endParaRPr lang="en-US" dirty="0"/>
-          </a:p>
-        </p:txBody>
-      </p:sp>
-      <p:sp>
-        <p:nvSpPr>
-          <p:cNvPr id="6" name="TextBox 5"/>
-          <p:cNvSpPr txBox="1"/>
-          <p:nvPr/>
-        </p:nvSpPr>
-        <p:spPr>
-          <a:xfrm>
-            <a:off x="139559" y="1689462"/>
-            <a:ext cx="4172212" cy="3970318"/>
-          </a:xfrm>
-          <a:prstGeom prst="rect">
-            <a:avLst/>
-          </a:prstGeom>
-          <a:noFill/>
-        </p:spPr>
-        <p:txBody>
-          <a:bodyPr wrap="square" rtlCol="0">
-            <a:spAutoFit/>
-          </a:bodyPr>
-          <a:lstStyle/>
-          <a:p>
-            <a:r>
-              <a:rPr lang="en-US" dirty="0" err="1" smtClean="0">
-                <a:latin typeface="Courier New" panose="02070309020205020404" pitchFamily="49" charset="0"/>
-                <a:cs typeface="Courier New" panose="02070309020205020404" pitchFamily="49" charset="0"/>
-              </a:rPr>
-              <a:t>struct</a:t>
-            </a:r>
-            <a:r>
-              <a:rPr lang="en-US" dirty="0" smtClean="0">
-                <a:latin typeface="Courier New" panose="02070309020205020404" pitchFamily="49" charset="0"/>
-                <a:cs typeface="Courier New" panose="02070309020205020404" pitchFamily="49" charset="0"/>
-              </a:rPr>
-              <a:t> node {</a:t>
-            </a:r>
-            <a:br>
-              <a:rPr lang="en-US" dirty="0" smtClean="0">
-                <a:latin typeface="Courier New" panose="02070309020205020404" pitchFamily="49" charset="0"/>
-                <a:cs typeface="Courier New" panose="02070309020205020404" pitchFamily="49" charset="0"/>
-              </a:rPr>
-            </a:br>
-            <a:r>
-              <a:rPr lang="en-US" dirty="0" smtClean="0">
-                <a:latin typeface="Courier New" panose="02070309020205020404" pitchFamily="49" charset="0"/>
-                <a:cs typeface="Courier New" panose="02070309020205020404" pitchFamily="49" charset="0"/>
-              </a:rPr>
-              <a:t>      </a:t>
-            </a:r>
-            <a:r>
-              <a:rPr lang="en-US" dirty="0" err="1" smtClean="0">
-                <a:latin typeface="Courier New" panose="02070309020205020404" pitchFamily="49" charset="0"/>
-                <a:cs typeface="Courier New" panose="02070309020205020404" pitchFamily="49" charset="0"/>
-              </a:rPr>
-              <a:t>int</a:t>
-            </a:r>
-            <a:r>
-              <a:rPr lang="en-US" dirty="0" smtClean="0">
-                <a:latin typeface="Courier New" panose="02070309020205020404" pitchFamily="49" charset="0"/>
-                <a:cs typeface="Courier New" panose="02070309020205020404" pitchFamily="49" charset="0"/>
-              </a:rPr>
-              <a:t> </a:t>
-            </a:r>
-            <a:r>
-              <a:rPr lang="en-US" dirty="0" err="1" smtClean="0">
-                <a:latin typeface="Courier New" panose="02070309020205020404" pitchFamily="49" charset="0"/>
-                <a:cs typeface="Courier New" panose="02070309020205020404" pitchFamily="49" charset="0"/>
-              </a:rPr>
-              <a:t>val</a:t>
-            </a:r>
-            <a:r>
-              <a:rPr lang="en-US" dirty="0" smtClean="0">
-                <a:latin typeface="Courier New" panose="02070309020205020404" pitchFamily="49" charset="0"/>
-                <a:cs typeface="Courier New" panose="02070309020205020404" pitchFamily="49" charset="0"/>
-              </a:rPr>
-              <a:t>;</a:t>
-            </a:r>
-          </a:p>
-          <a:p>
-            <a:r>
-              <a:rPr lang="en-US" dirty="0">
-                <a:latin typeface="Courier New" panose="02070309020205020404" pitchFamily="49" charset="0"/>
-                <a:cs typeface="Courier New" panose="02070309020205020404" pitchFamily="49" charset="0"/>
-              </a:rPr>
-              <a:t> </a:t>
-            </a:r>
-            <a:r>
-              <a:rPr lang="en-US" dirty="0" smtClean="0">
-                <a:latin typeface="Courier New" panose="02070309020205020404" pitchFamily="49" charset="0"/>
-                <a:cs typeface="Courier New" panose="02070309020205020404" pitchFamily="49" charset="0"/>
-              </a:rPr>
-              <a:t>     </a:t>
-            </a:r>
-            <a:r>
-              <a:rPr lang="en-US" dirty="0" err="1" smtClean="0">
-                <a:latin typeface="Courier New" panose="02070309020205020404" pitchFamily="49" charset="0"/>
-                <a:cs typeface="Courier New" panose="02070309020205020404" pitchFamily="49" charset="0"/>
-              </a:rPr>
-              <a:t>struct</a:t>
-            </a:r>
-            <a:r>
-              <a:rPr lang="en-US" dirty="0" smtClean="0">
-                <a:latin typeface="Courier New" panose="02070309020205020404" pitchFamily="49" charset="0"/>
-                <a:cs typeface="Courier New" panose="02070309020205020404" pitchFamily="49" charset="0"/>
-              </a:rPr>
-              <a:t> node * next;</a:t>
-            </a:r>
-          </a:p>
-          <a:p>
-            <a:r>
-              <a:rPr lang="en-US" dirty="0" smtClean="0">
-                <a:latin typeface="Courier New" panose="02070309020205020404" pitchFamily="49" charset="0"/>
-                <a:cs typeface="Courier New" panose="02070309020205020404" pitchFamily="49" charset="0"/>
-              </a:rPr>
-              <a:t>};</a:t>
-            </a:r>
-          </a:p>
-          <a:p>
-            <a:endParaRPr lang="en-US" dirty="0" smtClean="0">
-              <a:latin typeface="Courier New" panose="02070309020205020404" pitchFamily="49" charset="0"/>
-              <a:cs typeface="Courier New" panose="02070309020205020404" pitchFamily="49" charset="0"/>
-            </a:endParaRPr>
-          </a:p>
-          <a:p>
-            <a:r>
-              <a:rPr lang="en-US" dirty="0" err="1" smtClean="0">
-                <a:latin typeface="Courier New" panose="02070309020205020404" pitchFamily="49" charset="0"/>
-                <a:cs typeface="Courier New" panose="02070309020205020404" pitchFamily="49" charset="0"/>
-              </a:rPr>
-              <a:t>typedef</a:t>
-            </a:r>
-            <a:r>
-              <a:rPr lang="en-US" dirty="0" smtClean="0">
-                <a:latin typeface="Courier New" panose="02070309020205020404" pitchFamily="49" charset="0"/>
-                <a:cs typeface="Courier New" panose="02070309020205020404" pitchFamily="49" charset="0"/>
-              </a:rPr>
-              <a:t> </a:t>
-            </a:r>
-            <a:r>
-              <a:rPr lang="en-US" dirty="0" err="1" smtClean="0">
-                <a:latin typeface="Courier New" panose="02070309020205020404" pitchFamily="49" charset="0"/>
-                <a:cs typeface="Courier New" panose="02070309020205020404" pitchFamily="49" charset="0"/>
-              </a:rPr>
-              <a:t>struct</a:t>
-            </a:r>
-            <a:r>
-              <a:rPr lang="en-US" dirty="0" smtClean="0">
-                <a:latin typeface="Courier New" panose="02070309020205020404" pitchFamily="49" charset="0"/>
-                <a:cs typeface="Courier New" panose="02070309020205020404" pitchFamily="49" charset="0"/>
-              </a:rPr>
-              <a:t> node * Node;</a:t>
-            </a:r>
-          </a:p>
-          <a:p>
-            <a:endParaRPr lang="en-US" dirty="0" smtClean="0">
-              <a:latin typeface="Courier New" panose="02070309020205020404" pitchFamily="49" charset="0"/>
-              <a:cs typeface="Courier New" panose="02070309020205020404" pitchFamily="49" charset="0"/>
-            </a:endParaRPr>
-          </a:p>
-          <a:p>
-            <a:endParaRPr lang="en-US" dirty="0">
-              <a:latin typeface="Courier New" panose="02070309020205020404" pitchFamily="49" charset="0"/>
-              <a:cs typeface="Courier New" panose="02070309020205020404" pitchFamily="49" charset="0"/>
-            </a:endParaRPr>
-          </a:p>
-          <a:p>
-            <a:r>
-              <a:rPr lang="en-US" dirty="0" smtClean="0">
-                <a:latin typeface="Courier New" panose="02070309020205020404" pitchFamily="49" charset="0"/>
-                <a:cs typeface="Courier New" panose="02070309020205020404" pitchFamily="49" charset="0"/>
-              </a:rPr>
-              <a:t>Node * head;</a:t>
-            </a:r>
-          </a:p>
-          <a:p>
-            <a:r>
-              <a:rPr lang="en-US" dirty="0" smtClean="0">
-                <a:latin typeface="Courier New" panose="02070309020205020404" pitchFamily="49" charset="0"/>
-                <a:cs typeface="Courier New" panose="02070309020205020404" pitchFamily="49" charset="0"/>
-              </a:rPr>
-              <a:t>Node * l;</a:t>
-            </a:r>
-          </a:p>
-          <a:p>
-            <a:endParaRPr lang="en-US" dirty="0">
-              <a:latin typeface="Courier New" panose="02070309020205020404" pitchFamily="49" charset="0"/>
-              <a:cs typeface="Courier New" panose="02070309020205020404" pitchFamily="49" charset="0"/>
-            </a:endParaRPr>
-          </a:p>
-          <a:p>
-            <a:r>
-              <a:rPr lang="en-US" dirty="0" smtClean="0">
-                <a:latin typeface="Courier New" panose="02070309020205020404" pitchFamily="49" charset="0"/>
-                <a:cs typeface="Courier New" panose="02070309020205020404" pitchFamily="49" charset="0"/>
-              </a:rPr>
-              <a:t>// at some point in time </a:t>
-            </a:r>
-            <a:br>
-              <a:rPr lang="en-US" dirty="0" smtClean="0">
-                <a:latin typeface="Courier New" panose="02070309020205020404" pitchFamily="49" charset="0"/>
-                <a:cs typeface="Courier New" panose="02070309020205020404" pitchFamily="49" charset="0"/>
-              </a:rPr>
-            </a:br>
-            <a:r>
-              <a:rPr lang="en-US" dirty="0" smtClean="0">
-                <a:latin typeface="Courier New" panose="02070309020205020404" pitchFamily="49" charset="0"/>
-                <a:cs typeface="Courier New" panose="02070309020205020404" pitchFamily="49" charset="0"/>
-              </a:rPr>
-              <a:t>// the drawing on the right // shows how the list</a:t>
-            </a:r>
-          </a:p>
-        </p:txBody>
-      </p:sp>
-      <p:grpSp>
-        <p:nvGrpSpPr>
-          <p:cNvPr id="8" name="Group 7"/>
-          <p:cNvGrpSpPr/>
-          <p:nvPr/>
-        </p:nvGrpSpPr>
-        <p:grpSpPr>
-          <a:xfrm>
-            <a:off x="5308881" y="1688572"/>
-            <a:ext cx="1448972" cy="858130"/>
-            <a:chOff x="4535157" y="3362627"/>
-            <a:chExt cx="1448972" cy="858130"/>
-          </a:xfrm>
-        </p:grpSpPr>
-        <p:grpSp>
-          <p:nvGrpSpPr>
-            <p:cNvPr id="9" name="Group 8"/>
-            <p:cNvGrpSpPr/>
-            <p:nvPr/>
-          </p:nvGrpSpPr>
-          <p:grpSpPr>
-            <a:xfrm>
-              <a:off x="4535157" y="3362627"/>
-              <a:ext cx="1434905" cy="858130"/>
-              <a:chOff x="1631852" y="2222695"/>
-              <a:chExt cx="2096086" cy="1547447"/>
-            </a:xfrm>
-          </p:grpSpPr>
-          <p:sp>
-            <p:nvSpPr>
-              <p:cNvPr id="12" name="Rectangle 11"/>
-              <p:cNvSpPr/>
-              <p:nvPr/>
-            </p:nvSpPr>
-            <p:spPr>
-              <a:xfrm>
-                <a:off x="1631852" y="2222695"/>
-                <a:ext cx="2096086" cy="1547447"/>
-              </a:xfrm>
-              <a:prstGeom prst="rect">
-                <a:avLst/>
-              </a:prstGeom>
-              <a:noFill/>
-            </p:spPr>
-            <p:style>
-              <a:lnRef idx="2">
-                <a:schemeClr val="accent1">
-                  <a:shade val="50000"/>
-                </a:schemeClr>
-              </a:lnRef>
-              <a:fillRef idx="1">
-                <a:schemeClr val="accent1"/>
-              </a:fillRef>
-              <a:effectRef idx="0">
-                <a:schemeClr val="accent1"/>
-              </a:effectRef>
-              <a:fontRef idx="minor">
-                <a:schemeClr val="lt1"/>
-              </a:fontRef>
-            </p:style>
-            <p:txBody>
-              <a:bodyPr rtlCol="0" anchor="ctr"/>
-              <a:lstStyle/>
-              <a:p>
-                <a:pPr algn="ctr"/>
-                <a:endParaRPr lang="en-US" dirty="0"/>
-              </a:p>
-            </p:txBody>
-          </p:sp>
-          <p:cxnSp>
-            <p:nvCxnSpPr>
-              <p:cNvPr id="13" name="Straight Connector 12"/>
-              <p:cNvCxnSpPr>
-                <a:stCxn id="12" idx="1"/>
-                <a:endCxn id="12" idx="3"/>
-              </p:cNvCxnSpPr>
-              <p:nvPr/>
-            </p:nvCxnSpPr>
-            <p:spPr>
-              <a:xfrm>
-                <a:off x="1631852" y="2996419"/>
-                <a:ext cx="2096086" cy="0"/>
-              </a:xfrm>
-              <a:prstGeom prst="line">
-                <a:avLst/>
-              </a:prstGeom>
-              <a:ln>
-                <a:solidFill>
-                  <a:schemeClr val="tx1">
-                    <a:lumMod val="85000"/>
-                    <a:lumOff val="15000"/>
-                  </a:schemeClr>
-                </a:solidFill>
-              </a:ln>
-            </p:spPr>
-            <p:style>
-              <a:lnRef idx="1">
-                <a:schemeClr val="accent1"/>
-              </a:lnRef>
-              <a:fillRef idx="0">
-                <a:schemeClr val="accent1"/>
-              </a:fillRef>
-              <a:effectRef idx="0">
-                <a:schemeClr val="accent1"/>
-              </a:effectRef>
-              <a:fontRef idx="minor">
-                <a:schemeClr val="tx1"/>
-              </a:fontRef>
-            </p:style>
-          </p:cxnSp>
-        </p:grpSp>
-        <p:sp>
-          <p:nvSpPr>
-            <p:cNvPr id="10" name="TextBox 9"/>
-            <p:cNvSpPr txBox="1"/>
-            <p:nvPr/>
-          </p:nvSpPr>
-          <p:spPr>
-            <a:xfrm>
-              <a:off x="5146867" y="3400394"/>
-              <a:ext cx="301686" cy="369332"/>
-            </a:xfrm>
-            <a:prstGeom prst="rect">
-              <a:avLst/>
-            </a:prstGeom>
-            <a:solidFill>
-              <a:schemeClr val="accent6">
-                <a:lumMod val="20000"/>
-                <a:lumOff val="80000"/>
-              </a:schemeClr>
-            </a:solidFill>
-          </p:spPr>
-          <p:txBody>
-            <a:bodyPr wrap="none" rtlCol="0">
-              <a:spAutoFit/>
-            </a:bodyPr>
-            <a:lstStyle/>
-            <a:p>
-              <a:r>
-                <a:rPr lang="en-US" dirty="0"/>
-                <a:t>0</a:t>
-              </a:r>
-            </a:p>
-          </p:txBody>
-        </p:sp>
-        <p:sp>
-          <p:nvSpPr>
-            <p:cNvPr id="11" name="TextBox 10"/>
-            <p:cNvSpPr txBox="1"/>
-            <p:nvPr/>
-          </p:nvSpPr>
-          <p:spPr>
-            <a:xfrm>
-              <a:off x="4549224" y="3835626"/>
-              <a:ext cx="1434905" cy="369332"/>
-            </a:xfrm>
-            <a:prstGeom prst="rect">
-              <a:avLst/>
-            </a:prstGeom>
-            <a:solidFill>
-              <a:schemeClr val="accent4">
-                <a:lumMod val="20000"/>
-                <a:lumOff val="80000"/>
-              </a:schemeClr>
-            </a:solidFill>
-          </p:spPr>
-          <p:txBody>
-            <a:bodyPr wrap="square" rtlCol="0">
-              <a:spAutoFit/>
-            </a:bodyPr>
-            <a:lstStyle/>
-            <a:p>
-              <a:endParaRPr lang="en-US" b="1" dirty="0">
-                <a:latin typeface="Courier New" panose="02070309020205020404" pitchFamily="49" charset="0"/>
-                <a:cs typeface="Courier New" panose="02070309020205020404" pitchFamily="49" charset="0"/>
-              </a:endParaRPr>
-            </a:p>
-          </p:txBody>
-        </p:sp>
-      </p:grpSp>
-      <p:grpSp>
-        <p:nvGrpSpPr>
-          <p:cNvPr id="14" name="Group 13"/>
-          <p:cNvGrpSpPr/>
-          <p:nvPr/>
-        </p:nvGrpSpPr>
-        <p:grpSpPr>
-          <a:xfrm>
-            <a:off x="6406942" y="1751183"/>
-            <a:ext cx="2383459" cy="858130"/>
-            <a:chOff x="5633218" y="3425238"/>
-            <a:chExt cx="2383459" cy="858130"/>
-          </a:xfrm>
-        </p:grpSpPr>
-        <p:grpSp>
-          <p:nvGrpSpPr>
-            <p:cNvPr id="15" name="Group 14"/>
-            <p:cNvGrpSpPr/>
-            <p:nvPr/>
-          </p:nvGrpSpPr>
-          <p:grpSpPr>
-            <a:xfrm>
-              <a:off x="6567705" y="3425238"/>
-              <a:ext cx="1434905" cy="858130"/>
-              <a:chOff x="1631852" y="2222695"/>
-              <a:chExt cx="2096086" cy="1547447"/>
-            </a:xfrm>
-          </p:grpSpPr>
-          <p:sp>
-            <p:nvSpPr>
-              <p:cNvPr id="19" name="Rectangle 18"/>
-              <p:cNvSpPr/>
-              <p:nvPr/>
-            </p:nvSpPr>
-            <p:spPr>
-              <a:xfrm>
-                <a:off x="1631852" y="2222695"/>
-                <a:ext cx="2096086" cy="1547447"/>
-              </a:xfrm>
-              <a:prstGeom prst="rect">
-                <a:avLst/>
-              </a:prstGeom>
-              <a:noFill/>
-            </p:spPr>
-            <p:style>
-              <a:lnRef idx="2">
-                <a:schemeClr val="accent1">
-                  <a:shade val="50000"/>
-                </a:schemeClr>
-              </a:lnRef>
-              <a:fillRef idx="1">
-                <a:schemeClr val="accent1"/>
-              </a:fillRef>
-              <a:effectRef idx="0">
-                <a:schemeClr val="accent1"/>
-              </a:effectRef>
-              <a:fontRef idx="minor">
-                <a:schemeClr val="lt1"/>
-              </a:fontRef>
-            </p:style>
-            <p:txBody>
-              <a:bodyPr rtlCol="0" anchor="ctr"/>
-              <a:lstStyle/>
-              <a:p>
-                <a:pPr algn="ctr"/>
-                <a:endParaRPr lang="en-US" dirty="0"/>
-              </a:p>
-            </p:txBody>
-          </p:sp>
-          <p:cxnSp>
-            <p:nvCxnSpPr>
-              <p:cNvPr id="20" name="Straight Connector 19"/>
-              <p:cNvCxnSpPr>
-                <a:stCxn id="19" idx="1"/>
-                <a:endCxn id="19" idx="3"/>
-              </p:cNvCxnSpPr>
-              <p:nvPr/>
-            </p:nvCxnSpPr>
-            <p:spPr>
-              <a:xfrm>
-                <a:off x="1631852" y="2996419"/>
-                <a:ext cx="2096086" cy="0"/>
-              </a:xfrm>
-              <a:prstGeom prst="line">
-                <a:avLst/>
-              </a:prstGeom>
-              <a:ln>
-                <a:solidFill>
-                  <a:schemeClr val="tx1">
-                    <a:lumMod val="85000"/>
-                    <a:lumOff val="15000"/>
-                  </a:schemeClr>
-                </a:solidFill>
-              </a:ln>
-            </p:spPr>
-            <p:style>
-              <a:lnRef idx="1">
-                <a:schemeClr val="accent1"/>
-              </a:lnRef>
-              <a:fillRef idx="0">
-                <a:schemeClr val="accent1"/>
-              </a:fillRef>
-              <a:effectRef idx="0">
-                <a:schemeClr val="accent1"/>
-              </a:effectRef>
-              <a:fontRef idx="minor">
-                <a:schemeClr val="tx1"/>
-              </a:fontRef>
-            </p:style>
-          </p:cxnSp>
-        </p:grpSp>
-        <p:sp>
-          <p:nvSpPr>
-            <p:cNvPr id="16" name="TextBox 15"/>
-            <p:cNvSpPr txBox="1"/>
-            <p:nvPr/>
-          </p:nvSpPr>
-          <p:spPr>
-            <a:xfrm>
-              <a:off x="7148381" y="3455105"/>
-              <a:ext cx="301686" cy="369332"/>
-            </a:xfrm>
-            <a:prstGeom prst="rect">
-              <a:avLst/>
-            </a:prstGeom>
-            <a:solidFill>
-              <a:schemeClr val="accent6">
-                <a:lumMod val="20000"/>
-                <a:lumOff val="80000"/>
-              </a:schemeClr>
-            </a:solidFill>
-          </p:spPr>
-          <p:txBody>
-            <a:bodyPr wrap="none" rtlCol="0">
-              <a:spAutoFit/>
-            </a:bodyPr>
-            <a:lstStyle/>
-            <a:p>
-              <a:r>
-                <a:rPr lang="en-US" dirty="0" smtClean="0"/>
-                <a:t>1</a:t>
-              </a:r>
-              <a:endParaRPr lang="en-US" dirty="0"/>
-            </a:p>
-          </p:txBody>
-        </p:sp>
-        <p:sp>
-          <p:nvSpPr>
-            <p:cNvPr id="17" name="TextBox 16"/>
-            <p:cNvSpPr txBox="1"/>
-            <p:nvPr/>
-          </p:nvSpPr>
-          <p:spPr>
-            <a:xfrm>
-              <a:off x="6581772" y="3898237"/>
-              <a:ext cx="1434905" cy="369332"/>
-            </a:xfrm>
-            <a:prstGeom prst="rect">
-              <a:avLst/>
-            </a:prstGeom>
-            <a:solidFill>
-              <a:schemeClr val="accent4">
-                <a:lumMod val="20000"/>
-                <a:lumOff val="80000"/>
-              </a:schemeClr>
-            </a:solidFill>
-          </p:spPr>
-          <p:txBody>
-            <a:bodyPr wrap="square" rtlCol="0">
-              <a:spAutoFit/>
-            </a:bodyPr>
-            <a:lstStyle/>
-            <a:p>
-              <a:endParaRPr lang="en-US" b="1" dirty="0">
-                <a:latin typeface="Courier New" panose="02070309020205020404" pitchFamily="49" charset="0"/>
-                <a:cs typeface="Courier New" panose="02070309020205020404" pitchFamily="49" charset="0"/>
-              </a:endParaRPr>
-            </a:p>
-          </p:txBody>
-        </p:sp>
-        <p:cxnSp>
-          <p:nvCxnSpPr>
-            <p:cNvPr id="18" name="Straight Arrow Connector 17"/>
-            <p:cNvCxnSpPr/>
-            <p:nvPr/>
-          </p:nvCxnSpPr>
-          <p:spPr>
-            <a:xfrm flipV="1">
-              <a:off x="5633218" y="4064226"/>
-              <a:ext cx="724039" cy="4218"/>
-            </a:xfrm>
-            <a:prstGeom prst="straightConnector1">
-              <a:avLst/>
-            </a:prstGeom>
-            <a:ln w="38100">
-              <a:solidFill>
-                <a:schemeClr val="tx1">
-                  <a:lumMod val="85000"/>
-                  <a:lumOff val="15000"/>
-                </a:schemeClr>
-              </a:solidFill>
-              <a:tailEnd type="triangle"/>
-            </a:ln>
-          </p:spPr>
-          <p:style>
-            <a:lnRef idx="1">
-              <a:schemeClr val="accent1"/>
-            </a:lnRef>
-            <a:fillRef idx="0">
-              <a:schemeClr val="accent1"/>
-            </a:fillRef>
-            <a:effectRef idx="0">
-              <a:schemeClr val="accent1"/>
-            </a:effectRef>
-            <a:fontRef idx="minor">
-              <a:schemeClr val="tx1"/>
-            </a:fontRef>
-          </p:style>
-        </p:cxnSp>
-      </p:grpSp>
-      <p:grpSp>
-        <p:nvGrpSpPr>
-          <p:cNvPr id="21" name="Group 20"/>
-          <p:cNvGrpSpPr/>
-          <p:nvPr/>
-        </p:nvGrpSpPr>
-        <p:grpSpPr>
-          <a:xfrm>
-            <a:off x="8502781" y="1702011"/>
-            <a:ext cx="2383459" cy="858130"/>
-            <a:chOff x="5633218" y="3425238"/>
-            <a:chExt cx="2383459" cy="858130"/>
-          </a:xfrm>
-        </p:grpSpPr>
-        <p:grpSp>
-          <p:nvGrpSpPr>
-            <p:cNvPr id="22" name="Group 21"/>
-            <p:cNvGrpSpPr/>
-            <p:nvPr/>
-          </p:nvGrpSpPr>
-          <p:grpSpPr>
-            <a:xfrm>
-              <a:off x="6567705" y="3425238"/>
-              <a:ext cx="1434905" cy="858130"/>
-              <a:chOff x="1631852" y="2222695"/>
-              <a:chExt cx="2096086" cy="1547447"/>
-            </a:xfrm>
-          </p:grpSpPr>
-          <p:sp>
-            <p:nvSpPr>
-              <p:cNvPr id="26" name="Rectangle 25"/>
-              <p:cNvSpPr/>
-              <p:nvPr/>
-            </p:nvSpPr>
-            <p:spPr>
-              <a:xfrm>
-                <a:off x="1631852" y="2222695"/>
-                <a:ext cx="2096086" cy="1547447"/>
-              </a:xfrm>
-              <a:prstGeom prst="rect">
-                <a:avLst/>
-              </a:prstGeom>
-              <a:noFill/>
-            </p:spPr>
-            <p:style>
-              <a:lnRef idx="2">
-                <a:schemeClr val="accent1">
-                  <a:shade val="50000"/>
-                </a:schemeClr>
-              </a:lnRef>
-              <a:fillRef idx="1">
-                <a:schemeClr val="accent1"/>
-              </a:fillRef>
-              <a:effectRef idx="0">
-                <a:schemeClr val="accent1"/>
-              </a:effectRef>
-              <a:fontRef idx="minor">
-                <a:schemeClr val="lt1"/>
-              </a:fontRef>
-            </p:style>
-            <p:txBody>
-              <a:bodyPr rtlCol="0" anchor="ctr"/>
-              <a:lstStyle/>
-              <a:p>
-                <a:pPr algn="ctr"/>
-                <a:endParaRPr lang="en-US" dirty="0"/>
-              </a:p>
-            </p:txBody>
-          </p:sp>
-          <p:cxnSp>
-            <p:nvCxnSpPr>
-              <p:cNvPr id="27" name="Straight Connector 26"/>
-              <p:cNvCxnSpPr>
-                <a:stCxn id="26" idx="1"/>
-                <a:endCxn id="26" idx="3"/>
-              </p:cNvCxnSpPr>
-              <p:nvPr/>
-            </p:nvCxnSpPr>
-            <p:spPr>
-              <a:xfrm>
-                <a:off x="1631852" y="2996419"/>
-                <a:ext cx="2096086" cy="0"/>
-              </a:xfrm>
-              <a:prstGeom prst="line">
-                <a:avLst/>
-              </a:prstGeom>
-              <a:ln>
-                <a:solidFill>
-                  <a:schemeClr val="tx1">
-                    <a:lumMod val="85000"/>
-                    <a:lumOff val="15000"/>
-                  </a:schemeClr>
-                </a:solidFill>
-              </a:ln>
-            </p:spPr>
-            <p:style>
-              <a:lnRef idx="1">
-                <a:schemeClr val="accent1"/>
-              </a:lnRef>
-              <a:fillRef idx="0">
-                <a:schemeClr val="accent1"/>
-              </a:fillRef>
-              <a:effectRef idx="0">
-                <a:schemeClr val="accent1"/>
-              </a:effectRef>
-              <a:fontRef idx="minor">
-                <a:schemeClr val="tx1"/>
-              </a:fontRef>
-            </p:style>
-          </p:cxnSp>
-        </p:grpSp>
-        <p:sp>
-          <p:nvSpPr>
-            <p:cNvPr id="23" name="TextBox 22"/>
-            <p:cNvSpPr txBox="1"/>
-            <p:nvPr/>
-          </p:nvSpPr>
-          <p:spPr>
-            <a:xfrm>
-              <a:off x="7148381" y="3455105"/>
-              <a:ext cx="301686" cy="369332"/>
-            </a:xfrm>
-            <a:prstGeom prst="rect">
-              <a:avLst/>
-            </a:prstGeom>
-            <a:solidFill>
-              <a:schemeClr val="accent6">
-                <a:lumMod val="20000"/>
-                <a:lumOff val="80000"/>
-              </a:schemeClr>
-            </a:solidFill>
-          </p:spPr>
-          <p:txBody>
-            <a:bodyPr wrap="none" rtlCol="0">
-              <a:spAutoFit/>
-            </a:bodyPr>
-            <a:lstStyle/>
-            <a:p>
-              <a:r>
-                <a:rPr lang="en-US" dirty="0"/>
-                <a:t>2</a:t>
-              </a:r>
-            </a:p>
-          </p:txBody>
-        </p:sp>
-        <p:sp>
-          <p:nvSpPr>
-            <p:cNvPr id="24" name="TextBox 23"/>
-            <p:cNvSpPr txBox="1"/>
-            <p:nvPr/>
-          </p:nvSpPr>
-          <p:spPr>
-            <a:xfrm>
-              <a:off x="6581772" y="3898237"/>
-              <a:ext cx="1434905" cy="369332"/>
-            </a:xfrm>
-            <a:prstGeom prst="rect">
-              <a:avLst/>
-            </a:prstGeom>
-            <a:solidFill>
-              <a:schemeClr val="accent4">
-                <a:lumMod val="20000"/>
-                <a:lumOff val="80000"/>
-              </a:schemeClr>
-            </a:solidFill>
-          </p:spPr>
-          <p:txBody>
-            <a:bodyPr wrap="square" rtlCol="0">
-              <a:spAutoFit/>
-            </a:bodyPr>
-            <a:lstStyle/>
-            <a:p>
-              <a:endParaRPr lang="en-US" b="1" dirty="0">
-                <a:latin typeface="Courier New" panose="02070309020205020404" pitchFamily="49" charset="0"/>
-                <a:cs typeface="Courier New" panose="02070309020205020404" pitchFamily="49" charset="0"/>
-              </a:endParaRPr>
-            </a:p>
-          </p:txBody>
-        </p:sp>
-        <p:cxnSp>
-          <p:nvCxnSpPr>
-            <p:cNvPr id="25" name="Straight Arrow Connector 24"/>
-            <p:cNvCxnSpPr/>
-            <p:nvPr/>
-          </p:nvCxnSpPr>
-          <p:spPr>
-            <a:xfrm flipV="1">
-              <a:off x="5633218" y="4064226"/>
-              <a:ext cx="724039" cy="4218"/>
-            </a:xfrm>
-            <a:prstGeom prst="straightConnector1">
-              <a:avLst/>
-            </a:prstGeom>
-            <a:ln w="38100">
-              <a:solidFill>
-                <a:schemeClr val="tx1">
-                  <a:lumMod val="85000"/>
-                  <a:lumOff val="15000"/>
-                </a:schemeClr>
-              </a:solidFill>
-              <a:tailEnd type="triangle"/>
-            </a:ln>
-          </p:spPr>
-          <p:style>
-            <a:lnRef idx="1">
-              <a:schemeClr val="accent1"/>
-            </a:lnRef>
-            <a:fillRef idx="0">
-              <a:schemeClr val="accent1"/>
-            </a:fillRef>
-            <a:effectRef idx="0">
-              <a:schemeClr val="accent1"/>
-            </a:effectRef>
-            <a:fontRef idx="minor">
-              <a:schemeClr val="tx1"/>
-            </a:fontRef>
-          </p:style>
-        </p:cxnSp>
-      </p:grpSp>
-      <p:grpSp>
-        <p:nvGrpSpPr>
-          <p:cNvPr id="28" name="Group 27"/>
-          <p:cNvGrpSpPr/>
-          <p:nvPr/>
-        </p:nvGrpSpPr>
-        <p:grpSpPr>
-          <a:xfrm>
-            <a:off x="9462803" y="2263601"/>
-            <a:ext cx="1448972" cy="1411886"/>
-            <a:chOff x="6567705" y="2871482"/>
-            <a:chExt cx="1448972" cy="1411886"/>
-          </a:xfrm>
-        </p:grpSpPr>
-        <p:grpSp>
-          <p:nvGrpSpPr>
-            <p:cNvPr id="29" name="Group 28"/>
-            <p:cNvGrpSpPr/>
-            <p:nvPr/>
-          </p:nvGrpSpPr>
-          <p:grpSpPr>
-            <a:xfrm>
-              <a:off x="6567705" y="3425238"/>
-              <a:ext cx="1434905" cy="858130"/>
-              <a:chOff x="1631852" y="2222695"/>
-              <a:chExt cx="2096086" cy="1547447"/>
-            </a:xfrm>
-          </p:grpSpPr>
-          <p:sp>
-            <p:nvSpPr>
-              <p:cNvPr id="33" name="Rectangle 32"/>
-              <p:cNvSpPr/>
-              <p:nvPr/>
-            </p:nvSpPr>
-            <p:spPr>
-              <a:xfrm>
-                <a:off x="1631852" y="2222695"/>
-                <a:ext cx="2096086" cy="1547447"/>
-              </a:xfrm>
-              <a:prstGeom prst="rect">
-                <a:avLst/>
-              </a:prstGeom>
-              <a:noFill/>
-            </p:spPr>
-            <p:style>
-              <a:lnRef idx="2">
-                <a:schemeClr val="accent1">
-                  <a:shade val="50000"/>
-                </a:schemeClr>
-              </a:lnRef>
-              <a:fillRef idx="1">
-                <a:schemeClr val="accent1"/>
-              </a:fillRef>
-              <a:effectRef idx="0">
-                <a:schemeClr val="accent1"/>
-              </a:effectRef>
-              <a:fontRef idx="minor">
-                <a:schemeClr val="lt1"/>
-              </a:fontRef>
-            </p:style>
-            <p:txBody>
-              <a:bodyPr rtlCol="0" anchor="ctr"/>
-              <a:lstStyle/>
-              <a:p>
-                <a:pPr algn="ctr"/>
-                <a:endParaRPr lang="en-US" dirty="0"/>
-              </a:p>
-            </p:txBody>
-          </p:sp>
-          <p:cxnSp>
-            <p:nvCxnSpPr>
-              <p:cNvPr id="34" name="Straight Connector 33"/>
-              <p:cNvCxnSpPr>
-                <a:stCxn id="33" idx="1"/>
-                <a:endCxn id="33" idx="3"/>
-              </p:cNvCxnSpPr>
-              <p:nvPr/>
-            </p:nvCxnSpPr>
-            <p:spPr>
-              <a:xfrm>
-                <a:off x="1631852" y="2996419"/>
-                <a:ext cx="2096086" cy="0"/>
-              </a:xfrm>
-              <a:prstGeom prst="line">
-                <a:avLst/>
-              </a:prstGeom>
-              <a:ln>
-                <a:solidFill>
-                  <a:schemeClr val="tx1">
-                    <a:lumMod val="85000"/>
-                    <a:lumOff val="15000"/>
-                  </a:schemeClr>
-                </a:solidFill>
-              </a:ln>
-            </p:spPr>
-            <p:style>
-              <a:lnRef idx="1">
-                <a:schemeClr val="accent1"/>
-              </a:lnRef>
-              <a:fillRef idx="0">
-                <a:schemeClr val="accent1"/>
-              </a:fillRef>
-              <a:effectRef idx="0">
-                <a:schemeClr val="accent1"/>
-              </a:effectRef>
-              <a:fontRef idx="minor">
-                <a:schemeClr val="tx1"/>
-              </a:fontRef>
-            </p:style>
-          </p:cxnSp>
-        </p:grpSp>
-        <p:sp>
-          <p:nvSpPr>
-            <p:cNvPr id="30" name="TextBox 29"/>
-            <p:cNvSpPr txBox="1"/>
-            <p:nvPr/>
-          </p:nvSpPr>
-          <p:spPr>
-            <a:xfrm>
-              <a:off x="7148381" y="3455105"/>
-              <a:ext cx="301686" cy="369332"/>
-            </a:xfrm>
-            <a:prstGeom prst="rect">
-              <a:avLst/>
-            </a:prstGeom>
-            <a:solidFill>
-              <a:schemeClr val="accent6">
-                <a:lumMod val="20000"/>
-                <a:lumOff val="80000"/>
-              </a:schemeClr>
-            </a:solidFill>
-          </p:spPr>
-          <p:txBody>
-            <a:bodyPr wrap="none" rtlCol="0">
-              <a:spAutoFit/>
-            </a:bodyPr>
-            <a:lstStyle/>
-            <a:p>
-              <a:r>
-                <a:rPr lang="en-US" dirty="0" smtClean="0"/>
-                <a:t>3</a:t>
-              </a:r>
-              <a:endParaRPr lang="en-US" dirty="0"/>
-            </a:p>
-          </p:txBody>
-        </p:sp>
-        <p:sp>
-          <p:nvSpPr>
-            <p:cNvPr id="31" name="TextBox 30"/>
-            <p:cNvSpPr txBox="1"/>
-            <p:nvPr/>
-          </p:nvSpPr>
-          <p:spPr>
-            <a:xfrm>
-              <a:off x="6581772" y="3898237"/>
-              <a:ext cx="1434905" cy="369332"/>
-            </a:xfrm>
-            <a:prstGeom prst="rect">
-              <a:avLst/>
-            </a:prstGeom>
-            <a:solidFill>
-              <a:schemeClr val="accent4">
-                <a:lumMod val="20000"/>
-                <a:lumOff val="80000"/>
-              </a:schemeClr>
-            </a:solidFill>
-          </p:spPr>
-          <p:txBody>
-            <a:bodyPr wrap="square" rtlCol="0">
-              <a:spAutoFit/>
-            </a:bodyPr>
-            <a:lstStyle/>
-            <a:p>
-              <a:endParaRPr lang="en-US" b="1" dirty="0">
-                <a:latin typeface="Courier New" panose="02070309020205020404" pitchFamily="49" charset="0"/>
-                <a:cs typeface="Courier New" panose="02070309020205020404" pitchFamily="49" charset="0"/>
-              </a:endParaRPr>
-            </a:p>
-          </p:txBody>
-        </p:sp>
-        <p:cxnSp>
-          <p:nvCxnSpPr>
-            <p:cNvPr id="32" name="Straight Arrow Connector 31"/>
-            <p:cNvCxnSpPr/>
-            <p:nvPr/>
-          </p:nvCxnSpPr>
-          <p:spPr>
-            <a:xfrm flipH="1">
-              <a:off x="6728400" y="2871482"/>
-              <a:ext cx="393424" cy="582650"/>
-            </a:xfrm>
-            <a:prstGeom prst="straightConnector1">
-              <a:avLst/>
-            </a:prstGeom>
-            <a:ln w="38100">
-              <a:solidFill>
-                <a:schemeClr val="tx1">
-                  <a:lumMod val="85000"/>
-                  <a:lumOff val="15000"/>
-                </a:schemeClr>
-              </a:solidFill>
-              <a:tailEnd type="triangle"/>
-            </a:ln>
-          </p:spPr>
-          <p:style>
-            <a:lnRef idx="1">
-              <a:schemeClr val="accent1"/>
-            </a:lnRef>
-            <a:fillRef idx="0">
-              <a:schemeClr val="accent1"/>
-            </a:fillRef>
-            <a:effectRef idx="0">
-              <a:schemeClr val="accent1"/>
-            </a:effectRef>
-            <a:fontRef idx="minor">
-              <a:schemeClr val="tx1"/>
-            </a:fontRef>
-          </p:style>
-        </p:cxnSp>
-      </p:grpSp>
-      <p:grpSp>
-        <p:nvGrpSpPr>
-          <p:cNvPr id="35" name="Group 34"/>
-          <p:cNvGrpSpPr/>
-          <p:nvPr/>
-        </p:nvGrpSpPr>
-        <p:grpSpPr>
-          <a:xfrm>
-            <a:off x="9451335" y="3487066"/>
-            <a:ext cx="1448972" cy="1321944"/>
-            <a:chOff x="6567705" y="2961424"/>
-            <a:chExt cx="1448972" cy="1321944"/>
-          </a:xfrm>
-        </p:grpSpPr>
-        <p:grpSp>
-          <p:nvGrpSpPr>
-            <p:cNvPr id="36" name="Group 35"/>
-            <p:cNvGrpSpPr/>
-            <p:nvPr/>
-          </p:nvGrpSpPr>
-          <p:grpSpPr>
-            <a:xfrm>
-              <a:off x="6567705" y="3425238"/>
-              <a:ext cx="1434905" cy="858130"/>
-              <a:chOff x="1631852" y="2222695"/>
-              <a:chExt cx="2096086" cy="1547447"/>
-            </a:xfrm>
-          </p:grpSpPr>
-          <p:sp>
-            <p:nvSpPr>
-              <p:cNvPr id="40" name="Rectangle 39"/>
-              <p:cNvSpPr/>
-              <p:nvPr/>
-            </p:nvSpPr>
-            <p:spPr>
-              <a:xfrm>
-                <a:off x="1631852" y="2222695"/>
-                <a:ext cx="2096086" cy="1547447"/>
-              </a:xfrm>
-              <a:prstGeom prst="rect">
-                <a:avLst/>
-              </a:prstGeom>
-              <a:noFill/>
-            </p:spPr>
-            <p:style>
-              <a:lnRef idx="2">
-                <a:schemeClr val="accent1">
-                  <a:shade val="50000"/>
-                </a:schemeClr>
-              </a:lnRef>
-              <a:fillRef idx="1">
-                <a:schemeClr val="accent1"/>
-              </a:fillRef>
-              <a:effectRef idx="0">
-                <a:schemeClr val="accent1"/>
-              </a:effectRef>
-              <a:fontRef idx="minor">
-                <a:schemeClr val="lt1"/>
-              </a:fontRef>
-            </p:style>
-            <p:txBody>
-              <a:bodyPr rtlCol="0" anchor="ctr"/>
-              <a:lstStyle/>
-              <a:p>
-                <a:pPr algn="ctr"/>
-                <a:endParaRPr lang="en-US" dirty="0"/>
-              </a:p>
-            </p:txBody>
-          </p:sp>
-          <p:cxnSp>
-            <p:nvCxnSpPr>
-              <p:cNvPr id="41" name="Straight Connector 40"/>
-              <p:cNvCxnSpPr>
-                <a:stCxn id="40" idx="1"/>
-                <a:endCxn id="40" idx="3"/>
-              </p:cNvCxnSpPr>
-              <p:nvPr/>
-            </p:nvCxnSpPr>
-            <p:spPr>
-              <a:xfrm>
-                <a:off x="1631852" y="2996419"/>
-                <a:ext cx="2096086" cy="0"/>
-              </a:xfrm>
-              <a:prstGeom prst="line">
-                <a:avLst/>
-              </a:prstGeom>
-              <a:ln>
-                <a:solidFill>
-                  <a:schemeClr val="tx1">
-                    <a:lumMod val="85000"/>
-                    <a:lumOff val="15000"/>
-                  </a:schemeClr>
-                </a:solidFill>
-              </a:ln>
-            </p:spPr>
-            <p:style>
-              <a:lnRef idx="1">
-                <a:schemeClr val="accent1"/>
-              </a:lnRef>
-              <a:fillRef idx="0">
-                <a:schemeClr val="accent1"/>
-              </a:fillRef>
-              <a:effectRef idx="0">
-                <a:schemeClr val="accent1"/>
-              </a:effectRef>
-              <a:fontRef idx="minor">
-                <a:schemeClr val="tx1"/>
-              </a:fontRef>
-            </p:style>
-          </p:cxnSp>
-        </p:grpSp>
-        <p:sp>
-          <p:nvSpPr>
-            <p:cNvPr id="37" name="TextBox 36"/>
-            <p:cNvSpPr txBox="1"/>
-            <p:nvPr/>
-          </p:nvSpPr>
-          <p:spPr>
-            <a:xfrm>
-              <a:off x="7148381" y="3455105"/>
-              <a:ext cx="301686" cy="369332"/>
-            </a:xfrm>
-            <a:prstGeom prst="rect">
-              <a:avLst/>
-            </a:prstGeom>
-            <a:solidFill>
-              <a:schemeClr val="accent6">
-                <a:lumMod val="20000"/>
-                <a:lumOff val="80000"/>
-              </a:schemeClr>
-            </a:solidFill>
-          </p:spPr>
-          <p:txBody>
-            <a:bodyPr wrap="none" rtlCol="0">
-              <a:spAutoFit/>
-            </a:bodyPr>
-            <a:lstStyle/>
-            <a:p>
-              <a:r>
-                <a:rPr lang="en-US" dirty="0"/>
-                <a:t>4</a:t>
-              </a:r>
-            </a:p>
-          </p:txBody>
-        </p:sp>
-        <p:sp>
-          <p:nvSpPr>
-            <p:cNvPr id="38" name="TextBox 37"/>
-            <p:cNvSpPr txBox="1"/>
-            <p:nvPr/>
-          </p:nvSpPr>
-          <p:spPr>
-            <a:xfrm>
-              <a:off x="6581772" y="3898237"/>
-              <a:ext cx="1434905" cy="369332"/>
-            </a:xfrm>
-            <a:prstGeom prst="rect">
-              <a:avLst/>
-            </a:prstGeom>
-            <a:solidFill>
-              <a:schemeClr val="accent4">
-                <a:lumMod val="20000"/>
-                <a:lumOff val="80000"/>
-              </a:schemeClr>
-            </a:solidFill>
-          </p:spPr>
-          <p:txBody>
-            <a:bodyPr wrap="square" rtlCol="0">
-              <a:spAutoFit/>
-            </a:bodyPr>
-            <a:lstStyle/>
-            <a:p>
-              <a:endParaRPr lang="en-US" b="1" dirty="0">
-                <a:latin typeface="Courier New" panose="02070309020205020404" pitchFamily="49" charset="0"/>
-                <a:cs typeface="Courier New" panose="02070309020205020404" pitchFamily="49" charset="0"/>
-              </a:endParaRPr>
-            </a:p>
-          </p:txBody>
-        </p:sp>
-        <p:cxnSp>
-          <p:nvCxnSpPr>
-            <p:cNvPr id="39" name="Straight Arrow Connector 38"/>
-            <p:cNvCxnSpPr/>
-            <p:nvPr/>
-          </p:nvCxnSpPr>
-          <p:spPr>
-            <a:xfrm flipH="1">
-              <a:off x="6728400" y="2961424"/>
-              <a:ext cx="306513" cy="492708"/>
-            </a:xfrm>
-            <a:prstGeom prst="straightConnector1">
-              <a:avLst/>
-            </a:prstGeom>
-            <a:ln w="38100">
-              <a:solidFill>
-                <a:schemeClr val="tx1">
-                  <a:lumMod val="85000"/>
-                  <a:lumOff val="15000"/>
-                </a:schemeClr>
-              </a:solidFill>
-              <a:tailEnd type="triangle"/>
-            </a:ln>
-          </p:spPr>
-          <p:style>
-            <a:lnRef idx="1">
-              <a:schemeClr val="accent1"/>
-            </a:lnRef>
-            <a:fillRef idx="0">
-              <a:schemeClr val="accent1"/>
-            </a:fillRef>
-            <a:effectRef idx="0">
-              <a:schemeClr val="accent1"/>
-            </a:effectRef>
-            <a:fontRef idx="minor">
-              <a:schemeClr val="tx1"/>
-            </a:fontRef>
-          </p:style>
-        </p:cxnSp>
-      </p:grpSp>
-      <p:cxnSp>
-        <p:nvCxnSpPr>
-          <p:cNvPr id="42" name="Curved Connector 41"/>
-          <p:cNvCxnSpPr/>
-          <p:nvPr/>
-        </p:nvCxnSpPr>
-        <p:spPr>
-          <a:xfrm flipV="1">
-            <a:off x="10322811" y="4607295"/>
-            <a:ext cx="765712" cy="27908"/>
-          </a:xfrm>
-          <a:prstGeom prst="curvedConnector3">
-            <a:avLst/>
-          </a:prstGeom>
-          <a:ln w="38100">
-            <a:solidFill>
-              <a:schemeClr val="accent1"/>
-            </a:solidFill>
-            <a:tailEnd type="triangle"/>
-          </a:ln>
-        </p:spPr>
-        <p:style>
-          <a:lnRef idx="1">
-            <a:schemeClr val="accent1"/>
-          </a:lnRef>
-          <a:fillRef idx="0">
-            <a:schemeClr val="accent1"/>
-          </a:fillRef>
-          <a:effectRef idx="0">
-            <a:schemeClr val="accent1"/>
-          </a:effectRef>
-          <a:fontRef idx="minor">
-            <a:schemeClr val="tx1"/>
-          </a:fontRef>
-        </p:style>
-      </p:cxnSp>
-      <p:sp>
-        <p:nvSpPr>
-          <p:cNvPr id="43" name="TextBox 42"/>
-          <p:cNvSpPr txBox="1"/>
-          <p:nvPr/>
-        </p:nvSpPr>
-        <p:spPr>
-          <a:xfrm>
-            <a:off x="11140758" y="4423879"/>
-            <a:ext cx="922047" cy="461665"/>
-          </a:xfrm>
-          <a:prstGeom prst="rect">
-            <a:avLst/>
-          </a:prstGeom>
-          <a:noFill/>
-          <a:ln>
-            <a:solidFill>
-              <a:schemeClr val="accent1"/>
-            </a:solidFill>
-          </a:ln>
-        </p:spPr>
-        <p:txBody>
-          <a:bodyPr wrap="none" rtlCol="0">
-            <a:spAutoFit/>
-          </a:bodyPr>
-          <a:lstStyle/>
-          <a:p>
-            <a:r>
-              <a:rPr lang="en-US" sz="2400" dirty="0" smtClean="0">
-                <a:ln w="0"/>
-                <a:solidFill>
-                  <a:schemeClr val="accent1"/>
-                </a:solidFill>
-                <a:effectLst>
-                  <a:outerShdw blurRad="38100" dist="25400" dir="5400000" algn="ctr" rotWithShape="0">
-                    <a:srgbClr val="6E747A">
-                      <a:alpha val="43000"/>
-                    </a:srgbClr>
-                  </a:outerShdw>
-                </a:effectLst>
-                <a:latin typeface="Courier New" panose="02070309020205020404" pitchFamily="49" charset="0"/>
-                <a:cs typeface="Courier New" panose="02070309020205020404" pitchFamily="49" charset="0"/>
-              </a:rPr>
-              <a:t>NULL</a:t>
-            </a:r>
-            <a:endParaRPr lang="en-US" sz="2400" dirty="0">
-              <a:ln w="0"/>
-              <a:solidFill>
-                <a:schemeClr val="accent1"/>
-              </a:solidFill>
-              <a:effectLst>
-                <a:outerShdw blurRad="38100" dist="25400" dir="5400000" algn="ctr" rotWithShape="0">
-                  <a:srgbClr val="6E747A">
-                    <a:alpha val="43000"/>
-                  </a:srgbClr>
-                </a:outerShdw>
-              </a:effectLst>
-              <a:latin typeface="Courier New" panose="02070309020205020404" pitchFamily="49" charset="0"/>
-              <a:cs typeface="Courier New" panose="02070309020205020404" pitchFamily="49" charset="0"/>
-            </a:endParaRPr>
-          </a:p>
-        </p:txBody>
-      </p:sp>
-      <p:sp>
-        <p:nvSpPr>
-          <p:cNvPr id="44" name="Rectangle 43"/>
-          <p:cNvSpPr/>
-          <p:nvPr/>
-        </p:nvSpPr>
-        <p:spPr>
-          <a:xfrm>
-            <a:off x="8485725" y="352665"/>
-            <a:ext cx="1480457" cy="362858"/>
-          </a:xfrm>
-          <a:prstGeom prst="rect">
-            <a:avLst/>
-          </a:prstGeom>
-          <a:noFill/>
-          <a:ln w="38100"/>
-        </p:spPr>
-        <p:style>
-          <a:lnRef idx="2">
-            <a:schemeClr val="accent1">
-              <a:shade val="50000"/>
-            </a:schemeClr>
-          </a:lnRef>
-          <a:fillRef idx="1">
-            <a:schemeClr val="accent1"/>
-          </a:fillRef>
-          <a:effectRef idx="0">
-            <a:schemeClr val="accent1"/>
-          </a:effectRef>
-          <a:fontRef idx="minor">
-            <a:schemeClr val="lt1"/>
-          </a:fontRef>
-        </p:style>
-        <p:txBody>
-          <a:bodyPr rtlCol="0" anchor="ctr"/>
-          <a:lstStyle/>
-          <a:p>
-            <a:endParaRPr lang="en-US" b="1" dirty="0">
-              <a:solidFill>
-                <a:schemeClr val="tx1"/>
-              </a:solidFill>
-              <a:latin typeface="Courier New" panose="02070309020205020404" pitchFamily="49" charset="0"/>
-              <a:cs typeface="Courier New" panose="02070309020205020404" pitchFamily="49" charset="0"/>
-            </a:endParaRPr>
-          </a:p>
-        </p:txBody>
-      </p:sp>
-      <p:sp>
-        <p:nvSpPr>
-          <p:cNvPr id="45" name="TextBox 44"/>
-          <p:cNvSpPr txBox="1"/>
-          <p:nvPr/>
-        </p:nvSpPr>
-        <p:spPr>
-          <a:xfrm>
-            <a:off x="7865513" y="252583"/>
-            <a:ext cx="1552838" cy="369332"/>
-          </a:xfrm>
-          <a:prstGeom prst="rect">
-            <a:avLst/>
-          </a:prstGeom>
-          <a:noFill/>
-        </p:spPr>
-        <p:txBody>
-          <a:bodyPr wrap="square" rtlCol="0">
-            <a:spAutoFit/>
-          </a:bodyPr>
-          <a:lstStyle/>
-          <a:p>
-            <a:r>
-              <a:rPr lang="en-US" dirty="0" smtClean="0">
-                <a:latin typeface="Bodoni MT" panose="02070603080606020203" pitchFamily="18" charset="0"/>
-              </a:rPr>
-              <a:t>head</a:t>
-            </a:r>
-            <a:endParaRPr lang="en-US" dirty="0">
-              <a:latin typeface="Bodoni MT" panose="02070603080606020203" pitchFamily="18" charset="0"/>
-            </a:endParaRPr>
-          </a:p>
-        </p:txBody>
-      </p:sp>
-      <p:sp>
-        <p:nvSpPr>
-          <p:cNvPr id="46" name="Freeform 45"/>
-          <p:cNvSpPr/>
-          <p:nvPr/>
-        </p:nvSpPr>
-        <p:spPr>
-          <a:xfrm>
-            <a:off x="5085495" y="604688"/>
-            <a:ext cx="3525943" cy="1059543"/>
-          </a:xfrm>
-          <a:custGeom>
-            <a:avLst/>
-            <a:gdLst>
-              <a:gd name="connsiteX0" fmla="*/ 3525943 w 3525943"/>
-              <a:gd name="connsiteY0" fmla="*/ 0 h 1059543"/>
-              <a:gd name="connsiteX1" fmla="*/ 318286 w 3525943"/>
-              <a:gd name="connsiteY1" fmla="*/ 711200 h 1059543"/>
-              <a:gd name="connsiteX2" fmla="*/ 289258 w 3525943"/>
-              <a:gd name="connsiteY2" fmla="*/ 1059543 h 1059543"/>
-            </a:gdLst>
-            <a:ahLst/>
-            <a:cxnLst>
-              <a:cxn ang="0">
-                <a:pos x="connsiteX0" y="connsiteY0"/>
-              </a:cxn>
-              <a:cxn ang="0">
-                <a:pos x="connsiteX1" y="connsiteY1"/>
-              </a:cxn>
-              <a:cxn ang="0">
-                <a:pos x="connsiteX2" y="connsiteY2"/>
-              </a:cxn>
-            </a:cxnLst>
-            <a:rect l="l" t="t" r="r" b="b"/>
-            <a:pathLst>
-              <a:path w="3525943" h="1059543">
-                <a:moveTo>
-                  <a:pt x="3525943" y="0"/>
-                </a:moveTo>
-                <a:cubicBezTo>
-                  <a:pt x="2191838" y="267305"/>
-                  <a:pt x="857733" y="534610"/>
-                  <a:pt x="318286" y="711200"/>
-                </a:cubicBezTo>
-                <a:cubicBezTo>
-                  <a:pt x="-221161" y="887790"/>
-                  <a:pt x="34048" y="973666"/>
-                  <a:pt x="289258" y="1059543"/>
-                </a:cubicBezTo>
-              </a:path>
-            </a:pathLst>
-          </a:custGeom>
-          <a:noFill/>
-          <a:ln w="28575">
-            <a:headEnd type="none" w="med" len="med"/>
-            <a:tailEnd type="triangle" w="med" len="med"/>
-          </a:ln>
-        </p:spPr>
-        <p:style>
-          <a:lnRef idx="2">
-            <a:schemeClr val="accent1">
-              <a:shade val="50000"/>
-            </a:schemeClr>
-          </a:lnRef>
-          <a:fillRef idx="1">
-            <a:schemeClr val="accent1"/>
-          </a:fillRef>
-          <a:effectRef idx="0">
-            <a:schemeClr val="accent1"/>
-          </a:effectRef>
-          <a:fontRef idx="minor">
-            <a:schemeClr val="lt1"/>
-          </a:fontRef>
-        </p:style>
-        <p:txBody>
-          <a:bodyPr rtlCol="0" anchor="ctr"/>
-          <a:lstStyle/>
-          <a:p>
-            <a:pPr algn="ctr"/>
-            <a:endParaRPr lang="en-US"/>
-          </a:p>
-        </p:txBody>
-      </p:sp>
-      <p:grpSp>
-        <p:nvGrpSpPr>
-          <p:cNvPr id="47" name="Group 46"/>
-          <p:cNvGrpSpPr/>
-          <p:nvPr/>
-        </p:nvGrpSpPr>
-        <p:grpSpPr>
-          <a:xfrm>
-            <a:off x="5182826" y="3641179"/>
-            <a:ext cx="1964344" cy="434313"/>
-            <a:chOff x="4409102" y="5315234"/>
-            <a:chExt cx="1964344" cy="434313"/>
-          </a:xfrm>
-        </p:grpSpPr>
-        <p:sp>
-          <p:nvSpPr>
-            <p:cNvPr id="48" name="Rectangle 47"/>
-            <p:cNvSpPr/>
-            <p:nvPr/>
-          </p:nvSpPr>
-          <p:spPr>
-            <a:xfrm>
-              <a:off x="4892989" y="5386689"/>
-              <a:ext cx="1480457" cy="362858"/>
-            </a:xfrm>
-            <a:prstGeom prst="rect">
-              <a:avLst/>
-            </a:prstGeom>
-            <a:noFill/>
-          </p:spPr>
-          <p:style>
-            <a:lnRef idx="2">
-              <a:schemeClr val="accent1">
-                <a:shade val="50000"/>
-              </a:schemeClr>
-            </a:lnRef>
-            <a:fillRef idx="1">
-              <a:schemeClr val="accent1"/>
-            </a:fillRef>
-            <a:effectRef idx="0">
-              <a:schemeClr val="accent1"/>
-            </a:effectRef>
-            <a:fontRef idx="minor">
-              <a:schemeClr val="lt1"/>
-            </a:fontRef>
-          </p:style>
-          <p:txBody>
-            <a:bodyPr rtlCol="0" anchor="ctr"/>
-            <a:lstStyle/>
-            <a:p>
-              <a:endParaRPr lang="en-US" b="1" dirty="0">
-                <a:solidFill>
-                  <a:schemeClr val="tx1"/>
-                </a:solidFill>
-                <a:latin typeface="Courier New" panose="02070309020205020404" pitchFamily="49" charset="0"/>
-                <a:cs typeface="Courier New" panose="02070309020205020404" pitchFamily="49" charset="0"/>
-              </a:endParaRPr>
-            </a:p>
-          </p:txBody>
-        </p:sp>
-        <p:sp>
-          <p:nvSpPr>
-            <p:cNvPr id="49" name="TextBox 48"/>
-            <p:cNvSpPr txBox="1"/>
-            <p:nvPr/>
-          </p:nvSpPr>
-          <p:spPr>
-            <a:xfrm>
-              <a:off x="4409102" y="5315234"/>
-              <a:ext cx="512912" cy="369332"/>
-            </a:xfrm>
-            <a:prstGeom prst="rect">
-              <a:avLst/>
-            </a:prstGeom>
-            <a:noFill/>
-          </p:spPr>
-          <p:txBody>
-            <a:bodyPr wrap="square" rtlCol="0">
-              <a:spAutoFit/>
-            </a:bodyPr>
-            <a:lstStyle/>
-            <a:p>
-              <a:r>
-                <a:rPr lang="en-US" b="1" i="1" dirty="0">
-                  <a:latin typeface="Courier New" panose="02070309020205020404" pitchFamily="49" charset="0"/>
-                  <a:cs typeface="Courier New" panose="02070309020205020404" pitchFamily="49" charset="0"/>
-                </a:rPr>
-                <a:t>l</a:t>
-              </a:r>
-            </a:p>
-          </p:txBody>
-        </p:sp>
-      </p:grpSp>
-      <p:cxnSp>
-        <p:nvCxnSpPr>
-          <p:cNvPr id="52" name="Straight Arrow Connector 51"/>
-          <p:cNvCxnSpPr/>
-          <p:nvPr/>
-        </p:nvCxnSpPr>
-        <p:spPr>
-          <a:xfrm flipV="1">
-            <a:off x="6467894" y="2632501"/>
-            <a:ext cx="2943584" cy="1215720"/>
-          </a:xfrm>
-          <a:prstGeom prst="straightConnector1">
-            <a:avLst/>
-          </a:prstGeom>
-          <a:ln w="28575">
-            <a:solidFill>
-              <a:schemeClr val="tx1">
-                <a:lumMod val="85000"/>
-                <a:lumOff val="15000"/>
-              </a:schemeClr>
-            </a:solidFill>
-            <a:tailEnd type="triangle"/>
-          </a:ln>
-        </p:spPr>
-        <p:style>
-          <a:lnRef idx="1">
-            <a:schemeClr val="accent1"/>
-          </a:lnRef>
-          <a:fillRef idx="0">
-            <a:schemeClr val="accent1"/>
-          </a:fillRef>
-          <a:effectRef idx="0">
-            <a:schemeClr val="accent1"/>
-          </a:effectRef>
-          <a:fontRef idx="minor">
-            <a:schemeClr val="tx1"/>
-          </a:fontRef>
-        </p:style>
-      </p:cxnSp>
-      <p:sp>
-        <p:nvSpPr>
-          <p:cNvPr id="57" name="TextBox 56"/>
-          <p:cNvSpPr txBox="1"/>
-          <p:nvPr/>
-        </p:nvSpPr>
-        <p:spPr>
-          <a:xfrm>
-            <a:off x="7904681" y="-32287"/>
-            <a:ext cx="2638200" cy="369332"/>
-          </a:xfrm>
-          <a:prstGeom prst="rect">
-            <a:avLst/>
-          </a:prstGeom>
-          <a:noFill/>
-        </p:spPr>
-        <p:txBody>
-          <a:bodyPr wrap="square" rtlCol="0">
-            <a:spAutoFit/>
-          </a:bodyPr>
-          <a:lstStyle/>
-          <a:p>
-            <a:r>
-              <a:rPr lang="en-US" dirty="0" smtClean="0"/>
-              <a:t>type: </a:t>
-            </a:r>
-            <a:r>
-              <a:rPr lang="en-US" dirty="0" err="1" smtClean="0">
-                <a:latin typeface="Courier New" panose="02070309020205020404" pitchFamily="49" charset="0"/>
-                <a:cs typeface="Courier New" panose="02070309020205020404" pitchFamily="49" charset="0"/>
-              </a:rPr>
-              <a:t>struct</a:t>
-            </a:r>
-            <a:r>
-              <a:rPr lang="en-US" dirty="0" smtClean="0">
-                <a:latin typeface="Courier New" panose="02070309020205020404" pitchFamily="49" charset="0"/>
-                <a:cs typeface="Courier New" panose="02070309020205020404" pitchFamily="49" charset="0"/>
-              </a:rPr>
-              <a:t> node *</a:t>
-            </a:r>
-            <a:endParaRPr lang="en-US" dirty="0">
-              <a:latin typeface="Courier New" panose="02070309020205020404" pitchFamily="49" charset="0"/>
-              <a:cs typeface="Courier New" panose="02070309020205020404" pitchFamily="49" charset="0"/>
-            </a:endParaRPr>
-          </a:p>
-        </p:txBody>
-      </p:sp>
-      <p:sp>
-        <p:nvSpPr>
-          <p:cNvPr id="107" name="TextBox 106"/>
-          <p:cNvSpPr txBox="1"/>
-          <p:nvPr/>
-        </p:nvSpPr>
-        <p:spPr>
-          <a:xfrm>
-            <a:off x="4652699" y="4059068"/>
-            <a:ext cx="2494471" cy="369332"/>
-          </a:xfrm>
-          <a:prstGeom prst="rect">
-            <a:avLst/>
-          </a:prstGeom>
-          <a:noFill/>
-        </p:spPr>
-        <p:txBody>
-          <a:bodyPr wrap="square" rtlCol="0">
-            <a:spAutoFit/>
-          </a:bodyPr>
-          <a:lstStyle/>
-          <a:p>
-            <a:r>
-              <a:rPr lang="en-US" dirty="0" smtClean="0"/>
-              <a:t>type: </a:t>
-            </a:r>
-            <a:r>
-              <a:rPr lang="en-US" dirty="0" err="1" smtClean="0">
-                <a:latin typeface="Courier New" panose="02070309020205020404" pitchFamily="49" charset="0"/>
-                <a:cs typeface="Courier New" panose="02070309020205020404" pitchFamily="49" charset="0"/>
-              </a:rPr>
-              <a:t>struct</a:t>
-            </a:r>
-            <a:r>
-              <a:rPr lang="en-US" dirty="0" smtClean="0">
-                <a:latin typeface="Courier New" panose="02070309020205020404" pitchFamily="49" charset="0"/>
-                <a:cs typeface="Courier New" panose="02070309020205020404" pitchFamily="49" charset="0"/>
-              </a:rPr>
-              <a:t> node *</a:t>
-            </a:r>
-            <a:endParaRPr lang="en-US" dirty="0">
-              <a:latin typeface="Courier New" panose="02070309020205020404" pitchFamily="49" charset="0"/>
-              <a:cs typeface="Courier New" panose="02070309020205020404" pitchFamily="49" charset="0"/>
-            </a:endParaRPr>
-          </a:p>
-        </p:txBody>
-      </p:sp>
-      <p:sp>
-        <p:nvSpPr>
-          <p:cNvPr id="108" name="TextBox 107"/>
-          <p:cNvSpPr txBox="1"/>
-          <p:nvPr/>
-        </p:nvSpPr>
-        <p:spPr>
-          <a:xfrm>
-            <a:off x="5328398" y="1324800"/>
-            <a:ext cx="2537115" cy="369332"/>
-          </a:xfrm>
-          <a:prstGeom prst="rect">
-            <a:avLst/>
-          </a:prstGeom>
-          <a:noFill/>
-        </p:spPr>
-        <p:txBody>
-          <a:bodyPr wrap="square" rtlCol="0">
-            <a:spAutoFit/>
-          </a:bodyPr>
-          <a:lstStyle/>
-          <a:p>
-            <a:r>
-              <a:rPr lang="en-US" dirty="0" smtClean="0"/>
-              <a:t>type</a:t>
-            </a:r>
-            <a:r>
-              <a:rPr lang="en-US" dirty="0" smtClean="0">
-                <a:latin typeface="Courier New" panose="02070309020205020404" pitchFamily="49" charset="0"/>
-                <a:cs typeface="Courier New" panose="02070309020205020404" pitchFamily="49" charset="0"/>
-              </a:rPr>
-              <a:t>: </a:t>
-            </a:r>
-            <a:r>
-              <a:rPr lang="en-US" dirty="0" err="1" smtClean="0">
-                <a:latin typeface="Courier New" panose="02070309020205020404" pitchFamily="49" charset="0"/>
-                <a:cs typeface="Courier New" panose="02070309020205020404" pitchFamily="49" charset="0"/>
-              </a:rPr>
-              <a:t>struct</a:t>
-            </a:r>
-            <a:r>
-              <a:rPr lang="en-US" dirty="0" smtClean="0">
-                <a:latin typeface="Courier New" panose="02070309020205020404" pitchFamily="49" charset="0"/>
-                <a:cs typeface="Courier New" panose="02070309020205020404" pitchFamily="49" charset="0"/>
-              </a:rPr>
-              <a:t> node</a:t>
-            </a:r>
-            <a:endParaRPr lang="en-US" dirty="0">
-              <a:latin typeface="Courier New" panose="02070309020205020404" pitchFamily="49" charset="0"/>
-              <a:cs typeface="Courier New" panose="02070309020205020404" pitchFamily="49" charset="0"/>
-            </a:endParaRPr>
-          </a:p>
-        </p:txBody>
-      </p:sp>
-      <p:sp>
-        <p:nvSpPr>
-          <p:cNvPr id="109" name="TextBox 108"/>
-          <p:cNvSpPr txBox="1"/>
-          <p:nvPr/>
-        </p:nvSpPr>
-        <p:spPr>
-          <a:xfrm>
-            <a:off x="4766747" y="1780441"/>
-            <a:ext cx="1570095" cy="646331"/>
-          </a:xfrm>
-          <a:prstGeom prst="rect">
-            <a:avLst/>
-          </a:prstGeom>
-          <a:noFill/>
-        </p:spPr>
-        <p:txBody>
-          <a:bodyPr wrap="square" rtlCol="0">
-            <a:spAutoFit/>
-          </a:bodyPr>
-          <a:lstStyle/>
-          <a:p>
-            <a:r>
-              <a:rPr lang="en-US" dirty="0" smtClean="0"/>
-              <a:t>field: </a:t>
-            </a:r>
-            <a:r>
-              <a:rPr lang="en-US" dirty="0" err="1" smtClean="0">
-                <a:latin typeface="Courier New" panose="02070309020205020404" pitchFamily="49" charset="0"/>
-                <a:cs typeface="Courier New" panose="02070309020205020404" pitchFamily="49" charset="0"/>
-              </a:rPr>
-              <a:t>val</a:t>
-            </a:r>
-            <a:r>
-              <a:rPr lang="en-US" dirty="0" smtClean="0"/>
-              <a:t/>
-            </a:r>
-            <a:br>
-              <a:rPr lang="en-US" dirty="0" smtClean="0"/>
-            </a:br>
-            <a:r>
-              <a:rPr lang="en-US" dirty="0" smtClean="0"/>
-              <a:t>field</a:t>
-            </a:r>
-            <a:r>
-              <a:rPr lang="en-US" dirty="0" smtClean="0"/>
-              <a:t>: </a:t>
-            </a:r>
-            <a:r>
-              <a:rPr lang="en-US" dirty="0" smtClean="0">
-                <a:latin typeface="Courier New" panose="02070309020205020404" pitchFamily="49" charset="0"/>
-                <a:cs typeface="Courier New" panose="02070309020205020404" pitchFamily="49" charset="0"/>
-              </a:rPr>
-              <a:t>next</a:t>
-            </a:r>
-            <a:endParaRPr lang="en-US" dirty="0">
-              <a:latin typeface="Courier New" panose="02070309020205020404" pitchFamily="49" charset="0"/>
-              <a:cs typeface="Courier New" panose="02070309020205020404" pitchFamily="49" charset="0"/>
-            </a:endParaRPr>
-          </a:p>
-        </p:txBody>
-      </p:sp>
-      <p:sp>
-        <p:nvSpPr>
-          <p:cNvPr id="2" name="TextBox 1"/>
-          <p:cNvSpPr txBox="1"/>
-          <p:nvPr/>
-        </p:nvSpPr>
-        <p:spPr>
-          <a:xfrm>
-            <a:off x="130627" y="6118759"/>
-            <a:ext cx="4762361" cy="369332"/>
-          </a:xfrm>
-          <a:prstGeom prst="rect">
-            <a:avLst/>
-          </a:prstGeom>
-          <a:noFill/>
-        </p:spPr>
-        <p:txBody>
-          <a:bodyPr wrap="square" rtlCol="0">
-            <a:spAutoFit/>
-          </a:bodyPr>
-          <a:lstStyle/>
-          <a:p>
-            <a:r>
-              <a:rPr lang="en-US" dirty="0">
-                <a:latin typeface="Courier New" panose="02070309020205020404" pitchFamily="49" charset="0"/>
-                <a:cs typeface="Courier New" panose="02070309020205020404" pitchFamily="49" charset="0"/>
-              </a:rPr>
-              <a:t>l = head-&gt;next-&gt;</a:t>
-            </a:r>
-            <a:r>
-              <a:rPr lang="en-US" dirty="0" smtClean="0">
-                <a:latin typeface="Courier New" panose="02070309020205020404" pitchFamily="49" charset="0"/>
-                <a:cs typeface="Courier New" panose="02070309020205020404" pitchFamily="49" charset="0"/>
-              </a:rPr>
-              <a:t>next;</a:t>
-            </a:r>
-            <a:endParaRPr lang="en-US" dirty="0"/>
-          </a:p>
-        </p:txBody>
-      </p:sp>
-      <p:grpSp>
-        <p:nvGrpSpPr>
-          <p:cNvPr id="54" name="Group 53"/>
-          <p:cNvGrpSpPr/>
-          <p:nvPr/>
-        </p:nvGrpSpPr>
-        <p:grpSpPr>
-          <a:xfrm>
-            <a:off x="5308881" y="5753672"/>
-            <a:ext cx="5958638" cy="796535"/>
-            <a:chOff x="5295516" y="5749610"/>
-            <a:chExt cx="5958638" cy="796535"/>
-          </a:xfrm>
-        </p:grpSpPr>
-        <p:sp>
-          <p:nvSpPr>
-            <p:cNvPr id="5" name="TextBox 4"/>
-            <p:cNvSpPr txBox="1"/>
-            <p:nvPr/>
-          </p:nvSpPr>
-          <p:spPr>
-            <a:xfrm>
-              <a:off x="5295516" y="5749610"/>
-              <a:ext cx="945048" cy="369332"/>
-            </a:xfrm>
-            <a:prstGeom prst="rect">
-              <a:avLst/>
-            </a:prstGeom>
-            <a:noFill/>
-          </p:spPr>
-          <p:txBody>
-            <a:bodyPr wrap="square" rtlCol="0">
-              <a:spAutoFit/>
-            </a:bodyPr>
-            <a:lstStyle/>
-            <a:p>
-              <a:r>
-                <a:rPr lang="en-US" b="1" dirty="0" smtClean="0">
-                  <a:latin typeface="Courier New" panose="02070309020205020404" pitchFamily="49" charset="0"/>
-                  <a:cs typeface="Courier New" panose="02070309020205020404" pitchFamily="49" charset="0"/>
-                </a:rPr>
-                <a:t>head</a:t>
-              </a:r>
-              <a:endParaRPr lang="en-US" b="1" dirty="0">
-                <a:latin typeface="Courier New" panose="02070309020205020404" pitchFamily="49" charset="0"/>
-                <a:cs typeface="Courier New" panose="02070309020205020404" pitchFamily="49" charset="0"/>
-              </a:endParaRPr>
-            </a:p>
-          </p:txBody>
-        </p:sp>
-        <p:sp>
-          <p:nvSpPr>
-            <p:cNvPr id="51" name="TextBox 50"/>
-            <p:cNvSpPr txBox="1"/>
-            <p:nvPr/>
-          </p:nvSpPr>
-          <p:spPr>
-            <a:xfrm>
-              <a:off x="6467894" y="6176813"/>
-              <a:ext cx="4786260" cy="369332"/>
-            </a:xfrm>
-            <a:prstGeom prst="rect">
-              <a:avLst/>
-            </a:prstGeom>
-            <a:noFill/>
-          </p:spPr>
-          <p:txBody>
-            <a:bodyPr wrap="square" rtlCol="0">
-              <a:spAutoFit/>
-            </a:bodyPr>
-            <a:lstStyle/>
-            <a:p>
-              <a:r>
-                <a:rPr lang="en-US" dirty="0" smtClean="0"/>
-                <a:t>0              1             2              3             4            </a:t>
-              </a:r>
-              <a:r>
-                <a:rPr lang="en-US" dirty="0" smtClean="0">
-                  <a:ln w="0"/>
-                  <a:solidFill>
-                    <a:schemeClr val="accent1"/>
-                  </a:solidFill>
-                  <a:effectLst>
-                    <a:outerShdw blurRad="38100" dist="25400" dir="5400000" algn="ctr" rotWithShape="0">
-                      <a:srgbClr val="6E747A">
-                        <a:alpha val="43000"/>
-                      </a:srgbClr>
-                    </a:outerShdw>
-                  </a:effectLst>
-                  <a:latin typeface="Courier New" panose="02070309020205020404" pitchFamily="49" charset="0"/>
-                  <a:cs typeface="Courier New" panose="02070309020205020404" pitchFamily="49" charset="0"/>
-                </a:rPr>
-                <a:t>NULL</a:t>
-              </a:r>
-              <a:r>
-                <a:rPr lang="en-US" dirty="0" smtClean="0"/>
-                <a:t>  </a:t>
-              </a:r>
-              <a:endParaRPr lang="en-US" dirty="0"/>
-            </a:p>
-          </p:txBody>
-        </p:sp>
-        <p:cxnSp>
-          <p:nvCxnSpPr>
-            <p:cNvPr id="58" name="Straight Arrow Connector 57"/>
-            <p:cNvCxnSpPr/>
-            <p:nvPr/>
-          </p:nvCxnSpPr>
-          <p:spPr>
-            <a:xfrm>
-              <a:off x="6026333" y="6075210"/>
-              <a:ext cx="380608" cy="284487"/>
-            </a:xfrm>
-            <a:prstGeom prst="straightConnector1">
-              <a:avLst/>
-            </a:prstGeom>
-            <a:ln w="38100">
-              <a:solidFill>
-                <a:schemeClr val="tx1">
-                  <a:lumMod val="85000"/>
-                  <a:lumOff val="15000"/>
-                </a:schemeClr>
-              </a:solidFill>
-              <a:tailEnd type="triangle"/>
-            </a:ln>
-          </p:spPr>
-          <p:style>
-            <a:lnRef idx="1">
-              <a:schemeClr val="accent1"/>
-            </a:lnRef>
-            <a:fillRef idx="0">
-              <a:schemeClr val="accent1"/>
-            </a:fillRef>
-            <a:effectRef idx="0">
-              <a:schemeClr val="accent1"/>
-            </a:effectRef>
-            <a:fontRef idx="minor">
-              <a:schemeClr val="tx1"/>
-            </a:fontRef>
-          </p:style>
-        </p:cxnSp>
-        <p:cxnSp>
-          <p:nvCxnSpPr>
-            <p:cNvPr id="59" name="Straight Arrow Connector 58"/>
-            <p:cNvCxnSpPr/>
-            <p:nvPr/>
-          </p:nvCxnSpPr>
-          <p:spPr>
-            <a:xfrm>
-              <a:off x="8433836" y="6344501"/>
-              <a:ext cx="494962" cy="7532"/>
-            </a:xfrm>
-            <a:prstGeom prst="straightConnector1">
-              <a:avLst/>
-            </a:prstGeom>
-            <a:ln w="38100">
-              <a:solidFill>
-                <a:schemeClr val="tx1">
-                  <a:lumMod val="85000"/>
-                  <a:lumOff val="15000"/>
-                </a:schemeClr>
-              </a:solidFill>
-              <a:tailEnd type="triangle"/>
-            </a:ln>
-          </p:spPr>
-          <p:style>
-            <a:lnRef idx="1">
-              <a:schemeClr val="accent1"/>
-            </a:lnRef>
-            <a:fillRef idx="0">
-              <a:schemeClr val="accent1"/>
-            </a:fillRef>
-            <a:effectRef idx="0">
-              <a:schemeClr val="accent1"/>
-            </a:effectRef>
-            <a:fontRef idx="minor">
-              <a:schemeClr val="tx1"/>
-            </a:fontRef>
-          </p:style>
-        </p:cxnSp>
-        <p:cxnSp>
-          <p:nvCxnSpPr>
-            <p:cNvPr id="60" name="Straight Arrow Connector 59"/>
-            <p:cNvCxnSpPr/>
-            <p:nvPr/>
-          </p:nvCxnSpPr>
-          <p:spPr>
-            <a:xfrm>
-              <a:off x="7626794" y="6344501"/>
-              <a:ext cx="494962" cy="7532"/>
-            </a:xfrm>
-            <a:prstGeom prst="straightConnector1">
-              <a:avLst/>
-            </a:prstGeom>
-            <a:ln w="38100">
-              <a:solidFill>
-                <a:schemeClr val="tx1">
-                  <a:lumMod val="85000"/>
-                  <a:lumOff val="15000"/>
-                </a:schemeClr>
-              </a:solidFill>
-              <a:tailEnd type="triangle"/>
-            </a:ln>
-          </p:spPr>
-          <p:style>
-            <a:lnRef idx="1">
-              <a:schemeClr val="accent1"/>
-            </a:lnRef>
-            <a:fillRef idx="0">
-              <a:schemeClr val="accent1"/>
-            </a:fillRef>
-            <a:effectRef idx="0">
-              <a:schemeClr val="accent1"/>
-            </a:effectRef>
-            <a:fontRef idx="minor">
-              <a:schemeClr val="tx1"/>
-            </a:fontRef>
-          </p:style>
-        </p:cxnSp>
-        <p:cxnSp>
-          <p:nvCxnSpPr>
-            <p:cNvPr id="61" name="Straight Arrow Connector 60"/>
-            <p:cNvCxnSpPr/>
-            <p:nvPr/>
-          </p:nvCxnSpPr>
-          <p:spPr>
-            <a:xfrm>
-              <a:off x="6819752" y="6344501"/>
-              <a:ext cx="494962" cy="7532"/>
-            </a:xfrm>
-            <a:prstGeom prst="straightConnector1">
-              <a:avLst/>
-            </a:prstGeom>
-            <a:ln w="38100">
-              <a:solidFill>
-                <a:schemeClr val="tx1">
-                  <a:lumMod val="85000"/>
-                  <a:lumOff val="15000"/>
-                </a:schemeClr>
-              </a:solidFill>
-              <a:tailEnd type="triangle"/>
-            </a:ln>
-          </p:spPr>
-          <p:style>
-            <a:lnRef idx="1">
-              <a:schemeClr val="accent1"/>
-            </a:lnRef>
-            <a:fillRef idx="0">
-              <a:schemeClr val="accent1"/>
-            </a:fillRef>
-            <a:effectRef idx="0">
-              <a:schemeClr val="accent1"/>
-            </a:effectRef>
-            <a:fontRef idx="minor">
-              <a:schemeClr val="tx1"/>
-            </a:fontRef>
-          </p:style>
-        </p:cxnSp>
-        <p:cxnSp>
-          <p:nvCxnSpPr>
-            <p:cNvPr id="62" name="Straight Arrow Connector 61"/>
-            <p:cNvCxnSpPr/>
-            <p:nvPr/>
-          </p:nvCxnSpPr>
-          <p:spPr>
-            <a:xfrm>
-              <a:off x="9240878" y="6344501"/>
-              <a:ext cx="494962" cy="7532"/>
-            </a:xfrm>
-            <a:prstGeom prst="straightConnector1">
-              <a:avLst/>
-            </a:prstGeom>
-            <a:ln w="38100">
-              <a:solidFill>
-                <a:schemeClr val="tx1">
-                  <a:lumMod val="85000"/>
-                  <a:lumOff val="15000"/>
-                </a:schemeClr>
-              </a:solidFill>
-              <a:tailEnd type="triangle"/>
-            </a:ln>
-          </p:spPr>
-          <p:style>
-            <a:lnRef idx="1">
-              <a:schemeClr val="accent1"/>
-            </a:lnRef>
-            <a:fillRef idx="0">
-              <a:schemeClr val="accent1"/>
-            </a:fillRef>
-            <a:effectRef idx="0">
-              <a:schemeClr val="accent1"/>
-            </a:effectRef>
-            <a:fontRef idx="minor">
-              <a:schemeClr val="tx1"/>
-            </a:fontRef>
-          </p:style>
-        </p:cxnSp>
-        <p:cxnSp>
-          <p:nvCxnSpPr>
-            <p:cNvPr id="63" name="Straight Arrow Connector 62"/>
-            <p:cNvCxnSpPr/>
-            <p:nvPr/>
-          </p:nvCxnSpPr>
-          <p:spPr>
-            <a:xfrm>
-              <a:off x="10047919" y="6344501"/>
-              <a:ext cx="494962" cy="7532"/>
-            </a:xfrm>
-            <a:prstGeom prst="straightConnector1">
-              <a:avLst/>
-            </a:prstGeom>
-            <a:ln w="38100">
-              <a:solidFill>
-                <a:schemeClr val="accent1"/>
-              </a:solidFill>
-              <a:tailEnd type="triangle"/>
-            </a:ln>
-          </p:spPr>
-          <p:style>
-            <a:lnRef idx="1">
-              <a:schemeClr val="accent1"/>
-            </a:lnRef>
-            <a:fillRef idx="0">
-              <a:schemeClr val="accent1"/>
-            </a:fillRef>
-            <a:effectRef idx="0">
-              <a:schemeClr val="accent1"/>
-            </a:effectRef>
-            <a:fontRef idx="minor">
-              <a:schemeClr val="tx1"/>
-            </a:fontRef>
-          </p:style>
-        </p:cxnSp>
-      </p:grpSp>
-      <p:grpSp>
-        <p:nvGrpSpPr>
-          <p:cNvPr id="64" name="Group 63"/>
-          <p:cNvGrpSpPr/>
-          <p:nvPr/>
-        </p:nvGrpSpPr>
-        <p:grpSpPr>
-          <a:xfrm>
-            <a:off x="7085262" y="5268686"/>
-            <a:ext cx="1109606" cy="1002406"/>
-            <a:chOff x="7085262" y="5268686"/>
-            <a:chExt cx="1109606" cy="1002406"/>
-          </a:xfrm>
-        </p:grpSpPr>
-        <p:sp>
-          <p:nvSpPr>
-            <p:cNvPr id="55" name="TextBox 54"/>
-            <p:cNvSpPr txBox="1"/>
-            <p:nvPr/>
-          </p:nvSpPr>
-          <p:spPr>
-            <a:xfrm>
-              <a:off x="7085262" y="5268686"/>
-              <a:ext cx="541532" cy="369332"/>
-            </a:xfrm>
-            <a:prstGeom prst="rect">
-              <a:avLst/>
-            </a:prstGeom>
-            <a:noFill/>
-          </p:spPr>
-          <p:txBody>
-            <a:bodyPr wrap="square" rtlCol="0">
-              <a:spAutoFit/>
-            </a:bodyPr>
-            <a:lstStyle/>
-            <a:p>
-              <a:r>
-                <a:rPr lang="en-US" b="1" dirty="0" smtClean="0">
-                  <a:latin typeface="Courier New" panose="02070309020205020404" pitchFamily="49" charset="0"/>
-                  <a:cs typeface="Courier New" panose="02070309020205020404" pitchFamily="49" charset="0"/>
-                </a:rPr>
-                <a:t>l</a:t>
-              </a:r>
-              <a:endParaRPr lang="en-US" b="1" dirty="0">
-                <a:latin typeface="Courier New" panose="02070309020205020404" pitchFamily="49" charset="0"/>
-                <a:cs typeface="Courier New" panose="02070309020205020404" pitchFamily="49" charset="0"/>
-              </a:endParaRPr>
-            </a:p>
-          </p:txBody>
-        </p:sp>
-        <p:cxnSp>
-          <p:nvCxnSpPr>
-            <p:cNvPr id="66" name="Straight Arrow Connector 65"/>
-            <p:cNvCxnSpPr/>
-            <p:nvPr/>
-          </p:nvCxnSpPr>
-          <p:spPr>
-            <a:xfrm>
-              <a:off x="7395557" y="5394561"/>
-              <a:ext cx="799311" cy="876531"/>
-            </a:xfrm>
-            <a:prstGeom prst="straightConnector1">
-              <a:avLst/>
-            </a:prstGeom>
-            <a:ln w="28575">
-              <a:solidFill>
-                <a:schemeClr val="tx1">
-                  <a:lumMod val="85000"/>
-                  <a:lumOff val="15000"/>
-                </a:schemeClr>
-              </a:solidFill>
-              <a:tailEnd type="triangle"/>
-            </a:ln>
-          </p:spPr>
-          <p:style>
-            <a:lnRef idx="1">
-              <a:schemeClr val="accent1"/>
-            </a:lnRef>
-            <a:fillRef idx="0">
-              <a:schemeClr val="accent1"/>
-            </a:fillRef>
-            <a:effectRef idx="0">
-              <a:schemeClr val="accent1"/>
-            </a:effectRef>
-            <a:fontRef idx="minor">
-              <a:schemeClr val="tx1"/>
-            </a:fontRef>
-          </p:style>
-        </p:cxnSp>
-      </p:grpSp>
-      <p:sp>
-        <p:nvSpPr>
-          <p:cNvPr id="67" name="TextBox 66"/>
-          <p:cNvSpPr txBox="1"/>
-          <p:nvPr/>
-        </p:nvSpPr>
-        <p:spPr>
-          <a:xfrm>
-            <a:off x="5300744" y="2535410"/>
-            <a:ext cx="1188146" cy="369332"/>
-          </a:xfrm>
-          <a:prstGeom prst="rect">
-            <a:avLst/>
-          </a:prstGeom>
-          <a:noFill/>
-        </p:spPr>
-        <p:txBody>
-          <a:bodyPr wrap="none" rtlCol="0">
-            <a:spAutoFit/>
-          </a:bodyPr>
-          <a:lstStyle/>
-          <a:p>
-            <a:r>
-              <a:rPr lang="en-US" b="1" dirty="0" smtClean="0"/>
-              <a:t>head node</a:t>
-            </a:r>
-            <a:endParaRPr lang="en-US" b="1" dirty="0"/>
-          </a:p>
-        </p:txBody>
-      </p:sp>
-      <p:sp>
-        <p:nvSpPr>
-          <p:cNvPr id="71" name="TextBox 70"/>
-          <p:cNvSpPr txBox="1"/>
-          <p:nvPr/>
-        </p:nvSpPr>
-        <p:spPr>
-          <a:xfrm>
-            <a:off x="9560647" y="4822598"/>
-            <a:ext cx="1027204" cy="369332"/>
-          </a:xfrm>
-          <a:prstGeom prst="rect">
-            <a:avLst/>
-          </a:prstGeom>
-          <a:noFill/>
-        </p:spPr>
-        <p:txBody>
-          <a:bodyPr wrap="none" rtlCol="0">
-            <a:spAutoFit/>
-          </a:bodyPr>
-          <a:lstStyle/>
-          <a:p>
-            <a:r>
-              <a:rPr lang="en-US" b="1" dirty="0" smtClean="0"/>
-              <a:t>tail node</a:t>
-            </a:r>
-            <a:endParaRPr lang="en-US" b="1" dirty="0"/>
-          </a:p>
-        </p:txBody>
-      </p:sp>
-    </p:spTree>
-    <p:extLst>
-      <p:ext uri="{BB962C8B-B14F-4D97-AF65-F5344CB8AC3E}">
-        <p14:creationId xmlns:p14="http://schemas.microsoft.com/office/powerpoint/2010/main" val="4182103271"/>
-      </p:ext>
-    </p:extLst>
-  </p:cSld>
-  <p:clrMapOvr>
-    <a:masterClrMapping/>
-  </p:clrMapOvr>
-  <p:timing>
-    <p:tnLst>
-      <p:par>
-        <p:cTn id="1" dur="indefinite" restart="never" nodeType="tmRoot">
-          <p:childTnLst>
-            <p:seq concurrent="1" nextAc="seek">
-              <p:cTn id="2" dur="indefinite" nodeType="mainSeq">
-                <p:childTnLst>
-                  <p:par>
-                    <p:cTn id="3" fill="hold">
-                      <p:stCondLst>
-                        <p:cond delay="indefinite"/>
-                      </p:stCondLst>
-                      <p:childTnLst>
-                        <p:par>
-                          <p:cTn id="4" fill="hold">
-                            <p:stCondLst>
-                              <p:cond delay="0"/>
-                            </p:stCondLst>
-                            <p:childTnLst>
-                              <p:par>
-                                <p:cTn id="5" presetID="1" presetClass="entr" presetSubtype="0" fill="hold" nodeType="clickEffect">
-                                  <p:stCondLst>
-                                    <p:cond delay="0"/>
-                                  </p:stCondLst>
-                                  <p:childTnLst>
-                                    <p:set>
-                                      <p:cBhvr>
-                                        <p:cTn id="6" dur="1" fill="hold">
-                                          <p:stCondLst>
-                                            <p:cond delay="0"/>
-                                          </p:stCondLst>
-                                        </p:cTn>
-                                        <p:tgtEl>
-                                          <p:spTgt spid="52"/>
-                                        </p:tgtEl>
-                                        <p:attrNameLst>
-                                          <p:attrName>style.visibility</p:attrName>
-                                        </p:attrNameLst>
-                                      </p:cBhvr>
-                                      <p:to>
-                                        <p:strVal val="visible"/>
-                                      </p:to>
-                                    </p:set>
-                                  </p:childTnLst>
-                                </p:cTn>
-                              </p:par>
-                            </p:childTnLst>
-                          </p:cTn>
-                        </p:par>
-                      </p:childTnLst>
-                    </p:cTn>
-                  </p:par>
-                  <p:par>
-                    <p:cTn id="7" fill="hold">
-                      <p:stCondLst>
-                        <p:cond delay="indefinite"/>
-                      </p:stCondLst>
-                      <p:childTnLst>
-                        <p:par>
-                          <p:cTn id="8" fill="hold">
-                            <p:stCondLst>
-                              <p:cond delay="0"/>
-                            </p:stCondLst>
-                            <p:childTnLst>
-                              <p:par>
-                                <p:cTn id="9" presetID="1" presetClass="entr" presetSubtype="0" fill="hold" grpId="0" nodeType="clickEffect">
-                                  <p:stCondLst>
-                                    <p:cond delay="0"/>
-                                  </p:stCondLst>
-                                  <p:childTnLst>
-                                    <p:set>
-                                      <p:cBhvr>
-                                        <p:cTn id="10" dur="1" fill="hold">
-                                          <p:stCondLst>
-                                            <p:cond delay="0"/>
-                                          </p:stCondLst>
-                                        </p:cTn>
-                                        <p:tgtEl>
-                                          <p:spTgt spid="2"/>
-                                        </p:tgtEl>
-                                        <p:attrNameLst>
-                                          <p:attrName>style.visibility</p:attrName>
-                                        </p:attrNameLst>
-                                      </p:cBhvr>
-                                      <p:to>
-                                        <p:strVal val="visible"/>
-                                      </p:to>
-                                    </p:set>
-                                  </p:childTnLst>
-                                </p:cTn>
-                              </p:par>
-                            </p:childTnLst>
-                          </p:cTn>
-                        </p:par>
-                      </p:childTnLst>
-                    </p:cTn>
-                  </p:par>
-                  <p:par>
-                    <p:cTn id="11" fill="hold">
-                      <p:stCondLst>
-                        <p:cond delay="indefinite"/>
-                      </p:stCondLst>
-                      <p:childTnLst>
-                        <p:par>
-                          <p:cTn id="12" fill="hold">
-                            <p:stCondLst>
-                              <p:cond delay="0"/>
-                            </p:stCondLst>
-                            <p:childTnLst>
-                              <p:par>
-                                <p:cTn id="13" presetID="22" presetClass="entr" presetSubtype="8" fill="hold" nodeType="clickEffect">
-                                  <p:stCondLst>
-                                    <p:cond delay="0"/>
-                                  </p:stCondLst>
-                                  <p:childTnLst>
-                                    <p:set>
-                                      <p:cBhvr>
-                                        <p:cTn id="14" dur="1" fill="hold">
-                                          <p:stCondLst>
-                                            <p:cond delay="0"/>
-                                          </p:stCondLst>
-                                        </p:cTn>
-                                        <p:tgtEl>
-                                          <p:spTgt spid="54"/>
-                                        </p:tgtEl>
-                                        <p:attrNameLst>
-                                          <p:attrName>style.visibility</p:attrName>
-                                        </p:attrNameLst>
-                                      </p:cBhvr>
-                                      <p:to>
-                                        <p:strVal val="visible"/>
-                                      </p:to>
-                                    </p:set>
-                                    <p:animEffect transition="in" filter="wipe(left)">
-                                      <p:cBhvr>
-                                        <p:cTn id="15" dur="5000"/>
-                                        <p:tgtEl>
-                                          <p:spTgt spid="54"/>
-                                        </p:tgtEl>
-                                      </p:cBhvr>
-                                    </p:animEffect>
-                                  </p:childTnLst>
-                                </p:cTn>
-                              </p:par>
-                            </p:childTnLst>
-                          </p:cTn>
-                        </p:par>
-                      </p:childTnLst>
-                    </p:cTn>
-                  </p:par>
-                  <p:par>
-                    <p:cTn id="16" fill="hold">
-                      <p:stCondLst>
-                        <p:cond delay="indefinite"/>
-                      </p:stCondLst>
-                      <p:childTnLst>
-                        <p:par>
-                          <p:cTn id="17" fill="hold">
-                            <p:stCondLst>
-                              <p:cond delay="0"/>
-                            </p:stCondLst>
-                            <p:childTnLst>
-                              <p:par>
-                                <p:cTn id="18" presetID="22" presetClass="entr" presetSubtype="1" fill="hold" nodeType="clickEffect">
-                                  <p:stCondLst>
-                                    <p:cond delay="0"/>
-                                  </p:stCondLst>
-                                  <p:childTnLst>
-                                    <p:set>
-                                      <p:cBhvr>
-                                        <p:cTn id="19" dur="1" fill="hold">
-                                          <p:stCondLst>
-                                            <p:cond delay="0"/>
-                                          </p:stCondLst>
-                                        </p:cTn>
-                                        <p:tgtEl>
-                                          <p:spTgt spid="64"/>
-                                        </p:tgtEl>
-                                        <p:attrNameLst>
-                                          <p:attrName>style.visibility</p:attrName>
-                                        </p:attrNameLst>
-                                      </p:cBhvr>
-                                      <p:to>
-                                        <p:strVal val="visible"/>
-                                      </p:to>
-                                    </p:set>
-                                    <p:animEffect transition="in" filter="wipe(up)">
-                                      <p:cBhvr>
-                                        <p:cTn id="20" dur="500"/>
-                                        <p:tgtEl>
-                                          <p:spTgt spid="64"/>
-                                        </p:tgtEl>
-                                      </p:cBhvr>
-                                    </p:animEffect>
-                                  </p:childTnLst>
-                                </p:cTn>
-                              </p:par>
-                            </p:childTnLst>
-                          </p:cTn>
-                        </p:par>
-                      </p:childTnLst>
-                    </p:cTn>
-                  </p:par>
-                </p:childTnLst>
-              </p:cTn>
-              <p:prevCondLst>
-                <p:cond evt="onPrev" delay="0">
-                  <p:tgtEl>
-                    <p:sldTgt/>
-                  </p:tgtEl>
-                </p:cond>
-              </p:prevCondLst>
-              <p:nextCondLst>
-                <p:cond evt="onNext" delay="0">
-                  <p:tgtEl>
-                    <p:sldTgt/>
-                  </p:tgtEl>
-                </p:cond>
-              </p:nextCondLst>
-            </p:seq>
-          </p:childTnLst>
-        </p:cTn>
-      </p:par>
-    </p:tnLst>
-    <p:bldLst>
-      <p:bldP spid="2" grpId="0"/>
-    </p:bldLst>
-  </p:timing>
-</p:sld>
-</file>
-
-<file path=ppt/slides/slide6.xml><?xml version="1.0" encoding="utf-8"?>
-<p:sld xmlns:a="http://schemas.openxmlformats.org/drawingml/2006/main" xmlns:r="http://schemas.openxmlformats.org/officeDocument/2006/relationships" xmlns:p="http://schemas.openxmlformats.org/presentationml/2006/main">
-  <p:cSld>
-    <p:spTree>
-      <p:nvGrpSpPr>
-        <p:cNvPr id="1" name=""/>
-        <p:cNvGrpSpPr/>
-        <p:nvPr/>
-      </p:nvGrpSpPr>
-      <p:grpSpPr>
-        <a:xfrm>
-          <a:off x="0" y="0"/>
-          <a:ext cx="0" cy="0"/>
-          <a:chOff x="0" y="0"/>
-          <a:chExt cx="0" cy="0"/>
-        </a:xfrm>
-      </p:grpSpPr>
-      <p:sp>
-        <p:nvSpPr>
           <p:cNvPr id="4" name="TextBox 3"/>
           <p:cNvSpPr txBox="1"/>
           <p:nvPr/>
@@ -14622,7 +9586,7 @@
             </a:r>
             <a:r>
               <a:rPr lang="en-US" dirty="0" err="1" smtClean="0"/>
-              <a:t>sizof</a:t>
+              <a:t>sizeof</a:t>
             </a:r>
             <a:r>
               <a:rPr lang="en-US" dirty="0" smtClean="0"/>
@@ -14634,7 +9598,11 @@
             </a:r>
             <a:r>
               <a:rPr lang="en-US" dirty="0" smtClean="0"/>
-              <a:t> node));</a:t>
+              <a:t> </a:t>
+            </a:r>
+            <a:r>
+              <a:rPr lang="en-US" dirty="0" smtClean="0"/>
+              <a:t>node));</a:t>
             </a:r>
           </a:p>
           <a:p>
@@ -14652,7 +9620,7 @@
             </a:r>
             <a:r>
               <a:rPr lang="en-US" dirty="0" err="1" smtClean="0"/>
-              <a:t>sizof</a:t>
+              <a:t>sizeof</a:t>
             </a:r>
             <a:r>
               <a:rPr lang="en-US" dirty="0" smtClean="0"/>
@@ -14664,7 +9632,11 @@
             </a:r>
             <a:r>
               <a:rPr lang="en-US" dirty="0" smtClean="0"/>
-              <a:t> node));</a:t>
+              <a:t> </a:t>
+            </a:r>
+            <a:r>
+              <a:rPr lang="en-US" dirty="0" smtClean="0"/>
+              <a:t>node));</a:t>
             </a:r>
           </a:p>
           <a:p>
@@ -16048,6 +11020,2958 @@
 </p:sld>
 </file>
 
+<file path=ppt/slides/slide5.xml><?xml version="1.0" encoding="utf-8"?>
+<p:sld xmlns:a="http://schemas.openxmlformats.org/drawingml/2006/main" xmlns:r="http://schemas.openxmlformats.org/officeDocument/2006/relationships" xmlns:p="http://schemas.openxmlformats.org/presentationml/2006/main">
+  <p:cSld>
+    <p:spTree>
+      <p:nvGrpSpPr>
+        <p:cNvPr id="1" name=""/>
+        <p:cNvGrpSpPr/>
+        <p:nvPr/>
+      </p:nvGrpSpPr>
+      <p:grpSpPr>
+        <a:xfrm>
+          <a:off x="0" y="0"/>
+          <a:ext cx="0" cy="0"/>
+          <a:chOff x="0" y="0"/>
+          <a:chExt cx="0" cy="0"/>
+        </a:xfrm>
+      </p:grpSpPr>
+      <p:sp>
+        <p:nvSpPr>
+          <p:cNvPr id="2" name="Title 1"/>
+          <p:cNvSpPr>
+            <a:spLocks noGrp="1"/>
+          </p:cNvSpPr>
+          <p:nvPr>
+            <p:ph type="title"/>
+          </p:nvPr>
+        </p:nvSpPr>
+        <p:spPr/>
+        <p:txBody>
+          <a:bodyPr/>
+          <a:lstStyle/>
+          <a:p>
+            <a:r>
+              <a:rPr lang="en-US" dirty="0" smtClean="0"/>
+              <a:t>Some conventions</a:t>
+            </a:r>
+            <a:endParaRPr lang="en-US" dirty="0"/>
+          </a:p>
+        </p:txBody>
+      </p:sp>
+      <p:sp>
+        <p:nvSpPr>
+          <p:cNvPr id="3" name="Content Placeholder 2"/>
+          <p:cNvSpPr>
+            <a:spLocks noGrp="1"/>
+          </p:cNvSpPr>
+          <p:nvPr>
+            <p:ph idx="1"/>
+          </p:nvPr>
+        </p:nvSpPr>
+        <p:spPr/>
+        <p:txBody>
+          <a:bodyPr>
+            <a:normAutofit fontScale="92500" lnSpcReduction="20000"/>
+          </a:bodyPr>
+          <a:lstStyle/>
+          <a:p>
+            <a:r>
+              <a:rPr lang="en-US" dirty="0" smtClean="0"/>
+              <a:t>We use the word </a:t>
+            </a:r>
+            <a:r>
+              <a:rPr lang="en-US" b="1" dirty="0" smtClean="0"/>
+              <a:t>node</a:t>
+            </a:r>
+            <a:r>
+              <a:rPr lang="en-US" dirty="0" smtClean="0"/>
+              <a:t> to mean a structure in the linked list.</a:t>
+            </a:r>
+          </a:p>
+          <a:p>
+            <a:r>
+              <a:rPr lang="en-US" dirty="0" smtClean="0"/>
+              <a:t>We will use the field name </a:t>
+            </a:r>
+            <a:r>
+              <a:rPr lang="en-US" dirty="0" smtClean="0">
+                <a:latin typeface="Courier New" panose="02070309020205020404" pitchFamily="49" charset="0"/>
+                <a:cs typeface="Courier New" panose="02070309020205020404" pitchFamily="49" charset="0"/>
+              </a:rPr>
+              <a:t> next  </a:t>
+            </a:r>
+            <a:r>
+              <a:rPr lang="en-US" dirty="0" smtClean="0"/>
+              <a:t>to indicate the pointer to the next node in the linked list.</a:t>
+            </a:r>
+          </a:p>
+          <a:p>
+            <a:r>
+              <a:rPr lang="en-US" dirty="0" smtClean="0"/>
+              <a:t>We will use the term </a:t>
+            </a:r>
+            <a:r>
+              <a:rPr lang="en-US" b="1" dirty="0" smtClean="0"/>
+              <a:t>head of the linked list </a:t>
+            </a:r>
+            <a:r>
+              <a:rPr lang="en-US" dirty="0" smtClean="0"/>
+              <a:t> or </a:t>
+            </a:r>
+            <a:r>
+              <a:rPr lang="en-US" b="1" dirty="0" smtClean="0"/>
+              <a:t>head node</a:t>
+            </a:r>
+            <a:r>
+              <a:rPr lang="en-US" dirty="0" smtClean="0"/>
+              <a:t> to mean the first node of the linked list.</a:t>
+            </a:r>
+          </a:p>
+          <a:p>
+            <a:r>
+              <a:rPr lang="en-US" dirty="0" smtClean="0"/>
+              <a:t>We will use the term </a:t>
+            </a:r>
+            <a:r>
+              <a:rPr lang="en-US" b="1" dirty="0" smtClean="0"/>
+              <a:t>tail of the linked list</a:t>
+            </a:r>
+            <a:r>
+              <a:rPr lang="en-US" dirty="0" smtClean="0"/>
+              <a:t> or just </a:t>
+            </a:r>
+            <a:r>
+              <a:rPr lang="en-US" b="1" dirty="0" smtClean="0"/>
+              <a:t>tail node</a:t>
+            </a:r>
+            <a:r>
+              <a:rPr lang="en-US" dirty="0" smtClean="0"/>
+              <a:t> to mean the last node of the linked list.</a:t>
+            </a:r>
+          </a:p>
+          <a:p>
+            <a:pPr lvl="1"/>
+            <a:r>
+              <a:rPr lang="en-US" dirty="0" smtClean="0"/>
+              <a:t>For an empty list we have no head node and no tail node.</a:t>
+            </a:r>
+          </a:p>
+          <a:p>
+            <a:pPr lvl="1"/>
+            <a:r>
+              <a:rPr lang="en-US" dirty="0" smtClean="0"/>
+              <a:t>For a list with one element the head node and tail node are the same.</a:t>
+            </a:r>
+          </a:p>
+          <a:p>
+            <a:r>
+              <a:rPr lang="en-US" dirty="0" smtClean="0"/>
+              <a:t>We will use the  </a:t>
+            </a:r>
+            <a:r>
+              <a:rPr lang="en-US" i="1" smtClean="0">
+                <a:latin typeface="Garamond" panose="02020404030301010803" pitchFamily="18" charset="0"/>
+              </a:rPr>
+              <a:t>variable  </a:t>
+            </a:r>
+            <a:r>
+              <a:rPr lang="en-US" smtClean="0"/>
+              <a:t>named</a:t>
+            </a:r>
+            <a:r>
+              <a:rPr lang="en-US" smtClean="0">
+                <a:latin typeface="Courier New" panose="02070309020205020404" pitchFamily="49" charset="0"/>
+                <a:cs typeface="Courier New" panose="02070309020205020404" pitchFamily="49" charset="0"/>
+              </a:rPr>
+              <a:t>  head  </a:t>
+            </a:r>
+            <a:r>
+              <a:rPr lang="en-US" smtClean="0"/>
+              <a:t>to </a:t>
+            </a:r>
+            <a:r>
+              <a:rPr lang="en-US" dirty="0" smtClean="0"/>
+              <a:t>be a pointer to the </a:t>
+            </a:r>
+            <a:r>
+              <a:rPr lang="en-US" b="1" dirty="0" smtClean="0"/>
+              <a:t>head node</a:t>
+            </a:r>
+            <a:r>
+              <a:rPr lang="en-US" dirty="0" smtClean="0"/>
+              <a:t> of the list. </a:t>
+            </a:r>
+          </a:p>
+          <a:p>
+            <a:r>
+              <a:rPr lang="en-US" i="1" dirty="0" smtClean="0">
+                <a:latin typeface="Garamond" panose="02020404030301010803" pitchFamily="18" charset="0"/>
+              </a:rPr>
+              <a:t>Note: the variable</a:t>
+            </a:r>
+            <a:r>
+              <a:rPr lang="en-US" dirty="0" smtClean="0">
+                <a:latin typeface="Courier New" panose="02070309020205020404" pitchFamily="49" charset="0"/>
+                <a:cs typeface="Courier New" panose="02070309020205020404" pitchFamily="49" charset="0"/>
+              </a:rPr>
+              <a:t>  head  </a:t>
+            </a:r>
+            <a:r>
+              <a:rPr lang="en-US" i="1" dirty="0" smtClean="0">
+                <a:latin typeface="Garamond" panose="02020404030301010803" pitchFamily="18" charset="0"/>
+              </a:rPr>
+              <a:t>is itself </a:t>
+            </a:r>
+            <a:r>
+              <a:rPr lang="en-US" b="1" i="1" dirty="0" smtClean="0">
+                <a:latin typeface="Garamond" panose="02020404030301010803" pitchFamily="18" charset="0"/>
+              </a:rPr>
+              <a:t>not a node</a:t>
+            </a:r>
+            <a:r>
+              <a:rPr lang="en-US" i="1" dirty="0" smtClean="0">
+                <a:latin typeface="Garamond" panose="02020404030301010803" pitchFamily="18" charset="0"/>
+              </a:rPr>
+              <a:t>, but a </a:t>
+            </a:r>
+            <a:r>
+              <a:rPr lang="en-US" b="1" i="1" dirty="0" smtClean="0">
+                <a:latin typeface="Garamond" panose="02020404030301010803" pitchFamily="18" charset="0"/>
+              </a:rPr>
+              <a:t>pointer</a:t>
+            </a:r>
+            <a:r>
+              <a:rPr lang="en-US" i="1" dirty="0" smtClean="0">
+                <a:latin typeface="Garamond" panose="02020404030301010803" pitchFamily="18" charset="0"/>
+              </a:rPr>
+              <a:t> to the </a:t>
+            </a:r>
+            <a:r>
+              <a:rPr lang="en-US" b="1" dirty="0" smtClean="0"/>
+              <a:t>head node</a:t>
+            </a:r>
+            <a:r>
+              <a:rPr lang="en-US" dirty="0" smtClean="0"/>
+              <a:t>.</a:t>
+            </a:r>
+            <a:endParaRPr lang="en-US" dirty="0"/>
+          </a:p>
+        </p:txBody>
+      </p:sp>
+    </p:spTree>
+    <p:extLst>
+      <p:ext uri="{BB962C8B-B14F-4D97-AF65-F5344CB8AC3E}">
+        <p14:creationId xmlns:p14="http://schemas.microsoft.com/office/powerpoint/2010/main" val="3920169865"/>
+      </p:ext>
+    </p:extLst>
+  </p:cSld>
+  <p:clrMapOvr>
+    <a:masterClrMapping/>
+  </p:clrMapOvr>
+  <p:timing>
+    <p:tnLst>
+      <p:par>
+        <p:cTn id="1" dur="indefinite" restart="never" nodeType="tmRoot"/>
+      </p:par>
+    </p:tnLst>
+  </p:timing>
+</p:sld>
+</file>
+
+<file path=ppt/slides/slide6.xml><?xml version="1.0" encoding="utf-8"?>
+<p:sld xmlns:a="http://schemas.openxmlformats.org/drawingml/2006/main" xmlns:r="http://schemas.openxmlformats.org/officeDocument/2006/relationships" xmlns:p="http://schemas.openxmlformats.org/presentationml/2006/main">
+  <p:cSld>
+    <p:spTree>
+      <p:nvGrpSpPr>
+        <p:cNvPr id="1" name=""/>
+        <p:cNvGrpSpPr/>
+        <p:nvPr/>
+      </p:nvGrpSpPr>
+      <p:grpSpPr>
+        <a:xfrm>
+          <a:off x="0" y="0"/>
+          <a:ext cx="0" cy="0"/>
+          <a:chOff x="0" y="0"/>
+          <a:chExt cx="0" cy="0"/>
+        </a:xfrm>
+      </p:grpSpPr>
+      <p:sp>
+        <p:nvSpPr>
+          <p:cNvPr id="4" name="Title 3"/>
+          <p:cNvSpPr>
+            <a:spLocks noGrp="1"/>
+          </p:cNvSpPr>
+          <p:nvPr>
+            <p:ph type="title"/>
+          </p:nvPr>
+        </p:nvSpPr>
+        <p:spPr/>
+        <p:txBody>
+          <a:bodyPr/>
+          <a:lstStyle/>
+          <a:p>
+            <a:r>
+              <a:rPr lang="en-US" dirty="0" smtClean="0"/>
+              <a:t>Example</a:t>
+            </a:r>
+            <a:endParaRPr lang="en-US" dirty="0"/>
+          </a:p>
+        </p:txBody>
+      </p:sp>
+      <p:sp>
+        <p:nvSpPr>
+          <p:cNvPr id="6" name="TextBox 5"/>
+          <p:cNvSpPr txBox="1"/>
+          <p:nvPr/>
+        </p:nvSpPr>
+        <p:spPr>
+          <a:xfrm>
+            <a:off x="139559" y="1689462"/>
+            <a:ext cx="4172212" cy="3970318"/>
+          </a:xfrm>
+          <a:prstGeom prst="rect">
+            <a:avLst/>
+          </a:prstGeom>
+          <a:noFill/>
+        </p:spPr>
+        <p:txBody>
+          <a:bodyPr wrap="square" rtlCol="0">
+            <a:spAutoFit/>
+          </a:bodyPr>
+          <a:lstStyle/>
+          <a:p>
+            <a:r>
+              <a:rPr lang="en-US" dirty="0" err="1" smtClean="0">
+                <a:latin typeface="Courier New" panose="02070309020205020404" pitchFamily="49" charset="0"/>
+                <a:cs typeface="Courier New" panose="02070309020205020404" pitchFamily="49" charset="0"/>
+              </a:rPr>
+              <a:t>struct</a:t>
+            </a:r>
+            <a:r>
+              <a:rPr lang="en-US" dirty="0" smtClean="0">
+                <a:latin typeface="Courier New" panose="02070309020205020404" pitchFamily="49" charset="0"/>
+                <a:cs typeface="Courier New" panose="02070309020205020404" pitchFamily="49" charset="0"/>
+              </a:rPr>
+              <a:t> node {</a:t>
+            </a:r>
+            <a:br>
+              <a:rPr lang="en-US" dirty="0" smtClean="0">
+                <a:latin typeface="Courier New" panose="02070309020205020404" pitchFamily="49" charset="0"/>
+                <a:cs typeface="Courier New" panose="02070309020205020404" pitchFamily="49" charset="0"/>
+              </a:rPr>
+            </a:br>
+            <a:r>
+              <a:rPr lang="en-US" dirty="0" smtClean="0">
+                <a:latin typeface="Courier New" panose="02070309020205020404" pitchFamily="49" charset="0"/>
+                <a:cs typeface="Courier New" panose="02070309020205020404" pitchFamily="49" charset="0"/>
+              </a:rPr>
+              <a:t>      </a:t>
+            </a:r>
+            <a:r>
+              <a:rPr lang="en-US" dirty="0" err="1" smtClean="0">
+                <a:latin typeface="Courier New" panose="02070309020205020404" pitchFamily="49" charset="0"/>
+                <a:cs typeface="Courier New" panose="02070309020205020404" pitchFamily="49" charset="0"/>
+              </a:rPr>
+              <a:t>int</a:t>
+            </a:r>
+            <a:r>
+              <a:rPr lang="en-US" dirty="0" smtClean="0">
+                <a:latin typeface="Courier New" panose="02070309020205020404" pitchFamily="49" charset="0"/>
+                <a:cs typeface="Courier New" panose="02070309020205020404" pitchFamily="49" charset="0"/>
+              </a:rPr>
+              <a:t> </a:t>
+            </a:r>
+            <a:r>
+              <a:rPr lang="en-US" dirty="0" err="1" smtClean="0">
+                <a:latin typeface="Courier New" panose="02070309020205020404" pitchFamily="49" charset="0"/>
+                <a:cs typeface="Courier New" panose="02070309020205020404" pitchFamily="49" charset="0"/>
+              </a:rPr>
+              <a:t>val</a:t>
+            </a:r>
+            <a:r>
+              <a:rPr lang="en-US" dirty="0" smtClean="0">
+                <a:latin typeface="Courier New" panose="02070309020205020404" pitchFamily="49" charset="0"/>
+                <a:cs typeface="Courier New" panose="02070309020205020404" pitchFamily="49" charset="0"/>
+              </a:rPr>
+              <a:t>;</a:t>
+            </a:r>
+          </a:p>
+          <a:p>
+            <a:r>
+              <a:rPr lang="en-US" dirty="0">
+                <a:latin typeface="Courier New" panose="02070309020205020404" pitchFamily="49" charset="0"/>
+                <a:cs typeface="Courier New" panose="02070309020205020404" pitchFamily="49" charset="0"/>
+              </a:rPr>
+              <a:t> </a:t>
+            </a:r>
+            <a:r>
+              <a:rPr lang="en-US" dirty="0" smtClean="0">
+                <a:latin typeface="Courier New" panose="02070309020205020404" pitchFamily="49" charset="0"/>
+                <a:cs typeface="Courier New" panose="02070309020205020404" pitchFamily="49" charset="0"/>
+              </a:rPr>
+              <a:t>     </a:t>
+            </a:r>
+            <a:r>
+              <a:rPr lang="en-US" dirty="0" err="1" smtClean="0">
+                <a:latin typeface="Courier New" panose="02070309020205020404" pitchFamily="49" charset="0"/>
+                <a:cs typeface="Courier New" panose="02070309020205020404" pitchFamily="49" charset="0"/>
+              </a:rPr>
+              <a:t>struct</a:t>
+            </a:r>
+            <a:r>
+              <a:rPr lang="en-US" dirty="0" smtClean="0">
+                <a:latin typeface="Courier New" panose="02070309020205020404" pitchFamily="49" charset="0"/>
+                <a:cs typeface="Courier New" panose="02070309020205020404" pitchFamily="49" charset="0"/>
+              </a:rPr>
+              <a:t> node * next;</a:t>
+            </a:r>
+          </a:p>
+          <a:p>
+            <a:r>
+              <a:rPr lang="en-US" dirty="0" smtClean="0">
+                <a:latin typeface="Courier New" panose="02070309020205020404" pitchFamily="49" charset="0"/>
+                <a:cs typeface="Courier New" panose="02070309020205020404" pitchFamily="49" charset="0"/>
+              </a:rPr>
+              <a:t>};</a:t>
+            </a:r>
+          </a:p>
+          <a:p>
+            <a:endParaRPr lang="en-US" dirty="0" smtClean="0">
+              <a:latin typeface="Courier New" panose="02070309020205020404" pitchFamily="49" charset="0"/>
+              <a:cs typeface="Courier New" panose="02070309020205020404" pitchFamily="49" charset="0"/>
+            </a:endParaRPr>
+          </a:p>
+          <a:p>
+            <a:r>
+              <a:rPr lang="en-US" dirty="0" err="1" smtClean="0">
+                <a:latin typeface="Courier New" panose="02070309020205020404" pitchFamily="49" charset="0"/>
+                <a:cs typeface="Courier New" panose="02070309020205020404" pitchFamily="49" charset="0"/>
+              </a:rPr>
+              <a:t>typedef</a:t>
+            </a:r>
+            <a:r>
+              <a:rPr lang="en-US" dirty="0" smtClean="0">
+                <a:latin typeface="Courier New" panose="02070309020205020404" pitchFamily="49" charset="0"/>
+                <a:cs typeface="Courier New" panose="02070309020205020404" pitchFamily="49" charset="0"/>
+              </a:rPr>
+              <a:t> </a:t>
+            </a:r>
+            <a:r>
+              <a:rPr lang="en-US" dirty="0" err="1" smtClean="0">
+                <a:latin typeface="Courier New" panose="02070309020205020404" pitchFamily="49" charset="0"/>
+                <a:cs typeface="Courier New" panose="02070309020205020404" pitchFamily="49" charset="0"/>
+              </a:rPr>
+              <a:t>struct</a:t>
+            </a:r>
+            <a:r>
+              <a:rPr lang="en-US" dirty="0" smtClean="0">
+                <a:latin typeface="Courier New" panose="02070309020205020404" pitchFamily="49" charset="0"/>
+                <a:cs typeface="Courier New" panose="02070309020205020404" pitchFamily="49" charset="0"/>
+              </a:rPr>
+              <a:t> node </a:t>
+            </a:r>
+            <a:r>
+              <a:rPr lang="en-US" dirty="0" smtClean="0">
+                <a:latin typeface="Courier New" panose="02070309020205020404" pitchFamily="49" charset="0"/>
+                <a:cs typeface="Courier New" panose="02070309020205020404" pitchFamily="49" charset="0"/>
+              </a:rPr>
+              <a:t> </a:t>
+            </a:r>
+            <a:r>
+              <a:rPr lang="en-US" dirty="0" smtClean="0">
+                <a:latin typeface="Courier New" panose="02070309020205020404" pitchFamily="49" charset="0"/>
+                <a:cs typeface="Courier New" panose="02070309020205020404" pitchFamily="49" charset="0"/>
+              </a:rPr>
+              <a:t>Node;</a:t>
+            </a:r>
+          </a:p>
+          <a:p>
+            <a:endParaRPr lang="en-US" dirty="0" smtClean="0">
+              <a:latin typeface="Courier New" panose="02070309020205020404" pitchFamily="49" charset="0"/>
+              <a:cs typeface="Courier New" panose="02070309020205020404" pitchFamily="49" charset="0"/>
+            </a:endParaRPr>
+          </a:p>
+          <a:p>
+            <a:endParaRPr lang="en-US" dirty="0">
+              <a:latin typeface="Courier New" panose="02070309020205020404" pitchFamily="49" charset="0"/>
+              <a:cs typeface="Courier New" panose="02070309020205020404" pitchFamily="49" charset="0"/>
+            </a:endParaRPr>
+          </a:p>
+          <a:p>
+            <a:r>
+              <a:rPr lang="en-US" dirty="0" smtClean="0">
+                <a:latin typeface="Courier New" panose="02070309020205020404" pitchFamily="49" charset="0"/>
+                <a:cs typeface="Courier New" panose="02070309020205020404" pitchFamily="49" charset="0"/>
+              </a:rPr>
+              <a:t>Node * head;</a:t>
+            </a:r>
+          </a:p>
+          <a:p>
+            <a:r>
+              <a:rPr lang="en-US" dirty="0" smtClean="0">
+                <a:latin typeface="Courier New" panose="02070309020205020404" pitchFamily="49" charset="0"/>
+                <a:cs typeface="Courier New" panose="02070309020205020404" pitchFamily="49" charset="0"/>
+              </a:rPr>
+              <a:t>Node * l;</a:t>
+            </a:r>
+          </a:p>
+          <a:p>
+            <a:endParaRPr lang="en-US" dirty="0">
+              <a:latin typeface="Courier New" panose="02070309020205020404" pitchFamily="49" charset="0"/>
+              <a:cs typeface="Courier New" panose="02070309020205020404" pitchFamily="49" charset="0"/>
+            </a:endParaRPr>
+          </a:p>
+          <a:p>
+            <a:r>
+              <a:rPr lang="en-US" dirty="0" smtClean="0">
+                <a:latin typeface="Courier New" panose="02070309020205020404" pitchFamily="49" charset="0"/>
+                <a:cs typeface="Courier New" panose="02070309020205020404" pitchFamily="49" charset="0"/>
+              </a:rPr>
+              <a:t>// at some point in time </a:t>
+            </a:r>
+            <a:br>
+              <a:rPr lang="en-US" dirty="0" smtClean="0">
+                <a:latin typeface="Courier New" panose="02070309020205020404" pitchFamily="49" charset="0"/>
+                <a:cs typeface="Courier New" panose="02070309020205020404" pitchFamily="49" charset="0"/>
+              </a:rPr>
+            </a:br>
+            <a:r>
+              <a:rPr lang="en-US" dirty="0" smtClean="0">
+                <a:latin typeface="Courier New" panose="02070309020205020404" pitchFamily="49" charset="0"/>
+                <a:cs typeface="Courier New" panose="02070309020205020404" pitchFamily="49" charset="0"/>
+              </a:rPr>
+              <a:t>// the drawing on the right // shows how the list</a:t>
+            </a:r>
+          </a:p>
+        </p:txBody>
+      </p:sp>
+      <p:grpSp>
+        <p:nvGrpSpPr>
+          <p:cNvPr id="8" name="Group 7"/>
+          <p:cNvGrpSpPr/>
+          <p:nvPr/>
+        </p:nvGrpSpPr>
+        <p:grpSpPr>
+          <a:xfrm>
+            <a:off x="5308881" y="1688572"/>
+            <a:ext cx="1448972" cy="858130"/>
+            <a:chOff x="4535157" y="3362627"/>
+            <a:chExt cx="1448972" cy="858130"/>
+          </a:xfrm>
+        </p:grpSpPr>
+        <p:grpSp>
+          <p:nvGrpSpPr>
+            <p:cNvPr id="9" name="Group 8"/>
+            <p:cNvGrpSpPr/>
+            <p:nvPr/>
+          </p:nvGrpSpPr>
+          <p:grpSpPr>
+            <a:xfrm>
+              <a:off x="4535157" y="3362627"/>
+              <a:ext cx="1434905" cy="858130"/>
+              <a:chOff x="1631852" y="2222695"/>
+              <a:chExt cx="2096086" cy="1547447"/>
+            </a:xfrm>
+          </p:grpSpPr>
+          <p:sp>
+            <p:nvSpPr>
+              <p:cNvPr id="12" name="Rectangle 11"/>
+              <p:cNvSpPr/>
+              <p:nvPr/>
+            </p:nvSpPr>
+            <p:spPr>
+              <a:xfrm>
+                <a:off x="1631852" y="2222695"/>
+                <a:ext cx="2096086" cy="1547447"/>
+              </a:xfrm>
+              <a:prstGeom prst="rect">
+                <a:avLst/>
+              </a:prstGeom>
+              <a:noFill/>
+            </p:spPr>
+            <p:style>
+              <a:lnRef idx="2">
+                <a:schemeClr val="accent1">
+                  <a:shade val="50000"/>
+                </a:schemeClr>
+              </a:lnRef>
+              <a:fillRef idx="1">
+                <a:schemeClr val="accent1"/>
+              </a:fillRef>
+              <a:effectRef idx="0">
+                <a:schemeClr val="accent1"/>
+              </a:effectRef>
+              <a:fontRef idx="minor">
+                <a:schemeClr val="lt1"/>
+              </a:fontRef>
+            </p:style>
+            <p:txBody>
+              <a:bodyPr rtlCol="0" anchor="ctr"/>
+              <a:lstStyle/>
+              <a:p>
+                <a:pPr algn="ctr"/>
+                <a:endParaRPr lang="en-US" dirty="0"/>
+              </a:p>
+            </p:txBody>
+          </p:sp>
+          <p:cxnSp>
+            <p:nvCxnSpPr>
+              <p:cNvPr id="13" name="Straight Connector 12"/>
+              <p:cNvCxnSpPr>
+                <a:stCxn id="12" idx="1"/>
+                <a:endCxn id="12" idx="3"/>
+              </p:cNvCxnSpPr>
+              <p:nvPr/>
+            </p:nvCxnSpPr>
+            <p:spPr>
+              <a:xfrm>
+                <a:off x="1631852" y="2996419"/>
+                <a:ext cx="2096086" cy="0"/>
+              </a:xfrm>
+              <a:prstGeom prst="line">
+                <a:avLst/>
+              </a:prstGeom>
+              <a:ln>
+                <a:solidFill>
+                  <a:schemeClr val="tx1">
+                    <a:lumMod val="85000"/>
+                    <a:lumOff val="15000"/>
+                  </a:schemeClr>
+                </a:solidFill>
+              </a:ln>
+            </p:spPr>
+            <p:style>
+              <a:lnRef idx="1">
+                <a:schemeClr val="accent1"/>
+              </a:lnRef>
+              <a:fillRef idx="0">
+                <a:schemeClr val="accent1"/>
+              </a:fillRef>
+              <a:effectRef idx="0">
+                <a:schemeClr val="accent1"/>
+              </a:effectRef>
+              <a:fontRef idx="minor">
+                <a:schemeClr val="tx1"/>
+              </a:fontRef>
+            </p:style>
+          </p:cxnSp>
+        </p:grpSp>
+        <p:sp>
+          <p:nvSpPr>
+            <p:cNvPr id="10" name="TextBox 9"/>
+            <p:cNvSpPr txBox="1"/>
+            <p:nvPr/>
+          </p:nvSpPr>
+          <p:spPr>
+            <a:xfrm>
+              <a:off x="5146867" y="3400394"/>
+              <a:ext cx="301686" cy="369332"/>
+            </a:xfrm>
+            <a:prstGeom prst="rect">
+              <a:avLst/>
+            </a:prstGeom>
+            <a:solidFill>
+              <a:schemeClr val="accent6">
+                <a:lumMod val="20000"/>
+                <a:lumOff val="80000"/>
+              </a:schemeClr>
+            </a:solidFill>
+          </p:spPr>
+          <p:txBody>
+            <a:bodyPr wrap="none" rtlCol="0">
+              <a:spAutoFit/>
+            </a:bodyPr>
+            <a:lstStyle/>
+            <a:p>
+              <a:r>
+                <a:rPr lang="en-US" dirty="0"/>
+                <a:t>0</a:t>
+              </a:r>
+            </a:p>
+          </p:txBody>
+        </p:sp>
+        <p:sp>
+          <p:nvSpPr>
+            <p:cNvPr id="11" name="TextBox 10"/>
+            <p:cNvSpPr txBox="1"/>
+            <p:nvPr/>
+          </p:nvSpPr>
+          <p:spPr>
+            <a:xfrm>
+              <a:off x="4549224" y="3835626"/>
+              <a:ext cx="1434905" cy="369332"/>
+            </a:xfrm>
+            <a:prstGeom prst="rect">
+              <a:avLst/>
+            </a:prstGeom>
+            <a:solidFill>
+              <a:schemeClr val="accent4">
+                <a:lumMod val="20000"/>
+                <a:lumOff val="80000"/>
+              </a:schemeClr>
+            </a:solidFill>
+          </p:spPr>
+          <p:txBody>
+            <a:bodyPr wrap="square" rtlCol="0">
+              <a:spAutoFit/>
+            </a:bodyPr>
+            <a:lstStyle/>
+            <a:p>
+              <a:endParaRPr lang="en-US" b="1" dirty="0">
+                <a:latin typeface="Courier New" panose="02070309020205020404" pitchFamily="49" charset="0"/>
+                <a:cs typeface="Courier New" panose="02070309020205020404" pitchFamily="49" charset="0"/>
+              </a:endParaRPr>
+            </a:p>
+          </p:txBody>
+        </p:sp>
+      </p:grpSp>
+      <p:grpSp>
+        <p:nvGrpSpPr>
+          <p:cNvPr id="14" name="Group 13"/>
+          <p:cNvGrpSpPr/>
+          <p:nvPr/>
+        </p:nvGrpSpPr>
+        <p:grpSpPr>
+          <a:xfrm>
+            <a:off x="6406942" y="1751183"/>
+            <a:ext cx="2383459" cy="858130"/>
+            <a:chOff x="5633218" y="3425238"/>
+            <a:chExt cx="2383459" cy="858130"/>
+          </a:xfrm>
+        </p:grpSpPr>
+        <p:grpSp>
+          <p:nvGrpSpPr>
+            <p:cNvPr id="15" name="Group 14"/>
+            <p:cNvGrpSpPr/>
+            <p:nvPr/>
+          </p:nvGrpSpPr>
+          <p:grpSpPr>
+            <a:xfrm>
+              <a:off x="6567705" y="3425238"/>
+              <a:ext cx="1434905" cy="858130"/>
+              <a:chOff x="1631852" y="2222695"/>
+              <a:chExt cx="2096086" cy="1547447"/>
+            </a:xfrm>
+          </p:grpSpPr>
+          <p:sp>
+            <p:nvSpPr>
+              <p:cNvPr id="19" name="Rectangle 18"/>
+              <p:cNvSpPr/>
+              <p:nvPr/>
+            </p:nvSpPr>
+            <p:spPr>
+              <a:xfrm>
+                <a:off x="1631852" y="2222695"/>
+                <a:ext cx="2096086" cy="1547447"/>
+              </a:xfrm>
+              <a:prstGeom prst="rect">
+                <a:avLst/>
+              </a:prstGeom>
+              <a:noFill/>
+            </p:spPr>
+            <p:style>
+              <a:lnRef idx="2">
+                <a:schemeClr val="accent1">
+                  <a:shade val="50000"/>
+                </a:schemeClr>
+              </a:lnRef>
+              <a:fillRef idx="1">
+                <a:schemeClr val="accent1"/>
+              </a:fillRef>
+              <a:effectRef idx="0">
+                <a:schemeClr val="accent1"/>
+              </a:effectRef>
+              <a:fontRef idx="minor">
+                <a:schemeClr val="lt1"/>
+              </a:fontRef>
+            </p:style>
+            <p:txBody>
+              <a:bodyPr rtlCol="0" anchor="ctr"/>
+              <a:lstStyle/>
+              <a:p>
+                <a:pPr algn="ctr"/>
+                <a:endParaRPr lang="en-US" dirty="0"/>
+              </a:p>
+            </p:txBody>
+          </p:sp>
+          <p:cxnSp>
+            <p:nvCxnSpPr>
+              <p:cNvPr id="20" name="Straight Connector 19"/>
+              <p:cNvCxnSpPr>
+                <a:stCxn id="19" idx="1"/>
+                <a:endCxn id="19" idx="3"/>
+              </p:cNvCxnSpPr>
+              <p:nvPr/>
+            </p:nvCxnSpPr>
+            <p:spPr>
+              <a:xfrm>
+                <a:off x="1631852" y="2996419"/>
+                <a:ext cx="2096086" cy="0"/>
+              </a:xfrm>
+              <a:prstGeom prst="line">
+                <a:avLst/>
+              </a:prstGeom>
+              <a:ln>
+                <a:solidFill>
+                  <a:schemeClr val="tx1">
+                    <a:lumMod val="85000"/>
+                    <a:lumOff val="15000"/>
+                  </a:schemeClr>
+                </a:solidFill>
+              </a:ln>
+            </p:spPr>
+            <p:style>
+              <a:lnRef idx="1">
+                <a:schemeClr val="accent1"/>
+              </a:lnRef>
+              <a:fillRef idx="0">
+                <a:schemeClr val="accent1"/>
+              </a:fillRef>
+              <a:effectRef idx="0">
+                <a:schemeClr val="accent1"/>
+              </a:effectRef>
+              <a:fontRef idx="minor">
+                <a:schemeClr val="tx1"/>
+              </a:fontRef>
+            </p:style>
+          </p:cxnSp>
+        </p:grpSp>
+        <p:sp>
+          <p:nvSpPr>
+            <p:cNvPr id="16" name="TextBox 15"/>
+            <p:cNvSpPr txBox="1"/>
+            <p:nvPr/>
+          </p:nvSpPr>
+          <p:spPr>
+            <a:xfrm>
+              <a:off x="7148381" y="3455105"/>
+              <a:ext cx="301686" cy="369332"/>
+            </a:xfrm>
+            <a:prstGeom prst="rect">
+              <a:avLst/>
+            </a:prstGeom>
+            <a:solidFill>
+              <a:schemeClr val="accent6">
+                <a:lumMod val="20000"/>
+                <a:lumOff val="80000"/>
+              </a:schemeClr>
+            </a:solidFill>
+          </p:spPr>
+          <p:txBody>
+            <a:bodyPr wrap="none" rtlCol="0">
+              <a:spAutoFit/>
+            </a:bodyPr>
+            <a:lstStyle/>
+            <a:p>
+              <a:r>
+                <a:rPr lang="en-US" dirty="0" smtClean="0"/>
+                <a:t>1</a:t>
+              </a:r>
+              <a:endParaRPr lang="en-US" dirty="0"/>
+            </a:p>
+          </p:txBody>
+        </p:sp>
+        <p:sp>
+          <p:nvSpPr>
+            <p:cNvPr id="17" name="TextBox 16"/>
+            <p:cNvSpPr txBox="1"/>
+            <p:nvPr/>
+          </p:nvSpPr>
+          <p:spPr>
+            <a:xfrm>
+              <a:off x="6581772" y="3898237"/>
+              <a:ext cx="1434905" cy="369332"/>
+            </a:xfrm>
+            <a:prstGeom prst="rect">
+              <a:avLst/>
+            </a:prstGeom>
+            <a:solidFill>
+              <a:schemeClr val="accent4">
+                <a:lumMod val="20000"/>
+                <a:lumOff val="80000"/>
+              </a:schemeClr>
+            </a:solidFill>
+          </p:spPr>
+          <p:txBody>
+            <a:bodyPr wrap="square" rtlCol="0">
+              <a:spAutoFit/>
+            </a:bodyPr>
+            <a:lstStyle/>
+            <a:p>
+              <a:endParaRPr lang="en-US" b="1" dirty="0">
+                <a:latin typeface="Courier New" panose="02070309020205020404" pitchFamily="49" charset="0"/>
+                <a:cs typeface="Courier New" panose="02070309020205020404" pitchFamily="49" charset="0"/>
+              </a:endParaRPr>
+            </a:p>
+          </p:txBody>
+        </p:sp>
+        <p:cxnSp>
+          <p:nvCxnSpPr>
+            <p:cNvPr id="18" name="Straight Arrow Connector 17"/>
+            <p:cNvCxnSpPr/>
+            <p:nvPr/>
+          </p:nvCxnSpPr>
+          <p:spPr>
+            <a:xfrm flipV="1">
+              <a:off x="5633218" y="4064226"/>
+              <a:ext cx="724039" cy="4218"/>
+            </a:xfrm>
+            <a:prstGeom prst="straightConnector1">
+              <a:avLst/>
+            </a:prstGeom>
+            <a:ln w="38100">
+              <a:solidFill>
+                <a:schemeClr val="tx1">
+                  <a:lumMod val="85000"/>
+                  <a:lumOff val="15000"/>
+                </a:schemeClr>
+              </a:solidFill>
+              <a:tailEnd type="triangle"/>
+            </a:ln>
+          </p:spPr>
+          <p:style>
+            <a:lnRef idx="1">
+              <a:schemeClr val="accent1"/>
+            </a:lnRef>
+            <a:fillRef idx="0">
+              <a:schemeClr val="accent1"/>
+            </a:fillRef>
+            <a:effectRef idx="0">
+              <a:schemeClr val="accent1"/>
+            </a:effectRef>
+            <a:fontRef idx="minor">
+              <a:schemeClr val="tx1"/>
+            </a:fontRef>
+          </p:style>
+        </p:cxnSp>
+      </p:grpSp>
+      <p:grpSp>
+        <p:nvGrpSpPr>
+          <p:cNvPr id="21" name="Group 20"/>
+          <p:cNvGrpSpPr/>
+          <p:nvPr/>
+        </p:nvGrpSpPr>
+        <p:grpSpPr>
+          <a:xfrm>
+            <a:off x="8502781" y="1702011"/>
+            <a:ext cx="2383459" cy="858130"/>
+            <a:chOff x="5633218" y="3425238"/>
+            <a:chExt cx="2383459" cy="858130"/>
+          </a:xfrm>
+        </p:grpSpPr>
+        <p:grpSp>
+          <p:nvGrpSpPr>
+            <p:cNvPr id="22" name="Group 21"/>
+            <p:cNvGrpSpPr/>
+            <p:nvPr/>
+          </p:nvGrpSpPr>
+          <p:grpSpPr>
+            <a:xfrm>
+              <a:off x="6567705" y="3425238"/>
+              <a:ext cx="1434905" cy="858130"/>
+              <a:chOff x="1631852" y="2222695"/>
+              <a:chExt cx="2096086" cy="1547447"/>
+            </a:xfrm>
+          </p:grpSpPr>
+          <p:sp>
+            <p:nvSpPr>
+              <p:cNvPr id="26" name="Rectangle 25"/>
+              <p:cNvSpPr/>
+              <p:nvPr/>
+            </p:nvSpPr>
+            <p:spPr>
+              <a:xfrm>
+                <a:off x="1631852" y="2222695"/>
+                <a:ext cx="2096086" cy="1547447"/>
+              </a:xfrm>
+              <a:prstGeom prst="rect">
+                <a:avLst/>
+              </a:prstGeom>
+              <a:noFill/>
+            </p:spPr>
+            <p:style>
+              <a:lnRef idx="2">
+                <a:schemeClr val="accent1">
+                  <a:shade val="50000"/>
+                </a:schemeClr>
+              </a:lnRef>
+              <a:fillRef idx="1">
+                <a:schemeClr val="accent1"/>
+              </a:fillRef>
+              <a:effectRef idx="0">
+                <a:schemeClr val="accent1"/>
+              </a:effectRef>
+              <a:fontRef idx="minor">
+                <a:schemeClr val="lt1"/>
+              </a:fontRef>
+            </p:style>
+            <p:txBody>
+              <a:bodyPr rtlCol="0" anchor="ctr"/>
+              <a:lstStyle/>
+              <a:p>
+                <a:pPr algn="ctr"/>
+                <a:endParaRPr lang="en-US" dirty="0"/>
+              </a:p>
+            </p:txBody>
+          </p:sp>
+          <p:cxnSp>
+            <p:nvCxnSpPr>
+              <p:cNvPr id="27" name="Straight Connector 26"/>
+              <p:cNvCxnSpPr>
+                <a:stCxn id="26" idx="1"/>
+                <a:endCxn id="26" idx="3"/>
+              </p:cNvCxnSpPr>
+              <p:nvPr/>
+            </p:nvCxnSpPr>
+            <p:spPr>
+              <a:xfrm>
+                <a:off x="1631852" y="2996419"/>
+                <a:ext cx="2096086" cy="0"/>
+              </a:xfrm>
+              <a:prstGeom prst="line">
+                <a:avLst/>
+              </a:prstGeom>
+              <a:ln>
+                <a:solidFill>
+                  <a:schemeClr val="tx1">
+                    <a:lumMod val="85000"/>
+                    <a:lumOff val="15000"/>
+                  </a:schemeClr>
+                </a:solidFill>
+              </a:ln>
+            </p:spPr>
+            <p:style>
+              <a:lnRef idx="1">
+                <a:schemeClr val="accent1"/>
+              </a:lnRef>
+              <a:fillRef idx="0">
+                <a:schemeClr val="accent1"/>
+              </a:fillRef>
+              <a:effectRef idx="0">
+                <a:schemeClr val="accent1"/>
+              </a:effectRef>
+              <a:fontRef idx="minor">
+                <a:schemeClr val="tx1"/>
+              </a:fontRef>
+            </p:style>
+          </p:cxnSp>
+        </p:grpSp>
+        <p:sp>
+          <p:nvSpPr>
+            <p:cNvPr id="23" name="TextBox 22"/>
+            <p:cNvSpPr txBox="1"/>
+            <p:nvPr/>
+          </p:nvSpPr>
+          <p:spPr>
+            <a:xfrm>
+              <a:off x="7148381" y="3455105"/>
+              <a:ext cx="301686" cy="369332"/>
+            </a:xfrm>
+            <a:prstGeom prst="rect">
+              <a:avLst/>
+            </a:prstGeom>
+            <a:solidFill>
+              <a:schemeClr val="accent6">
+                <a:lumMod val="20000"/>
+                <a:lumOff val="80000"/>
+              </a:schemeClr>
+            </a:solidFill>
+          </p:spPr>
+          <p:txBody>
+            <a:bodyPr wrap="none" rtlCol="0">
+              <a:spAutoFit/>
+            </a:bodyPr>
+            <a:lstStyle/>
+            <a:p>
+              <a:r>
+                <a:rPr lang="en-US" dirty="0"/>
+                <a:t>2</a:t>
+              </a:r>
+            </a:p>
+          </p:txBody>
+        </p:sp>
+        <p:sp>
+          <p:nvSpPr>
+            <p:cNvPr id="24" name="TextBox 23"/>
+            <p:cNvSpPr txBox="1"/>
+            <p:nvPr/>
+          </p:nvSpPr>
+          <p:spPr>
+            <a:xfrm>
+              <a:off x="6581772" y="3898237"/>
+              <a:ext cx="1434905" cy="369332"/>
+            </a:xfrm>
+            <a:prstGeom prst="rect">
+              <a:avLst/>
+            </a:prstGeom>
+            <a:solidFill>
+              <a:schemeClr val="accent4">
+                <a:lumMod val="20000"/>
+                <a:lumOff val="80000"/>
+              </a:schemeClr>
+            </a:solidFill>
+          </p:spPr>
+          <p:txBody>
+            <a:bodyPr wrap="square" rtlCol="0">
+              <a:spAutoFit/>
+            </a:bodyPr>
+            <a:lstStyle/>
+            <a:p>
+              <a:endParaRPr lang="en-US" b="1" dirty="0">
+                <a:latin typeface="Courier New" panose="02070309020205020404" pitchFamily="49" charset="0"/>
+                <a:cs typeface="Courier New" panose="02070309020205020404" pitchFamily="49" charset="0"/>
+              </a:endParaRPr>
+            </a:p>
+          </p:txBody>
+        </p:sp>
+        <p:cxnSp>
+          <p:nvCxnSpPr>
+            <p:cNvPr id="25" name="Straight Arrow Connector 24"/>
+            <p:cNvCxnSpPr/>
+            <p:nvPr/>
+          </p:nvCxnSpPr>
+          <p:spPr>
+            <a:xfrm flipV="1">
+              <a:off x="5633218" y="4064226"/>
+              <a:ext cx="724039" cy="4218"/>
+            </a:xfrm>
+            <a:prstGeom prst="straightConnector1">
+              <a:avLst/>
+            </a:prstGeom>
+            <a:ln w="38100">
+              <a:solidFill>
+                <a:schemeClr val="tx1">
+                  <a:lumMod val="85000"/>
+                  <a:lumOff val="15000"/>
+                </a:schemeClr>
+              </a:solidFill>
+              <a:tailEnd type="triangle"/>
+            </a:ln>
+          </p:spPr>
+          <p:style>
+            <a:lnRef idx="1">
+              <a:schemeClr val="accent1"/>
+            </a:lnRef>
+            <a:fillRef idx="0">
+              <a:schemeClr val="accent1"/>
+            </a:fillRef>
+            <a:effectRef idx="0">
+              <a:schemeClr val="accent1"/>
+            </a:effectRef>
+            <a:fontRef idx="minor">
+              <a:schemeClr val="tx1"/>
+            </a:fontRef>
+          </p:style>
+        </p:cxnSp>
+      </p:grpSp>
+      <p:grpSp>
+        <p:nvGrpSpPr>
+          <p:cNvPr id="28" name="Group 27"/>
+          <p:cNvGrpSpPr/>
+          <p:nvPr/>
+        </p:nvGrpSpPr>
+        <p:grpSpPr>
+          <a:xfrm>
+            <a:off x="9462803" y="2263601"/>
+            <a:ext cx="1448972" cy="1411886"/>
+            <a:chOff x="6567705" y="2871482"/>
+            <a:chExt cx="1448972" cy="1411886"/>
+          </a:xfrm>
+        </p:grpSpPr>
+        <p:grpSp>
+          <p:nvGrpSpPr>
+            <p:cNvPr id="29" name="Group 28"/>
+            <p:cNvGrpSpPr/>
+            <p:nvPr/>
+          </p:nvGrpSpPr>
+          <p:grpSpPr>
+            <a:xfrm>
+              <a:off x="6567705" y="3425238"/>
+              <a:ext cx="1434905" cy="858130"/>
+              <a:chOff x="1631852" y="2222695"/>
+              <a:chExt cx="2096086" cy="1547447"/>
+            </a:xfrm>
+          </p:grpSpPr>
+          <p:sp>
+            <p:nvSpPr>
+              <p:cNvPr id="33" name="Rectangle 32"/>
+              <p:cNvSpPr/>
+              <p:nvPr/>
+            </p:nvSpPr>
+            <p:spPr>
+              <a:xfrm>
+                <a:off x="1631852" y="2222695"/>
+                <a:ext cx="2096086" cy="1547447"/>
+              </a:xfrm>
+              <a:prstGeom prst="rect">
+                <a:avLst/>
+              </a:prstGeom>
+              <a:noFill/>
+            </p:spPr>
+            <p:style>
+              <a:lnRef idx="2">
+                <a:schemeClr val="accent1">
+                  <a:shade val="50000"/>
+                </a:schemeClr>
+              </a:lnRef>
+              <a:fillRef idx="1">
+                <a:schemeClr val="accent1"/>
+              </a:fillRef>
+              <a:effectRef idx="0">
+                <a:schemeClr val="accent1"/>
+              </a:effectRef>
+              <a:fontRef idx="minor">
+                <a:schemeClr val="lt1"/>
+              </a:fontRef>
+            </p:style>
+            <p:txBody>
+              <a:bodyPr rtlCol="0" anchor="ctr"/>
+              <a:lstStyle/>
+              <a:p>
+                <a:pPr algn="ctr"/>
+                <a:endParaRPr lang="en-US" dirty="0"/>
+              </a:p>
+            </p:txBody>
+          </p:sp>
+          <p:cxnSp>
+            <p:nvCxnSpPr>
+              <p:cNvPr id="34" name="Straight Connector 33"/>
+              <p:cNvCxnSpPr>
+                <a:stCxn id="33" idx="1"/>
+                <a:endCxn id="33" idx="3"/>
+              </p:cNvCxnSpPr>
+              <p:nvPr/>
+            </p:nvCxnSpPr>
+            <p:spPr>
+              <a:xfrm>
+                <a:off x="1631852" y="2996419"/>
+                <a:ext cx="2096086" cy="0"/>
+              </a:xfrm>
+              <a:prstGeom prst="line">
+                <a:avLst/>
+              </a:prstGeom>
+              <a:ln>
+                <a:solidFill>
+                  <a:schemeClr val="tx1">
+                    <a:lumMod val="85000"/>
+                    <a:lumOff val="15000"/>
+                  </a:schemeClr>
+                </a:solidFill>
+              </a:ln>
+            </p:spPr>
+            <p:style>
+              <a:lnRef idx="1">
+                <a:schemeClr val="accent1"/>
+              </a:lnRef>
+              <a:fillRef idx="0">
+                <a:schemeClr val="accent1"/>
+              </a:fillRef>
+              <a:effectRef idx="0">
+                <a:schemeClr val="accent1"/>
+              </a:effectRef>
+              <a:fontRef idx="minor">
+                <a:schemeClr val="tx1"/>
+              </a:fontRef>
+            </p:style>
+          </p:cxnSp>
+        </p:grpSp>
+        <p:sp>
+          <p:nvSpPr>
+            <p:cNvPr id="30" name="TextBox 29"/>
+            <p:cNvSpPr txBox="1"/>
+            <p:nvPr/>
+          </p:nvSpPr>
+          <p:spPr>
+            <a:xfrm>
+              <a:off x="7148381" y="3455105"/>
+              <a:ext cx="301686" cy="369332"/>
+            </a:xfrm>
+            <a:prstGeom prst="rect">
+              <a:avLst/>
+            </a:prstGeom>
+            <a:solidFill>
+              <a:schemeClr val="accent6">
+                <a:lumMod val="20000"/>
+                <a:lumOff val="80000"/>
+              </a:schemeClr>
+            </a:solidFill>
+          </p:spPr>
+          <p:txBody>
+            <a:bodyPr wrap="none" rtlCol="0">
+              <a:spAutoFit/>
+            </a:bodyPr>
+            <a:lstStyle/>
+            <a:p>
+              <a:r>
+                <a:rPr lang="en-US" dirty="0" smtClean="0"/>
+                <a:t>3</a:t>
+              </a:r>
+              <a:endParaRPr lang="en-US" dirty="0"/>
+            </a:p>
+          </p:txBody>
+        </p:sp>
+        <p:sp>
+          <p:nvSpPr>
+            <p:cNvPr id="31" name="TextBox 30"/>
+            <p:cNvSpPr txBox="1"/>
+            <p:nvPr/>
+          </p:nvSpPr>
+          <p:spPr>
+            <a:xfrm>
+              <a:off x="6581772" y="3898237"/>
+              <a:ext cx="1434905" cy="369332"/>
+            </a:xfrm>
+            <a:prstGeom prst="rect">
+              <a:avLst/>
+            </a:prstGeom>
+            <a:solidFill>
+              <a:schemeClr val="accent4">
+                <a:lumMod val="20000"/>
+                <a:lumOff val="80000"/>
+              </a:schemeClr>
+            </a:solidFill>
+          </p:spPr>
+          <p:txBody>
+            <a:bodyPr wrap="square" rtlCol="0">
+              <a:spAutoFit/>
+            </a:bodyPr>
+            <a:lstStyle/>
+            <a:p>
+              <a:endParaRPr lang="en-US" b="1" dirty="0">
+                <a:latin typeface="Courier New" panose="02070309020205020404" pitchFamily="49" charset="0"/>
+                <a:cs typeface="Courier New" panose="02070309020205020404" pitchFamily="49" charset="0"/>
+              </a:endParaRPr>
+            </a:p>
+          </p:txBody>
+        </p:sp>
+        <p:cxnSp>
+          <p:nvCxnSpPr>
+            <p:cNvPr id="32" name="Straight Arrow Connector 31"/>
+            <p:cNvCxnSpPr/>
+            <p:nvPr/>
+          </p:nvCxnSpPr>
+          <p:spPr>
+            <a:xfrm flipH="1">
+              <a:off x="6728400" y="2871482"/>
+              <a:ext cx="393424" cy="582650"/>
+            </a:xfrm>
+            <a:prstGeom prst="straightConnector1">
+              <a:avLst/>
+            </a:prstGeom>
+            <a:ln w="38100">
+              <a:solidFill>
+                <a:schemeClr val="tx1">
+                  <a:lumMod val="85000"/>
+                  <a:lumOff val="15000"/>
+                </a:schemeClr>
+              </a:solidFill>
+              <a:tailEnd type="triangle"/>
+            </a:ln>
+          </p:spPr>
+          <p:style>
+            <a:lnRef idx="1">
+              <a:schemeClr val="accent1"/>
+            </a:lnRef>
+            <a:fillRef idx="0">
+              <a:schemeClr val="accent1"/>
+            </a:fillRef>
+            <a:effectRef idx="0">
+              <a:schemeClr val="accent1"/>
+            </a:effectRef>
+            <a:fontRef idx="minor">
+              <a:schemeClr val="tx1"/>
+            </a:fontRef>
+          </p:style>
+        </p:cxnSp>
+      </p:grpSp>
+      <p:grpSp>
+        <p:nvGrpSpPr>
+          <p:cNvPr id="35" name="Group 34"/>
+          <p:cNvGrpSpPr/>
+          <p:nvPr/>
+        </p:nvGrpSpPr>
+        <p:grpSpPr>
+          <a:xfrm>
+            <a:off x="9451335" y="3487066"/>
+            <a:ext cx="1448972" cy="1321944"/>
+            <a:chOff x="6567705" y="2961424"/>
+            <a:chExt cx="1448972" cy="1321944"/>
+          </a:xfrm>
+        </p:grpSpPr>
+        <p:grpSp>
+          <p:nvGrpSpPr>
+            <p:cNvPr id="36" name="Group 35"/>
+            <p:cNvGrpSpPr/>
+            <p:nvPr/>
+          </p:nvGrpSpPr>
+          <p:grpSpPr>
+            <a:xfrm>
+              <a:off x="6567705" y="3425238"/>
+              <a:ext cx="1434905" cy="858130"/>
+              <a:chOff x="1631852" y="2222695"/>
+              <a:chExt cx="2096086" cy="1547447"/>
+            </a:xfrm>
+          </p:grpSpPr>
+          <p:sp>
+            <p:nvSpPr>
+              <p:cNvPr id="40" name="Rectangle 39"/>
+              <p:cNvSpPr/>
+              <p:nvPr/>
+            </p:nvSpPr>
+            <p:spPr>
+              <a:xfrm>
+                <a:off x="1631852" y="2222695"/>
+                <a:ext cx="2096086" cy="1547447"/>
+              </a:xfrm>
+              <a:prstGeom prst="rect">
+                <a:avLst/>
+              </a:prstGeom>
+              <a:noFill/>
+            </p:spPr>
+            <p:style>
+              <a:lnRef idx="2">
+                <a:schemeClr val="accent1">
+                  <a:shade val="50000"/>
+                </a:schemeClr>
+              </a:lnRef>
+              <a:fillRef idx="1">
+                <a:schemeClr val="accent1"/>
+              </a:fillRef>
+              <a:effectRef idx="0">
+                <a:schemeClr val="accent1"/>
+              </a:effectRef>
+              <a:fontRef idx="minor">
+                <a:schemeClr val="lt1"/>
+              </a:fontRef>
+            </p:style>
+            <p:txBody>
+              <a:bodyPr rtlCol="0" anchor="ctr"/>
+              <a:lstStyle/>
+              <a:p>
+                <a:pPr algn="ctr"/>
+                <a:endParaRPr lang="en-US" dirty="0"/>
+              </a:p>
+            </p:txBody>
+          </p:sp>
+          <p:cxnSp>
+            <p:nvCxnSpPr>
+              <p:cNvPr id="41" name="Straight Connector 40"/>
+              <p:cNvCxnSpPr>
+                <a:stCxn id="40" idx="1"/>
+                <a:endCxn id="40" idx="3"/>
+              </p:cNvCxnSpPr>
+              <p:nvPr/>
+            </p:nvCxnSpPr>
+            <p:spPr>
+              <a:xfrm>
+                <a:off x="1631852" y="2996419"/>
+                <a:ext cx="2096086" cy="0"/>
+              </a:xfrm>
+              <a:prstGeom prst="line">
+                <a:avLst/>
+              </a:prstGeom>
+              <a:ln>
+                <a:solidFill>
+                  <a:schemeClr val="tx1">
+                    <a:lumMod val="85000"/>
+                    <a:lumOff val="15000"/>
+                  </a:schemeClr>
+                </a:solidFill>
+              </a:ln>
+            </p:spPr>
+            <p:style>
+              <a:lnRef idx="1">
+                <a:schemeClr val="accent1"/>
+              </a:lnRef>
+              <a:fillRef idx="0">
+                <a:schemeClr val="accent1"/>
+              </a:fillRef>
+              <a:effectRef idx="0">
+                <a:schemeClr val="accent1"/>
+              </a:effectRef>
+              <a:fontRef idx="minor">
+                <a:schemeClr val="tx1"/>
+              </a:fontRef>
+            </p:style>
+          </p:cxnSp>
+        </p:grpSp>
+        <p:sp>
+          <p:nvSpPr>
+            <p:cNvPr id="37" name="TextBox 36"/>
+            <p:cNvSpPr txBox="1"/>
+            <p:nvPr/>
+          </p:nvSpPr>
+          <p:spPr>
+            <a:xfrm>
+              <a:off x="7148381" y="3455105"/>
+              <a:ext cx="301686" cy="369332"/>
+            </a:xfrm>
+            <a:prstGeom prst="rect">
+              <a:avLst/>
+            </a:prstGeom>
+            <a:solidFill>
+              <a:schemeClr val="accent6">
+                <a:lumMod val="20000"/>
+                <a:lumOff val="80000"/>
+              </a:schemeClr>
+            </a:solidFill>
+          </p:spPr>
+          <p:txBody>
+            <a:bodyPr wrap="none" rtlCol="0">
+              <a:spAutoFit/>
+            </a:bodyPr>
+            <a:lstStyle/>
+            <a:p>
+              <a:r>
+                <a:rPr lang="en-US" dirty="0"/>
+                <a:t>4</a:t>
+              </a:r>
+            </a:p>
+          </p:txBody>
+        </p:sp>
+        <p:sp>
+          <p:nvSpPr>
+            <p:cNvPr id="38" name="TextBox 37"/>
+            <p:cNvSpPr txBox="1"/>
+            <p:nvPr/>
+          </p:nvSpPr>
+          <p:spPr>
+            <a:xfrm>
+              <a:off x="6581772" y="3898237"/>
+              <a:ext cx="1434905" cy="369332"/>
+            </a:xfrm>
+            <a:prstGeom prst="rect">
+              <a:avLst/>
+            </a:prstGeom>
+            <a:solidFill>
+              <a:schemeClr val="accent4">
+                <a:lumMod val="20000"/>
+                <a:lumOff val="80000"/>
+              </a:schemeClr>
+            </a:solidFill>
+          </p:spPr>
+          <p:txBody>
+            <a:bodyPr wrap="square" rtlCol="0">
+              <a:spAutoFit/>
+            </a:bodyPr>
+            <a:lstStyle/>
+            <a:p>
+              <a:endParaRPr lang="en-US" b="1" dirty="0">
+                <a:latin typeface="Courier New" panose="02070309020205020404" pitchFamily="49" charset="0"/>
+                <a:cs typeface="Courier New" panose="02070309020205020404" pitchFamily="49" charset="0"/>
+              </a:endParaRPr>
+            </a:p>
+          </p:txBody>
+        </p:sp>
+        <p:cxnSp>
+          <p:nvCxnSpPr>
+            <p:cNvPr id="39" name="Straight Arrow Connector 38"/>
+            <p:cNvCxnSpPr/>
+            <p:nvPr/>
+          </p:nvCxnSpPr>
+          <p:spPr>
+            <a:xfrm flipH="1">
+              <a:off x="6728400" y="2961424"/>
+              <a:ext cx="306513" cy="492708"/>
+            </a:xfrm>
+            <a:prstGeom prst="straightConnector1">
+              <a:avLst/>
+            </a:prstGeom>
+            <a:ln w="38100">
+              <a:solidFill>
+                <a:schemeClr val="tx1">
+                  <a:lumMod val="85000"/>
+                  <a:lumOff val="15000"/>
+                </a:schemeClr>
+              </a:solidFill>
+              <a:tailEnd type="triangle"/>
+            </a:ln>
+          </p:spPr>
+          <p:style>
+            <a:lnRef idx="1">
+              <a:schemeClr val="accent1"/>
+            </a:lnRef>
+            <a:fillRef idx="0">
+              <a:schemeClr val="accent1"/>
+            </a:fillRef>
+            <a:effectRef idx="0">
+              <a:schemeClr val="accent1"/>
+            </a:effectRef>
+            <a:fontRef idx="minor">
+              <a:schemeClr val="tx1"/>
+            </a:fontRef>
+          </p:style>
+        </p:cxnSp>
+      </p:grpSp>
+      <p:cxnSp>
+        <p:nvCxnSpPr>
+          <p:cNvPr id="42" name="Curved Connector 41"/>
+          <p:cNvCxnSpPr/>
+          <p:nvPr/>
+        </p:nvCxnSpPr>
+        <p:spPr>
+          <a:xfrm flipV="1">
+            <a:off x="10322811" y="4607295"/>
+            <a:ext cx="765712" cy="27908"/>
+          </a:xfrm>
+          <a:prstGeom prst="curvedConnector3">
+            <a:avLst/>
+          </a:prstGeom>
+          <a:ln w="38100">
+            <a:solidFill>
+              <a:schemeClr val="accent1"/>
+            </a:solidFill>
+            <a:tailEnd type="triangle"/>
+          </a:ln>
+        </p:spPr>
+        <p:style>
+          <a:lnRef idx="1">
+            <a:schemeClr val="accent1"/>
+          </a:lnRef>
+          <a:fillRef idx="0">
+            <a:schemeClr val="accent1"/>
+          </a:fillRef>
+          <a:effectRef idx="0">
+            <a:schemeClr val="accent1"/>
+          </a:effectRef>
+          <a:fontRef idx="minor">
+            <a:schemeClr val="tx1"/>
+          </a:fontRef>
+        </p:style>
+      </p:cxnSp>
+      <p:sp>
+        <p:nvSpPr>
+          <p:cNvPr id="43" name="TextBox 42"/>
+          <p:cNvSpPr txBox="1"/>
+          <p:nvPr/>
+        </p:nvSpPr>
+        <p:spPr>
+          <a:xfrm>
+            <a:off x="11140758" y="4423879"/>
+            <a:ext cx="922047" cy="461665"/>
+          </a:xfrm>
+          <a:prstGeom prst="rect">
+            <a:avLst/>
+          </a:prstGeom>
+          <a:noFill/>
+          <a:ln>
+            <a:solidFill>
+              <a:schemeClr val="accent1"/>
+            </a:solidFill>
+          </a:ln>
+        </p:spPr>
+        <p:txBody>
+          <a:bodyPr wrap="none" rtlCol="0">
+            <a:spAutoFit/>
+          </a:bodyPr>
+          <a:lstStyle/>
+          <a:p>
+            <a:r>
+              <a:rPr lang="en-US" sz="2400" dirty="0" smtClean="0">
+                <a:ln w="0"/>
+                <a:solidFill>
+                  <a:schemeClr val="accent1"/>
+                </a:solidFill>
+                <a:effectLst>
+                  <a:outerShdw blurRad="38100" dist="25400" dir="5400000" algn="ctr" rotWithShape="0">
+                    <a:srgbClr val="6E747A">
+                      <a:alpha val="43000"/>
+                    </a:srgbClr>
+                  </a:outerShdw>
+                </a:effectLst>
+                <a:latin typeface="Courier New" panose="02070309020205020404" pitchFamily="49" charset="0"/>
+                <a:cs typeface="Courier New" panose="02070309020205020404" pitchFamily="49" charset="0"/>
+              </a:rPr>
+              <a:t>NULL</a:t>
+            </a:r>
+            <a:endParaRPr lang="en-US" sz="2400" dirty="0">
+              <a:ln w="0"/>
+              <a:solidFill>
+                <a:schemeClr val="accent1"/>
+              </a:solidFill>
+              <a:effectLst>
+                <a:outerShdw blurRad="38100" dist="25400" dir="5400000" algn="ctr" rotWithShape="0">
+                  <a:srgbClr val="6E747A">
+                    <a:alpha val="43000"/>
+                  </a:srgbClr>
+                </a:outerShdw>
+              </a:effectLst>
+              <a:latin typeface="Courier New" panose="02070309020205020404" pitchFamily="49" charset="0"/>
+              <a:cs typeface="Courier New" panose="02070309020205020404" pitchFamily="49" charset="0"/>
+            </a:endParaRPr>
+          </a:p>
+        </p:txBody>
+      </p:sp>
+      <p:sp>
+        <p:nvSpPr>
+          <p:cNvPr id="44" name="Rectangle 43"/>
+          <p:cNvSpPr/>
+          <p:nvPr/>
+        </p:nvSpPr>
+        <p:spPr>
+          <a:xfrm>
+            <a:off x="8485725" y="352665"/>
+            <a:ext cx="1480457" cy="362858"/>
+          </a:xfrm>
+          <a:prstGeom prst="rect">
+            <a:avLst/>
+          </a:prstGeom>
+          <a:noFill/>
+          <a:ln w="38100"/>
+        </p:spPr>
+        <p:style>
+          <a:lnRef idx="2">
+            <a:schemeClr val="accent1">
+              <a:shade val="50000"/>
+            </a:schemeClr>
+          </a:lnRef>
+          <a:fillRef idx="1">
+            <a:schemeClr val="accent1"/>
+          </a:fillRef>
+          <a:effectRef idx="0">
+            <a:schemeClr val="accent1"/>
+          </a:effectRef>
+          <a:fontRef idx="minor">
+            <a:schemeClr val="lt1"/>
+          </a:fontRef>
+        </p:style>
+        <p:txBody>
+          <a:bodyPr rtlCol="0" anchor="ctr"/>
+          <a:lstStyle/>
+          <a:p>
+            <a:endParaRPr lang="en-US" b="1" dirty="0">
+              <a:solidFill>
+                <a:schemeClr val="tx1"/>
+              </a:solidFill>
+              <a:latin typeface="Courier New" panose="02070309020205020404" pitchFamily="49" charset="0"/>
+              <a:cs typeface="Courier New" panose="02070309020205020404" pitchFamily="49" charset="0"/>
+            </a:endParaRPr>
+          </a:p>
+        </p:txBody>
+      </p:sp>
+      <p:sp>
+        <p:nvSpPr>
+          <p:cNvPr id="45" name="TextBox 44"/>
+          <p:cNvSpPr txBox="1"/>
+          <p:nvPr/>
+        </p:nvSpPr>
+        <p:spPr>
+          <a:xfrm>
+            <a:off x="7865513" y="252583"/>
+            <a:ext cx="1552838" cy="369332"/>
+          </a:xfrm>
+          <a:prstGeom prst="rect">
+            <a:avLst/>
+          </a:prstGeom>
+          <a:noFill/>
+        </p:spPr>
+        <p:txBody>
+          <a:bodyPr wrap="square" rtlCol="0">
+            <a:spAutoFit/>
+          </a:bodyPr>
+          <a:lstStyle/>
+          <a:p>
+            <a:r>
+              <a:rPr lang="en-US" dirty="0" smtClean="0">
+                <a:latin typeface="Bodoni MT" panose="02070603080606020203" pitchFamily="18" charset="0"/>
+              </a:rPr>
+              <a:t>head</a:t>
+            </a:r>
+            <a:endParaRPr lang="en-US" dirty="0">
+              <a:latin typeface="Bodoni MT" panose="02070603080606020203" pitchFamily="18" charset="0"/>
+            </a:endParaRPr>
+          </a:p>
+        </p:txBody>
+      </p:sp>
+      <p:sp>
+        <p:nvSpPr>
+          <p:cNvPr id="46" name="Freeform 45"/>
+          <p:cNvSpPr/>
+          <p:nvPr/>
+        </p:nvSpPr>
+        <p:spPr>
+          <a:xfrm>
+            <a:off x="5085495" y="604688"/>
+            <a:ext cx="3525943" cy="1059543"/>
+          </a:xfrm>
+          <a:custGeom>
+            <a:avLst/>
+            <a:gdLst>
+              <a:gd name="connsiteX0" fmla="*/ 3525943 w 3525943"/>
+              <a:gd name="connsiteY0" fmla="*/ 0 h 1059543"/>
+              <a:gd name="connsiteX1" fmla="*/ 318286 w 3525943"/>
+              <a:gd name="connsiteY1" fmla="*/ 711200 h 1059543"/>
+              <a:gd name="connsiteX2" fmla="*/ 289258 w 3525943"/>
+              <a:gd name="connsiteY2" fmla="*/ 1059543 h 1059543"/>
+            </a:gdLst>
+            <a:ahLst/>
+            <a:cxnLst>
+              <a:cxn ang="0">
+                <a:pos x="connsiteX0" y="connsiteY0"/>
+              </a:cxn>
+              <a:cxn ang="0">
+                <a:pos x="connsiteX1" y="connsiteY1"/>
+              </a:cxn>
+              <a:cxn ang="0">
+                <a:pos x="connsiteX2" y="connsiteY2"/>
+              </a:cxn>
+            </a:cxnLst>
+            <a:rect l="l" t="t" r="r" b="b"/>
+            <a:pathLst>
+              <a:path w="3525943" h="1059543">
+                <a:moveTo>
+                  <a:pt x="3525943" y="0"/>
+                </a:moveTo>
+                <a:cubicBezTo>
+                  <a:pt x="2191838" y="267305"/>
+                  <a:pt x="857733" y="534610"/>
+                  <a:pt x="318286" y="711200"/>
+                </a:cubicBezTo>
+                <a:cubicBezTo>
+                  <a:pt x="-221161" y="887790"/>
+                  <a:pt x="34048" y="973666"/>
+                  <a:pt x="289258" y="1059543"/>
+                </a:cubicBezTo>
+              </a:path>
+            </a:pathLst>
+          </a:custGeom>
+          <a:noFill/>
+          <a:ln w="28575">
+            <a:headEnd type="none" w="med" len="med"/>
+            <a:tailEnd type="triangle" w="med" len="med"/>
+          </a:ln>
+        </p:spPr>
+        <p:style>
+          <a:lnRef idx="2">
+            <a:schemeClr val="accent1">
+              <a:shade val="50000"/>
+            </a:schemeClr>
+          </a:lnRef>
+          <a:fillRef idx="1">
+            <a:schemeClr val="accent1"/>
+          </a:fillRef>
+          <a:effectRef idx="0">
+            <a:schemeClr val="accent1"/>
+          </a:effectRef>
+          <a:fontRef idx="minor">
+            <a:schemeClr val="lt1"/>
+          </a:fontRef>
+        </p:style>
+        <p:txBody>
+          <a:bodyPr rtlCol="0" anchor="ctr"/>
+          <a:lstStyle/>
+          <a:p>
+            <a:pPr algn="ctr"/>
+            <a:endParaRPr lang="en-US"/>
+          </a:p>
+        </p:txBody>
+      </p:sp>
+      <p:grpSp>
+        <p:nvGrpSpPr>
+          <p:cNvPr id="47" name="Group 46"/>
+          <p:cNvGrpSpPr/>
+          <p:nvPr/>
+        </p:nvGrpSpPr>
+        <p:grpSpPr>
+          <a:xfrm>
+            <a:off x="5182826" y="3641179"/>
+            <a:ext cx="1964344" cy="434313"/>
+            <a:chOff x="4409102" y="5315234"/>
+            <a:chExt cx="1964344" cy="434313"/>
+          </a:xfrm>
+        </p:grpSpPr>
+        <p:sp>
+          <p:nvSpPr>
+            <p:cNvPr id="48" name="Rectangle 47"/>
+            <p:cNvSpPr/>
+            <p:nvPr/>
+          </p:nvSpPr>
+          <p:spPr>
+            <a:xfrm>
+              <a:off x="4892989" y="5386689"/>
+              <a:ext cx="1480457" cy="362858"/>
+            </a:xfrm>
+            <a:prstGeom prst="rect">
+              <a:avLst/>
+            </a:prstGeom>
+            <a:noFill/>
+          </p:spPr>
+          <p:style>
+            <a:lnRef idx="2">
+              <a:schemeClr val="accent1">
+                <a:shade val="50000"/>
+              </a:schemeClr>
+            </a:lnRef>
+            <a:fillRef idx="1">
+              <a:schemeClr val="accent1"/>
+            </a:fillRef>
+            <a:effectRef idx="0">
+              <a:schemeClr val="accent1"/>
+            </a:effectRef>
+            <a:fontRef idx="minor">
+              <a:schemeClr val="lt1"/>
+            </a:fontRef>
+          </p:style>
+          <p:txBody>
+            <a:bodyPr rtlCol="0" anchor="ctr"/>
+            <a:lstStyle/>
+            <a:p>
+              <a:endParaRPr lang="en-US" b="1" dirty="0">
+                <a:solidFill>
+                  <a:schemeClr val="tx1"/>
+                </a:solidFill>
+                <a:latin typeface="Courier New" panose="02070309020205020404" pitchFamily="49" charset="0"/>
+                <a:cs typeface="Courier New" panose="02070309020205020404" pitchFamily="49" charset="0"/>
+              </a:endParaRPr>
+            </a:p>
+          </p:txBody>
+        </p:sp>
+        <p:sp>
+          <p:nvSpPr>
+            <p:cNvPr id="49" name="TextBox 48"/>
+            <p:cNvSpPr txBox="1"/>
+            <p:nvPr/>
+          </p:nvSpPr>
+          <p:spPr>
+            <a:xfrm>
+              <a:off x="4409102" y="5315234"/>
+              <a:ext cx="512912" cy="369332"/>
+            </a:xfrm>
+            <a:prstGeom prst="rect">
+              <a:avLst/>
+            </a:prstGeom>
+            <a:noFill/>
+          </p:spPr>
+          <p:txBody>
+            <a:bodyPr wrap="square" rtlCol="0">
+              <a:spAutoFit/>
+            </a:bodyPr>
+            <a:lstStyle/>
+            <a:p>
+              <a:r>
+                <a:rPr lang="en-US" b="1" i="1" dirty="0">
+                  <a:latin typeface="Courier New" panose="02070309020205020404" pitchFamily="49" charset="0"/>
+                  <a:cs typeface="Courier New" panose="02070309020205020404" pitchFamily="49" charset="0"/>
+                </a:rPr>
+                <a:t>l</a:t>
+              </a:r>
+            </a:p>
+          </p:txBody>
+        </p:sp>
+      </p:grpSp>
+      <p:cxnSp>
+        <p:nvCxnSpPr>
+          <p:cNvPr id="52" name="Straight Arrow Connector 51"/>
+          <p:cNvCxnSpPr/>
+          <p:nvPr/>
+        </p:nvCxnSpPr>
+        <p:spPr>
+          <a:xfrm flipV="1">
+            <a:off x="6467894" y="2632501"/>
+            <a:ext cx="2943584" cy="1215720"/>
+          </a:xfrm>
+          <a:prstGeom prst="straightConnector1">
+            <a:avLst/>
+          </a:prstGeom>
+          <a:ln w="28575">
+            <a:solidFill>
+              <a:schemeClr val="tx1">
+                <a:lumMod val="85000"/>
+                <a:lumOff val="15000"/>
+              </a:schemeClr>
+            </a:solidFill>
+            <a:tailEnd type="triangle"/>
+          </a:ln>
+        </p:spPr>
+        <p:style>
+          <a:lnRef idx="1">
+            <a:schemeClr val="accent1"/>
+          </a:lnRef>
+          <a:fillRef idx="0">
+            <a:schemeClr val="accent1"/>
+          </a:fillRef>
+          <a:effectRef idx="0">
+            <a:schemeClr val="accent1"/>
+          </a:effectRef>
+          <a:fontRef idx="minor">
+            <a:schemeClr val="tx1"/>
+          </a:fontRef>
+        </p:style>
+      </p:cxnSp>
+      <p:sp>
+        <p:nvSpPr>
+          <p:cNvPr id="57" name="TextBox 56"/>
+          <p:cNvSpPr txBox="1"/>
+          <p:nvPr/>
+        </p:nvSpPr>
+        <p:spPr>
+          <a:xfrm>
+            <a:off x="7904681" y="-32287"/>
+            <a:ext cx="2638200" cy="369332"/>
+          </a:xfrm>
+          <a:prstGeom prst="rect">
+            <a:avLst/>
+          </a:prstGeom>
+          <a:noFill/>
+        </p:spPr>
+        <p:txBody>
+          <a:bodyPr wrap="square" rtlCol="0">
+            <a:spAutoFit/>
+          </a:bodyPr>
+          <a:lstStyle/>
+          <a:p>
+            <a:r>
+              <a:rPr lang="en-US" dirty="0" smtClean="0"/>
+              <a:t>type: </a:t>
+            </a:r>
+            <a:r>
+              <a:rPr lang="en-US" dirty="0" err="1" smtClean="0">
+                <a:latin typeface="Courier New" panose="02070309020205020404" pitchFamily="49" charset="0"/>
+                <a:cs typeface="Courier New" panose="02070309020205020404" pitchFamily="49" charset="0"/>
+              </a:rPr>
+              <a:t>struct</a:t>
+            </a:r>
+            <a:r>
+              <a:rPr lang="en-US" dirty="0" smtClean="0">
+                <a:latin typeface="Courier New" panose="02070309020205020404" pitchFamily="49" charset="0"/>
+                <a:cs typeface="Courier New" panose="02070309020205020404" pitchFamily="49" charset="0"/>
+              </a:rPr>
+              <a:t> node *</a:t>
+            </a:r>
+            <a:endParaRPr lang="en-US" dirty="0">
+              <a:latin typeface="Courier New" panose="02070309020205020404" pitchFamily="49" charset="0"/>
+              <a:cs typeface="Courier New" panose="02070309020205020404" pitchFamily="49" charset="0"/>
+            </a:endParaRPr>
+          </a:p>
+        </p:txBody>
+      </p:sp>
+      <p:sp>
+        <p:nvSpPr>
+          <p:cNvPr id="107" name="TextBox 106"/>
+          <p:cNvSpPr txBox="1"/>
+          <p:nvPr/>
+        </p:nvSpPr>
+        <p:spPr>
+          <a:xfrm>
+            <a:off x="4652699" y="4059068"/>
+            <a:ext cx="2494471" cy="369332"/>
+          </a:xfrm>
+          <a:prstGeom prst="rect">
+            <a:avLst/>
+          </a:prstGeom>
+          <a:noFill/>
+        </p:spPr>
+        <p:txBody>
+          <a:bodyPr wrap="square" rtlCol="0">
+            <a:spAutoFit/>
+          </a:bodyPr>
+          <a:lstStyle/>
+          <a:p>
+            <a:r>
+              <a:rPr lang="en-US" dirty="0" smtClean="0"/>
+              <a:t>type: </a:t>
+            </a:r>
+            <a:r>
+              <a:rPr lang="en-US" dirty="0" err="1" smtClean="0">
+                <a:latin typeface="Courier New" panose="02070309020205020404" pitchFamily="49" charset="0"/>
+                <a:cs typeface="Courier New" panose="02070309020205020404" pitchFamily="49" charset="0"/>
+              </a:rPr>
+              <a:t>struct</a:t>
+            </a:r>
+            <a:r>
+              <a:rPr lang="en-US" dirty="0" smtClean="0">
+                <a:latin typeface="Courier New" panose="02070309020205020404" pitchFamily="49" charset="0"/>
+                <a:cs typeface="Courier New" panose="02070309020205020404" pitchFamily="49" charset="0"/>
+              </a:rPr>
+              <a:t> node *</a:t>
+            </a:r>
+            <a:endParaRPr lang="en-US" dirty="0">
+              <a:latin typeface="Courier New" panose="02070309020205020404" pitchFamily="49" charset="0"/>
+              <a:cs typeface="Courier New" panose="02070309020205020404" pitchFamily="49" charset="0"/>
+            </a:endParaRPr>
+          </a:p>
+        </p:txBody>
+      </p:sp>
+      <p:sp>
+        <p:nvSpPr>
+          <p:cNvPr id="108" name="TextBox 107"/>
+          <p:cNvSpPr txBox="1"/>
+          <p:nvPr/>
+        </p:nvSpPr>
+        <p:spPr>
+          <a:xfrm>
+            <a:off x="5328398" y="1324800"/>
+            <a:ext cx="2537115" cy="369332"/>
+          </a:xfrm>
+          <a:prstGeom prst="rect">
+            <a:avLst/>
+          </a:prstGeom>
+          <a:noFill/>
+        </p:spPr>
+        <p:txBody>
+          <a:bodyPr wrap="square" rtlCol="0">
+            <a:spAutoFit/>
+          </a:bodyPr>
+          <a:lstStyle/>
+          <a:p>
+            <a:r>
+              <a:rPr lang="en-US" dirty="0" smtClean="0"/>
+              <a:t>type</a:t>
+            </a:r>
+            <a:r>
+              <a:rPr lang="en-US" dirty="0" smtClean="0">
+                <a:latin typeface="Courier New" panose="02070309020205020404" pitchFamily="49" charset="0"/>
+                <a:cs typeface="Courier New" panose="02070309020205020404" pitchFamily="49" charset="0"/>
+              </a:rPr>
+              <a:t>: </a:t>
+            </a:r>
+            <a:r>
+              <a:rPr lang="en-US" dirty="0" err="1" smtClean="0">
+                <a:latin typeface="Courier New" panose="02070309020205020404" pitchFamily="49" charset="0"/>
+                <a:cs typeface="Courier New" panose="02070309020205020404" pitchFamily="49" charset="0"/>
+              </a:rPr>
+              <a:t>struct</a:t>
+            </a:r>
+            <a:r>
+              <a:rPr lang="en-US" dirty="0" smtClean="0">
+                <a:latin typeface="Courier New" panose="02070309020205020404" pitchFamily="49" charset="0"/>
+                <a:cs typeface="Courier New" panose="02070309020205020404" pitchFamily="49" charset="0"/>
+              </a:rPr>
+              <a:t> node</a:t>
+            </a:r>
+            <a:endParaRPr lang="en-US" dirty="0">
+              <a:latin typeface="Courier New" panose="02070309020205020404" pitchFamily="49" charset="0"/>
+              <a:cs typeface="Courier New" panose="02070309020205020404" pitchFamily="49" charset="0"/>
+            </a:endParaRPr>
+          </a:p>
+        </p:txBody>
+      </p:sp>
+      <p:sp>
+        <p:nvSpPr>
+          <p:cNvPr id="109" name="TextBox 108"/>
+          <p:cNvSpPr txBox="1"/>
+          <p:nvPr/>
+        </p:nvSpPr>
+        <p:spPr>
+          <a:xfrm>
+            <a:off x="4766747" y="1780441"/>
+            <a:ext cx="1570095" cy="646331"/>
+          </a:xfrm>
+          <a:prstGeom prst="rect">
+            <a:avLst/>
+          </a:prstGeom>
+          <a:noFill/>
+        </p:spPr>
+        <p:txBody>
+          <a:bodyPr wrap="square" rtlCol="0">
+            <a:spAutoFit/>
+          </a:bodyPr>
+          <a:lstStyle/>
+          <a:p>
+            <a:r>
+              <a:rPr lang="en-US" dirty="0" smtClean="0"/>
+              <a:t>field: </a:t>
+            </a:r>
+            <a:r>
+              <a:rPr lang="en-US" dirty="0" err="1" smtClean="0">
+                <a:latin typeface="Courier New" panose="02070309020205020404" pitchFamily="49" charset="0"/>
+                <a:cs typeface="Courier New" panose="02070309020205020404" pitchFamily="49" charset="0"/>
+              </a:rPr>
+              <a:t>val</a:t>
+            </a:r>
+            <a:r>
+              <a:rPr lang="en-US" dirty="0" smtClean="0"/>
+              <a:t/>
+            </a:r>
+            <a:br>
+              <a:rPr lang="en-US" dirty="0" smtClean="0"/>
+            </a:br>
+            <a:r>
+              <a:rPr lang="en-US" dirty="0" smtClean="0"/>
+              <a:t>field: </a:t>
+            </a:r>
+            <a:r>
+              <a:rPr lang="en-US" dirty="0" smtClean="0">
+                <a:latin typeface="Courier New" panose="02070309020205020404" pitchFamily="49" charset="0"/>
+                <a:cs typeface="Courier New" panose="02070309020205020404" pitchFamily="49" charset="0"/>
+              </a:rPr>
+              <a:t>next</a:t>
+            </a:r>
+            <a:endParaRPr lang="en-US" dirty="0">
+              <a:latin typeface="Courier New" panose="02070309020205020404" pitchFamily="49" charset="0"/>
+              <a:cs typeface="Courier New" panose="02070309020205020404" pitchFamily="49" charset="0"/>
+            </a:endParaRPr>
+          </a:p>
+        </p:txBody>
+      </p:sp>
+      <p:sp>
+        <p:nvSpPr>
+          <p:cNvPr id="2" name="TextBox 1"/>
+          <p:cNvSpPr txBox="1"/>
+          <p:nvPr/>
+        </p:nvSpPr>
+        <p:spPr>
+          <a:xfrm>
+            <a:off x="130627" y="6118759"/>
+            <a:ext cx="4762361" cy="369332"/>
+          </a:xfrm>
+          <a:prstGeom prst="rect">
+            <a:avLst/>
+          </a:prstGeom>
+          <a:noFill/>
+        </p:spPr>
+        <p:txBody>
+          <a:bodyPr wrap="square" rtlCol="0">
+            <a:spAutoFit/>
+          </a:bodyPr>
+          <a:lstStyle/>
+          <a:p>
+            <a:r>
+              <a:rPr lang="en-US" dirty="0">
+                <a:latin typeface="Courier New" panose="02070309020205020404" pitchFamily="49" charset="0"/>
+                <a:cs typeface="Courier New" panose="02070309020205020404" pitchFamily="49" charset="0"/>
+              </a:rPr>
+              <a:t>l = head-&gt;next-&gt;</a:t>
+            </a:r>
+            <a:r>
+              <a:rPr lang="en-US" dirty="0" smtClean="0">
+                <a:latin typeface="Courier New" panose="02070309020205020404" pitchFamily="49" charset="0"/>
+                <a:cs typeface="Courier New" panose="02070309020205020404" pitchFamily="49" charset="0"/>
+              </a:rPr>
+              <a:t>next;</a:t>
+            </a:r>
+            <a:endParaRPr lang="en-US" dirty="0"/>
+          </a:p>
+        </p:txBody>
+      </p:sp>
+      <p:grpSp>
+        <p:nvGrpSpPr>
+          <p:cNvPr id="54" name="Group 53"/>
+          <p:cNvGrpSpPr/>
+          <p:nvPr/>
+        </p:nvGrpSpPr>
+        <p:grpSpPr>
+          <a:xfrm>
+            <a:off x="5308881" y="5753672"/>
+            <a:ext cx="5958638" cy="796535"/>
+            <a:chOff x="5295516" y="5749610"/>
+            <a:chExt cx="5958638" cy="796535"/>
+          </a:xfrm>
+        </p:grpSpPr>
+        <p:sp>
+          <p:nvSpPr>
+            <p:cNvPr id="5" name="TextBox 4"/>
+            <p:cNvSpPr txBox="1"/>
+            <p:nvPr/>
+          </p:nvSpPr>
+          <p:spPr>
+            <a:xfrm>
+              <a:off x="5295516" y="5749610"/>
+              <a:ext cx="945048" cy="369332"/>
+            </a:xfrm>
+            <a:prstGeom prst="rect">
+              <a:avLst/>
+            </a:prstGeom>
+            <a:noFill/>
+          </p:spPr>
+          <p:txBody>
+            <a:bodyPr wrap="square" rtlCol="0">
+              <a:spAutoFit/>
+            </a:bodyPr>
+            <a:lstStyle/>
+            <a:p>
+              <a:r>
+                <a:rPr lang="en-US" b="1" dirty="0" smtClean="0">
+                  <a:latin typeface="Courier New" panose="02070309020205020404" pitchFamily="49" charset="0"/>
+                  <a:cs typeface="Courier New" panose="02070309020205020404" pitchFamily="49" charset="0"/>
+                </a:rPr>
+                <a:t>head</a:t>
+              </a:r>
+              <a:endParaRPr lang="en-US" b="1" dirty="0">
+                <a:latin typeface="Courier New" panose="02070309020205020404" pitchFamily="49" charset="0"/>
+                <a:cs typeface="Courier New" panose="02070309020205020404" pitchFamily="49" charset="0"/>
+              </a:endParaRPr>
+            </a:p>
+          </p:txBody>
+        </p:sp>
+        <p:sp>
+          <p:nvSpPr>
+            <p:cNvPr id="51" name="TextBox 50"/>
+            <p:cNvSpPr txBox="1"/>
+            <p:nvPr/>
+          </p:nvSpPr>
+          <p:spPr>
+            <a:xfrm>
+              <a:off x="6467894" y="6176813"/>
+              <a:ext cx="4786260" cy="369332"/>
+            </a:xfrm>
+            <a:prstGeom prst="rect">
+              <a:avLst/>
+            </a:prstGeom>
+            <a:noFill/>
+          </p:spPr>
+          <p:txBody>
+            <a:bodyPr wrap="square" rtlCol="0">
+              <a:spAutoFit/>
+            </a:bodyPr>
+            <a:lstStyle/>
+            <a:p>
+              <a:r>
+                <a:rPr lang="en-US" dirty="0" smtClean="0"/>
+                <a:t>0              1             2              3             4            </a:t>
+              </a:r>
+              <a:r>
+                <a:rPr lang="en-US" dirty="0" smtClean="0">
+                  <a:ln w="0"/>
+                  <a:solidFill>
+                    <a:schemeClr val="accent1"/>
+                  </a:solidFill>
+                  <a:effectLst>
+                    <a:outerShdw blurRad="38100" dist="25400" dir="5400000" algn="ctr" rotWithShape="0">
+                      <a:srgbClr val="6E747A">
+                        <a:alpha val="43000"/>
+                      </a:srgbClr>
+                    </a:outerShdw>
+                  </a:effectLst>
+                  <a:latin typeface="Courier New" panose="02070309020205020404" pitchFamily="49" charset="0"/>
+                  <a:cs typeface="Courier New" panose="02070309020205020404" pitchFamily="49" charset="0"/>
+                </a:rPr>
+                <a:t>NULL</a:t>
+              </a:r>
+              <a:r>
+                <a:rPr lang="en-US" dirty="0" smtClean="0"/>
+                <a:t>  </a:t>
+              </a:r>
+              <a:endParaRPr lang="en-US" dirty="0"/>
+            </a:p>
+          </p:txBody>
+        </p:sp>
+        <p:cxnSp>
+          <p:nvCxnSpPr>
+            <p:cNvPr id="58" name="Straight Arrow Connector 57"/>
+            <p:cNvCxnSpPr/>
+            <p:nvPr/>
+          </p:nvCxnSpPr>
+          <p:spPr>
+            <a:xfrm>
+              <a:off x="6026333" y="6075210"/>
+              <a:ext cx="380608" cy="284487"/>
+            </a:xfrm>
+            <a:prstGeom prst="straightConnector1">
+              <a:avLst/>
+            </a:prstGeom>
+            <a:ln w="38100">
+              <a:solidFill>
+                <a:schemeClr val="tx1">
+                  <a:lumMod val="85000"/>
+                  <a:lumOff val="15000"/>
+                </a:schemeClr>
+              </a:solidFill>
+              <a:tailEnd type="triangle"/>
+            </a:ln>
+          </p:spPr>
+          <p:style>
+            <a:lnRef idx="1">
+              <a:schemeClr val="accent1"/>
+            </a:lnRef>
+            <a:fillRef idx="0">
+              <a:schemeClr val="accent1"/>
+            </a:fillRef>
+            <a:effectRef idx="0">
+              <a:schemeClr val="accent1"/>
+            </a:effectRef>
+            <a:fontRef idx="minor">
+              <a:schemeClr val="tx1"/>
+            </a:fontRef>
+          </p:style>
+        </p:cxnSp>
+        <p:cxnSp>
+          <p:nvCxnSpPr>
+            <p:cNvPr id="59" name="Straight Arrow Connector 58"/>
+            <p:cNvCxnSpPr/>
+            <p:nvPr/>
+          </p:nvCxnSpPr>
+          <p:spPr>
+            <a:xfrm>
+              <a:off x="8433836" y="6344501"/>
+              <a:ext cx="494962" cy="7532"/>
+            </a:xfrm>
+            <a:prstGeom prst="straightConnector1">
+              <a:avLst/>
+            </a:prstGeom>
+            <a:ln w="38100">
+              <a:solidFill>
+                <a:schemeClr val="tx1">
+                  <a:lumMod val="85000"/>
+                  <a:lumOff val="15000"/>
+                </a:schemeClr>
+              </a:solidFill>
+              <a:tailEnd type="triangle"/>
+            </a:ln>
+          </p:spPr>
+          <p:style>
+            <a:lnRef idx="1">
+              <a:schemeClr val="accent1"/>
+            </a:lnRef>
+            <a:fillRef idx="0">
+              <a:schemeClr val="accent1"/>
+            </a:fillRef>
+            <a:effectRef idx="0">
+              <a:schemeClr val="accent1"/>
+            </a:effectRef>
+            <a:fontRef idx="minor">
+              <a:schemeClr val="tx1"/>
+            </a:fontRef>
+          </p:style>
+        </p:cxnSp>
+        <p:cxnSp>
+          <p:nvCxnSpPr>
+            <p:cNvPr id="60" name="Straight Arrow Connector 59"/>
+            <p:cNvCxnSpPr/>
+            <p:nvPr/>
+          </p:nvCxnSpPr>
+          <p:spPr>
+            <a:xfrm>
+              <a:off x="7626794" y="6344501"/>
+              <a:ext cx="494962" cy="7532"/>
+            </a:xfrm>
+            <a:prstGeom prst="straightConnector1">
+              <a:avLst/>
+            </a:prstGeom>
+            <a:ln w="38100">
+              <a:solidFill>
+                <a:schemeClr val="tx1">
+                  <a:lumMod val="85000"/>
+                  <a:lumOff val="15000"/>
+                </a:schemeClr>
+              </a:solidFill>
+              <a:tailEnd type="triangle"/>
+            </a:ln>
+          </p:spPr>
+          <p:style>
+            <a:lnRef idx="1">
+              <a:schemeClr val="accent1"/>
+            </a:lnRef>
+            <a:fillRef idx="0">
+              <a:schemeClr val="accent1"/>
+            </a:fillRef>
+            <a:effectRef idx="0">
+              <a:schemeClr val="accent1"/>
+            </a:effectRef>
+            <a:fontRef idx="minor">
+              <a:schemeClr val="tx1"/>
+            </a:fontRef>
+          </p:style>
+        </p:cxnSp>
+        <p:cxnSp>
+          <p:nvCxnSpPr>
+            <p:cNvPr id="61" name="Straight Arrow Connector 60"/>
+            <p:cNvCxnSpPr/>
+            <p:nvPr/>
+          </p:nvCxnSpPr>
+          <p:spPr>
+            <a:xfrm>
+              <a:off x="6819752" y="6344501"/>
+              <a:ext cx="494962" cy="7532"/>
+            </a:xfrm>
+            <a:prstGeom prst="straightConnector1">
+              <a:avLst/>
+            </a:prstGeom>
+            <a:ln w="38100">
+              <a:solidFill>
+                <a:schemeClr val="tx1">
+                  <a:lumMod val="85000"/>
+                  <a:lumOff val="15000"/>
+                </a:schemeClr>
+              </a:solidFill>
+              <a:tailEnd type="triangle"/>
+            </a:ln>
+          </p:spPr>
+          <p:style>
+            <a:lnRef idx="1">
+              <a:schemeClr val="accent1"/>
+            </a:lnRef>
+            <a:fillRef idx="0">
+              <a:schemeClr val="accent1"/>
+            </a:fillRef>
+            <a:effectRef idx="0">
+              <a:schemeClr val="accent1"/>
+            </a:effectRef>
+            <a:fontRef idx="minor">
+              <a:schemeClr val="tx1"/>
+            </a:fontRef>
+          </p:style>
+        </p:cxnSp>
+        <p:cxnSp>
+          <p:nvCxnSpPr>
+            <p:cNvPr id="62" name="Straight Arrow Connector 61"/>
+            <p:cNvCxnSpPr/>
+            <p:nvPr/>
+          </p:nvCxnSpPr>
+          <p:spPr>
+            <a:xfrm>
+              <a:off x="9240878" y="6344501"/>
+              <a:ext cx="494962" cy="7532"/>
+            </a:xfrm>
+            <a:prstGeom prst="straightConnector1">
+              <a:avLst/>
+            </a:prstGeom>
+            <a:ln w="38100">
+              <a:solidFill>
+                <a:schemeClr val="tx1">
+                  <a:lumMod val="85000"/>
+                  <a:lumOff val="15000"/>
+                </a:schemeClr>
+              </a:solidFill>
+              <a:tailEnd type="triangle"/>
+            </a:ln>
+          </p:spPr>
+          <p:style>
+            <a:lnRef idx="1">
+              <a:schemeClr val="accent1"/>
+            </a:lnRef>
+            <a:fillRef idx="0">
+              <a:schemeClr val="accent1"/>
+            </a:fillRef>
+            <a:effectRef idx="0">
+              <a:schemeClr val="accent1"/>
+            </a:effectRef>
+            <a:fontRef idx="minor">
+              <a:schemeClr val="tx1"/>
+            </a:fontRef>
+          </p:style>
+        </p:cxnSp>
+        <p:cxnSp>
+          <p:nvCxnSpPr>
+            <p:cNvPr id="63" name="Straight Arrow Connector 62"/>
+            <p:cNvCxnSpPr/>
+            <p:nvPr/>
+          </p:nvCxnSpPr>
+          <p:spPr>
+            <a:xfrm>
+              <a:off x="10047919" y="6344501"/>
+              <a:ext cx="494962" cy="7532"/>
+            </a:xfrm>
+            <a:prstGeom prst="straightConnector1">
+              <a:avLst/>
+            </a:prstGeom>
+            <a:ln w="38100">
+              <a:solidFill>
+                <a:schemeClr val="accent1"/>
+              </a:solidFill>
+              <a:tailEnd type="triangle"/>
+            </a:ln>
+          </p:spPr>
+          <p:style>
+            <a:lnRef idx="1">
+              <a:schemeClr val="accent1"/>
+            </a:lnRef>
+            <a:fillRef idx="0">
+              <a:schemeClr val="accent1"/>
+            </a:fillRef>
+            <a:effectRef idx="0">
+              <a:schemeClr val="accent1"/>
+            </a:effectRef>
+            <a:fontRef idx="minor">
+              <a:schemeClr val="tx1"/>
+            </a:fontRef>
+          </p:style>
+        </p:cxnSp>
+      </p:grpSp>
+      <p:grpSp>
+        <p:nvGrpSpPr>
+          <p:cNvPr id="64" name="Group 63"/>
+          <p:cNvGrpSpPr/>
+          <p:nvPr/>
+        </p:nvGrpSpPr>
+        <p:grpSpPr>
+          <a:xfrm>
+            <a:off x="7085262" y="5268686"/>
+            <a:ext cx="1109606" cy="1002406"/>
+            <a:chOff x="7085262" y="5268686"/>
+            <a:chExt cx="1109606" cy="1002406"/>
+          </a:xfrm>
+        </p:grpSpPr>
+        <p:sp>
+          <p:nvSpPr>
+            <p:cNvPr id="55" name="TextBox 54"/>
+            <p:cNvSpPr txBox="1"/>
+            <p:nvPr/>
+          </p:nvSpPr>
+          <p:spPr>
+            <a:xfrm>
+              <a:off x="7085262" y="5268686"/>
+              <a:ext cx="541532" cy="369332"/>
+            </a:xfrm>
+            <a:prstGeom prst="rect">
+              <a:avLst/>
+            </a:prstGeom>
+            <a:noFill/>
+          </p:spPr>
+          <p:txBody>
+            <a:bodyPr wrap="square" rtlCol="0">
+              <a:spAutoFit/>
+            </a:bodyPr>
+            <a:lstStyle/>
+            <a:p>
+              <a:r>
+                <a:rPr lang="en-US" b="1" dirty="0" smtClean="0">
+                  <a:latin typeface="Courier New" panose="02070309020205020404" pitchFamily="49" charset="0"/>
+                  <a:cs typeface="Courier New" panose="02070309020205020404" pitchFamily="49" charset="0"/>
+                </a:rPr>
+                <a:t>l</a:t>
+              </a:r>
+              <a:endParaRPr lang="en-US" b="1" dirty="0">
+                <a:latin typeface="Courier New" panose="02070309020205020404" pitchFamily="49" charset="0"/>
+                <a:cs typeface="Courier New" panose="02070309020205020404" pitchFamily="49" charset="0"/>
+              </a:endParaRPr>
+            </a:p>
+          </p:txBody>
+        </p:sp>
+        <p:cxnSp>
+          <p:nvCxnSpPr>
+            <p:cNvPr id="66" name="Straight Arrow Connector 65"/>
+            <p:cNvCxnSpPr/>
+            <p:nvPr/>
+          </p:nvCxnSpPr>
+          <p:spPr>
+            <a:xfrm>
+              <a:off x="7395557" y="5394561"/>
+              <a:ext cx="799311" cy="876531"/>
+            </a:xfrm>
+            <a:prstGeom prst="straightConnector1">
+              <a:avLst/>
+            </a:prstGeom>
+            <a:ln w="28575">
+              <a:solidFill>
+                <a:schemeClr val="tx1">
+                  <a:lumMod val="85000"/>
+                  <a:lumOff val="15000"/>
+                </a:schemeClr>
+              </a:solidFill>
+              <a:tailEnd type="triangle"/>
+            </a:ln>
+          </p:spPr>
+          <p:style>
+            <a:lnRef idx="1">
+              <a:schemeClr val="accent1"/>
+            </a:lnRef>
+            <a:fillRef idx="0">
+              <a:schemeClr val="accent1"/>
+            </a:fillRef>
+            <a:effectRef idx="0">
+              <a:schemeClr val="accent1"/>
+            </a:effectRef>
+            <a:fontRef idx="minor">
+              <a:schemeClr val="tx1"/>
+            </a:fontRef>
+          </p:style>
+        </p:cxnSp>
+      </p:grpSp>
+      <p:sp>
+        <p:nvSpPr>
+          <p:cNvPr id="67" name="TextBox 66"/>
+          <p:cNvSpPr txBox="1"/>
+          <p:nvPr/>
+        </p:nvSpPr>
+        <p:spPr>
+          <a:xfrm>
+            <a:off x="5300744" y="2535410"/>
+            <a:ext cx="1188146" cy="369332"/>
+          </a:xfrm>
+          <a:prstGeom prst="rect">
+            <a:avLst/>
+          </a:prstGeom>
+          <a:noFill/>
+        </p:spPr>
+        <p:txBody>
+          <a:bodyPr wrap="none" rtlCol="0">
+            <a:spAutoFit/>
+          </a:bodyPr>
+          <a:lstStyle/>
+          <a:p>
+            <a:r>
+              <a:rPr lang="en-US" b="1" dirty="0" smtClean="0"/>
+              <a:t>head node</a:t>
+            </a:r>
+            <a:endParaRPr lang="en-US" b="1" dirty="0"/>
+          </a:p>
+        </p:txBody>
+      </p:sp>
+      <p:sp>
+        <p:nvSpPr>
+          <p:cNvPr id="71" name="TextBox 70"/>
+          <p:cNvSpPr txBox="1"/>
+          <p:nvPr/>
+        </p:nvSpPr>
+        <p:spPr>
+          <a:xfrm>
+            <a:off x="9560647" y="4822598"/>
+            <a:ext cx="1027204" cy="369332"/>
+          </a:xfrm>
+          <a:prstGeom prst="rect">
+            <a:avLst/>
+          </a:prstGeom>
+          <a:noFill/>
+        </p:spPr>
+        <p:txBody>
+          <a:bodyPr wrap="none" rtlCol="0">
+            <a:spAutoFit/>
+          </a:bodyPr>
+          <a:lstStyle/>
+          <a:p>
+            <a:r>
+              <a:rPr lang="en-US" b="1" dirty="0" smtClean="0"/>
+              <a:t>tail node</a:t>
+            </a:r>
+            <a:endParaRPr lang="en-US" b="1" dirty="0"/>
+          </a:p>
+        </p:txBody>
+      </p:sp>
+    </p:spTree>
+    <p:extLst>
+      <p:ext uri="{BB962C8B-B14F-4D97-AF65-F5344CB8AC3E}">
+        <p14:creationId xmlns:p14="http://schemas.microsoft.com/office/powerpoint/2010/main" val="4182103271"/>
+      </p:ext>
+    </p:extLst>
+  </p:cSld>
+  <p:clrMapOvr>
+    <a:masterClrMapping/>
+  </p:clrMapOvr>
+  <p:timing>
+    <p:tnLst>
+      <p:par>
+        <p:cTn id="1" dur="indefinite" restart="never" nodeType="tmRoot">
+          <p:childTnLst>
+            <p:seq concurrent="1" nextAc="seek">
+              <p:cTn id="2" dur="indefinite" nodeType="mainSeq">
+                <p:childTnLst>
+                  <p:par>
+                    <p:cTn id="3" fill="hold">
+                      <p:stCondLst>
+                        <p:cond delay="indefinite"/>
+                      </p:stCondLst>
+                      <p:childTnLst>
+                        <p:par>
+                          <p:cTn id="4" fill="hold">
+                            <p:stCondLst>
+                              <p:cond delay="0"/>
+                            </p:stCondLst>
+                            <p:childTnLst>
+                              <p:par>
+                                <p:cTn id="5" presetID="1" presetClass="entr" presetSubtype="0" fill="hold" nodeType="clickEffect">
+                                  <p:stCondLst>
+                                    <p:cond delay="0"/>
+                                  </p:stCondLst>
+                                  <p:childTnLst>
+                                    <p:set>
+                                      <p:cBhvr>
+                                        <p:cTn id="6" dur="1" fill="hold">
+                                          <p:stCondLst>
+                                            <p:cond delay="0"/>
+                                          </p:stCondLst>
+                                        </p:cTn>
+                                        <p:tgtEl>
+                                          <p:spTgt spid="52"/>
+                                        </p:tgtEl>
+                                        <p:attrNameLst>
+                                          <p:attrName>style.visibility</p:attrName>
+                                        </p:attrNameLst>
+                                      </p:cBhvr>
+                                      <p:to>
+                                        <p:strVal val="visible"/>
+                                      </p:to>
+                                    </p:set>
+                                  </p:childTnLst>
+                                </p:cTn>
+                              </p:par>
+                            </p:childTnLst>
+                          </p:cTn>
+                        </p:par>
+                      </p:childTnLst>
+                    </p:cTn>
+                  </p:par>
+                  <p:par>
+                    <p:cTn id="7" fill="hold">
+                      <p:stCondLst>
+                        <p:cond delay="indefinite"/>
+                      </p:stCondLst>
+                      <p:childTnLst>
+                        <p:par>
+                          <p:cTn id="8" fill="hold">
+                            <p:stCondLst>
+                              <p:cond delay="0"/>
+                            </p:stCondLst>
+                            <p:childTnLst>
+                              <p:par>
+                                <p:cTn id="9" presetID="1" presetClass="entr" presetSubtype="0" fill="hold" grpId="0" nodeType="clickEffect">
+                                  <p:stCondLst>
+                                    <p:cond delay="0"/>
+                                  </p:stCondLst>
+                                  <p:childTnLst>
+                                    <p:set>
+                                      <p:cBhvr>
+                                        <p:cTn id="10" dur="1" fill="hold">
+                                          <p:stCondLst>
+                                            <p:cond delay="0"/>
+                                          </p:stCondLst>
+                                        </p:cTn>
+                                        <p:tgtEl>
+                                          <p:spTgt spid="2"/>
+                                        </p:tgtEl>
+                                        <p:attrNameLst>
+                                          <p:attrName>style.visibility</p:attrName>
+                                        </p:attrNameLst>
+                                      </p:cBhvr>
+                                      <p:to>
+                                        <p:strVal val="visible"/>
+                                      </p:to>
+                                    </p:set>
+                                  </p:childTnLst>
+                                </p:cTn>
+                              </p:par>
+                            </p:childTnLst>
+                          </p:cTn>
+                        </p:par>
+                      </p:childTnLst>
+                    </p:cTn>
+                  </p:par>
+                  <p:par>
+                    <p:cTn id="11" fill="hold">
+                      <p:stCondLst>
+                        <p:cond delay="indefinite"/>
+                      </p:stCondLst>
+                      <p:childTnLst>
+                        <p:par>
+                          <p:cTn id="12" fill="hold">
+                            <p:stCondLst>
+                              <p:cond delay="0"/>
+                            </p:stCondLst>
+                            <p:childTnLst>
+                              <p:par>
+                                <p:cTn id="13" presetID="22" presetClass="entr" presetSubtype="8" fill="hold" nodeType="clickEffect">
+                                  <p:stCondLst>
+                                    <p:cond delay="0"/>
+                                  </p:stCondLst>
+                                  <p:childTnLst>
+                                    <p:set>
+                                      <p:cBhvr>
+                                        <p:cTn id="14" dur="1" fill="hold">
+                                          <p:stCondLst>
+                                            <p:cond delay="0"/>
+                                          </p:stCondLst>
+                                        </p:cTn>
+                                        <p:tgtEl>
+                                          <p:spTgt spid="54"/>
+                                        </p:tgtEl>
+                                        <p:attrNameLst>
+                                          <p:attrName>style.visibility</p:attrName>
+                                        </p:attrNameLst>
+                                      </p:cBhvr>
+                                      <p:to>
+                                        <p:strVal val="visible"/>
+                                      </p:to>
+                                    </p:set>
+                                    <p:animEffect transition="in" filter="wipe(left)">
+                                      <p:cBhvr>
+                                        <p:cTn id="15" dur="5000"/>
+                                        <p:tgtEl>
+                                          <p:spTgt spid="54"/>
+                                        </p:tgtEl>
+                                      </p:cBhvr>
+                                    </p:animEffect>
+                                  </p:childTnLst>
+                                </p:cTn>
+                              </p:par>
+                            </p:childTnLst>
+                          </p:cTn>
+                        </p:par>
+                      </p:childTnLst>
+                    </p:cTn>
+                  </p:par>
+                  <p:par>
+                    <p:cTn id="16" fill="hold">
+                      <p:stCondLst>
+                        <p:cond delay="indefinite"/>
+                      </p:stCondLst>
+                      <p:childTnLst>
+                        <p:par>
+                          <p:cTn id="17" fill="hold">
+                            <p:stCondLst>
+                              <p:cond delay="0"/>
+                            </p:stCondLst>
+                            <p:childTnLst>
+                              <p:par>
+                                <p:cTn id="18" presetID="22" presetClass="entr" presetSubtype="1" fill="hold" nodeType="clickEffect">
+                                  <p:stCondLst>
+                                    <p:cond delay="0"/>
+                                  </p:stCondLst>
+                                  <p:childTnLst>
+                                    <p:set>
+                                      <p:cBhvr>
+                                        <p:cTn id="19" dur="1" fill="hold">
+                                          <p:stCondLst>
+                                            <p:cond delay="0"/>
+                                          </p:stCondLst>
+                                        </p:cTn>
+                                        <p:tgtEl>
+                                          <p:spTgt spid="64"/>
+                                        </p:tgtEl>
+                                        <p:attrNameLst>
+                                          <p:attrName>style.visibility</p:attrName>
+                                        </p:attrNameLst>
+                                      </p:cBhvr>
+                                      <p:to>
+                                        <p:strVal val="visible"/>
+                                      </p:to>
+                                    </p:set>
+                                    <p:animEffect transition="in" filter="wipe(up)">
+                                      <p:cBhvr>
+                                        <p:cTn id="20" dur="500"/>
+                                        <p:tgtEl>
+                                          <p:spTgt spid="64"/>
+                                        </p:tgtEl>
+                                      </p:cBhvr>
+                                    </p:animEffect>
+                                  </p:childTnLst>
+                                </p:cTn>
+                              </p:par>
+                            </p:childTnLst>
+                          </p:cTn>
+                        </p:par>
+                      </p:childTnLst>
+                    </p:cTn>
+                  </p:par>
+                </p:childTnLst>
+              </p:cTn>
+              <p:prevCondLst>
+                <p:cond evt="onPrev" delay="0">
+                  <p:tgtEl>
+                    <p:sldTgt/>
+                  </p:tgtEl>
+                </p:cond>
+              </p:prevCondLst>
+              <p:nextCondLst>
+                <p:cond evt="onNext" delay="0">
+                  <p:tgtEl>
+                    <p:sldTgt/>
+                  </p:tgtEl>
+                </p:cond>
+              </p:nextCondLst>
+            </p:seq>
+          </p:childTnLst>
+        </p:cTn>
+      </p:par>
+    </p:tnLst>
+    <p:bldLst>
+      <p:bldP spid="2" grpId="0"/>
+    </p:bldLst>
+  </p:timing>
+</p:sld>
+</file>
+
 <file path=ppt/slides/slide7.xml><?xml version="1.0" encoding="utf-8"?>
 <p:sld xmlns:a="http://schemas.openxmlformats.org/drawingml/2006/main" xmlns:r="http://schemas.openxmlformats.org/officeDocument/2006/relationships" xmlns:p="http://schemas.openxmlformats.org/presentationml/2006/main">
   <p:cSld>
@@ -16073,8 +13997,8 @@
         </p:nvSpPr>
         <p:spPr>
           <a:xfrm>
-            <a:off x="51091" y="2297278"/>
-            <a:ext cx="4843502" cy="3970318"/>
+            <a:off x="51090" y="2297278"/>
+            <a:ext cx="6080195" cy="3693319"/>
           </a:xfrm>
           <a:prstGeom prst="rect">
             <a:avLst/>
@@ -16084,7 +14008,7 @@
               <a:gs pos="0">
                 <a:srgbClr val="FFFF00"/>
               </a:gs>
-              <a:gs pos="55000">
+              <a:gs pos="16000">
                 <a:schemeClr val="bg1"/>
               </a:gs>
             </a:gsLst>
@@ -16146,7 +14070,7 @@
                 <a:latin typeface="Courier New" panose="02070309020205020404" pitchFamily="49" charset="0"/>
                 <a:cs typeface="Courier New" panose="02070309020205020404" pitchFamily="49" charset="0"/>
               </a:rPr>
-              <a:t>sizof</a:t>
+              <a:t>sizeof</a:t>
             </a:r>
             <a:r>
               <a:rPr lang="en-US" dirty="0" smtClean="0">
@@ -16167,16 +14091,44 @@
                 <a:latin typeface="Courier New" panose="02070309020205020404" pitchFamily="49" charset="0"/>
                 <a:cs typeface="Courier New" panose="02070309020205020404" pitchFamily="49" charset="0"/>
               </a:rPr>
-              <a:t> node));</a:t>
-            </a:r>
-          </a:p>
-          <a:p>
+              <a:t> </a:t>
+            </a:r>
             <a:r>
               <a:rPr lang="en-US" dirty="0" smtClean="0">
                 <a:latin typeface="Courier New" panose="02070309020205020404" pitchFamily="49" charset="0"/>
                 <a:cs typeface="Courier New" panose="02070309020205020404" pitchFamily="49" charset="0"/>
               </a:rPr>
-              <a:t>p1-&gt;v=0;</a:t>
+              <a:t>node));</a:t>
+            </a:r>
+          </a:p>
+          <a:p>
+            <a:r>
+              <a:rPr lang="en-US" dirty="0" smtClean="0">
+                <a:latin typeface="Courier New" panose="02070309020205020404" pitchFamily="49" charset="0"/>
+                <a:cs typeface="Courier New" panose="02070309020205020404" pitchFamily="49" charset="0"/>
+              </a:rPr>
+              <a:t>p1-&gt;</a:t>
+            </a:r>
+            <a:r>
+              <a:rPr lang="en-US" dirty="0" err="1" smtClean="0">
+                <a:latin typeface="Courier New" panose="02070309020205020404" pitchFamily="49" charset="0"/>
+                <a:cs typeface="Courier New" panose="02070309020205020404" pitchFamily="49" charset="0"/>
+              </a:rPr>
+              <a:t>val</a:t>
+            </a:r>
+            <a:r>
+              <a:rPr lang="en-US" dirty="0" smtClean="0">
+                <a:latin typeface="Courier New" panose="02070309020205020404" pitchFamily="49" charset="0"/>
+                <a:cs typeface="Courier New" panose="02070309020205020404" pitchFamily="49" charset="0"/>
+              </a:rPr>
+              <a:t>=0</a:t>
+            </a:r>
+            <a:r>
+              <a:rPr lang="en-US" dirty="0" smtClean="0">
+                <a:latin typeface="Courier New" panose="02070309020205020404" pitchFamily="49" charset="0"/>
+                <a:cs typeface="Courier New" panose="02070309020205020404" pitchFamily="49" charset="0"/>
+              </a:rPr>
+              <a:t>;</a:t>
             </a:r>
           </a:p>
           <a:p>
@@ -16193,6 +14145,13 @@
                 <a:cs typeface="Courier New" panose="02070309020205020404" pitchFamily="49" charset="0"/>
               </a:rPr>
             </a:br>
+            <a:r>
+              <a:rPr lang="en-US" dirty="0" smtClean="0">
+                <a:latin typeface="Courier New" panose="02070309020205020404" pitchFamily="49" charset="0"/>
+                <a:cs typeface="Courier New" panose="02070309020205020404" pitchFamily="49" charset="0"/>
+              </a:rPr>
+              <a:t> </a:t>
+            </a:r>
             <a:endParaRPr lang="en-US" dirty="0" smtClean="0">
               <a:latin typeface="Courier New" panose="02070309020205020404" pitchFamily="49" charset="0"/>
               <a:cs typeface="Courier New" panose="02070309020205020404" pitchFamily="49" charset="0"/>
@@ -16306,7 +14265,21 @@
                 <a:latin typeface="Courier New" panose="02070309020205020404" pitchFamily="49" charset="0"/>
                 <a:cs typeface="Courier New" panose="02070309020205020404" pitchFamily="49" charset="0"/>
               </a:rPr>
-              <a:t>     p1-&gt;next-&gt;v=</a:t>
+              <a:t>     p1-&gt;next-&gt;</a:t>
+            </a:r>
+            <a:r>
+              <a:rPr lang="en-US" dirty="0" err="1" smtClean="0">
+                <a:latin typeface="Courier New" panose="02070309020205020404" pitchFamily="49" charset="0"/>
+                <a:cs typeface="Courier New" panose="02070309020205020404" pitchFamily="49" charset="0"/>
+              </a:rPr>
+              <a:t>val</a:t>
+            </a:r>
+            <a:r>
+              <a:rPr lang="en-US" dirty="0" smtClean="0">
+                <a:latin typeface="Courier New" panose="02070309020205020404" pitchFamily="49" charset="0"/>
+                <a:cs typeface="Courier New" panose="02070309020205020404" pitchFamily="49" charset="0"/>
+              </a:rPr>
+              <a:t>=</a:t>
             </a:r>
             <a:r>
               <a:rPr lang="en-US" dirty="0" err="1" smtClean="0">
@@ -18613,8 +16586,8 @@
         </p:nvSpPr>
         <p:spPr>
           <a:xfrm>
-            <a:off x="381827" y="2433458"/>
-            <a:ext cx="4843502" cy="3970318"/>
+            <a:off x="30132" y="2292778"/>
+            <a:ext cx="6214012" cy="3693319"/>
           </a:xfrm>
           <a:prstGeom prst="rect">
             <a:avLst/>
@@ -18624,7 +16597,7 @@
               <a:gs pos="0">
                 <a:srgbClr val="FFFF00"/>
               </a:gs>
-              <a:gs pos="100000">
+              <a:gs pos="19000">
                 <a:schemeClr val="bg1"/>
               </a:gs>
             </a:gsLst>
@@ -18733,7 +16706,28 @@
                 <a:latin typeface="Courier New" panose="02070309020205020404" pitchFamily="49" charset="0"/>
                 <a:cs typeface="Courier New" panose="02070309020205020404" pitchFamily="49" charset="0"/>
               </a:rPr>
-              <a:t>p1-&gt;v=0;</a:t>
+              <a:t>p1-&gt;</a:t>
+            </a:r>
+            <a:r>
+              <a:rPr lang="en-US" dirty="0" err="1" smtClean="0">
+                <a:latin typeface="Courier New" panose="02070309020205020404" pitchFamily="49" charset="0"/>
+                <a:cs typeface="Courier New" panose="02070309020205020404" pitchFamily="49" charset="0"/>
+              </a:rPr>
+              <a:t>val</a:t>
+            </a:r>
+            <a:r>
+              <a:rPr lang="en-US" dirty="0" smtClean="0">
+                <a:latin typeface="Courier New" panose="02070309020205020404" pitchFamily="49" charset="0"/>
+                <a:cs typeface="Courier New" panose="02070309020205020404" pitchFamily="49" charset="0"/>
+              </a:rPr>
+              <a:t>=0</a:t>
+            </a:r>
+            <a:r>
+              <a:rPr lang="en-US" dirty="0" smtClean="0">
+                <a:latin typeface="Courier New" panose="02070309020205020404" pitchFamily="49" charset="0"/>
+                <a:cs typeface="Courier New" panose="02070309020205020404" pitchFamily="49" charset="0"/>
+              </a:rPr>
+              <a:t>;</a:t>
             </a:r>
           </a:p>
           <a:p>
@@ -18862,7 +16856,21 @@
                 <a:latin typeface="Courier New" panose="02070309020205020404" pitchFamily="49" charset="0"/>
                 <a:cs typeface="Courier New" panose="02070309020205020404" pitchFamily="49" charset="0"/>
               </a:rPr>
-              <a:t>     p1-&gt;next-&gt;v=</a:t>
+              <a:t>     p1-&gt;next-&gt;</a:t>
+            </a:r>
+            <a:r>
+              <a:rPr lang="en-US" dirty="0" err="1" smtClean="0">
+                <a:latin typeface="Courier New" panose="02070309020205020404" pitchFamily="49" charset="0"/>
+                <a:cs typeface="Courier New" panose="02070309020205020404" pitchFamily="49" charset="0"/>
+              </a:rPr>
+              <a:t>val</a:t>
+            </a:r>
+            <a:r>
+              <a:rPr lang="en-US" dirty="0" smtClean="0">
+                <a:latin typeface="Courier New" panose="02070309020205020404" pitchFamily="49" charset="0"/>
+                <a:cs typeface="Courier New" panose="02070309020205020404" pitchFamily="49" charset="0"/>
+              </a:rPr>
+              <a:t>=</a:t>
             </a:r>
             <a:r>
               <a:rPr lang="en-US" dirty="0" err="1" smtClean="0">
@@ -20880,7 +18888,25 @@
             </a:r>
             <a:r>
               <a:rPr lang="en-US" dirty="0" smtClean="0"/>
-              <a:t>, now we can traverse the list</a:t>
+              <a:t>, now we can </a:t>
+            </a:r>
+            <a:r>
+              <a:rPr lang="en-US" i="1" dirty="0" smtClean="0">
+                <a:latin typeface="Gabriola" panose="04040605051002020D02" pitchFamily="82" charset="0"/>
+              </a:rPr>
+              <a:t>traverse</a:t>
+            </a:r>
+            <a:r>
+              <a:rPr lang="en-US" dirty="0" smtClean="0"/>
+              <a:t> </a:t>
+            </a:r>
+            <a:r>
+              <a:rPr lang="en-US" dirty="0" smtClean="0"/>
+              <a:t> the </a:t>
+            </a:r>
+            <a:r>
+              <a:rPr lang="en-US" dirty="0" smtClean="0"/>
+              <a:t>list</a:t>
             </a:r>
             <a:endParaRPr lang="en-US" dirty="0">
               <a:latin typeface="Courier New" panose="02070309020205020404" pitchFamily="49" charset="0"/>

--- a/slides/14-LinkedLists.pptx
+++ b/slides/14-LinkedLists.pptx
@@ -15,9 +15,12 @@
     <p:sldId id="260" r:id="rId9"/>
     <p:sldId id="261" r:id="rId10"/>
     <p:sldId id="266" r:id="rId11"/>
-    <p:sldId id="263" r:id="rId12"/>
-    <p:sldId id="265" r:id="rId13"/>
-    <p:sldId id="267" r:id="rId14"/>
+    <p:sldId id="272" r:id="rId12"/>
+    <p:sldId id="273" r:id="rId13"/>
+    <p:sldId id="263" r:id="rId14"/>
+    <p:sldId id="274" r:id="rId15"/>
+    <p:sldId id="265" r:id="rId16"/>
+    <p:sldId id="267" r:id="rId17"/>
   </p:sldIdLst>
   <p:sldSz cx="12192000" cy="6858000"/>
   <p:notesSz cx="6858000" cy="9144000"/>
@@ -255,7 +258,7 @@
           <a:p>
             <a:fld id="{0D8D7A85-C680-4D97-8E7A-1E039B1638C1}" type="datetimeFigureOut">
               <a:rPr lang="en-US" smtClean="0"/>
-              <a:t>11/21/2023</a:t>
+              <a:t>11/22/2023</a:t>
             </a:fld>
             <a:endParaRPr lang="en-US"/>
           </a:p>
@@ -425,7 +428,7 @@
           <a:p>
             <a:fld id="{0D8D7A85-C680-4D97-8E7A-1E039B1638C1}" type="datetimeFigureOut">
               <a:rPr lang="en-US" smtClean="0"/>
-              <a:t>11/21/2023</a:t>
+              <a:t>11/22/2023</a:t>
             </a:fld>
             <a:endParaRPr lang="en-US"/>
           </a:p>
@@ -605,7 +608,7 @@
           <a:p>
             <a:fld id="{0D8D7A85-C680-4D97-8E7A-1E039B1638C1}" type="datetimeFigureOut">
               <a:rPr lang="en-US" smtClean="0"/>
-              <a:t>11/21/2023</a:t>
+              <a:t>11/22/2023</a:t>
             </a:fld>
             <a:endParaRPr lang="en-US"/>
           </a:p>
@@ -775,7 +778,7 @@
           <a:p>
             <a:fld id="{0D8D7A85-C680-4D97-8E7A-1E039B1638C1}" type="datetimeFigureOut">
               <a:rPr lang="en-US" smtClean="0"/>
-              <a:t>11/21/2023</a:t>
+              <a:t>11/22/2023</a:t>
             </a:fld>
             <a:endParaRPr lang="en-US"/>
           </a:p>
@@ -1021,7 +1024,7 @@
           <a:p>
             <a:fld id="{0D8D7A85-C680-4D97-8E7A-1E039B1638C1}" type="datetimeFigureOut">
               <a:rPr lang="en-US" smtClean="0"/>
-              <a:t>11/21/2023</a:t>
+              <a:t>11/22/2023</a:t>
             </a:fld>
             <a:endParaRPr lang="en-US"/>
           </a:p>
@@ -1253,7 +1256,7 @@
           <a:p>
             <a:fld id="{0D8D7A85-C680-4D97-8E7A-1E039B1638C1}" type="datetimeFigureOut">
               <a:rPr lang="en-US" smtClean="0"/>
-              <a:t>11/21/2023</a:t>
+              <a:t>11/22/2023</a:t>
             </a:fld>
             <a:endParaRPr lang="en-US"/>
           </a:p>
@@ -1620,7 +1623,7 @@
           <a:p>
             <a:fld id="{0D8D7A85-C680-4D97-8E7A-1E039B1638C1}" type="datetimeFigureOut">
               <a:rPr lang="en-US" smtClean="0"/>
-              <a:t>11/21/2023</a:t>
+              <a:t>11/22/2023</a:t>
             </a:fld>
             <a:endParaRPr lang="en-US"/>
           </a:p>
@@ -1738,7 +1741,7 @@
           <a:p>
             <a:fld id="{0D8D7A85-C680-4D97-8E7A-1E039B1638C1}" type="datetimeFigureOut">
               <a:rPr lang="en-US" smtClean="0"/>
-              <a:t>11/21/2023</a:t>
+              <a:t>11/22/2023</a:t>
             </a:fld>
             <a:endParaRPr lang="en-US"/>
           </a:p>
@@ -1833,7 +1836,7 @@
           <a:p>
             <a:fld id="{0D8D7A85-C680-4D97-8E7A-1E039B1638C1}" type="datetimeFigureOut">
               <a:rPr lang="en-US" smtClean="0"/>
-              <a:t>11/21/2023</a:t>
+              <a:t>11/22/2023</a:t>
             </a:fld>
             <a:endParaRPr lang="en-US"/>
           </a:p>
@@ -2110,7 +2113,7 @@
           <a:p>
             <a:fld id="{0D8D7A85-C680-4D97-8E7A-1E039B1638C1}" type="datetimeFigureOut">
               <a:rPr lang="en-US" smtClean="0"/>
-              <a:t>11/21/2023</a:t>
+              <a:t>11/22/2023</a:t>
             </a:fld>
             <a:endParaRPr lang="en-US"/>
           </a:p>
@@ -2363,7 +2366,7 @@
           <a:p>
             <a:fld id="{0D8D7A85-C680-4D97-8E7A-1E039B1638C1}" type="datetimeFigureOut">
               <a:rPr lang="en-US" smtClean="0"/>
-              <a:t>11/21/2023</a:t>
+              <a:t>11/22/2023</a:t>
             </a:fld>
             <a:endParaRPr lang="en-US"/>
           </a:p>
@@ -2576,7 +2579,7 @@
           <a:p>
             <a:fld id="{0D8D7A85-C680-4D97-8E7A-1E039B1638C1}" type="datetimeFigureOut">
               <a:rPr lang="en-US" smtClean="0"/>
-              <a:t>11/21/2023</a:t>
+              <a:t>11/22/2023</a:t>
             </a:fld>
             <a:endParaRPr lang="en-US"/>
           </a:p>
@@ -3141,6 +3144,2507 @@
 </file>
 
 <file path=ppt/slides/slide11.xml><?xml version="1.0" encoding="utf-8"?>
+<p:sld xmlns:a="http://schemas.openxmlformats.org/drawingml/2006/main" xmlns:r="http://schemas.openxmlformats.org/officeDocument/2006/relationships" xmlns:p="http://schemas.openxmlformats.org/presentationml/2006/main">
+  <p:cSld>
+    <p:spTree>
+      <p:nvGrpSpPr>
+        <p:cNvPr id="1" name=""/>
+        <p:cNvGrpSpPr/>
+        <p:nvPr/>
+      </p:nvGrpSpPr>
+      <p:grpSpPr>
+        <a:xfrm>
+          <a:off x="0" y="0"/>
+          <a:ext cx="0" cy="0"/>
+          <a:chOff x="0" y="0"/>
+          <a:chExt cx="0" cy="0"/>
+        </a:xfrm>
+      </p:grpSpPr>
+      <p:sp>
+        <p:nvSpPr>
+          <p:cNvPr id="2" name="Title 1"/>
+          <p:cNvSpPr>
+            <a:spLocks noGrp="1"/>
+          </p:cNvSpPr>
+          <p:nvPr>
+            <p:ph type="title"/>
+          </p:nvPr>
+        </p:nvSpPr>
+        <p:spPr/>
+        <p:txBody>
+          <a:bodyPr/>
+          <a:lstStyle/>
+          <a:p>
+            <a:r>
+              <a:rPr lang="en-US" dirty="0" smtClean="0"/>
+              <a:t>Inserting a node into a linked list</a:t>
+            </a:r>
+            <a:endParaRPr lang="en-US" dirty="0"/>
+          </a:p>
+        </p:txBody>
+      </p:sp>
+      <p:grpSp>
+        <p:nvGrpSpPr>
+          <p:cNvPr id="4" name="Group 3"/>
+          <p:cNvGrpSpPr/>
+          <p:nvPr/>
+        </p:nvGrpSpPr>
+        <p:grpSpPr>
+          <a:xfrm>
+            <a:off x="427392" y="2011665"/>
+            <a:ext cx="6156288" cy="796535"/>
+            <a:chOff x="5295516" y="5749610"/>
+            <a:chExt cx="6156288" cy="796535"/>
+          </a:xfrm>
+        </p:grpSpPr>
+        <p:sp>
+          <p:nvSpPr>
+            <p:cNvPr id="5" name="TextBox 4"/>
+            <p:cNvSpPr txBox="1"/>
+            <p:nvPr/>
+          </p:nvSpPr>
+          <p:spPr>
+            <a:xfrm>
+              <a:off x="5295516" y="5749610"/>
+              <a:ext cx="945048" cy="369332"/>
+            </a:xfrm>
+            <a:prstGeom prst="rect">
+              <a:avLst/>
+            </a:prstGeom>
+            <a:noFill/>
+          </p:spPr>
+          <p:txBody>
+            <a:bodyPr wrap="square" rtlCol="0">
+              <a:spAutoFit/>
+            </a:bodyPr>
+            <a:lstStyle/>
+            <a:p>
+              <a:r>
+                <a:rPr lang="en-US" b="1" dirty="0" smtClean="0">
+                  <a:latin typeface="Courier New" panose="02070309020205020404" pitchFamily="49" charset="0"/>
+                  <a:cs typeface="Courier New" panose="02070309020205020404" pitchFamily="49" charset="0"/>
+                </a:rPr>
+                <a:t>head</a:t>
+              </a:r>
+              <a:endParaRPr lang="en-US" b="1" dirty="0">
+                <a:latin typeface="Courier New" panose="02070309020205020404" pitchFamily="49" charset="0"/>
+                <a:cs typeface="Courier New" panose="02070309020205020404" pitchFamily="49" charset="0"/>
+              </a:endParaRPr>
+            </a:p>
+          </p:txBody>
+        </p:sp>
+        <p:sp>
+          <p:nvSpPr>
+            <p:cNvPr id="6" name="TextBox 5"/>
+            <p:cNvSpPr txBox="1"/>
+            <p:nvPr/>
+          </p:nvSpPr>
+          <p:spPr>
+            <a:xfrm>
+              <a:off x="6467894" y="6176813"/>
+              <a:ext cx="4983910" cy="369332"/>
+            </a:xfrm>
+            <a:prstGeom prst="rect">
+              <a:avLst/>
+            </a:prstGeom>
+            <a:noFill/>
+          </p:spPr>
+          <p:txBody>
+            <a:bodyPr wrap="square" rtlCol="0">
+              <a:spAutoFit/>
+            </a:bodyPr>
+            <a:lstStyle/>
+            <a:p>
+              <a:r>
+                <a:rPr lang="en-US" dirty="0" smtClean="0"/>
+                <a:t>10           11           12           13           14           </a:t>
+              </a:r>
+              <a:r>
+                <a:rPr lang="en-US" dirty="0" smtClean="0">
+                  <a:ln w="0"/>
+                  <a:solidFill>
+                    <a:schemeClr val="accent1"/>
+                  </a:solidFill>
+                  <a:effectLst>
+                    <a:outerShdw blurRad="38100" dist="25400" dir="5400000" algn="ctr" rotWithShape="0">
+                      <a:srgbClr val="6E747A">
+                        <a:alpha val="43000"/>
+                      </a:srgbClr>
+                    </a:outerShdw>
+                  </a:effectLst>
+                  <a:latin typeface="Courier New" panose="02070309020205020404" pitchFamily="49" charset="0"/>
+                  <a:cs typeface="Courier New" panose="02070309020205020404" pitchFamily="49" charset="0"/>
+                </a:rPr>
+                <a:t>NULL</a:t>
+              </a:r>
+              <a:r>
+                <a:rPr lang="en-US" dirty="0" smtClean="0"/>
+                <a:t>  </a:t>
+              </a:r>
+              <a:endParaRPr lang="en-US" dirty="0"/>
+            </a:p>
+          </p:txBody>
+        </p:sp>
+        <p:cxnSp>
+          <p:nvCxnSpPr>
+            <p:cNvPr id="7" name="Straight Arrow Connector 6"/>
+            <p:cNvCxnSpPr/>
+            <p:nvPr/>
+          </p:nvCxnSpPr>
+          <p:spPr>
+            <a:xfrm>
+              <a:off x="6026333" y="6075210"/>
+              <a:ext cx="380608" cy="284487"/>
+            </a:xfrm>
+            <a:prstGeom prst="straightConnector1">
+              <a:avLst/>
+            </a:prstGeom>
+            <a:ln w="38100">
+              <a:solidFill>
+                <a:schemeClr val="tx1">
+                  <a:lumMod val="85000"/>
+                  <a:lumOff val="15000"/>
+                </a:schemeClr>
+              </a:solidFill>
+              <a:tailEnd type="triangle"/>
+            </a:ln>
+          </p:spPr>
+          <p:style>
+            <a:lnRef idx="1">
+              <a:schemeClr val="accent1"/>
+            </a:lnRef>
+            <a:fillRef idx="0">
+              <a:schemeClr val="accent1"/>
+            </a:fillRef>
+            <a:effectRef idx="0">
+              <a:schemeClr val="accent1"/>
+            </a:effectRef>
+            <a:fontRef idx="minor">
+              <a:schemeClr val="tx1"/>
+            </a:fontRef>
+          </p:style>
+        </p:cxnSp>
+        <p:cxnSp>
+          <p:nvCxnSpPr>
+            <p:cNvPr id="8" name="Straight Arrow Connector 7"/>
+            <p:cNvCxnSpPr/>
+            <p:nvPr/>
+          </p:nvCxnSpPr>
+          <p:spPr>
+            <a:xfrm>
+              <a:off x="8433836" y="6344501"/>
+              <a:ext cx="494962" cy="7532"/>
+            </a:xfrm>
+            <a:prstGeom prst="straightConnector1">
+              <a:avLst/>
+            </a:prstGeom>
+            <a:ln w="38100">
+              <a:solidFill>
+                <a:schemeClr val="tx1">
+                  <a:lumMod val="85000"/>
+                  <a:lumOff val="15000"/>
+                </a:schemeClr>
+              </a:solidFill>
+              <a:tailEnd type="triangle"/>
+            </a:ln>
+          </p:spPr>
+          <p:style>
+            <a:lnRef idx="1">
+              <a:schemeClr val="accent1"/>
+            </a:lnRef>
+            <a:fillRef idx="0">
+              <a:schemeClr val="accent1"/>
+            </a:fillRef>
+            <a:effectRef idx="0">
+              <a:schemeClr val="accent1"/>
+            </a:effectRef>
+            <a:fontRef idx="minor">
+              <a:schemeClr val="tx1"/>
+            </a:fontRef>
+          </p:style>
+        </p:cxnSp>
+        <p:cxnSp>
+          <p:nvCxnSpPr>
+            <p:cNvPr id="9" name="Straight Arrow Connector 8"/>
+            <p:cNvCxnSpPr/>
+            <p:nvPr/>
+          </p:nvCxnSpPr>
+          <p:spPr>
+            <a:xfrm>
+              <a:off x="7626794" y="6344501"/>
+              <a:ext cx="494962" cy="7532"/>
+            </a:xfrm>
+            <a:prstGeom prst="straightConnector1">
+              <a:avLst/>
+            </a:prstGeom>
+            <a:ln w="38100">
+              <a:solidFill>
+                <a:schemeClr val="tx1">
+                  <a:lumMod val="85000"/>
+                  <a:lumOff val="15000"/>
+                </a:schemeClr>
+              </a:solidFill>
+              <a:tailEnd type="triangle"/>
+            </a:ln>
+          </p:spPr>
+          <p:style>
+            <a:lnRef idx="1">
+              <a:schemeClr val="accent1"/>
+            </a:lnRef>
+            <a:fillRef idx="0">
+              <a:schemeClr val="accent1"/>
+            </a:fillRef>
+            <a:effectRef idx="0">
+              <a:schemeClr val="accent1"/>
+            </a:effectRef>
+            <a:fontRef idx="minor">
+              <a:schemeClr val="tx1"/>
+            </a:fontRef>
+          </p:style>
+        </p:cxnSp>
+        <p:cxnSp>
+          <p:nvCxnSpPr>
+            <p:cNvPr id="10" name="Straight Arrow Connector 9"/>
+            <p:cNvCxnSpPr/>
+            <p:nvPr/>
+          </p:nvCxnSpPr>
+          <p:spPr>
+            <a:xfrm>
+              <a:off x="6819752" y="6344501"/>
+              <a:ext cx="494962" cy="7532"/>
+            </a:xfrm>
+            <a:prstGeom prst="straightConnector1">
+              <a:avLst/>
+            </a:prstGeom>
+            <a:ln w="38100">
+              <a:solidFill>
+                <a:schemeClr val="tx1">
+                  <a:lumMod val="85000"/>
+                  <a:lumOff val="15000"/>
+                </a:schemeClr>
+              </a:solidFill>
+              <a:tailEnd type="triangle"/>
+            </a:ln>
+          </p:spPr>
+          <p:style>
+            <a:lnRef idx="1">
+              <a:schemeClr val="accent1"/>
+            </a:lnRef>
+            <a:fillRef idx="0">
+              <a:schemeClr val="accent1"/>
+            </a:fillRef>
+            <a:effectRef idx="0">
+              <a:schemeClr val="accent1"/>
+            </a:effectRef>
+            <a:fontRef idx="minor">
+              <a:schemeClr val="tx1"/>
+            </a:fontRef>
+          </p:style>
+        </p:cxnSp>
+        <p:cxnSp>
+          <p:nvCxnSpPr>
+            <p:cNvPr id="11" name="Straight Arrow Connector 10"/>
+            <p:cNvCxnSpPr/>
+            <p:nvPr/>
+          </p:nvCxnSpPr>
+          <p:spPr>
+            <a:xfrm>
+              <a:off x="9240878" y="6344501"/>
+              <a:ext cx="494962" cy="7532"/>
+            </a:xfrm>
+            <a:prstGeom prst="straightConnector1">
+              <a:avLst/>
+            </a:prstGeom>
+            <a:ln w="38100">
+              <a:solidFill>
+                <a:schemeClr val="tx1">
+                  <a:lumMod val="85000"/>
+                  <a:lumOff val="15000"/>
+                </a:schemeClr>
+              </a:solidFill>
+              <a:tailEnd type="triangle"/>
+            </a:ln>
+          </p:spPr>
+          <p:style>
+            <a:lnRef idx="1">
+              <a:schemeClr val="accent1"/>
+            </a:lnRef>
+            <a:fillRef idx="0">
+              <a:schemeClr val="accent1"/>
+            </a:fillRef>
+            <a:effectRef idx="0">
+              <a:schemeClr val="accent1"/>
+            </a:effectRef>
+            <a:fontRef idx="minor">
+              <a:schemeClr val="tx1"/>
+            </a:fontRef>
+          </p:style>
+        </p:cxnSp>
+        <p:cxnSp>
+          <p:nvCxnSpPr>
+            <p:cNvPr id="12" name="Straight Arrow Connector 11"/>
+            <p:cNvCxnSpPr/>
+            <p:nvPr/>
+          </p:nvCxnSpPr>
+          <p:spPr>
+            <a:xfrm>
+              <a:off x="10047919" y="6344501"/>
+              <a:ext cx="494962" cy="7532"/>
+            </a:xfrm>
+            <a:prstGeom prst="straightConnector1">
+              <a:avLst/>
+            </a:prstGeom>
+            <a:ln w="38100">
+              <a:solidFill>
+                <a:schemeClr val="accent1"/>
+              </a:solidFill>
+              <a:tailEnd type="triangle"/>
+            </a:ln>
+          </p:spPr>
+          <p:style>
+            <a:lnRef idx="1">
+              <a:schemeClr val="accent1"/>
+            </a:lnRef>
+            <a:fillRef idx="0">
+              <a:schemeClr val="accent1"/>
+            </a:fillRef>
+            <a:effectRef idx="0">
+              <a:schemeClr val="accent1"/>
+            </a:effectRef>
+            <a:fontRef idx="minor">
+              <a:schemeClr val="tx1"/>
+            </a:fontRef>
+          </p:style>
+        </p:cxnSp>
+      </p:grpSp>
+      <p:sp>
+        <p:nvSpPr>
+          <p:cNvPr id="13" name="TextBox 12"/>
+          <p:cNvSpPr txBox="1"/>
+          <p:nvPr/>
+        </p:nvSpPr>
+        <p:spPr>
+          <a:xfrm>
+            <a:off x="359899" y="3742005"/>
+            <a:ext cx="2457211" cy="369332"/>
+          </a:xfrm>
+          <a:prstGeom prst="rect">
+            <a:avLst/>
+          </a:prstGeom>
+          <a:noFill/>
+        </p:spPr>
+        <p:txBody>
+          <a:bodyPr wrap="none" rtlCol="0">
+            <a:spAutoFit/>
+          </a:bodyPr>
+          <a:lstStyle/>
+          <a:p>
+            <a:r>
+              <a:rPr lang="en-US" dirty="0" smtClean="0"/>
+              <a:t>Insert   100 at </a:t>
+            </a:r>
+            <a:r>
+              <a:rPr lang="en-US" dirty="0" smtClean="0">
+                <a:solidFill>
+                  <a:srgbClr val="FF0000"/>
+                </a:solidFill>
+              </a:rPr>
+              <a:t>position 2</a:t>
+            </a:r>
+            <a:endParaRPr lang="en-US" dirty="0">
+              <a:solidFill>
+                <a:srgbClr val="FF0000"/>
+              </a:solidFill>
+            </a:endParaRPr>
+          </a:p>
+        </p:txBody>
+      </p:sp>
+      <p:sp>
+        <p:nvSpPr>
+          <p:cNvPr id="14" name="TextBox 13"/>
+          <p:cNvSpPr txBox="1"/>
+          <p:nvPr/>
+        </p:nvSpPr>
+        <p:spPr>
+          <a:xfrm>
+            <a:off x="1599770" y="2808200"/>
+            <a:ext cx="4473526" cy="379828"/>
+          </a:xfrm>
+          <a:prstGeom prst="rect">
+            <a:avLst/>
+          </a:prstGeom>
+          <a:noFill/>
+        </p:spPr>
+        <p:txBody>
+          <a:bodyPr wrap="square" rtlCol="0">
+            <a:spAutoFit/>
+          </a:bodyPr>
+          <a:lstStyle/>
+          <a:p>
+            <a:r>
+              <a:rPr lang="en-US" dirty="0" smtClean="0">
+                <a:solidFill>
+                  <a:srgbClr val="FF0000"/>
+                </a:solidFill>
+              </a:rPr>
+              <a:t> 0            1              2              3             4</a:t>
+            </a:r>
+            <a:endParaRPr lang="en-US" dirty="0">
+              <a:solidFill>
+                <a:srgbClr val="FF0000"/>
+              </a:solidFill>
+            </a:endParaRPr>
+          </a:p>
+        </p:txBody>
+      </p:sp>
+      <p:grpSp>
+        <p:nvGrpSpPr>
+          <p:cNvPr id="26" name="Group 25"/>
+          <p:cNvGrpSpPr/>
+          <p:nvPr/>
+        </p:nvGrpSpPr>
+        <p:grpSpPr>
+          <a:xfrm>
+            <a:off x="425045" y="5230822"/>
+            <a:ext cx="7298118" cy="1165867"/>
+            <a:chOff x="425045" y="5230822"/>
+            <a:chExt cx="7298118" cy="1165867"/>
+          </a:xfrm>
+        </p:grpSpPr>
+        <p:sp>
+          <p:nvSpPr>
+            <p:cNvPr id="16" name="TextBox 15"/>
+            <p:cNvSpPr txBox="1"/>
+            <p:nvPr/>
+          </p:nvSpPr>
+          <p:spPr>
+            <a:xfrm>
+              <a:off x="425045" y="5230822"/>
+              <a:ext cx="945048" cy="369332"/>
+            </a:xfrm>
+            <a:prstGeom prst="rect">
+              <a:avLst/>
+            </a:prstGeom>
+            <a:noFill/>
+          </p:spPr>
+          <p:txBody>
+            <a:bodyPr wrap="square" rtlCol="0">
+              <a:spAutoFit/>
+            </a:bodyPr>
+            <a:lstStyle/>
+            <a:p>
+              <a:r>
+                <a:rPr lang="en-US" b="1" dirty="0" smtClean="0">
+                  <a:latin typeface="Courier New" panose="02070309020205020404" pitchFamily="49" charset="0"/>
+                  <a:cs typeface="Courier New" panose="02070309020205020404" pitchFamily="49" charset="0"/>
+                </a:rPr>
+                <a:t>head</a:t>
+              </a:r>
+              <a:endParaRPr lang="en-US" b="1" dirty="0">
+                <a:latin typeface="Courier New" panose="02070309020205020404" pitchFamily="49" charset="0"/>
+                <a:cs typeface="Courier New" panose="02070309020205020404" pitchFamily="49" charset="0"/>
+              </a:endParaRPr>
+            </a:p>
+          </p:txBody>
+        </p:sp>
+        <p:sp>
+          <p:nvSpPr>
+            <p:cNvPr id="17" name="TextBox 16"/>
+            <p:cNvSpPr txBox="1"/>
+            <p:nvPr/>
+          </p:nvSpPr>
+          <p:spPr>
+            <a:xfrm>
+              <a:off x="1597423" y="5658025"/>
+              <a:ext cx="6125740" cy="369332"/>
+            </a:xfrm>
+            <a:prstGeom prst="rect">
+              <a:avLst/>
+            </a:prstGeom>
+            <a:noFill/>
+          </p:spPr>
+          <p:txBody>
+            <a:bodyPr wrap="square" rtlCol="0">
+              <a:spAutoFit/>
+            </a:bodyPr>
+            <a:lstStyle/>
+            <a:p>
+              <a:r>
+                <a:rPr lang="en-US" dirty="0" smtClean="0"/>
+                <a:t>10           11           100             12           13           14           </a:t>
+              </a:r>
+              <a:r>
+                <a:rPr lang="en-US" dirty="0" smtClean="0">
+                  <a:ln w="0"/>
+                  <a:solidFill>
+                    <a:schemeClr val="accent1"/>
+                  </a:solidFill>
+                  <a:effectLst>
+                    <a:outerShdw blurRad="38100" dist="25400" dir="5400000" algn="ctr" rotWithShape="0">
+                      <a:srgbClr val="6E747A">
+                        <a:alpha val="43000"/>
+                      </a:srgbClr>
+                    </a:outerShdw>
+                  </a:effectLst>
+                  <a:latin typeface="Courier New" panose="02070309020205020404" pitchFamily="49" charset="0"/>
+                  <a:cs typeface="Courier New" panose="02070309020205020404" pitchFamily="49" charset="0"/>
+                </a:rPr>
+                <a:t>NULL</a:t>
+              </a:r>
+              <a:r>
+                <a:rPr lang="en-US" dirty="0" smtClean="0"/>
+                <a:t>  </a:t>
+              </a:r>
+              <a:endParaRPr lang="en-US" dirty="0"/>
+            </a:p>
+          </p:txBody>
+        </p:sp>
+        <p:cxnSp>
+          <p:nvCxnSpPr>
+            <p:cNvPr id="18" name="Straight Arrow Connector 17"/>
+            <p:cNvCxnSpPr/>
+            <p:nvPr/>
+          </p:nvCxnSpPr>
+          <p:spPr>
+            <a:xfrm>
+              <a:off x="1155862" y="5556422"/>
+              <a:ext cx="380608" cy="284487"/>
+            </a:xfrm>
+            <a:prstGeom prst="straightConnector1">
+              <a:avLst/>
+            </a:prstGeom>
+            <a:ln w="38100">
+              <a:solidFill>
+                <a:schemeClr val="tx1">
+                  <a:lumMod val="85000"/>
+                  <a:lumOff val="15000"/>
+                </a:schemeClr>
+              </a:solidFill>
+              <a:tailEnd type="triangle"/>
+            </a:ln>
+          </p:spPr>
+          <p:style>
+            <a:lnRef idx="1">
+              <a:schemeClr val="accent1"/>
+            </a:lnRef>
+            <a:fillRef idx="0">
+              <a:schemeClr val="accent1"/>
+            </a:fillRef>
+            <a:effectRef idx="0">
+              <a:schemeClr val="accent1"/>
+            </a:effectRef>
+            <a:fontRef idx="minor">
+              <a:schemeClr val="tx1"/>
+            </a:fontRef>
+          </p:style>
+        </p:cxnSp>
+        <p:cxnSp>
+          <p:nvCxnSpPr>
+            <p:cNvPr id="19" name="Straight Arrow Connector 18"/>
+            <p:cNvCxnSpPr/>
+            <p:nvPr/>
+          </p:nvCxnSpPr>
+          <p:spPr>
+            <a:xfrm>
+              <a:off x="3802516" y="5825713"/>
+              <a:ext cx="494962" cy="7532"/>
+            </a:xfrm>
+            <a:prstGeom prst="straightConnector1">
+              <a:avLst/>
+            </a:prstGeom>
+            <a:ln w="38100">
+              <a:solidFill>
+                <a:schemeClr val="tx1">
+                  <a:lumMod val="85000"/>
+                  <a:lumOff val="15000"/>
+                </a:schemeClr>
+              </a:solidFill>
+              <a:tailEnd type="triangle"/>
+            </a:ln>
+          </p:spPr>
+          <p:style>
+            <a:lnRef idx="1">
+              <a:schemeClr val="accent1"/>
+            </a:lnRef>
+            <a:fillRef idx="0">
+              <a:schemeClr val="accent1"/>
+            </a:fillRef>
+            <a:effectRef idx="0">
+              <a:schemeClr val="accent1"/>
+            </a:effectRef>
+            <a:fontRef idx="minor">
+              <a:schemeClr val="tx1"/>
+            </a:fontRef>
+          </p:style>
+        </p:cxnSp>
+        <p:cxnSp>
+          <p:nvCxnSpPr>
+            <p:cNvPr id="20" name="Straight Arrow Connector 19"/>
+            <p:cNvCxnSpPr/>
+            <p:nvPr/>
+          </p:nvCxnSpPr>
+          <p:spPr>
+            <a:xfrm>
+              <a:off x="2756323" y="5825713"/>
+              <a:ext cx="494962" cy="7532"/>
+            </a:xfrm>
+            <a:prstGeom prst="straightConnector1">
+              <a:avLst/>
+            </a:prstGeom>
+            <a:ln w="38100">
+              <a:solidFill>
+                <a:schemeClr val="tx1">
+                  <a:lumMod val="85000"/>
+                  <a:lumOff val="15000"/>
+                </a:schemeClr>
+              </a:solidFill>
+              <a:tailEnd type="triangle"/>
+            </a:ln>
+          </p:spPr>
+          <p:style>
+            <a:lnRef idx="1">
+              <a:schemeClr val="accent1"/>
+            </a:lnRef>
+            <a:fillRef idx="0">
+              <a:schemeClr val="accent1"/>
+            </a:fillRef>
+            <a:effectRef idx="0">
+              <a:schemeClr val="accent1"/>
+            </a:effectRef>
+            <a:fontRef idx="minor">
+              <a:schemeClr val="tx1"/>
+            </a:fontRef>
+          </p:style>
+        </p:cxnSp>
+        <p:cxnSp>
+          <p:nvCxnSpPr>
+            <p:cNvPr id="21" name="Straight Arrow Connector 20"/>
+            <p:cNvCxnSpPr/>
+            <p:nvPr/>
+          </p:nvCxnSpPr>
+          <p:spPr>
+            <a:xfrm>
+              <a:off x="1949281" y="5825713"/>
+              <a:ext cx="494962" cy="7532"/>
+            </a:xfrm>
+            <a:prstGeom prst="straightConnector1">
+              <a:avLst/>
+            </a:prstGeom>
+            <a:ln w="38100">
+              <a:solidFill>
+                <a:schemeClr val="tx1">
+                  <a:lumMod val="85000"/>
+                  <a:lumOff val="15000"/>
+                </a:schemeClr>
+              </a:solidFill>
+              <a:tailEnd type="triangle"/>
+            </a:ln>
+          </p:spPr>
+          <p:style>
+            <a:lnRef idx="1">
+              <a:schemeClr val="accent1"/>
+            </a:lnRef>
+            <a:fillRef idx="0">
+              <a:schemeClr val="accent1"/>
+            </a:fillRef>
+            <a:effectRef idx="0">
+              <a:schemeClr val="accent1"/>
+            </a:effectRef>
+            <a:fontRef idx="minor">
+              <a:schemeClr val="tx1"/>
+            </a:fontRef>
+          </p:style>
+        </p:cxnSp>
+        <p:cxnSp>
+          <p:nvCxnSpPr>
+            <p:cNvPr id="22" name="Straight Arrow Connector 21"/>
+            <p:cNvCxnSpPr/>
+            <p:nvPr/>
+          </p:nvCxnSpPr>
+          <p:spPr>
+            <a:xfrm>
+              <a:off x="4609558" y="5825713"/>
+              <a:ext cx="494962" cy="7532"/>
+            </a:xfrm>
+            <a:prstGeom prst="straightConnector1">
+              <a:avLst/>
+            </a:prstGeom>
+            <a:ln w="38100">
+              <a:solidFill>
+                <a:schemeClr val="tx1">
+                  <a:lumMod val="85000"/>
+                  <a:lumOff val="15000"/>
+                </a:schemeClr>
+              </a:solidFill>
+              <a:tailEnd type="triangle"/>
+            </a:ln>
+          </p:spPr>
+          <p:style>
+            <a:lnRef idx="1">
+              <a:schemeClr val="accent1"/>
+            </a:lnRef>
+            <a:fillRef idx="0">
+              <a:schemeClr val="accent1"/>
+            </a:fillRef>
+            <a:effectRef idx="0">
+              <a:schemeClr val="accent1"/>
+            </a:effectRef>
+            <a:fontRef idx="minor">
+              <a:schemeClr val="tx1"/>
+            </a:fontRef>
+          </p:style>
+        </p:cxnSp>
+        <p:cxnSp>
+          <p:nvCxnSpPr>
+            <p:cNvPr id="23" name="Straight Arrow Connector 22"/>
+            <p:cNvCxnSpPr/>
+            <p:nvPr/>
+          </p:nvCxnSpPr>
+          <p:spPr>
+            <a:xfrm>
+              <a:off x="6251791" y="5825713"/>
+              <a:ext cx="494962" cy="7532"/>
+            </a:xfrm>
+            <a:prstGeom prst="straightConnector1">
+              <a:avLst/>
+            </a:prstGeom>
+            <a:ln w="38100">
+              <a:solidFill>
+                <a:schemeClr val="accent1"/>
+              </a:solidFill>
+              <a:tailEnd type="triangle"/>
+            </a:ln>
+          </p:spPr>
+          <p:style>
+            <a:lnRef idx="1">
+              <a:schemeClr val="accent1"/>
+            </a:lnRef>
+            <a:fillRef idx="0">
+              <a:schemeClr val="accent1"/>
+            </a:fillRef>
+            <a:effectRef idx="0">
+              <a:schemeClr val="accent1"/>
+            </a:effectRef>
+            <a:fontRef idx="minor">
+              <a:schemeClr val="tx1"/>
+            </a:fontRef>
+          </p:style>
+        </p:cxnSp>
+        <p:sp>
+          <p:nvSpPr>
+            <p:cNvPr id="24" name="TextBox 23"/>
+            <p:cNvSpPr txBox="1"/>
+            <p:nvPr/>
+          </p:nvSpPr>
+          <p:spPr>
+            <a:xfrm>
+              <a:off x="1597423" y="6027357"/>
+              <a:ext cx="5149330" cy="369332"/>
+            </a:xfrm>
+            <a:prstGeom prst="rect">
+              <a:avLst/>
+            </a:prstGeom>
+            <a:noFill/>
+          </p:spPr>
+          <p:txBody>
+            <a:bodyPr wrap="square" rtlCol="0">
+              <a:spAutoFit/>
+            </a:bodyPr>
+            <a:lstStyle/>
+            <a:p>
+              <a:r>
+                <a:rPr lang="en-US" dirty="0" smtClean="0">
+                  <a:solidFill>
+                    <a:srgbClr val="FF0000"/>
+                  </a:solidFill>
+                </a:rPr>
+                <a:t> 0            1              2                3               4              5</a:t>
+              </a:r>
+              <a:endParaRPr lang="en-US" dirty="0">
+                <a:solidFill>
+                  <a:srgbClr val="FF0000"/>
+                </a:solidFill>
+              </a:endParaRPr>
+            </a:p>
+          </p:txBody>
+        </p:sp>
+        <p:cxnSp>
+          <p:nvCxnSpPr>
+            <p:cNvPr id="25" name="Straight Arrow Connector 24"/>
+            <p:cNvCxnSpPr/>
+            <p:nvPr/>
+          </p:nvCxnSpPr>
+          <p:spPr>
+            <a:xfrm>
+              <a:off x="5395005" y="5823367"/>
+              <a:ext cx="494962" cy="7532"/>
+            </a:xfrm>
+            <a:prstGeom prst="straightConnector1">
+              <a:avLst/>
+            </a:prstGeom>
+            <a:ln w="38100">
+              <a:solidFill>
+                <a:schemeClr val="tx1">
+                  <a:lumMod val="85000"/>
+                  <a:lumOff val="15000"/>
+                </a:schemeClr>
+              </a:solidFill>
+              <a:tailEnd type="triangle"/>
+            </a:ln>
+          </p:spPr>
+          <p:style>
+            <a:lnRef idx="1">
+              <a:schemeClr val="accent1"/>
+            </a:lnRef>
+            <a:fillRef idx="0">
+              <a:schemeClr val="accent1"/>
+            </a:fillRef>
+            <a:effectRef idx="0">
+              <a:schemeClr val="accent1"/>
+            </a:effectRef>
+            <a:fontRef idx="minor">
+              <a:schemeClr val="tx1"/>
+            </a:fontRef>
+          </p:style>
+        </p:cxnSp>
+      </p:grpSp>
+    </p:spTree>
+    <p:extLst>
+      <p:ext uri="{BB962C8B-B14F-4D97-AF65-F5344CB8AC3E}">
+        <p14:creationId xmlns:p14="http://schemas.microsoft.com/office/powerpoint/2010/main" val="3950432706"/>
+      </p:ext>
+    </p:extLst>
+  </p:cSld>
+  <p:clrMapOvr>
+    <a:masterClrMapping/>
+  </p:clrMapOvr>
+  <p:timing>
+    <p:tnLst>
+      <p:par>
+        <p:cTn id="1" dur="indefinite" restart="never" nodeType="tmRoot">
+          <p:childTnLst>
+            <p:seq concurrent="1" nextAc="seek">
+              <p:cTn id="2" dur="indefinite" nodeType="mainSeq">
+                <p:childTnLst>
+                  <p:par>
+                    <p:cTn id="3" fill="hold">
+                      <p:stCondLst>
+                        <p:cond delay="indefinite"/>
+                      </p:stCondLst>
+                      <p:childTnLst>
+                        <p:par>
+                          <p:cTn id="4" fill="hold">
+                            <p:stCondLst>
+                              <p:cond delay="0"/>
+                            </p:stCondLst>
+                            <p:childTnLst>
+                              <p:par>
+                                <p:cTn id="5" presetID="1" presetClass="entr" presetSubtype="0" fill="hold" nodeType="clickEffect">
+                                  <p:stCondLst>
+                                    <p:cond delay="0"/>
+                                  </p:stCondLst>
+                                  <p:childTnLst>
+                                    <p:set>
+                                      <p:cBhvr>
+                                        <p:cTn id="6" dur="1" fill="hold">
+                                          <p:stCondLst>
+                                            <p:cond delay="0"/>
+                                          </p:stCondLst>
+                                        </p:cTn>
+                                        <p:tgtEl>
+                                          <p:spTgt spid="26"/>
+                                        </p:tgtEl>
+                                        <p:attrNameLst>
+                                          <p:attrName>style.visibility</p:attrName>
+                                        </p:attrNameLst>
+                                      </p:cBhvr>
+                                      <p:to>
+                                        <p:strVal val="visible"/>
+                                      </p:to>
+                                    </p:set>
+                                  </p:childTnLst>
+                                </p:cTn>
+                              </p:par>
+                            </p:childTnLst>
+                          </p:cTn>
+                        </p:par>
+                      </p:childTnLst>
+                    </p:cTn>
+                  </p:par>
+                </p:childTnLst>
+              </p:cTn>
+              <p:prevCondLst>
+                <p:cond evt="onPrev" delay="0">
+                  <p:tgtEl>
+                    <p:sldTgt/>
+                  </p:tgtEl>
+                </p:cond>
+              </p:prevCondLst>
+              <p:nextCondLst>
+                <p:cond evt="onNext" delay="0">
+                  <p:tgtEl>
+                    <p:sldTgt/>
+                  </p:tgtEl>
+                </p:cond>
+              </p:nextCondLst>
+            </p:seq>
+          </p:childTnLst>
+        </p:cTn>
+      </p:par>
+    </p:tnLst>
+  </p:timing>
+</p:sld>
+</file>
+
+<file path=ppt/slides/slide12.xml><?xml version="1.0" encoding="utf-8"?>
+<p:sld xmlns:a="http://schemas.openxmlformats.org/drawingml/2006/main" xmlns:r="http://schemas.openxmlformats.org/officeDocument/2006/relationships" xmlns:p="http://schemas.openxmlformats.org/presentationml/2006/main">
+  <p:cSld>
+    <p:spTree>
+      <p:nvGrpSpPr>
+        <p:cNvPr id="1" name=""/>
+        <p:cNvGrpSpPr/>
+        <p:nvPr/>
+      </p:nvGrpSpPr>
+      <p:grpSpPr>
+        <a:xfrm>
+          <a:off x="0" y="0"/>
+          <a:ext cx="0" cy="0"/>
+          <a:chOff x="0" y="0"/>
+          <a:chExt cx="0" cy="0"/>
+        </a:xfrm>
+      </p:grpSpPr>
+      <p:sp>
+        <p:nvSpPr>
+          <p:cNvPr id="2" name="Title 1"/>
+          <p:cNvSpPr>
+            <a:spLocks noGrp="1"/>
+          </p:cNvSpPr>
+          <p:nvPr>
+            <p:ph type="title"/>
+          </p:nvPr>
+        </p:nvSpPr>
+        <p:spPr/>
+        <p:txBody>
+          <a:bodyPr/>
+          <a:lstStyle/>
+          <a:p>
+            <a:r>
+              <a:rPr lang="en-US" dirty="0" smtClean="0"/>
+              <a:t>Inserting a node into a linked list</a:t>
+            </a:r>
+            <a:endParaRPr lang="en-US" dirty="0"/>
+          </a:p>
+        </p:txBody>
+      </p:sp>
+      <p:grpSp>
+        <p:nvGrpSpPr>
+          <p:cNvPr id="4" name="Group 3"/>
+          <p:cNvGrpSpPr/>
+          <p:nvPr/>
+        </p:nvGrpSpPr>
+        <p:grpSpPr>
+          <a:xfrm>
+            <a:off x="427392" y="2011665"/>
+            <a:ext cx="6156288" cy="796535"/>
+            <a:chOff x="5295516" y="5749610"/>
+            <a:chExt cx="6156288" cy="796535"/>
+          </a:xfrm>
+        </p:grpSpPr>
+        <p:sp>
+          <p:nvSpPr>
+            <p:cNvPr id="5" name="TextBox 4"/>
+            <p:cNvSpPr txBox="1"/>
+            <p:nvPr/>
+          </p:nvSpPr>
+          <p:spPr>
+            <a:xfrm>
+              <a:off x="5295516" y="5749610"/>
+              <a:ext cx="945048" cy="369332"/>
+            </a:xfrm>
+            <a:prstGeom prst="rect">
+              <a:avLst/>
+            </a:prstGeom>
+            <a:noFill/>
+          </p:spPr>
+          <p:txBody>
+            <a:bodyPr wrap="square" rtlCol="0">
+              <a:spAutoFit/>
+            </a:bodyPr>
+            <a:lstStyle/>
+            <a:p>
+              <a:r>
+                <a:rPr lang="en-US" b="1" dirty="0" smtClean="0">
+                  <a:latin typeface="Courier New" panose="02070309020205020404" pitchFamily="49" charset="0"/>
+                  <a:cs typeface="Courier New" panose="02070309020205020404" pitchFamily="49" charset="0"/>
+                </a:rPr>
+                <a:t>head</a:t>
+              </a:r>
+              <a:endParaRPr lang="en-US" b="1" dirty="0">
+                <a:latin typeface="Courier New" panose="02070309020205020404" pitchFamily="49" charset="0"/>
+                <a:cs typeface="Courier New" panose="02070309020205020404" pitchFamily="49" charset="0"/>
+              </a:endParaRPr>
+            </a:p>
+          </p:txBody>
+        </p:sp>
+        <p:sp>
+          <p:nvSpPr>
+            <p:cNvPr id="6" name="TextBox 5"/>
+            <p:cNvSpPr txBox="1"/>
+            <p:nvPr/>
+          </p:nvSpPr>
+          <p:spPr>
+            <a:xfrm>
+              <a:off x="6467894" y="6176813"/>
+              <a:ext cx="4983910" cy="369332"/>
+            </a:xfrm>
+            <a:prstGeom prst="rect">
+              <a:avLst/>
+            </a:prstGeom>
+            <a:noFill/>
+          </p:spPr>
+          <p:txBody>
+            <a:bodyPr wrap="square" rtlCol="0">
+              <a:spAutoFit/>
+            </a:bodyPr>
+            <a:lstStyle/>
+            <a:p>
+              <a:r>
+                <a:rPr lang="en-US" dirty="0" smtClean="0"/>
+                <a:t>10           11           12           13           14           </a:t>
+              </a:r>
+              <a:r>
+                <a:rPr lang="en-US" dirty="0" smtClean="0">
+                  <a:ln w="0"/>
+                  <a:solidFill>
+                    <a:schemeClr val="accent1"/>
+                  </a:solidFill>
+                  <a:effectLst>
+                    <a:outerShdw blurRad="38100" dist="25400" dir="5400000" algn="ctr" rotWithShape="0">
+                      <a:srgbClr val="6E747A">
+                        <a:alpha val="43000"/>
+                      </a:srgbClr>
+                    </a:outerShdw>
+                  </a:effectLst>
+                  <a:latin typeface="Courier New" panose="02070309020205020404" pitchFamily="49" charset="0"/>
+                  <a:cs typeface="Courier New" panose="02070309020205020404" pitchFamily="49" charset="0"/>
+                </a:rPr>
+                <a:t>NULL</a:t>
+              </a:r>
+              <a:r>
+                <a:rPr lang="en-US" dirty="0" smtClean="0"/>
+                <a:t>  </a:t>
+              </a:r>
+              <a:endParaRPr lang="en-US" dirty="0"/>
+            </a:p>
+          </p:txBody>
+        </p:sp>
+        <p:cxnSp>
+          <p:nvCxnSpPr>
+            <p:cNvPr id="7" name="Straight Arrow Connector 6"/>
+            <p:cNvCxnSpPr/>
+            <p:nvPr/>
+          </p:nvCxnSpPr>
+          <p:spPr>
+            <a:xfrm>
+              <a:off x="6026333" y="6075210"/>
+              <a:ext cx="380608" cy="284487"/>
+            </a:xfrm>
+            <a:prstGeom prst="straightConnector1">
+              <a:avLst/>
+            </a:prstGeom>
+            <a:ln w="38100">
+              <a:solidFill>
+                <a:schemeClr val="tx1">
+                  <a:lumMod val="85000"/>
+                  <a:lumOff val="15000"/>
+                </a:schemeClr>
+              </a:solidFill>
+              <a:tailEnd type="triangle"/>
+            </a:ln>
+          </p:spPr>
+          <p:style>
+            <a:lnRef idx="1">
+              <a:schemeClr val="accent1"/>
+            </a:lnRef>
+            <a:fillRef idx="0">
+              <a:schemeClr val="accent1"/>
+            </a:fillRef>
+            <a:effectRef idx="0">
+              <a:schemeClr val="accent1"/>
+            </a:effectRef>
+            <a:fontRef idx="minor">
+              <a:schemeClr val="tx1"/>
+            </a:fontRef>
+          </p:style>
+        </p:cxnSp>
+        <p:cxnSp>
+          <p:nvCxnSpPr>
+            <p:cNvPr id="8" name="Straight Arrow Connector 7"/>
+            <p:cNvCxnSpPr/>
+            <p:nvPr/>
+          </p:nvCxnSpPr>
+          <p:spPr>
+            <a:xfrm>
+              <a:off x="8433836" y="6344501"/>
+              <a:ext cx="494962" cy="7532"/>
+            </a:xfrm>
+            <a:prstGeom prst="straightConnector1">
+              <a:avLst/>
+            </a:prstGeom>
+            <a:ln w="38100">
+              <a:solidFill>
+                <a:schemeClr val="tx1">
+                  <a:lumMod val="85000"/>
+                  <a:lumOff val="15000"/>
+                </a:schemeClr>
+              </a:solidFill>
+              <a:tailEnd type="triangle"/>
+            </a:ln>
+          </p:spPr>
+          <p:style>
+            <a:lnRef idx="1">
+              <a:schemeClr val="accent1"/>
+            </a:lnRef>
+            <a:fillRef idx="0">
+              <a:schemeClr val="accent1"/>
+            </a:fillRef>
+            <a:effectRef idx="0">
+              <a:schemeClr val="accent1"/>
+            </a:effectRef>
+            <a:fontRef idx="minor">
+              <a:schemeClr val="tx1"/>
+            </a:fontRef>
+          </p:style>
+        </p:cxnSp>
+        <p:cxnSp>
+          <p:nvCxnSpPr>
+            <p:cNvPr id="9" name="Straight Arrow Connector 8"/>
+            <p:cNvCxnSpPr/>
+            <p:nvPr/>
+          </p:nvCxnSpPr>
+          <p:spPr>
+            <a:xfrm>
+              <a:off x="7626794" y="6344501"/>
+              <a:ext cx="494962" cy="7532"/>
+            </a:xfrm>
+            <a:prstGeom prst="straightConnector1">
+              <a:avLst/>
+            </a:prstGeom>
+            <a:ln w="38100">
+              <a:solidFill>
+                <a:schemeClr val="tx1">
+                  <a:lumMod val="85000"/>
+                  <a:lumOff val="15000"/>
+                </a:schemeClr>
+              </a:solidFill>
+              <a:tailEnd type="triangle"/>
+            </a:ln>
+          </p:spPr>
+          <p:style>
+            <a:lnRef idx="1">
+              <a:schemeClr val="accent1"/>
+            </a:lnRef>
+            <a:fillRef idx="0">
+              <a:schemeClr val="accent1"/>
+            </a:fillRef>
+            <a:effectRef idx="0">
+              <a:schemeClr val="accent1"/>
+            </a:effectRef>
+            <a:fontRef idx="minor">
+              <a:schemeClr val="tx1"/>
+            </a:fontRef>
+          </p:style>
+        </p:cxnSp>
+        <p:cxnSp>
+          <p:nvCxnSpPr>
+            <p:cNvPr id="10" name="Straight Arrow Connector 9"/>
+            <p:cNvCxnSpPr/>
+            <p:nvPr/>
+          </p:nvCxnSpPr>
+          <p:spPr>
+            <a:xfrm>
+              <a:off x="6819752" y="6344501"/>
+              <a:ext cx="494962" cy="7532"/>
+            </a:xfrm>
+            <a:prstGeom prst="straightConnector1">
+              <a:avLst/>
+            </a:prstGeom>
+            <a:ln w="38100">
+              <a:solidFill>
+                <a:schemeClr val="tx1">
+                  <a:lumMod val="85000"/>
+                  <a:lumOff val="15000"/>
+                </a:schemeClr>
+              </a:solidFill>
+              <a:tailEnd type="triangle"/>
+            </a:ln>
+          </p:spPr>
+          <p:style>
+            <a:lnRef idx="1">
+              <a:schemeClr val="accent1"/>
+            </a:lnRef>
+            <a:fillRef idx="0">
+              <a:schemeClr val="accent1"/>
+            </a:fillRef>
+            <a:effectRef idx="0">
+              <a:schemeClr val="accent1"/>
+            </a:effectRef>
+            <a:fontRef idx="minor">
+              <a:schemeClr val="tx1"/>
+            </a:fontRef>
+          </p:style>
+        </p:cxnSp>
+        <p:cxnSp>
+          <p:nvCxnSpPr>
+            <p:cNvPr id="11" name="Straight Arrow Connector 10"/>
+            <p:cNvCxnSpPr/>
+            <p:nvPr/>
+          </p:nvCxnSpPr>
+          <p:spPr>
+            <a:xfrm>
+              <a:off x="9240878" y="6344501"/>
+              <a:ext cx="494962" cy="7532"/>
+            </a:xfrm>
+            <a:prstGeom prst="straightConnector1">
+              <a:avLst/>
+            </a:prstGeom>
+            <a:ln w="38100">
+              <a:solidFill>
+                <a:schemeClr val="tx1">
+                  <a:lumMod val="85000"/>
+                  <a:lumOff val="15000"/>
+                </a:schemeClr>
+              </a:solidFill>
+              <a:tailEnd type="triangle"/>
+            </a:ln>
+          </p:spPr>
+          <p:style>
+            <a:lnRef idx="1">
+              <a:schemeClr val="accent1"/>
+            </a:lnRef>
+            <a:fillRef idx="0">
+              <a:schemeClr val="accent1"/>
+            </a:fillRef>
+            <a:effectRef idx="0">
+              <a:schemeClr val="accent1"/>
+            </a:effectRef>
+            <a:fontRef idx="minor">
+              <a:schemeClr val="tx1"/>
+            </a:fontRef>
+          </p:style>
+        </p:cxnSp>
+        <p:cxnSp>
+          <p:nvCxnSpPr>
+            <p:cNvPr id="12" name="Straight Arrow Connector 11"/>
+            <p:cNvCxnSpPr/>
+            <p:nvPr/>
+          </p:nvCxnSpPr>
+          <p:spPr>
+            <a:xfrm>
+              <a:off x="10047919" y="6344501"/>
+              <a:ext cx="494962" cy="7532"/>
+            </a:xfrm>
+            <a:prstGeom prst="straightConnector1">
+              <a:avLst/>
+            </a:prstGeom>
+            <a:ln w="38100">
+              <a:solidFill>
+                <a:schemeClr val="accent1"/>
+              </a:solidFill>
+              <a:tailEnd type="triangle"/>
+            </a:ln>
+          </p:spPr>
+          <p:style>
+            <a:lnRef idx="1">
+              <a:schemeClr val="accent1"/>
+            </a:lnRef>
+            <a:fillRef idx="0">
+              <a:schemeClr val="accent1"/>
+            </a:fillRef>
+            <a:effectRef idx="0">
+              <a:schemeClr val="accent1"/>
+            </a:effectRef>
+            <a:fontRef idx="minor">
+              <a:schemeClr val="tx1"/>
+            </a:fontRef>
+          </p:style>
+        </p:cxnSp>
+      </p:grpSp>
+      <p:sp>
+        <p:nvSpPr>
+          <p:cNvPr id="13" name="TextBox 12"/>
+          <p:cNvSpPr txBox="1"/>
+          <p:nvPr/>
+        </p:nvSpPr>
+        <p:spPr>
+          <a:xfrm>
+            <a:off x="359899" y="3742005"/>
+            <a:ext cx="2457211" cy="369332"/>
+          </a:xfrm>
+          <a:prstGeom prst="rect">
+            <a:avLst/>
+          </a:prstGeom>
+          <a:noFill/>
+        </p:spPr>
+        <p:txBody>
+          <a:bodyPr wrap="none" rtlCol="0">
+            <a:spAutoFit/>
+          </a:bodyPr>
+          <a:lstStyle/>
+          <a:p>
+            <a:r>
+              <a:rPr lang="en-US" dirty="0" smtClean="0"/>
+              <a:t>Insert   100 at </a:t>
+            </a:r>
+            <a:r>
+              <a:rPr lang="en-US" dirty="0" smtClean="0">
+                <a:solidFill>
+                  <a:srgbClr val="FF0000"/>
+                </a:solidFill>
+              </a:rPr>
+              <a:t>position 2</a:t>
+            </a:r>
+            <a:endParaRPr lang="en-US" dirty="0">
+              <a:solidFill>
+                <a:srgbClr val="FF0000"/>
+              </a:solidFill>
+            </a:endParaRPr>
+          </a:p>
+        </p:txBody>
+      </p:sp>
+      <p:sp>
+        <p:nvSpPr>
+          <p:cNvPr id="14" name="TextBox 13"/>
+          <p:cNvSpPr txBox="1"/>
+          <p:nvPr/>
+        </p:nvSpPr>
+        <p:spPr>
+          <a:xfrm>
+            <a:off x="1599770" y="2808200"/>
+            <a:ext cx="4473526" cy="379828"/>
+          </a:xfrm>
+          <a:prstGeom prst="rect">
+            <a:avLst/>
+          </a:prstGeom>
+          <a:noFill/>
+        </p:spPr>
+        <p:txBody>
+          <a:bodyPr wrap="square" rtlCol="0">
+            <a:spAutoFit/>
+          </a:bodyPr>
+          <a:lstStyle/>
+          <a:p>
+            <a:r>
+              <a:rPr lang="en-US" dirty="0" smtClean="0">
+                <a:solidFill>
+                  <a:srgbClr val="FF0000"/>
+                </a:solidFill>
+              </a:rPr>
+              <a:t> 0            1              2              3             4</a:t>
+            </a:r>
+            <a:endParaRPr lang="en-US" dirty="0">
+              <a:solidFill>
+                <a:srgbClr val="FF0000"/>
+              </a:solidFill>
+            </a:endParaRPr>
+          </a:p>
+        </p:txBody>
+      </p:sp>
+      <p:grpSp>
+        <p:nvGrpSpPr>
+          <p:cNvPr id="26" name="Group 25"/>
+          <p:cNvGrpSpPr/>
+          <p:nvPr/>
+        </p:nvGrpSpPr>
+        <p:grpSpPr>
+          <a:xfrm>
+            <a:off x="425045" y="5230822"/>
+            <a:ext cx="7298118" cy="1165867"/>
+            <a:chOff x="425045" y="5230822"/>
+            <a:chExt cx="7298118" cy="1165867"/>
+          </a:xfrm>
+        </p:grpSpPr>
+        <p:sp>
+          <p:nvSpPr>
+            <p:cNvPr id="16" name="TextBox 15"/>
+            <p:cNvSpPr txBox="1"/>
+            <p:nvPr/>
+          </p:nvSpPr>
+          <p:spPr>
+            <a:xfrm>
+              <a:off x="425045" y="5230822"/>
+              <a:ext cx="945048" cy="369332"/>
+            </a:xfrm>
+            <a:prstGeom prst="rect">
+              <a:avLst/>
+            </a:prstGeom>
+            <a:noFill/>
+          </p:spPr>
+          <p:txBody>
+            <a:bodyPr wrap="square" rtlCol="0">
+              <a:spAutoFit/>
+            </a:bodyPr>
+            <a:lstStyle/>
+            <a:p>
+              <a:r>
+                <a:rPr lang="en-US" b="1" dirty="0" smtClean="0">
+                  <a:latin typeface="Courier New" panose="02070309020205020404" pitchFamily="49" charset="0"/>
+                  <a:cs typeface="Courier New" panose="02070309020205020404" pitchFamily="49" charset="0"/>
+                </a:rPr>
+                <a:t>head</a:t>
+              </a:r>
+              <a:endParaRPr lang="en-US" b="1" dirty="0">
+                <a:latin typeface="Courier New" panose="02070309020205020404" pitchFamily="49" charset="0"/>
+                <a:cs typeface="Courier New" panose="02070309020205020404" pitchFamily="49" charset="0"/>
+              </a:endParaRPr>
+            </a:p>
+          </p:txBody>
+        </p:sp>
+        <p:sp>
+          <p:nvSpPr>
+            <p:cNvPr id="17" name="TextBox 16"/>
+            <p:cNvSpPr txBox="1"/>
+            <p:nvPr/>
+          </p:nvSpPr>
+          <p:spPr>
+            <a:xfrm>
+              <a:off x="1597423" y="5658025"/>
+              <a:ext cx="6125740" cy="369332"/>
+            </a:xfrm>
+            <a:prstGeom prst="rect">
+              <a:avLst/>
+            </a:prstGeom>
+            <a:noFill/>
+          </p:spPr>
+          <p:txBody>
+            <a:bodyPr wrap="square" rtlCol="0">
+              <a:spAutoFit/>
+            </a:bodyPr>
+            <a:lstStyle/>
+            <a:p>
+              <a:r>
+                <a:rPr lang="en-US" dirty="0" smtClean="0"/>
+                <a:t>10           11           100             12           13           14           </a:t>
+              </a:r>
+              <a:r>
+                <a:rPr lang="en-US" dirty="0" smtClean="0">
+                  <a:ln w="0"/>
+                  <a:solidFill>
+                    <a:schemeClr val="accent1"/>
+                  </a:solidFill>
+                  <a:effectLst>
+                    <a:outerShdw blurRad="38100" dist="25400" dir="5400000" algn="ctr" rotWithShape="0">
+                      <a:srgbClr val="6E747A">
+                        <a:alpha val="43000"/>
+                      </a:srgbClr>
+                    </a:outerShdw>
+                  </a:effectLst>
+                  <a:latin typeface="Courier New" panose="02070309020205020404" pitchFamily="49" charset="0"/>
+                  <a:cs typeface="Courier New" panose="02070309020205020404" pitchFamily="49" charset="0"/>
+                </a:rPr>
+                <a:t>NULL</a:t>
+              </a:r>
+              <a:r>
+                <a:rPr lang="en-US" dirty="0" smtClean="0"/>
+                <a:t>  </a:t>
+              </a:r>
+              <a:endParaRPr lang="en-US" dirty="0"/>
+            </a:p>
+          </p:txBody>
+        </p:sp>
+        <p:cxnSp>
+          <p:nvCxnSpPr>
+            <p:cNvPr id="18" name="Straight Arrow Connector 17"/>
+            <p:cNvCxnSpPr/>
+            <p:nvPr/>
+          </p:nvCxnSpPr>
+          <p:spPr>
+            <a:xfrm>
+              <a:off x="1155862" y="5556422"/>
+              <a:ext cx="380608" cy="284487"/>
+            </a:xfrm>
+            <a:prstGeom prst="straightConnector1">
+              <a:avLst/>
+            </a:prstGeom>
+            <a:ln w="38100">
+              <a:solidFill>
+                <a:schemeClr val="tx1">
+                  <a:lumMod val="85000"/>
+                  <a:lumOff val="15000"/>
+                </a:schemeClr>
+              </a:solidFill>
+              <a:tailEnd type="triangle"/>
+            </a:ln>
+          </p:spPr>
+          <p:style>
+            <a:lnRef idx="1">
+              <a:schemeClr val="accent1"/>
+            </a:lnRef>
+            <a:fillRef idx="0">
+              <a:schemeClr val="accent1"/>
+            </a:fillRef>
+            <a:effectRef idx="0">
+              <a:schemeClr val="accent1"/>
+            </a:effectRef>
+            <a:fontRef idx="minor">
+              <a:schemeClr val="tx1"/>
+            </a:fontRef>
+          </p:style>
+        </p:cxnSp>
+        <p:cxnSp>
+          <p:nvCxnSpPr>
+            <p:cNvPr id="19" name="Straight Arrow Connector 18"/>
+            <p:cNvCxnSpPr/>
+            <p:nvPr/>
+          </p:nvCxnSpPr>
+          <p:spPr>
+            <a:xfrm>
+              <a:off x="3802516" y="5825713"/>
+              <a:ext cx="494962" cy="7532"/>
+            </a:xfrm>
+            <a:prstGeom prst="straightConnector1">
+              <a:avLst/>
+            </a:prstGeom>
+            <a:ln w="38100">
+              <a:solidFill>
+                <a:schemeClr val="tx1">
+                  <a:lumMod val="85000"/>
+                  <a:lumOff val="15000"/>
+                </a:schemeClr>
+              </a:solidFill>
+              <a:tailEnd type="triangle"/>
+            </a:ln>
+          </p:spPr>
+          <p:style>
+            <a:lnRef idx="1">
+              <a:schemeClr val="accent1"/>
+            </a:lnRef>
+            <a:fillRef idx="0">
+              <a:schemeClr val="accent1"/>
+            </a:fillRef>
+            <a:effectRef idx="0">
+              <a:schemeClr val="accent1"/>
+            </a:effectRef>
+            <a:fontRef idx="minor">
+              <a:schemeClr val="tx1"/>
+            </a:fontRef>
+          </p:style>
+        </p:cxnSp>
+        <p:cxnSp>
+          <p:nvCxnSpPr>
+            <p:cNvPr id="20" name="Straight Arrow Connector 19"/>
+            <p:cNvCxnSpPr/>
+            <p:nvPr/>
+          </p:nvCxnSpPr>
+          <p:spPr>
+            <a:xfrm>
+              <a:off x="2756323" y="5825713"/>
+              <a:ext cx="494962" cy="7532"/>
+            </a:xfrm>
+            <a:prstGeom prst="straightConnector1">
+              <a:avLst/>
+            </a:prstGeom>
+            <a:ln w="38100">
+              <a:solidFill>
+                <a:schemeClr val="tx1">
+                  <a:lumMod val="85000"/>
+                  <a:lumOff val="15000"/>
+                </a:schemeClr>
+              </a:solidFill>
+              <a:tailEnd type="triangle"/>
+            </a:ln>
+          </p:spPr>
+          <p:style>
+            <a:lnRef idx="1">
+              <a:schemeClr val="accent1"/>
+            </a:lnRef>
+            <a:fillRef idx="0">
+              <a:schemeClr val="accent1"/>
+            </a:fillRef>
+            <a:effectRef idx="0">
+              <a:schemeClr val="accent1"/>
+            </a:effectRef>
+            <a:fontRef idx="minor">
+              <a:schemeClr val="tx1"/>
+            </a:fontRef>
+          </p:style>
+        </p:cxnSp>
+        <p:cxnSp>
+          <p:nvCxnSpPr>
+            <p:cNvPr id="21" name="Straight Arrow Connector 20"/>
+            <p:cNvCxnSpPr/>
+            <p:nvPr/>
+          </p:nvCxnSpPr>
+          <p:spPr>
+            <a:xfrm>
+              <a:off x="1949281" y="5825713"/>
+              <a:ext cx="494962" cy="7532"/>
+            </a:xfrm>
+            <a:prstGeom prst="straightConnector1">
+              <a:avLst/>
+            </a:prstGeom>
+            <a:ln w="38100">
+              <a:solidFill>
+                <a:schemeClr val="tx1">
+                  <a:lumMod val="85000"/>
+                  <a:lumOff val="15000"/>
+                </a:schemeClr>
+              </a:solidFill>
+              <a:tailEnd type="triangle"/>
+            </a:ln>
+          </p:spPr>
+          <p:style>
+            <a:lnRef idx="1">
+              <a:schemeClr val="accent1"/>
+            </a:lnRef>
+            <a:fillRef idx="0">
+              <a:schemeClr val="accent1"/>
+            </a:fillRef>
+            <a:effectRef idx="0">
+              <a:schemeClr val="accent1"/>
+            </a:effectRef>
+            <a:fontRef idx="minor">
+              <a:schemeClr val="tx1"/>
+            </a:fontRef>
+          </p:style>
+        </p:cxnSp>
+        <p:cxnSp>
+          <p:nvCxnSpPr>
+            <p:cNvPr id="22" name="Straight Arrow Connector 21"/>
+            <p:cNvCxnSpPr/>
+            <p:nvPr/>
+          </p:nvCxnSpPr>
+          <p:spPr>
+            <a:xfrm>
+              <a:off x="4609558" y="5825713"/>
+              <a:ext cx="494962" cy="7532"/>
+            </a:xfrm>
+            <a:prstGeom prst="straightConnector1">
+              <a:avLst/>
+            </a:prstGeom>
+            <a:ln w="38100">
+              <a:solidFill>
+                <a:schemeClr val="tx1">
+                  <a:lumMod val="85000"/>
+                  <a:lumOff val="15000"/>
+                </a:schemeClr>
+              </a:solidFill>
+              <a:tailEnd type="triangle"/>
+            </a:ln>
+          </p:spPr>
+          <p:style>
+            <a:lnRef idx="1">
+              <a:schemeClr val="accent1"/>
+            </a:lnRef>
+            <a:fillRef idx="0">
+              <a:schemeClr val="accent1"/>
+            </a:fillRef>
+            <a:effectRef idx="0">
+              <a:schemeClr val="accent1"/>
+            </a:effectRef>
+            <a:fontRef idx="minor">
+              <a:schemeClr val="tx1"/>
+            </a:fontRef>
+          </p:style>
+        </p:cxnSp>
+        <p:cxnSp>
+          <p:nvCxnSpPr>
+            <p:cNvPr id="23" name="Straight Arrow Connector 22"/>
+            <p:cNvCxnSpPr/>
+            <p:nvPr/>
+          </p:nvCxnSpPr>
+          <p:spPr>
+            <a:xfrm>
+              <a:off x="6251791" y="5825713"/>
+              <a:ext cx="494962" cy="7532"/>
+            </a:xfrm>
+            <a:prstGeom prst="straightConnector1">
+              <a:avLst/>
+            </a:prstGeom>
+            <a:ln w="38100">
+              <a:solidFill>
+                <a:schemeClr val="accent1"/>
+              </a:solidFill>
+              <a:tailEnd type="triangle"/>
+            </a:ln>
+          </p:spPr>
+          <p:style>
+            <a:lnRef idx="1">
+              <a:schemeClr val="accent1"/>
+            </a:lnRef>
+            <a:fillRef idx="0">
+              <a:schemeClr val="accent1"/>
+            </a:fillRef>
+            <a:effectRef idx="0">
+              <a:schemeClr val="accent1"/>
+            </a:effectRef>
+            <a:fontRef idx="minor">
+              <a:schemeClr val="tx1"/>
+            </a:fontRef>
+          </p:style>
+        </p:cxnSp>
+        <p:sp>
+          <p:nvSpPr>
+            <p:cNvPr id="24" name="TextBox 23"/>
+            <p:cNvSpPr txBox="1"/>
+            <p:nvPr/>
+          </p:nvSpPr>
+          <p:spPr>
+            <a:xfrm>
+              <a:off x="1597423" y="6027357"/>
+              <a:ext cx="5149330" cy="369332"/>
+            </a:xfrm>
+            <a:prstGeom prst="rect">
+              <a:avLst/>
+            </a:prstGeom>
+            <a:noFill/>
+          </p:spPr>
+          <p:txBody>
+            <a:bodyPr wrap="square" rtlCol="0">
+              <a:spAutoFit/>
+            </a:bodyPr>
+            <a:lstStyle/>
+            <a:p>
+              <a:r>
+                <a:rPr lang="en-US" dirty="0" smtClean="0">
+                  <a:solidFill>
+                    <a:srgbClr val="FF0000"/>
+                  </a:solidFill>
+                </a:rPr>
+                <a:t> 0            1              2                3               4              5</a:t>
+              </a:r>
+              <a:endParaRPr lang="en-US" dirty="0">
+                <a:solidFill>
+                  <a:srgbClr val="FF0000"/>
+                </a:solidFill>
+              </a:endParaRPr>
+            </a:p>
+          </p:txBody>
+        </p:sp>
+        <p:cxnSp>
+          <p:nvCxnSpPr>
+            <p:cNvPr id="25" name="Straight Arrow Connector 24"/>
+            <p:cNvCxnSpPr/>
+            <p:nvPr/>
+          </p:nvCxnSpPr>
+          <p:spPr>
+            <a:xfrm>
+              <a:off x="5395005" y="5823367"/>
+              <a:ext cx="494962" cy="7532"/>
+            </a:xfrm>
+            <a:prstGeom prst="straightConnector1">
+              <a:avLst/>
+            </a:prstGeom>
+            <a:ln w="38100">
+              <a:solidFill>
+                <a:schemeClr val="tx1">
+                  <a:lumMod val="85000"/>
+                  <a:lumOff val="15000"/>
+                </a:schemeClr>
+              </a:solidFill>
+              <a:tailEnd type="triangle"/>
+            </a:ln>
+          </p:spPr>
+          <p:style>
+            <a:lnRef idx="1">
+              <a:schemeClr val="accent1"/>
+            </a:lnRef>
+            <a:fillRef idx="0">
+              <a:schemeClr val="accent1"/>
+            </a:fillRef>
+            <a:effectRef idx="0">
+              <a:schemeClr val="accent1"/>
+            </a:effectRef>
+            <a:fontRef idx="minor">
+              <a:schemeClr val="tx1"/>
+            </a:fontRef>
+          </p:style>
+        </p:cxnSp>
+      </p:grpSp>
+      <p:sp>
+        <p:nvSpPr>
+          <p:cNvPr id="3" name="Rectangle 2"/>
+          <p:cNvSpPr/>
+          <p:nvPr/>
+        </p:nvSpPr>
+        <p:spPr>
+          <a:xfrm>
+            <a:off x="2802681" y="1741638"/>
+            <a:ext cx="534573" cy="337624"/>
+          </a:xfrm>
+          <a:prstGeom prst="rect">
+            <a:avLst/>
+          </a:prstGeom>
+          <a:noFill/>
+        </p:spPr>
+        <p:style>
+          <a:lnRef idx="2">
+            <a:schemeClr val="accent1">
+              <a:shade val="50000"/>
+            </a:schemeClr>
+          </a:lnRef>
+          <a:fillRef idx="1">
+            <a:schemeClr val="accent1"/>
+          </a:fillRef>
+          <a:effectRef idx="0">
+            <a:schemeClr val="accent1"/>
+          </a:effectRef>
+          <a:fontRef idx="minor">
+            <a:schemeClr val="lt1"/>
+          </a:fontRef>
+        </p:style>
+        <p:txBody>
+          <a:bodyPr rtlCol="0" anchor="ctr"/>
+          <a:lstStyle/>
+          <a:p>
+            <a:pPr algn="ctr"/>
+            <a:r>
+              <a:rPr lang="en-US" dirty="0" smtClean="0">
+                <a:solidFill>
+                  <a:schemeClr val="tx1"/>
+                </a:solidFill>
+              </a:rPr>
+              <a:t>100</a:t>
+            </a:r>
+            <a:endParaRPr lang="en-US" dirty="0">
+              <a:solidFill>
+                <a:schemeClr val="tx1"/>
+              </a:solidFill>
+            </a:endParaRPr>
+          </a:p>
+        </p:txBody>
+      </p:sp>
+      <p:cxnSp>
+        <p:nvCxnSpPr>
+          <p:cNvPr id="27" name="Straight Arrow Connector 26"/>
+          <p:cNvCxnSpPr/>
+          <p:nvPr/>
+        </p:nvCxnSpPr>
+        <p:spPr>
+          <a:xfrm>
+            <a:off x="3087038" y="2076812"/>
+            <a:ext cx="328494" cy="402696"/>
+          </a:xfrm>
+          <a:prstGeom prst="straightConnector1">
+            <a:avLst/>
+          </a:prstGeom>
+          <a:ln w="38100">
+            <a:solidFill>
+              <a:schemeClr val="tx1">
+                <a:lumMod val="85000"/>
+                <a:lumOff val="15000"/>
+              </a:schemeClr>
+            </a:solidFill>
+            <a:tailEnd type="triangle"/>
+          </a:ln>
+        </p:spPr>
+        <p:style>
+          <a:lnRef idx="1">
+            <a:schemeClr val="accent1"/>
+          </a:lnRef>
+          <a:fillRef idx="0">
+            <a:schemeClr val="accent1"/>
+          </a:fillRef>
+          <a:effectRef idx="0">
+            <a:schemeClr val="accent1"/>
+          </a:effectRef>
+          <a:fontRef idx="minor">
+            <a:schemeClr val="tx1"/>
+          </a:fontRef>
+        </p:style>
+      </p:cxnSp>
+      <p:cxnSp>
+        <p:nvCxnSpPr>
+          <p:cNvPr id="29" name="Straight Arrow Connector 28"/>
+          <p:cNvCxnSpPr/>
+          <p:nvPr/>
+        </p:nvCxnSpPr>
+        <p:spPr>
+          <a:xfrm flipV="1">
+            <a:off x="2612571" y="2059040"/>
+            <a:ext cx="343943" cy="468508"/>
+          </a:xfrm>
+          <a:prstGeom prst="straightConnector1">
+            <a:avLst/>
+          </a:prstGeom>
+          <a:ln w="38100">
+            <a:solidFill>
+              <a:schemeClr val="tx1">
+                <a:lumMod val="85000"/>
+                <a:lumOff val="15000"/>
+              </a:schemeClr>
+            </a:solidFill>
+            <a:tailEnd type="triangle"/>
+          </a:ln>
+        </p:spPr>
+        <p:style>
+          <a:lnRef idx="1">
+            <a:schemeClr val="accent1"/>
+          </a:lnRef>
+          <a:fillRef idx="0">
+            <a:schemeClr val="accent1"/>
+          </a:fillRef>
+          <a:effectRef idx="0">
+            <a:schemeClr val="accent1"/>
+          </a:effectRef>
+          <a:fontRef idx="minor">
+            <a:schemeClr val="tx1"/>
+          </a:fontRef>
+        </p:style>
+      </p:cxnSp>
+      <p:sp>
+        <p:nvSpPr>
+          <p:cNvPr id="35" name="Right Arrow 34"/>
+          <p:cNvSpPr/>
+          <p:nvPr/>
+        </p:nvSpPr>
+        <p:spPr>
+          <a:xfrm>
+            <a:off x="2772223" y="2493778"/>
+            <a:ext cx="513333" cy="251867"/>
+          </a:xfrm>
+          <a:prstGeom prst="rightArrow">
+            <a:avLst/>
+          </a:prstGeom>
+          <a:solidFill>
+            <a:schemeClr val="bg1"/>
+          </a:solidFill>
+          <a:ln>
+            <a:solidFill>
+              <a:schemeClr val="bg1">
+                <a:lumMod val="65000"/>
+              </a:schemeClr>
+            </a:solidFill>
+            <a:prstDash val="lgDashDotDot"/>
+          </a:ln>
+        </p:spPr>
+        <p:style>
+          <a:lnRef idx="2">
+            <a:schemeClr val="accent1">
+              <a:shade val="50000"/>
+            </a:schemeClr>
+          </a:lnRef>
+          <a:fillRef idx="1">
+            <a:schemeClr val="accent1"/>
+          </a:fillRef>
+          <a:effectRef idx="0">
+            <a:schemeClr val="accent1"/>
+          </a:effectRef>
+          <a:fontRef idx="minor">
+            <a:schemeClr val="lt1"/>
+          </a:fontRef>
+        </p:style>
+        <p:txBody>
+          <a:bodyPr rtlCol="0" anchor="ctr"/>
+          <a:lstStyle/>
+          <a:p>
+            <a:pPr algn="ctr"/>
+            <a:endParaRPr lang="en-US"/>
+          </a:p>
+        </p:txBody>
+      </p:sp>
+      <p:grpSp>
+        <p:nvGrpSpPr>
+          <p:cNvPr id="46" name="Group 45"/>
+          <p:cNvGrpSpPr/>
+          <p:nvPr/>
+        </p:nvGrpSpPr>
+        <p:grpSpPr>
+          <a:xfrm>
+            <a:off x="2756323" y="1451103"/>
+            <a:ext cx="1889081" cy="2462618"/>
+            <a:chOff x="2756323" y="1451103"/>
+            <a:chExt cx="1889081" cy="2462618"/>
+          </a:xfrm>
+        </p:grpSpPr>
+        <p:cxnSp>
+          <p:nvCxnSpPr>
+            <p:cNvPr id="37" name="Straight Arrow Connector 36"/>
+            <p:cNvCxnSpPr/>
+            <p:nvPr/>
+          </p:nvCxnSpPr>
+          <p:spPr>
+            <a:xfrm flipH="1" flipV="1">
+              <a:off x="2756323" y="2931886"/>
+              <a:ext cx="494962" cy="595085"/>
+            </a:xfrm>
+            <a:prstGeom prst="straightConnector1">
+              <a:avLst/>
+            </a:prstGeom>
+            <a:ln>
+              <a:tailEnd type="triangle"/>
+            </a:ln>
+          </p:spPr>
+          <p:style>
+            <a:lnRef idx="1">
+              <a:schemeClr val="accent1"/>
+            </a:lnRef>
+            <a:fillRef idx="0">
+              <a:schemeClr val="accent1"/>
+            </a:fillRef>
+            <a:effectRef idx="0">
+              <a:schemeClr val="accent1"/>
+            </a:effectRef>
+            <a:fontRef idx="minor">
+              <a:schemeClr val="tx1"/>
+            </a:fontRef>
+          </p:style>
+        </p:cxnSp>
+        <p:cxnSp>
+          <p:nvCxnSpPr>
+            <p:cNvPr id="39" name="Straight Arrow Connector 38"/>
+            <p:cNvCxnSpPr/>
+            <p:nvPr/>
+          </p:nvCxnSpPr>
+          <p:spPr>
+            <a:xfrm flipH="1" flipV="1">
+              <a:off x="3415532" y="2808200"/>
+              <a:ext cx="645142" cy="776829"/>
+            </a:xfrm>
+            <a:prstGeom prst="straightConnector1">
+              <a:avLst/>
+            </a:prstGeom>
+            <a:ln>
+              <a:tailEnd type="triangle"/>
+            </a:ln>
+          </p:spPr>
+          <p:style>
+            <a:lnRef idx="1">
+              <a:schemeClr val="accent1"/>
+            </a:lnRef>
+            <a:fillRef idx="0">
+              <a:schemeClr val="accent1"/>
+            </a:fillRef>
+            <a:effectRef idx="0">
+              <a:schemeClr val="accent1"/>
+            </a:effectRef>
+            <a:fontRef idx="minor">
+              <a:schemeClr val="tx1"/>
+            </a:fontRef>
+          </p:style>
+        </p:cxnSp>
+        <p:sp>
+          <p:nvSpPr>
+            <p:cNvPr id="40" name="TextBox 39"/>
+            <p:cNvSpPr txBox="1"/>
+            <p:nvPr/>
+          </p:nvSpPr>
+          <p:spPr>
+            <a:xfrm>
+              <a:off x="3969330" y="3544389"/>
+              <a:ext cx="322524" cy="369332"/>
+            </a:xfrm>
+            <a:prstGeom prst="rect">
+              <a:avLst/>
+            </a:prstGeom>
+            <a:noFill/>
+          </p:spPr>
+          <p:txBody>
+            <a:bodyPr wrap="none" rtlCol="0">
+              <a:spAutoFit/>
+            </a:bodyPr>
+            <a:lstStyle/>
+            <a:p>
+              <a:r>
+                <a:rPr lang="en-US" dirty="0" smtClean="0">
+                  <a:latin typeface="Courier New" panose="02070309020205020404" pitchFamily="49" charset="0"/>
+                  <a:cs typeface="Courier New" panose="02070309020205020404" pitchFamily="49" charset="0"/>
+                </a:rPr>
+                <a:t>l</a:t>
+              </a:r>
+              <a:endParaRPr lang="en-US" dirty="0">
+                <a:latin typeface="Courier New" panose="02070309020205020404" pitchFamily="49" charset="0"/>
+                <a:cs typeface="Courier New" panose="02070309020205020404" pitchFamily="49" charset="0"/>
+              </a:endParaRPr>
+            </a:p>
+          </p:txBody>
+        </p:sp>
+        <p:sp>
+          <p:nvSpPr>
+            <p:cNvPr id="41" name="TextBox 40"/>
+            <p:cNvSpPr txBox="1"/>
+            <p:nvPr/>
+          </p:nvSpPr>
+          <p:spPr>
+            <a:xfrm>
+              <a:off x="3231958" y="3516720"/>
+              <a:ext cx="322524" cy="369332"/>
+            </a:xfrm>
+            <a:prstGeom prst="rect">
+              <a:avLst/>
+            </a:prstGeom>
+            <a:noFill/>
+          </p:spPr>
+          <p:txBody>
+            <a:bodyPr wrap="none" rtlCol="0">
+              <a:spAutoFit/>
+            </a:bodyPr>
+            <a:lstStyle/>
+            <a:p>
+              <a:r>
+                <a:rPr lang="en-US" dirty="0">
+                  <a:latin typeface="Courier New" panose="02070309020205020404" pitchFamily="49" charset="0"/>
+                  <a:cs typeface="Courier New" panose="02070309020205020404" pitchFamily="49" charset="0"/>
+                </a:rPr>
+                <a:t>p</a:t>
+              </a:r>
+              <a:endParaRPr lang="en-US" dirty="0">
+                <a:latin typeface="Courier New" panose="02070309020205020404" pitchFamily="49" charset="0"/>
+                <a:cs typeface="Courier New" panose="02070309020205020404" pitchFamily="49" charset="0"/>
+              </a:endParaRPr>
+            </a:p>
+          </p:txBody>
+        </p:sp>
+        <p:cxnSp>
+          <p:nvCxnSpPr>
+            <p:cNvPr id="43" name="Straight Arrow Connector 42"/>
+            <p:cNvCxnSpPr/>
+            <p:nvPr/>
+          </p:nvCxnSpPr>
+          <p:spPr>
+            <a:xfrm flipH="1">
+              <a:off x="3415533" y="1690688"/>
+              <a:ext cx="634464" cy="138622"/>
+            </a:xfrm>
+            <a:prstGeom prst="straightConnector1">
+              <a:avLst/>
+            </a:prstGeom>
+            <a:ln>
+              <a:tailEnd type="triangle"/>
+            </a:ln>
+          </p:spPr>
+          <p:style>
+            <a:lnRef idx="1">
+              <a:schemeClr val="accent1"/>
+            </a:lnRef>
+            <a:fillRef idx="0">
+              <a:schemeClr val="accent1"/>
+            </a:fillRef>
+            <a:effectRef idx="0">
+              <a:schemeClr val="accent1"/>
+            </a:effectRef>
+            <a:fontRef idx="minor">
+              <a:schemeClr val="tx1"/>
+            </a:fontRef>
+          </p:style>
+        </p:cxnSp>
+        <p:sp>
+          <p:nvSpPr>
+            <p:cNvPr id="45" name="TextBox 44"/>
+            <p:cNvSpPr txBox="1"/>
+            <p:nvPr/>
+          </p:nvSpPr>
+          <p:spPr>
+            <a:xfrm>
+              <a:off x="4049997" y="1451103"/>
+              <a:ext cx="595407" cy="369332"/>
+            </a:xfrm>
+            <a:prstGeom prst="rect">
+              <a:avLst/>
+            </a:prstGeom>
+            <a:noFill/>
+          </p:spPr>
+          <p:txBody>
+            <a:bodyPr wrap="square" rtlCol="0">
+              <a:spAutoFit/>
+            </a:bodyPr>
+            <a:lstStyle/>
+            <a:p>
+              <a:r>
+                <a:rPr lang="en-US" dirty="0" smtClean="0">
+                  <a:latin typeface="Courier New" panose="02070309020205020404" pitchFamily="49" charset="0"/>
+                  <a:cs typeface="Courier New" panose="02070309020205020404" pitchFamily="49" charset="0"/>
+                </a:rPr>
+                <a:t>new</a:t>
+              </a:r>
+              <a:endParaRPr lang="en-US" dirty="0">
+                <a:latin typeface="Courier New" panose="02070309020205020404" pitchFamily="49" charset="0"/>
+                <a:cs typeface="Courier New" panose="02070309020205020404" pitchFamily="49" charset="0"/>
+              </a:endParaRPr>
+            </a:p>
+          </p:txBody>
+        </p:sp>
+      </p:grpSp>
+    </p:spTree>
+    <p:extLst>
+      <p:ext uri="{BB962C8B-B14F-4D97-AF65-F5344CB8AC3E}">
+        <p14:creationId xmlns:p14="http://schemas.microsoft.com/office/powerpoint/2010/main" val="1282597378"/>
+      </p:ext>
+    </p:extLst>
+  </p:cSld>
+  <p:clrMapOvr>
+    <a:masterClrMapping/>
+  </p:clrMapOvr>
+  <p:timing>
+    <p:tnLst>
+      <p:par>
+        <p:cTn id="1" dur="indefinite" restart="never" nodeType="tmRoot">
+          <p:childTnLst>
+            <p:seq concurrent="1" nextAc="seek">
+              <p:cTn id="2" dur="indefinite" nodeType="mainSeq">
+                <p:childTnLst>
+                  <p:par>
+                    <p:cTn id="3" fill="hold">
+                      <p:stCondLst>
+                        <p:cond delay="indefinite"/>
+                      </p:stCondLst>
+                      <p:childTnLst>
+                        <p:par>
+                          <p:cTn id="4" fill="hold">
+                            <p:stCondLst>
+                              <p:cond delay="0"/>
+                            </p:stCondLst>
+                            <p:childTnLst>
+                              <p:par>
+                                <p:cTn id="5" presetID="1" presetClass="entr" presetSubtype="0" fill="hold" grpId="0" nodeType="clickEffect">
+                                  <p:stCondLst>
+                                    <p:cond delay="0"/>
+                                  </p:stCondLst>
+                                  <p:childTnLst>
+                                    <p:set>
+                                      <p:cBhvr>
+                                        <p:cTn id="6" dur="1" fill="hold">
+                                          <p:stCondLst>
+                                            <p:cond delay="0"/>
+                                          </p:stCondLst>
+                                        </p:cTn>
+                                        <p:tgtEl>
+                                          <p:spTgt spid="3"/>
+                                        </p:tgtEl>
+                                        <p:attrNameLst>
+                                          <p:attrName>style.visibility</p:attrName>
+                                        </p:attrNameLst>
+                                      </p:cBhvr>
+                                      <p:to>
+                                        <p:strVal val="visible"/>
+                                      </p:to>
+                                    </p:set>
+                                  </p:childTnLst>
+                                </p:cTn>
+                              </p:par>
+                            </p:childTnLst>
+                          </p:cTn>
+                        </p:par>
+                      </p:childTnLst>
+                    </p:cTn>
+                  </p:par>
+                  <p:par>
+                    <p:cTn id="7" fill="hold">
+                      <p:stCondLst>
+                        <p:cond delay="indefinite"/>
+                      </p:stCondLst>
+                      <p:childTnLst>
+                        <p:par>
+                          <p:cTn id="8" fill="hold">
+                            <p:stCondLst>
+                              <p:cond delay="0"/>
+                            </p:stCondLst>
+                            <p:childTnLst>
+                              <p:par>
+                                <p:cTn id="9" presetID="1" presetClass="entr" presetSubtype="0" fill="hold" nodeType="clickEffect">
+                                  <p:stCondLst>
+                                    <p:cond delay="0"/>
+                                  </p:stCondLst>
+                                  <p:childTnLst>
+                                    <p:set>
+                                      <p:cBhvr>
+                                        <p:cTn id="10" dur="1" fill="hold">
+                                          <p:stCondLst>
+                                            <p:cond delay="0"/>
+                                          </p:stCondLst>
+                                        </p:cTn>
+                                        <p:tgtEl>
+                                          <p:spTgt spid="27"/>
+                                        </p:tgtEl>
+                                        <p:attrNameLst>
+                                          <p:attrName>style.visibility</p:attrName>
+                                        </p:attrNameLst>
+                                      </p:cBhvr>
+                                      <p:to>
+                                        <p:strVal val="visible"/>
+                                      </p:to>
+                                    </p:set>
+                                  </p:childTnLst>
+                                </p:cTn>
+                              </p:par>
+                            </p:childTnLst>
+                          </p:cTn>
+                        </p:par>
+                      </p:childTnLst>
+                    </p:cTn>
+                  </p:par>
+                  <p:par>
+                    <p:cTn id="11" fill="hold">
+                      <p:stCondLst>
+                        <p:cond delay="indefinite"/>
+                      </p:stCondLst>
+                      <p:childTnLst>
+                        <p:par>
+                          <p:cTn id="12" fill="hold">
+                            <p:stCondLst>
+                              <p:cond delay="0"/>
+                            </p:stCondLst>
+                            <p:childTnLst>
+                              <p:par>
+                                <p:cTn id="13" presetID="1" presetClass="entr" presetSubtype="0" fill="hold" nodeType="clickEffect">
+                                  <p:stCondLst>
+                                    <p:cond delay="0"/>
+                                  </p:stCondLst>
+                                  <p:childTnLst>
+                                    <p:set>
+                                      <p:cBhvr>
+                                        <p:cTn id="14" dur="1" fill="hold">
+                                          <p:stCondLst>
+                                            <p:cond delay="0"/>
+                                          </p:stCondLst>
+                                        </p:cTn>
+                                        <p:tgtEl>
+                                          <p:spTgt spid="29"/>
+                                        </p:tgtEl>
+                                        <p:attrNameLst>
+                                          <p:attrName>style.visibility</p:attrName>
+                                        </p:attrNameLst>
+                                      </p:cBhvr>
+                                      <p:to>
+                                        <p:strVal val="visible"/>
+                                      </p:to>
+                                    </p:set>
+                                  </p:childTnLst>
+                                </p:cTn>
+                              </p:par>
+                            </p:childTnLst>
+                          </p:cTn>
+                        </p:par>
+                        <p:par>
+                          <p:cTn id="15" fill="hold">
+                            <p:stCondLst>
+                              <p:cond delay="0"/>
+                            </p:stCondLst>
+                            <p:childTnLst>
+                              <p:par>
+                                <p:cTn id="16" presetID="10" presetClass="entr" presetSubtype="0" fill="hold" grpId="0" nodeType="afterEffect">
+                                  <p:stCondLst>
+                                    <p:cond delay="1500"/>
+                                  </p:stCondLst>
+                                  <p:childTnLst>
+                                    <p:set>
+                                      <p:cBhvr>
+                                        <p:cTn id="17" dur="1" fill="hold">
+                                          <p:stCondLst>
+                                            <p:cond delay="0"/>
+                                          </p:stCondLst>
+                                        </p:cTn>
+                                        <p:tgtEl>
+                                          <p:spTgt spid="35"/>
+                                        </p:tgtEl>
+                                        <p:attrNameLst>
+                                          <p:attrName>style.visibility</p:attrName>
+                                        </p:attrNameLst>
+                                      </p:cBhvr>
+                                      <p:to>
+                                        <p:strVal val="visible"/>
+                                      </p:to>
+                                    </p:set>
+                                    <p:animEffect transition="in" filter="fade">
+                                      <p:cBhvr>
+                                        <p:cTn id="18" dur="500"/>
+                                        <p:tgtEl>
+                                          <p:spTgt spid="35"/>
+                                        </p:tgtEl>
+                                      </p:cBhvr>
+                                    </p:animEffect>
+                                  </p:childTnLst>
+                                </p:cTn>
+                              </p:par>
+                            </p:childTnLst>
+                          </p:cTn>
+                        </p:par>
+                      </p:childTnLst>
+                    </p:cTn>
+                  </p:par>
+                  <p:par>
+                    <p:cTn id="19" fill="hold">
+                      <p:stCondLst>
+                        <p:cond delay="indefinite"/>
+                      </p:stCondLst>
+                      <p:childTnLst>
+                        <p:par>
+                          <p:cTn id="20" fill="hold">
+                            <p:stCondLst>
+                              <p:cond delay="0"/>
+                            </p:stCondLst>
+                            <p:childTnLst>
+                              <p:par>
+                                <p:cTn id="21" presetID="10" presetClass="entr" presetSubtype="0" fill="hold" nodeType="clickEffect">
+                                  <p:stCondLst>
+                                    <p:cond delay="0"/>
+                                  </p:stCondLst>
+                                  <p:childTnLst>
+                                    <p:set>
+                                      <p:cBhvr>
+                                        <p:cTn id="22" dur="1" fill="hold">
+                                          <p:stCondLst>
+                                            <p:cond delay="0"/>
+                                          </p:stCondLst>
+                                        </p:cTn>
+                                        <p:tgtEl>
+                                          <p:spTgt spid="46"/>
+                                        </p:tgtEl>
+                                        <p:attrNameLst>
+                                          <p:attrName>style.visibility</p:attrName>
+                                        </p:attrNameLst>
+                                      </p:cBhvr>
+                                      <p:to>
+                                        <p:strVal val="visible"/>
+                                      </p:to>
+                                    </p:set>
+                                    <p:animEffect transition="in" filter="fade">
+                                      <p:cBhvr>
+                                        <p:cTn id="23" dur="500"/>
+                                        <p:tgtEl>
+                                          <p:spTgt spid="46"/>
+                                        </p:tgtEl>
+                                      </p:cBhvr>
+                                    </p:animEffect>
+                                  </p:childTnLst>
+                                </p:cTn>
+                              </p:par>
+                            </p:childTnLst>
+                          </p:cTn>
+                        </p:par>
+                      </p:childTnLst>
+                    </p:cTn>
+                  </p:par>
+                </p:childTnLst>
+              </p:cTn>
+              <p:prevCondLst>
+                <p:cond evt="onPrev" delay="0">
+                  <p:tgtEl>
+                    <p:sldTgt/>
+                  </p:tgtEl>
+                </p:cond>
+              </p:prevCondLst>
+              <p:nextCondLst>
+                <p:cond evt="onNext" delay="0">
+                  <p:tgtEl>
+                    <p:sldTgt/>
+                  </p:tgtEl>
+                </p:cond>
+              </p:nextCondLst>
+            </p:seq>
+          </p:childTnLst>
+        </p:cTn>
+      </p:par>
+    </p:tnLst>
+    <p:bldLst>
+      <p:bldP spid="3" grpId="0" animBg="1"/>
+      <p:bldP spid="35" grpId="0" animBg="1"/>
+    </p:bldLst>
+  </p:timing>
+</p:sld>
+</file>
+
+<file path=ppt/slides/slide13.xml><?xml version="1.0" encoding="utf-8"?>
 <p:sld xmlns:a="http://schemas.openxmlformats.org/drawingml/2006/main" xmlns:r="http://schemas.openxmlformats.org/officeDocument/2006/relationships" xmlns:p="http://schemas.openxmlformats.org/presentationml/2006/main">
   <p:cSld>
     <p:spTree>
@@ -4441,7 +6945,1352 @@
 </p:sld>
 </file>
 
-<file path=ppt/slides/slide12.xml><?xml version="1.0" encoding="utf-8"?>
+<file path=ppt/slides/slide14.xml><?xml version="1.0" encoding="utf-8"?>
+<p:sld xmlns:a="http://schemas.openxmlformats.org/drawingml/2006/main" xmlns:r="http://schemas.openxmlformats.org/officeDocument/2006/relationships" xmlns:p="http://schemas.openxmlformats.org/presentationml/2006/main">
+  <p:cSld>
+    <p:spTree>
+      <p:nvGrpSpPr>
+        <p:cNvPr id="1" name=""/>
+        <p:cNvGrpSpPr/>
+        <p:nvPr/>
+      </p:nvGrpSpPr>
+      <p:grpSpPr>
+        <a:xfrm>
+          <a:off x="0" y="0"/>
+          <a:ext cx="0" cy="0"/>
+          <a:chOff x="0" y="0"/>
+          <a:chExt cx="0" cy="0"/>
+        </a:xfrm>
+      </p:grpSpPr>
+      <p:sp>
+        <p:nvSpPr>
+          <p:cNvPr id="24" name="Rectangle 23"/>
+          <p:cNvSpPr/>
+          <p:nvPr/>
+        </p:nvSpPr>
+        <p:spPr>
+          <a:xfrm>
+            <a:off x="4611235" y="3089577"/>
+            <a:ext cx="1140694" cy="58365"/>
+          </a:xfrm>
+          <a:prstGeom prst="rect">
+            <a:avLst/>
+          </a:prstGeom>
+          <a:gradFill>
+            <a:gsLst>
+              <a:gs pos="0">
+                <a:schemeClr val="accent1">
+                  <a:lumMod val="60000"/>
+                  <a:lumOff val="40000"/>
+                </a:schemeClr>
+              </a:gs>
+              <a:gs pos="97000">
+                <a:schemeClr val="bg1"/>
+              </a:gs>
+            </a:gsLst>
+            <a:lin ang="5400000" scaled="1"/>
+          </a:gradFill>
+          <a:ln>
+            <a:noFill/>
+          </a:ln>
+        </p:spPr>
+        <p:style>
+          <a:lnRef idx="2">
+            <a:schemeClr val="accent1">
+              <a:shade val="50000"/>
+            </a:schemeClr>
+          </a:lnRef>
+          <a:fillRef idx="1">
+            <a:schemeClr val="accent1"/>
+          </a:fillRef>
+          <a:effectRef idx="0">
+            <a:schemeClr val="accent1"/>
+          </a:effectRef>
+          <a:fontRef idx="minor">
+            <a:schemeClr val="lt1"/>
+          </a:fontRef>
+        </p:style>
+        <p:txBody>
+          <a:bodyPr rtlCol="0" anchor="ctr"/>
+          <a:lstStyle/>
+          <a:p>
+            <a:pPr algn="ctr"/>
+            <a:endParaRPr lang="en-US"/>
+          </a:p>
+        </p:txBody>
+      </p:sp>
+      <p:sp>
+        <p:nvSpPr>
+          <p:cNvPr id="2" name="Title 1"/>
+          <p:cNvSpPr>
+            <a:spLocks noGrp="1"/>
+          </p:cNvSpPr>
+          <p:nvPr>
+            <p:ph type="title"/>
+          </p:nvPr>
+        </p:nvSpPr>
+        <p:spPr/>
+        <p:txBody>
+          <a:bodyPr/>
+          <a:lstStyle/>
+          <a:p>
+            <a:r>
+              <a:rPr lang="en-US" dirty="0" smtClean="0"/>
+              <a:t>Deleting a node from a linked list</a:t>
+            </a:r>
+            <a:endParaRPr lang="en-US" dirty="0"/>
+          </a:p>
+        </p:txBody>
+      </p:sp>
+      <p:grpSp>
+        <p:nvGrpSpPr>
+          <p:cNvPr id="4" name="Group 3"/>
+          <p:cNvGrpSpPr/>
+          <p:nvPr/>
+        </p:nvGrpSpPr>
+        <p:grpSpPr>
+          <a:xfrm>
+            <a:off x="497617" y="1690688"/>
+            <a:ext cx="7298118" cy="1165867"/>
+            <a:chOff x="425045" y="5230822"/>
+            <a:chExt cx="7298118" cy="1165867"/>
+          </a:xfrm>
+        </p:grpSpPr>
+        <p:sp>
+          <p:nvSpPr>
+            <p:cNvPr id="5" name="TextBox 4"/>
+            <p:cNvSpPr txBox="1"/>
+            <p:nvPr/>
+          </p:nvSpPr>
+          <p:spPr>
+            <a:xfrm>
+              <a:off x="425045" y="5230822"/>
+              <a:ext cx="945048" cy="369332"/>
+            </a:xfrm>
+            <a:prstGeom prst="rect">
+              <a:avLst/>
+            </a:prstGeom>
+            <a:noFill/>
+          </p:spPr>
+          <p:txBody>
+            <a:bodyPr wrap="square" rtlCol="0">
+              <a:spAutoFit/>
+            </a:bodyPr>
+            <a:lstStyle/>
+            <a:p>
+              <a:r>
+                <a:rPr lang="en-US" b="1" dirty="0" smtClean="0">
+                  <a:latin typeface="Courier New" panose="02070309020205020404" pitchFamily="49" charset="0"/>
+                  <a:cs typeface="Courier New" panose="02070309020205020404" pitchFamily="49" charset="0"/>
+                </a:rPr>
+                <a:t>head</a:t>
+              </a:r>
+              <a:endParaRPr lang="en-US" b="1" dirty="0">
+                <a:latin typeface="Courier New" panose="02070309020205020404" pitchFamily="49" charset="0"/>
+                <a:cs typeface="Courier New" panose="02070309020205020404" pitchFamily="49" charset="0"/>
+              </a:endParaRPr>
+            </a:p>
+          </p:txBody>
+        </p:sp>
+        <p:sp>
+          <p:nvSpPr>
+            <p:cNvPr id="6" name="TextBox 5"/>
+            <p:cNvSpPr txBox="1"/>
+            <p:nvPr/>
+          </p:nvSpPr>
+          <p:spPr>
+            <a:xfrm>
+              <a:off x="1597423" y="5658025"/>
+              <a:ext cx="6125740" cy="369332"/>
+            </a:xfrm>
+            <a:prstGeom prst="rect">
+              <a:avLst/>
+            </a:prstGeom>
+            <a:noFill/>
+          </p:spPr>
+          <p:txBody>
+            <a:bodyPr wrap="square" rtlCol="0">
+              <a:spAutoFit/>
+            </a:bodyPr>
+            <a:lstStyle/>
+            <a:p>
+              <a:r>
+                <a:rPr lang="en-US" dirty="0" smtClean="0"/>
+                <a:t>10           11           100             12           13           14           </a:t>
+              </a:r>
+              <a:r>
+                <a:rPr lang="en-US" dirty="0" smtClean="0">
+                  <a:ln w="0"/>
+                  <a:solidFill>
+                    <a:schemeClr val="accent1"/>
+                  </a:solidFill>
+                  <a:effectLst>
+                    <a:outerShdw blurRad="38100" dist="25400" dir="5400000" algn="ctr" rotWithShape="0">
+                      <a:srgbClr val="6E747A">
+                        <a:alpha val="43000"/>
+                      </a:srgbClr>
+                    </a:outerShdw>
+                  </a:effectLst>
+                  <a:latin typeface="Courier New" panose="02070309020205020404" pitchFamily="49" charset="0"/>
+                  <a:cs typeface="Courier New" panose="02070309020205020404" pitchFamily="49" charset="0"/>
+                </a:rPr>
+                <a:t>NULL</a:t>
+              </a:r>
+              <a:r>
+                <a:rPr lang="en-US" dirty="0" smtClean="0"/>
+                <a:t>  </a:t>
+              </a:r>
+              <a:endParaRPr lang="en-US" dirty="0"/>
+            </a:p>
+          </p:txBody>
+        </p:sp>
+        <p:cxnSp>
+          <p:nvCxnSpPr>
+            <p:cNvPr id="7" name="Straight Arrow Connector 6"/>
+            <p:cNvCxnSpPr/>
+            <p:nvPr/>
+          </p:nvCxnSpPr>
+          <p:spPr>
+            <a:xfrm>
+              <a:off x="1155862" y="5556422"/>
+              <a:ext cx="380608" cy="284487"/>
+            </a:xfrm>
+            <a:prstGeom prst="straightConnector1">
+              <a:avLst/>
+            </a:prstGeom>
+            <a:ln w="38100">
+              <a:solidFill>
+                <a:schemeClr val="tx1">
+                  <a:lumMod val="85000"/>
+                  <a:lumOff val="15000"/>
+                </a:schemeClr>
+              </a:solidFill>
+              <a:tailEnd type="triangle"/>
+            </a:ln>
+          </p:spPr>
+          <p:style>
+            <a:lnRef idx="1">
+              <a:schemeClr val="accent1"/>
+            </a:lnRef>
+            <a:fillRef idx="0">
+              <a:schemeClr val="accent1"/>
+            </a:fillRef>
+            <a:effectRef idx="0">
+              <a:schemeClr val="accent1"/>
+            </a:effectRef>
+            <a:fontRef idx="minor">
+              <a:schemeClr val="tx1"/>
+            </a:fontRef>
+          </p:style>
+        </p:cxnSp>
+        <p:cxnSp>
+          <p:nvCxnSpPr>
+            <p:cNvPr id="8" name="Straight Arrow Connector 7"/>
+            <p:cNvCxnSpPr/>
+            <p:nvPr/>
+          </p:nvCxnSpPr>
+          <p:spPr>
+            <a:xfrm>
+              <a:off x="3802516" y="5825713"/>
+              <a:ext cx="494962" cy="7532"/>
+            </a:xfrm>
+            <a:prstGeom prst="straightConnector1">
+              <a:avLst/>
+            </a:prstGeom>
+            <a:ln w="38100">
+              <a:solidFill>
+                <a:schemeClr val="tx1">
+                  <a:lumMod val="85000"/>
+                  <a:lumOff val="15000"/>
+                </a:schemeClr>
+              </a:solidFill>
+              <a:tailEnd type="triangle"/>
+            </a:ln>
+          </p:spPr>
+          <p:style>
+            <a:lnRef idx="1">
+              <a:schemeClr val="accent1"/>
+            </a:lnRef>
+            <a:fillRef idx="0">
+              <a:schemeClr val="accent1"/>
+            </a:fillRef>
+            <a:effectRef idx="0">
+              <a:schemeClr val="accent1"/>
+            </a:effectRef>
+            <a:fontRef idx="minor">
+              <a:schemeClr val="tx1"/>
+            </a:fontRef>
+          </p:style>
+        </p:cxnSp>
+        <p:cxnSp>
+          <p:nvCxnSpPr>
+            <p:cNvPr id="9" name="Straight Arrow Connector 8"/>
+            <p:cNvCxnSpPr/>
+            <p:nvPr/>
+          </p:nvCxnSpPr>
+          <p:spPr>
+            <a:xfrm>
+              <a:off x="2756323" y="5825713"/>
+              <a:ext cx="494962" cy="7532"/>
+            </a:xfrm>
+            <a:prstGeom prst="straightConnector1">
+              <a:avLst/>
+            </a:prstGeom>
+            <a:ln w="38100">
+              <a:solidFill>
+                <a:schemeClr val="tx1">
+                  <a:lumMod val="85000"/>
+                  <a:lumOff val="15000"/>
+                </a:schemeClr>
+              </a:solidFill>
+              <a:tailEnd type="triangle"/>
+            </a:ln>
+          </p:spPr>
+          <p:style>
+            <a:lnRef idx="1">
+              <a:schemeClr val="accent1"/>
+            </a:lnRef>
+            <a:fillRef idx="0">
+              <a:schemeClr val="accent1"/>
+            </a:fillRef>
+            <a:effectRef idx="0">
+              <a:schemeClr val="accent1"/>
+            </a:effectRef>
+            <a:fontRef idx="minor">
+              <a:schemeClr val="tx1"/>
+            </a:fontRef>
+          </p:style>
+        </p:cxnSp>
+        <p:cxnSp>
+          <p:nvCxnSpPr>
+            <p:cNvPr id="10" name="Straight Arrow Connector 9"/>
+            <p:cNvCxnSpPr/>
+            <p:nvPr/>
+          </p:nvCxnSpPr>
+          <p:spPr>
+            <a:xfrm>
+              <a:off x="1949281" y="5825713"/>
+              <a:ext cx="494962" cy="7532"/>
+            </a:xfrm>
+            <a:prstGeom prst="straightConnector1">
+              <a:avLst/>
+            </a:prstGeom>
+            <a:ln w="38100">
+              <a:solidFill>
+                <a:schemeClr val="tx1">
+                  <a:lumMod val="85000"/>
+                  <a:lumOff val="15000"/>
+                </a:schemeClr>
+              </a:solidFill>
+              <a:tailEnd type="triangle"/>
+            </a:ln>
+          </p:spPr>
+          <p:style>
+            <a:lnRef idx="1">
+              <a:schemeClr val="accent1"/>
+            </a:lnRef>
+            <a:fillRef idx="0">
+              <a:schemeClr val="accent1"/>
+            </a:fillRef>
+            <a:effectRef idx="0">
+              <a:schemeClr val="accent1"/>
+            </a:effectRef>
+            <a:fontRef idx="minor">
+              <a:schemeClr val="tx1"/>
+            </a:fontRef>
+          </p:style>
+        </p:cxnSp>
+        <p:cxnSp>
+          <p:nvCxnSpPr>
+            <p:cNvPr id="11" name="Straight Arrow Connector 10"/>
+            <p:cNvCxnSpPr/>
+            <p:nvPr/>
+          </p:nvCxnSpPr>
+          <p:spPr>
+            <a:xfrm>
+              <a:off x="4609558" y="5825713"/>
+              <a:ext cx="494962" cy="7532"/>
+            </a:xfrm>
+            <a:prstGeom prst="straightConnector1">
+              <a:avLst/>
+            </a:prstGeom>
+            <a:ln w="38100">
+              <a:solidFill>
+                <a:schemeClr val="tx1">
+                  <a:lumMod val="85000"/>
+                  <a:lumOff val="15000"/>
+                </a:schemeClr>
+              </a:solidFill>
+              <a:tailEnd type="triangle"/>
+            </a:ln>
+          </p:spPr>
+          <p:style>
+            <a:lnRef idx="1">
+              <a:schemeClr val="accent1"/>
+            </a:lnRef>
+            <a:fillRef idx="0">
+              <a:schemeClr val="accent1"/>
+            </a:fillRef>
+            <a:effectRef idx="0">
+              <a:schemeClr val="accent1"/>
+            </a:effectRef>
+            <a:fontRef idx="minor">
+              <a:schemeClr val="tx1"/>
+            </a:fontRef>
+          </p:style>
+        </p:cxnSp>
+        <p:cxnSp>
+          <p:nvCxnSpPr>
+            <p:cNvPr id="12" name="Straight Arrow Connector 11"/>
+            <p:cNvCxnSpPr/>
+            <p:nvPr/>
+          </p:nvCxnSpPr>
+          <p:spPr>
+            <a:xfrm>
+              <a:off x="6251791" y="5825713"/>
+              <a:ext cx="494962" cy="7532"/>
+            </a:xfrm>
+            <a:prstGeom prst="straightConnector1">
+              <a:avLst/>
+            </a:prstGeom>
+            <a:ln w="38100">
+              <a:solidFill>
+                <a:schemeClr val="accent1"/>
+              </a:solidFill>
+              <a:tailEnd type="triangle"/>
+            </a:ln>
+          </p:spPr>
+          <p:style>
+            <a:lnRef idx="1">
+              <a:schemeClr val="accent1"/>
+            </a:lnRef>
+            <a:fillRef idx="0">
+              <a:schemeClr val="accent1"/>
+            </a:fillRef>
+            <a:effectRef idx="0">
+              <a:schemeClr val="accent1"/>
+            </a:effectRef>
+            <a:fontRef idx="minor">
+              <a:schemeClr val="tx1"/>
+            </a:fontRef>
+          </p:style>
+        </p:cxnSp>
+        <p:sp>
+          <p:nvSpPr>
+            <p:cNvPr id="13" name="TextBox 12"/>
+            <p:cNvSpPr txBox="1"/>
+            <p:nvPr/>
+          </p:nvSpPr>
+          <p:spPr>
+            <a:xfrm>
+              <a:off x="1597423" y="6027357"/>
+              <a:ext cx="5149330" cy="369332"/>
+            </a:xfrm>
+            <a:prstGeom prst="rect">
+              <a:avLst/>
+            </a:prstGeom>
+            <a:noFill/>
+          </p:spPr>
+          <p:txBody>
+            <a:bodyPr wrap="square" rtlCol="0">
+              <a:spAutoFit/>
+            </a:bodyPr>
+            <a:lstStyle/>
+            <a:p>
+              <a:r>
+                <a:rPr lang="en-US" dirty="0" smtClean="0">
+                  <a:solidFill>
+                    <a:srgbClr val="FF0000"/>
+                  </a:solidFill>
+                </a:rPr>
+                <a:t> 0            1              2                3               4              5</a:t>
+              </a:r>
+              <a:endParaRPr lang="en-US" dirty="0">
+                <a:solidFill>
+                  <a:srgbClr val="FF0000"/>
+                </a:solidFill>
+              </a:endParaRPr>
+            </a:p>
+          </p:txBody>
+        </p:sp>
+        <p:cxnSp>
+          <p:nvCxnSpPr>
+            <p:cNvPr id="14" name="Straight Arrow Connector 13"/>
+            <p:cNvCxnSpPr/>
+            <p:nvPr/>
+          </p:nvCxnSpPr>
+          <p:spPr>
+            <a:xfrm>
+              <a:off x="5395005" y="5823367"/>
+              <a:ext cx="494962" cy="7532"/>
+            </a:xfrm>
+            <a:prstGeom prst="straightConnector1">
+              <a:avLst/>
+            </a:prstGeom>
+            <a:ln w="38100">
+              <a:solidFill>
+                <a:schemeClr val="tx1">
+                  <a:lumMod val="85000"/>
+                  <a:lumOff val="15000"/>
+                </a:schemeClr>
+              </a:solidFill>
+              <a:tailEnd type="triangle"/>
+            </a:ln>
+          </p:spPr>
+          <p:style>
+            <a:lnRef idx="1">
+              <a:schemeClr val="accent1"/>
+            </a:lnRef>
+            <a:fillRef idx="0">
+              <a:schemeClr val="accent1"/>
+            </a:fillRef>
+            <a:effectRef idx="0">
+              <a:schemeClr val="accent1"/>
+            </a:effectRef>
+            <a:fontRef idx="minor">
+              <a:schemeClr val="tx1"/>
+            </a:fontRef>
+          </p:style>
+        </p:cxnSp>
+      </p:grpSp>
+      <p:sp>
+        <p:nvSpPr>
+          <p:cNvPr id="15" name="TextBox 14"/>
+          <p:cNvSpPr txBox="1"/>
+          <p:nvPr/>
+        </p:nvSpPr>
+        <p:spPr>
+          <a:xfrm>
+            <a:off x="447053" y="4314497"/>
+            <a:ext cx="3149600" cy="369332"/>
+          </a:xfrm>
+          <a:prstGeom prst="rect">
+            <a:avLst/>
+          </a:prstGeom>
+          <a:noFill/>
+        </p:spPr>
+        <p:txBody>
+          <a:bodyPr wrap="square" rtlCol="0">
+            <a:spAutoFit/>
+          </a:bodyPr>
+          <a:lstStyle/>
+          <a:p>
+            <a:r>
+              <a:rPr lang="en-US" dirty="0" smtClean="0"/>
+              <a:t>Delete the node at </a:t>
+            </a:r>
+            <a:r>
+              <a:rPr lang="en-US" dirty="0" smtClean="0">
+                <a:solidFill>
+                  <a:srgbClr val="FF0000"/>
+                </a:solidFill>
+              </a:rPr>
+              <a:t>position 2</a:t>
+            </a:r>
+            <a:endParaRPr lang="en-US" dirty="0">
+              <a:solidFill>
+                <a:srgbClr val="FF0000"/>
+              </a:solidFill>
+            </a:endParaRPr>
+          </a:p>
+        </p:txBody>
+      </p:sp>
+      <p:cxnSp>
+        <p:nvCxnSpPr>
+          <p:cNvPr id="17" name="Straight Arrow Connector 16"/>
+          <p:cNvCxnSpPr/>
+          <p:nvPr/>
+        </p:nvCxnSpPr>
+        <p:spPr>
+          <a:xfrm flipH="1" flipV="1">
+            <a:off x="2828895" y="2481945"/>
+            <a:ext cx="320705" cy="508000"/>
+          </a:xfrm>
+          <a:prstGeom prst="straightConnector1">
+            <a:avLst/>
+          </a:prstGeom>
+          <a:ln>
+            <a:tailEnd type="triangle"/>
+          </a:ln>
+        </p:spPr>
+        <p:style>
+          <a:lnRef idx="1">
+            <a:schemeClr val="accent1"/>
+          </a:lnRef>
+          <a:fillRef idx="0">
+            <a:schemeClr val="accent1"/>
+          </a:fillRef>
+          <a:effectRef idx="0">
+            <a:schemeClr val="accent1"/>
+          </a:effectRef>
+          <a:fontRef idx="minor">
+            <a:schemeClr val="tx1"/>
+          </a:fontRef>
+        </p:style>
+      </p:cxnSp>
+      <p:cxnSp>
+        <p:nvCxnSpPr>
+          <p:cNvPr id="18" name="Straight Arrow Connector 17"/>
+          <p:cNvCxnSpPr/>
+          <p:nvPr/>
+        </p:nvCxnSpPr>
+        <p:spPr>
+          <a:xfrm flipH="1" flipV="1">
+            <a:off x="3765066" y="2474684"/>
+            <a:ext cx="320705" cy="508000"/>
+          </a:xfrm>
+          <a:prstGeom prst="straightConnector1">
+            <a:avLst/>
+          </a:prstGeom>
+          <a:ln>
+            <a:tailEnd type="triangle"/>
+          </a:ln>
+        </p:spPr>
+        <p:style>
+          <a:lnRef idx="1">
+            <a:schemeClr val="accent1"/>
+          </a:lnRef>
+          <a:fillRef idx="0">
+            <a:schemeClr val="accent1"/>
+          </a:fillRef>
+          <a:effectRef idx="0">
+            <a:schemeClr val="accent1"/>
+          </a:effectRef>
+          <a:fontRef idx="minor">
+            <a:schemeClr val="tx1"/>
+          </a:fontRef>
+        </p:style>
+      </p:cxnSp>
+      <p:sp>
+        <p:nvSpPr>
+          <p:cNvPr id="19" name="TextBox 18"/>
+          <p:cNvSpPr txBox="1"/>
+          <p:nvPr/>
+        </p:nvSpPr>
+        <p:spPr>
+          <a:xfrm>
+            <a:off x="3077028" y="2917372"/>
+            <a:ext cx="447053" cy="369332"/>
+          </a:xfrm>
+          <a:prstGeom prst="rect">
+            <a:avLst/>
+          </a:prstGeom>
+          <a:noFill/>
+        </p:spPr>
+        <p:txBody>
+          <a:bodyPr wrap="square" rtlCol="0">
+            <a:spAutoFit/>
+          </a:bodyPr>
+          <a:lstStyle/>
+          <a:p>
+            <a:r>
+              <a:rPr lang="en-US" dirty="0" smtClean="0">
+                <a:latin typeface="Courier New" panose="02070309020205020404" pitchFamily="49" charset="0"/>
+                <a:cs typeface="Courier New" panose="02070309020205020404" pitchFamily="49" charset="0"/>
+              </a:rPr>
+              <a:t>p</a:t>
+            </a:r>
+            <a:endParaRPr lang="en-US" dirty="0">
+              <a:latin typeface="Courier New" panose="02070309020205020404" pitchFamily="49" charset="0"/>
+              <a:cs typeface="Courier New" panose="02070309020205020404" pitchFamily="49" charset="0"/>
+            </a:endParaRPr>
+          </a:p>
+        </p:txBody>
+      </p:sp>
+      <p:sp>
+        <p:nvSpPr>
+          <p:cNvPr id="20" name="TextBox 19"/>
+          <p:cNvSpPr txBox="1"/>
+          <p:nvPr/>
+        </p:nvSpPr>
+        <p:spPr>
+          <a:xfrm>
+            <a:off x="3998686" y="2910114"/>
+            <a:ext cx="447053" cy="369332"/>
+          </a:xfrm>
+          <a:prstGeom prst="rect">
+            <a:avLst/>
+          </a:prstGeom>
+          <a:noFill/>
+        </p:spPr>
+        <p:txBody>
+          <a:bodyPr wrap="square" rtlCol="0">
+            <a:spAutoFit/>
+          </a:bodyPr>
+          <a:lstStyle/>
+          <a:p>
+            <a:r>
+              <a:rPr lang="en-US" dirty="0" smtClean="0">
+                <a:latin typeface="Courier New" panose="02070309020205020404" pitchFamily="49" charset="0"/>
+                <a:cs typeface="Courier New" panose="02070309020205020404" pitchFamily="49" charset="0"/>
+              </a:rPr>
+              <a:t>l</a:t>
+            </a:r>
+            <a:endParaRPr lang="en-US" dirty="0">
+              <a:latin typeface="Courier New" panose="02070309020205020404" pitchFamily="49" charset="0"/>
+              <a:cs typeface="Courier New" panose="02070309020205020404" pitchFamily="49" charset="0"/>
+            </a:endParaRPr>
+          </a:p>
+        </p:txBody>
+      </p:sp>
+      <p:sp>
+        <p:nvSpPr>
+          <p:cNvPr id="21" name="Freeform 20"/>
+          <p:cNvSpPr/>
+          <p:nvPr/>
+        </p:nvSpPr>
+        <p:spPr>
+          <a:xfrm>
+            <a:off x="2844800" y="1843288"/>
+            <a:ext cx="1524000" cy="333855"/>
+          </a:xfrm>
+          <a:custGeom>
+            <a:avLst/>
+            <a:gdLst>
+              <a:gd name="connsiteX0" fmla="*/ 0 w 1524000"/>
+              <a:gd name="connsiteY0" fmla="*/ 319341 h 333855"/>
+              <a:gd name="connsiteX1" fmla="*/ 696686 w 1524000"/>
+              <a:gd name="connsiteY1" fmla="*/ 26 h 333855"/>
+              <a:gd name="connsiteX2" fmla="*/ 1524000 w 1524000"/>
+              <a:gd name="connsiteY2" fmla="*/ 333855 h 333855"/>
+            </a:gdLst>
+            <a:ahLst/>
+            <a:cxnLst>
+              <a:cxn ang="0">
+                <a:pos x="connsiteX0" y="connsiteY0"/>
+              </a:cxn>
+              <a:cxn ang="0">
+                <a:pos x="connsiteX1" y="connsiteY1"/>
+              </a:cxn>
+              <a:cxn ang="0">
+                <a:pos x="connsiteX2" y="connsiteY2"/>
+              </a:cxn>
+            </a:cxnLst>
+            <a:rect l="l" t="t" r="r" b="b"/>
+            <a:pathLst>
+              <a:path w="1524000" h="333855">
+                <a:moveTo>
+                  <a:pt x="0" y="319341"/>
+                </a:moveTo>
+                <a:cubicBezTo>
+                  <a:pt x="221343" y="158474"/>
+                  <a:pt x="442686" y="-2393"/>
+                  <a:pt x="696686" y="26"/>
+                </a:cubicBezTo>
+                <a:cubicBezTo>
+                  <a:pt x="950686" y="2445"/>
+                  <a:pt x="1237343" y="168150"/>
+                  <a:pt x="1524000" y="333855"/>
+                </a:cubicBezTo>
+              </a:path>
+            </a:pathLst>
+          </a:custGeom>
+          <a:noFill/>
+          <a:ln w="38100">
+            <a:solidFill>
+              <a:schemeClr val="tx1"/>
+            </a:solidFill>
+            <a:headEnd type="none" w="med" len="med"/>
+            <a:tailEnd type="triangle" w="med" len="med"/>
+          </a:ln>
+        </p:spPr>
+        <p:style>
+          <a:lnRef idx="2">
+            <a:schemeClr val="accent1">
+              <a:shade val="50000"/>
+            </a:schemeClr>
+          </a:lnRef>
+          <a:fillRef idx="1">
+            <a:schemeClr val="accent1"/>
+          </a:fillRef>
+          <a:effectRef idx="0">
+            <a:schemeClr val="accent1"/>
+          </a:effectRef>
+          <a:fontRef idx="minor">
+            <a:schemeClr val="lt1"/>
+          </a:fontRef>
+        </p:style>
+        <p:txBody>
+          <a:bodyPr rtlCol="0" anchor="ctr"/>
+          <a:lstStyle/>
+          <a:p>
+            <a:pPr algn="ctr"/>
+            <a:endParaRPr lang="en-US"/>
+          </a:p>
+        </p:txBody>
+      </p:sp>
+      <p:sp>
+        <p:nvSpPr>
+          <p:cNvPr id="22" name="Right Arrow 21"/>
+          <p:cNvSpPr/>
+          <p:nvPr/>
+        </p:nvSpPr>
+        <p:spPr>
+          <a:xfrm>
+            <a:off x="2800165" y="2180515"/>
+            <a:ext cx="551542" cy="217715"/>
+          </a:xfrm>
+          <a:prstGeom prst="rightArrow">
+            <a:avLst/>
+          </a:prstGeom>
+          <a:solidFill>
+            <a:schemeClr val="bg1"/>
+          </a:solidFill>
+          <a:ln>
+            <a:prstDash val="lgDashDot"/>
+          </a:ln>
+        </p:spPr>
+        <p:style>
+          <a:lnRef idx="2">
+            <a:schemeClr val="accent1">
+              <a:shade val="50000"/>
+            </a:schemeClr>
+          </a:lnRef>
+          <a:fillRef idx="1">
+            <a:schemeClr val="accent1"/>
+          </a:fillRef>
+          <a:effectRef idx="0">
+            <a:schemeClr val="accent1"/>
+          </a:effectRef>
+          <a:fontRef idx="minor">
+            <a:schemeClr val="lt1"/>
+          </a:fontRef>
+        </p:style>
+        <p:txBody>
+          <a:bodyPr rtlCol="0" anchor="ctr"/>
+          <a:lstStyle/>
+          <a:p>
+            <a:pPr algn="ctr"/>
+            <a:endParaRPr lang="en-US"/>
+          </a:p>
+        </p:txBody>
+      </p:sp>
+      <p:sp>
+        <p:nvSpPr>
+          <p:cNvPr id="23" name="TextBox 22"/>
+          <p:cNvSpPr txBox="1"/>
+          <p:nvPr/>
+        </p:nvSpPr>
+        <p:spPr>
+          <a:xfrm>
+            <a:off x="4602255" y="3094780"/>
+            <a:ext cx="1149674" cy="369332"/>
+          </a:xfrm>
+          <a:prstGeom prst="rect">
+            <a:avLst/>
+          </a:prstGeom>
+          <a:noFill/>
+          <a:ln>
+            <a:solidFill>
+              <a:schemeClr val="tx1"/>
+            </a:solidFill>
+          </a:ln>
+        </p:spPr>
+        <p:txBody>
+          <a:bodyPr wrap="none" rtlCol="0">
+            <a:spAutoFit/>
+          </a:bodyPr>
+          <a:lstStyle/>
+          <a:p>
+            <a:r>
+              <a:rPr lang="en-US" dirty="0">
+                <a:solidFill>
+                  <a:srgbClr val="7030A0"/>
+                </a:solidFill>
+                <a:latin typeface="Courier New" panose="02070309020205020404" pitchFamily="49" charset="0"/>
+                <a:cs typeface="Courier New" panose="02070309020205020404" pitchFamily="49" charset="0"/>
+              </a:rPr>
+              <a:t>f</a:t>
+            </a:r>
+            <a:r>
+              <a:rPr lang="en-US" dirty="0" smtClean="0">
+                <a:solidFill>
+                  <a:srgbClr val="7030A0"/>
+                </a:solidFill>
+                <a:latin typeface="Courier New" panose="02070309020205020404" pitchFamily="49" charset="0"/>
+                <a:cs typeface="Courier New" panose="02070309020205020404" pitchFamily="49" charset="0"/>
+              </a:rPr>
+              <a:t>ree(l)</a:t>
+            </a:r>
+            <a:endParaRPr lang="en-US" dirty="0">
+              <a:solidFill>
+                <a:srgbClr val="7030A0"/>
+              </a:solidFill>
+              <a:latin typeface="Courier New" panose="02070309020205020404" pitchFamily="49" charset="0"/>
+              <a:cs typeface="Courier New" panose="02070309020205020404" pitchFamily="49" charset="0"/>
+            </a:endParaRPr>
+          </a:p>
+        </p:txBody>
+      </p:sp>
+      <p:sp>
+        <p:nvSpPr>
+          <p:cNvPr id="25" name="TextBox 24"/>
+          <p:cNvSpPr txBox="1"/>
+          <p:nvPr/>
+        </p:nvSpPr>
+        <p:spPr>
+          <a:xfrm flipH="1">
+            <a:off x="5768858" y="3108590"/>
+            <a:ext cx="1974360" cy="923330"/>
+          </a:xfrm>
+          <a:prstGeom prst="rect">
+            <a:avLst/>
+          </a:prstGeom>
+          <a:noFill/>
+        </p:spPr>
+        <p:txBody>
+          <a:bodyPr wrap="square" rtlCol="0">
+            <a:spAutoFit/>
+          </a:bodyPr>
+          <a:lstStyle/>
+          <a:p>
+            <a:r>
+              <a:rPr lang="en-US" dirty="0" smtClean="0"/>
+              <a:t>Sometimes we may want to return </a:t>
+            </a:r>
+            <a:r>
+              <a:rPr lang="en-US" dirty="0" smtClean="0">
+                <a:solidFill>
+                  <a:srgbClr val="7030A0"/>
+                </a:solidFill>
+                <a:latin typeface="Courier New" panose="02070309020205020404" pitchFamily="49" charset="0"/>
+                <a:cs typeface="Courier New" panose="02070309020205020404" pitchFamily="49" charset="0"/>
+              </a:rPr>
+              <a:t>l</a:t>
+            </a:r>
+            <a:endParaRPr lang="en-US" dirty="0">
+              <a:solidFill>
+                <a:srgbClr val="7030A0"/>
+              </a:solidFill>
+              <a:latin typeface="Courier New" panose="02070309020205020404" pitchFamily="49" charset="0"/>
+              <a:cs typeface="Courier New" panose="02070309020205020404" pitchFamily="49" charset="0"/>
+            </a:endParaRPr>
+          </a:p>
+        </p:txBody>
+      </p:sp>
+    </p:spTree>
+    <p:extLst>
+      <p:ext uri="{BB962C8B-B14F-4D97-AF65-F5344CB8AC3E}">
+        <p14:creationId xmlns:p14="http://schemas.microsoft.com/office/powerpoint/2010/main" val="1638930138"/>
+      </p:ext>
+    </p:extLst>
+  </p:cSld>
+  <p:clrMapOvr>
+    <a:masterClrMapping/>
+  </p:clrMapOvr>
+  <p:timing>
+    <p:tnLst>
+      <p:par>
+        <p:cTn id="1" dur="indefinite" restart="never" nodeType="tmRoot">
+          <p:childTnLst>
+            <p:seq concurrent="1" nextAc="seek">
+              <p:cTn id="2" dur="indefinite" nodeType="mainSeq">
+                <p:childTnLst>
+                  <p:par>
+                    <p:cTn id="3" fill="hold">
+                      <p:stCondLst>
+                        <p:cond delay="indefinite"/>
+                      </p:stCondLst>
+                      <p:childTnLst>
+                        <p:par>
+                          <p:cTn id="4" fill="hold">
+                            <p:stCondLst>
+                              <p:cond delay="0"/>
+                            </p:stCondLst>
+                            <p:childTnLst>
+                              <p:par>
+                                <p:cTn id="5" presetID="10" presetClass="entr" presetSubtype="0" fill="hold" grpId="0" nodeType="clickEffect">
+                                  <p:stCondLst>
+                                    <p:cond delay="0"/>
+                                  </p:stCondLst>
+                                  <p:childTnLst>
+                                    <p:set>
+                                      <p:cBhvr>
+                                        <p:cTn id="6" dur="1" fill="hold">
+                                          <p:stCondLst>
+                                            <p:cond delay="0"/>
+                                          </p:stCondLst>
+                                        </p:cTn>
+                                        <p:tgtEl>
+                                          <p:spTgt spid="19"/>
+                                        </p:tgtEl>
+                                        <p:attrNameLst>
+                                          <p:attrName>style.visibility</p:attrName>
+                                        </p:attrNameLst>
+                                      </p:cBhvr>
+                                      <p:to>
+                                        <p:strVal val="visible"/>
+                                      </p:to>
+                                    </p:set>
+                                    <p:animEffect transition="in" filter="fade">
+                                      <p:cBhvr>
+                                        <p:cTn id="7" dur="500"/>
+                                        <p:tgtEl>
+                                          <p:spTgt spid="19"/>
+                                        </p:tgtEl>
+                                      </p:cBhvr>
+                                    </p:animEffect>
+                                  </p:childTnLst>
+                                </p:cTn>
+                              </p:par>
+                              <p:par>
+                                <p:cTn id="8" presetID="10" presetClass="entr" presetSubtype="0" fill="hold" nodeType="withEffect">
+                                  <p:stCondLst>
+                                    <p:cond delay="0"/>
+                                  </p:stCondLst>
+                                  <p:childTnLst>
+                                    <p:set>
+                                      <p:cBhvr>
+                                        <p:cTn id="9" dur="1" fill="hold">
+                                          <p:stCondLst>
+                                            <p:cond delay="0"/>
+                                          </p:stCondLst>
+                                        </p:cTn>
+                                        <p:tgtEl>
+                                          <p:spTgt spid="17"/>
+                                        </p:tgtEl>
+                                        <p:attrNameLst>
+                                          <p:attrName>style.visibility</p:attrName>
+                                        </p:attrNameLst>
+                                      </p:cBhvr>
+                                      <p:to>
+                                        <p:strVal val="visible"/>
+                                      </p:to>
+                                    </p:set>
+                                    <p:animEffect transition="in" filter="fade">
+                                      <p:cBhvr>
+                                        <p:cTn id="10" dur="500"/>
+                                        <p:tgtEl>
+                                          <p:spTgt spid="17"/>
+                                        </p:tgtEl>
+                                      </p:cBhvr>
+                                    </p:animEffect>
+                                  </p:childTnLst>
+                                </p:cTn>
+                              </p:par>
+                              <p:par>
+                                <p:cTn id="11" presetID="10" presetClass="entr" presetSubtype="0" fill="hold" nodeType="withEffect">
+                                  <p:stCondLst>
+                                    <p:cond delay="0"/>
+                                  </p:stCondLst>
+                                  <p:childTnLst>
+                                    <p:set>
+                                      <p:cBhvr>
+                                        <p:cTn id="12" dur="1" fill="hold">
+                                          <p:stCondLst>
+                                            <p:cond delay="0"/>
+                                          </p:stCondLst>
+                                        </p:cTn>
+                                        <p:tgtEl>
+                                          <p:spTgt spid="18"/>
+                                        </p:tgtEl>
+                                        <p:attrNameLst>
+                                          <p:attrName>style.visibility</p:attrName>
+                                        </p:attrNameLst>
+                                      </p:cBhvr>
+                                      <p:to>
+                                        <p:strVal val="visible"/>
+                                      </p:to>
+                                    </p:set>
+                                    <p:animEffect transition="in" filter="fade">
+                                      <p:cBhvr>
+                                        <p:cTn id="13" dur="500"/>
+                                        <p:tgtEl>
+                                          <p:spTgt spid="18"/>
+                                        </p:tgtEl>
+                                      </p:cBhvr>
+                                    </p:animEffect>
+                                  </p:childTnLst>
+                                </p:cTn>
+                              </p:par>
+                              <p:par>
+                                <p:cTn id="14" presetID="10" presetClass="entr" presetSubtype="0" fill="hold" grpId="0" nodeType="withEffect">
+                                  <p:stCondLst>
+                                    <p:cond delay="0"/>
+                                  </p:stCondLst>
+                                  <p:childTnLst>
+                                    <p:set>
+                                      <p:cBhvr>
+                                        <p:cTn id="15" dur="1" fill="hold">
+                                          <p:stCondLst>
+                                            <p:cond delay="0"/>
+                                          </p:stCondLst>
+                                        </p:cTn>
+                                        <p:tgtEl>
+                                          <p:spTgt spid="20"/>
+                                        </p:tgtEl>
+                                        <p:attrNameLst>
+                                          <p:attrName>style.visibility</p:attrName>
+                                        </p:attrNameLst>
+                                      </p:cBhvr>
+                                      <p:to>
+                                        <p:strVal val="visible"/>
+                                      </p:to>
+                                    </p:set>
+                                    <p:animEffect transition="in" filter="fade">
+                                      <p:cBhvr>
+                                        <p:cTn id="16" dur="500"/>
+                                        <p:tgtEl>
+                                          <p:spTgt spid="20"/>
+                                        </p:tgtEl>
+                                      </p:cBhvr>
+                                    </p:animEffect>
+                                  </p:childTnLst>
+                                </p:cTn>
+                              </p:par>
+                            </p:childTnLst>
+                          </p:cTn>
+                        </p:par>
+                      </p:childTnLst>
+                    </p:cTn>
+                  </p:par>
+                  <p:par>
+                    <p:cTn id="17" fill="hold">
+                      <p:stCondLst>
+                        <p:cond delay="indefinite"/>
+                      </p:stCondLst>
+                      <p:childTnLst>
+                        <p:par>
+                          <p:cTn id="18" fill="hold">
+                            <p:stCondLst>
+                              <p:cond delay="0"/>
+                            </p:stCondLst>
+                            <p:childTnLst>
+                              <p:par>
+                                <p:cTn id="19" presetID="10" presetClass="entr" presetSubtype="0" fill="hold" grpId="0" nodeType="clickEffect">
+                                  <p:stCondLst>
+                                    <p:cond delay="0"/>
+                                  </p:stCondLst>
+                                  <p:childTnLst>
+                                    <p:set>
+                                      <p:cBhvr>
+                                        <p:cTn id="20" dur="1" fill="hold">
+                                          <p:stCondLst>
+                                            <p:cond delay="0"/>
+                                          </p:stCondLst>
+                                        </p:cTn>
+                                        <p:tgtEl>
+                                          <p:spTgt spid="21"/>
+                                        </p:tgtEl>
+                                        <p:attrNameLst>
+                                          <p:attrName>style.visibility</p:attrName>
+                                        </p:attrNameLst>
+                                      </p:cBhvr>
+                                      <p:to>
+                                        <p:strVal val="visible"/>
+                                      </p:to>
+                                    </p:set>
+                                    <p:animEffect transition="in" filter="fade">
+                                      <p:cBhvr>
+                                        <p:cTn id="21" dur="500"/>
+                                        <p:tgtEl>
+                                          <p:spTgt spid="21"/>
+                                        </p:tgtEl>
+                                      </p:cBhvr>
+                                    </p:animEffect>
+                                  </p:childTnLst>
+                                </p:cTn>
+                              </p:par>
+                            </p:childTnLst>
+                          </p:cTn>
+                        </p:par>
+                        <p:par>
+                          <p:cTn id="22" fill="hold">
+                            <p:stCondLst>
+                              <p:cond delay="500"/>
+                            </p:stCondLst>
+                            <p:childTnLst>
+                              <p:par>
+                                <p:cTn id="23" presetID="1" presetClass="entr" presetSubtype="0" fill="hold" grpId="0" nodeType="afterEffect">
+                                  <p:stCondLst>
+                                    <p:cond delay="1000"/>
+                                  </p:stCondLst>
+                                  <p:childTnLst>
+                                    <p:set>
+                                      <p:cBhvr>
+                                        <p:cTn id="24" dur="1" fill="hold">
+                                          <p:stCondLst>
+                                            <p:cond delay="0"/>
+                                          </p:stCondLst>
+                                        </p:cTn>
+                                        <p:tgtEl>
+                                          <p:spTgt spid="22"/>
+                                        </p:tgtEl>
+                                        <p:attrNameLst>
+                                          <p:attrName>style.visibility</p:attrName>
+                                        </p:attrNameLst>
+                                      </p:cBhvr>
+                                      <p:to>
+                                        <p:strVal val="visible"/>
+                                      </p:to>
+                                    </p:set>
+                                  </p:childTnLst>
+                                </p:cTn>
+                              </p:par>
+                            </p:childTnLst>
+                          </p:cTn>
+                        </p:par>
+                      </p:childTnLst>
+                    </p:cTn>
+                  </p:par>
+                  <p:par>
+                    <p:cTn id="25" fill="hold">
+                      <p:stCondLst>
+                        <p:cond delay="indefinite"/>
+                      </p:stCondLst>
+                      <p:childTnLst>
+                        <p:par>
+                          <p:cTn id="26" fill="hold">
+                            <p:stCondLst>
+                              <p:cond delay="0"/>
+                            </p:stCondLst>
+                            <p:childTnLst>
+                              <p:par>
+                                <p:cTn id="27" presetID="1" presetClass="entr" presetSubtype="0" fill="hold" grpId="0" nodeType="clickEffect">
+                                  <p:stCondLst>
+                                    <p:cond delay="0"/>
+                                  </p:stCondLst>
+                                  <p:iterate type="lt">
+                                    <p:tmAbs val="500"/>
+                                  </p:iterate>
+                                  <p:childTnLst>
+                                    <p:set>
+                                      <p:cBhvr>
+                                        <p:cTn id="28" dur="1" fill="hold">
+                                          <p:stCondLst>
+                                            <p:cond delay="0"/>
+                                          </p:stCondLst>
+                                        </p:cTn>
+                                        <p:tgtEl>
+                                          <p:spTgt spid="23"/>
+                                        </p:tgtEl>
+                                        <p:attrNameLst>
+                                          <p:attrName>style.visibility</p:attrName>
+                                        </p:attrNameLst>
+                                      </p:cBhvr>
+                                      <p:to>
+                                        <p:strVal val="visible"/>
+                                      </p:to>
+                                    </p:set>
+                                  </p:childTnLst>
+                                  <p:subTnLst>
+                                    <p:animClr clrSpc="rgb" dir="cw">
+                                      <p:cBhvr override="childStyle">
+                                        <p:cTn dur="1" fill="hold" display="0" masterRel="nextClick" afterEffect="1"/>
+                                        <p:tgtEl>
+                                          <p:spTgt spid="23"/>
+                                        </p:tgtEl>
+                                        <p:attrNameLst>
+                                          <p:attrName>ppt_c</p:attrName>
+                                        </p:attrNameLst>
+                                      </p:cBhvr>
+                                      <p:to>
+                                        <a:schemeClr val="tx1"/>
+                                      </p:to>
+                                    </p:animClr>
+                                  </p:subTnLst>
+                                </p:cTn>
+                              </p:par>
+                            </p:childTnLst>
+                          </p:cTn>
+                        </p:par>
+                      </p:childTnLst>
+                    </p:cTn>
+                  </p:par>
+                  <p:par>
+                    <p:cTn id="29" fill="hold">
+                      <p:stCondLst>
+                        <p:cond delay="indefinite"/>
+                      </p:stCondLst>
+                      <p:childTnLst>
+                        <p:par>
+                          <p:cTn id="30" fill="hold">
+                            <p:stCondLst>
+                              <p:cond delay="0"/>
+                            </p:stCondLst>
+                            <p:childTnLst>
+                              <p:par>
+                                <p:cTn id="31" presetID="10" presetClass="entr" presetSubtype="0" fill="hold" nodeType="clickEffect">
+                                  <p:stCondLst>
+                                    <p:cond delay="0"/>
+                                  </p:stCondLst>
+                                  <p:childTnLst>
+                                    <p:set>
+                                      <p:cBhvr>
+                                        <p:cTn id="32" dur="1" fill="hold">
+                                          <p:stCondLst>
+                                            <p:cond delay="0"/>
+                                          </p:stCondLst>
+                                        </p:cTn>
+                                        <p:tgtEl>
+                                          <p:spTgt spid="25">
+                                            <p:txEl>
+                                              <p:pRg st="0" end="0"/>
+                                            </p:txEl>
+                                          </p:spTgt>
+                                        </p:tgtEl>
+                                        <p:attrNameLst>
+                                          <p:attrName>style.visibility</p:attrName>
+                                        </p:attrNameLst>
+                                      </p:cBhvr>
+                                      <p:to>
+                                        <p:strVal val="visible"/>
+                                      </p:to>
+                                    </p:set>
+                                    <p:animEffect transition="in" filter="fade">
+                                      <p:cBhvr>
+                                        <p:cTn id="33" dur="500"/>
+                                        <p:tgtEl>
+                                          <p:spTgt spid="25">
+                                            <p:txEl>
+                                              <p:pRg st="0" end="0"/>
+                                            </p:txEl>
+                                          </p:spTgt>
+                                        </p:tgtEl>
+                                      </p:cBhvr>
+                                    </p:animEffect>
+                                  </p:childTnLst>
+                                </p:cTn>
+                              </p:par>
+                            </p:childTnLst>
+                          </p:cTn>
+                        </p:par>
+                      </p:childTnLst>
+                    </p:cTn>
+                  </p:par>
+                </p:childTnLst>
+              </p:cTn>
+              <p:prevCondLst>
+                <p:cond evt="onPrev" delay="0">
+                  <p:tgtEl>
+                    <p:sldTgt/>
+                  </p:tgtEl>
+                </p:cond>
+              </p:prevCondLst>
+              <p:nextCondLst>
+                <p:cond evt="onNext" delay="0">
+                  <p:tgtEl>
+                    <p:sldTgt/>
+                  </p:tgtEl>
+                </p:cond>
+              </p:nextCondLst>
+            </p:seq>
+          </p:childTnLst>
+        </p:cTn>
+      </p:par>
+    </p:tnLst>
+    <p:bldLst>
+      <p:bldP spid="19" grpId="0"/>
+      <p:bldP spid="20" grpId="0"/>
+      <p:bldP spid="21" grpId="0" animBg="1"/>
+      <p:bldP spid="22" grpId="0" animBg="1"/>
+      <p:bldP spid="23" grpId="0" animBg="1"/>
+    </p:bldLst>
+  </p:timing>
+</p:sld>
+</file>
+
+<file path=ppt/slides/slide15.xml><?xml version="1.0" encoding="utf-8"?>
 <p:sld xmlns:a="http://schemas.openxmlformats.org/drawingml/2006/main" xmlns:r="http://schemas.openxmlformats.org/officeDocument/2006/relationships" xmlns:p="http://schemas.openxmlformats.org/presentationml/2006/main">
   <p:cSld>
     <p:spTree>
@@ -5600,7 +9449,7 @@
 </p:sld>
 </file>
 
-<file path=ppt/slides/slide13.xml><?xml version="1.0" encoding="utf-8"?>
+<file path=ppt/slides/slide16.xml><?xml version="1.0" encoding="utf-8"?>
 <p:sld xmlns:a="http://schemas.openxmlformats.org/drawingml/2006/main" xmlns:r="http://schemas.openxmlformats.org/officeDocument/2006/relationships" xmlns:p="http://schemas.openxmlformats.org/presentationml/2006/main">
   <p:cSld>
     <p:spTree>
@@ -9598,11 +13447,7 @@
             </a:r>
             <a:r>
               <a:rPr lang="en-US" dirty="0" smtClean="0"/>
-              <a:t> </a:t>
-            </a:r>
-            <a:r>
-              <a:rPr lang="en-US" dirty="0" smtClean="0"/>
-              <a:t>node));</a:t>
+              <a:t> node));</a:t>
             </a:r>
           </a:p>
           <a:p>
@@ -9632,11 +13477,7 @@
             </a:r>
             <a:r>
               <a:rPr lang="en-US" dirty="0" smtClean="0"/>
-              <a:t> </a:t>
-            </a:r>
-            <a:r>
-              <a:rPr lang="en-US" dirty="0" smtClean="0"/>
-              <a:t>node));</a:t>
+              <a:t> node));</a:t>
             </a:r>
           </a:p>
           <a:p>
@@ -11470,21 +15311,7 @@
                 <a:latin typeface="Courier New" panose="02070309020205020404" pitchFamily="49" charset="0"/>
                 <a:cs typeface="Courier New" panose="02070309020205020404" pitchFamily="49" charset="0"/>
               </a:rPr>
-              <a:t> node </a:t>
-            </a:r>
-            <a:r>
-              <a:rPr lang="en-US" dirty="0" smtClean="0">
-                <a:latin typeface="Courier New" panose="02070309020205020404" pitchFamily="49" charset="0"/>
-                <a:cs typeface="Courier New" panose="02070309020205020404" pitchFamily="49" charset="0"/>
-              </a:rPr>
-              <a:t> </a:t>
-            </a:r>
-            <a:r>
-              <a:rPr lang="en-US" dirty="0" smtClean="0">
-                <a:latin typeface="Courier New" panose="02070309020205020404" pitchFamily="49" charset="0"/>
-                <a:cs typeface="Courier New" panose="02070309020205020404" pitchFamily="49" charset="0"/>
-              </a:rPr>
-              <a:t>Node;</a:t>
+              <a:t> node  Node;</a:t>
             </a:r>
           </a:p>
           <a:p>
@@ -14091,44 +17918,30 @@
                 <a:latin typeface="Courier New" panose="02070309020205020404" pitchFamily="49" charset="0"/>
                 <a:cs typeface="Courier New" panose="02070309020205020404" pitchFamily="49" charset="0"/>
               </a:rPr>
-              <a:t> </a:t>
-            </a:r>
+              <a:t> node));</a:t>
+            </a:r>
+          </a:p>
+          <a:p>
             <a:r>
               <a:rPr lang="en-US" dirty="0" smtClean="0">
                 <a:latin typeface="Courier New" panose="02070309020205020404" pitchFamily="49" charset="0"/>
                 <a:cs typeface="Courier New" panose="02070309020205020404" pitchFamily="49" charset="0"/>
               </a:rPr>
-              <a:t>node));</a:t>
-            </a:r>
-          </a:p>
-          <a:p>
+              <a:t>p1-&gt;</a:t>
+            </a:r>
+            <a:r>
+              <a:rPr lang="en-US" dirty="0" err="1" smtClean="0">
+                <a:latin typeface="Courier New" panose="02070309020205020404" pitchFamily="49" charset="0"/>
+                <a:cs typeface="Courier New" panose="02070309020205020404" pitchFamily="49" charset="0"/>
+              </a:rPr>
+              <a:t>val</a:t>
+            </a:r>
             <a:r>
               <a:rPr lang="en-US" dirty="0" smtClean="0">
                 <a:latin typeface="Courier New" panose="02070309020205020404" pitchFamily="49" charset="0"/>
                 <a:cs typeface="Courier New" panose="02070309020205020404" pitchFamily="49" charset="0"/>
               </a:rPr>
-              <a:t>p1-&gt;</a:t>
-            </a:r>
-            <a:r>
-              <a:rPr lang="en-US" dirty="0" err="1" smtClean="0">
-                <a:latin typeface="Courier New" panose="02070309020205020404" pitchFamily="49" charset="0"/>
-                <a:cs typeface="Courier New" panose="02070309020205020404" pitchFamily="49" charset="0"/>
-              </a:rPr>
-              <a:t>val</a:t>
-            </a:r>
-            <a:r>
-              <a:rPr lang="en-US" dirty="0" smtClean="0">
-                <a:latin typeface="Courier New" panose="02070309020205020404" pitchFamily="49" charset="0"/>
-                <a:cs typeface="Courier New" panose="02070309020205020404" pitchFamily="49" charset="0"/>
-              </a:rPr>
-              <a:t>=0</a:t>
-            </a:r>
-            <a:r>
-              <a:rPr lang="en-US" dirty="0" smtClean="0">
-                <a:latin typeface="Courier New" panose="02070309020205020404" pitchFamily="49" charset="0"/>
-                <a:cs typeface="Courier New" panose="02070309020205020404" pitchFamily="49" charset="0"/>
-              </a:rPr>
-              <a:t>;</a:t>
+              <a:t>=0;</a:t>
             </a:r>
           </a:p>
           <a:p>
@@ -14152,10 +17965,6 @@
               </a:rPr>
               <a:t> </a:t>
             </a:r>
-            <a:endParaRPr lang="en-US" dirty="0" smtClean="0">
-              <a:latin typeface="Courier New" panose="02070309020205020404" pitchFamily="49" charset="0"/>
-              <a:cs typeface="Courier New" panose="02070309020205020404" pitchFamily="49" charset="0"/>
-            </a:endParaRPr>
           </a:p>
           <a:p>
             <a:r>
@@ -16720,14 +20529,7 @@
                 <a:latin typeface="Courier New" panose="02070309020205020404" pitchFamily="49" charset="0"/>
                 <a:cs typeface="Courier New" panose="02070309020205020404" pitchFamily="49" charset="0"/>
               </a:rPr>
-              <a:t>=0</a:t>
-            </a:r>
-            <a:r>
-              <a:rPr lang="en-US" dirty="0" smtClean="0">
-                <a:latin typeface="Courier New" panose="02070309020205020404" pitchFamily="49" charset="0"/>
-                <a:cs typeface="Courier New" panose="02070309020205020404" pitchFamily="49" charset="0"/>
-              </a:rPr>
-              <a:t>;</a:t>
+              <a:t>=0;</a:t>
             </a:r>
           </a:p>
           <a:p>
@@ -18898,15 +22700,7 @@
             </a:r>
             <a:r>
               <a:rPr lang="en-US" dirty="0" smtClean="0"/>
-              <a:t> </a:t>
-            </a:r>
-            <a:r>
-              <a:rPr lang="en-US" dirty="0" smtClean="0"/>
-              <a:t> the </a:t>
-            </a:r>
-            <a:r>
-              <a:rPr lang="en-US" dirty="0" smtClean="0"/>
-              <a:t>list</a:t>
+              <a:t>  the list</a:t>
             </a:r>
             <a:endParaRPr lang="en-US" dirty="0">
               <a:latin typeface="Courier New" panose="02070309020205020404" pitchFamily="49" charset="0"/>
